--- a/template.pptx
+++ b/template.pptx
@@ -246,7 +246,7 @@
           <a:p>
             <a:fld id="{93BB57F4-6D8F-415E-AF91-44F3E8E62517}" type="datetimeFigureOut">
               <a:rPr lang="pt-BR" smtClean="0"/>
-              <a:t>16/05/2025</a:t>
+              <a:t>19/05/2025</a:t>
             </a:fld>
             <a:endParaRPr lang="pt-BR"/>
           </a:p>
@@ -429,7 +429,7 @@
             <a:fld id="{EFC10EE1-B198-C942-8235-326C972CBB30}" type="datetimeFigureOut">
               <a:rPr lang="en-US" smtClean="0"/>
               <a:pPr/>
-              <a:t>5/16/2025</a:t>
+              <a:t>5/19/2025</a:t>
             </a:fld>
             <a:endParaRPr lang="en-US"/>
           </a:p>
@@ -1694,7 +1694,7 @@
           <a:lstStyle/>
           <a:p>
             <a:pPr algn="ctr"/>
-            <a:endParaRPr lang="pt-BR"/>
+            <a:endParaRPr lang="pt-BR" dirty="0"/>
           </a:p>
         </p:txBody>
       </p:sp>
@@ -1895,7 +1895,7 @@
         <p:spPr>
           <a:xfrm>
             <a:off x="1" y="895483"/>
-            <a:ext cx="7581232" cy="1015663"/>
+            <a:ext cx="7581232" cy="553998"/>
           </a:xfrm>
           <a:prstGeom prst="rect">
             <a:avLst/>
@@ -1926,21 +1926,10 @@
           </a:lstStyle>
           <a:p>
             <a:r>
-              <a:rPr lang="pt-BR" b="1"/>
-              <a:t>Hero </a:t>
-            </a:r>
-            <a:r>
-              <a:rPr lang="pt-BR" b="1" err="1"/>
-              <a:t>MotoCorp</a:t>
-            </a:r>
-            <a:r>
-              <a:rPr lang="pt-BR" b="1"/>
-              <a:t> </a:t>
-            </a:r>
-            <a:r>
-              <a:rPr lang="pt-BR"/>
-              <a:t>planeja instalar fábrica na Zona Franca de Manaus</a:t>
-            </a:r>
+              <a:rPr lang="pt-BR" b="1" dirty="0"/>
+              <a:t>{titulo}</a:t>
+            </a:r>
+            <a:endParaRPr lang="pt-BR" dirty="0"/>
           </a:p>
         </p:txBody>
       </p:sp>
@@ -1974,7 +1963,7 @@
           <a:p>
             <a:pPr algn="just"/>
             <a:r>
-              <a:rPr lang="en-US" sz="2000">
+              <a:rPr lang="en-US" sz="2000" dirty="0">
                 <a:solidFill>
                   <a:schemeClr val="tx2">
                     <a:lumMod val="65000"/>
@@ -1985,7 +1974,7 @@
                 <a:ea typeface="Roboto" panose="02000000000000000000" pitchFamily="2" charset="0"/>
                 <a:cs typeface="Poppins" panose="00000500000000000000" pitchFamily="2" charset="0"/>
               </a:rPr>
-              <a:t>06/05/2025</a:t>
+              <a:t>{data}</a:t>
             </a:r>
           </a:p>
         </p:txBody>
@@ -2005,7 +1994,7 @@
         <p:spPr>
           <a:xfrm>
             <a:off x="-19259" y="5900932"/>
-            <a:ext cx="7776900" cy="584775"/>
+            <a:ext cx="7776900" cy="338554"/>
           </a:xfrm>
           <a:prstGeom prst="rect">
             <a:avLst/>
@@ -2019,7 +2008,7 @@
           <a:lstStyle/>
           <a:p>
             <a:r>
-              <a:rPr lang="en-US" sz="1600">
+              <a:rPr lang="en-US" sz="1600" dirty="0">
                 <a:solidFill>
                   <a:schemeClr val="tx2">
                     <a:lumMod val="65000"/>
@@ -2030,39 +2019,9 @@
                 <a:ea typeface="Roboto" panose="02000000000000000000" pitchFamily="2" charset="0"/>
                 <a:cs typeface="Poppins" panose="00000500000000000000" pitchFamily="2" charset="0"/>
               </a:rPr>
-              <a:t>Fonte:</a:t>
-            </a:r>
-            <a:r>
-              <a:rPr lang="en-US" sz="1600">
-                <a:solidFill>
-                  <a:srgbClr val="FF0000"/>
-                </a:solidFill>
-                <a:latin typeface="Poppins" panose="00000500000000000000" pitchFamily="2" charset="0"/>
-                <a:ea typeface="Roboto" panose="02000000000000000000" pitchFamily="2" charset="0"/>
-                <a:cs typeface="Poppins" panose="00000500000000000000" pitchFamily="2" charset="0"/>
-                <a:hlinkClick r:id="rId3">
-                  <a:extLst>
-                    <a:ext uri="{A12FA001-AC4F-418D-AE19-62706E023703}">
-                      <ahyp:hlinkClr xmlns:ahyp="http://schemas.microsoft.com/office/drawing/2018/hyperlinkcolor" val="tx"/>
-                    </a:ext>
-                  </a:extLst>
-                </a:hlinkClick>
-              </a:rPr>
-              <a:t> </a:t>
-            </a:r>
-            <a:r>
-              <a:rPr lang="en-US" sz="1600">
-                <a:solidFill>
-                  <a:srgbClr val="FF0000"/>
-                </a:solidFill>
-                <a:latin typeface="Poppins" panose="00000500000000000000" pitchFamily="2" charset="0"/>
-                <a:ea typeface="Roboto" panose="02000000000000000000" pitchFamily="2" charset="0"/>
-                <a:cs typeface="Poppins" panose="00000500000000000000" pitchFamily="2" charset="0"/>
-                <a:hlinkClick r:id="rId4"/>
-              </a:rPr>
-              <a:t>https://www.acritica.com/economia/hero-motocorp-planeja-instalar-fabrica-na-zona-franca-de-manaus-1.371629</a:t>
-            </a:r>
-            <a:endParaRPr lang="en-US" sz="1600">
+              <a:t>link</a:t>
+            </a:r>
+            <a:endParaRPr lang="en-US" sz="1600" dirty="0">
               <a:solidFill>
                 <a:srgbClr val="FF0000"/>
               </a:solidFill>
@@ -2239,7 +2198,7 @@
                 <a:latin typeface="Poppins" panose="00000500000000000000" pitchFamily="2" charset="0"/>
                 <a:ea typeface="Roboto" panose="02000000000000000000" pitchFamily="2" charset="0"/>
                 <a:cs typeface="Poppins" panose="00000500000000000000" pitchFamily="2" charset="0"/>
-                <a:hlinkClick r:id="rId5"/>
+                <a:hlinkClick r:id="rId3"/>
               </a:rPr>
               <a:t>https://bncamazonas.com.br/poder/corredor-brasil-chile-beneficia-zfm-e-dobra-comercio-diz-ministra/</a:t>
             </a:r>
@@ -2580,7 +2539,7 @@
             </a:r>
             <a:r>
               <a:rPr lang="en-US" sz="1600">
-                <a:hlinkClick r:id="rId6"/>
+                <a:hlinkClick r:id="rId4"/>
               </a:rPr>
               <a:t>https://www.cnnbrasil.com.br/nacional/norte/am/rio-negro-ultrapassa-cota-de-inundacao-em-manaus-no-amazonas/</a:t>
             </a:r>
@@ -2609,7 +2568,7 @@
         <p:spPr bwMode="auto">
           <a:xfrm>
             <a:off x="-10170" y="2951993"/>
-            <a:ext cx="7668007" cy="3091359"/>
+            <a:ext cx="7668007" cy="1060034"/>
           </a:xfrm>
           <a:prstGeom prst="rect">
             <a:avLst/>
@@ -2628,7 +2587,7 @@
               </a:lnSpc>
             </a:pPr>
             <a:r>
-              <a:rPr lang="pt-BR" sz="2200">
+              <a:rPr lang="pt-BR" sz="2200" dirty="0">
                 <a:solidFill>
                   <a:schemeClr val="tx2">
                     <a:lumMod val="65000"/>
@@ -2639,35 +2598,7 @@
                 <a:ea typeface="Roboto" panose="02000000000000000000" pitchFamily="2" charset="0"/>
                 <a:cs typeface="Poppins" panose="00000500000000000000" pitchFamily="2" charset="0"/>
               </a:rPr>
-              <a:t>Reconhecida como a maior fabricante de motocicletas do mundo em volume, a Hero </a:t>
-            </a:r>
-            <a:r>
-              <a:rPr lang="pt-BR" sz="2200" err="1">
-                <a:solidFill>
-                  <a:schemeClr val="tx2">
-                    <a:lumMod val="65000"/>
-                    <a:lumOff val="35000"/>
-                  </a:schemeClr>
-                </a:solidFill>
-                <a:latin typeface="Poppins" panose="00000500000000000000" pitchFamily="2" charset="0"/>
-                <a:ea typeface="Roboto" panose="02000000000000000000" pitchFamily="2" charset="0"/>
-                <a:cs typeface="Poppins" panose="00000500000000000000" pitchFamily="2" charset="0"/>
-              </a:rPr>
-              <a:t>MotoCorp</a:t>
-            </a:r>
-            <a:r>
-              <a:rPr lang="pt-BR" sz="2200">
-                <a:solidFill>
-                  <a:schemeClr val="tx2">
-                    <a:lumMod val="65000"/>
-                    <a:lumOff val="35000"/>
-                  </a:schemeClr>
-                </a:solidFill>
-                <a:latin typeface="Poppins" panose="00000500000000000000" pitchFamily="2" charset="0"/>
-                <a:ea typeface="Roboto" panose="02000000000000000000" pitchFamily="2" charset="0"/>
-                <a:cs typeface="Poppins" panose="00000500000000000000" pitchFamily="2" charset="0"/>
-              </a:rPr>
-              <a:t> é líder absoluta no segmento na Índia e busca agora expandir sua presença na América Latina por meio do mercado brasileiro.</a:t>
+              <a:t>{resumo}</a:t>
             </a:r>
           </a:p>
           <a:p>
@@ -2676,7 +2607,7 @@
                 <a:spcPct val="150000"/>
               </a:lnSpc>
             </a:pPr>
-            <a:endParaRPr lang="pt-BR" sz="2200">
+            <a:endParaRPr lang="pt-BR" sz="2200" dirty="0">
               <a:solidFill>
                 <a:schemeClr val="tx2">
                   <a:lumMod val="65000"/>
@@ -3024,7 +2955,7 @@
                 <a:latin typeface="Poppins" panose="00000500000000000000" pitchFamily="2" charset="0"/>
                 <a:ea typeface="Roboto" panose="02000000000000000000" pitchFamily="2" charset="0"/>
                 <a:cs typeface="Poppins" panose="00000500000000000000" pitchFamily="2" charset="0"/>
-                <a:hlinkClick r:id="rId7"/>
+                <a:hlinkClick r:id="rId5"/>
               </a:rPr>
               <a:t> https://g1.globo.com/economia/noticia/2025/05/07/dolar-ibovespa.ghtml</a:t>
             </a:r>
@@ -3054,7 +2985,7 @@
         <p:spPr>
           <a:xfrm>
             <a:off x="8078038" y="895483"/>
-            <a:ext cx="7581232" cy="1477328"/>
+            <a:ext cx="7581232" cy="553998"/>
           </a:xfrm>
           <a:prstGeom prst="rect">
             <a:avLst/>
@@ -3085,24 +3016,8 @@
           </a:lstStyle>
           <a:p>
             <a:r>
-              <a:rPr lang="pt-BR"/>
-              <a:t>ERT </a:t>
-            </a:r>
-            <a:r>
-              <a:rPr lang="pt-BR" b="1"/>
-              <a:t>Bioplásticos</a:t>
-            </a:r>
-            <a:r>
-              <a:rPr lang="pt-BR"/>
-              <a:t> inaugura </a:t>
-            </a:r>
-            <a:r>
-              <a:rPr lang="pt-BR" b="1"/>
-              <a:t>nova fábrica </a:t>
-            </a:r>
-            <a:r>
-              <a:rPr lang="pt-BR"/>
-              <a:t>em Manaus e impulsiona produção sustentável na Amazônia</a:t>
+              <a:rPr lang="pt-BR" dirty="0"/>
+              <a:t>titulo</a:t>
             </a:r>
           </a:p>
         </p:txBody>
@@ -3124,7 +3039,7 @@
         <p:spPr bwMode="auto">
           <a:xfrm>
             <a:off x="7890969" y="2951993"/>
-            <a:ext cx="8103782" cy="1567865"/>
+            <a:ext cx="8103782" cy="552202"/>
           </a:xfrm>
           <a:prstGeom prst="rect">
             <a:avLst/>
@@ -3143,7 +3058,7 @@
               </a:lnSpc>
             </a:pPr>
             <a:r>
-              <a:rPr lang="pt-BR" sz="2200">
+              <a:rPr lang="pt-BR" sz="2200" dirty="0">
                 <a:solidFill>
                   <a:schemeClr val="tx2">
                     <a:lumMod val="65000"/>
@@ -3154,9 +3069,9 @@
                 <a:ea typeface="Roboto" panose="02000000000000000000" pitchFamily="2" charset="0"/>
                 <a:cs typeface="Poppins" panose="00000500000000000000" pitchFamily="2" charset="0"/>
               </a:rPr>
-              <a:t>A fábrica entra em operação com contratos em vigor, entre eles o fornecimento de materiais para a Positivo Tecnologia.</a:t>
-            </a:r>
-            <a:endParaRPr lang="pt-BR" altLang="pt-BR" sz="2200">
+              <a:t>resumo</a:t>
+            </a:r>
+            <a:endParaRPr lang="pt-BR" altLang="pt-BR" sz="2200" dirty="0">
               <a:solidFill>
                 <a:schemeClr val="tx2">
                   <a:lumMod val="65000"/>
@@ -3200,7 +3115,7 @@
           <a:p>
             <a:pPr algn="just"/>
             <a:r>
-              <a:rPr lang="en-US" sz="2000">
+              <a:rPr lang="en-US" sz="2000" dirty="0" err="1">
                 <a:solidFill>
                   <a:schemeClr val="tx2">
                     <a:lumMod val="65000"/>
@@ -3211,8 +3126,19 @@
                 <a:ea typeface="Roboto" panose="02000000000000000000" pitchFamily="2" charset="0"/>
                 <a:cs typeface="Poppins" panose="00000500000000000000" pitchFamily="2" charset="0"/>
               </a:rPr>
-              <a:t>05/05/2025</a:t>
-            </a:r>
+              <a:t>dara</a:t>
+            </a:r>
+            <a:endParaRPr lang="en-US" sz="2000" dirty="0">
+              <a:solidFill>
+                <a:schemeClr val="tx2">
+                  <a:lumMod val="65000"/>
+                  <a:lumOff val="35000"/>
+                </a:schemeClr>
+              </a:solidFill>
+              <a:latin typeface="Poppins" panose="00000500000000000000" pitchFamily="2" charset="0"/>
+              <a:ea typeface="Roboto" panose="02000000000000000000" pitchFamily="2" charset="0"/>
+              <a:cs typeface="Poppins" panose="00000500000000000000" pitchFamily="2" charset="0"/>
+            </a:endParaRPr>
           </a:p>
         </p:txBody>
       </p:sp>
@@ -3245,57 +3171,16 @@
           <a:lstStyle/>
           <a:p>
             <a:r>
-              <a:rPr lang="en-US" sz="1600">
+              <a:rPr lang="en-US" sz="1600" dirty="0">
                 <a:solidFill>
-                  <a:schemeClr val="tx2">
-                    <a:lumMod val="65000"/>
-                    <a:lumOff val="35000"/>
-                  </a:schemeClr>
+                  <a:srgbClr val="FF0000"/>
                 </a:solidFill>
                 <a:latin typeface="Poppins" panose="00000500000000000000" pitchFamily="2" charset="0"/>
                 <a:ea typeface="Roboto" panose="02000000000000000000" pitchFamily="2" charset="0"/>
                 <a:cs typeface="Poppins" panose="00000500000000000000" pitchFamily="2" charset="0"/>
               </a:rPr>
-              <a:t>Fonte:</a:t>
-            </a:r>
-            <a:r>
-              <a:rPr lang="en-US" sz="1600">
-                <a:solidFill>
-                  <a:schemeClr val="tx2">
-                    <a:lumMod val="65000"/>
-                    <a:lumOff val="35000"/>
-                  </a:schemeClr>
-                </a:solidFill>
-                <a:latin typeface="Poppins" panose="00000500000000000000" pitchFamily="2" charset="0"/>
-                <a:ea typeface="Roboto" panose="02000000000000000000" pitchFamily="2" charset="0"/>
-                <a:cs typeface="Poppins" panose="00000500000000000000" pitchFamily="2" charset="0"/>
-                <a:hlinkClick r:id="rId8"/>
-              </a:rPr>
-              <a:t> </a:t>
-            </a:r>
-            <a:r>
-              <a:rPr lang="en-US" sz="1600">
-                <a:solidFill>
-                  <a:schemeClr val="tx2">
-                    <a:lumMod val="65000"/>
-                    <a:lumOff val="35000"/>
-                  </a:schemeClr>
-                </a:solidFill>
-                <a:latin typeface="Poppins" panose="00000500000000000000" pitchFamily="2" charset="0"/>
-                <a:ea typeface="Roboto" panose="02000000000000000000" pitchFamily="2" charset="0"/>
-                <a:cs typeface="Poppins" panose="00000500000000000000" pitchFamily="2" charset="0"/>
-                <a:hlinkClick r:id="rId9"/>
-              </a:rPr>
-              <a:t>https://msktv.com.br/ert-bioplasticos-inaugura-fabrica-manaus/</a:t>
-            </a:r>
-            <a:endParaRPr lang="en-US" sz="1600">
-              <a:solidFill>
-                <a:srgbClr val="FF0000"/>
-              </a:solidFill>
-              <a:latin typeface="Poppins" panose="00000500000000000000" pitchFamily="2" charset="0"/>
-              <a:ea typeface="Roboto" panose="02000000000000000000" pitchFamily="2" charset="0"/>
-              <a:cs typeface="Poppins" panose="00000500000000000000" pitchFamily="2" charset="0"/>
-            </a:endParaRPr>
+              <a:t>link</a:t>
+            </a:r>
           </a:p>
         </p:txBody>
       </p:sp>
@@ -3537,7 +3422,7 @@
             </a:r>
             <a:r>
               <a:rPr lang="en-US" sz="1600">
-                <a:hlinkClick r:id="rId4"/>
+                <a:hlinkClick r:id="rId6"/>
               </a:rPr>
               <a:t> https://www.acritica.com/economia/hero-motocorp-planeja-instalar-fabrica-na-zona-franca-de-manaus-1.371629</a:t>
             </a:r>
@@ -3678,59 +3563,6 @@
               <a:rPr lang="en-US"/>
               <a:t>06/05/2025</a:t>
             </a:r>
-          </a:p>
-        </p:txBody>
-      </p:sp>
-      <p:sp>
-        <p:nvSpPr>
-          <p:cNvPr id="6" name="TextBox 19">
-            <a:extLst>
-              <a:ext uri="{FF2B5EF4-FFF2-40B4-BE49-F238E27FC236}">
-                <a16:creationId xmlns:a16="http://schemas.microsoft.com/office/drawing/2014/main" id="{0769DB44-209C-BF3C-C1B7-6993CE42A591}"/>
-              </a:ext>
-            </a:extLst>
-          </p:cNvPr>
-          <p:cNvSpPr txBox="1"/>
-          <p:nvPr/>
-        </p:nvSpPr>
-        <p:spPr>
-          <a:xfrm>
-            <a:off x="6879852" y="1351185"/>
-            <a:ext cx="604746" cy="553998"/>
-          </a:xfrm>
-          <a:prstGeom prst="rect">
-            <a:avLst/>
-          </a:prstGeom>
-          <a:noFill/>
-        </p:spPr>
-        <p:txBody>
-          <a:bodyPr wrap="square" rtlCol="0">
-            <a:spAutoFit/>
-          </a:bodyPr>
-          <a:lstStyle>
-            <a:defPPr>
-              <a:defRPr lang="en-US"/>
-            </a:defPPr>
-            <a:lvl1pPr algn="just">
-              <a:defRPr sz="3000" b="0">
-                <a:solidFill>
-                  <a:schemeClr val="tx2">
-                    <a:lumMod val="65000"/>
-                    <a:lumOff val="35000"/>
-                  </a:schemeClr>
-                </a:solidFill>
-                <a:latin typeface="Poppins" panose="00000500000000000000" pitchFamily="2" charset="0"/>
-                <a:ea typeface="Roboto" panose="02000000000000000000" pitchFamily="2" charset="0"/>
-                <a:cs typeface="Poppins" panose="00000500000000000000" pitchFamily="2" charset="0"/>
-              </a:defRPr>
-            </a:lvl1pPr>
-          </a:lstStyle>
-          <a:p>
-            <a:r>
-              <a:rPr lang="pt-BR" b="1"/>
-              <a:t>+</a:t>
-            </a:r>
-            <a:endParaRPr lang="pt-BR"/>
           </a:p>
         </p:txBody>
       </p:sp>

--- a/template.pptx
+++ b/template.pptx
@@ -1927,7 +1927,7 @@
           <a:p>
             <a:r>
               <a:rPr lang="pt-BR" b="1" dirty="0"/>
-              <a:t>{titulo}</a:t>
+              <a:t>titulo</a:t>
             </a:r>
             <a:endParaRPr lang="pt-BR" dirty="0"/>
           </a:p>
@@ -1974,7 +1974,7 @@
                 <a:ea typeface="Roboto" panose="02000000000000000000" pitchFamily="2" charset="0"/>
                 <a:cs typeface="Poppins" panose="00000500000000000000" pitchFamily="2" charset="0"/>
               </a:rPr>
-              <a:t>{data}</a:t>
+              <a:t>data</a:t>
             </a:r>
           </a:p>
         </p:txBody>
@@ -2598,7 +2598,7 @@
                 <a:ea typeface="Roboto" panose="02000000000000000000" pitchFamily="2" charset="0"/>
                 <a:cs typeface="Poppins" panose="00000500000000000000" pitchFamily="2" charset="0"/>
               </a:rPr>
-              <a:t>{resumo}</a:t>
+              <a:t>resumo</a:t>
             </a:r>
           </a:p>
           <a:p>
@@ -2962,178 +2962,6 @@
             <a:endParaRPr lang="en-US" sz="1600">
               <a:solidFill>
                 <a:srgbClr val="FF0000"/>
-              </a:solidFill>
-              <a:latin typeface="Poppins" panose="00000500000000000000" pitchFamily="2" charset="0"/>
-              <a:ea typeface="Roboto" panose="02000000000000000000" pitchFamily="2" charset="0"/>
-              <a:cs typeface="Poppins" panose="00000500000000000000" pitchFamily="2" charset="0"/>
-            </a:endParaRPr>
-          </a:p>
-        </p:txBody>
-      </p:sp>
-      <p:sp>
-        <p:nvSpPr>
-          <p:cNvPr id="50" name="TextBox 19">
-            <a:extLst>
-              <a:ext uri="{FF2B5EF4-FFF2-40B4-BE49-F238E27FC236}">
-                <a16:creationId xmlns:a16="http://schemas.microsoft.com/office/drawing/2014/main" id="{DCFF2C1B-CE8C-930F-DA83-FBBA7E196A6B}"/>
-              </a:ext>
-            </a:extLst>
-          </p:cNvPr>
-          <p:cNvSpPr txBox="1"/>
-          <p:nvPr/>
-        </p:nvSpPr>
-        <p:spPr>
-          <a:xfrm>
-            <a:off x="8078038" y="895483"/>
-            <a:ext cx="7581232" cy="553998"/>
-          </a:xfrm>
-          <a:prstGeom prst="rect">
-            <a:avLst/>
-          </a:prstGeom>
-          <a:noFill/>
-        </p:spPr>
-        <p:txBody>
-          <a:bodyPr wrap="square" rtlCol="0">
-            <a:spAutoFit/>
-          </a:bodyPr>
-          <a:lstStyle>
-            <a:defPPr>
-              <a:defRPr lang="en-US"/>
-            </a:defPPr>
-            <a:lvl1pPr algn="just">
-              <a:defRPr sz="3000" b="0">
-                <a:solidFill>
-                  <a:schemeClr val="tx2">
-                    <a:lumMod val="65000"/>
-                    <a:lumOff val="35000"/>
-                  </a:schemeClr>
-                </a:solidFill>
-                <a:latin typeface="Poppins" panose="00000500000000000000" pitchFamily="2" charset="0"/>
-                <a:ea typeface="Roboto" panose="02000000000000000000" pitchFamily="2" charset="0"/>
-                <a:cs typeface="Poppins" panose="00000500000000000000" pitchFamily="2" charset="0"/>
-              </a:defRPr>
-            </a:lvl1pPr>
-          </a:lstStyle>
-          <a:p>
-            <a:r>
-              <a:rPr lang="pt-BR" dirty="0"/>
-              <a:t>titulo</a:t>
-            </a:r>
-          </a:p>
-        </p:txBody>
-      </p:sp>
-      <p:sp>
-        <p:nvSpPr>
-          <p:cNvPr id="51" name="Rectangle 4">
-            <a:extLst>
-              <a:ext uri="{FF2B5EF4-FFF2-40B4-BE49-F238E27FC236}">
-                <a16:creationId xmlns:a16="http://schemas.microsoft.com/office/drawing/2014/main" id="{E44E88E7-8FE9-BBA3-3116-B30AB2A1FA29}"/>
-              </a:ext>
-            </a:extLst>
-          </p:cNvPr>
-          <p:cNvSpPr>
-            <a:spLocks noChangeArrowheads="1"/>
-          </p:cNvSpPr>
-          <p:nvPr/>
-        </p:nvSpPr>
-        <p:spPr bwMode="auto">
-          <a:xfrm>
-            <a:off x="7890969" y="2951993"/>
-            <a:ext cx="8103782" cy="552202"/>
-          </a:xfrm>
-          <a:prstGeom prst="rect">
-            <a:avLst/>
-          </a:prstGeom>
-          <a:noFill/>
-        </p:spPr>
-        <p:txBody>
-          <a:bodyPr wrap="square" rtlCol="0">
-            <a:spAutoFit/>
-          </a:bodyPr>
-          <a:lstStyle/>
-          <a:p>
-            <a:pPr algn="just">
-              <a:lnSpc>
-                <a:spcPct val="150000"/>
-              </a:lnSpc>
-            </a:pPr>
-            <a:r>
-              <a:rPr lang="pt-BR" sz="2200" dirty="0">
-                <a:solidFill>
-                  <a:schemeClr val="tx2">
-                    <a:lumMod val="65000"/>
-                    <a:lumOff val="35000"/>
-                  </a:schemeClr>
-                </a:solidFill>
-                <a:latin typeface="Poppins" panose="00000500000000000000" pitchFamily="2" charset="0"/>
-                <a:ea typeface="Roboto" panose="02000000000000000000" pitchFamily="2" charset="0"/>
-                <a:cs typeface="Poppins" panose="00000500000000000000" pitchFamily="2" charset="0"/>
-              </a:rPr>
-              <a:t>resumo</a:t>
-            </a:r>
-            <a:endParaRPr lang="pt-BR" altLang="pt-BR" sz="2200" dirty="0">
-              <a:solidFill>
-                <a:schemeClr val="tx2">
-                  <a:lumMod val="65000"/>
-                  <a:lumOff val="35000"/>
-                </a:schemeClr>
-              </a:solidFill>
-              <a:latin typeface="Poppins" panose="00000500000000000000" pitchFamily="2" charset="0"/>
-              <a:ea typeface="Roboto" panose="02000000000000000000" pitchFamily="2" charset="0"/>
-              <a:cs typeface="Poppins" panose="00000500000000000000" pitchFamily="2" charset="0"/>
-            </a:endParaRPr>
-          </a:p>
-        </p:txBody>
-      </p:sp>
-      <p:sp>
-        <p:nvSpPr>
-          <p:cNvPr id="52" name="TextBox 19">
-            <a:extLst>
-              <a:ext uri="{FF2B5EF4-FFF2-40B4-BE49-F238E27FC236}">
-                <a16:creationId xmlns:a16="http://schemas.microsoft.com/office/drawing/2014/main" id="{39888901-A2F3-5A3F-5046-B55F80916723}"/>
-              </a:ext>
-            </a:extLst>
-          </p:cNvPr>
-          <p:cNvSpPr txBox="1"/>
-          <p:nvPr/>
-        </p:nvSpPr>
-        <p:spPr>
-          <a:xfrm>
-            <a:off x="8130580" y="2336918"/>
-            <a:ext cx="3601992" cy="400110"/>
-          </a:xfrm>
-          <a:prstGeom prst="rect">
-            <a:avLst/>
-          </a:prstGeom>
-          <a:noFill/>
-        </p:spPr>
-        <p:txBody>
-          <a:bodyPr wrap="square" rtlCol="0">
-            <a:spAutoFit/>
-          </a:bodyPr>
-          <a:lstStyle/>
-          <a:p>
-            <a:pPr algn="just"/>
-            <a:r>
-              <a:rPr lang="en-US" sz="2000" dirty="0" err="1">
-                <a:solidFill>
-                  <a:schemeClr val="tx2">
-                    <a:lumMod val="65000"/>
-                    <a:lumOff val="35000"/>
-                  </a:schemeClr>
-                </a:solidFill>
-                <a:latin typeface="Poppins" panose="00000500000000000000" pitchFamily="2" charset="0"/>
-                <a:ea typeface="Roboto" panose="02000000000000000000" pitchFamily="2" charset="0"/>
-                <a:cs typeface="Poppins" panose="00000500000000000000" pitchFamily="2" charset="0"/>
-              </a:rPr>
-              <a:t>dara</a:t>
-            </a:r>
-            <a:endParaRPr lang="en-US" sz="2000" dirty="0">
-              <a:solidFill>
-                <a:schemeClr val="tx2">
-                  <a:lumMod val="65000"/>
-                  <a:lumOff val="35000"/>
-                </a:schemeClr>
               </a:solidFill>
               <a:latin typeface="Poppins" panose="00000500000000000000" pitchFamily="2" charset="0"/>
               <a:ea typeface="Roboto" panose="02000000000000000000" pitchFamily="2" charset="0"/>

--- a/template.pptx
+++ b/template.pptx
@@ -3391,6 +3391,76 @@
               <a:rPr lang="en-US"/>
               <a:t>06/05/2025</a:t>
             </a:r>
+          </a:p>
+        </p:txBody>
+      </p:sp>
+      <p:sp>
+        <p:nvSpPr>
+          <p:cNvPr id="3" name="Rectangle 4">
+            <a:extLst>
+              <a:ext uri="{FF2B5EF4-FFF2-40B4-BE49-F238E27FC236}">
+                <a16:creationId xmlns:a16="http://schemas.microsoft.com/office/drawing/2014/main" id="{634CEF55-C8E9-0A17-5FBD-6E1BCB40B37D}"/>
+              </a:ext>
+            </a:extLst>
+          </p:cNvPr>
+          <p:cNvSpPr>
+            <a:spLocks noChangeArrowheads="1"/>
+          </p:cNvSpPr>
+          <p:nvPr/>
+        </p:nvSpPr>
+        <p:spPr bwMode="auto">
+          <a:xfrm>
+            <a:off x="-66233" y="4082913"/>
+            <a:ext cx="7668007" cy="1060034"/>
+          </a:xfrm>
+          <a:prstGeom prst="rect">
+            <a:avLst/>
+          </a:prstGeom>
+          <a:noFill/>
+        </p:spPr>
+        <p:txBody>
+          <a:bodyPr wrap="square" rtlCol="0">
+            <a:spAutoFit/>
+          </a:bodyPr>
+          <a:lstStyle/>
+          <a:p>
+            <a:pPr algn="just">
+              <a:lnSpc>
+                <a:spcPct val="150000"/>
+              </a:lnSpc>
+            </a:pPr>
+            <a:r>
+              <a:rPr lang="pt-BR" sz="2200" dirty="0">
+                <a:solidFill>
+                  <a:schemeClr val="tx2">
+                    <a:lumMod val="65000"/>
+                    <a:lumOff val="35000"/>
+                  </a:schemeClr>
+                </a:solidFill>
+                <a:latin typeface="Poppins" panose="00000500000000000000" pitchFamily="2" charset="0"/>
+                <a:ea typeface="Roboto" panose="02000000000000000000" pitchFamily="2" charset="0"/>
+                <a:cs typeface="Poppins" panose="00000500000000000000" pitchFamily="2" charset="0"/>
+              </a:rPr>
+              <a:t>setor</a:t>
+            </a:r>
+          </a:p>
+          <a:p>
+            <a:pPr algn="just">
+              <a:lnSpc>
+                <a:spcPct val="150000"/>
+              </a:lnSpc>
+            </a:pPr>
+            <a:endParaRPr lang="pt-BR" sz="2200" dirty="0">
+              <a:solidFill>
+                <a:schemeClr val="tx2">
+                  <a:lumMod val="65000"/>
+                  <a:lumOff val="35000"/>
+                </a:schemeClr>
+              </a:solidFill>
+              <a:latin typeface="Poppins" panose="00000500000000000000" pitchFamily="2" charset="0"/>
+              <a:ea typeface="Roboto" panose="02000000000000000000" pitchFamily="2" charset="0"/>
+              <a:cs typeface="Poppins" panose="00000500000000000000" pitchFamily="2" charset="0"/>
+            </a:endParaRPr>
           </a:p>
         </p:txBody>
       </p:sp>

--- a/template.pptx
+++ b/template.pptx
@@ -3391,76 +3391,6 @@
               <a:rPr lang="en-US"/>
               <a:t>06/05/2025</a:t>
             </a:r>
-          </a:p>
-        </p:txBody>
-      </p:sp>
-      <p:sp>
-        <p:nvSpPr>
-          <p:cNvPr id="3" name="Rectangle 4">
-            <a:extLst>
-              <a:ext uri="{FF2B5EF4-FFF2-40B4-BE49-F238E27FC236}">
-                <a16:creationId xmlns:a16="http://schemas.microsoft.com/office/drawing/2014/main" id="{634CEF55-C8E9-0A17-5FBD-6E1BCB40B37D}"/>
-              </a:ext>
-            </a:extLst>
-          </p:cNvPr>
-          <p:cNvSpPr>
-            <a:spLocks noChangeArrowheads="1"/>
-          </p:cNvSpPr>
-          <p:nvPr/>
-        </p:nvSpPr>
-        <p:spPr bwMode="auto">
-          <a:xfrm>
-            <a:off x="-66233" y="4082913"/>
-            <a:ext cx="7668007" cy="1060034"/>
-          </a:xfrm>
-          <a:prstGeom prst="rect">
-            <a:avLst/>
-          </a:prstGeom>
-          <a:noFill/>
-        </p:spPr>
-        <p:txBody>
-          <a:bodyPr wrap="square" rtlCol="0">
-            <a:spAutoFit/>
-          </a:bodyPr>
-          <a:lstStyle/>
-          <a:p>
-            <a:pPr algn="just">
-              <a:lnSpc>
-                <a:spcPct val="150000"/>
-              </a:lnSpc>
-            </a:pPr>
-            <a:r>
-              <a:rPr lang="pt-BR" sz="2200" dirty="0">
-                <a:solidFill>
-                  <a:schemeClr val="tx2">
-                    <a:lumMod val="65000"/>
-                    <a:lumOff val="35000"/>
-                  </a:schemeClr>
-                </a:solidFill>
-                <a:latin typeface="Poppins" panose="00000500000000000000" pitchFamily="2" charset="0"/>
-                <a:ea typeface="Roboto" panose="02000000000000000000" pitchFamily="2" charset="0"/>
-                <a:cs typeface="Poppins" panose="00000500000000000000" pitchFamily="2" charset="0"/>
-              </a:rPr>
-              <a:t>setor</a:t>
-            </a:r>
-          </a:p>
-          <a:p>
-            <a:pPr algn="just">
-              <a:lnSpc>
-                <a:spcPct val="150000"/>
-              </a:lnSpc>
-            </a:pPr>
-            <a:endParaRPr lang="pt-BR" sz="2200" dirty="0">
-              <a:solidFill>
-                <a:schemeClr val="tx2">
-                  <a:lumMod val="65000"/>
-                  <a:lumOff val="35000"/>
-                </a:schemeClr>
-              </a:solidFill>
-              <a:latin typeface="Poppins" panose="00000500000000000000" pitchFamily="2" charset="0"/>
-              <a:ea typeface="Roboto" panose="02000000000000000000" pitchFamily="2" charset="0"/>
-              <a:cs typeface="Poppins" panose="00000500000000000000" pitchFamily="2" charset="0"/>
-            </a:endParaRPr>
           </a:p>
         </p:txBody>
       </p:sp>

--- a/template.pptx
+++ b/template.pptx
@@ -1894,7 +1894,7 @@
         </p:nvSpPr>
         <p:spPr>
           <a:xfrm>
-            <a:off x="1" y="895483"/>
+            <a:off x="1" y="925963"/>
             <a:ext cx="7581232" cy="553998"/>
           </a:xfrm>
           <a:prstGeom prst="rect">
@@ -1927,7 +1927,7 @@
           <a:p>
             <a:r>
               <a:rPr lang="pt-BR" b="1" dirty="0"/>
-              <a:t>titulo</a:t>
+              <a:t>{{titulo}}</a:t>
             </a:r>
             <a:endParaRPr lang="pt-BR" dirty="0"/>
           </a:p>
@@ -1974,7 +1974,7 @@
                 <a:ea typeface="Roboto" panose="02000000000000000000" pitchFamily="2" charset="0"/>
                 <a:cs typeface="Poppins" panose="00000500000000000000" pitchFamily="2" charset="0"/>
               </a:rPr>
-              <a:t>data</a:t>
+              <a:t>{{data}}</a:t>
             </a:r>
           </a:p>
         </p:txBody>
@@ -2019,7 +2019,7 @@
                 <a:ea typeface="Roboto" panose="02000000000000000000" pitchFamily="2" charset="0"/>
                 <a:cs typeface="Poppins" panose="00000500000000000000" pitchFamily="2" charset="0"/>
               </a:rPr>
-              <a:t>link</a:t>
+              <a:t>{{link}}</a:t>
             </a:r>
             <a:endParaRPr lang="en-US" sz="1600" dirty="0">
               <a:solidFill>
@@ -2598,7 +2598,7 @@
                 <a:ea typeface="Roboto" panose="02000000000000000000" pitchFamily="2" charset="0"/>
                 <a:cs typeface="Poppins" panose="00000500000000000000" pitchFamily="2" charset="0"/>
               </a:rPr>
-              <a:t>resumo</a:t>
+              <a:t>{{resumo}}</a:t>
             </a:r>
           </a:p>
           <a:p>
@@ -3783,7 +3783,21 @@
       </a:bgFillStyleLst>
     </a:fmtScheme>
   </a:themeElements>
-  <a:objectDefaults/>
+  <a:objectDefaults>
+    <a:txDef>
+      <a:spPr>
+        <a:noFill/>
+      </a:spPr>
+      <a:bodyPr wrap="square" rtlCol="0">
+        <a:spAutoFit/>
+      </a:bodyPr>
+      <a:lstStyle>
+        <a:defPPr algn="l">
+          <a:defRPr b="1" dirty="0" smtClean="0"/>
+        </a:defPPr>
+      </a:lstStyle>
+    </a:txDef>
+  </a:objectDefaults>
   <a:extraClrSchemeLst/>
   <a:extLst>
     <a:ext uri="{05A4C25C-085E-4340-85A3-A5531E510DB2}">

--- a/template.pptx
+++ b/template.pptx
@@ -11,7 +11,7 @@
     <p:handoutMasterId r:id="rId6"/>
   </p:handoutMasterIdLst>
   <p:sldIdLst>
-    <p:sldId id="4152" r:id="rId2"/>
+    <p:sldId id="4227" r:id="rId2"/>
     <p:sldId id="4226" r:id="rId3"/>
     <p:sldId id="4182" r:id="rId4"/>
   </p:sldIdLst>
@@ -246,7 +246,7 @@
           <a:p>
             <a:fld id="{93BB57F4-6D8F-415E-AF91-44F3E8E62517}" type="datetimeFigureOut">
               <a:rPr lang="pt-BR" smtClean="0"/>
-              <a:t>19/05/2025</a:t>
+              <a:t>21/05/2025</a:t>
             </a:fld>
             <a:endParaRPr lang="pt-BR"/>
           </a:p>
@@ -429,7 +429,7 @@
             <a:fld id="{EFC10EE1-B198-C942-8235-326C972CBB30}" type="datetimeFigureOut">
               <a:rPr lang="en-US" smtClean="0"/>
               <a:pPr/>
-              <a:t>5/19/2025</a:t>
+              <a:t>5/21/2025</a:t>
             </a:fld>
             <a:endParaRPr lang="en-US"/>
           </a:p>
@@ -1301,7 +1301,13 @@
     </p:bg>
     <p:spTree>
       <p:nvGrpSpPr>
-        <p:cNvPr id="1" name=""/>
+        <p:cNvPr id="1" name="">
+          <a:extLst>
+            <a:ext uri="{FF2B5EF4-FFF2-40B4-BE49-F238E27FC236}">
+              <a16:creationId xmlns:a16="http://schemas.microsoft.com/office/drawing/2014/main" id="{B4AA48EE-97CB-84DA-B4EC-8FDFF2232EE4}"/>
+            </a:ext>
+          </a:extLst>
+        </p:cNvPr>
         <p:cNvGrpSpPr/>
         <p:nvPr/>
       </p:nvGrpSpPr>
@@ -1315,10 +1321,10 @@
       </p:grpSpPr>
       <p:sp>
         <p:nvSpPr>
-          <p:cNvPr id="90" name="TextBox 19">
+          <p:cNvPr id="3" name="TextBox 3">
             <a:extLst>
               <a:ext uri="{FF2B5EF4-FFF2-40B4-BE49-F238E27FC236}">
-                <a16:creationId xmlns:a16="http://schemas.microsoft.com/office/drawing/2014/main" id="{87DD7527-A25A-3299-3DCD-49607E01515A}"/>
+                <a16:creationId xmlns:a16="http://schemas.microsoft.com/office/drawing/2014/main" id="{ACD96083-1D90-E9E3-46F8-BA07A37A5CBB}"/>
               </a:ext>
             </a:extLst>
           </p:cNvPr>
@@ -1327,8 +1333,8 @@
         </p:nvSpPr>
         <p:spPr>
           <a:xfrm>
-            <a:off x="-333861" y="4172718"/>
-            <a:ext cx="12824345" cy="1323439"/>
+            <a:off x="18056694" y="12990317"/>
+            <a:ext cx="6320961" cy="400110"/>
           </a:xfrm>
           <a:prstGeom prst="rect">
             <a:avLst/>
@@ -1341,48 +1347,6 @@
           </a:bodyPr>
           <a:lstStyle/>
           <a:p>
-            <a:pPr lvl="1" algn="ctr"/>
-            <a:r>
-              <a:rPr lang="en-US" sz="8000" b="1">
-                <a:solidFill>
-                  <a:schemeClr val="bg1"/>
-                </a:solidFill>
-                <a:latin typeface="Poppins" pitchFamily="2" charset="77"/>
-                <a:cs typeface="Poppins" pitchFamily="2" charset="77"/>
-              </a:rPr>
-              <a:t>SPOILERS DE MERCADO</a:t>
-            </a:r>
-          </a:p>
-        </p:txBody>
-      </p:sp>
-      <p:sp>
-        <p:nvSpPr>
-          <p:cNvPr id="3" name="TextBox 3">
-            <a:extLst>
-              <a:ext uri="{FF2B5EF4-FFF2-40B4-BE49-F238E27FC236}">
-                <a16:creationId xmlns:a16="http://schemas.microsoft.com/office/drawing/2014/main" id="{F86976E8-293D-86B1-9A3B-FA9695B31960}"/>
-              </a:ext>
-            </a:extLst>
-          </p:cNvPr>
-          <p:cNvSpPr txBox="1"/>
-          <p:nvPr/>
-        </p:nvSpPr>
-        <p:spPr>
-          <a:xfrm>
-            <a:off x="18056694" y="12990317"/>
-            <a:ext cx="6320961" cy="400110"/>
-          </a:xfrm>
-          <a:prstGeom prst="rect">
-            <a:avLst/>
-          </a:prstGeom>
-          <a:noFill/>
-        </p:spPr>
-        <p:txBody>
-          <a:bodyPr wrap="none" rtlCol="0">
-            <a:spAutoFit/>
-          </a:bodyPr>
-          <a:lstStyle/>
-          <a:p>
             <a:pPr algn="ctr"/>
             <a:r>
               <a:rPr lang="en-US" sz="2000" spc="300">
@@ -1400,190 +1364,13 @@
           </a:p>
         </p:txBody>
       </p:sp>
-      <p:grpSp>
-        <p:nvGrpSpPr>
-          <p:cNvPr id="2" name="Agrupar 1">
-            <a:extLst>
-              <a:ext uri="{FF2B5EF4-FFF2-40B4-BE49-F238E27FC236}">
-                <a16:creationId xmlns:a16="http://schemas.microsoft.com/office/drawing/2014/main" id="{4F3710A1-5249-7167-E63F-9CBE9F864880}"/>
-              </a:ext>
-            </a:extLst>
-          </p:cNvPr>
-          <p:cNvGrpSpPr/>
-          <p:nvPr/>
-        </p:nvGrpSpPr>
-        <p:grpSpPr>
-          <a:xfrm rot="5400000">
-            <a:off x="3004654" y="3084226"/>
-            <a:ext cx="180000" cy="4608000"/>
-            <a:chOff x="670136" y="5334000"/>
-            <a:chExt cx="82340" cy="865405"/>
-          </a:xfrm>
-        </p:grpSpPr>
-        <p:sp>
-          <p:nvSpPr>
-            <p:cNvPr id="4" name="Retângulo 3">
-              <a:extLst>
-                <a:ext uri="{FF2B5EF4-FFF2-40B4-BE49-F238E27FC236}">
-                  <a16:creationId xmlns:a16="http://schemas.microsoft.com/office/drawing/2014/main" id="{9BD885A5-C3FA-3FD6-8543-8C673F161F67}"/>
-                </a:ext>
-              </a:extLst>
-            </p:cNvPr>
-            <p:cNvSpPr/>
-            <p:nvPr/>
-          </p:nvSpPr>
-          <p:spPr>
-            <a:xfrm>
-              <a:off x="670136" y="5334000"/>
-              <a:ext cx="82339" cy="288131"/>
-            </a:xfrm>
-            <a:prstGeom prst="rect">
-              <a:avLst/>
-            </a:prstGeom>
-            <a:solidFill>
-              <a:srgbClr val="CE3E4A"/>
-            </a:solidFill>
-            <a:ln>
-              <a:noFill/>
-            </a:ln>
-          </p:spPr>
-          <p:style>
-            <a:lnRef idx="2">
-              <a:schemeClr val="accent1">
-                <a:shade val="50000"/>
-              </a:schemeClr>
-            </a:lnRef>
-            <a:fillRef idx="1">
-              <a:schemeClr val="accent1"/>
-            </a:fillRef>
-            <a:effectRef idx="0">
-              <a:schemeClr val="accent1"/>
-            </a:effectRef>
-            <a:fontRef idx="minor">
-              <a:schemeClr val="lt1"/>
-            </a:fontRef>
-          </p:style>
-          <p:txBody>
-            <a:bodyPr rtlCol="0" anchor="ctr"/>
-            <a:lstStyle/>
-            <a:p>
-              <a:pPr algn="ctr"/>
-              <a:endParaRPr lang="pt-BR"/>
-            </a:p>
-          </p:txBody>
-        </p:sp>
-        <p:sp>
-          <p:nvSpPr>
-            <p:cNvPr id="5" name="Retângulo 4">
-              <a:extLst>
-                <a:ext uri="{FF2B5EF4-FFF2-40B4-BE49-F238E27FC236}">
-                  <a16:creationId xmlns:a16="http://schemas.microsoft.com/office/drawing/2014/main" id="{81B501B6-A913-2408-0E39-1C3A6EF8C1D7}"/>
-                </a:ext>
-              </a:extLst>
-            </p:cNvPr>
-            <p:cNvSpPr/>
-            <p:nvPr/>
-          </p:nvSpPr>
-          <p:spPr>
-            <a:xfrm>
-              <a:off x="670137" y="5622131"/>
-              <a:ext cx="82339" cy="291145"/>
-            </a:xfrm>
-            <a:prstGeom prst="rect">
-              <a:avLst/>
-            </a:prstGeom>
-            <a:solidFill>
-              <a:srgbClr val="E5713D"/>
-            </a:solidFill>
-            <a:ln>
-              <a:noFill/>
-            </a:ln>
-          </p:spPr>
-          <p:style>
-            <a:lnRef idx="2">
-              <a:schemeClr val="accent1">
-                <a:shade val="50000"/>
-              </a:schemeClr>
-            </a:lnRef>
-            <a:fillRef idx="1">
-              <a:schemeClr val="accent1"/>
-            </a:fillRef>
-            <a:effectRef idx="0">
-              <a:schemeClr val="accent1"/>
-            </a:effectRef>
-            <a:fontRef idx="minor">
-              <a:schemeClr val="lt1"/>
-            </a:fontRef>
-          </p:style>
-          <p:txBody>
-            <a:bodyPr rtlCol="0" anchor="ctr"/>
-            <a:lstStyle/>
-            <a:p>
-              <a:pPr algn="ctr"/>
-              <a:endParaRPr lang="pt-BR"/>
-            </a:p>
-          </p:txBody>
-        </p:sp>
-        <p:sp>
-          <p:nvSpPr>
-            <p:cNvPr id="6" name="Retângulo 5">
-              <a:extLst>
-                <a:ext uri="{FF2B5EF4-FFF2-40B4-BE49-F238E27FC236}">
-                  <a16:creationId xmlns:a16="http://schemas.microsoft.com/office/drawing/2014/main" id="{6E34D3A8-1098-14C1-6CEE-B9BA69F07388}"/>
-                </a:ext>
-              </a:extLst>
-            </p:cNvPr>
-            <p:cNvSpPr/>
-            <p:nvPr/>
-          </p:nvSpPr>
-          <p:spPr>
-            <a:xfrm>
-              <a:off x="670137" y="5911274"/>
-              <a:ext cx="82339" cy="288131"/>
-            </a:xfrm>
-            <a:prstGeom prst="rect">
-              <a:avLst/>
-            </a:prstGeom>
-            <a:solidFill>
-              <a:srgbClr val="EEBB3A"/>
-            </a:solidFill>
-            <a:ln>
-              <a:noFill/>
-            </a:ln>
-          </p:spPr>
-          <p:style>
-            <a:lnRef idx="2">
-              <a:schemeClr val="accent1">
-                <a:shade val="50000"/>
-              </a:schemeClr>
-            </a:lnRef>
-            <a:fillRef idx="1">
-              <a:schemeClr val="accent1"/>
-            </a:fillRef>
-            <a:effectRef idx="0">
-              <a:schemeClr val="accent1"/>
-            </a:effectRef>
-            <a:fontRef idx="minor">
-              <a:schemeClr val="lt1"/>
-            </a:fontRef>
-          </p:style>
-          <p:txBody>
-            <a:bodyPr rtlCol="0" anchor="ctr"/>
-            <a:lstStyle/>
-            <a:p>
-              <a:pPr algn="ctr"/>
-              <a:endParaRPr lang="pt-BR"/>
-            </a:p>
-          </p:txBody>
-        </p:sp>
-      </p:grpSp>
       <p:pic>
         <p:nvPicPr>
           <p:cNvPr id="8" name="Imagem 7" descr="Ícone&#10;&#10;O conteúdo gerado por IA pode estar incorreto.">
             <a:hlinkClick r:id="rId2" action="ppaction://hlinksldjump"/>
             <a:extLst>
               <a:ext uri="{FF2B5EF4-FFF2-40B4-BE49-F238E27FC236}">
-                <a16:creationId xmlns:a16="http://schemas.microsoft.com/office/drawing/2014/main" id="{BAC1AFB4-BF85-8CC9-1987-145FC4479A38}"/>
+                <a16:creationId xmlns:a16="http://schemas.microsoft.com/office/drawing/2014/main" id="{A8CA02E5-2C9B-A0B9-EF40-05D2E267C809}"/>
               </a:ext>
             </a:extLst>
           </p:cNvPr>
@@ -1614,10 +1401,220 @@
           </a:prstGeom>
         </p:spPr>
       </p:pic>
+      <p:sp>
+        <p:nvSpPr>
+          <p:cNvPr id="7" name="TextBox 19">
+            <a:extLst>
+              <a:ext uri="{FF2B5EF4-FFF2-40B4-BE49-F238E27FC236}">
+                <a16:creationId xmlns:a16="http://schemas.microsoft.com/office/drawing/2014/main" id="{41AD1C14-A78F-52C7-63A0-1D64884873F0}"/>
+              </a:ext>
+            </a:extLst>
+          </p:cNvPr>
+          <p:cNvSpPr txBox="1"/>
+          <p:nvPr/>
+        </p:nvSpPr>
+        <p:spPr>
+          <a:xfrm>
+            <a:off x="4745514" y="8562912"/>
+            <a:ext cx="15868859" cy="830997"/>
+          </a:xfrm>
+          <a:prstGeom prst="rect">
+            <a:avLst/>
+          </a:prstGeom>
+          <a:noFill/>
+        </p:spPr>
+        <p:txBody>
+          <a:bodyPr wrap="square" rtlCol="0">
+            <a:spAutoFit/>
+          </a:bodyPr>
+          <a:lstStyle/>
+          <a:p>
+            <a:r>
+              <a:rPr lang="en-US" sz="4800" dirty="0">
+                <a:solidFill>
+                  <a:schemeClr val="bg1"/>
+                </a:solidFill>
+                <a:latin typeface="Poppins" panose="00000500000000000000" pitchFamily="2" charset="0"/>
+                <a:ea typeface="Roboto" panose="02000000000000000000" pitchFamily="2" charset="0"/>
+                <a:cs typeface="Poppins" panose="00000500000000000000" pitchFamily="2" charset="0"/>
+              </a:rPr>
+              <a:t>{{link}}</a:t>
+            </a:r>
+          </a:p>
+        </p:txBody>
+      </p:sp>
+      <p:sp>
+        <p:nvSpPr>
+          <p:cNvPr id="9" name="TextBox 19">
+            <a:extLst>
+              <a:ext uri="{FF2B5EF4-FFF2-40B4-BE49-F238E27FC236}">
+                <a16:creationId xmlns:a16="http://schemas.microsoft.com/office/drawing/2014/main" id="{5B41E2FD-08FE-EE50-13EC-62B25B4F9D0A}"/>
+              </a:ext>
+            </a:extLst>
+          </p:cNvPr>
+          <p:cNvSpPr txBox="1"/>
+          <p:nvPr/>
+        </p:nvSpPr>
+        <p:spPr>
+          <a:xfrm>
+            <a:off x="4755686" y="3587943"/>
+            <a:ext cx="15469596" cy="830997"/>
+          </a:xfrm>
+          <a:prstGeom prst="rect">
+            <a:avLst/>
+          </a:prstGeom>
+          <a:noFill/>
+        </p:spPr>
+        <p:txBody>
+          <a:bodyPr wrap="square" rtlCol="0">
+            <a:spAutoFit/>
+          </a:bodyPr>
+          <a:lstStyle>
+            <a:defPPr>
+              <a:defRPr lang="en-US"/>
+            </a:defPPr>
+            <a:lvl1pPr algn="just">
+              <a:defRPr sz="3000" b="0">
+                <a:solidFill>
+                  <a:schemeClr val="tx2">
+                    <a:lumMod val="65000"/>
+                    <a:lumOff val="35000"/>
+                  </a:schemeClr>
+                </a:solidFill>
+                <a:latin typeface="Poppins" panose="00000500000000000000" pitchFamily="2" charset="0"/>
+                <a:ea typeface="Roboto" panose="02000000000000000000" pitchFamily="2" charset="0"/>
+                <a:cs typeface="Poppins" panose="00000500000000000000" pitchFamily="2" charset="0"/>
+              </a:defRPr>
+            </a:lvl1pPr>
+          </a:lstStyle>
+          <a:p>
+            <a:r>
+              <a:rPr lang="pt-BR" sz="4800" b="1" dirty="0">
+                <a:solidFill>
+                  <a:schemeClr val="bg1"/>
+                </a:solidFill>
+              </a:rPr>
+              <a:t>{{titulo}}</a:t>
+            </a:r>
+            <a:endParaRPr lang="pt-BR" sz="4800" dirty="0">
+              <a:solidFill>
+                <a:schemeClr val="bg1"/>
+              </a:solidFill>
+            </a:endParaRPr>
+          </a:p>
+        </p:txBody>
+      </p:sp>
+      <p:sp>
+        <p:nvSpPr>
+          <p:cNvPr id="10" name="TextBox 19">
+            <a:extLst>
+              <a:ext uri="{FF2B5EF4-FFF2-40B4-BE49-F238E27FC236}">
+                <a16:creationId xmlns:a16="http://schemas.microsoft.com/office/drawing/2014/main" id="{578EDAB2-6E45-FCA7-CFD1-B765715F920F}"/>
+              </a:ext>
+            </a:extLst>
+          </p:cNvPr>
+          <p:cNvSpPr txBox="1"/>
+          <p:nvPr/>
+        </p:nvSpPr>
+        <p:spPr>
+          <a:xfrm>
+            <a:off x="4774735" y="4581454"/>
+            <a:ext cx="7349908" cy="830997"/>
+          </a:xfrm>
+          <a:prstGeom prst="rect">
+            <a:avLst/>
+          </a:prstGeom>
+          <a:noFill/>
+        </p:spPr>
+        <p:txBody>
+          <a:bodyPr wrap="square" rtlCol="0">
+            <a:spAutoFit/>
+          </a:bodyPr>
+          <a:lstStyle/>
+          <a:p>
+            <a:pPr algn="just"/>
+            <a:r>
+              <a:rPr lang="en-US" sz="4800" dirty="0">
+                <a:solidFill>
+                  <a:schemeClr val="bg1"/>
+                </a:solidFill>
+                <a:latin typeface="Poppins" panose="00000500000000000000" pitchFamily="2" charset="0"/>
+                <a:ea typeface="Roboto" panose="02000000000000000000" pitchFamily="2" charset="0"/>
+                <a:cs typeface="Poppins" panose="00000500000000000000" pitchFamily="2" charset="0"/>
+              </a:rPr>
+              <a:t>{{data}}</a:t>
+            </a:r>
+          </a:p>
+        </p:txBody>
+      </p:sp>
+      <p:sp>
+        <p:nvSpPr>
+          <p:cNvPr id="11" name="Rectangle 4">
+            <a:extLst>
+              <a:ext uri="{FF2B5EF4-FFF2-40B4-BE49-F238E27FC236}">
+                <a16:creationId xmlns:a16="http://schemas.microsoft.com/office/drawing/2014/main" id="{9CCBE44B-357B-E499-2571-975B266EFFD5}"/>
+              </a:ext>
+            </a:extLst>
+          </p:cNvPr>
+          <p:cNvSpPr>
+            <a:spLocks noChangeArrowheads="1"/>
+          </p:cNvSpPr>
+          <p:nvPr/>
+        </p:nvSpPr>
+        <p:spPr bwMode="auto">
+          <a:xfrm>
+            <a:off x="4745515" y="5613973"/>
+            <a:ext cx="15646662" cy="2203680"/>
+          </a:xfrm>
+          <a:prstGeom prst="rect">
+            <a:avLst/>
+          </a:prstGeom>
+          <a:noFill/>
+        </p:spPr>
+        <p:txBody>
+          <a:bodyPr wrap="square" rtlCol="0">
+            <a:spAutoFit/>
+          </a:bodyPr>
+          <a:lstStyle/>
+          <a:p>
+            <a:pPr algn="just">
+              <a:lnSpc>
+                <a:spcPct val="150000"/>
+              </a:lnSpc>
+            </a:pPr>
+            <a:r>
+              <a:rPr lang="pt-BR" sz="4800" dirty="0">
+                <a:solidFill>
+                  <a:schemeClr val="bg1"/>
+                </a:solidFill>
+                <a:latin typeface="Poppins" panose="00000500000000000000" pitchFamily="2" charset="0"/>
+                <a:ea typeface="Roboto" panose="02000000000000000000" pitchFamily="2" charset="0"/>
+                <a:cs typeface="Poppins" panose="00000500000000000000" pitchFamily="2" charset="0"/>
+              </a:rPr>
+              <a:t>{{resumo}}</a:t>
+            </a:r>
+          </a:p>
+          <a:p>
+            <a:pPr algn="just">
+              <a:lnSpc>
+                <a:spcPct val="150000"/>
+              </a:lnSpc>
+            </a:pPr>
+            <a:endParaRPr lang="pt-BR" sz="4800" dirty="0">
+              <a:solidFill>
+                <a:schemeClr val="bg1"/>
+              </a:solidFill>
+              <a:latin typeface="Poppins" panose="00000500000000000000" pitchFamily="2" charset="0"/>
+              <a:ea typeface="Roboto" panose="02000000000000000000" pitchFamily="2" charset="0"/>
+              <a:cs typeface="Poppins" panose="00000500000000000000" pitchFamily="2" charset="0"/>
+            </a:endParaRPr>
+          </a:p>
+        </p:txBody>
+      </p:sp>
     </p:spTree>
     <p:extLst>
       <p:ext uri="{BB962C8B-B14F-4D97-AF65-F5344CB8AC3E}">
-        <p14:creationId xmlns:p14="http://schemas.microsoft.com/office/powerpoint/2010/main" val="2490118473"/>
+        <p14:creationId xmlns:p14="http://schemas.microsoft.com/office/powerpoint/2010/main" val="2123568637"/>
       </p:ext>
     </p:extLst>
   </p:cSld>
@@ -1658,7 +1655,7 @@
         </p:nvSpPr>
         <p:spPr>
           <a:xfrm>
-            <a:off x="7831547" y="0"/>
+            <a:off x="7740027" y="0"/>
             <a:ext cx="8121600" cy="13715999"/>
           </a:xfrm>
           <a:prstGeom prst="rect">
@@ -2972,48 +2969,6 @@
       </p:sp>
       <p:sp>
         <p:nvSpPr>
-          <p:cNvPr id="53" name="TextBox 19">
-            <a:extLst>
-              <a:ext uri="{FF2B5EF4-FFF2-40B4-BE49-F238E27FC236}">
-                <a16:creationId xmlns:a16="http://schemas.microsoft.com/office/drawing/2014/main" id="{24BF9B21-C368-AAE4-26F8-1AEC42668689}"/>
-              </a:ext>
-            </a:extLst>
-          </p:cNvPr>
-          <p:cNvSpPr txBox="1"/>
-          <p:nvPr/>
-        </p:nvSpPr>
-        <p:spPr>
-          <a:xfrm>
-            <a:off x="8003897" y="5900932"/>
-            <a:ext cx="7776900" cy="338554"/>
-          </a:xfrm>
-          <a:prstGeom prst="rect">
-            <a:avLst/>
-          </a:prstGeom>
-          <a:noFill/>
-        </p:spPr>
-        <p:txBody>
-          <a:bodyPr wrap="square" rtlCol="0">
-            <a:spAutoFit/>
-          </a:bodyPr>
-          <a:lstStyle/>
-          <a:p>
-            <a:r>
-              <a:rPr lang="en-US" sz="1600" dirty="0">
-                <a:solidFill>
-                  <a:srgbClr val="FF0000"/>
-                </a:solidFill>
-                <a:latin typeface="Poppins" panose="00000500000000000000" pitchFamily="2" charset="0"/>
-                <a:ea typeface="Roboto" panose="02000000000000000000" pitchFamily="2" charset="0"/>
-                <a:cs typeface="Poppins" panose="00000500000000000000" pitchFamily="2" charset="0"/>
-              </a:rPr>
-              <a:t>link</a:t>
-            </a:r>
-          </a:p>
-        </p:txBody>
-      </p:sp>
-      <p:sp>
-        <p:nvSpPr>
           <p:cNvPr id="54" name="TextBox 19">
             <a:extLst>
               <a:ext uri="{FF2B5EF4-FFF2-40B4-BE49-F238E27FC236}">
@@ -3391,6 +3346,397 @@
               <a:rPr lang="en-US"/>
               <a:t>06/05/2025</a:t>
             </a:r>
+          </a:p>
+        </p:txBody>
+      </p:sp>
+      <p:sp>
+        <p:nvSpPr>
+          <p:cNvPr id="3" name="TextBox 19">
+            <a:extLst>
+              <a:ext uri="{FF2B5EF4-FFF2-40B4-BE49-F238E27FC236}">
+                <a16:creationId xmlns:a16="http://schemas.microsoft.com/office/drawing/2014/main" id="{940E28E0-E2EE-2635-7B41-8341386CAD45}"/>
+              </a:ext>
+            </a:extLst>
+          </p:cNvPr>
+          <p:cNvSpPr txBox="1"/>
+          <p:nvPr/>
+        </p:nvSpPr>
+        <p:spPr>
+          <a:xfrm>
+            <a:off x="-9088" y="925963"/>
+            <a:ext cx="7581232" cy="553998"/>
+          </a:xfrm>
+          <a:prstGeom prst="rect">
+            <a:avLst/>
+          </a:prstGeom>
+          <a:noFill/>
+        </p:spPr>
+        <p:txBody>
+          <a:bodyPr wrap="square" rtlCol="0">
+            <a:spAutoFit/>
+          </a:bodyPr>
+          <a:lstStyle>
+            <a:defPPr>
+              <a:defRPr lang="en-US"/>
+            </a:defPPr>
+            <a:lvl1pPr algn="just">
+              <a:defRPr sz="3000" b="0">
+                <a:solidFill>
+                  <a:schemeClr val="tx2">
+                    <a:lumMod val="65000"/>
+                    <a:lumOff val="35000"/>
+                  </a:schemeClr>
+                </a:solidFill>
+                <a:latin typeface="Poppins" panose="00000500000000000000" pitchFamily="2" charset="0"/>
+                <a:ea typeface="Roboto" panose="02000000000000000000" pitchFamily="2" charset="0"/>
+                <a:cs typeface="Poppins" panose="00000500000000000000" pitchFamily="2" charset="0"/>
+              </a:defRPr>
+            </a:lvl1pPr>
+          </a:lstStyle>
+          <a:p>
+            <a:r>
+              <a:rPr lang="pt-BR" b="1" dirty="0"/>
+              <a:t>{{titulo}}</a:t>
+            </a:r>
+            <a:endParaRPr lang="pt-BR" dirty="0"/>
+          </a:p>
+        </p:txBody>
+      </p:sp>
+      <p:sp>
+        <p:nvSpPr>
+          <p:cNvPr id="4" name="TextBox 19">
+            <a:extLst>
+              <a:ext uri="{FF2B5EF4-FFF2-40B4-BE49-F238E27FC236}">
+                <a16:creationId xmlns:a16="http://schemas.microsoft.com/office/drawing/2014/main" id="{96C06804-1B69-E297-E763-2F9BA90DB31A}"/>
+              </a:ext>
+            </a:extLst>
+          </p:cNvPr>
+          <p:cNvSpPr txBox="1"/>
+          <p:nvPr/>
+        </p:nvSpPr>
+        <p:spPr>
+          <a:xfrm>
+            <a:off x="9961" y="1919474"/>
+            <a:ext cx="3601992" cy="400110"/>
+          </a:xfrm>
+          <a:prstGeom prst="rect">
+            <a:avLst/>
+          </a:prstGeom>
+          <a:noFill/>
+        </p:spPr>
+        <p:txBody>
+          <a:bodyPr wrap="square" rtlCol="0">
+            <a:spAutoFit/>
+          </a:bodyPr>
+          <a:lstStyle/>
+          <a:p>
+            <a:pPr algn="just"/>
+            <a:r>
+              <a:rPr lang="en-US" sz="2000" dirty="0">
+                <a:solidFill>
+                  <a:schemeClr val="tx2">
+                    <a:lumMod val="65000"/>
+                    <a:lumOff val="35000"/>
+                  </a:schemeClr>
+                </a:solidFill>
+                <a:latin typeface="Poppins" panose="00000500000000000000" pitchFamily="2" charset="0"/>
+                <a:ea typeface="Roboto" panose="02000000000000000000" pitchFamily="2" charset="0"/>
+                <a:cs typeface="Poppins" panose="00000500000000000000" pitchFamily="2" charset="0"/>
+              </a:rPr>
+              <a:t>{{data}}</a:t>
+            </a:r>
+          </a:p>
+        </p:txBody>
+      </p:sp>
+      <p:sp>
+        <p:nvSpPr>
+          <p:cNvPr id="5" name="Rectangle 4">
+            <a:extLst>
+              <a:ext uri="{FF2B5EF4-FFF2-40B4-BE49-F238E27FC236}">
+                <a16:creationId xmlns:a16="http://schemas.microsoft.com/office/drawing/2014/main" id="{B8874CE8-D7D0-AB70-491D-42B7D480DF4C}"/>
+              </a:ext>
+            </a:extLst>
+          </p:cNvPr>
+          <p:cNvSpPr>
+            <a:spLocks noChangeArrowheads="1"/>
+          </p:cNvSpPr>
+          <p:nvPr/>
+        </p:nvSpPr>
+        <p:spPr bwMode="auto">
+          <a:xfrm>
+            <a:off x="-19259" y="2951993"/>
+            <a:ext cx="7668007" cy="1060034"/>
+          </a:xfrm>
+          <a:prstGeom prst="rect">
+            <a:avLst/>
+          </a:prstGeom>
+          <a:noFill/>
+        </p:spPr>
+        <p:txBody>
+          <a:bodyPr wrap="square" rtlCol="0">
+            <a:spAutoFit/>
+          </a:bodyPr>
+          <a:lstStyle/>
+          <a:p>
+            <a:pPr algn="just">
+              <a:lnSpc>
+                <a:spcPct val="150000"/>
+              </a:lnSpc>
+            </a:pPr>
+            <a:r>
+              <a:rPr lang="pt-BR" sz="2200" dirty="0">
+                <a:solidFill>
+                  <a:schemeClr val="tx2">
+                    <a:lumMod val="65000"/>
+                    <a:lumOff val="35000"/>
+                  </a:schemeClr>
+                </a:solidFill>
+                <a:latin typeface="Poppins" panose="00000500000000000000" pitchFamily="2" charset="0"/>
+                <a:ea typeface="Roboto" panose="02000000000000000000" pitchFamily="2" charset="0"/>
+                <a:cs typeface="Poppins" panose="00000500000000000000" pitchFamily="2" charset="0"/>
+              </a:rPr>
+              <a:t>{{resumo}}</a:t>
+            </a:r>
+          </a:p>
+          <a:p>
+            <a:pPr algn="just">
+              <a:lnSpc>
+                <a:spcPct val="150000"/>
+              </a:lnSpc>
+            </a:pPr>
+            <a:endParaRPr lang="pt-BR" sz="2200" dirty="0">
+              <a:solidFill>
+                <a:schemeClr val="tx2">
+                  <a:lumMod val="65000"/>
+                  <a:lumOff val="35000"/>
+                </a:schemeClr>
+              </a:solidFill>
+              <a:latin typeface="Poppins" panose="00000500000000000000" pitchFamily="2" charset="0"/>
+              <a:ea typeface="Roboto" panose="02000000000000000000" pitchFamily="2" charset="0"/>
+              <a:cs typeface="Poppins" panose="00000500000000000000" pitchFamily="2" charset="0"/>
+            </a:endParaRPr>
+          </a:p>
+        </p:txBody>
+      </p:sp>
+      <p:sp>
+        <p:nvSpPr>
+          <p:cNvPr id="6" name="TextBox 19">
+            <a:extLst>
+              <a:ext uri="{FF2B5EF4-FFF2-40B4-BE49-F238E27FC236}">
+                <a16:creationId xmlns:a16="http://schemas.microsoft.com/office/drawing/2014/main" id="{D2D953C8-86E6-EC69-1643-721F21994F2D}"/>
+              </a:ext>
+            </a:extLst>
+          </p:cNvPr>
+          <p:cNvSpPr txBox="1"/>
+          <p:nvPr/>
+        </p:nvSpPr>
+        <p:spPr>
+          <a:xfrm>
+            <a:off x="7966946" y="5755759"/>
+            <a:ext cx="7776900" cy="338554"/>
+          </a:xfrm>
+          <a:prstGeom prst="rect">
+            <a:avLst/>
+          </a:prstGeom>
+          <a:noFill/>
+        </p:spPr>
+        <p:txBody>
+          <a:bodyPr wrap="square" rtlCol="0">
+            <a:spAutoFit/>
+          </a:bodyPr>
+          <a:lstStyle/>
+          <a:p>
+            <a:r>
+              <a:rPr lang="en-US" sz="1600" dirty="0">
+                <a:solidFill>
+                  <a:schemeClr val="tx2">
+                    <a:lumMod val="65000"/>
+                    <a:lumOff val="35000"/>
+                  </a:schemeClr>
+                </a:solidFill>
+                <a:latin typeface="Poppins" panose="00000500000000000000" pitchFamily="2" charset="0"/>
+                <a:ea typeface="Roboto" panose="02000000000000000000" pitchFamily="2" charset="0"/>
+                <a:cs typeface="Poppins" panose="00000500000000000000" pitchFamily="2" charset="0"/>
+              </a:rPr>
+              <a:t>{{link}}</a:t>
+            </a:r>
+            <a:endParaRPr lang="en-US" sz="1600" dirty="0">
+              <a:solidFill>
+                <a:srgbClr val="FF0000"/>
+              </a:solidFill>
+              <a:latin typeface="Poppins" panose="00000500000000000000" pitchFamily="2" charset="0"/>
+              <a:ea typeface="Roboto" panose="02000000000000000000" pitchFamily="2" charset="0"/>
+              <a:cs typeface="Poppins" panose="00000500000000000000" pitchFamily="2" charset="0"/>
+            </a:endParaRPr>
+          </a:p>
+        </p:txBody>
+      </p:sp>
+      <p:sp>
+        <p:nvSpPr>
+          <p:cNvPr id="7" name="TextBox 19">
+            <a:extLst>
+              <a:ext uri="{FF2B5EF4-FFF2-40B4-BE49-F238E27FC236}">
+                <a16:creationId xmlns:a16="http://schemas.microsoft.com/office/drawing/2014/main" id="{78E2CCEF-EE1D-AE35-8F29-A543ABDF1F8D}"/>
+              </a:ext>
+            </a:extLst>
+          </p:cNvPr>
+          <p:cNvSpPr txBox="1"/>
+          <p:nvPr/>
+        </p:nvSpPr>
+        <p:spPr>
+          <a:xfrm>
+            <a:off x="7977117" y="780790"/>
+            <a:ext cx="7581232" cy="553998"/>
+          </a:xfrm>
+          <a:prstGeom prst="rect">
+            <a:avLst/>
+          </a:prstGeom>
+          <a:noFill/>
+        </p:spPr>
+        <p:txBody>
+          <a:bodyPr wrap="square" rtlCol="0">
+            <a:spAutoFit/>
+          </a:bodyPr>
+          <a:lstStyle>
+            <a:defPPr>
+              <a:defRPr lang="en-US"/>
+            </a:defPPr>
+            <a:lvl1pPr algn="just">
+              <a:defRPr sz="3000" b="0">
+                <a:solidFill>
+                  <a:schemeClr val="tx2">
+                    <a:lumMod val="65000"/>
+                    <a:lumOff val="35000"/>
+                  </a:schemeClr>
+                </a:solidFill>
+                <a:latin typeface="Poppins" panose="00000500000000000000" pitchFamily="2" charset="0"/>
+                <a:ea typeface="Roboto" panose="02000000000000000000" pitchFamily="2" charset="0"/>
+                <a:cs typeface="Poppins" panose="00000500000000000000" pitchFamily="2" charset="0"/>
+              </a:defRPr>
+            </a:lvl1pPr>
+          </a:lstStyle>
+          <a:p>
+            <a:r>
+              <a:rPr lang="pt-BR" b="1" dirty="0"/>
+              <a:t>{{titulo}}</a:t>
+            </a:r>
+            <a:endParaRPr lang="pt-BR" dirty="0"/>
+          </a:p>
+        </p:txBody>
+      </p:sp>
+      <p:sp>
+        <p:nvSpPr>
+          <p:cNvPr id="8" name="TextBox 19">
+            <a:extLst>
+              <a:ext uri="{FF2B5EF4-FFF2-40B4-BE49-F238E27FC236}">
+                <a16:creationId xmlns:a16="http://schemas.microsoft.com/office/drawing/2014/main" id="{813BC237-DEE3-0133-D89C-551B044A3D00}"/>
+              </a:ext>
+            </a:extLst>
+          </p:cNvPr>
+          <p:cNvSpPr txBox="1"/>
+          <p:nvPr/>
+        </p:nvSpPr>
+        <p:spPr>
+          <a:xfrm>
+            <a:off x="7996166" y="1774301"/>
+            <a:ext cx="3601992" cy="400110"/>
+          </a:xfrm>
+          <a:prstGeom prst="rect">
+            <a:avLst/>
+          </a:prstGeom>
+          <a:noFill/>
+        </p:spPr>
+        <p:txBody>
+          <a:bodyPr wrap="square" rtlCol="0">
+            <a:spAutoFit/>
+          </a:bodyPr>
+          <a:lstStyle/>
+          <a:p>
+            <a:pPr algn="just"/>
+            <a:r>
+              <a:rPr lang="en-US" sz="2000" dirty="0">
+                <a:solidFill>
+                  <a:schemeClr val="tx2">
+                    <a:lumMod val="65000"/>
+                    <a:lumOff val="35000"/>
+                  </a:schemeClr>
+                </a:solidFill>
+                <a:latin typeface="Poppins" panose="00000500000000000000" pitchFamily="2" charset="0"/>
+                <a:ea typeface="Roboto" panose="02000000000000000000" pitchFamily="2" charset="0"/>
+                <a:cs typeface="Poppins" panose="00000500000000000000" pitchFamily="2" charset="0"/>
+              </a:rPr>
+              <a:t>{{data}}</a:t>
+            </a:r>
+          </a:p>
+        </p:txBody>
+      </p:sp>
+      <p:sp>
+        <p:nvSpPr>
+          <p:cNvPr id="10" name="Rectangle 4">
+            <a:extLst>
+              <a:ext uri="{FF2B5EF4-FFF2-40B4-BE49-F238E27FC236}">
+                <a16:creationId xmlns:a16="http://schemas.microsoft.com/office/drawing/2014/main" id="{54184D57-675A-8F72-6182-90ACEB8F4707}"/>
+              </a:ext>
+            </a:extLst>
+          </p:cNvPr>
+          <p:cNvSpPr>
+            <a:spLocks noChangeArrowheads="1"/>
+          </p:cNvSpPr>
+          <p:nvPr/>
+        </p:nvSpPr>
+        <p:spPr bwMode="auto">
+          <a:xfrm>
+            <a:off x="7966946" y="2806820"/>
+            <a:ext cx="7668007" cy="1060034"/>
+          </a:xfrm>
+          <a:prstGeom prst="rect">
+            <a:avLst/>
+          </a:prstGeom>
+          <a:noFill/>
+        </p:spPr>
+        <p:txBody>
+          <a:bodyPr wrap="square" rtlCol="0">
+            <a:spAutoFit/>
+          </a:bodyPr>
+          <a:lstStyle/>
+          <a:p>
+            <a:pPr algn="just">
+              <a:lnSpc>
+                <a:spcPct val="150000"/>
+              </a:lnSpc>
+            </a:pPr>
+            <a:r>
+              <a:rPr lang="pt-BR" sz="2200" dirty="0">
+                <a:solidFill>
+                  <a:schemeClr val="tx2">
+                    <a:lumMod val="65000"/>
+                    <a:lumOff val="35000"/>
+                  </a:schemeClr>
+                </a:solidFill>
+                <a:latin typeface="Poppins" panose="00000500000000000000" pitchFamily="2" charset="0"/>
+                <a:ea typeface="Roboto" panose="02000000000000000000" pitchFamily="2" charset="0"/>
+                <a:cs typeface="Poppins" panose="00000500000000000000" pitchFamily="2" charset="0"/>
+              </a:rPr>
+              <a:t>{{resumo}}</a:t>
+            </a:r>
+          </a:p>
+          <a:p>
+            <a:pPr algn="just">
+              <a:lnSpc>
+                <a:spcPct val="150000"/>
+              </a:lnSpc>
+            </a:pPr>
+            <a:endParaRPr lang="pt-BR" sz="2200" dirty="0">
+              <a:solidFill>
+                <a:schemeClr val="tx2">
+                  <a:lumMod val="65000"/>
+                  <a:lumOff val="35000"/>
+                </a:schemeClr>
+              </a:solidFill>
+              <a:latin typeface="Poppins" panose="00000500000000000000" pitchFamily="2" charset="0"/>
+              <a:ea typeface="Roboto" panose="02000000000000000000" pitchFamily="2" charset="0"/>
+              <a:cs typeface="Poppins" panose="00000500000000000000" pitchFamily="2" charset="0"/>
+            </a:endParaRPr>
           </a:p>
         </p:txBody>
       </p:sp>

--- a/template.pptx
+++ b/template.pptx
@@ -1401,67 +1401,6 @@
       </p:pic>
       <p:sp>
         <p:nvSpPr>
-          <p:cNvPr id="9" name="TextBox 19">
-            <a:extLst>
-              <a:ext uri="{FF2B5EF4-FFF2-40B4-BE49-F238E27FC236}">
-                <a16:creationId xmlns:a16="http://schemas.microsoft.com/office/drawing/2014/main" id="{5B41E2FD-08FE-EE50-13EC-62B25B4F9D0A}"/>
-              </a:ext>
-            </a:extLst>
-          </p:cNvPr>
-          <p:cNvSpPr txBox="1"/>
-          <p:nvPr/>
-        </p:nvSpPr>
-        <p:spPr>
-          <a:xfrm>
-            <a:off x="4745514" y="2569274"/>
-            <a:ext cx="15469596" cy="830997"/>
-          </a:xfrm>
-          <a:prstGeom prst="rect">
-            <a:avLst/>
-          </a:prstGeom>
-          <a:noFill/>
-        </p:spPr>
-        <p:txBody>
-          <a:bodyPr wrap="square" rtlCol="0">
-            <a:spAutoFit/>
-          </a:bodyPr>
-          <a:lstStyle>
-            <a:defPPr>
-              <a:defRPr lang="en-US"/>
-            </a:defPPr>
-            <a:lvl1pPr algn="just">
-              <a:defRPr sz="3000" b="0">
-                <a:solidFill>
-                  <a:schemeClr val="tx2">
-                    <a:lumMod val="65000"/>
-                    <a:lumOff val="35000"/>
-                  </a:schemeClr>
-                </a:solidFill>
-                <a:latin typeface="Poppins" panose="00000500000000000000" pitchFamily="2" charset="0"/>
-                <a:ea typeface="Roboto" panose="02000000000000000000" pitchFamily="2" charset="0"/>
-                <a:cs typeface="Poppins" panose="00000500000000000000" pitchFamily="2" charset="0"/>
-              </a:defRPr>
-            </a:lvl1pPr>
-          </a:lstStyle>
-          <a:p>
-            <a:r>
-              <a:rPr lang="pt-BR" sz="4800" b="1" dirty="0">
-                <a:solidFill>
-                  <a:schemeClr val="bg1"/>
-                </a:solidFill>
-              </a:rPr>
-              <a:t>{{titulo}}</a:t>
-            </a:r>
-            <a:endParaRPr lang="pt-BR" sz="4800" dirty="0">
-              <a:solidFill>
-                <a:schemeClr val="bg1"/>
-              </a:solidFill>
-            </a:endParaRPr>
-          </a:p>
-        </p:txBody>
-      </p:sp>
-      <p:sp>
-        <p:nvSpPr>
           <p:cNvPr id="10" name="TextBox 19">
             <a:extLst>
               <a:ext uri="{FF2B5EF4-FFF2-40B4-BE49-F238E27FC236}">
@@ -1505,6 +1444,51 @@
               <a:ea typeface="Roboto" panose="02000000000000000000" pitchFamily="2" charset="0"/>
               <a:cs typeface="Poppins" panose="00000500000000000000" pitchFamily="2" charset="0"/>
             </a:endParaRPr>
+          </a:p>
+        </p:txBody>
+      </p:sp>
+      <p:sp>
+        <p:nvSpPr>
+          <p:cNvPr id="12" name="Título 11">
+            <a:extLst>
+              <a:ext uri="{FF2B5EF4-FFF2-40B4-BE49-F238E27FC236}">
+                <a16:creationId xmlns:a16="http://schemas.microsoft.com/office/drawing/2014/main" id="{FEDE8E3F-500D-9DC1-61AE-5D2927DFC0E1}"/>
+              </a:ext>
+            </a:extLst>
+          </p:cNvPr>
+          <p:cNvSpPr>
+            <a:spLocks noGrp="1"/>
+          </p:cNvSpPr>
+          <p:nvPr>
+            <p:ph type="title" idx="4294967295"/>
+          </p:nvPr>
+        </p:nvSpPr>
+        <p:spPr>
+          <a:xfrm>
+            <a:off x="1675963" y="1148533"/>
+            <a:ext cx="21025723" cy="2651126"/>
+          </a:xfrm>
+        </p:spPr>
+        <p:txBody>
+          <a:bodyPr/>
+          <a:lstStyle/>
+          <a:p>
+            <a:r>
+              <a:rPr lang="pt-BR" sz="8800" b="1" dirty="0">
+                <a:solidFill>
+                  <a:schemeClr val="bg1"/>
+                </a:solidFill>
+              </a:rPr>
+              <a:t>{{titulo}}</a:t>
+            </a:r>
+            <a:br>
+              <a:rPr lang="pt-BR" sz="8800" dirty="0">
+                <a:solidFill>
+                  <a:schemeClr val="bg1"/>
+                </a:solidFill>
+              </a:rPr>
+            </a:br>
+            <a:endParaRPr lang="pt-BR" dirty="0"/>
           </a:p>
         </p:txBody>
       </p:sp>

--- a/template.pptx
+++ b/template.pptx
@@ -104,6 +104,11 @@
       </a:defRPr>
     </a:lvl9pPr>
   </p:defaultTextStyle>
+  <p:extLst>
+    <p:ext uri="{EFAFB233-063F-42B5-8137-9DF3F51BA10A}">
+      <p15:sldGuideLst xmlns:p15="http://schemas.microsoft.com/office/powerpoint/2012/main"/>
+    </p:ext>
+  </p:extLst>
 </p:presentation>
 </file>
 

--- a/template.pptx
+++ b/template.pptx
@@ -3328,34 +3328,6 @@
       </p:grpSpPr>
       <p:sp>
         <p:nvSpPr>
-          <p:cNvPr id="2" name="Título 1">
-            <a:extLst>
-              <a:ext uri="{FF2B5EF4-FFF2-40B4-BE49-F238E27FC236}">
-                <a16:creationId xmlns:a16="http://schemas.microsoft.com/office/drawing/2014/main" id="{E7577CB6-EAC3-47B4-978D-66BFC2D4E551}"/>
-              </a:ext>
-            </a:extLst>
-          </p:cNvPr>
-          <p:cNvSpPr>
-            <a:spLocks noGrp="1"/>
-          </p:cNvSpPr>
-          <p:nvPr>
-            <p:ph type="title"/>
-          </p:nvPr>
-        </p:nvSpPr>
-        <p:spPr/>
-        <p:txBody>
-          <a:bodyPr/>
-          <a:lstStyle/>
-          <a:p>
-            <a:r>
-              <a:rPr lang="pt-BR" dirty="0"/>
-              <a:t>{{titulo}}</a:t>
-            </a:r>
-          </a:p>
-        </p:txBody>
-      </p:sp>
-      <p:sp>
-        <p:nvSpPr>
           <p:cNvPr id="4" name="Rectangle 1">
             <a:extLst>
               <a:ext uri="{FF2B5EF4-FFF2-40B4-BE49-F238E27FC236}">
@@ -3371,6 +3343,10 @@
           </p:nvPr>
         </p:nvSpPr>
         <p:spPr bwMode="auto">
+          <a:xfrm>
+            <a:off x="867694" y="3864613"/>
+            <a:ext cx="8880987" cy="707886"/>
+          </a:xfrm>
           <a:prstGeom prst="rect">
             <a:avLst/>
           </a:prstGeom>
@@ -3409,7 +3385,7 @@
           </a:extLst>
         </p:spPr>
         <p:txBody>
-          <a:bodyPr vert="horz" wrap="none" lIns="91440" tIns="45720" rIns="91440" bIns="45720" numCol="1" anchor="ctr" anchorCtr="0" compatLnSpc="1">
+          <a:bodyPr vert="horz" wrap="square" lIns="91440" tIns="45720" rIns="91440" bIns="45720" numCol="1" anchor="ctr" anchorCtr="0" compatLnSpc="1">
             <a:prstTxWarp prst="textNoShape">
               <a:avLst/>
             </a:prstTxWarp>
@@ -3516,6 +3492,560 @@
                 <a:schemeClr val="tx1"/>
               </a:solidFill>
               <a:effectLst/>
+              <a:latin typeface="Arial" panose="020B0604020202020204" pitchFamily="34" charset="0"/>
+            </a:endParaRPr>
+          </a:p>
+        </p:txBody>
+      </p:sp>
+      <p:sp>
+        <p:nvSpPr>
+          <p:cNvPr id="6" name="Rectangle 1">
+            <a:extLst>
+              <a:ext uri="{FF2B5EF4-FFF2-40B4-BE49-F238E27FC236}">
+                <a16:creationId xmlns:a16="http://schemas.microsoft.com/office/drawing/2014/main" id="{98AE3224-3418-9BAB-1EB4-6C45CBF35764}"/>
+              </a:ext>
+            </a:extLst>
+          </p:cNvPr>
+          <p:cNvSpPr txBox="1">
+            <a:spLocks noChangeArrowheads="1"/>
+          </p:cNvSpPr>
+          <p:nvPr/>
+        </p:nvSpPr>
+        <p:spPr bwMode="auto">
+          <a:xfrm>
+            <a:off x="867695" y="4700337"/>
+            <a:ext cx="8880987" cy="707886"/>
+          </a:xfrm>
+          <a:prstGeom prst="rect">
+            <a:avLst/>
+          </a:prstGeom>
+          <a:noFill/>
+          <a:ln>
+            <a:noFill/>
+          </a:ln>
+          <a:effectLst/>
+          <a:extLst>
+            <a:ext uri="{909E8E84-426E-40DD-AFC4-6F175D3DCCD1}">
+              <a14:hiddenFill xmlns:a14="http://schemas.microsoft.com/office/drawing/2010/main">
+                <a:solidFill>
+                  <a:schemeClr val="accent1"/>
+                </a:solidFill>
+              </a14:hiddenFill>
+            </a:ext>
+            <a:ext uri="{91240B29-F687-4F45-9708-019B960494DF}">
+              <a14:hiddenLine xmlns:a14="http://schemas.microsoft.com/office/drawing/2010/main" w="9525">
+                <a:solidFill>
+                  <a:schemeClr val="tx1"/>
+                </a:solidFill>
+                <a:miter lim="800000"/>
+                <a:headEnd/>
+                <a:tailEnd/>
+              </a14:hiddenLine>
+            </a:ext>
+            <a:ext uri="{AF507438-7753-43E0-B8FC-AC1667EBCBE1}">
+              <a14:hiddenEffects xmlns:a14="http://schemas.microsoft.com/office/drawing/2010/main">
+                <a:effectLst>
+                  <a:outerShdw dist="35921" dir="2700000" algn="ctr" rotWithShape="0">
+                    <a:schemeClr val="bg2"/>
+                  </a:outerShdw>
+                </a:effectLst>
+              </a14:hiddenEffects>
+            </a:ext>
+          </a:extLst>
+        </p:spPr>
+        <p:txBody>
+          <a:bodyPr vert="horz" wrap="square" lIns="91440" tIns="45720" rIns="91440" bIns="45720" numCol="1" rtlCol="0" anchor="ctr" anchorCtr="0" compatLnSpc="1">
+            <a:prstTxWarp prst="textNoShape">
+              <a:avLst/>
+            </a:prstTxWarp>
+            <a:spAutoFit/>
+          </a:bodyPr>
+          <a:lstStyle>
+            <a:lvl1pPr marL="228600" indent="-228600" algn="l" defTabSz="914400" rtl="0" eaLnBrk="1" latinLnBrk="0" hangingPunct="1">
+              <a:lnSpc>
+                <a:spcPct val="90000"/>
+              </a:lnSpc>
+              <a:spcBef>
+                <a:spcPts val="1000"/>
+              </a:spcBef>
+              <a:buFont typeface="Arial" panose="020B0604020202020204" pitchFamily="34" charset="0"/>
+              <a:buChar char="•"/>
+              <a:defRPr sz="2800" kern="1200">
+                <a:solidFill>
+                  <a:schemeClr val="tx1"/>
+                </a:solidFill>
+                <a:latin typeface="+mn-lt"/>
+                <a:ea typeface="+mn-ea"/>
+                <a:cs typeface="+mn-cs"/>
+              </a:defRPr>
+            </a:lvl1pPr>
+            <a:lvl2pPr marL="685800" indent="-228600" algn="l" defTabSz="914400" rtl="0" eaLnBrk="1" latinLnBrk="0" hangingPunct="1">
+              <a:lnSpc>
+                <a:spcPct val="90000"/>
+              </a:lnSpc>
+              <a:spcBef>
+                <a:spcPts val="500"/>
+              </a:spcBef>
+              <a:buFont typeface="Arial" panose="020B0604020202020204" pitchFamily="34" charset="0"/>
+              <a:buChar char="•"/>
+              <a:defRPr sz="2400" kern="1200">
+                <a:solidFill>
+                  <a:schemeClr val="tx1"/>
+                </a:solidFill>
+                <a:latin typeface="+mn-lt"/>
+                <a:ea typeface="+mn-ea"/>
+                <a:cs typeface="+mn-cs"/>
+              </a:defRPr>
+            </a:lvl2pPr>
+            <a:lvl3pPr marL="1143000" indent="-228600" algn="l" defTabSz="914400" rtl="0" eaLnBrk="1" latinLnBrk="0" hangingPunct="1">
+              <a:lnSpc>
+                <a:spcPct val="90000"/>
+              </a:lnSpc>
+              <a:spcBef>
+                <a:spcPts val="500"/>
+              </a:spcBef>
+              <a:buFont typeface="Arial" panose="020B0604020202020204" pitchFamily="34" charset="0"/>
+              <a:buChar char="•"/>
+              <a:defRPr sz="2000" kern="1200">
+                <a:solidFill>
+                  <a:schemeClr val="tx1"/>
+                </a:solidFill>
+                <a:latin typeface="+mn-lt"/>
+                <a:ea typeface="+mn-ea"/>
+                <a:cs typeface="+mn-cs"/>
+              </a:defRPr>
+            </a:lvl3pPr>
+            <a:lvl4pPr marL="1600200" indent="-228600" algn="l" defTabSz="914400" rtl="0" eaLnBrk="1" latinLnBrk="0" hangingPunct="1">
+              <a:lnSpc>
+                <a:spcPct val="90000"/>
+              </a:lnSpc>
+              <a:spcBef>
+                <a:spcPts val="500"/>
+              </a:spcBef>
+              <a:buFont typeface="Arial" panose="020B0604020202020204" pitchFamily="34" charset="0"/>
+              <a:buChar char="•"/>
+              <a:defRPr sz="1800" kern="1200">
+                <a:solidFill>
+                  <a:schemeClr val="tx1"/>
+                </a:solidFill>
+                <a:latin typeface="+mn-lt"/>
+                <a:ea typeface="+mn-ea"/>
+                <a:cs typeface="+mn-cs"/>
+              </a:defRPr>
+            </a:lvl4pPr>
+            <a:lvl5pPr marL="2057400" indent="-228600" algn="l" defTabSz="914400" rtl="0" eaLnBrk="1" latinLnBrk="0" hangingPunct="1">
+              <a:lnSpc>
+                <a:spcPct val="90000"/>
+              </a:lnSpc>
+              <a:spcBef>
+                <a:spcPts val="500"/>
+              </a:spcBef>
+              <a:buFont typeface="Arial" panose="020B0604020202020204" pitchFamily="34" charset="0"/>
+              <a:buChar char="•"/>
+              <a:defRPr sz="1800" kern="1200">
+                <a:solidFill>
+                  <a:schemeClr val="tx1"/>
+                </a:solidFill>
+                <a:latin typeface="+mn-lt"/>
+                <a:ea typeface="+mn-ea"/>
+                <a:cs typeface="+mn-cs"/>
+              </a:defRPr>
+            </a:lvl5pPr>
+            <a:lvl6pPr marL="2514600" indent="-228600" algn="l" defTabSz="914400" rtl="0" eaLnBrk="1" latinLnBrk="0" hangingPunct="1">
+              <a:lnSpc>
+                <a:spcPct val="90000"/>
+              </a:lnSpc>
+              <a:spcBef>
+                <a:spcPts val="500"/>
+              </a:spcBef>
+              <a:buFont typeface="Arial" panose="020B0604020202020204" pitchFamily="34" charset="0"/>
+              <a:buChar char="•"/>
+              <a:defRPr sz="1800" kern="1200">
+                <a:solidFill>
+                  <a:schemeClr val="tx1"/>
+                </a:solidFill>
+                <a:latin typeface="+mn-lt"/>
+                <a:ea typeface="+mn-ea"/>
+                <a:cs typeface="+mn-cs"/>
+              </a:defRPr>
+            </a:lvl6pPr>
+            <a:lvl7pPr marL="2971800" indent="-228600" algn="l" defTabSz="914400" rtl="0" eaLnBrk="1" latinLnBrk="0" hangingPunct="1">
+              <a:lnSpc>
+                <a:spcPct val="90000"/>
+              </a:lnSpc>
+              <a:spcBef>
+                <a:spcPts val="500"/>
+              </a:spcBef>
+              <a:buFont typeface="Arial" panose="020B0604020202020204" pitchFamily="34" charset="0"/>
+              <a:buChar char="•"/>
+              <a:defRPr sz="1800" kern="1200">
+                <a:solidFill>
+                  <a:schemeClr val="tx1"/>
+                </a:solidFill>
+                <a:latin typeface="+mn-lt"/>
+                <a:ea typeface="+mn-ea"/>
+                <a:cs typeface="+mn-cs"/>
+              </a:defRPr>
+            </a:lvl7pPr>
+            <a:lvl8pPr marL="3429000" indent="-228600" algn="l" defTabSz="914400" rtl="0" eaLnBrk="1" latinLnBrk="0" hangingPunct="1">
+              <a:lnSpc>
+                <a:spcPct val="90000"/>
+              </a:lnSpc>
+              <a:spcBef>
+                <a:spcPts val="500"/>
+              </a:spcBef>
+              <a:buFont typeface="Arial" panose="020B0604020202020204" pitchFamily="34" charset="0"/>
+              <a:buChar char="•"/>
+              <a:defRPr sz="1800" kern="1200">
+                <a:solidFill>
+                  <a:schemeClr val="tx1"/>
+                </a:solidFill>
+                <a:latin typeface="+mn-lt"/>
+                <a:ea typeface="+mn-ea"/>
+                <a:cs typeface="+mn-cs"/>
+              </a:defRPr>
+            </a:lvl8pPr>
+            <a:lvl9pPr marL="3886200" indent="-228600" algn="l" defTabSz="914400" rtl="0" eaLnBrk="1" latinLnBrk="0" hangingPunct="1">
+              <a:lnSpc>
+                <a:spcPct val="90000"/>
+              </a:lnSpc>
+              <a:spcBef>
+                <a:spcPts val="500"/>
+              </a:spcBef>
+              <a:buFont typeface="Arial" panose="020B0604020202020204" pitchFamily="34" charset="0"/>
+              <a:buChar char="•"/>
+              <a:defRPr sz="1800" kern="1200">
+                <a:solidFill>
+                  <a:schemeClr val="tx1"/>
+                </a:solidFill>
+                <a:latin typeface="+mn-lt"/>
+                <a:ea typeface="+mn-ea"/>
+                <a:cs typeface="+mn-cs"/>
+              </a:defRPr>
+            </a:lvl9pPr>
+          </a:lstStyle>
+          <a:p>
+            <a:pPr marL="0" indent="0" eaLnBrk="0" fontAlgn="base" hangingPunct="0">
+              <a:lnSpc>
+                <a:spcPct val="100000"/>
+              </a:lnSpc>
+              <a:spcBef>
+                <a:spcPct val="0"/>
+              </a:spcBef>
+              <a:spcAft>
+                <a:spcPct val="0"/>
+              </a:spcAft>
+              <a:buFontTx/>
+              <a:buNone/>
+            </a:pPr>
+            <a:r>
+              <a:rPr lang="pt-BR" altLang="pt-BR" sz="4000">
+                <a:latin typeface="Arial Unicode MS"/>
+              </a:rPr>
+              <a:t>{{resumo}}</a:t>
+            </a:r>
+            <a:r>
+              <a:rPr lang="pt-BR" altLang="pt-BR" sz="4000"/>
+              <a:t>, </a:t>
+            </a:r>
+            <a:r>
+              <a:rPr lang="pt-BR" altLang="pt-BR" sz="4000">
+                <a:latin typeface="Arial Unicode MS"/>
+              </a:rPr>
+              <a:t>{{link}}</a:t>
+            </a:r>
+            <a:r>
+              <a:rPr lang="pt-BR" altLang="pt-BR" sz="4000"/>
+              <a:t>, </a:t>
+            </a:r>
+            <a:r>
+              <a:rPr lang="pt-BR" altLang="pt-BR" sz="4000">
+                <a:latin typeface="Arial Unicode MS"/>
+              </a:rPr>
+              <a:t>{{data}}</a:t>
+            </a:r>
+            <a:r>
+              <a:rPr lang="pt-BR" altLang="pt-BR" sz="4000"/>
+              <a:t> </a:t>
+            </a:r>
+            <a:endParaRPr lang="pt-BR" altLang="pt-BR" sz="4000" dirty="0">
+              <a:latin typeface="Arial" panose="020B0604020202020204" pitchFamily="34" charset="0"/>
+            </a:endParaRPr>
+          </a:p>
+        </p:txBody>
+      </p:sp>
+      <p:sp>
+        <p:nvSpPr>
+          <p:cNvPr id="7" name="Rectangle 1">
+            <a:extLst>
+              <a:ext uri="{FF2B5EF4-FFF2-40B4-BE49-F238E27FC236}">
+                <a16:creationId xmlns:a16="http://schemas.microsoft.com/office/drawing/2014/main" id="{138FD3A7-415B-E588-CF26-A29317CC133B}"/>
+              </a:ext>
+            </a:extLst>
+          </p:cNvPr>
+          <p:cNvSpPr txBox="1">
+            <a:spLocks noChangeArrowheads="1"/>
+          </p:cNvSpPr>
+          <p:nvPr/>
+        </p:nvSpPr>
+        <p:spPr bwMode="auto">
+          <a:xfrm>
+            <a:off x="867694" y="3028890"/>
+            <a:ext cx="8880987" cy="707886"/>
+          </a:xfrm>
+          <a:prstGeom prst="rect">
+            <a:avLst/>
+          </a:prstGeom>
+          <a:noFill/>
+          <a:ln>
+            <a:noFill/>
+          </a:ln>
+          <a:effectLst/>
+          <a:extLst>
+            <a:ext uri="{909E8E84-426E-40DD-AFC4-6F175D3DCCD1}">
+              <a14:hiddenFill xmlns:a14="http://schemas.microsoft.com/office/drawing/2010/main">
+                <a:solidFill>
+                  <a:schemeClr val="accent1"/>
+                </a:solidFill>
+              </a14:hiddenFill>
+            </a:ext>
+            <a:ext uri="{91240B29-F687-4F45-9708-019B960494DF}">
+              <a14:hiddenLine xmlns:a14="http://schemas.microsoft.com/office/drawing/2010/main" w="9525">
+                <a:solidFill>
+                  <a:schemeClr val="tx1"/>
+                </a:solidFill>
+                <a:miter lim="800000"/>
+                <a:headEnd/>
+                <a:tailEnd/>
+              </a14:hiddenLine>
+            </a:ext>
+            <a:ext uri="{AF507438-7753-43E0-B8FC-AC1667EBCBE1}">
+              <a14:hiddenEffects xmlns:a14="http://schemas.microsoft.com/office/drawing/2010/main">
+                <a:effectLst>
+                  <a:outerShdw dist="35921" dir="2700000" algn="ctr" rotWithShape="0">
+                    <a:schemeClr val="bg2"/>
+                  </a:outerShdw>
+                </a:effectLst>
+              </a14:hiddenEffects>
+            </a:ext>
+          </a:extLst>
+        </p:spPr>
+        <p:txBody>
+          <a:bodyPr vert="horz" wrap="square" lIns="91440" tIns="45720" rIns="91440" bIns="45720" numCol="1" rtlCol="0" anchor="ctr" anchorCtr="0" compatLnSpc="1">
+            <a:prstTxWarp prst="textNoShape">
+              <a:avLst/>
+            </a:prstTxWarp>
+            <a:spAutoFit/>
+          </a:bodyPr>
+          <a:lstStyle>
+            <a:lvl1pPr marL="228600" indent="-228600" algn="l" defTabSz="914400" rtl="0" eaLnBrk="1" latinLnBrk="0" hangingPunct="1">
+              <a:lnSpc>
+                <a:spcPct val="90000"/>
+              </a:lnSpc>
+              <a:spcBef>
+                <a:spcPts val="1000"/>
+              </a:spcBef>
+              <a:buFont typeface="Arial" panose="020B0604020202020204" pitchFamily="34" charset="0"/>
+              <a:buChar char="•"/>
+              <a:defRPr sz="2800" kern="1200">
+                <a:solidFill>
+                  <a:schemeClr val="tx1"/>
+                </a:solidFill>
+                <a:latin typeface="+mn-lt"/>
+                <a:ea typeface="+mn-ea"/>
+                <a:cs typeface="+mn-cs"/>
+              </a:defRPr>
+            </a:lvl1pPr>
+            <a:lvl2pPr marL="685800" indent="-228600" algn="l" defTabSz="914400" rtl="0" eaLnBrk="1" latinLnBrk="0" hangingPunct="1">
+              <a:lnSpc>
+                <a:spcPct val="90000"/>
+              </a:lnSpc>
+              <a:spcBef>
+                <a:spcPts val="500"/>
+              </a:spcBef>
+              <a:buFont typeface="Arial" panose="020B0604020202020204" pitchFamily="34" charset="0"/>
+              <a:buChar char="•"/>
+              <a:defRPr sz="2400" kern="1200">
+                <a:solidFill>
+                  <a:schemeClr val="tx1"/>
+                </a:solidFill>
+                <a:latin typeface="+mn-lt"/>
+                <a:ea typeface="+mn-ea"/>
+                <a:cs typeface="+mn-cs"/>
+              </a:defRPr>
+            </a:lvl2pPr>
+            <a:lvl3pPr marL="1143000" indent="-228600" algn="l" defTabSz="914400" rtl="0" eaLnBrk="1" latinLnBrk="0" hangingPunct="1">
+              <a:lnSpc>
+                <a:spcPct val="90000"/>
+              </a:lnSpc>
+              <a:spcBef>
+                <a:spcPts val="500"/>
+              </a:spcBef>
+              <a:buFont typeface="Arial" panose="020B0604020202020204" pitchFamily="34" charset="0"/>
+              <a:buChar char="•"/>
+              <a:defRPr sz="2000" kern="1200">
+                <a:solidFill>
+                  <a:schemeClr val="tx1"/>
+                </a:solidFill>
+                <a:latin typeface="+mn-lt"/>
+                <a:ea typeface="+mn-ea"/>
+                <a:cs typeface="+mn-cs"/>
+              </a:defRPr>
+            </a:lvl3pPr>
+            <a:lvl4pPr marL="1600200" indent="-228600" algn="l" defTabSz="914400" rtl="0" eaLnBrk="1" latinLnBrk="0" hangingPunct="1">
+              <a:lnSpc>
+                <a:spcPct val="90000"/>
+              </a:lnSpc>
+              <a:spcBef>
+                <a:spcPts val="500"/>
+              </a:spcBef>
+              <a:buFont typeface="Arial" panose="020B0604020202020204" pitchFamily="34" charset="0"/>
+              <a:buChar char="•"/>
+              <a:defRPr sz="1800" kern="1200">
+                <a:solidFill>
+                  <a:schemeClr val="tx1"/>
+                </a:solidFill>
+                <a:latin typeface="+mn-lt"/>
+                <a:ea typeface="+mn-ea"/>
+                <a:cs typeface="+mn-cs"/>
+              </a:defRPr>
+            </a:lvl4pPr>
+            <a:lvl5pPr marL="2057400" indent="-228600" algn="l" defTabSz="914400" rtl="0" eaLnBrk="1" latinLnBrk="0" hangingPunct="1">
+              <a:lnSpc>
+                <a:spcPct val="90000"/>
+              </a:lnSpc>
+              <a:spcBef>
+                <a:spcPts val="500"/>
+              </a:spcBef>
+              <a:buFont typeface="Arial" panose="020B0604020202020204" pitchFamily="34" charset="0"/>
+              <a:buChar char="•"/>
+              <a:defRPr sz="1800" kern="1200">
+                <a:solidFill>
+                  <a:schemeClr val="tx1"/>
+                </a:solidFill>
+                <a:latin typeface="+mn-lt"/>
+                <a:ea typeface="+mn-ea"/>
+                <a:cs typeface="+mn-cs"/>
+              </a:defRPr>
+            </a:lvl5pPr>
+            <a:lvl6pPr marL="2514600" indent="-228600" algn="l" defTabSz="914400" rtl="0" eaLnBrk="1" latinLnBrk="0" hangingPunct="1">
+              <a:lnSpc>
+                <a:spcPct val="90000"/>
+              </a:lnSpc>
+              <a:spcBef>
+                <a:spcPts val="500"/>
+              </a:spcBef>
+              <a:buFont typeface="Arial" panose="020B0604020202020204" pitchFamily="34" charset="0"/>
+              <a:buChar char="•"/>
+              <a:defRPr sz="1800" kern="1200">
+                <a:solidFill>
+                  <a:schemeClr val="tx1"/>
+                </a:solidFill>
+                <a:latin typeface="+mn-lt"/>
+                <a:ea typeface="+mn-ea"/>
+                <a:cs typeface="+mn-cs"/>
+              </a:defRPr>
+            </a:lvl6pPr>
+            <a:lvl7pPr marL="2971800" indent="-228600" algn="l" defTabSz="914400" rtl="0" eaLnBrk="1" latinLnBrk="0" hangingPunct="1">
+              <a:lnSpc>
+                <a:spcPct val="90000"/>
+              </a:lnSpc>
+              <a:spcBef>
+                <a:spcPts val="500"/>
+              </a:spcBef>
+              <a:buFont typeface="Arial" panose="020B0604020202020204" pitchFamily="34" charset="0"/>
+              <a:buChar char="•"/>
+              <a:defRPr sz="1800" kern="1200">
+                <a:solidFill>
+                  <a:schemeClr val="tx1"/>
+                </a:solidFill>
+                <a:latin typeface="+mn-lt"/>
+                <a:ea typeface="+mn-ea"/>
+                <a:cs typeface="+mn-cs"/>
+              </a:defRPr>
+            </a:lvl7pPr>
+            <a:lvl8pPr marL="3429000" indent="-228600" algn="l" defTabSz="914400" rtl="0" eaLnBrk="1" latinLnBrk="0" hangingPunct="1">
+              <a:lnSpc>
+                <a:spcPct val="90000"/>
+              </a:lnSpc>
+              <a:spcBef>
+                <a:spcPts val="500"/>
+              </a:spcBef>
+              <a:buFont typeface="Arial" panose="020B0604020202020204" pitchFamily="34" charset="0"/>
+              <a:buChar char="•"/>
+              <a:defRPr sz="1800" kern="1200">
+                <a:solidFill>
+                  <a:schemeClr val="tx1"/>
+                </a:solidFill>
+                <a:latin typeface="+mn-lt"/>
+                <a:ea typeface="+mn-ea"/>
+                <a:cs typeface="+mn-cs"/>
+              </a:defRPr>
+            </a:lvl8pPr>
+            <a:lvl9pPr marL="3886200" indent="-228600" algn="l" defTabSz="914400" rtl="0" eaLnBrk="1" latinLnBrk="0" hangingPunct="1">
+              <a:lnSpc>
+                <a:spcPct val="90000"/>
+              </a:lnSpc>
+              <a:spcBef>
+                <a:spcPts val="500"/>
+              </a:spcBef>
+              <a:buFont typeface="Arial" panose="020B0604020202020204" pitchFamily="34" charset="0"/>
+              <a:buChar char="•"/>
+              <a:defRPr sz="1800" kern="1200">
+                <a:solidFill>
+                  <a:schemeClr val="tx1"/>
+                </a:solidFill>
+                <a:latin typeface="+mn-lt"/>
+                <a:ea typeface="+mn-ea"/>
+                <a:cs typeface="+mn-cs"/>
+              </a:defRPr>
+            </a:lvl9pPr>
+          </a:lstStyle>
+          <a:p>
+            <a:pPr marL="0" indent="0" eaLnBrk="0" fontAlgn="base" hangingPunct="0">
+              <a:lnSpc>
+                <a:spcPct val="100000"/>
+              </a:lnSpc>
+              <a:spcBef>
+                <a:spcPct val="0"/>
+              </a:spcBef>
+              <a:spcAft>
+                <a:spcPct val="0"/>
+              </a:spcAft>
+              <a:buFontTx/>
+              <a:buNone/>
+            </a:pPr>
+            <a:r>
+              <a:rPr lang="pt-BR" altLang="pt-BR" sz="4000">
+                <a:latin typeface="Arial Unicode MS"/>
+              </a:rPr>
+              <a:t>{{resumo}}</a:t>
+            </a:r>
+            <a:r>
+              <a:rPr lang="pt-BR" altLang="pt-BR" sz="4000"/>
+              <a:t>, </a:t>
+            </a:r>
+            <a:r>
+              <a:rPr lang="pt-BR" altLang="pt-BR" sz="4000">
+                <a:latin typeface="Arial Unicode MS"/>
+              </a:rPr>
+              <a:t>{{link}}</a:t>
+            </a:r>
+            <a:r>
+              <a:rPr lang="pt-BR" altLang="pt-BR" sz="4000"/>
+              <a:t>, </a:t>
+            </a:r>
+            <a:r>
+              <a:rPr lang="pt-BR" altLang="pt-BR" sz="4000">
+                <a:latin typeface="Arial Unicode MS"/>
+              </a:rPr>
+              <a:t>{{data}}</a:t>
+            </a:r>
+            <a:r>
+              <a:rPr lang="pt-BR" altLang="pt-BR" sz="4000"/>
+              <a:t> </a:t>
+            </a:r>
+            <a:endParaRPr lang="pt-BR" altLang="pt-BR" sz="4000" dirty="0">
               <a:latin typeface="Arial" panose="020B0604020202020204" pitchFamily="34" charset="0"/>
             </a:endParaRPr>
           </a:p>

--- a/template.pptx
+++ b/template.pptx
@@ -3790,8 +3790,8 @@
         </p:nvSpPr>
         <p:spPr bwMode="auto">
           <a:xfrm>
-            <a:off x="867694" y="3028890"/>
-            <a:ext cx="8880987" cy="707886"/>
+            <a:off x="0" y="0"/>
+            <a:ext cx="3406877" cy="1938992"/>
           </a:xfrm>
           <a:prstGeom prst="rect">
             <a:avLst/>
@@ -4016,33 +4016,33 @@
               <a:buNone/>
             </a:pPr>
             <a:r>
-              <a:rPr lang="pt-BR" altLang="pt-BR" sz="4000">
+              <a:rPr lang="pt-BR" altLang="pt-BR" sz="4000" dirty="0">
                 <a:latin typeface="Arial Unicode MS"/>
               </a:rPr>
               <a:t>{{resumo}}</a:t>
             </a:r>
             <a:r>
-              <a:rPr lang="pt-BR" altLang="pt-BR" sz="4000"/>
+              <a:rPr lang="pt-BR" altLang="pt-BR" sz="4000" dirty="0"/>
               <a:t>, </a:t>
             </a:r>
             <a:r>
-              <a:rPr lang="pt-BR" altLang="pt-BR" sz="4000">
+              <a:rPr lang="pt-BR" altLang="pt-BR" sz="4000" dirty="0">
                 <a:latin typeface="Arial Unicode MS"/>
               </a:rPr>
               <a:t>{{link}}</a:t>
             </a:r>
             <a:r>
-              <a:rPr lang="pt-BR" altLang="pt-BR" sz="4000"/>
+              <a:rPr lang="pt-BR" altLang="pt-BR" sz="4000" dirty="0"/>
               <a:t>, </a:t>
             </a:r>
             <a:r>
-              <a:rPr lang="pt-BR" altLang="pt-BR" sz="4000">
+              <a:rPr lang="pt-BR" altLang="pt-BR" sz="4000" dirty="0">
                 <a:latin typeface="Arial Unicode MS"/>
               </a:rPr>
               <a:t>{{data}}</a:t>
             </a:r>
             <a:r>
-              <a:rPr lang="pt-BR" altLang="pt-BR" sz="4000"/>
+              <a:rPr lang="pt-BR" altLang="pt-BR" sz="4000" dirty="0"/>
               <a:t> </a:t>
             </a:r>
             <a:endParaRPr lang="pt-BR" altLang="pt-BR" sz="4000" dirty="0">
@@ -4051,6 +4051,112 @@
           </a:p>
         </p:txBody>
       </p:sp>
+      <p:sp>
+        <p:nvSpPr>
+          <p:cNvPr id="8" name="Retângulo 7">
+            <a:extLst>
+              <a:ext uri="{FF2B5EF4-FFF2-40B4-BE49-F238E27FC236}">
+                <a16:creationId xmlns:a16="http://schemas.microsoft.com/office/drawing/2014/main" id="{FEB689ED-4D3A-0434-5957-45766B48FBE1}"/>
+              </a:ext>
+            </a:extLst>
+          </p:cNvPr>
+          <p:cNvSpPr/>
+          <p:nvPr/>
+        </p:nvSpPr>
+        <p:spPr>
+          <a:xfrm>
+            <a:off x="4188542" y="-180181"/>
+            <a:ext cx="4109152" cy="8797474"/>
+          </a:xfrm>
+          <a:prstGeom prst="rect">
+            <a:avLst/>
+          </a:prstGeom>
+          <a:solidFill>
+            <a:schemeClr val="bg1">
+              <a:lumMod val="95000"/>
+            </a:schemeClr>
+          </a:solidFill>
+          <a:ln>
+            <a:noFill/>
+          </a:ln>
+        </p:spPr>
+        <p:style>
+          <a:lnRef idx="2">
+            <a:schemeClr val="accent1">
+              <a:shade val="15000"/>
+            </a:schemeClr>
+          </a:lnRef>
+          <a:fillRef idx="1">
+            <a:schemeClr val="accent1"/>
+          </a:fillRef>
+          <a:effectRef idx="0">
+            <a:schemeClr val="accent1"/>
+          </a:effectRef>
+          <a:fontRef idx="minor">
+            <a:schemeClr val="lt1"/>
+          </a:fontRef>
+        </p:style>
+        <p:txBody>
+          <a:bodyPr rtlCol="0" anchor="ctr"/>
+          <a:lstStyle/>
+          <a:p>
+            <a:pPr algn="ctr"/>
+            <a:endParaRPr lang="pt-BR" dirty="0"/>
+          </a:p>
+        </p:txBody>
+      </p:sp>
+      <p:cxnSp>
+        <p:nvCxnSpPr>
+          <p:cNvPr id="9" name="Conector reto 8">
+            <a:extLst>
+              <a:ext uri="{FF2B5EF4-FFF2-40B4-BE49-F238E27FC236}">
+                <a16:creationId xmlns:a16="http://schemas.microsoft.com/office/drawing/2014/main" id="{C62BAC27-C429-EB53-EDA7-C9916ACC2BE4}"/>
+              </a:ext>
+            </a:extLst>
+          </p:cNvPr>
+          <p:cNvCxnSpPr>
+            <a:cxnSpLocks/>
+          </p:cNvCxnSpPr>
+          <p:nvPr/>
+        </p:nvCxnSpPr>
+        <p:spPr>
+          <a:xfrm>
+            <a:off x="0" y="3429000"/>
+            <a:ext cx="12192000" cy="0"/>
+          </a:xfrm>
+          <a:prstGeom prst="line">
+            <a:avLst/>
+          </a:prstGeom>
+          <a:ln>
+            <a:solidFill>
+              <a:schemeClr val="bg1">
+                <a:lumMod val="85000"/>
+              </a:schemeClr>
+            </a:solidFill>
+          </a:ln>
+          <a:effectLst>
+            <a:outerShdw blurRad="50800" dist="38100" dir="2700000" algn="tl" rotWithShape="0">
+              <a:prstClr val="black">
+                <a:alpha val="40000"/>
+              </a:prstClr>
+            </a:outerShdw>
+          </a:effectLst>
+        </p:spPr>
+        <p:style>
+          <a:lnRef idx="1">
+            <a:schemeClr val="accent1"/>
+          </a:lnRef>
+          <a:fillRef idx="0">
+            <a:schemeClr val="accent1"/>
+          </a:fillRef>
+          <a:effectRef idx="0">
+            <a:schemeClr val="accent1"/>
+          </a:effectRef>
+          <a:fontRef idx="minor">
+            <a:schemeClr val="tx1"/>
+          </a:fontRef>
+        </p:style>
+      </p:cxnSp>
     </p:spTree>
     <p:extLst>
       <p:ext uri="{BB962C8B-B14F-4D97-AF65-F5344CB8AC3E}">

--- a/template.pptx
+++ b/template.pptx
@@ -259,7 +259,7 @@
           <a:p>
             <a:fld id="{6B41E399-D0A3-4498-B3E0-9E6446FE780E}" type="datetimeFigureOut">
               <a:rPr lang="pt-BR" smtClean="0"/>
-              <a:t>21/05/2025</a:t>
+              <a:t>22/05/2025</a:t>
             </a:fld>
             <a:endParaRPr lang="pt-BR"/>
           </a:p>
@@ -457,7 +457,7 @@
           <a:p>
             <a:fld id="{6B41E399-D0A3-4498-B3E0-9E6446FE780E}" type="datetimeFigureOut">
               <a:rPr lang="pt-BR" smtClean="0"/>
-              <a:t>21/05/2025</a:t>
+              <a:t>22/05/2025</a:t>
             </a:fld>
             <a:endParaRPr lang="pt-BR"/>
           </a:p>
@@ -665,7 +665,7 @@
           <a:p>
             <a:fld id="{6B41E399-D0A3-4498-B3E0-9E6446FE780E}" type="datetimeFigureOut">
               <a:rPr lang="pt-BR" smtClean="0"/>
-              <a:t>21/05/2025</a:t>
+              <a:t>22/05/2025</a:t>
             </a:fld>
             <a:endParaRPr lang="pt-BR"/>
           </a:p>
@@ -863,7 +863,7 @@
           <a:p>
             <a:fld id="{6B41E399-D0A3-4498-B3E0-9E6446FE780E}" type="datetimeFigureOut">
               <a:rPr lang="pt-BR" smtClean="0"/>
-              <a:t>21/05/2025</a:t>
+              <a:t>22/05/2025</a:t>
             </a:fld>
             <a:endParaRPr lang="pt-BR"/>
           </a:p>
@@ -1138,7 +1138,7 @@
           <a:p>
             <a:fld id="{6B41E399-D0A3-4498-B3E0-9E6446FE780E}" type="datetimeFigureOut">
               <a:rPr lang="pt-BR" smtClean="0"/>
-              <a:t>21/05/2025</a:t>
+              <a:t>22/05/2025</a:t>
             </a:fld>
             <a:endParaRPr lang="pt-BR"/>
           </a:p>
@@ -1403,7 +1403,7 @@
           <a:p>
             <a:fld id="{6B41E399-D0A3-4498-B3E0-9E6446FE780E}" type="datetimeFigureOut">
               <a:rPr lang="pt-BR" smtClean="0"/>
-              <a:t>21/05/2025</a:t>
+              <a:t>22/05/2025</a:t>
             </a:fld>
             <a:endParaRPr lang="pt-BR"/>
           </a:p>
@@ -1815,7 +1815,7 @@
           <a:p>
             <a:fld id="{6B41E399-D0A3-4498-B3E0-9E6446FE780E}" type="datetimeFigureOut">
               <a:rPr lang="pt-BR" smtClean="0"/>
-              <a:t>21/05/2025</a:t>
+              <a:t>22/05/2025</a:t>
             </a:fld>
             <a:endParaRPr lang="pt-BR"/>
           </a:p>
@@ -1956,7 +1956,7 @@
           <a:p>
             <a:fld id="{6B41E399-D0A3-4498-B3E0-9E6446FE780E}" type="datetimeFigureOut">
               <a:rPr lang="pt-BR" smtClean="0"/>
-              <a:t>21/05/2025</a:t>
+              <a:t>22/05/2025</a:t>
             </a:fld>
             <a:endParaRPr lang="pt-BR"/>
           </a:p>
@@ -2069,7 +2069,7 @@
           <a:p>
             <a:fld id="{6B41E399-D0A3-4498-B3E0-9E6446FE780E}" type="datetimeFigureOut">
               <a:rPr lang="pt-BR" smtClean="0"/>
-              <a:t>21/05/2025</a:t>
+              <a:t>22/05/2025</a:t>
             </a:fld>
             <a:endParaRPr lang="pt-BR"/>
           </a:p>
@@ -2380,7 +2380,7 @@
           <a:p>
             <a:fld id="{6B41E399-D0A3-4498-B3E0-9E6446FE780E}" type="datetimeFigureOut">
               <a:rPr lang="pt-BR" smtClean="0"/>
-              <a:t>21/05/2025</a:t>
+              <a:t>22/05/2025</a:t>
             </a:fld>
             <a:endParaRPr lang="pt-BR"/>
           </a:p>
@@ -2668,7 +2668,7 @@
           <a:p>
             <a:fld id="{6B41E399-D0A3-4498-B3E0-9E6446FE780E}" type="datetimeFigureOut">
               <a:rPr lang="pt-BR" smtClean="0"/>
-              <a:t>21/05/2025</a:t>
+              <a:t>22/05/2025</a:t>
             </a:fld>
             <a:endParaRPr lang="pt-BR"/>
           </a:p>
@@ -2909,7 +2909,7 @@
           <a:p>
             <a:fld id="{6B41E399-D0A3-4498-B3E0-9E6446FE780E}" type="datetimeFigureOut">
               <a:rPr lang="pt-BR" smtClean="0"/>
-              <a:t>21/05/2025</a:t>
+              <a:t>22/05/2025</a:t>
             </a:fld>
             <a:endParaRPr lang="pt-BR"/>
           </a:p>
@@ -3328,24 +3328,22 @@
       </p:grpSpPr>
       <p:sp>
         <p:nvSpPr>
-          <p:cNvPr id="4" name="Rectangle 1">
-            <a:extLst>
-              <a:ext uri="{FF2B5EF4-FFF2-40B4-BE49-F238E27FC236}">
-                <a16:creationId xmlns:a16="http://schemas.microsoft.com/office/drawing/2014/main" id="{335A9E85-85CC-2E54-6B9F-B347F6B24022}"/>
-              </a:ext>
-            </a:extLst>
-          </p:cNvPr>
-          <p:cNvSpPr>
-            <a:spLocks noGrp="1" noChangeArrowheads="1"/>
-          </p:cNvSpPr>
-          <p:nvPr>
-            <p:ph idx="1"/>
-          </p:nvPr>
+          <p:cNvPr id="7" name="Rectangle 1">
+            <a:extLst>
+              <a:ext uri="{FF2B5EF4-FFF2-40B4-BE49-F238E27FC236}">
+                <a16:creationId xmlns:a16="http://schemas.microsoft.com/office/drawing/2014/main" id="{138FD3A7-415B-E588-CF26-A29317CC133B}"/>
+              </a:ext>
+            </a:extLst>
+          </p:cNvPr>
+          <p:cNvSpPr txBox="1">
+            <a:spLocks noChangeArrowheads="1"/>
+          </p:cNvSpPr>
+          <p:nvPr/>
         </p:nvSpPr>
         <p:spPr bwMode="auto">
           <a:xfrm>
-            <a:off x="867694" y="3864613"/>
-            <a:ext cx="8880987" cy="707886"/>
+            <a:off x="178944" y="460346"/>
+            <a:ext cx="3406877" cy="1323439"/>
           </a:xfrm>
           <a:prstGeom prst="rect">
             <a:avLst/>
@@ -3385,175 +3383,6 @@
           </a:extLst>
         </p:spPr>
         <p:txBody>
-          <a:bodyPr vert="horz" wrap="square" lIns="91440" tIns="45720" rIns="91440" bIns="45720" numCol="1" anchor="ctr" anchorCtr="0" compatLnSpc="1">
-            <a:prstTxWarp prst="textNoShape">
-              <a:avLst/>
-            </a:prstTxWarp>
-            <a:spAutoFit/>
-          </a:bodyPr>
-          <a:lstStyle/>
-          <a:p>
-            <a:pPr marL="0" marR="0" lvl="0" indent="0" defTabSz="914400" rtl="0" eaLnBrk="0" fontAlgn="base" latinLnBrk="0" hangingPunct="0">
-              <a:lnSpc>
-                <a:spcPct val="100000"/>
-              </a:lnSpc>
-              <a:spcBef>
-                <a:spcPct val="0"/>
-              </a:spcBef>
-              <a:spcAft>
-                <a:spcPct val="0"/>
-              </a:spcAft>
-              <a:buClrTx/>
-              <a:buSzTx/>
-              <a:buFontTx/>
-              <a:buNone/>
-              <a:tabLst/>
-            </a:pPr>
-            <a:r>
-              <a:rPr kumimoji="0" lang="pt-BR" altLang="pt-BR" sz="4000" b="0" i="0" u="none" strike="noStrike" cap="none" normalizeH="0" baseline="0" dirty="0">
-                <a:ln>
-                  <a:noFill/>
-                </a:ln>
-                <a:solidFill>
-                  <a:schemeClr val="tx1"/>
-                </a:solidFill>
-                <a:effectLst/>
-                <a:latin typeface="Arial Unicode MS"/>
-              </a:rPr>
-              <a:t>{{resumo}}</a:t>
-            </a:r>
-            <a:r>
-              <a:rPr kumimoji="0" lang="pt-BR" altLang="pt-BR" sz="4000" b="0" i="0" u="none" strike="noStrike" cap="none" normalizeH="0" baseline="0" dirty="0">
-                <a:ln>
-                  <a:noFill/>
-                </a:ln>
-                <a:solidFill>
-                  <a:schemeClr val="tx1"/>
-                </a:solidFill>
-                <a:effectLst/>
-              </a:rPr>
-              <a:t>, </a:t>
-            </a:r>
-            <a:r>
-              <a:rPr kumimoji="0" lang="pt-BR" altLang="pt-BR" sz="4000" b="0" i="0" u="none" strike="noStrike" cap="none" normalizeH="0" baseline="0" dirty="0">
-                <a:ln>
-                  <a:noFill/>
-                </a:ln>
-                <a:solidFill>
-                  <a:schemeClr val="tx1"/>
-                </a:solidFill>
-                <a:effectLst/>
-                <a:latin typeface="Arial Unicode MS"/>
-              </a:rPr>
-              <a:t>{{link}}</a:t>
-            </a:r>
-            <a:r>
-              <a:rPr kumimoji="0" lang="pt-BR" altLang="pt-BR" sz="4000" b="0" i="0" u="none" strike="noStrike" cap="none" normalizeH="0" baseline="0" dirty="0">
-                <a:ln>
-                  <a:noFill/>
-                </a:ln>
-                <a:solidFill>
-                  <a:schemeClr val="tx1"/>
-                </a:solidFill>
-                <a:effectLst/>
-              </a:rPr>
-              <a:t>, </a:t>
-            </a:r>
-            <a:r>
-              <a:rPr kumimoji="0" lang="pt-BR" altLang="pt-BR" sz="4000" b="0" i="0" u="none" strike="noStrike" cap="none" normalizeH="0" baseline="0" dirty="0">
-                <a:ln>
-                  <a:noFill/>
-                </a:ln>
-                <a:solidFill>
-                  <a:schemeClr val="tx1"/>
-                </a:solidFill>
-                <a:effectLst/>
-                <a:latin typeface="Arial Unicode MS"/>
-              </a:rPr>
-              <a:t>{{data}}</a:t>
-            </a:r>
-            <a:r>
-              <a:rPr kumimoji="0" lang="pt-BR" altLang="pt-BR" sz="4000" b="0" i="0" u="none" strike="noStrike" cap="none" normalizeH="0" baseline="0" dirty="0">
-                <a:ln>
-                  <a:noFill/>
-                </a:ln>
-                <a:solidFill>
-                  <a:schemeClr val="tx1"/>
-                </a:solidFill>
-                <a:effectLst/>
-              </a:rPr>
-              <a:t> </a:t>
-            </a:r>
-            <a:endParaRPr kumimoji="0" lang="pt-BR" altLang="pt-BR" sz="4000" b="0" i="0" u="none" strike="noStrike" cap="none" normalizeH="0" baseline="0" dirty="0">
-              <a:ln>
-                <a:noFill/>
-              </a:ln>
-              <a:solidFill>
-                <a:schemeClr val="tx1"/>
-              </a:solidFill>
-              <a:effectLst/>
-              <a:latin typeface="Arial" panose="020B0604020202020204" pitchFamily="34" charset="0"/>
-            </a:endParaRPr>
-          </a:p>
-        </p:txBody>
-      </p:sp>
-      <p:sp>
-        <p:nvSpPr>
-          <p:cNvPr id="6" name="Rectangle 1">
-            <a:extLst>
-              <a:ext uri="{FF2B5EF4-FFF2-40B4-BE49-F238E27FC236}">
-                <a16:creationId xmlns:a16="http://schemas.microsoft.com/office/drawing/2014/main" id="{98AE3224-3418-9BAB-1EB4-6C45CBF35764}"/>
-              </a:ext>
-            </a:extLst>
-          </p:cNvPr>
-          <p:cNvSpPr txBox="1">
-            <a:spLocks noChangeArrowheads="1"/>
-          </p:cNvSpPr>
-          <p:nvPr/>
-        </p:nvSpPr>
-        <p:spPr bwMode="auto">
-          <a:xfrm>
-            <a:off x="867695" y="4700337"/>
-            <a:ext cx="8880987" cy="707886"/>
-          </a:xfrm>
-          <a:prstGeom prst="rect">
-            <a:avLst/>
-          </a:prstGeom>
-          <a:noFill/>
-          <a:ln>
-            <a:noFill/>
-          </a:ln>
-          <a:effectLst/>
-          <a:extLst>
-            <a:ext uri="{909E8E84-426E-40DD-AFC4-6F175D3DCCD1}">
-              <a14:hiddenFill xmlns:a14="http://schemas.microsoft.com/office/drawing/2010/main">
-                <a:solidFill>
-                  <a:schemeClr val="accent1"/>
-                </a:solidFill>
-              </a14:hiddenFill>
-            </a:ext>
-            <a:ext uri="{91240B29-F687-4F45-9708-019B960494DF}">
-              <a14:hiddenLine xmlns:a14="http://schemas.microsoft.com/office/drawing/2010/main" w="9525">
-                <a:solidFill>
-                  <a:schemeClr val="tx1"/>
-                </a:solidFill>
-                <a:miter lim="800000"/>
-                <a:headEnd/>
-                <a:tailEnd/>
-              </a14:hiddenLine>
-            </a:ext>
-            <a:ext uri="{AF507438-7753-43E0-B8FC-AC1667EBCBE1}">
-              <a14:hiddenEffects xmlns:a14="http://schemas.microsoft.com/office/drawing/2010/main">
-                <a:effectLst>
-                  <a:outerShdw dist="35921" dir="2700000" algn="ctr" rotWithShape="0">
-                    <a:schemeClr val="bg2"/>
-                  </a:outerShdw>
-                </a:effectLst>
-              </a14:hiddenEffects>
-            </a:ext>
-          </a:extLst>
-        </p:spPr>
-        <p:txBody>
           <a:bodyPr vert="horz" wrap="square" lIns="91440" tIns="45720" rIns="91440" bIns="45720" numCol="1" rtlCol="0" anchor="ctr" anchorCtr="0" compatLnSpc="1">
             <a:prstTxWarp prst="textNoShape">
               <a:avLst/>
@@ -3739,268 +3568,18 @@
               <a:buNone/>
             </a:pPr>
             <a:r>
-              <a:rPr lang="pt-BR" altLang="pt-BR" sz="4000">
+              <a:rPr lang="pt-BR" altLang="pt-BR" sz="2000" dirty="0">
+                <a:solidFill>
+                  <a:schemeClr val="tx1">
+                    <a:lumMod val="65000"/>
+                    <a:lumOff val="35000"/>
+                  </a:schemeClr>
+                </a:solidFill>
                 <a:latin typeface="Arial Unicode MS"/>
               </a:rPr>
-              <a:t>{{resumo}}</a:t>
-            </a:r>
-            <a:r>
-              <a:rPr lang="pt-BR" altLang="pt-BR" sz="4000"/>
-              <a:t>, </a:t>
-            </a:r>
-            <a:r>
-              <a:rPr lang="pt-BR" altLang="pt-BR" sz="4000">
-                <a:latin typeface="Arial Unicode MS"/>
-              </a:rPr>
-              <a:t>{{link}}</a:t>
-            </a:r>
-            <a:r>
-              <a:rPr lang="pt-BR" altLang="pt-BR" sz="4000"/>
-              <a:t>, </a:t>
-            </a:r>
-            <a:r>
-              <a:rPr lang="pt-BR" altLang="pt-BR" sz="4000">
-                <a:latin typeface="Arial Unicode MS"/>
-              </a:rPr>
-              <a:t>{{data}}</a:t>
-            </a:r>
-            <a:r>
-              <a:rPr lang="pt-BR" altLang="pt-BR" sz="4000"/>
-              <a:t> </a:t>
-            </a:r>
-            <a:endParaRPr lang="pt-BR" altLang="pt-BR" sz="4000" dirty="0">
-              <a:latin typeface="Arial" panose="020B0604020202020204" pitchFamily="34" charset="0"/>
-            </a:endParaRPr>
-          </a:p>
-        </p:txBody>
-      </p:sp>
-      <p:sp>
-        <p:nvSpPr>
-          <p:cNvPr id="7" name="Rectangle 1">
-            <a:extLst>
-              <a:ext uri="{FF2B5EF4-FFF2-40B4-BE49-F238E27FC236}">
-                <a16:creationId xmlns:a16="http://schemas.microsoft.com/office/drawing/2014/main" id="{138FD3A7-415B-E588-CF26-A29317CC133B}"/>
-              </a:ext>
-            </a:extLst>
-          </p:cNvPr>
-          <p:cNvSpPr txBox="1">
-            <a:spLocks noChangeArrowheads="1"/>
-          </p:cNvSpPr>
-          <p:nvPr/>
-        </p:nvSpPr>
-        <p:spPr bwMode="auto">
-          <a:xfrm>
-            <a:off x="0" y="0"/>
-            <a:ext cx="3406877" cy="1938992"/>
-          </a:xfrm>
-          <a:prstGeom prst="rect">
-            <a:avLst/>
-          </a:prstGeom>
-          <a:noFill/>
-          <a:ln>
-            <a:noFill/>
-          </a:ln>
-          <a:effectLst/>
-          <a:extLst>
-            <a:ext uri="{909E8E84-426E-40DD-AFC4-6F175D3DCCD1}">
-              <a14:hiddenFill xmlns:a14="http://schemas.microsoft.com/office/drawing/2010/main">
-                <a:solidFill>
-                  <a:schemeClr val="accent1"/>
-                </a:solidFill>
-              </a14:hiddenFill>
-            </a:ext>
-            <a:ext uri="{91240B29-F687-4F45-9708-019B960494DF}">
-              <a14:hiddenLine xmlns:a14="http://schemas.microsoft.com/office/drawing/2010/main" w="9525">
-                <a:solidFill>
-                  <a:schemeClr val="tx1"/>
-                </a:solidFill>
-                <a:miter lim="800000"/>
-                <a:headEnd/>
-                <a:tailEnd/>
-              </a14:hiddenLine>
-            </a:ext>
-            <a:ext uri="{AF507438-7753-43E0-B8FC-AC1667EBCBE1}">
-              <a14:hiddenEffects xmlns:a14="http://schemas.microsoft.com/office/drawing/2010/main">
-                <a:effectLst>
-                  <a:outerShdw dist="35921" dir="2700000" algn="ctr" rotWithShape="0">
-                    <a:schemeClr val="bg2"/>
-                  </a:outerShdw>
-                </a:effectLst>
-              </a14:hiddenEffects>
-            </a:ext>
-          </a:extLst>
-        </p:spPr>
-        <p:txBody>
-          <a:bodyPr vert="horz" wrap="square" lIns="91440" tIns="45720" rIns="91440" bIns="45720" numCol="1" rtlCol="0" anchor="ctr" anchorCtr="0" compatLnSpc="1">
-            <a:prstTxWarp prst="textNoShape">
-              <a:avLst/>
-            </a:prstTxWarp>
-            <a:spAutoFit/>
-          </a:bodyPr>
-          <a:lstStyle>
-            <a:lvl1pPr marL="228600" indent="-228600" algn="l" defTabSz="914400" rtl="0" eaLnBrk="1" latinLnBrk="0" hangingPunct="1">
-              <a:lnSpc>
-                <a:spcPct val="90000"/>
-              </a:lnSpc>
-              <a:spcBef>
-                <a:spcPts val="1000"/>
-              </a:spcBef>
-              <a:buFont typeface="Arial" panose="020B0604020202020204" pitchFamily="34" charset="0"/>
-              <a:buChar char="•"/>
-              <a:defRPr sz="2800" kern="1200">
-                <a:solidFill>
-                  <a:schemeClr val="tx1"/>
-                </a:solidFill>
-                <a:latin typeface="+mn-lt"/>
-                <a:ea typeface="+mn-ea"/>
-                <a:cs typeface="+mn-cs"/>
-              </a:defRPr>
-            </a:lvl1pPr>
-            <a:lvl2pPr marL="685800" indent="-228600" algn="l" defTabSz="914400" rtl="0" eaLnBrk="1" latinLnBrk="0" hangingPunct="1">
-              <a:lnSpc>
-                <a:spcPct val="90000"/>
-              </a:lnSpc>
-              <a:spcBef>
-                <a:spcPts val="500"/>
-              </a:spcBef>
-              <a:buFont typeface="Arial" panose="020B0604020202020204" pitchFamily="34" charset="0"/>
-              <a:buChar char="•"/>
-              <a:defRPr sz="2400" kern="1200">
-                <a:solidFill>
-                  <a:schemeClr val="tx1"/>
-                </a:solidFill>
-                <a:latin typeface="+mn-lt"/>
-                <a:ea typeface="+mn-ea"/>
-                <a:cs typeface="+mn-cs"/>
-              </a:defRPr>
-            </a:lvl2pPr>
-            <a:lvl3pPr marL="1143000" indent="-228600" algn="l" defTabSz="914400" rtl="0" eaLnBrk="1" latinLnBrk="0" hangingPunct="1">
-              <a:lnSpc>
-                <a:spcPct val="90000"/>
-              </a:lnSpc>
-              <a:spcBef>
-                <a:spcPts val="500"/>
-              </a:spcBef>
-              <a:buFont typeface="Arial" panose="020B0604020202020204" pitchFamily="34" charset="0"/>
-              <a:buChar char="•"/>
-              <a:defRPr sz="2000" kern="1200">
-                <a:solidFill>
-                  <a:schemeClr val="tx1"/>
-                </a:solidFill>
-                <a:latin typeface="+mn-lt"/>
-                <a:ea typeface="+mn-ea"/>
-                <a:cs typeface="+mn-cs"/>
-              </a:defRPr>
-            </a:lvl3pPr>
-            <a:lvl4pPr marL="1600200" indent="-228600" algn="l" defTabSz="914400" rtl="0" eaLnBrk="1" latinLnBrk="0" hangingPunct="1">
-              <a:lnSpc>
-                <a:spcPct val="90000"/>
-              </a:lnSpc>
-              <a:spcBef>
-                <a:spcPts val="500"/>
-              </a:spcBef>
-              <a:buFont typeface="Arial" panose="020B0604020202020204" pitchFamily="34" charset="0"/>
-              <a:buChar char="•"/>
-              <a:defRPr sz="1800" kern="1200">
-                <a:solidFill>
-                  <a:schemeClr val="tx1"/>
-                </a:solidFill>
-                <a:latin typeface="+mn-lt"/>
-                <a:ea typeface="+mn-ea"/>
-                <a:cs typeface="+mn-cs"/>
-              </a:defRPr>
-            </a:lvl4pPr>
-            <a:lvl5pPr marL="2057400" indent="-228600" algn="l" defTabSz="914400" rtl="0" eaLnBrk="1" latinLnBrk="0" hangingPunct="1">
-              <a:lnSpc>
-                <a:spcPct val="90000"/>
-              </a:lnSpc>
-              <a:spcBef>
-                <a:spcPts val="500"/>
-              </a:spcBef>
-              <a:buFont typeface="Arial" panose="020B0604020202020204" pitchFamily="34" charset="0"/>
-              <a:buChar char="•"/>
-              <a:defRPr sz="1800" kern="1200">
-                <a:solidFill>
-                  <a:schemeClr val="tx1"/>
-                </a:solidFill>
-                <a:latin typeface="+mn-lt"/>
-                <a:ea typeface="+mn-ea"/>
-                <a:cs typeface="+mn-cs"/>
-              </a:defRPr>
-            </a:lvl5pPr>
-            <a:lvl6pPr marL="2514600" indent="-228600" algn="l" defTabSz="914400" rtl="0" eaLnBrk="1" latinLnBrk="0" hangingPunct="1">
-              <a:lnSpc>
-                <a:spcPct val="90000"/>
-              </a:lnSpc>
-              <a:spcBef>
-                <a:spcPts val="500"/>
-              </a:spcBef>
-              <a:buFont typeface="Arial" panose="020B0604020202020204" pitchFamily="34" charset="0"/>
-              <a:buChar char="•"/>
-              <a:defRPr sz="1800" kern="1200">
-                <a:solidFill>
-                  <a:schemeClr val="tx1"/>
-                </a:solidFill>
-                <a:latin typeface="+mn-lt"/>
-                <a:ea typeface="+mn-ea"/>
-                <a:cs typeface="+mn-cs"/>
-              </a:defRPr>
-            </a:lvl6pPr>
-            <a:lvl7pPr marL="2971800" indent="-228600" algn="l" defTabSz="914400" rtl="0" eaLnBrk="1" latinLnBrk="0" hangingPunct="1">
-              <a:lnSpc>
-                <a:spcPct val="90000"/>
-              </a:lnSpc>
-              <a:spcBef>
-                <a:spcPts val="500"/>
-              </a:spcBef>
-              <a:buFont typeface="Arial" panose="020B0604020202020204" pitchFamily="34" charset="0"/>
-              <a:buChar char="•"/>
-              <a:defRPr sz="1800" kern="1200">
-                <a:solidFill>
-                  <a:schemeClr val="tx1"/>
-                </a:solidFill>
-                <a:latin typeface="+mn-lt"/>
-                <a:ea typeface="+mn-ea"/>
-                <a:cs typeface="+mn-cs"/>
-              </a:defRPr>
-            </a:lvl7pPr>
-            <a:lvl8pPr marL="3429000" indent="-228600" algn="l" defTabSz="914400" rtl="0" eaLnBrk="1" latinLnBrk="0" hangingPunct="1">
-              <a:lnSpc>
-                <a:spcPct val="90000"/>
-              </a:lnSpc>
-              <a:spcBef>
-                <a:spcPts val="500"/>
-              </a:spcBef>
-              <a:buFont typeface="Arial" panose="020B0604020202020204" pitchFamily="34" charset="0"/>
-              <a:buChar char="•"/>
-              <a:defRPr sz="1800" kern="1200">
-                <a:solidFill>
-                  <a:schemeClr val="tx1"/>
-                </a:solidFill>
-                <a:latin typeface="+mn-lt"/>
-                <a:ea typeface="+mn-ea"/>
-                <a:cs typeface="+mn-cs"/>
-              </a:defRPr>
-            </a:lvl8pPr>
-            <a:lvl9pPr marL="3886200" indent="-228600" algn="l" defTabSz="914400" rtl="0" eaLnBrk="1" latinLnBrk="0" hangingPunct="1">
-              <a:lnSpc>
-                <a:spcPct val="90000"/>
-              </a:lnSpc>
-              <a:spcBef>
-                <a:spcPts val="500"/>
-              </a:spcBef>
-              <a:buFont typeface="Arial" panose="020B0604020202020204" pitchFamily="34" charset="0"/>
-              <a:buChar char="•"/>
-              <a:defRPr sz="1800" kern="1200">
-                <a:solidFill>
-                  <a:schemeClr val="tx1"/>
-                </a:solidFill>
-                <a:latin typeface="+mn-lt"/>
-                <a:ea typeface="+mn-ea"/>
-                <a:cs typeface="+mn-cs"/>
-              </a:defRPr>
-            </a:lvl9pPr>
-          </a:lstStyle>
+              <a:t>{{titulo}}, </a:t>
+            </a:r>
+          </a:p>
           <a:p>
             <a:pPr marL="0" indent="0" eaLnBrk="0" fontAlgn="base" hangingPunct="0">
               <a:lnSpc>
@@ -4016,36 +3595,100 @@
               <a:buNone/>
             </a:pPr>
             <a:r>
-              <a:rPr lang="pt-BR" altLang="pt-BR" sz="4000" dirty="0">
+              <a:rPr lang="pt-BR" altLang="pt-BR" sz="2000" dirty="0">
+                <a:solidFill>
+                  <a:schemeClr val="tx1">
+                    <a:lumMod val="65000"/>
+                    <a:lumOff val="35000"/>
+                  </a:schemeClr>
+                </a:solidFill>
                 <a:latin typeface="Arial Unicode MS"/>
               </a:rPr>
-              <a:t>{{resumo}}</a:t>
-            </a:r>
-            <a:r>
-              <a:rPr lang="pt-BR" altLang="pt-BR" sz="4000" dirty="0"/>
+              <a:t>{{resumo}},</a:t>
+            </a:r>
+          </a:p>
+          <a:p>
+            <a:pPr marL="0" indent="0" eaLnBrk="0" fontAlgn="base" hangingPunct="0">
+              <a:lnSpc>
+                <a:spcPct val="100000"/>
+              </a:lnSpc>
+              <a:spcBef>
+                <a:spcPct val="0"/>
+              </a:spcBef>
+              <a:spcAft>
+                <a:spcPct val="0"/>
+              </a:spcAft>
+              <a:buFontTx/>
+              <a:buNone/>
+            </a:pPr>
+            <a:r>
+              <a:rPr lang="pt-BR" altLang="pt-BR" sz="2000" dirty="0">
+                <a:solidFill>
+                  <a:schemeClr val="tx1">
+                    <a:lumMod val="65000"/>
+                    <a:lumOff val="35000"/>
+                  </a:schemeClr>
+                </a:solidFill>
+                <a:latin typeface="Arial Unicode MS"/>
+              </a:rPr>
+              <a:t>{{data}}</a:t>
+            </a:r>
+            <a:r>
+              <a:rPr lang="pt-BR" altLang="pt-BR" sz="2000" dirty="0">
+                <a:solidFill>
+                  <a:schemeClr val="tx1">
+                    <a:lumMod val="65000"/>
+                    <a:lumOff val="35000"/>
+                  </a:schemeClr>
+                </a:solidFill>
+              </a:rPr>
               <a:t>, </a:t>
             </a:r>
-            <a:r>
-              <a:rPr lang="pt-BR" altLang="pt-BR" sz="4000" dirty="0">
+          </a:p>
+          <a:p>
+            <a:pPr marL="0" indent="0" eaLnBrk="0" fontAlgn="base" hangingPunct="0">
+              <a:lnSpc>
+                <a:spcPct val="100000"/>
+              </a:lnSpc>
+              <a:spcBef>
+                <a:spcPct val="0"/>
+              </a:spcBef>
+              <a:spcAft>
+                <a:spcPct val="0"/>
+              </a:spcAft>
+              <a:buFontTx/>
+              <a:buNone/>
+            </a:pPr>
+            <a:r>
+              <a:rPr lang="pt-BR" altLang="pt-BR" sz="2000" dirty="0">
+                <a:solidFill>
+                  <a:schemeClr val="tx1">
+                    <a:lumMod val="65000"/>
+                    <a:lumOff val="35000"/>
+                  </a:schemeClr>
+                </a:solidFill>
                 <a:latin typeface="Arial Unicode MS"/>
               </a:rPr>
               <a:t>{{link}}</a:t>
             </a:r>
             <a:r>
-              <a:rPr lang="pt-BR" altLang="pt-BR" sz="4000" dirty="0"/>
-              <a:t>, </a:t>
-            </a:r>
-            <a:r>
-              <a:rPr lang="pt-BR" altLang="pt-BR" sz="4000" dirty="0">
-                <a:latin typeface="Arial Unicode MS"/>
+              <a:rPr lang="pt-BR" altLang="pt-BR" sz="2000" dirty="0">
+                <a:solidFill>
+                  <a:schemeClr val="tx1">
+                    <a:lumMod val="65000"/>
+                    <a:lumOff val="35000"/>
+                  </a:schemeClr>
+                </a:solidFill>
               </a:rPr>
-              <a:t>{{data}}</a:t>
-            </a:r>
-            <a:r>
-              <a:rPr lang="pt-BR" altLang="pt-BR" sz="4000" dirty="0"/>
               <a:t> </a:t>
             </a:r>
-            <a:endParaRPr lang="pt-BR" altLang="pt-BR" sz="4000" dirty="0">
+            <a:endParaRPr lang="pt-BR" altLang="pt-BR" sz="2000" dirty="0">
+              <a:solidFill>
+                <a:schemeClr val="tx1">
+                  <a:lumMod val="65000"/>
+                  <a:lumOff val="35000"/>
+                </a:schemeClr>
+              </a:solidFill>
               <a:latin typeface="Arial" panose="020B0604020202020204" pitchFamily="34" charset="0"/>
             </a:endParaRPr>
           </a:p>
@@ -4065,7 +3708,7 @@
         </p:nvSpPr>
         <p:spPr>
           <a:xfrm>
-            <a:off x="4188542" y="-180181"/>
+            <a:off x="4041423" y="0"/>
             <a:ext cx="4109152" cy="8797474"/>
           </a:xfrm>
           <a:prstGeom prst="rect">
@@ -4157,6 +3800,1846 @@
           </a:fontRef>
         </p:style>
       </p:cxnSp>
+      <p:sp>
+        <p:nvSpPr>
+          <p:cNvPr id="12" name="Rectangle 1">
+            <a:extLst>
+              <a:ext uri="{FF2B5EF4-FFF2-40B4-BE49-F238E27FC236}">
+                <a16:creationId xmlns:a16="http://schemas.microsoft.com/office/drawing/2014/main" id="{F3766DA4-24CD-62B2-E70B-CFA1306084F1}"/>
+              </a:ext>
+            </a:extLst>
+          </p:cNvPr>
+          <p:cNvSpPr txBox="1">
+            <a:spLocks noChangeArrowheads="1"/>
+          </p:cNvSpPr>
+          <p:nvPr/>
+        </p:nvSpPr>
+        <p:spPr bwMode="auto">
+          <a:xfrm>
+            <a:off x="4392558" y="460345"/>
+            <a:ext cx="3406877" cy="1323439"/>
+          </a:xfrm>
+          <a:prstGeom prst="rect">
+            <a:avLst/>
+          </a:prstGeom>
+          <a:noFill/>
+          <a:ln>
+            <a:noFill/>
+          </a:ln>
+          <a:effectLst/>
+          <a:extLst>
+            <a:ext uri="{909E8E84-426E-40DD-AFC4-6F175D3DCCD1}">
+              <a14:hiddenFill xmlns:a14="http://schemas.microsoft.com/office/drawing/2010/main">
+                <a:solidFill>
+                  <a:schemeClr val="accent1"/>
+                </a:solidFill>
+              </a14:hiddenFill>
+            </a:ext>
+            <a:ext uri="{91240B29-F687-4F45-9708-019B960494DF}">
+              <a14:hiddenLine xmlns:a14="http://schemas.microsoft.com/office/drawing/2010/main" w="9525">
+                <a:solidFill>
+                  <a:schemeClr val="tx1"/>
+                </a:solidFill>
+                <a:miter lim="800000"/>
+                <a:headEnd/>
+                <a:tailEnd/>
+              </a14:hiddenLine>
+            </a:ext>
+            <a:ext uri="{AF507438-7753-43E0-B8FC-AC1667EBCBE1}">
+              <a14:hiddenEffects xmlns:a14="http://schemas.microsoft.com/office/drawing/2010/main">
+                <a:effectLst>
+                  <a:outerShdw dist="35921" dir="2700000" algn="ctr" rotWithShape="0">
+                    <a:schemeClr val="bg2"/>
+                  </a:outerShdw>
+                </a:effectLst>
+              </a14:hiddenEffects>
+            </a:ext>
+          </a:extLst>
+        </p:spPr>
+        <p:txBody>
+          <a:bodyPr vert="horz" wrap="square" lIns="91440" tIns="45720" rIns="91440" bIns="45720" numCol="1" rtlCol="0" anchor="ctr" anchorCtr="0" compatLnSpc="1">
+            <a:prstTxWarp prst="textNoShape">
+              <a:avLst/>
+            </a:prstTxWarp>
+            <a:spAutoFit/>
+          </a:bodyPr>
+          <a:lstStyle>
+            <a:lvl1pPr marL="228600" indent="-228600" algn="l" defTabSz="914400" rtl="0" eaLnBrk="1" latinLnBrk="0" hangingPunct="1">
+              <a:lnSpc>
+                <a:spcPct val="90000"/>
+              </a:lnSpc>
+              <a:spcBef>
+                <a:spcPts val="1000"/>
+              </a:spcBef>
+              <a:buFont typeface="Arial" panose="020B0604020202020204" pitchFamily="34" charset="0"/>
+              <a:buChar char="•"/>
+              <a:defRPr sz="2800" kern="1200">
+                <a:solidFill>
+                  <a:schemeClr val="tx1"/>
+                </a:solidFill>
+                <a:latin typeface="+mn-lt"/>
+                <a:ea typeface="+mn-ea"/>
+                <a:cs typeface="+mn-cs"/>
+              </a:defRPr>
+            </a:lvl1pPr>
+            <a:lvl2pPr marL="685800" indent="-228600" algn="l" defTabSz="914400" rtl="0" eaLnBrk="1" latinLnBrk="0" hangingPunct="1">
+              <a:lnSpc>
+                <a:spcPct val="90000"/>
+              </a:lnSpc>
+              <a:spcBef>
+                <a:spcPts val="500"/>
+              </a:spcBef>
+              <a:buFont typeface="Arial" panose="020B0604020202020204" pitchFamily="34" charset="0"/>
+              <a:buChar char="•"/>
+              <a:defRPr sz="2400" kern="1200">
+                <a:solidFill>
+                  <a:schemeClr val="tx1"/>
+                </a:solidFill>
+                <a:latin typeface="+mn-lt"/>
+                <a:ea typeface="+mn-ea"/>
+                <a:cs typeface="+mn-cs"/>
+              </a:defRPr>
+            </a:lvl2pPr>
+            <a:lvl3pPr marL="1143000" indent="-228600" algn="l" defTabSz="914400" rtl="0" eaLnBrk="1" latinLnBrk="0" hangingPunct="1">
+              <a:lnSpc>
+                <a:spcPct val="90000"/>
+              </a:lnSpc>
+              <a:spcBef>
+                <a:spcPts val="500"/>
+              </a:spcBef>
+              <a:buFont typeface="Arial" panose="020B0604020202020204" pitchFamily="34" charset="0"/>
+              <a:buChar char="•"/>
+              <a:defRPr sz="2000" kern="1200">
+                <a:solidFill>
+                  <a:schemeClr val="tx1"/>
+                </a:solidFill>
+                <a:latin typeface="+mn-lt"/>
+                <a:ea typeface="+mn-ea"/>
+                <a:cs typeface="+mn-cs"/>
+              </a:defRPr>
+            </a:lvl3pPr>
+            <a:lvl4pPr marL="1600200" indent="-228600" algn="l" defTabSz="914400" rtl="0" eaLnBrk="1" latinLnBrk="0" hangingPunct="1">
+              <a:lnSpc>
+                <a:spcPct val="90000"/>
+              </a:lnSpc>
+              <a:spcBef>
+                <a:spcPts val="500"/>
+              </a:spcBef>
+              <a:buFont typeface="Arial" panose="020B0604020202020204" pitchFamily="34" charset="0"/>
+              <a:buChar char="•"/>
+              <a:defRPr sz="1800" kern="1200">
+                <a:solidFill>
+                  <a:schemeClr val="tx1"/>
+                </a:solidFill>
+                <a:latin typeface="+mn-lt"/>
+                <a:ea typeface="+mn-ea"/>
+                <a:cs typeface="+mn-cs"/>
+              </a:defRPr>
+            </a:lvl4pPr>
+            <a:lvl5pPr marL="2057400" indent="-228600" algn="l" defTabSz="914400" rtl="0" eaLnBrk="1" latinLnBrk="0" hangingPunct="1">
+              <a:lnSpc>
+                <a:spcPct val="90000"/>
+              </a:lnSpc>
+              <a:spcBef>
+                <a:spcPts val="500"/>
+              </a:spcBef>
+              <a:buFont typeface="Arial" panose="020B0604020202020204" pitchFamily="34" charset="0"/>
+              <a:buChar char="•"/>
+              <a:defRPr sz="1800" kern="1200">
+                <a:solidFill>
+                  <a:schemeClr val="tx1"/>
+                </a:solidFill>
+                <a:latin typeface="+mn-lt"/>
+                <a:ea typeface="+mn-ea"/>
+                <a:cs typeface="+mn-cs"/>
+              </a:defRPr>
+            </a:lvl5pPr>
+            <a:lvl6pPr marL="2514600" indent="-228600" algn="l" defTabSz="914400" rtl="0" eaLnBrk="1" latinLnBrk="0" hangingPunct="1">
+              <a:lnSpc>
+                <a:spcPct val="90000"/>
+              </a:lnSpc>
+              <a:spcBef>
+                <a:spcPts val="500"/>
+              </a:spcBef>
+              <a:buFont typeface="Arial" panose="020B0604020202020204" pitchFamily="34" charset="0"/>
+              <a:buChar char="•"/>
+              <a:defRPr sz="1800" kern="1200">
+                <a:solidFill>
+                  <a:schemeClr val="tx1"/>
+                </a:solidFill>
+                <a:latin typeface="+mn-lt"/>
+                <a:ea typeface="+mn-ea"/>
+                <a:cs typeface="+mn-cs"/>
+              </a:defRPr>
+            </a:lvl6pPr>
+            <a:lvl7pPr marL="2971800" indent="-228600" algn="l" defTabSz="914400" rtl="0" eaLnBrk="1" latinLnBrk="0" hangingPunct="1">
+              <a:lnSpc>
+                <a:spcPct val="90000"/>
+              </a:lnSpc>
+              <a:spcBef>
+                <a:spcPts val="500"/>
+              </a:spcBef>
+              <a:buFont typeface="Arial" panose="020B0604020202020204" pitchFamily="34" charset="0"/>
+              <a:buChar char="•"/>
+              <a:defRPr sz="1800" kern="1200">
+                <a:solidFill>
+                  <a:schemeClr val="tx1"/>
+                </a:solidFill>
+                <a:latin typeface="+mn-lt"/>
+                <a:ea typeface="+mn-ea"/>
+                <a:cs typeface="+mn-cs"/>
+              </a:defRPr>
+            </a:lvl7pPr>
+            <a:lvl8pPr marL="3429000" indent="-228600" algn="l" defTabSz="914400" rtl="0" eaLnBrk="1" latinLnBrk="0" hangingPunct="1">
+              <a:lnSpc>
+                <a:spcPct val="90000"/>
+              </a:lnSpc>
+              <a:spcBef>
+                <a:spcPts val="500"/>
+              </a:spcBef>
+              <a:buFont typeface="Arial" panose="020B0604020202020204" pitchFamily="34" charset="0"/>
+              <a:buChar char="•"/>
+              <a:defRPr sz="1800" kern="1200">
+                <a:solidFill>
+                  <a:schemeClr val="tx1"/>
+                </a:solidFill>
+                <a:latin typeface="+mn-lt"/>
+                <a:ea typeface="+mn-ea"/>
+                <a:cs typeface="+mn-cs"/>
+              </a:defRPr>
+            </a:lvl8pPr>
+            <a:lvl9pPr marL="3886200" indent="-228600" algn="l" defTabSz="914400" rtl="0" eaLnBrk="1" latinLnBrk="0" hangingPunct="1">
+              <a:lnSpc>
+                <a:spcPct val="90000"/>
+              </a:lnSpc>
+              <a:spcBef>
+                <a:spcPts val="500"/>
+              </a:spcBef>
+              <a:buFont typeface="Arial" panose="020B0604020202020204" pitchFamily="34" charset="0"/>
+              <a:buChar char="•"/>
+              <a:defRPr sz="1800" kern="1200">
+                <a:solidFill>
+                  <a:schemeClr val="tx1"/>
+                </a:solidFill>
+                <a:latin typeface="+mn-lt"/>
+                <a:ea typeface="+mn-ea"/>
+                <a:cs typeface="+mn-cs"/>
+              </a:defRPr>
+            </a:lvl9pPr>
+          </a:lstStyle>
+          <a:p>
+            <a:pPr marL="0" indent="0" eaLnBrk="0" fontAlgn="base" hangingPunct="0">
+              <a:lnSpc>
+                <a:spcPct val="100000"/>
+              </a:lnSpc>
+              <a:spcBef>
+                <a:spcPct val="0"/>
+              </a:spcBef>
+              <a:spcAft>
+                <a:spcPct val="0"/>
+              </a:spcAft>
+              <a:buFontTx/>
+              <a:buNone/>
+            </a:pPr>
+            <a:r>
+              <a:rPr lang="pt-BR" altLang="pt-BR" sz="2000" dirty="0">
+                <a:solidFill>
+                  <a:schemeClr val="tx1">
+                    <a:lumMod val="65000"/>
+                    <a:lumOff val="35000"/>
+                  </a:schemeClr>
+                </a:solidFill>
+                <a:latin typeface="Arial Unicode MS"/>
+              </a:rPr>
+              <a:t>{{titulo}}, </a:t>
+            </a:r>
+          </a:p>
+          <a:p>
+            <a:pPr marL="0" indent="0" eaLnBrk="0" fontAlgn="base" hangingPunct="0">
+              <a:lnSpc>
+                <a:spcPct val="100000"/>
+              </a:lnSpc>
+              <a:spcBef>
+                <a:spcPct val="0"/>
+              </a:spcBef>
+              <a:spcAft>
+                <a:spcPct val="0"/>
+              </a:spcAft>
+              <a:buFontTx/>
+              <a:buNone/>
+            </a:pPr>
+            <a:r>
+              <a:rPr lang="pt-BR" altLang="pt-BR" sz="2000" dirty="0">
+                <a:solidFill>
+                  <a:schemeClr val="tx1">
+                    <a:lumMod val="65000"/>
+                    <a:lumOff val="35000"/>
+                  </a:schemeClr>
+                </a:solidFill>
+                <a:latin typeface="Arial Unicode MS"/>
+              </a:rPr>
+              <a:t>{{resumo}},</a:t>
+            </a:r>
+          </a:p>
+          <a:p>
+            <a:pPr marL="0" indent="0" eaLnBrk="0" fontAlgn="base" hangingPunct="0">
+              <a:lnSpc>
+                <a:spcPct val="100000"/>
+              </a:lnSpc>
+              <a:spcBef>
+                <a:spcPct val="0"/>
+              </a:spcBef>
+              <a:spcAft>
+                <a:spcPct val="0"/>
+              </a:spcAft>
+              <a:buFontTx/>
+              <a:buNone/>
+            </a:pPr>
+            <a:r>
+              <a:rPr lang="pt-BR" altLang="pt-BR" sz="2000" dirty="0">
+                <a:solidFill>
+                  <a:schemeClr val="tx1">
+                    <a:lumMod val="65000"/>
+                    <a:lumOff val="35000"/>
+                  </a:schemeClr>
+                </a:solidFill>
+                <a:latin typeface="Arial Unicode MS"/>
+              </a:rPr>
+              <a:t>{{data}}</a:t>
+            </a:r>
+            <a:r>
+              <a:rPr lang="pt-BR" altLang="pt-BR" sz="2000" dirty="0">
+                <a:solidFill>
+                  <a:schemeClr val="tx1">
+                    <a:lumMod val="65000"/>
+                    <a:lumOff val="35000"/>
+                  </a:schemeClr>
+                </a:solidFill>
+              </a:rPr>
+              <a:t>, </a:t>
+            </a:r>
+          </a:p>
+          <a:p>
+            <a:pPr marL="0" indent="0" eaLnBrk="0" fontAlgn="base" hangingPunct="0">
+              <a:lnSpc>
+                <a:spcPct val="100000"/>
+              </a:lnSpc>
+              <a:spcBef>
+                <a:spcPct val="0"/>
+              </a:spcBef>
+              <a:spcAft>
+                <a:spcPct val="0"/>
+              </a:spcAft>
+              <a:buFontTx/>
+              <a:buNone/>
+            </a:pPr>
+            <a:r>
+              <a:rPr lang="pt-BR" altLang="pt-BR" sz="2000" dirty="0">
+                <a:solidFill>
+                  <a:schemeClr val="tx1">
+                    <a:lumMod val="65000"/>
+                    <a:lumOff val="35000"/>
+                  </a:schemeClr>
+                </a:solidFill>
+                <a:latin typeface="Arial Unicode MS"/>
+              </a:rPr>
+              <a:t>{{link}}</a:t>
+            </a:r>
+            <a:r>
+              <a:rPr lang="pt-BR" altLang="pt-BR" sz="2000" dirty="0">
+                <a:solidFill>
+                  <a:schemeClr val="tx1">
+                    <a:lumMod val="65000"/>
+                    <a:lumOff val="35000"/>
+                  </a:schemeClr>
+                </a:solidFill>
+              </a:rPr>
+              <a:t> </a:t>
+            </a:r>
+            <a:endParaRPr lang="pt-BR" altLang="pt-BR" sz="2000" dirty="0">
+              <a:solidFill>
+                <a:schemeClr val="tx1">
+                  <a:lumMod val="65000"/>
+                  <a:lumOff val="35000"/>
+                </a:schemeClr>
+              </a:solidFill>
+              <a:latin typeface="Arial" panose="020B0604020202020204" pitchFamily="34" charset="0"/>
+            </a:endParaRPr>
+          </a:p>
+        </p:txBody>
+      </p:sp>
+      <p:sp>
+        <p:nvSpPr>
+          <p:cNvPr id="13" name="Rectangle 1">
+            <a:extLst>
+              <a:ext uri="{FF2B5EF4-FFF2-40B4-BE49-F238E27FC236}">
+                <a16:creationId xmlns:a16="http://schemas.microsoft.com/office/drawing/2014/main" id="{4595C871-8241-3C50-3AF1-58AD65893927}"/>
+              </a:ext>
+            </a:extLst>
+          </p:cNvPr>
+          <p:cNvSpPr txBox="1">
+            <a:spLocks noChangeArrowheads="1"/>
+          </p:cNvSpPr>
+          <p:nvPr/>
+        </p:nvSpPr>
+        <p:spPr bwMode="auto">
+          <a:xfrm>
+            <a:off x="8397243" y="460345"/>
+            <a:ext cx="3406877" cy="1323439"/>
+          </a:xfrm>
+          <a:prstGeom prst="rect">
+            <a:avLst/>
+          </a:prstGeom>
+          <a:noFill/>
+          <a:ln>
+            <a:noFill/>
+          </a:ln>
+          <a:effectLst/>
+          <a:extLst>
+            <a:ext uri="{909E8E84-426E-40DD-AFC4-6F175D3DCCD1}">
+              <a14:hiddenFill xmlns:a14="http://schemas.microsoft.com/office/drawing/2010/main">
+                <a:solidFill>
+                  <a:schemeClr val="accent1"/>
+                </a:solidFill>
+              </a14:hiddenFill>
+            </a:ext>
+            <a:ext uri="{91240B29-F687-4F45-9708-019B960494DF}">
+              <a14:hiddenLine xmlns:a14="http://schemas.microsoft.com/office/drawing/2010/main" w="9525">
+                <a:solidFill>
+                  <a:schemeClr val="tx1"/>
+                </a:solidFill>
+                <a:miter lim="800000"/>
+                <a:headEnd/>
+                <a:tailEnd/>
+              </a14:hiddenLine>
+            </a:ext>
+            <a:ext uri="{AF507438-7753-43E0-B8FC-AC1667EBCBE1}">
+              <a14:hiddenEffects xmlns:a14="http://schemas.microsoft.com/office/drawing/2010/main">
+                <a:effectLst>
+                  <a:outerShdw dist="35921" dir="2700000" algn="ctr" rotWithShape="0">
+                    <a:schemeClr val="bg2"/>
+                  </a:outerShdw>
+                </a:effectLst>
+              </a14:hiddenEffects>
+            </a:ext>
+          </a:extLst>
+        </p:spPr>
+        <p:txBody>
+          <a:bodyPr vert="horz" wrap="square" lIns="91440" tIns="45720" rIns="91440" bIns="45720" numCol="1" rtlCol="0" anchor="ctr" anchorCtr="0" compatLnSpc="1">
+            <a:prstTxWarp prst="textNoShape">
+              <a:avLst/>
+            </a:prstTxWarp>
+            <a:spAutoFit/>
+          </a:bodyPr>
+          <a:lstStyle>
+            <a:lvl1pPr marL="228600" indent="-228600" algn="l" defTabSz="914400" rtl="0" eaLnBrk="1" latinLnBrk="0" hangingPunct="1">
+              <a:lnSpc>
+                <a:spcPct val="90000"/>
+              </a:lnSpc>
+              <a:spcBef>
+                <a:spcPts val="1000"/>
+              </a:spcBef>
+              <a:buFont typeface="Arial" panose="020B0604020202020204" pitchFamily="34" charset="0"/>
+              <a:buChar char="•"/>
+              <a:defRPr sz="2800" kern="1200">
+                <a:solidFill>
+                  <a:schemeClr val="tx1"/>
+                </a:solidFill>
+                <a:latin typeface="+mn-lt"/>
+                <a:ea typeface="+mn-ea"/>
+                <a:cs typeface="+mn-cs"/>
+              </a:defRPr>
+            </a:lvl1pPr>
+            <a:lvl2pPr marL="685800" indent="-228600" algn="l" defTabSz="914400" rtl="0" eaLnBrk="1" latinLnBrk="0" hangingPunct="1">
+              <a:lnSpc>
+                <a:spcPct val="90000"/>
+              </a:lnSpc>
+              <a:spcBef>
+                <a:spcPts val="500"/>
+              </a:spcBef>
+              <a:buFont typeface="Arial" panose="020B0604020202020204" pitchFamily="34" charset="0"/>
+              <a:buChar char="•"/>
+              <a:defRPr sz="2400" kern="1200">
+                <a:solidFill>
+                  <a:schemeClr val="tx1"/>
+                </a:solidFill>
+                <a:latin typeface="+mn-lt"/>
+                <a:ea typeface="+mn-ea"/>
+                <a:cs typeface="+mn-cs"/>
+              </a:defRPr>
+            </a:lvl2pPr>
+            <a:lvl3pPr marL="1143000" indent="-228600" algn="l" defTabSz="914400" rtl="0" eaLnBrk="1" latinLnBrk="0" hangingPunct="1">
+              <a:lnSpc>
+                <a:spcPct val="90000"/>
+              </a:lnSpc>
+              <a:spcBef>
+                <a:spcPts val="500"/>
+              </a:spcBef>
+              <a:buFont typeface="Arial" panose="020B0604020202020204" pitchFamily="34" charset="0"/>
+              <a:buChar char="•"/>
+              <a:defRPr sz="2000" kern="1200">
+                <a:solidFill>
+                  <a:schemeClr val="tx1"/>
+                </a:solidFill>
+                <a:latin typeface="+mn-lt"/>
+                <a:ea typeface="+mn-ea"/>
+                <a:cs typeface="+mn-cs"/>
+              </a:defRPr>
+            </a:lvl3pPr>
+            <a:lvl4pPr marL="1600200" indent="-228600" algn="l" defTabSz="914400" rtl="0" eaLnBrk="1" latinLnBrk="0" hangingPunct="1">
+              <a:lnSpc>
+                <a:spcPct val="90000"/>
+              </a:lnSpc>
+              <a:spcBef>
+                <a:spcPts val="500"/>
+              </a:spcBef>
+              <a:buFont typeface="Arial" panose="020B0604020202020204" pitchFamily="34" charset="0"/>
+              <a:buChar char="•"/>
+              <a:defRPr sz="1800" kern="1200">
+                <a:solidFill>
+                  <a:schemeClr val="tx1"/>
+                </a:solidFill>
+                <a:latin typeface="+mn-lt"/>
+                <a:ea typeface="+mn-ea"/>
+                <a:cs typeface="+mn-cs"/>
+              </a:defRPr>
+            </a:lvl4pPr>
+            <a:lvl5pPr marL="2057400" indent="-228600" algn="l" defTabSz="914400" rtl="0" eaLnBrk="1" latinLnBrk="0" hangingPunct="1">
+              <a:lnSpc>
+                <a:spcPct val="90000"/>
+              </a:lnSpc>
+              <a:spcBef>
+                <a:spcPts val="500"/>
+              </a:spcBef>
+              <a:buFont typeface="Arial" panose="020B0604020202020204" pitchFamily="34" charset="0"/>
+              <a:buChar char="•"/>
+              <a:defRPr sz="1800" kern="1200">
+                <a:solidFill>
+                  <a:schemeClr val="tx1"/>
+                </a:solidFill>
+                <a:latin typeface="+mn-lt"/>
+                <a:ea typeface="+mn-ea"/>
+                <a:cs typeface="+mn-cs"/>
+              </a:defRPr>
+            </a:lvl5pPr>
+            <a:lvl6pPr marL="2514600" indent="-228600" algn="l" defTabSz="914400" rtl="0" eaLnBrk="1" latinLnBrk="0" hangingPunct="1">
+              <a:lnSpc>
+                <a:spcPct val="90000"/>
+              </a:lnSpc>
+              <a:spcBef>
+                <a:spcPts val="500"/>
+              </a:spcBef>
+              <a:buFont typeface="Arial" panose="020B0604020202020204" pitchFamily="34" charset="0"/>
+              <a:buChar char="•"/>
+              <a:defRPr sz="1800" kern="1200">
+                <a:solidFill>
+                  <a:schemeClr val="tx1"/>
+                </a:solidFill>
+                <a:latin typeface="+mn-lt"/>
+                <a:ea typeface="+mn-ea"/>
+                <a:cs typeface="+mn-cs"/>
+              </a:defRPr>
+            </a:lvl6pPr>
+            <a:lvl7pPr marL="2971800" indent="-228600" algn="l" defTabSz="914400" rtl="0" eaLnBrk="1" latinLnBrk="0" hangingPunct="1">
+              <a:lnSpc>
+                <a:spcPct val="90000"/>
+              </a:lnSpc>
+              <a:spcBef>
+                <a:spcPts val="500"/>
+              </a:spcBef>
+              <a:buFont typeface="Arial" panose="020B0604020202020204" pitchFamily="34" charset="0"/>
+              <a:buChar char="•"/>
+              <a:defRPr sz="1800" kern="1200">
+                <a:solidFill>
+                  <a:schemeClr val="tx1"/>
+                </a:solidFill>
+                <a:latin typeface="+mn-lt"/>
+                <a:ea typeface="+mn-ea"/>
+                <a:cs typeface="+mn-cs"/>
+              </a:defRPr>
+            </a:lvl7pPr>
+            <a:lvl8pPr marL="3429000" indent="-228600" algn="l" defTabSz="914400" rtl="0" eaLnBrk="1" latinLnBrk="0" hangingPunct="1">
+              <a:lnSpc>
+                <a:spcPct val="90000"/>
+              </a:lnSpc>
+              <a:spcBef>
+                <a:spcPts val="500"/>
+              </a:spcBef>
+              <a:buFont typeface="Arial" panose="020B0604020202020204" pitchFamily="34" charset="0"/>
+              <a:buChar char="•"/>
+              <a:defRPr sz="1800" kern="1200">
+                <a:solidFill>
+                  <a:schemeClr val="tx1"/>
+                </a:solidFill>
+                <a:latin typeface="+mn-lt"/>
+                <a:ea typeface="+mn-ea"/>
+                <a:cs typeface="+mn-cs"/>
+              </a:defRPr>
+            </a:lvl8pPr>
+            <a:lvl9pPr marL="3886200" indent="-228600" algn="l" defTabSz="914400" rtl="0" eaLnBrk="1" latinLnBrk="0" hangingPunct="1">
+              <a:lnSpc>
+                <a:spcPct val="90000"/>
+              </a:lnSpc>
+              <a:spcBef>
+                <a:spcPts val="500"/>
+              </a:spcBef>
+              <a:buFont typeface="Arial" panose="020B0604020202020204" pitchFamily="34" charset="0"/>
+              <a:buChar char="•"/>
+              <a:defRPr sz="1800" kern="1200">
+                <a:solidFill>
+                  <a:schemeClr val="tx1"/>
+                </a:solidFill>
+                <a:latin typeface="+mn-lt"/>
+                <a:ea typeface="+mn-ea"/>
+                <a:cs typeface="+mn-cs"/>
+              </a:defRPr>
+            </a:lvl9pPr>
+          </a:lstStyle>
+          <a:p>
+            <a:pPr marL="0" indent="0" eaLnBrk="0" fontAlgn="base" hangingPunct="0">
+              <a:lnSpc>
+                <a:spcPct val="100000"/>
+              </a:lnSpc>
+              <a:spcBef>
+                <a:spcPct val="0"/>
+              </a:spcBef>
+              <a:spcAft>
+                <a:spcPct val="0"/>
+              </a:spcAft>
+              <a:buFontTx/>
+              <a:buNone/>
+            </a:pPr>
+            <a:r>
+              <a:rPr lang="pt-BR" altLang="pt-BR" sz="2000" dirty="0">
+                <a:solidFill>
+                  <a:schemeClr val="tx1">
+                    <a:lumMod val="65000"/>
+                    <a:lumOff val="35000"/>
+                  </a:schemeClr>
+                </a:solidFill>
+                <a:latin typeface="Arial Unicode MS"/>
+              </a:rPr>
+              <a:t>{{titulo}}, </a:t>
+            </a:r>
+          </a:p>
+          <a:p>
+            <a:pPr marL="0" indent="0" eaLnBrk="0" fontAlgn="base" hangingPunct="0">
+              <a:lnSpc>
+                <a:spcPct val="100000"/>
+              </a:lnSpc>
+              <a:spcBef>
+                <a:spcPct val="0"/>
+              </a:spcBef>
+              <a:spcAft>
+                <a:spcPct val="0"/>
+              </a:spcAft>
+              <a:buFontTx/>
+              <a:buNone/>
+            </a:pPr>
+            <a:r>
+              <a:rPr lang="pt-BR" altLang="pt-BR" sz="2000" dirty="0">
+                <a:solidFill>
+                  <a:schemeClr val="tx1">
+                    <a:lumMod val="65000"/>
+                    <a:lumOff val="35000"/>
+                  </a:schemeClr>
+                </a:solidFill>
+                <a:latin typeface="Arial Unicode MS"/>
+              </a:rPr>
+              <a:t>{{resumo}},</a:t>
+            </a:r>
+          </a:p>
+          <a:p>
+            <a:pPr marL="0" indent="0" eaLnBrk="0" fontAlgn="base" hangingPunct="0">
+              <a:lnSpc>
+                <a:spcPct val="100000"/>
+              </a:lnSpc>
+              <a:spcBef>
+                <a:spcPct val="0"/>
+              </a:spcBef>
+              <a:spcAft>
+                <a:spcPct val="0"/>
+              </a:spcAft>
+              <a:buFontTx/>
+              <a:buNone/>
+            </a:pPr>
+            <a:r>
+              <a:rPr lang="pt-BR" altLang="pt-BR" sz="2000" dirty="0">
+                <a:solidFill>
+                  <a:schemeClr val="tx1">
+                    <a:lumMod val="65000"/>
+                    <a:lumOff val="35000"/>
+                  </a:schemeClr>
+                </a:solidFill>
+                <a:latin typeface="Arial Unicode MS"/>
+              </a:rPr>
+              <a:t>{{data}}</a:t>
+            </a:r>
+            <a:r>
+              <a:rPr lang="pt-BR" altLang="pt-BR" sz="2000" dirty="0">
+                <a:solidFill>
+                  <a:schemeClr val="tx1">
+                    <a:lumMod val="65000"/>
+                    <a:lumOff val="35000"/>
+                  </a:schemeClr>
+                </a:solidFill>
+              </a:rPr>
+              <a:t>, </a:t>
+            </a:r>
+          </a:p>
+          <a:p>
+            <a:pPr marL="0" indent="0" eaLnBrk="0" fontAlgn="base" hangingPunct="0">
+              <a:lnSpc>
+                <a:spcPct val="100000"/>
+              </a:lnSpc>
+              <a:spcBef>
+                <a:spcPct val="0"/>
+              </a:spcBef>
+              <a:spcAft>
+                <a:spcPct val="0"/>
+              </a:spcAft>
+              <a:buFontTx/>
+              <a:buNone/>
+            </a:pPr>
+            <a:r>
+              <a:rPr lang="pt-BR" altLang="pt-BR" sz="2000" dirty="0">
+                <a:solidFill>
+                  <a:schemeClr val="tx1">
+                    <a:lumMod val="65000"/>
+                    <a:lumOff val="35000"/>
+                  </a:schemeClr>
+                </a:solidFill>
+                <a:latin typeface="Arial Unicode MS"/>
+              </a:rPr>
+              <a:t>{{link}}</a:t>
+            </a:r>
+            <a:r>
+              <a:rPr lang="pt-BR" altLang="pt-BR" sz="2000" dirty="0">
+                <a:solidFill>
+                  <a:schemeClr val="tx1">
+                    <a:lumMod val="65000"/>
+                    <a:lumOff val="35000"/>
+                  </a:schemeClr>
+                </a:solidFill>
+              </a:rPr>
+              <a:t> </a:t>
+            </a:r>
+            <a:endParaRPr lang="pt-BR" altLang="pt-BR" sz="2000" dirty="0">
+              <a:solidFill>
+                <a:schemeClr val="tx1">
+                  <a:lumMod val="65000"/>
+                  <a:lumOff val="35000"/>
+                </a:schemeClr>
+              </a:solidFill>
+              <a:latin typeface="Arial" panose="020B0604020202020204" pitchFamily="34" charset="0"/>
+            </a:endParaRPr>
+          </a:p>
+        </p:txBody>
+      </p:sp>
+      <p:sp>
+        <p:nvSpPr>
+          <p:cNvPr id="14" name="Rectangle 1">
+            <a:extLst>
+              <a:ext uri="{FF2B5EF4-FFF2-40B4-BE49-F238E27FC236}">
+                <a16:creationId xmlns:a16="http://schemas.microsoft.com/office/drawing/2014/main" id="{CC5A6D13-A6B0-6004-9003-F5D2DBC01516}"/>
+              </a:ext>
+            </a:extLst>
+          </p:cNvPr>
+          <p:cNvSpPr txBox="1">
+            <a:spLocks noChangeArrowheads="1"/>
+          </p:cNvSpPr>
+          <p:nvPr/>
+        </p:nvSpPr>
+        <p:spPr bwMode="auto">
+          <a:xfrm>
+            <a:off x="406745" y="4255597"/>
+            <a:ext cx="3406877" cy="1323439"/>
+          </a:xfrm>
+          <a:prstGeom prst="rect">
+            <a:avLst/>
+          </a:prstGeom>
+          <a:noFill/>
+          <a:ln>
+            <a:noFill/>
+          </a:ln>
+          <a:effectLst/>
+          <a:extLst>
+            <a:ext uri="{909E8E84-426E-40DD-AFC4-6F175D3DCCD1}">
+              <a14:hiddenFill xmlns:a14="http://schemas.microsoft.com/office/drawing/2010/main">
+                <a:solidFill>
+                  <a:schemeClr val="accent1"/>
+                </a:solidFill>
+              </a14:hiddenFill>
+            </a:ext>
+            <a:ext uri="{91240B29-F687-4F45-9708-019B960494DF}">
+              <a14:hiddenLine xmlns:a14="http://schemas.microsoft.com/office/drawing/2010/main" w="9525">
+                <a:solidFill>
+                  <a:schemeClr val="tx1"/>
+                </a:solidFill>
+                <a:miter lim="800000"/>
+                <a:headEnd/>
+                <a:tailEnd/>
+              </a14:hiddenLine>
+            </a:ext>
+            <a:ext uri="{AF507438-7753-43E0-B8FC-AC1667EBCBE1}">
+              <a14:hiddenEffects xmlns:a14="http://schemas.microsoft.com/office/drawing/2010/main">
+                <a:effectLst>
+                  <a:outerShdw dist="35921" dir="2700000" algn="ctr" rotWithShape="0">
+                    <a:schemeClr val="bg2"/>
+                  </a:outerShdw>
+                </a:effectLst>
+              </a14:hiddenEffects>
+            </a:ext>
+          </a:extLst>
+        </p:spPr>
+        <p:txBody>
+          <a:bodyPr vert="horz" wrap="square" lIns="91440" tIns="45720" rIns="91440" bIns="45720" numCol="1" rtlCol="0" anchor="ctr" anchorCtr="0" compatLnSpc="1">
+            <a:prstTxWarp prst="textNoShape">
+              <a:avLst/>
+            </a:prstTxWarp>
+            <a:spAutoFit/>
+          </a:bodyPr>
+          <a:lstStyle>
+            <a:lvl1pPr marL="228600" indent="-228600" algn="l" defTabSz="914400" rtl="0" eaLnBrk="1" latinLnBrk="0" hangingPunct="1">
+              <a:lnSpc>
+                <a:spcPct val="90000"/>
+              </a:lnSpc>
+              <a:spcBef>
+                <a:spcPts val="1000"/>
+              </a:spcBef>
+              <a:buFont typeface="Arial" panose="020B0604020202020204" pitchFamily="34" charset="0"/>
+              <a:buChar char="•"/>
+              <a:defRPr sz="2800" kern="1200">
+                <a:solidFill>
+                  <a:schemeClr val="tx1"/>
+                </a:solidFill>
+                <a:latin typeface="+mn-lt"/>
+                <a:ea typeface="+mn-ea"/>
+                <a:cs typeface="+mn-cs"/>
+              </a:defRPr>
+            </a:lvl1pPr>
+            <a:lvl2pPr marL="685800" indent="-228600" algn="l" defTabSz="914400" rtl="0" eaLnBrk="1" latinLnBrk="0" hangingPunct="1">
+              <a:lnSpc>
+                <a:spcPct val="90000"/>
+              </a:lnSpc>
+              <a:spcBef>
+                <a:spcPts val="500"/>
+              </a:spcBef>
+              <a:buFont typeface="Arial" panose="020B0604020202020204" pitchFamily="34" charset="0"/>
+              <a:buChar char="•"/>
+              <a:defRPr sz="2400" kern="1200">
+                <a:solidFill>
+                  <a:schemeClr val="tx1"/>
+                </a:solidFill>
+                <a:latin typeface="+mn-lt"/>
+                <a:ea typeface="+mn-ea"/>
+                <a:cs typeface="+mn-cs"/>
+              </a:defRPr>
+            </a:lvl2pPr>
+            <a:lvl3pPr marL="1143000" indent="-228600" algn="l" defTabSz="914400" rtl="0" eaLnBrk="1" latinLnBrk="0" hangingPunct="1">
+              <a:lnSpc>
+                <a:spcPct val="90000"/>
+              </a:lnSpc>
+              <a:spcBef>
+                <a:spcPts val="500"/>
+              </a:spcBef>
+              <a:buFont typeface="Arial" panose="020B0604020202020204" pitchFamily="34" charset="0"/>
+              <a:buChar char="•"/>
+              <a:defRPr sz="2000" kern="1200">
+                <a:solidFill>
+                  <a:schemeClr val="tx1"/>
+                </a:solidFill>
+                <a:latin typeface="+mn-lt"/>
+                <a:ea typeface="+mn-ea"/>
+                <a:cs typeface="+mn-cs"/>
+              </a:defRPr>
+            </a:lvl3pPr>
+            <a:lvl4pPr marL="1600200" indent="-228600" algn="l" defTabSz="914400" rtl="0" eaLnBrk="1" latinLnBrk="0" hangingPunct="1">
+              <a:lnSpc>
+                <a:spcPct val="90000"/>
+              </a:lnSpc>
+              <a:spcBef>
+                <a:spcPts val="500"/>
+              </a:spcBef>
+              <a:buFont typeface="Arial" panose="020B0604020202020204" pitchFamily="34" charset="0"/>
+              <a:buChar char="•"/>
+              <a:defRPr sz="1800" kern="1200">
+                <a:solidFill>
+                  <a:schemeClr val="tx1"/>
+                </a:solidFill>
+                <a:latin typeface="+mn-lt"/>
+                <a:ea typeface="+mn-ea"/>
+                <a:cs typeface="+mn-cs"/>
+              </a:defRPr>
+            </a:lvl4pPr>
+            <a:lvl5pPr marL="2057400" indent="-228600" algn="l" defTabSz="914400" rtl="0" eaLnBrk="1" latinLnBrk="0" hangingPunct="1">
+              <a:lnSpc>
+                <a:spcPct val="90000"/>
+              </a:lnSpc>
+              <a:spcBef>
+                <a:spcPts val="500"/>
+              </a:spcBef>
+              <a:buFont typeface="Arial" panose="020B0604020202020204" pitchFamily="34" charset="0"/>
+              <a:buChar char="•"/>
+              <a:defRPr sz="1800" kern="1200">
+                <a:solidFill>
+                  <a:schemeClr val="tx1"/>
+                </a:solidFill>
+                <a:latin typeface="+mn-lt"/>
+                <a:ea typeface="+mn-ea"/>
+                <a:cs typeface="+mn-cs"/>
+              </a:defRPr>
+            </a:lvl5pPr>
+            <a:lvl6pPr marL="2514600" indent="-228600" algn="l" defTabSz="914400" rtl="0" eaLnBrk="1" latinLnBrk="0" hangingPunct="1">
+              <a:lnSpc>
+                <a:spcPct val="90000"/>
+              </a:lnSpc>
+              <a:spcBef>
+                <a:spcPts val="500"/>
+              </a:spcBef>
+              <a:buFont typeface="Arial" panose="020B0604020202020204" pitchFamily="34" charset="0"/>
+              <a:buChar char="•"/>
+              <a:defRPr sz="1800" kern="1200">
+                <a:solidFill>
+                  <a:schemeClr val="tx1"/>
+                </a:solidFill>
+                <a:latin typeface="+mn-lt"/>
+                <a:ea typeface="+mn-ea"/>
+                <a:cs typeface="+mn-cs"/>
+              </a:defRPr>
+            </a:lvl6pPr>
+            <a:lvl7pPr marL="2971800" indent="-228600" algn="l" defTabSz="914400" rtl="0" eaLnBrk="1" latinLnBrk="0" hangingPunct="1">
+              <a:lnSpc>
+                <a:spcPct val="90000"/>
+              </a:lnSpc>
+              <a:spcBef>
+                <a:spcPts val="500"/>
+              </a:spcBef>
+              <a:buFont typeface="Arial" panose="020B0604020202020204" pitchFamily="34" charset="0"/>
+              <a:buChar char="•"/>
+              <a:defRPr sz="1800" kern="1200">
+                <a:solidFill>
+                  <a:schemeClr val="tx1"/>
+                </a:solidFill>
+                <a:latin typeface="+mn-lt"/>
+                <a:ea typeface="+mn-ea"/>
+                <a:cs typeface="+mn-cs"/>
+              </a:defRPr>
+            </a:lvl7pPr>
+            <a:lvl8pPr marL="3429000" indent="-228600" algn="l" defTabSz="914400" rtl="0" eaLnBrk="1" latinLnBrk="0" hangingPunct="1">
+              <a:lnSpc>
+                <a:spcPct val="90000"/>
+              </a:lnSpc>
+              <a:spcBef>
+                <a:spcPts val="500"/>
+              </a:spcBef>
+              <a:buFont typeface="Arial" panose="020B0604020202020204" pitchFamily="34" charset="0"/>
+              <a:buChar char="•"/>
+              <a:defRPr sz="1800" kern="1200">
+                <a:solidFill>
+                  <a:schemeClr val="tx1"/>
+                </a:solidFill>
+                <a:latin typeface="+mn-lt"/>
+                <a:ea typeface="+mn-ea"/>
+                <a:cs typeface="+mn-cs"/>
+              </a:defRPr>
+            </a:lvl8pPr>
+            <a:lvl9pPr marL="3886200" indent="-228600" algn="l" defTabSz="914400" rtl="0" eaLnBrk="1" latinLnBrk="0" hangingPunct="1">
+              <a:lnSpc>
+                <a:spcPct val="90000"/>
+              </a:lnSpc>
+              <a:spcBef>
+                <a:spcPts val="500"/>
+              </a:spcBef>
+              <a:buFont typeface="Arial" panose="020B0604020202020204" pitchFamily="34" charset="0"/>
+              <a:buChar char="•"/>
+              <a:defRPr sz="1800" kern="1200">
+                <a:solidFill>
+                  <a:schemeClr val="tx1"/>
+                </a:solidFill>
+                <a:latin typeface="+mn-lt"/>
+                <a:ea typeface="+mn-ea"/>
+                <a:cs typeface="+mn-cs"/>
+              </a:defRPr>
+            </a:lvl9pPr>
+          </a:lstStyle>
+          <a:p>
+            <a:pPr marL="0" indent="0" eaLnBrk="0" fontAlgn="base" hangingPunct="0">
+              <a:lnSpc>
+                <a:spcPct val="100000"/>
+              </a:lnSpc>
+              <a:spcBef>
+                <a:spcPct val="0"/>
+              </a:spcBef>
+              <a:spcAft>
+                <a:spcPct val="0"/>
+              </a:spcAft>
+              <a:buFontTx/>
+              <a:buNone/>
+            </a:pPr>
+            <a:r>
+              <a:rPr lang="pt-BR" altLang="pt-BR" sz="2000" dirty="0">
+                <a:solidFill>
+                  <a:schemeClr val="tx1">
+                    <a:lumMod val="65000"/>
+                    <a:lumOff val="35000"/>
+                  </a:schemeClr>
+                </a:solidFill>
+                <a:latin typeface="Arial Unicode MS"/>
+              </a:rPr>
+              <a:t>{{titulo}}, </a:t>
+            </a:r>
+          </a:p>
+          <a:p>
+            <a:pPr marL="0" indent="0" eaLnBrk="0" fontAlgn="base" hangingPunct="0">
+              <a:lnSpc>
+                <a:spcPct val="100000"/>
+              </a:lnSpc>
+              <a:spcBef>
+                <a:spcPct val="0"/>
+              </a:spcBef>
+              <a:spcAft>
+                <a:spcPct val="0"/>
+              </a:spcAft>
+              <a:buFontTx/>
+              <a:buNone/>
+            </a:pPr>
+            <a:r>
+              <a:rPr lang="pt-BR" altLang="pt-BR" sz="2000" dirty="0">
+                <a:solidFill>
+                  <a:schemeClr val="tx1">
+                    <a:lumMod val="65000"/>
+                    <a:lumOff val="35000"/>
+                  </a:schemeClr>
+                </a:solidFill>
+                <a:latin typeface="Arial Unicode MS"/>
+              </a:rPr>
+              <a:t>{{resumo}},</a:t>
+            </a:r>
+          </a:p>
+          <a:p>
+            <a:pPr marL="0" indent="0" eaLnBrk="0" fontAlgn="base" hangingPunct="0">
+              <a:lnSpc>
+                <a:spcPct val="100000"/>
+              </a:lnSpc>
+              <a:spcBef>
+                <a:spcPct val="0"/>
+              </a:spcBef>
+              <a:spcAft>
+                <a:spcPct val="0"/>
+              </a:spcAft>
+              <a:buFontTx/>
+              <a:buNone/>
+            </a:pPr>
+            <a:r>
+              <a:rPr lang="pt-BR" altLang="pt-BR" sz="2000" dirty="0">
+                <a:solidFill>
+                  <a:schemeClr val="tx1">
+                    <a:lumMod val="65000"/>
+                    <a:lumOff val="35000"/>
+                  </a:schemeClr>
+                </a:solidFill>
+                <a:latin typeface="Arial Unicode MS"/>
+              </a:rPr>
+              <a:t>{{data}}</a:t>
+            </a:r>
+            <a:r>
+              <a:rPr lang="pt-BR" altLang="pt-BR" sz="2000" dirty="0">
+                <a:solidFill>
+                  <a:schemeClr val="tx1">
+                    <a:lumMod val="65000"/>
+                    <a:lumOff val="35000"/>
+                  </a:schemeClr>
+                </a:solidFill>
+              </a:rPr>
+              <a:t>, </a:t>
+            </a:r>
+          </a:p>
+          <a:p>
+            <a:pPr marL="0" indent="0" eaLnBrk="0" fontAlgn="base" hangingPunct="0">
+              <a:lnSpc>
+                <a:spcPct val="100000"/>
+              </a:lnSpc>
+              <a:spcBef>
+                <a:spcPct val="0"/>
+              </a:spcBef>
+              <a:spcAft>
+                <a:spcPct val="0"/>
+              </a:spcAft>
+              <a:buFontTx/>
+              <a:buNone/>
+            </a:pPr>
+            <a:r>
+              <a:rPr lang="pt-BR" altLang="pt-BR" sz="2000" dirty="0">
+                <a:solidFill>
+                  <a:schemeClr val="tx1">
+                    <a:lumMod val="65000"/>
+                    <a:lumOff val="35000"/>
+                  </a:schemeClr>
+                </a:solidFill>
+                <a:latin typeface="Arial Unicode MS"/>
+              </a:rPr>
+              <a:t>{{link}}</a:t>
+            </a:r>
+            <a:r>
+              <a:rPr lang="pt-BR" altLang="pt-BR" sz="2000" dirty="0">
+                <a:solidFill>
+                  <a:schemeClr val="tx1">
+                    <a:lumMod val="65000"/>
+                    <a:lumOff val="35000"/>
+                  </a:schemeClr>
+                </a:solidFill>
+              </a:rPr>
+              <a:t> </a:t>
+            </a:r>
+            <a:endParaRPr lang="pt-BR" altLang="pt-BR" sz="2000" dirty="0">
+              <a:solidFill>
+                <a:schemeClr val="tx1">
+                  <a:lumMod val="65000"/>
+                  <a:lumOff val="35000"/>
+                </a:schemeClr>
+              </a:solidFill>
+              <a:latin typeface="Arial" panose="020B0604020202020204" pitchFamily="34" charset="0"/>
+            </a:endParaRPr>
+          </a:p>
+        </p:txBody>
+      </p:sp>
+      <p:sp>
+        <p:nvSpPr>
+          <p:cNvPr id="15" name="Rectangle 1">
+            <a:extLst>
+              <a:ext uri="{FF2B5EF4-FFF2-40B4-BE49-F238E27FC236}">
+                <a16:creationId xmlns:a16="http://schemas.microsoft.com/office/drawing/2014/main" id="{A5189E6D-DA96-3A74-E215-477E8810F5EC}"/>
+              </a:ext>
+            </a:extLst>
+          </p:cNvPr>
+          <p:cNvSpPr txBox="1">
+            <a:spLocks noChangeArrowheads="1"/>
+          </p:cNvSpPr>
+          <p:nvPr/>
+        </p:nvSpPr>
+        <p:spPr bwMode="auto">
+          <a:xfrm>
+            <a:off x="4743698" y="4255596"/>
+            <a:ext cx="3406877" cy="1323439"/>
+          </a:xfrm>
+          <a:prstGeom prst="rect">
+            <a:avLst/>
+          </a:prstGeom>
+          <a:noFill/>
+          <a:ln>
+            <a:noFill/>
+          </a:ln>
+          <a:effectLst/>
+          <a:extLst>
+            <a:ext uri="{909E8E84-426E-40DD-AFC4-6F175D3DCCD1}">
+              <a14:hiddenFill xmlns:a14="http://schemas.microsoft.com/office/drawing/2010/main">
+                <a:solidFill>
+                  <a:schemeClr val="accent1"/>
+                </a:solidFill>
+              </a14:hiddenFill>
+            </a:ext>
+            <a:ext uri="{91240B29-F687-4F45-9708-019B960494DF}">
+              <a14:hiddenLine xmlns:a14="http://schemas.microsoft.com/office/drawing/2010/main" w="9525">
+                <a:solidFill>
+                  <a:schemeClr val="tx1"/>
+                </a:solidFill>
+                <a:miter lim="800000"/>
+                <a:headEnd/>
+                <a:tailEnd/>
+              </a14:hiddenLine>
+            </a:ext>
+            <a:ext uri="{AF507438-7753-43E0-B8FC-AC1667EBCBE1}">
+              <a14:hiddenEffects xmlns:a14="http://schemas.microsoft.com/office/drawing/2010/main">
+                <a:effectLst>
+                  <a:outerShdw dist="35921" dir="2700000" algn="ctr" rotWithShape="0">
+                    <a:schemeClr val="bg2"/>
+                  </a:outerShdw>
+                </a:effectLst>
+              </a14:hiddenEffects>
+            </a:ext>
+          </a:extLst>
+        </p:spPr>
+        <p:txBody>
+          <a:bodyPr vert="horz" wrap="square" lIns="91440" tIns="45720" rIns="91440" bIns="45720" numCol="1" rtlCol="0" anchor="ctr" anchorCtr="0" compatLnSpc="1">
+            <a:prstTxWarp prst="textNoShape">
+              <a:avLst/>
+            </a:prstTxWarp>
+            <a:spAutoFit/>
+          </a:bodyPr>
+          <a:lstStyle>
+            <a:lvl1pPr marL="228600" indent="-228600" algn="l" defTabSz="914400" rtl="0" eaLnBrk="1" latinLnBrk="0" hangingPunct="1">
+              <a:lnSpc>
+                <a:spcPct val="90000"/>
+              </a:lnSpc>
+              <a:spcBef>
+                <a:spcPts val="1000"/>
+              </a:spcBef>
+              <a:buFont typeface="Arial" panose="020B0604020202020204" pitchFamily="34" charset="0"/>
+              <a:buChar char="•"/>
+              <a:defRPr sz="2800" kern="1200">
+                <a:solidFill>
+                  <a:schemeClr val="tx1"/>
+                </a:solidFill>
+                <a:latin typeface="+mn-lt"/>
+                <a:ea typeface="+mn-ea"/>
+                <a:cs typeface="+mn-cs"/>
+              </a:defRPr>
+            </a:lvl1pPr>
+            <a:lvl2pPr marL="685800" indent="-228600" algn="l" defTabSz="914400" rtl="0" eaLnBrk="1" latinLnBrk="0" hangingPunct="1">
+              <a:lnSpc>
+                <a:spcPct val="90000"/>
+              </a:lnSpc>
+              <a:spcBef>
+                <a:spcPts val="500"/>
+              </a:spcBef>
+              <a:buFont typeface="Arial" panose="020B0604020202020204" pitchFamily="34" charset="0"/>
+              <a:buChar char="•"/>
+              <a:defRPr sz="2400" kern="1200">
+                <a:solidFill>
+                  <a:schemeClr val="tx1"/>
+                </a:solidFill>
+                <a:latin typeface="+mn-lt"/>
+                <a:ea typeface="+mn-ea"/>
+                <a:cs typeface="+mn-cs"/>
+              </a:defRPr>
+            </a:lvl2pPr>
+            <a:lvl3pPr marL="1143000" indent="-228600" algn="l" defTabSz="914400" rtl="0" eaLnBrk="1" latinLnBrk="0" hangingPunct="1">
+              <a:lnSpc>
+                <a:spcPct val="90000"/>
+              </a:lnSpc>
+              <a:spcBef>
+                <a:spcPts val="500"/>
+              </a:spcBef>
+              <a:buFont typeface="Arial" panose="020B0604020202020204" pitchFamily="34" charset="0"/>
+              <a:buChar char="•"/>
+              <a:defRPr sz="2000" kern="1200">
+                <a:solidFill>
+                  <a:schemeClr val="tx1"/>
+                </a:solidFill>
+                <a:latin typeface="+mn-lt"/>
+                <a:ea typeface="+mn-ea"/>
+                <a:cs typeface="+mn-cs"/>
+              </a:defRPr>
+            </a:lvl3pPr>
+            <a:lvl4pPr marL="1600200" indent="-228600" algn="l" defTabSz="914400" rtl="0" eaLnBrk="1" latinLnBrk="0" hangingPunct="1">
+              <a:lnSpc>
+                <a:spcPct val="90000"/>
+              </a:lnSpc>
+              <a:spcBef>
+                <a:spcPts val="500"/>
+              </a:spcBef>
+              <a:buFont typeface="Arial" panose="020B0604020202020204" pitchFamily="34" charset="0"/>
+              <a:buChar char="•"/>
+              <a:defRPr sz="1800" kern="1200">
+                <a:solidFill>
+                  <a:schemeClr val="tx1"/>
+                </a:solidFill>
+                <a:latin typeface="+mn-lt"/>
+                <a:ea typeface="+mn-ea"/>
+                <a:cs typeface="+mn-cs"/>
+              </a:defRPr>
+            </a:lvl4pPr>
+            <a:lvl5pPr marL="2057400" indent="-228600" algn="l" defTabSz="914400" rtl="0" eaLnBrk="1" latinLnBrk="0" hangingPunct="1">
+              <a:lnSpc>
+                <a:spcPct val="90000"/>
+              </a:lnSpc>
+              <a:spcBef>
+                <a:spcPts val="500"/>
+              </a:spcBef>
+              <a:buFont typeface="Arial" panose="020B0604020202020204" pitchFamily="34" charset="0"/>
+              <a:buChar char="•"/>
+              <a:defRPr sz="1800" kern="1200">
+                <a:solidFill>
+                  <a:schemeClr val="tx1"/>
+                </a:solidFill>
+                <a:latin typeface="+mn-lt"/>
+                <a:ea typeface="+mn-ea"/>
+                <a:cs typeface="+mn-cs"/>
+              </a:defRPr>
+            </a:lvl5pPr>
+            <a:lvl6pPr marL="2514600" indent="-228600" algn="l" defTabSz="914400" rtl="0" eaLnBrk="1" latinLnBrk="0" hangingPunct="1">
+              <a:lnSpc>
+                <a:spcPct val="90000"/>
+              </a:lnSpc>
+              <a:spcBef>
+                <a:spcPts val="500"/>
+              </a:spcBef>
+              <a:buFont typeface="Arial" panose="020B0604020202020204" pitchFamily="34" charset="0"/>
+              <a:buChar char="•"/>
+              <a:defRPr sz="1800" kern="1200">
+                <a:solidFill>
+                  <a:schemeClr val="tx1"/>
+                </a:solidFill>
+                <a:latin typeface="+mn-lt"/>
+                <a:ea typeface="+mn-ea"/>
+                <a:cs typeface="+mn-cs"/>
+              </a:defRPr>
+            </a:lvl6pPr>
+            <a:lvl7pPr marL="2971800" indent="-228600" algn="l" defTabSz="914400" rtl="0" eaLnBrk="1" latinLnBrk="0" hangingPunct="1">
+              <a:lnSpc>
+                <a:spcPct val="90000"/>
+              </a:lnSpc>
+              <a:spcBef>
+                <a:spcPts val="500"/>
+              </a:spcBef>
+              <a:buFont typeface="Arial" panose="020B0604020202020204" pitchFamily="34" charset="0"/>
+              <a:buChar char="•"/>
+              <a:defRPr sz="1800" kern="1200">
+                <a:solidFill>
+                  <a:schemeClr val="tx1"/>
+                </a:solidFill>
+                <a:latin typeface="+mn-lt"/>
+                <a:ea typeface="+mn-ea"/>
+                <a:cs typeface="+mn-cs"/>
+              </a:defRPr>
+            </a:lvl7pPr>
+            <a:lvl8pPr marL="3429000" indent="-228600" algn="l" defTabSz="914400" rtl="0" eaLnBrk="1" latinLnBrk="0" hangingPunct="1">
+              <a:lnSpc>
+                <a:spcPct val="90000"/>
+              </a:lnSpc>
+              <a:spcBef>
+                <a:spcPts val="500"/>
+              </a:spcBef>
+              <a:buFont typeface="Arial" panose="020B0604020202020204" pitchFamily="34" charset="0"/>
+              <a:buChar char="•"/>
+              <a:defRPr sz="1800" kern="1200">
+                <a:solidFill>
+                  <a:schemeClr val="tx1"/>
+                </a:solidFill>
+                <a:latin typeface="+mn-lt"/>
+                <a:ea typeface="+mn-ea"/>
+                <a:cs typeface="+mn-cs"/>
+              </a:defRPr>
+            </a:lvl8pPr>
+            <a:lvl9pPr marL="3886200" indent="-228600" algn="l" defTabSz="914400" rtl="0" eaLnBrk="1" latinLnBrk="0" hangingPunct="1">
+              <a:lnSpc>
+                <a:spcPct val="90000"/>
+              </a:lnSpc>
+              <a:spcBef>
+                <a:spcPts val="500"/>
+              </a:spcBef>
+              <a:buFont typeface="Arial" panose="020B0604020202020204" pitchFamily="34" charset="0"/>
+              <a:buChar char="•"/>
+              <a:defRPr sz="1800" kern="1200">
+                <a:solidFill>
+                  <a:schemeClr val="tx1"/>
+                </a:solidFill>
+                <a:latin typeface="+mn-lt"/>
+                <a:ea typeface="+mn-ea"/>
+                <a:cs typeface="+mn-cs"/>
+              </a:defRPr>
+            </a:lvl9pPr>
+          </a:lstStyle>
+          <a:p>
+            <a:pPr marL="0" indent="0" eaLnBrk="0" fontAlgn="base" hangingPunct="0">
+              <a:lnSpc>
+                <a:spcPct val="100000"/>
+              </a:lnSpc>
+              <a:spcBef>
+                <a:spcPct val="0"/>
+              </a:spcBef>
+              <a:spcAft>
+                <a:spcPct val="0"/>
+              </a:spcAft>
+              <a:buFontTx/>
+              <a:buNone/>
+            </a:pPr>
+            <a:r>
+              <a:rPr lang="pt-BR" altLang="pt-BR" sz="2000" dirty="0">
+                <a:solidFill>
+                  <a:schemeClr val="tx1">
+                    <a:lumMod val="65000"/>
+                    <a:lumOff val="35000"/>
+                  </a:schemeClr>
+                </a:solidFill>
+                <a:latin typeface="Arial Unicode MS"/>
+              </a:rPr>
+              <a:t>{{titulo}}, </a:t>
+            </a:r>
+          </a:p>
+          <a:p>
+            <a:pPr marL="0" indent="0" eaLnBrk="0" fontAlgn="base" hangingPunct="0">
+              <a:lnSpc>
+                <a:spcPct val="100000"/>
+              </a:lnSpc>
+              <a:spcBef>
+                <a:spcPct val="0"/>
+              </a:spcBef>
+              <a:spcAft>
+                <a:spcPct val="0"/>
+              </a:spcAft>
+              <a:buFontTx/>
+              <a:buNone/>
+            </a:pPr>
+            <a:r>
+              <a:rPr lang="pt-BR" altLang="pt-BR" sz="2000" dirty="0">
+                <a:solidFill>
+                  <a:schemeClr val="tx1">
+                    <a:lumMod val="65000"/>
+                    <a:lumOff val="35000"/>
+                  </a:schemeClr>
+                </a:solidFill>
+                <a:latin typeface="Arial Unicode MS"/>
+              </a:rPr>
+              <a:t>{{resumo}},</a:t>
+            </a:r>
+          </a:p>
+          <a:p>
+            <a:pPr marL="0" indent="0" eaLnBrk="0" fontAlgn="base" hangingPunct="0">
+              <a:lnSpc>
+                <a:spcPct val="100000"/>
+              </a:lnSpc>
+              <a:spcBef>
+                <a:spcPct val="0"/>
+              </a:spcBef>
+              <a:spcAft>
+                <a:spcPct val="0"/>
+              </a:spcAft>
+              <a:buFontTx/>
+              <a:buNone/>
+            </a:pPr>
+            <a:r>
+              <a:rPr lang="pt-BR" altLang="pt-BR" sz="2000" dirty="0">
+                <a:solidFill>
+                  <a:schemeClr val="tx1">
+                    <a:lumMod val="65000"/>
+                    <a:lumOff val="35000"/>
+                  </a:schemeClr>
+                </a:solidFill>
+                <a:latin typeface="Arial Unicode MS"/>
+              </a:rPr>
+              <a:t>{{data}}</a:t>
+            </a:r>
+            <a:r>
+              <a:rPr lang="pt-BR" altLang="pt-BR" sz="2000" dirty="0">
+                <a:solidFill>
+                  <a:schemeClr val="tx1">
+                    <a:lumMod val="65000"/>
+                    <a:lumOff val="35000"/>
+                  </a:schemeClr>
+                </a:solidFill>
+              </a:rPr>
+              <a:t>, </a:t>
+            </a:r>
+          </a:p>
+          <a:p>
+            <a:pPr marL="0" indent="0" eaLnBrk="0" fontAlgn="base" hangingPunct="0">
+              <a:lnSpc>
+                <a:spcPct val="100000"/>
+              </a:lnSpc>
+              <a:spcBef>
+                <a:spcPct val="0"/>
+              </a:spcBef>
+              <a:spcAft>
+                <a:spcPct val="0"/>
+              </a:spcAft>
+              <a:buFontTx/>
+              <a:buNone/>
+            </a:pPr>
+            <a:r>
+              <a:rPr lang="pt-BR" altLang="pt-BR" sz="2000" dirty="0">
+                <a:solidFill>
+                  <a:schemeClr val="tx1">
+                    <a:lumMod val="65000"/>
+                    <a:lumOff val="35000"/>
+                  </a:schemeClr>
+                </a:solidFill>
+                <a:latin typeface="Arial Unicode MS"/>
+              </a:rPr>
+              <a:t>{{link}}</a:t>
+            </a:r>
+            <a:r>
+              <a:rPr lang="pt-BR" altLang="pt-BR" sz="2000" dirty="0">
+                <a:solidFill>
+                  <a:schemeClr val="tx1">
+                    <a:lumMod val="65000"/>
+                    <a:lumOff val="35000"/>
+                  </a:schemeClr>
+                </a:solidFill>
+              </a:rPr>
+              <a:t> </a:t>
+            </a:r>
+            <a:endParaRPr lang="pt-BR" altLang="pt-BR" sz="2000" dirty="0">
+              <a:solidFill>
+                <a:schemeClr val="tx1">
+                  <a:lumMod val="65000"/>
+                  <a:lumOff val="35000"/>
+                </a:schemeClr>
+              </a:solidFill>
+              <a:latin typeface="Arial" panose="020B0604020202020204" pitchFamily="34" charset="0"/>
+            </a:endParaRPr>
+          </a:p>
+        </p:txBody>
+      </p:sp>
+      <p:sp>
+        <p:nvSpPr>
+          <p:cNvPr id="16" name="Rectangle 1">
+            <a:extLst>
+              <a:ext uri="{FF2B5EF4-FFF2-40B4-BE49-F238E27FC236}">
+                <a16:creationId xmlns:a16="http://schemas.microsoft.com/office/drawing/2014/main" id="{BB2FF022-8FBC-3FC2-CBEB-3978F0636AEC}"/>
+              </a:ext>
+            </a:extLst>
+          </p:cNvPr>
+          <p:cNvSpPr txBox="1">
+            <a:spLocks noChangeArrowheads="1"/>
+          </p:cNvSpPr>
+          <p:nvPr/>
+        </p:nvSpPr>
+        <p:spPr bwMode="auto">
+          <a:xfrm>
+            <a:off x="8501710" y="4255595"/>
+            <a:ext cx="3406877" cy="1323439"/>
+          </a:xfrm>
+          <a:prstGeom prst="rect">
+            <a:avLst/>
+          </a:prstGeom>
+          <a:noFill/>
+          <a:ln>
+            <a:noFill/>
+          </a:ln>
+          <a:effectLst/>
+          <a:extLst>
+            <a:ext uri="{909E8E84-426E-40DD-AFC4-6F175D3DCCD1}">
+              <a14:hiddenFill xmlns:a14="http://schemas.microsoft.com/office/drawing/2010/main">
+                <a:solidFill>
+                  <a:schemeClr val="accent1"/>
+                </a:solidFill>
+              </a14:hiddenFill>
+            </a:ext>
+            <a:ext uri="{91240B29-F687-4F45-9708-019B960494DF}">
+              <a14:hiddenLine xmlns:a14="http://schemas.microsoft.com/office/drawing/2010/main" w="9525">
+                <a:solidFill>
+                  <a:schemeClr val="tx1"/>
+                </a:solidFill>
+                <a:miter lim="800000"/>
+                <a:headEnd/>
+                <a:tailEnd/>
+              </a14:hiddenLine>
+            </a:ext>
+            <a:ext uri="{AF507438-7753-43E0-B8FC-AC1667EBCBE1}">
+              <a14:hiddenEffects xmlns:a14="http://schemas.microsoft.com/office/drawing/2010/main">
+                <a:effectLst>
+                  <a:outerShdw dist="35921" dir="2700000" algn="ctr" rotWithShape="0">
+                    <a:schemeClr val="bg2"/>
+                  </a:outerShdw>
+                </a:effectLst>
+              </a14:hiddenEffects>
+            </a:ext>
+          </a:extLst>
+        </p:spPr>
+        <p:txBody>
+          <a:bodyPr vert="horz" wrap="square" lIns="91440" tIns="45720" rIns="91440" bIns="45720" numCol="1" rtlCol="0" anchor="ctr" anchorCtr="0" compatLnSpc="1">
+            <a:prstTxWarp prst="textNoShape">
+              <a:avLst/>
+            </a:prstTxWarp>
+            <a:spAutoFit/>
+          </a:bodyPr>
+          <a:lstStyle>
+            <a:lvl1pPr marL="228600" indent="-228600" algn="l" defTabSz="914400" rtl="0" eaLnBrk="1" latinLnBrk="0" hangingPunct="1">
+              <a:lnSpc>
+                <a:spcPct val="90000"/>
+              </a:lnSpc>
+              <a:spcBef>
+                <a:spcPts val="1000"/>
+              </a:spcBef>
+              <a:buFont typeface="Arial" panose="020B0604020202020204" pitchFamily="34" charset="0"/>
+              <a:buChar char="•"/>
+              <a:defRPr sz="2800" kern="1200">
+                <a:solidFill>
+                  <a:schemeClr val="tx1"/>
+                </a:solidFill>
+                <a:latin typeface="+mn-lt"/>
+                <a:ea typeface="+mn-ea"/>
+                <a:cs typeface="+mn-cs"/>
+              </a:defRPr>
+            </a:lvl1pPr>
+            <a:lvl2pPr marL="685800" indent="-228600" algn="l" defTabSz="914400" rtl="0" eaLnBrk="1" latinLnBrk="0" hangingPunct="1">
+              <a:lnSpc>
+                <a:spcPct val="90000"/>
+              </a:lnSpc>
+              <a:spcBef>
+                <a:spcPts val="500"/>
+              </a:spcBef>
+              <a:buFont typeface="Arial" panose="020B0604020202020204" pitchFamily="34" charset="0"/>
+              <a:buChar char="•"/>
+              <a:defRPr sz="2400" kern="1200">
+                <a:solidFill>
+                  <a:schemeClr val="tx1"/>
+                </a:solidFill>
+                <a:latin typeface="+mn-lt"/>
+                <a:ea typeface="+mn-ea"/>
+                <a:cs typeface="+mn-cs"/>
+              </a:defRPr>
+            </a:lvl2pPr>
+            <a:lvl3pPr marL="1143000" indent="-228600" algn="l" defTabSz="914400" rtl="0" eaLnBrk="1" latinLnBrk="0" hangingPunct="1">
+              <a:lnSpc>
+                <a:spcPct val="90000"/>
+              </a:lnSpc>
+              <a:spcBef>
+                <a:spcPts val="500"/>
+              </a:spcBef>
+              <a:buFont typeface="Arial" panose="020B0604020202020204" pitchFamily="34" charset="0"/>
+              <a:buChar char="•"/>
+              <a:defRPr sz="2000" kern="1200">
+                <a:solidFill>
+                  <a:schemeClr val="tx1"/>
+                </a:solidFill>
+                <a:latin typeface="+mn-lt"/>
+                <a:ea typeface="+mn-ea"/>
+                <a:cs typeface="+mn-cs"/>
+              </a:defRPr>
+            </a:lvl3pPr>
+            <a:lvl4pPr marL="1600200" indent="-228600" algn="l" defTabSz="914400" rtl="0" eaLnBrk="1" latinLnBrk="0" hangingPunct="1">
+              <a:lnSpc>
+                <a:spcPct val="90000"/>
+              </a:lnSpc>
+              <a:spcBef>
+                <a:spcPts val="500"/>
+              </a:spcBef>
+              <a:buFont typeface="Arial" panose="020B0604020202020204" pitchFamily="34" charset="0"/>
+              <a:buChar char="•"/>
+              <a:defRPr sz="1800" kern="1200">
+                <a:solidFill>
+                  <a:schemeClr val="tx1"/>
+                </a:solidFill>
+                <a:latin typeface="+mn-lt"/>
+                <a:ea typeface="+mn-ea"/>
+                <a:cs typeface="+mn-cs"/>
+              </a:defRPr>
+            </a:lvl4pPr>
+            <a:lvl5pPr marL="2057400" indent="-228600" algn="l" defTabSz="914400" rtl="0" eaLnBrk="1" latinLnBrk="0" hangingPunct="1">
+              <a:lnSpc>
+                <a:spcPct val="90000"/>
+              </a:lnSpc>
+              <a:spcBef>
+                <a:spcPts val="500"/>
+              </a:spcBef>
+              <a:buFont typeface="Arial" panose="020B0604020202020204" pitchFamily="34" charset="0"/>
+              <a:buChar char="•"/>
+              <a:defRPr sz="1800" kern="1200">
+                <a:solidFill>
+                  <a:schemeClr val="tx1"/>
+                </a:solidFill>
+                <a:latin typeface="+mn-lt"/>
+                <a:ea typeface="+mn-ea"/>
+                <a:cs typeface="+mn-cs"/>
+              </a:defRPr>
+            </a:lvl5pPr>
+            <a:lvl6pPr marL="2514600" indent="-228600" algn="l" defTabSz="914400" rtl="0" eaLnBrk="1" latinLnBrk="0" hangingPunct="1">
+              <a:lnSpc>
+                <a:spcPct val="90000"/>
+              </a:lnSpc>
+              <a:spcBef>
+                <a:spcPts val="500"/>
+              </a:spcBef>
+              <a:buFont typeface="Arial" panose="020B0604020202020204" pitchFamily="34" charset="0"/>
+              <a:buChar char="•"/>
+              <a:defRPr sz="1800" kern="1200">
+                <a:solidFill>
+                  <a:schemeClr val="tx1"/>
+                </a:solidFill>
+                <a:latin typeface="+mn-lt"/>
+                <a:ea typeface="+mn-ea"/>
+                <a:cs typeface="+mn-cs"/>
+              </a:defRPr>
+            </a:lvl6pPr>
+            <a:lvl7pPr marL="2971800" indent="-228600" algn="l" defTabSz="914400" rtl="0" eaLnBrk="1" latinLnBrk="0" hangingPunct="1">
+              <a:lnSpc>
+                <a:spcPct val="90000"/>
+              </a:lnSpc>
+              <a:spcBef>
+                <a:spcPts val="500"/>
+              </a:spcBef>
+              <a:buFont typeface="Arial" panose="020B0604020202020204" pitchFamily="34" charset="0"/>
+              <a:buChar char="•"/>
+              <a:defRPr sz="1800" kern="1200">
+                <a:solidFill>
+                  <a:schemeClr val="tx1"/>
+                </a:solidFill>
+                <a:latin typeface="+mn-lt"/>
+                <a:ea typeface="+mn-ea"/>
+                <a:cs typeface="+mn-cs"/>
+              </a:defRPr>
+            </a:lvl7pPr>
+            <a:lvl8pPr marL="3429000" indent="-228600" algn="l" defTabSz="914400" rtl="0" eaLnBrk="1" latinLnBrk="0" hangingPunct="1">
+              <a:lnSpc>
+                <a:spcPct val="90000"/>
+              </a:lnSpc>
+              <a:spcBef>
+                <a:spcPts val="500"/>
+              </a:spcBef>
+              <a:buFont typeface="Arial" panose="020B0604020202020204" pitchFamily="34" charset="0"/>
+              <a:buChar char="•"/>
+              <a:defRPr sz="1800" kern="1200">
+                <a:solidFill>
+                  <a:schemeClr val="tx1"/>
+                </a:solidFill>
+                <a:latin typeface="+mn-lt"/>
+                <a:ea typeface="+mn-ea"/>
+                <a:cs typeface="+mn-cs"/>
+              </a:defRPr>
+            </a:lvl8pPr>
+            <a:lvl9pPr marL="3886200" indent="-228600" algn="l" defTabSz="914400" rtl="0" eaLnBrk="1" latinLnBrk="0" hangingPunct="1">
+              <a:lnSpc>
+                <a:spcPct val="90000"/>
+              </a:lnSpc>
+              <a:spcBef>
+                <a:spcPts val="500"/>
+              </a:spcBef>
+              <a:buFont typeface="Arial" panose="020B0604020202020204" pitchFamily="34" charset="0"/>
+              <a:buChar char="•"/>
+              <a:defRPr sz="1800" kern="1200">
+                <a:solidFill>
+                  <a:schemeClr val="tx1"/>
+                </a:solidFill>
+                <a:latin typeface="+mn-lt"/>
+                <a:ea typeface="+mn-ea"/>
+                <a:cs typeface="+mn-cs"/>
+              </a:defRPr>
+            </a:lvl9pPr>
+          </a:lstStyle>
+          <a:p>
+            <a:pPr marL="0" indent="0" eaLnBrk="0" fontAlgn="base" hangingPunct="0">
+              <a:lnSpc>
+                <a:spcPct val="100000"/>
+              </a:lnSpc>
+              <a:spcBef>
+                <a:spcPct val="0"/>
+              </a:spcBef>
+              <a:spcAft>
+                <a:spcPct val="0"/>
+              </a:spcAft>
+              <a:buFontTx/>
+              <a:buNone/>
+            </a:pPr>
+            <a:r>
+              <a:rPr lang="pt-BR" altLang="pt-BR" sz="2000" dirty="0">
+                <a:solidFill>
+                  <a:schemeClr val="tx1">
+                    <a:lumMod val="65000"/>
+                    <a:lumOff val="35000"/>
+                  </a:schemeClr>
+                </a:solidFill>
+                <a:latin typeface="Arial Unicode MS"/>
+              </a:rPr>
+              <a:t>{{titulo}}, </a:t>
+            </a:r>
+          </a:p>
+          <a:p>
+            <a:pPr marL="0" indent="0" eaLnBrk="0" fontAlgn="base" hangingPunct="0">
+              <a:lnSpc>
+                <a:spcPct val="100000"/>
+              </a:lnSpc>
+              <a:spcBef>
+                <a:spcPct val="0"/>
+              </a:spcBef>
+              <a:spcAft>
+                <a:spcPct val="0"/>
+              </a:spcAft>
+              <a:buFontTx/>
+              <a:buNone/>
+            </a:pPr>
+            <a:r>
+              <a:rPr lang="pt-BR" altLang="pt-BR" sz="2000" dirty="0">
+                <a:solidFill>
+                  <a:schemeClr val="tx1">
+                    <a:lumMod val="65000"/>
+                    <a:lumOff val="35000"/>
+                  </a:schemeClr>
+                </a:solidFill>
+                <a:latin typeface="Arial Unicode MS"/>
+              </a:rPr>
+              <a:t>{{resumo}},</a:t>
+            </a:r>
+          </a:p>
+          <a:p>
+            <a:pPr marL="0" indent="0" eaLnBrk="0" fontAlgn="base" hangingPunct="0">
+              <a:lnSpc>
+                <a:spcPct val="100000"/>
+              </a:lnSpc>
+              <a:spcBef>
+                <a:spcPct val="0"/>
+              </a:spcBef>
+              <a:spcAft>
+                <a:spcPct val="0"/>
+              </a:spcAft>
+              <a:buFontTx/>
+              <a:buNone/>
+            </a:pPr>
+            <a:r>
+              <a:rPr lang="pt-BR" altLang="pt-BR" sz="2000" dirty="0">
+                <a:solidFill>
+                  <a:schemeClr val="tx1">
+                    <a:lumMod val="65000"/>
+                    <a:lumOff val="35000"/>
+                  </a:schemeClr>
+                </a:solidFill>
+                <a:latin typeface="Arial Unicode MS"/>
+              </a:rPr>
+              <a:t>{{data}}</a:t>
+            </a:r>
+            <a:r>
+              <a:rPr lang="pt-BR" altLang="pt-BR" sz="2000" dirty="0">
+                <a:solidFill>
+                  <a:schemeClr val="tx1">
+                    <a:lumMod val="65000"/>
+                    <a:lumOff val="35000"/>
+                  </a:schemeClr>
+                </a:solidFill>
+              </a:rPr>
+              <a:t>, </a:t>
+            </a:r>
+          </a:p>
+          <a:p>
+            <a:pPr marL="0" indent="0" eaLnBrk="0" fontAlgn="base" hangingPunct="0">
+              <a:lnSpc>
+                <a:spcPct val="100000"/>
+              </a:lnSpc>
+              <a:spcBef>
+                <a:spcPct val="0"/>
+              </a:spcBef>
+              <a:spcAft>
+                <a:spcPct val="0"/>
+              </a:spcAft>
+              <a:buFontTx/>
+              <a:buNone/>
+            </a:pPr>
+            <a:r>
+              <a:rPr lang="pt-BR" altLang="pt-BR" sz="2000" dirty="0">
+                <a:solidFill>
+                  <a:schemeClr val="tx1">
+                    <a:lumMod val="65000"/>
+                    <a:lumOff val="35000"/>
+                  </a:schemeClr>
+                </a:solidFill>
+                <a:latin typeface="Arial Unicode MS"/>
+              </a:rPr>
+              <a:t>{{link}}</a:t>
+            </a:r>
+            <a:r>
+              <a:rPr lang="pt-BR" altLang="pt-BR" sz="2000" dirty="0">
+                <a:solidFill>
+                  <a:schemeClr val="tx1">
+                    <a:lumMod val="65000"/>
+                    <a:lumOff val="35000"/>
+                  </a:schemeClr>
+                </a:solidFill>
+              </a:rPr>
+              <a:t> </a:t>
+            </a:r>
+            <a:endParaRPr lang="pt-BR" altLang="pt-BR" sz="2000" dirty="0">
+              <a:solidFill>
+                <a:schemeClr val="tx1">
+                  <a:lumMod val="65000"/>
+                  <a:lumOff val="35000"/>
+                </a:schemeClr>
+              </a:solidFill>
+              <a:latin typeface="Arial" panose="020B0604020202020204" pitchFamily="34" charset="0"/>
+            </a:endParaRPr>
+          </a:p>
+        </p:txBody>
+      </p:sp>
     </p:spTree>
     <p:extLst>
       <p:ext uri="{BB962C8B-B14F-4D97-AF65-F5344CB8AC3E}">

--- a/template.pptx
+++ b/template.pptx
@@ -3342,8 +3342,8 @@
         </p:nvSpPr>
         <p:spPr bwMode="auto">
           <a:xfrm>
-            <a:off x="178944" y="460346"/>
-            <a:ext cx="3406877" cy="1323439"/>
+            <a:off x="178944" y="768122"/>
+            <a:ext cx="3406877" cy="707886"/>
           </a:xfrm>
           <a:prstGeom prst="rect">
             <a:avLst/>
@@ -3577,99 +3577,7 @@
                 </a:solidFill>
                 <a:latin typeface="Arial Unicode MS"/>
               </a:rPr>
-              <a:t>{{titulo}}, </a:t>
-            </a:r>
-          </a:p>
-          <a:p>
-            <a:pPr marL="0" indent="0" eaLnBrk="0" fontAlgn="base" hangingPunct="0">
-              <a:lnSpc>
-                <a:spcPct val="100000"/>
-              </a:lnSpc>
-              <a:spcBef>
-                <a:spcPct val="0"/>
-              </a:spcBef>
-              <a:spcAft>
-                <a:spcPct val="0"/>
-              </a:spcAft>
-              <a:buFontTx/>
-              <a:buNone/>
-            </a:pPr>
-            <a:r>
-              <a:rPr lang="pt-BR" altLang="pt-BR" sz="2000" dirty="0">
-                <a:solidFill>
-                  <a:schemeClr val="tx1">
-                    <a:lumMod val="65000"/>
-                    <a:lumOff val="35000"/>
-                  </a:schemeClr>
-                </a:solidFill>
-                <a:latin typeface="Arial Unicode MS"/>
-              </a:rPr>
-              <a:t>{{resumo}},</a:t>
-            </a:r>
-          </a:p>
-          <a:p>
-            <a:pPr marL="0" indent="0" eaLnBrk="0" fontAlgn="base" hangingPunct="0">
-              <a:lnSpc>
-                <a:spcPct val="100000"/>
-              </a:lnSpc>
-              <a:spcBef>
-                <a:spcPct val="0"/>
-              </a:spcBef>
-              <a:spcAft>
-                <a:spcPct val="0"/>
-              </a:spcAft>
-              <a:buFontTx/>
-              <a:buNone/>
-            </a:pPr>
-            <a:r>
-              <a:rPr lang="pt-BR" altLang="pt-BR" sz="2000" dirty="0">
-                <a:solidFill>
-                  <a:schemeClr val="tx1">
-                    <a:lumMod val="65000"/>
-                    <a:lumOff val="35000"/>
-                  </a:schemeClr>
-                </a:solidFill>
-                <a:latin typeface="Arial Unicode MS"/>
-              </a:rPr>
-              <a:t>{{data}}</a:t>
-            </a:r>
-            <a:r>
-              <a:rPr lang="pt-BR" altLang="pt-BR" sz="2000" dirty="0">
-                <a:solidFill>
-                  <a:schemeClr val="tx1">
-                    <a:lumMod val="65000"/>
-                    <a:lumOff val="35000"/>
-                  </a:schemeClr>
-                </a:solidFill>
-              </a:rPr>
-              <a:t>, </a:t>
-            </a:r>
-          </a:p>
-          <a:p>
-            <a:pPr marL="0" indent="0" eaLnBrk="0" fontAlgn="base" hangingPunct="0">
-              <a:lnSpc>
-                <a:spcPct val="100000"/>
-              </a:lnSpc>
-              <a:spcBef>
-                <a:spcPct val="0"/>
-              </a:spcBef>
-              <a:spcAft>
-                <a:spcPct val="0"/>
-              </a:spcAft>
-              <a:buFontTx/>
-              <a:buNone/>
-            </a:pPr>
-            <a:r>
-              <a:rPr lang="pt-BR" altLang="pt-BR" sz="2000" dirty="0">
-                <a:solidFill>
-                  <a:schemeClr val="tx1">
-                    <a:lumMod val="65000"/>
-                    <a:lumOff val="35000"/>
-                  </a:schemeClr>
-                </a:solidFill>
-                <a:latin typeface="Arial Unicode MS"/>
-              </a:rPr>
-              <a:t>{{link}}</a:t>
+              <a:t>{{titulo}}{{resumo}} {{data}}{{link}}</a:t>
             </a:r>
             <a:r>
               <a:rPr lang="pt-BR" altLang="pt-BR" sz="2000" dirty="0">
@@ -3802,10 +3710,10 @@
       </p:cxnSp>
       <p:sp>
         <p:nvSpPr>
-          <p:cNvPr id="12" name="Rectangle 1">
-            <a:extLst>
-              <a:ext uri="{FF2B5EF4-FFF2-40B4-BE49-F238E27FC236}">
-                <a16:creationId xmlns:a16="http://schemas.microsoft.com/office/drawing/2014/main" id="{F3766DA4-24CD-62B2-E70B-CFA1306084F1}"/>
+          <p:cNvPr id="2" name="Rectangle 1">
+            <a:extLst>
+              <a:ext uri="{FF2B5EF4-FFF2-40B4-BE49-F238E27FC236}">
+                <a16:creationId xmlns:a16="http://schemas.microsoft.com/office/drawing/2014/main" id="{E66D0F9A-74B4-51FB-E1B6-75CFACD57859}"/>
               </a:ext>
             </a:extLst>
           </p:cNvPr>
@@ -3816,8 +3724,8 @@
         </p:nvSpPr>
         <p:spPr bwMode="auto">
           <a:xfrm>
-            <a:off x="4392558" y="460345"/>
-            <a:ext cx="3406877" cy="1323439"/>
+            <a:off x="4392560" y="768121"/>
+            <a:ext cx="3406877" cy="707886"/>
           </a:xfrm>
           <a:prstGeom prst="rect">
             <a:avLst/>
@@ -4051,99 +3959,7 @@
                 </a:solidFill>
                 <a:latin typeface="Arial Unicode MS"/>
               </a:rPr>
-              <a:t>{{titulo}}, </a:t>
-            </a:r>
-          </a:p>
-          <a:p>
-            <a:pPr marL="0" indent="0" eaLnBrk="0" fontAlgn="base" hangingPunct="0">
-              <a:lnSpc>
-                <a:spcPct val="100000"/>
-              </a:lnSpc>
-              <a:spcBef>
-                <a:spcPct val="0"/>
-              </a:spcBef>
-              <a:spcAft>
-                <a:spcPct val="0"/>
-              </a:spcAft>
-              <a:buFontTx/>
-              <a:buNone/>
-            </a:pPr>
-            <a:r>
-              <a:rPr lang="pt-BR" altLang="pt-BR" sz="2000" dirty="0">
-                <a:solidFill>
-                  <a:schemeClr val="tx1">
-                    <a:lumMod val="65000"/>
-                    <a:lumOff val="35000"/>
-                  </a:schemeClr>
-                </a:solidFill>
-                <a:latin typeface="Arial Unicode MS"/>
-              </a:rPr>
-              <a:t>{{resumo}},</a:t>
-            </a:r>
-          </a:p>
-          <a:p>
-            <a:pPr marL="0" indent="0" eaLnBrk="0" fontAlgn="base" hangingPunct="0">
-              <a:lnSpc>
-                <a:spcPct val="100000"/>
-              </a:lnSpc>
-              <a:spcBef>
-                <a:spcPct val="0"/>
-              </a:spcBef>
-              <a:spcAft>
-                <a:spcPct val="0"/>
-              </a:spcAft>
-              <a:buFontTx/>
-              <a:buNone/>
-            </a:pPr>
-            <a:r>
-              <a:rPr lang="pt-BR" altLang="pt-BR" sz="2000" dirty="0">
-                <a:solidFill>
-                  <a:schemeClr val="tx1">
-                    <a:lumMod val="65000"/>
-                    <a:lumOff val="35000"/>
-                  </a:schemeClr>
-                </a:solidFill>
-                <a:latin typeface="Arial Unicode MS"/>
-              </a:rPr>
-              <a:t>{{data}}</a:t>
-            </a:r>
-            <a:r>
-              <a:rPr lang="pt-BR" altLang="pt-BR" sz="2000" dirty="0">
-                <a:solidFill>
-                  <a:schemeClr val="tx1">
-                    <a:lumMod val="65000"/>
-                    <a:lumOff val="35000"/>
-                  </a:schemeClr>
-                </a:solidFill>
-              </a:rPr>
-              <a:t>, </a:t>
-            </a:r>
-          </a:p>
-          <a:p>
-            <a:pPr marL="0" indent="0" eaLnBrk="0" fontAlgn="base" hangingPunct="0">
-              <a:lnSpc>
-                <a:spcPct val="100000"/>
-              </a:lnSpc>
-              <a:spcBef>
-                <a:spcPct val="0"/>
-              </a:spcBef>
-              <a:spcAft>
-                <a:spcPct val="0"/>
-              </a:spcAft>
-              <a:buFontTx/>
-              <a:buNone/>
-            </a:pPr>
-            <a:r>
-              <a:rPr lang="pt-BR" altLang="pt-BR" sz="2000" dirty="0">
-                <a:solidFill>
-                  <a:schemeClr val="tx1">
-                    <a:lumMod val="65000"/>
-                    <a:lumOff val="35000"/>
-                  </a:schemeClr>
-                </a:solidFill>
-                <a:latin typeface="Arial Unicode MS"/>
-              </a:rPr>
-              <a:t>{{link}}</a:t>
+              <a:t>{{titulo}}{{resumo}} {{data}}{{link}}</a:t>
             </a:r>
             <a:r>
               <a:rPr lang="pt-BR" altLang="pt-BR" sz="2000" dirty="0">
@@ -4170,10 +3986,10 @@
       </p:sp>
       <p:sp>
         <p:nvSpPr>
-          <p:cNvPr id="13" name="Rectangle 1">
-            <a:extLst>
-              <a:ext uri="{FF2B5EF4-FFF2-40B4-BE49-F238E27FC236}">
-                <a16:creationId xmlns:a16="http://schemas.microsoft.com/office/drawing/2014/main" id="{4595C871-8241-3C50-3AF1-58AD65893927}"/>
+          <p:cNvPr id="3" name="Rectangle 1">
+            <a:extLst>
+              <a:ext uri="{FF2B5EF4-FFF2-40B4-BE49-F238E27FC236}">
+                <a16:creationId xmlns:a16="http://schemas.microsoft.com/office/drawing/2014/main" id="{D3E52819-A62C-509D-8C16-0EC8CC22B629}"/>
               </a:ext>
             </a:extLst>
           </p:cNvPr>
@@ -4184,8 +4000,8 @@
         </p:nvSpPr>
         <p:spPr bwMode="auto">
           <a:xfrm>
-            <a:off x="8397243" y="460345"/>
-            <a:ext cx="3406877" cy="1323439"/>
+            <a:off x="8606177" y="768121"/>
+            <a:ext cx="3406877" cy="707886"/>
           </a:xfrm>
           <a:prstGeom prst="rect">
             <a:avLst/>
@@ -4419,99 +4235,7 @@
                 </a:solidFill>
                 <a:latin typeface="Arial Unicode MS"/>
               </a:rPr>
-              <a:t>{{titulo}}, </a:t>
-            </a:r>
-          </a:p>
-          <a:p>
-            <a:pPr marL="0" indent="0" eaLnBrk="0" fontAlgn="base" hangingPunct="0">
-              <a:lnSpc>
-                <a:spcPct val="100000"/>
-              </a:lnSpc>
-              <a:spcBef>
-                <a:spcPct val="0"/>
-              </a:spcBef>
-              <a:spcAft>
-                <a:spcPct val="0"/>
-              </a:spcAft>
-              <a:buFontTx/>
-              <a:buNone/>
-            </a:pPr>
-            <a:r>
-              <a:rPr lang="pt-BR" altLang="pt-BR" sz="2000" dirty="0">
-                <a:solidFill>
-                  <a:schemeClr val="tx1">
-                    <a:lumMod val="65000"/>
-                    <a:lumOff val="35000"/>
-                  </a:schemeClr>
-                </a:solidFill>
-                <a:latin typeface="Arial Unicode MS"/>
-              </a:rPr>
-              <a:t>{{resumo}},</a:t>
-            </a:r>
-          </a:p>
-          <a:p>
-            <a:pPr marL="0" indent="0" eaLnBrk="0" fontAlgn="base" hangingPunct="0">
-              <a:lnSpc>
-                <a:spcPct val="100000"/>
-              </a:lnSpc>
-              <a:spcBef>
-                <a:spcPct val="0"/>
-              </a:spcBef>
-              <a:spcAft>
-                <a:spcPct val="0"/>
-              </a:spcAft>
-              <a:buFontTx/>
-              <a:buNone/>
-            </a:pPr>
-            <a:r>
-              <a:rPr lang="pt-BR" altLang="pt-BR" sz="2000" dirty="0">
-                <a:solidFill>
-                  <a:schemeClr val="tx1">
-                    <a:lumMod val="65000"/>
-                    <a:lumOff val="35000"/>
-                  </a:schemeClr>
-                </a:solidFill>
-                <a:latin typeface="Arial Unicode MS"/>
-              </a:rPr>
-              <a:t>{{data}}</a:t>
-            </a:r>
-            <a:r>
-              <a:rPr lang="pt-BR" altLang="pt-BR" sz="2000" dirty="0">
-                <a:solidFill>
-                  <a:schemeClr val="tx1">
-                    <a:lumMod val="65000"/>
-                    <a:lumOff val="35000"/>
-                  </a:schemeClr>
-                </a:solidFill>
-              </a:rPr>
-              <a:t>, </a:t>
-            </a:r>
-          </a:p>
-          <a:p>
-            <a:pPr marL="0" indent="0" eaLnBrk="0" fontAlgn="base" hangingPunct="0">
-              <a:lnSpc>
-                <a:spcPct val="100000"/>
-              </a:lnSpc>
-              <a:spcBef>
-                <a:spcPct val="0"/>
-              </a:spcBef>
-              <a:spcAft>
-                <a:spcPct val="0"/>
-              </a:spcAft>
-              <a:buFontTx/>
-              <a:buNone/>
-            </a:pPr>
-            <a:r>
-              <a:rPr lang="pt-BR" altLang="pt-BR" sz="2000" dirty="0">
-                <a:solidFill>
-                  <a:schemeClr val="tx1">
-                    <a:lumMod val="65000"/>
-                    <a:lumOff val="35000"/>
-                  </a:schemeClr>
-                </a:solidFill>
-                <a:latin typeface="Arial Unicode MS"/>
-              </a:rPr>
-              <a:t>{{link}}</a:t>
+              <a:t>{{titulo}}{{resumo}} {{data}}{{link}}</a:t>
             </a:r>
             <a:r>
               <a:rPr lang="pt-BR" altLang="pt-BR" sz="2000" dirty="0">
@@ -4538,10 +4262,10 @@
       </p:sp>
       <p:sp>
         <p:nvSpPr>
-          <p:cNvPr id="14" name="Rectangle 1">
-            <a:extLst>
-              <a:ext uri="{FF2B5EF4-FFF2-40B4-BE49-F238E27FC236}">
-                <a16:creationId xmlns:a16="http://schemas.microsoft.com/office/drawing/2014/main" id="{CC5A6D13-A6B0-6004-9003-F5D2DBC01516}"/>
+          <p:cNvPr id="4" name="Rectangle 1">
+            <a:extLst>
+              <a:ext uri="{FF2B5EF4-FFF2-40B4-BE49-F238E27FC236}">
+                <a16:creationId xmlns:a16="http://schemas.microsoft.com/office/drawing/2014/main" id="{29A2A399-8D9A-4A2A-1517-C87ED7361447}"/>
               </a:ext>
             </a:extLst>
           </p:cNvPr>
@@ -4552,8 +4276,8 @@
         </p:nvSpPr>
         <p:spPr bwMode="auto">
           <a:xfrm>
-            <a:off x="406745" y="4255597"/>
-            <a:ext cx="3406877" cy="1323439"/>
+            <a:off x="283413" y="4044794"/>
+            <a:ext cx="3406877" cy="707886"/>
           </a:xfrm>
           <a:prstGeom prst="rect">
             <a:avLst/>
@@ -4787,99 +4511,7 @@
                 </a:solidFill>
                 <a:latin typeface="Arial Unicode MS"/>
               </a:rPr>
-              <a:t>{{titulo}}, </a:t>
-            </a:r>
-          </a:p>
-          <a:p>
-            <a:pPr marL="0" indent="0" eaLnBrk="0" fontAlgn="base" hangingPunct="0">
-              <a:lnSpc>
-                <a:spcPct val="100000"/>
-              </a:lnSpc>
-              <a:spcBef>
-                <a:spcPct val="0"/>
-              </a:spcBef>
-              <a:spcAft>
-                <a:spcPct val="0"/>
-              </a:spcAft>
-              <a:buFontTx/>
-              <a:buNone/>
-            </a:pPr>
-            <a:r>
-              <a:rPr lang="pt-BR" altLang="pt-BR" sz="2000" dirty="0">
-                <a:solidFill>
-                  <a:schemeClr val="tx1">
-                    <a:lumMod val="65000"/>
-                    <a:lumOff val="35000"/>
-                  </a:schemeClr>
-                </a:solidFill>
-                <a:latin typeface="Arial Unicode MS"/>
-              </a:rPr>
-              <a:t>{{resumo}},</a:t>
-            </a:r>
-          </a:p>
-          <a:p>
-            <a:pPr marL="0" indent="0" eaLnBrk="0" fontAlgn="base" hangingPunct="0">
-              <a:lnSpc>
-                <a:spcPct val="100000"/>
-              </a:lnSpc>
-              <a:spcBef>
-                <a:spcPct val="0"/>
-              </a:spcBef>
-              <a:spcAft>
-                <a:spcPct val="0"/>
-              </a:spcAft>
-              <a:buFontTx/>
-              <a:buNone/>
-            </a:pPr>
-            <a:r>
-              <a:rPr lang="pt-BR" altLang="pt-BR" sz="2000" dirty="0">
-                <a:solidFill>
-                  <a:schemeClr val="tx1">
-                    <a:lumMod val="65000"/>
-                    <a:lumOff val="35000"/>
-                  </a:schemeClr>
-                </a:solidFill>
-                <a:latin typeface="Arial Unicode MS"/>
-              </a:rPr>
-              <a:t>{{data}}</a:t>
-            </a:r>
-            <a:r>
-              <a:rPr lang="pt-BR" altLang="pt-BR" sz="2000" dirty="0">
-                <a:solidFill>
-                  <a:schemeClr val="tx1">
-                    <a:lumMod val="65000"/>
-                    <a:lumOff val="35000"/>
-                  </a:schemeClr>
-                </a:solidFill>
-              </a:rPr>
-              <a:t>, </a:t>
-            </a:r>
-          </a:p>
-          <a:p>
-            <a:pPr marL="0" indent="0" eaLnBrk="0" fontAlgn="base" hangingPunct="0">
-              <a:lnSpc>
-                <a:spcPct val="100000"/>
-              </a:lnSpc>
-              <a:spcBef>
-                <a:spcPct val="0"/>
-              </a:spcBef>
-              <a:spcAft>
-                <a:spcPct val="0"/>
-              </a:spcAft>
-              <a:buFontTx/>
-              <a:buNone/>
-            </a:pPr>
-            <a:r>
-              <a:rPr lang="pt-BR" altLang="pt-BR" sz="2000" dirty="0">
-                <a:solidFill>
-                  <a:schemeClr val="tx1">
-                    <a:lumMod val="65000"/>
-                    <a:lumOff val="35000"/>
-                  </a:schemeClr>
-                </a:solidFill>
-                <a:latin typeface="Arial Unicode MS"/>
-              </a:rPr>
-              <a:t>{{link}}</a:t>
+              <a:t>{{titulo}}{{resumo}} {{data}}{{link}}</a:t>
             </a:r>
             <a:r>
               <a:rPr lang="pt-BR" altLang="pt-BR" sz="2000" dirty="0">
@@ -4906,10 +4538,10 @@
       </p:sp>
       <p:sp>
         <p:nvSpPr>
-          <p:cNvPr id="15" name="Rectangle 1">
-            <a:extLst>
-              <a:ext uri="{FF2B5EF4-FFF2-40B4-BE49-F238E27FC236}">
-                <a16:creationId xmlns:a16="http://schemas.microsoft.com/office/drawing/2014/main" id="{A5189E6D-DA96-3A74-E215-477E8810F5EC}"/>
+          <p:cNvPr id="5" name="Rectangle 1">
+            <a:extLst>
+              <a:ext uri="{FF2B5EF4-FFF2-40B4-BE49-F238E27FC236}">
+                <a16:creationId xmlns:a16="http://schemas.microsoft.com/office/drawing/2014/main" id="{DE9C2D98-6C0E-051F-120C-E03832FD965C}"/>
               </a:ext>
             </a:extLst>
           </p:cNvPr>
@@ -4920,8 +4552,8 @@
         </p:nvSpPr>
         <p:spPr bwMode="auto">
           <a:xfrm>
-            <a:off x="4743698" y="4255596"/>
-            <a:ext cx="3406877" cy="1323439"/>
+            <a:off x="4540539" y="4044794"/>
+            <a:ext cx="3406877" cy="707886"/>
           </a:xfrm>
           <a:prstGeom prst="rect">
             <a:avLst/>
@@ -5155,99 +4787,7 @@
                 </a:solidFill>
                 <a:latin typeface="Arial Unicode MS"/>
               </a:rPr>
-              <a:t>{{titulo}}, </a:t>
-            </a:r>
-          </a:p>
-          <a:p>
-            <a:pPr marL="0" indent="0" eaLnBrk="0" fontAlgn="base" hangingPunct="0">
-              <a:lnSpc>
-                <a:spcPct val="100000"/>
-              </a:lnSpc>
-              <a:spcBef>
-                <a:spcPct val="0"/>
-              </a:spcBef>
-              <a:spcAft>
-                <a:spcPct val="0"/>
-              </a:spcAft>
-              <a:buFontTx/>
-              <a:buNone/>
-            </a:pPr>
-            <a:r>
-              <a:rPr lang="pt-BR" altLang="pt-BR" sz="2000" dirty="0">
-                <a:solidFill>
-                  <a:schemeClr val="tx1">
-                    <a:lumMod val="65000"/>
-                    <a:lumOff val="35000"/>
-                  </a:schemeClr>
-                </a:solidFill>
-                <a:latin typeface="Arial Unicode MS"/>
-              </a:rPr>
-              <a:t>{{resumo}},</a:t>
-            </a:r>
-          </a:p>
-          <a:p>
-            <a:pPr marL="0" indent="0" eaLnBrk="0" fontAlgn="base" hangingPunct="0">
-              <a:lnSpc>
-                <a:spcPct val="100000"/>
-              </a:lnSpc>
-              <a:spcBef>
-                <a:spcPct val="0"/>
-              </a:spcBef>
-              <a:spcAft>
-                <a:spcPct val="0"/>
-              </a:spcAft>
-              <a:buFontTx/>
-              <a:buNone/>
-            </a:pPr>
-            <a:r>
-              <a:rPr lang="pt-BR" altLang="pt-BR" sz="2000" dirty="0">
-                <a:solidFill>
-                  <a:schemeClr val="tx1">
-                    <a:lumMod val="65000"/>
-                    <a:lumOff val="35000"/>
-                  </a:schemeClr>
-                </a:solidFill>
-                <a:latin typeface="Arial Unicode MS"/>
-              </a:rPr>
-              <a:t>{{data}}</a:t>
-            </a:r>
-            <a:r>
-              <a:rPr lang="pt-BR" altLang="pt-BR" sz="2000" dirty="0">
-                <a:solidFill>
-                  <a:schemeClr val="tx1">
-                    <a:lumMod val="65000"/>
-                    <a:lumOff val="35000"/>
-                  </a:schemeClr>
-                </a:solidFill>
-              </a:rPr>
-              <a:t>, </a:t>
-            </a:r>
-          </a:p>
-          <a:p>
-            <a:pPr marL="0" indent="0" eaLnBrk="0" fontAlgn="base" hangingPunct="0">
-              <a:lnSpc>
-                <a:spcPct val="100000"/>
-              </a:lnSpc>
-              <a:spcBef>
-                <a:spcPct val="0"/>
-              </a:spcBef>
-              <a:spcAft>
-                <a:spcPct val="0"/>
-              </a:spcAft>
-              <a:buFontTx/>
-              <a:buNone/>
-            </a:pPr>
-            <a:r>
-              <a:rPr lang="pt-BR" altLang="pt-BR" sz="2000" dirty="0">
-                <a:solidFill>
-                  <a:schemeClr val="tx1">
-                    <a:lumMod val="65000"/>
-                    <a:lumOff val="35000"/>
-                  </a:schemeClr>
-                </a:solidFill>
-                <a:latin typeface="Arial Unicode MS"/>
-              </a:rPr>
-              <a:t>{{link}}</a:t>
+              <a:t>{{titulo}}{{resumo}} {{data}}{{link}}</a:t>
             </a:r>
             <a:r>
               <a:rPr lang="pt-BR" altLang="pt-BR" sz="2000" dirty="0">
@@ -5274,10 +4814,10 @@
       </p:sp>
       <p:sp>
         <p:nvSpPr>
-          <p:cNvPr id="16" name="Rectangle 1">
-            <a:extLst>
-              <a:ext uri="{FF2B5EF4-FFF2-40B4-BE49-F238E27FC236}">
-                <a16:creationId xmlns:a16="http://schemas.microsoft.com/office/drawing/2014/main" id="{BB2FF022-8FBC-3FC2-CBEB-3978F0636AEC}"/>
+          <p:cNvPr id="6" name="Rectangle 1">
+            <a:extLst>
+              <a:ext uri="{FF2B5EF4-FFF2-40B4-BE49-F238E27FC236}">
+                <a16:creationId xmlns:a16="http://schemas.microsoft.com/office/drawing/2014/main" id="{92F10C20-7ABF-7D0A-9399-3919B621ADD2}"/>
               </a:ext>
             </a:extLst>
           </p:cNvPr>
@@ -5288,8 +4828,8 @@
         </p:nvSpPr>
         <p:spPr bwMode="auto">
           <a:xfrm>
-            <a:off x="8501710" y="4255595"/>
-            <a:ext cx="3406877" cy="1323439"/>
+            <a:off x="8501710" y="4044794"/>
+            <a:ext cx="3406877" cy="707886"/>
           </a:xfrm>
           <a:prstGeom prst="rect">
             <a:avLst/>
@@ -5523,99 +5063,7 @@
                 </a:solidFill>
                 <a:latin typeface="Arial Unicode MS"/>
               </a:rPr>
-              <a:t>{{titulo}}, </a:t>
-            </a:r>
-          </a:p>
-          <a:p>
-            <a:pPr marL="0" indent="0" eaLnBrk="0" fontAlgn="base" hangingPunct="0">
-              <a:lnSpc>
-                <a:spcPct val="100000"/>
-              </a:lnSpc>
-              <a:spcBef>
-                <a:spcPct val="0"/>
-              </a:spcBef>
-              <a:spcAft>
-                <a:spcPct val="0"/>
-              </a:spcAft>
-              <a:buFontTx/>
-              <a:buNone/>
-            </a:pPr>
-            <a:r>
-              <a:rPr lang="pt-BR" altLang="pt-BR" sz="2000" dirty="0">
-                <a:solidFill>
-                  <a:schemeClr val="tx1">
-                    <a:lumMod val="65000"/>
-                    <a:lumOff val="35000"/>
-                  </a:schemeClr>
-                </a:solidFill>
-                <a:latin typeface="Arial Unicode MS"/>
-              </a:rPr>
-              <a:t>{{resumo}},</a:t>
-            </a:r>
-          </a:p>
-          <a:p>
-            <a:pPr marL="0" indent="0" eaLnBrk="0" fontAlgn="base" hangingPunct="0">
-              <a:lnSpc>
-                <a:spcPct val="100000"/>
-              </a:lnSpc>
-              <a:spcBef>
-                <a:spcPct val="0"/>
-              </a:spcBef>
-              <a:spcAft>
-                <a:spcPct val="0"/>
-              </a:spcAft>
-              <a:buFontTx/>
-              <a:buNone/>
-            </a:pPr>
-            <a:r>
-              <a:rPr lang="pt-BR" altLang="pt-BR" sz="2000" dirty="0">
-                <a:solidFill>
-                  <a:schemeClr val="tx1">
-                    <a:lumMod val="65000"/>
-                    <a:lumOff val="35000"/>
-                  </a:schemeClr>
-                </a:solidFill>
-                <a:latin typeface="Arial Unicode MS"/>
-              </a:rPr>
-              <a:t>{{data}}</a:t>
-            </a:r>
-            <a:r>
-              <a:rPr lang="pt-BR" altLang="pt-BR" sz="2000" dirty="0">
-                <a:solidFill>
-                  <a:schemeClr val="tx1">
-                    <a:lumMod val="65000"/>
-                    <a:lumOff val="35000"/>
-                  </a:schemeClr>
-                </a:solidFill>
-              </a:rPr>
-              <a:t>, </a:t>
-            </a:r>
-          </a:p>
-          <a:p>
-            <a:pPr marL="0" indent="0" eaLnBrk="0" fontAlgn="base" hangingPunct="0">
-              <a:lnSpc>
-                <a:spcPct val="100000"/>
-              </a:lnSpc>
-              <a:spcBef>
-                <a:spcPct val="0"/>
-              </a:spcBef>
-              <a:spcAft>
-                <a:spcPct val="0"/>
-              </a:spcAft>
-              <a:buFontTx/>
-              <a:buNone/>
-            </a:pPr>
-            <a:r>
-              <a:rPr lang="pt-BR" altLang="pt-BR" sz="2000" dirty="0">
-                <a:solidFill>
-                  <a:schemeClr val="tx1">
-                    <a:lumMod val="65000"/>
-                    <a:lumOff val="35000"/>
-                  </a:schemeClr>
-                </a:solidFill>
-                <a:latin typeface="Arial Unicode MS"/>
-              </a:rPr>
-              <a:t>{{link}}</a:t>
+              <a:t>{{titulo}}{{resumo}} {{data}}{{link}}</a:t>
             </a:r>
             <a:r>
               <a:rPr lang="pt-BR" altLang="pt-BR" sz="2000" dirty="0">

--- a/template.pptx
+++ b/template.pptx
@@ -3342,8 +3342,8 @@
         </p:nvSpPr>
         <p:spPr bwMode="auto">
           <a:xfrm>
-            <a:off x="178944" y="768122"/>
-            <a:ext cx="3406877" cy="707886"/>
+            <a:off x="178944" y="922010"/>
+            <a:ext cx="3406877" cy="400110"/>
           </a:xfrm>
           <a:prstGeom prst="rect">
             <a:avLst/>
@@ -3577,18 +3577,7 @@
                 </a:solidFill>
                 <a:latin typeface="Arial Unicode MS"/>
               </a:rPr>
-              <a:t>{{titulo}}{{resumo}} {{data}}{{link}}</a:t>
-            </a:r>
-            <a:r>
-              <a:rPr lang="pt-BR" altLang="pt-BR" sz="2000" dirty="0">
-                <a:solidFill>
-                  <a:schemeClr val="tx1">
-                    <a:lumMod val="65000"/>
-                    <a:lumOff val="35000"/>
-                  </a:schemeClr>
-                </a:solidFill>
-              </a:rPr>
-              <a:t> </a:t>
+              <a:t>{{titulo}}</a:t>
             </a:r>
             <a:endParaRPr lang="pt-BR" altLang="pt-BR" sz="2000" dirty="0">
               <a:solidFill>

--- a/template.pptx
+++ b/template.pptx
@@ -3328,271 +3328,6 @@
       </p:grpSpPr>
       <p:sp>
         <p:nvSpPr>
-          <p:cNvPr id="7" name="Rectangle 1">
-            <a:extLst>
-              <a:ext uri="{FF2B5EF4-FFF2-40B4-BE49-F238E27FC236}">
-                <a16:creationId xmlns:a16="http://schemas.microsoft.com/office/drawing/2014/main" id="{138FD3A7-415B-E588-CF26-A29317CC133B}"/>
-              </a:ext>
-            </a:extLst>
-          </p:cNvPr>
-          <p:cNvSpPr txBox="1">
-            <a:spLocks noChangeArrowheads="1"/>
-          </p:cNvSpPr>
-          <p:nvPr/>
-        </p:nvSpPr>
-        <p:spPr bwMode="auto">
-          <a:xfrm>
-            <a:off x="178944" y="922010"/>
-            <a:ext cx="3406877" cy="400110"/>
-          </a:xfrm>
-          <a:prstGeom prst="rect">
-            <a:avLst/>
-          </a:prstGeom>
-          <a:noFill/>
-          <a:ln>
-            <a:noFill/>
-          </a:ln>
-          <a:effectLst/>
-          <a:extLst>
-            <a:ext uri="{909E8E84-426E-40DD-AFC4-6F175D3DCCD1}">
-              <a14:hiddenFill xmlns:a14="http://schemas.microsoft.com/office/drawing/2010/main">
-                <a:solidFill>
-                  <a:schemeClr val="accent1"/>
-                </a:solidFill>
-              </a14:hiddenFill>
-            </a:ext>
-            <a:ext uri="{91240B29-F687-4F45-9708-019B960494DF}">
-              <a14:hiddenLine xmlns:a14="http://schemas.microsoft.com/office/drawing/2010/main" w="9525">
-                <a:solidFill>
-                  <a:schemeClr val="tx1"/>
-                </a:solidFill>
-                <a:miter lim="800000"/>
-                <a:headEnd/>
-                <a:tailEnd/>
-              </a14:hiddenLine>
-            </a:ext>
-            <a:ext uri="{AF507438-7753-43E0-B8FC-AC1667EBCBE1}">
-              <a14:hiddenEffects xmlns:a14="http://schemas.microsoft.com/office/drawing/2010/main">
-                <a:effectLst>
-                  <a:outerShdw dist="35921" dir="2700000" algn="ctr" rotWithShape="0">
-                    <a:schemeClr val="bg2"/>
-                  </a:outerShdw>
-                </a:effectLst>
-              </a14:hiddenEffects>
-            </a:ext>
-          </a:extLst>
-        </p:spPr>
-        <p:txBody>
-          <a:bodyPr vert="horz" wrap="square" lIns="91440" tIns="45720" rIns="91440" bIns="45720" numCol="1" rtlCol="0" anchor="ctr" anchorCtr="0" compatLnSpc="1">
-            <a:prstTxWarp prst="textNoShape">
-              <a:avLst/>
-            </a:prstTxWarp>
-            <a:spAutoFit/>
-          </a:bodyPr>
-          <a:lstStyle>
-            <a:lvl1pPr marL="228600" indent="-228600" algn="l" defTabSz="914400" rtl="0" eaLnBrk="1" latinLnBrk="0" hangingPunct="1">
-              <a:lnSpc>
-                <a:spcPct val="90000"/>
-              </a:lnSpc>
-              <a:spcBef>
-                <a:spcPts val="1000"/>
-              </a:spcBef>
-              <a:buFont typeface="Arial" panose="020B0604020202020204" pitchFamily="34" charset="0"/>
-              <a:buChar char="•"/>
-              <a:defRPr sz="2800" kern="1200">
-                <a:solidFill>
-                  <a:schemeClr val="tx1"/>
-                </a:solidFill>
-                <a:latin typeface="+mn-lt"/>
-                <a:ea typeface="+mn-ea"/>
-                <a:cs typeface="+mn-cs"/>
-              </a:defRPr>
-            </a:lvl1pPr>
-            <a:lvl2pPr marL="685800" indent="-228600" algn="l" defTabSz="914400" rtl="0" eaLnBrk="1" latinLnBrk="0" hangingPunct="1">
-              <a:lnSpc>
-                <a:spcPct val="90000"/>
-              </a:lnSpc>
-              <a:spcBef>
-                <a:spcPts val="500"/>
-              </a:spcBef>
-              <a:buFont typeface="Arial" panose="020B0604020202020204" pitchFamily="34" charset="0"/>
-              <a:buChar char="•"/>
-              <a:defRPr sz="2400" kern="1200">
-                <a:solidFill>
-                  <a:schemeClr val="tx1"/>
-                </a:solidFill>
-                <a:latin typeface="+mn-lt"/>
-                <a:ea typeface="+mn-ea"/>
-                <a:cs typeface="+mn-cs"/>
-              </a:defRPr>
-            </a:lvl2pPr>
-            <a:lvl3pPr marL="1143000" indent="-228600" algn="l" defTabSz="914400" rtl="0" eaLnBrk="1" latinLnBrk="0" hangingPunct="1">
-              <a:lnSpc>
-                <a:spcPct val="90000"/>
-              </a:lnSpc>
-              <a:spcBef>
-                <a:spcPts val="500"/>
-              </a:spcBef>
-              <a:buFont typeface="Arial" panose="020B0604020202020204" pitchFamily="34" charset="0"/>
-              <a:buChar char="•"/>
-              <a:defRPr sz="2000" kern="1200">
-                <a:solidFill>
-                  <a:schemeClr val="tx1"/>
-                </a:solidFill>
-                <a:latin typeface="+mn-lt"/>
-                <a:ea typeface="+mn-ea"/>
-                <a:cs typeface="+mn-cs"/>
-              </a:defRPr>
-            </a:lvl3pPr>
-            <a:lvl4pPr marL="1600200" indent="-228600" algn="l" defTabSz="914400" rtl="0" eaLnBrk="1" latinLnBrk="0" hangingPunct="1">
-              <a:lnSpc>
-                <a:spcPct val="90000"/>
-              </a:lnSpc>
-              <a:spcBef>
-                <a:spcPts val="500"/>
-              </a:spcBef>
-              <a:buFont typeface="Arial" panose="020B0604020202020204" pitchFamily="34" charset="0"/>
-              <a:buChar char="•"/>
-              <a:defRPr sz="1800" kern="1200">
-                <a:solidFill>
-                  <a:schemeClr val="tx1"/>
-                </a:solidFill>
-                <a:latin typeface="+mn-lt"/>
-                <a:ea typeface="+mn-ea"/>
-                <a:cs typeface="+mn-cs"/>
-              </a:defRPr>
-            </a:lvl4pPr>
-            <a:lvl5pPr marL="2057400" indent="-228600" algn="l" defTabSz="914400" rtl="0" eaLnBrk="1" latinLnBrk="0" hangingPunct="1">
-              <a:lnSpc>
-                <a:spcPct val="90000"/>
-              </a:lnSpc>
-              <a:spcBef>
-                <a:spcPts val="500"/>
-              </a:spcBef>
-              <a:buFont typeface="Arial" panose="020B0604020202020204" pitchFamily="34" charset="0"/>
-              <a:buChar char="•"/>
-              <a:defRPr sz="1800" kern="1200">
-                <a:solidFill>
-                  <a:schemeClr val="tx1"/>
-                </a:solidFill>
-                <a:latin typeface="+mn-lt"/>
-                <a:ea typeface="+mn-ea"/>
-                <a:cs typeface="+mn-cs"/>
-              </a:defRPr>
-            </a:lvl5pPr>
-            <a:lvl6pPr marL="2514600" indent="-228600" algn="l" defTabSz="914400" rtl="0" eaLnBrk="1" latinLnBrk="0" hangingPunct="1">
-              <a:lnSpc>
-                <a:spcPct val="90000"/>
-              </a:lnSpc>
-              <a:spcBef>
-                <a:spcPts val="500"/>
-              </a:spcBef>
-              <a:buFont typeface="Arial" panose="020B0604020202020204" pitchFamily="34" charset="0"/>
-              <a:buChar char="•"/>
-              <a:defRPr sz="1800" kern="1200">
-                <a:solidFill>
-                  <a:schemeClr val="tx1"/>
-                </a:solidFill>
-                <a:latin typeface="+mn-lt"/>
-                <a:ea typeface="+mn-ea"/>
-                <a:cs typeface="+mn-cs"/>
-              </a:defRPr>
-            </a:lvl6pPr>
-            <a:lvl7pPr marL="2971800" indent="-228600" algn="l" defTabSz="914400" rtl="0" eaLnBrk="1" latinLnBrk="0" hangingPunct="1">
-              <a:lnSpc>
-                <a:spcPct val="90000"/>
-              </a:lnSpc>
-              <a:spcBef>
-                <a:spcPts val="500"/>
-              </a:spcBef>
-              <a:buFont typeface="Arial" panose="020B0604020202020204" pitchFamily="34" charset="0"/>
-              <a:buChar char="•"/>
-              <a:defRPr sz="1800" kern="1200">
-                <a:solidFill>
-                  <a:schemeClr val="tx1"/>
-                </a:solidFill>
-                <a:latin typeface="+mn-lt"/>
-                <a:ea typeface="+mn-ea"/>
-                <a:cs typeface="+mn-cs"/>
-              </a:defRPr>
-            </a:lvl7pPr>
-            <a:lvl8pPr marL="3429000" indent="-228600" algn="l" defTabSz="914400" rtl="0" eaLnBrk="1" latinLnBrk="0" hangingPunct="1">
-              <a:lnSpc>
-                <a:spcPct val="90000"/>
-              </a:lnSpc>
-              <a:spcBef>
-                <a:spcPts val="500"/>
-              </a:spcBef>
-              <a:buFont typeface="Arial" panose="020B0604020202020204" pitchFamily="34" charset="0"/>
-              <a:buChar char="•"/>
-              <a:defRPr sz="1800" kern="1200">
-                <a:solidFill>
-                  <a:schemeClr val="tx1"/>
-                </a:solidFill>
-                <a:latin typeface="+mn-lt"/>
-                <a:ea typeface="+mn-ea"/>
-                <a:cs typeface="+mn-cs"/>
-              </a:defRPr>
-            </a:lvl8pPr>
-            <a:lvl9pPr marL="3886200" indent="-228600" algn="l" defTabSz="914400" rtl="0" eaLnBrk="1" latinLnBrk="0" hangingPunct="1">
-              <a:lnSpc>
-                <a:spcPct val="90000"/>
-              </a:lnSpc>
-              <a:spcBef>
-                <a:spcPts val="500"/>
-              </a:spcBef>
-              <a:buFont typeface="Arial" panose="020B0604020202020204" pitchFamily="34" charset="0"/>
-              <a:buChar char="•"/>
-              <a:defRPr sz="1800" kern="1200">
-                <a:solidFill>
-                  <a:schemeClr val="tx1"/>
-                </a:solidFill>
-                <a:latin typeface="+mn-lt"/>
-                <a:ea typeface="+mn-ea"/>
-                <a:cs typeface="+mn-cs"/>
-              </a:defRPr>
-            </a:lvl9pPr>
-          </a:lstStyle>
-          <a:p>
-            <a:pPr marL="0" indent="0" eaLnBrk="0" fontAlgn="base" hangingPunct="0">
-              <a:lnSpc>
-                <a:spcPct val="100000"/>
-              </a:lnSpc>
-              <a:spcBef>
-                <a:spcPct val="0"/>
-              </a:spcBef>
-              <a:spcAft>
-                <a:spcPct val="0"/>
-              </a:spcAft>
-              <a:buFontTx/>
-              <a:buNone/>
-            </a:pPr>
-            <a:r>
-              <a:rPr lang="pt-BR" altLang="pt-BR" sz="2000" dirty="0">
-                <a:solidFill>
-                  <a:schemeClr val="tx1">
-                    <a:lumMod val="65000"/>
-                    <a:lumOff val="35000"/>
-                  </a:schemeClr>
-                </a:solidFill>
-                <a:latin typeface="Arial Unicode MS"/>
-              </a:rPr>
-              <a:t>{{titulo}}</a:t>
-            </a:r>
-            <a:endParaRPr lang="pt-BR" altLang="pt-BR" sz="2000" dirty="0">
-              <a:solidFill>
-                <a:schemeClr val="tx1">
-                  <a:lumMod val="65000"/>
-                  <a:lumOff val="35000"/>
-                </a:schemeClr>
-              </a:solidFill>
-              <a:latin typeface="Arial" panose="020B0604020202020204" pitchFamily="34" charset="0"/>
-            </a:endParaRPr>
-          </a:p>
-        </p:txBody>
-      </p:sp>
-      <p:sp>
-        <p:nvSpPr>
           <p:cNvPr id="8" name="Retângulo 7">
             <a:extLst>
               <a:ext uri="{FF2B5EF4-FFF2-40B4-BE49-F238E27FC236}">
@@ -3699,10 +3434,10 @@
       </p:cxnSp>
       <p:sp>
         <p:nvSpPr>
-          <p:cNvPr id="2" name="Rectangle 1">
-            <a:extLst>
-              <a:ext uri="{FF2B5EF4-FFF2-40B4-BE49-F238E27FC236}">
-                <a16:creationId xmlns:a16="http://schemas.microsoft.com/office/drawing/2014/main" id="{E66D0F9A-74B4-51FB-E1B6-75CFACD57859}"/>
+          <p:cNvPr id="4" name="Rectangle 1">
+            <a:extLst>
+              <a:ext uri="{FF2B5EF4-FFF2-40B4-BE49-F238E27FC236}">
+                <a16:creationId xmlns:a16="http://schemas.microsoft.com/office/drawing/2014/main" id="{29A2A399-8D9A-4A2A-1517-C87ED7361447}"/>
               </a:ext>
             </a:extLst>
           </p:cNvPr>
@@ -3713,7 +3448,7 @@
         </p:nvSpPr>
         <p:spPr bwMode="auto">
           <a:xfrm>
-            <a:off x="4392560" y="768121"/>
+            <a:off x="283413" y="4044794"/>
             <a:ext cx="3406877" cy="707886"/>
           </a:xfrm>
           <a:prstGeom prst="rect">
@@ -3975,10 +3710,10 @@
       </p:sp>
       <p:sp>
         <p:nvSpPr>
-          <p:cNvPr id="3" name="Rectangle 1">
-            <a:extLst>
-              <a:ext uri="{FF2B5EF4-FFF2-40B4-BE49-F238E27FC236}">
-                <a16:creationId xmlns:a16="http://schemas.microsoft.com/office/drawing/2014/main" id="{D3E52819-A62C-509D-8C16-0EC8CC22B629}"/>
+          <p:cNvPr id="5" name="Rectangle 1">
+            <a:extLst>
+              <a:ext uri="{FF2B5EF4-FFF2-40B4-BE49-F238E27FC236}">
+                <a16:creationId xmlns:a16="http://schemas.microsoft.com/office/drawing/2014/main" id="{DE9C2D98-6C0E-051F-120C-E03832FD965C}"/>
               </a:ext>
             </a:extLst>
           </p:cNvPr>
@@ -3989,7 +3724,7 @@
         </p:nvSpPr>
         <p:spPr bwMode="auto">
           <a:xfrm>
-            <a:off x="8606177" y="768121"/>
+            <a:off x="4540539" y="4044794"/>
             <a:ext cx="3406877" cy="707886"/>
           </a:xfrm>
           <a:prstGeom prst="rect">
@@ -4251,10 +3986,10 @@
       </p:sp>
       <p:sp>
         <p:nvSpPr>
-          <p:cNvPr id="4" name="Rectangle 1">
-            <a:extLst>
-              <a:ext uri="{FF2B5EF4-FFF2-40B4-BE49-F238E27FC236}">
-                <a16:creationId xmlns:a16="http://schemas.microsoft.com/office/drawing/2014/main" id="{29A2A399-8D9A-4A2A-1517-C87ED7361447}"/>
+          <p:cNvPr id="6" name="Rectangle 1">
+            <a:extLst>
+              <a:ext uri="{FF2B5EF4-FFF2-40B4-BE49-F238E27FC236}">
+                <a16:creationId xmlns:a16="http://schemas.microsoft.com/office/drawing/2014/main" id="{92F10C20-7ABF-7D0A-9399-3919B621ADD2}"/>
               </a:ext>
             </a:extLst>
           </p:cNvPr>
@@ -4265,7 +4000,7 @@
         </p:nvSpPr>
         <p:spPr bwMode="auto">
           <a:xfrm>
-            <a:off x="283413" y="4044794"/>
+            <a:off x="8501710" y="4044794"/>
             <a:ext cx="3406877" cy="707886"/>
           </a:xfrm>
           <a:prstGeom prst="rect">
@@ -4527,247 +4262,34 @@
       </p:sp>
       <p:sp>
         <p:nvSpPr>
-          <p:cNvPr id="5" name="Rectangle 1">
-            <a:extLst>
-              <a:ext uri="{FF2B5EF4-FFF2-40B4-BE49-F238E27FC236}">
-                <a16:creationId xmlns:a16="http://schemas.microsoft.com/office/drawing/2014/main" id="{DE9C2D98-6C0E-051F-120C-E03832FD965C}"/>
-              </a:ext>
-            </a:extLst>
-          </p:cNvPr>
-          <p:cNvSpPr txBox="1">
-            <a:spLocks noChangeArrowheads="1"/>
-          </p:cNvSpPr>
+          <p:cNvPr id="12" name="CaixaDeTexto 11">
+            <a:extLst>
+              <a:ext uri="{FF2B5EF4-FFF2-40B4-BE49-F238E27FC236}">
+                <a16:creationId xmlns:a16="http://schemas.microsoft.com/office/drawing/2014/main" id="{2E858F04-D6C0-5976-122C-213AD4336580}"/>
+              </a:ext>
+            </a:extLst>
+          </p:cNvPr>
+          <p:cNvSpPr txBox="1"/>
           <p:nvPr/>
         </p:nvSpPr>
-        <p:spPr bwMode="auto">
+        <p:spPr>
           <a:xfrm>
-            <a:off x="4540539" y="4044794"/>
-            <a:ext cx="3406877" cy="707886"/>
+            <a:off x="283408" y="768121"/>
+            <a:ext cx="2415547" cy="646331"/>
           </a:xfrm>
           <a:prstGeom prst="rect">
             <a:avLst/>
           </a:prstGeom>
           <a:noFill/>
-          <a:ln>
-            <a:noFill/>
-          </a:ln>
-          <a:effectLst/>
-          <a:extLst>
-            <a:ext uri="{909E8E84-426E-40DD-AFC4-6F175D3DCCD1}">
-              <a14:hiddenFill xmlns:a14="http://schemas.microsoft.com/office/drawing/2010/main">
-                <a:solidFill>
-                  <a:schemeClr val="accent1"/>
-                </a:solidFill>
-              </a14:hiddenFill>
-            </a:ext>
-            <a:ext uri="{91240B29-F687-4F45-9708-019B960494DF}">
-              <a14:hiddenLine xmlns:a14="http://schemas.microsoft.com/office/drawing/2010/main" w="9525">
-                <a:solidFill>
-                  <a:schemeClr val="tx1"/>
-                </a:solidFill>
-                <a:miter lim="800000"/>
-                <a:headEnd/>
-                <a:tailEnd/>
-              </a14:hiddenLine>
-            </a:ext>
-            <a:ext uri="{AF507438-7753-43E0-B8FC-AC1667EBCBE1}">
-              <a14:hiddenEffects xmlns:a14="http://schemas.microsoft.com/office/drawing/2010/main">
-                <a:effectLst>
-                  <a:outerShdw dist="35921" dir="2700000" algn="ctr" rotWithShape="0">
-                    <a:schemeClr val="bg2"/>
-                  </a:outerShdw>
-                </a:effectLst>
-              </a14:hiddenEffects>
-            </a:ext>
-          </a:extLst>
         </p:spPr>
         <p:txBody>
-          <a:bodyPr vert="horz" wrap="square" lIns="91440" tIns="45720" rIns="91440" bIns="45720" numCol="1" rtlCol="0" anchor="ctr" anchorCtr="0" compatLnSpc="1">
-            <a:prstTxWarp prst="textNoShape">
-              <a:avLst/>
-            </a:prstTxWarp>
+          <a:bodyPr wrap="square" rtlCol="0">
             <a:spAutoFit/>
           </a:bodyPr>
-          <a:lstStyle>
-            <a:lvl1pPr marL="228600" indent="-228600" algn="l" defTabSz="914400" rtl="0" eaLnBrk="1" latinLnBrk="0" hangingPunct="1">
-              <a:lnSpc>
-                <a:spcPct val="90000"/>
-              </a:lnSpc>
-              <a:spcBef>
-                <a:spcPts val="1000"/>
-              </a:spcBef>
-              <a:buFont typeface="Arial" panose="020B0604020202020204" pitchFamily="34" charset="0"/>
-              <a:buChar char="•"/>
-              <a:defRPr sz="2800" kern="1200">
-                <a:solidFill>
-                  <a:schemeClr val="tx1"/>
-                </a:solidFill>
-                <a:latin typeface="+mn-lt"/>
-                <a:ea typeface="+mn-ea"/>
-                <a:cs typeface="+mn-cs"/>
-              </a:defRPr>
-            </a:lvl1pPr>
-            <a:lvl2pPr marL="685800" indent="-228600" algn="l" defTabSz="914400" rtl="0" eaLnBrk="1" latinLnBrk="0" hangingPunct="1">
-              <a:lnSpc>
-                <a:spcPct val="90000"/>
-              </a:lnSpc>
-              <a:spcBef>
-                <a:spcPts val="500"/>
-              </a:spcBef>
-              <a:buFont typeface="Arial" panose="020B0604020202020204" pitchFamily="34" charset="0"/>
-              <a:buChar char="•"/>
-              <a:defRPr sz="2400" kern="1200">
-                <a:solidFill>
-                  <a:schemeClr val="tx1"/>
-                </a:solidFill>
-                <a:latin typeface="+mn-lt"/>
-                <a:ea typeface="+mn-ea"/>
-                <a:cs typeface="+mn-cs"/>
-              </a:defRPr>
-            </a:lvl2pPr>
-            <a:lvl3pPr marL="1143000" indent="-228600" algn="l" defTabSz="914400" rtl="0" eaLnBrk="1" latinLnBrk="0" hangingPunct="1">
-              <a:lnSpc>
-                <a:spcPct val="90000"/>
-              </a:lnSpc>
-              <a:spcBef>
-                <a:spcPts val="500"/>
-              </a:spcBef>
-              <a:buFont typeface="Arial" panose="020B0604020202020204" pitchFamily="34" charset="0"/>
-              <a:buChar char="•"/>
-              <a:defRPr sz="2000" kern="1200">
-                <a:solidFill>
-                  <a:schemeClr val="tx1"/>
-                </a:solidFill>
-                <a:latin typeface="+mn-lt"/>
-                <a:ea typeface="+mn-ea"/>
-                <a:cs typeface="+mn-cs"/>
-              </a:defRPr>
-            </a:lvl3pPr>
-            <a:lvl4pPr marL="1600200" indent="-228600" algn="l" defTabSz="914400" rtl="0" eaLnBrk="1" latinLnBrk="0" hangingPunct="1">
-              <a:lnSpc>
-                <a:spcPct val="90000"/>
-              </a:lnSpc>
-              <a:spcBef>
-                <a:spcPts val="500"/>
-              </a:spcBef>
-              <a:buFont typeface="Arial" panose="020B0604020202020204" pitchFamily="34" charset="0"/>
-              <a:buChar char="•"/>
-              <a:defRPr sz="1800" kern="1200">
-                <a:solidFill>
-                  <a:schemeClr val="tx1"/>
-                </a:solidFill>
-                <a:latin typeface="+mn-lt"/>
-                <a:ea typeface="+mn-ea"/>
-                <a:cs typeface="+mn-cs"/>
-              </a:defRPr>
-            </a:lvl4pPr>
-            <a:lvl5pPr marL="2057400" indent="-228600" algn="l" defTabSz="914400" rtl="0" eaLnBrk="1" latinLnBrk="0" hangingPunct="1">
-              <a:lnSpc>
-                <a:spcPct val="90000"/>
-              </a:lnSpc>
-              <a:spcBef>
-                <a:spcPts val="500"/>
-              </a:spcBef>
-              <a:buFont typeface="Arial" panose="020B0604020202020204" pitchFamily="34" charset="0"/>
-              <a:buChar char="•"/>
-              <a:defRPr sz="1800" kern="1200">
-                <a:solidFill>
-                  <a:schemeClr val="tx1"/>
-                </a:solidFill>
-                <a:latin typeface="+mn-lt"/>
-                <a:ea typeface="+mn-ea"/>
-                <a:cs typeface="+mn-cs"/>
-              </a:defRPr>
-            </a:lvl5pPr>
-            <a:lvl6pPr marL="2514600" indent="-228600" algn="l" defTabSz="914400" rtl="0" eaLnBrk="1" latinLnBrk="0" hangingPunct="1">
-              <a:lnSpc>
-                <a:spcPct val="90000"/>
-              </a:lnSpc>
-              <a:spcBef>
-                <a:spcPts val="500"/>
-              </a:spcBef>
-              <a:buFont typeface="Arial" panose="020B0604020202020204" pitchFamily="34" charset="0"/>
-              <a:buChar char="•"/>
-              <a:defRPr sz="1800" kern="1200">
-                <a:solidFill>
-                  <a:schemeClr val="tx1"/>
-                </a:solidFill>
-                <a:latin typeface="+mn-lt"/>
-                <a:ea typeface="+mn-ea"/>
-                <a:cs typeface="+mn-cs"/>
-              </a:defRPr>
-            </a:lvl6pPr>
-            <a:lvl7pPr marL="2971800" indent="-228600" algn="l" defTabSz="914400" rtl="0" eaLnBrk="1" latinLnBrk="0" hangingPunct="1">
-              <a:lnSpc>
-                <a:spcPct val="90000"/>
-              </a:lnSpc>
-              <a:spcBef>
-                <a:spcPts val="500"/>
-              </a:spcBef>
-              <a:buFont typeface="Arial" panose="020B0604020202020204" pitchFamily="34" charset="0"/>
-              <a:buChar char="•"/>
-              <a:defRPr sz="1800" kern="1200">
-                <a:solidFill>
-                  <a:schemeClr val="tx1"/>
-                </a:solidFill>
-                <a:latin typeface="+mn-lt"/>
-                <a:ea typeface="+mn-ea"/>
-                <a:cs typeface="+mn-cs"/>
-              </a:defRPr>
-            </a:lvl7pPr>
-            <a:lvl8pPr marL="3429000" indent="-228600" algn="l" defTabSz="914400" rtl="0" eaLnBrk="1" latinLnBrk="0" hangingPunct="1">
-              <a:lnSpc>
-                <a:spcPct val="90000"/>
-              </a:lnSpc>
-              <a:spcBef>
-                <a:spcPts val="500"/>
-              </a:spcBef>
-              <a:buFont typeface="Arial" panose="020B0604020202020204" pitchFamily="34" charset="0"/>
-              <a:buChar char="•"/>
-              <a:defRPr sz="1800" kern="1200">
-                <a:solidFill>
-                  <a:schemeClr val="tx1"/>
-                </a:solidFill>
-                <a:latin typeface="+mn-lt"/>
-                <a:ea typeface="+mn-ea"/>
-                <a:cs typeface="+mn-cs"/>
-              </a:defRPr>
-            </a:lvl8pPr>
-            <a:lvl9pPr marL="3886200" indent="-228600" algn="l" defTabSz="914400" rtl="0" eaLnBrk="1" latinLnBrk="0" hangingPunct="1">
-              <a:lnSpc>
-                <a:spcPct val="90000"/>
-              </a:lnSpc>
-              <a:spcBef>
-                <a:spcPts val="500"/>
-              </a:spcBef>
-              <a:buFont typeface="Arial" panose="020B0604020202020204" pitchFamily="34" charset="0"/>
-              <a:buChar char="•"/>
-              <a:defRPr sz="1800" kern="1200">
-                <a:solidFill>
-                  <a:schemeClr val="tx1"/>
-                </a:solidFill>
-                <a:latin typeface="+mn-lt"/>
-                <a:ea typeface="+mn-ea"/>
-                <a:cs typeface="+mn-cs"/>
-              </a:defRPr>
-            </a:lvl9pPr>
-          </a:lstStyle>
-          <a:p>
-            <a:pPr marL="0" indent="0" eaLnBrk="0" fontAlgn="base" hangingPunct="0">
-              <a:lnSpc>
-                <a:spcPct val="100000"/>
-              </a:lnSpc>
-              <a:spcBef>
-                <a:spcPct val="0"/>
-              </a:spcBef>
-              <a:spcAft>
-                <a:spcPct val="0"/>
-              </a:spcAft>
-              <a:buFontTx/>
-              <a:buNone/>
-            </a:pPr>
-            <a:r>
-              <a:rPr lang="pt-BR" altLang="pt-BR" sz="2000" dirty="0">
+          <a:lstStyle/>
+          <a:p>
+            <a:r>
+              <a:rPr lang="pt-BR" altLang="pt-BR" sz="1800" dirty="0">
                 <a:solidFill>
                   <a:schemeClr val="tx1">
                     <a:lumMod val="65000"/>
@@ -4779,7 +4301,7 @@
               <a:t>{{titulo}}{{resumo}} {{data}}{{link}}</a:t>
             </a:r>
             <a:r>
-              <a:rPr lang="pt-BR" altLang="pt-BR" sz="2000" dirty="0">
+              <a:rPr lang="pt-BR" altLang="pt-BR" sz="1800" dirty="0">
                 <a:solidFill>
                   <a:schemeClr val="tx1">
                     <a:lumMod val="65000"/>
@@ -4789,7 +4311,7 @@
               </a:rPr>
               <a:t> </a:t>
             </a:r>
-            <a:endParaRPr lang="pt-BR" altLang="pt-BR" sz="2000" dirty="0">
+            <a:endParaRPr lang="pt-BR" altLang="pt-BR" sz="1800" dirty="0">
               <a:solidFill>
                 <a:schemeClr val="tx1">
                   <a:lumMod val="65000"/>
@@ -4803,247 +4325,34 @@
       </p:sp>
       <p:sp>
         <p:nvSpPr>
-          <p:cNvPr id="6" name="Rectangle 1">
-            <a:extLst>
-              <a:ext uri="{FF2B5EF4-FFF2-40B4-BE49-F238E27FC236}">
-                <a16:creationId xmlns:a16="http://schemas.microsoft.com/office/drawing/2014/main" id="{92F10C20-7ABF-7D0A-9399-3919B621ADD2}"/>
-              </a:ext>
-            </a:extLst>
-          </p:cNvPr>
-          <p:cNvSpPr txBox="1">
-            <a:spLocks noChangeArrowheads="1"/>
-          </p:cNvSpPr>
+          <p:cNvPr id="13" name="CaixaDeTexto 12">
+            <a:extLst>
+              <a:ext uri="{FF2B5EF4-FFF2-40B4-BE49-F238E27FC236}">
+                <a16:creationId xmlns:a16="http://schemas.microsoft.com/office/drawing/2014/main" id="{CE157487-89C3-7C2A-045A-72E0174A1385}"/>
+              </a:ext>
+            </a:extLst>
+          </p:cNvPr>
+          <p:cNvSpPr txBox="1"/>
           <p:nvPr/>
         </p:nvSpPr>
-        <p:spPr bwMode="auto">
+        <p:spPr>
           <a:xfrm>
-            <a:off x="8501710" y="4044794"/>
-            <a:ext cx="3406877" cy="707886"/>
+            <a:off x="4755056" y="768120"/>
+            <a:ext cx="2415547" cy="646331"/>
           </a:xfrm>
           <a:prstGeom prst="rect">
             <a:avLst/>
           </a:prstGeom>
           <a:noFill/>
-          <a:ln>
-            <a:noFill/>
-          </a:ln>
-          <a:effectLst/>
-          <a:extLst>
-            <a:ext uri="{909E8E84-426E-40DD-AFC4-6F175D3DCCD1}">
-              <a14:hiddenFill xmlns:a14="http://schemas.microsoft.com/office/drawing/2010/main">
-                <a:solidFill>
-                  <a:schemeClr val="accent1"/>
-                </a:solidFill>
-              </a14:hiddenFill>
-            </a:ext>
-            <a:ext uri="{91240B29-F687-4F45-9708-019B960494DF}">
-              <a14:hiddenLine xmlns:a14="http://schemas.microsoft.com/office/drawing/2010/main" w="9525">
-                <a:solidFill>
-                  <a:schemeClr val="tx1"/>
-                </a:solidFill>
-                <a:miter lim="800000"/>
-                <a:headEnd/>
-                <a:tailEnd/>
-              </a14:hiddenLine>
-            </a:ext>
-            <a:ext uri="{AF507438-7753-43E0-B8FC-AC1667EBCBE1}">
-              <a14:hiddenEffects xmlns:a14="http://schemas.microsoft.com/office/drawing/2010/main">
-                <a:effectLst>
-                  <a:outerShdw dist="35921" dir="2700000" algn="ctr" rotWithShape="0">
-                    <a:schemeClr val="bg2"/>
-                  </a:outerShdw>
-                </a:effectLst>
-              </a14:hiddenEffects>
-            </a:ext>
-          </a:extLst>
         </p:spPr>
         <p:txBody>
-          <a:bodyPr vert="horz" wrap="square" lIns="91440" tIns="45720" rIns="91440" bIns="45720" numCol="1" rtlCol="0" anchor="ctr" anchorCtr="0" compatLnSpc="1">
-            <a:prstTxWarp prst="textNoShape">
-              <a:avLst/>
-            </a:prstTxWarp>
+          <a:bodyPr wrap="square" rtlCol="0">
             <a:spAutoFit/>
           </a:bodyPr>
-          <a:lstStyle>
-            <a:lvl1pPr marL="228600" indent="-228600" algn="l" defTabSz="914400" rtl="0" eaLnBrk="1" latinLnBrk="0" hangingPunct="1">
-              <a:lnSpc>
-                <a:spcPct val="90000"/>
-              </a:lnSpc>
-              <a:spcBef>
-                <a:spcPts val="1000"/>
-              </a:spcBef>
-              <a:buFont typeface="Arial" panose="020B0604020202020204" pitchFamily="34" charset="0"/>
-              <a:buChar char="•"/>
-              <a:defRPr sz="2800" kern="1200">
-                <a:solidFill>
-                  <a:schemeClr val="tx1"/>
-                </a:solidFill>
-                <a:latin typeface="+mn-lt"/>
-                <a:ea typeface="+mn-ea"/>
-                <a:cs typeface="+mn-cs"/>
-              </a:defRPr>
-            </a:lvl1pPr>
-            <a:lvl2pPr marL="685800" indent="-228600" algn="l" defTabSz="914400" rtl="0" eaLnBrk="1" latinLnBrk="0" hangingPunct="1">
-              <a:lnSpc>
-                <a:spcPct val="90000"/>
-              </a:lnSpc>
-              <a:spcBef>
-                <a:spcPts val="500"/>
-              </a:spcBef>
-              <a:buFont typeface="Arial" panose="020B0604020202020204" pitchFamily="34" charset="0"/>
-              <a:buChar char="•"/>
-              <a:defRPr sz="2400" kern="1200">
-                <a:solidFill>
-                  <a:schemeClr val="tx1"/>
-                </a:solidFill>
-                <a:latin typeface="+mn-lt"/>
-                <a:ea typeface="+mn-ea"/>
-                <a:cs typeface="+mn-cs"/>
-              </a:defRPr>
-            </a:lvl2pPr>
-            <a:lvl3pPr marL="1143000" indent="-228600" algn="l" defTabSz="914400" rtl="0" eaLnBrk="1" latinLnBrk="0" hangingPunct="1">
-              <a:lnSpc>
-                <a:spcPct val="90000"/>
-              </a:lnSpc>
-              <a:spcBef>
-                <a:spcPts val="500"/>
-              </a:spcBef>
-              <a:buFont typeface="Arial" panose="020B0604020202020204" pitchFamily="34" charset="0"/>
-              <a:buChar char="•"/>
-              <a:defRPr sz="2000" kern="1200">
-                <a:solidFill>
-                  <a:schemeClr val="tx1"/>
-                </a:solidFill>
-                <a:latin typeface="+mn-lt"/>
-                <a:ea typeface="+mn-ea"/>
-                <a:cs typeface="+mn-cs"/>
-              </a:defRPr>
-            </a:lvl3pPr>
-            <a:lvl4pPr marL="1600200" indent="-228600" algn="l" defTabSz="914400" rtl="0" eaLnBrk="1" latinLnBrk="0" hangingPunct="1">
-              <a:lnSpc>
-                <a:spcPct val="90000"/>
-              </a:lnSpc>
-              <a:spcBef>
-                <a:spcPts val="500"/>
-              </a:spcBef>
-              <a:buFont typeface="Arial" panose="020B0604020202020204" pitchFamily="34" charset="0"/>
-              <a:buChar char="•"/>
-              <a:defRPr sz="1800" kern="1200">
-                <a:solidFill>
-                  <a:schemeClr val="tx1"/>
-                </a:solidFill>
-                <a:latin typeface="+mn-lt"/>
-                <a:ea typeface="+mn-ea"/>
-                <a:cs typeface="+mn-cs"/>
-              </a:defRPr>
-            </a:lvl4pPr>
-            <a:lvl5pPr marL="2057400" indent="-228600" algn="l" defTabSz="914400" rtl="0" eaLnBrk="1" latinLnBrk="0" hangingPunct="1">
-              <a:lnSpc>
-                <a:spcPct val="90000"/>
-              </a:lnSpc>
-              <a:spcBef>
-                <a:spcPts val="500"/>
-              </a:spcBef>
-              <a:buFont typeface="Arial" panose="020B0604020202020204" pitchFamily="34" charset="0"/>
-              <a:buChar char="•"/>
-              <a:defRPr sz="1800" kern="1200">
-                <a:solidFill>
-                  <a:schemeClr val="tx1"/>
-                </a:solidFill>
-                <a:latin typeface="+mn-lt"/>
-                <a:ea typeface="+mn-ea"/>
-                <a:cs typeface="+mn-cs"/>
-              </a:defRPr>
-            </a:lvl5pPr>
-            <a:lvl6pPr marL="2514600" indent="-228600" algn="l" defTabSz="914400" rtl="0" eaLnBrk="1" latinLnBrk="0" hangingPunct="1">
-              <a:lnSpc>
-                <a:spcPct val="90000"/>
-              </a:lnSpc>
-              <a:spcBef>
-                <a:spcPts val="500"/>
-              </a:spcBef>
-              <a:buFont typeface="Arial" panose="020B0604020202020204" pitchFamily="34" charset="0"/>
-              <a:buChar char="•"/>
-              <a:defRPr sz="1800" kern="1200">
-                <a:solidFill>
-                  <a:schemeClr val="tx1"/>
-                </a:solidFill>
-                <a:latin typeface="+mn-lt"/>
-                <a:ea typeface="+mn-ea"/>
-                <a:cs typeface="+mn-cs"/>
-              </a:defRPr>
-            </a:lvl6pPr>
-            <a:lvl7pPr marL="2971800" indent="-228600" algn="l" defTabSz="914400" rtl="0" eaLnBrk="1" latinLnBrk="0" hangingPunct="1">
-              <a:lnSpc>
-                <a:spcPct val="90000"/>
-              </a:lnSpc>
-              <a:spcBef>
-                <a:spcPts val="500"/>
-              </a:spcBef>
-              <a:buFont typeface="Arial" panose="020B0604020202020204" pitchFamily="34" charset="0"/>
-              <a:buChar char="•"/>
-              <a:defRPr sz="1800" kern="1200">
-                <a:solidFill>
-                  <a:schemeClr val="tx1"/>
-                </a:solidFill>
-                <a:latin typeface="+mn-lt"/>
-                <a:ea typeface="+mn-ea"/>
-                <a:cs typeface="+mn-cs"/>
-              </a:defRPr>
-            </a:lvl7pPr>
-            <a:lvl8pPr marL="3429000" indent="-228600" algn="l" defTabSz="914400" rtl="0" eaLnBrk="1" latinLnBrk="0" hangingPunct="1">
-              <a:lnSpc>
-                <a:spcPct val="90000"/>
-              </a:lnSpc>
-              <a:spcBef>
-                <a:spcPts val="500"/>
-              </a:spcBef>
-              <a:buFont typeface="Arial" panose="020B0604020202020204" pitchFamily="34" charset="0"/>
-              <a:buChar char="•"/>
-              <a:defRPr sz="1800" kern="1200">
-                <a:solidFill>
-                  <a:schemeClr val="tx1"/>
-                </a:solidFill>
-                <a:latin typeface="+mn-lt"/>
-                <a:ea typeface="+mn-ea"/>
-                <a:cs typeface="+mn-cs"/>
-              </a:defRPr>
-            </a:lvl8pPr>
-            <a:lvl9pPr marL="3886200" indent="-228600" algn="l" defTabSz="914400" rtl="0" eaLnBrk="1" latinLnBrk="0" hangingPunct="1">
-              <a:lnSpc>
-                <a:spcPct val="90000"/>
-              </a:lnSpc>
-              <a:spcBef>
-                <a:spcPts val="500"/>
-              </a:spcBef>
-              <a:buFont typeface="Arial" panose="020B0604020202020204" pitchFamily="34" charset="0"/>
-              <a:buChar char="•"/>
-              <a:defRPr sz="1800" kern="1200">
-                <a:solidFill>
-                  <a:schemeClr val="tx1"/>
-                </a:solidFill>
-                <a:latin typeface="+mn-lt"/>
-                <a:ea typeface="+mn-ea"/>
-                <a:cs typeface="+mn-cs"/>
-              </a:defRPr>
-            </a:lvl9pPr>
-          </a:lstStyle>
-          <a:p>
-            <a:pPr marL="0" indent="0" eaLnBrk="0" fontAlgn="base" hangingPunct="0">
-              <a:lnSpc>
-                <a:spcPct val="100000"/>
-              </a:lnSpc>
-              <a:spcBef>
-                <a:spcPct val="0"/>
-              </a:spcBef>
-              <a:spcAft>
-                <a:spcPct val="0"/>
-              </a:spcAft>
-              <a:buFontTx/>
-              <a:buNone/>
-            </a:pPr>
-            <a:r>
-              <a:rPr lang="pt-BR" altLang="pt-BR" sz="2000" dirty="0">
+          <a:lstStyle/>
+          <a:p>
+            <a:r>
+              <a:rPr lang="pt-BR" altLang="pt-BR" sz="1800" dirty="0">
                 <a:solidFill>
                   <a:schemeClr val="tx1">
                     <a:lumMod val="65000"/>
@@ -5055,7 +4364,7 @@
               <a:t>{{titulo}}{{resumo}} {{data}}{{link}}</a:t>
             </a:r>
             <a:r>
-              <a:rPr lang="pt-BR" altLang="pt-BR" sz="2000" dirty="0">
+              <a:rPr lang="pt-BR" altLang="pt-BR" sz="1800" dirty="0">
                 <a:solidFill>
                   <a:schemeClr val="tx1">
                     <a:lumMod val="65000"/>
@@ -5065,7 +4374,70 @@
               </a:rPr>
               <a:t> </a:t>
             </a:r>
-            <a:endParaRPr lang="pt-BR" altLang="pt-BR" sz="2000" dirty="0">
+            <a:endParaRPr lang="pt-BR" altLang="pt-BR" sz="1800" dirty="0">
+              <a:solidFill>
+                <a:schemeClr val="tx1">
+                  <a:lumMod val="65000"/>
+                  <a:lumOff val="35000"/>
+                </a:schemeClr>
+              </a:solidFill>
+              <a:latin typeface="Arial" panose="020B0604020202020204" pitchFamily="34" charset="0"/>
+            </a:endParaRPr>
+          </a:p>
+        </p:txBody>
+      </p:sp>
+      <p:sp>
+        <p:nvSpPr>
+          <p:cNvPr id="14" name="CaixaDeTexto 13">
+            <a:extLst>
+              <a:ext uri="{FF2B5EF4-FFF2-40B4-BE49-F238E27FC236}">
+                <a16:creationId xmlns:a16="http://schemas.microsoft.com/office/drawing/2014/main" id="{C5DEF645-F1F1-F506-B928-816EE685CB47}"/>
+              </a:ext>
+            </a:extLst>
+          </p:cNvPr>
+          <p:cNvSpPr txBox="1"/>
+          <p:nvPr/>
+        </p:nvSpPr>
+        <p:spPr>
+          <a:xfrm>
+            <a:off x="8501708" y="768120"/>
+            <a:ext cx="2415547" cy="646331"/>
+          </a:xfrm>
+          <a:prstGeom prst="rect">
+            <a:avLst/>
+          </a:prstGeom>
+          <a:noFill/>
+        </p:spPr>
+        <p:txBody>
+          <a:bodyPr wrap="square" rtlCol="0">
+            <a:spAutoFit/>
+          </a:bodyPr>
+          <a:lstStyle/>
+          <a:p>
+            <a:r>
+              <a:rPr lang="pt-BR" altLang="pt-BR" sz="1800" dirty="0">
+                <a:solidFill>
+                  <a:schemeClr val="tx1">
+                    <a:lumMod val="65000"/>
+                    <a:lumOff val="35000"/>
+                  </a:schemeClr>
+                </a:solidFill>
+                <a:latin typeface="Arial Unicode MS"/>
+              </a:rPr>
+              <a:t>{{titulo}}{{resumo}} {{data}}{{link}}</a:t>
+            </a:r>
+            <a:r>
+              <a:rPr lang="pt-BR" altLang="pt-BR" sz="1800" dirty="0">
+                <a:solidFill>
+                  <a:schemeClr val="tx1">
+                    <a:lumMod val="65000"/>
+                    <a:lumOff val="35000"/>
+                  </a:schemeClr>
+                </a:solidFill>
+              </a:rPr>
+              <a:t> </a:t>
+            </a:r>
+            <a:endParaRPr lang="pt-BR" altLang="pt-BR" sz="1800" dirty="0">
               <a:solidFill>
                 <a:schemeClr val="tx1">
                   <a:lumMod val="65000"/>

--- a/template.pptx
+++ b/template.pptx
@@ -5,7 +5,8 @@
     <p:sldMasterId id="2147483648" r:id="rId1"/>
   </p:sldMasterIdLst>
   <p:sldIdLst>
-    <p:sldId id="256" r:id="rId2"/>
+    <p:sldId id="257" r:id="rId2"/>
+    <p:sldId id="256" r:id="rId3"/>
   </p:sldIdLst>
   <p:sldSz cx="12192000" cy="6858000"/>
   <p:notesSz cx="6858000" cy="9144000"/>
@@ -259,7 +260,7 @@
           <a:p>
             <a:fld id="{6B41E399-D0A3-4498-B3E0-9E6446FE780E}" type="datetimeFigureOut">
               <a:rPr lang="pt-BR" smtClean="0"/>
-              <a:t>22/05/2025</a:t>
+              <a:t>23/05/2025</a:t>
             </a:fld>
             <a:endParaRPr lang="pt-BR"/>
           </a:p>
@@ -457,7 +458,7 @@
           <a:p>
             <a:fld id="{6B41E399-D0A3-4498-B3E0-9E6446FE780E}" type="datetimeFigureOut">
               <a:rPr lang="pt-BR" smtClean="0"/>
-              <a:t>22/05/2025</a:t>
+              <a:t>23/05/2025</a:t>
             </a:fld>
             <a:endParaRPr lang="pt-BR"/>
           </a:p>
@@ -665,7 +666,7 @@
           <a:p>
             <a:fld id="{6B41E399-D0A3-4498-B3E0-9E6446FE780E}" type="datetimeFigureOut">
               <a:rPr lang="pt-BR" smtClean="0"/>
-              <a:t>22/05/2025</a:t>
+              <a:t>23/05/2025</a:t>
             </a:fld>
             <a:endParaRPr lang="pt-BR"/>
           </a:p>
@@ -863,7 +864,7 @@
           <a:p>
             <a:fld id="{6B41E399-D0A3-4498-B3E0-9E6446FE780E}" type="datetimeFigureOut">
               <a:rPr lang="pt-BR" smtClean="0"/>
-              <a:t>22/05/2025</a:t>
+              <a:t>23/05/2025</a:t>
             </a:fld>
             <a:endParaRPr lang="pt-BR"/>
           </a:p>
@@ -1138,7 +1139,7 @@
           <a:p>
             <a:fld id="{6B41E399-D0A3-4498-B3E0-9E6446FE780E}" type="datetimeFigureOut">
               <a:rPr lang="pt-BR" smtClean="0"/>
-              <a:t>22/05/2025</a:t>
+              <a:t>23/05/2025</a:t>
             </a:fld>
             <a:endParaRPr lang="pt-BR"/>
           </a:p>
@@ -1403,7 +1404,7 @@
           <a:p>
             <a:fld id="{6B41E399-D0A3-4498-B3E0-9E6446FE780E}" type="datetimeFigureOut">
               <a:rPr lang="pt-BR" smtClean="0"/>
-              <a:t>22/05/2025</a:t>
+              <a:t>23/05/2025</a:t>
             </a:fld>
             <a:endParaRPr lang="pt-BR"/>
           </a:p>
@@ -1815,7 +1816,7 @@
           <a:p>
             <a:fld id="{6B41E399-D0A3-4498-B3E0-9E6446FE780E}" type="datetimeFigureOut">
               <a:rPr lang="pt-BR" smtClean="0"/>
-              <a:t>22/05/2025</a:t>
+              <a:t>23/05/2025</a:t>
             </a:fld>
             <a:endParaRPr lang="pt-BR"/>
           </a:p>
@@ -1956,7 +1957,7 @@
           <a:p>
             <a:fld id="{6B41E399-D0A3-4498-B3E0-9E6446FE780E}" type="datetimeFigureOut">
               <a:rPr lang="pt-BR" smtClean="0"/>
-              <a:t>22/05/2025</a:t>
+              <a:t>23/05/2025</a:t>
             </a:fld>
             <a:endParaRPr lang="pt-BR"/>
           </a:p>
@@ -2069,7 +2070,7 @@
           <a:p>
             <a:fld id="{6B41E399-D0A3-4498-B3E0-9E6446FE780E}" type="datetimeFigureOut">
               <a:rPr lang="pt-BR" smtClean="0"/>
-              <a:t>22/05/2025</a:t>
+              <a:t>23/05/2025</a:t>
             </a:fld>
             <a:endParaRPr lang="pt-BR"/>
           </a:p>
@@ -2380,7 +2381,7 @@
           <a:p>
             <a:fld id="{6B41E399-D0A3-4498-B3E0-9E6446FE780E}" type="datetimeFigureOut">
               <a:rPr lang="pt-BR" smtClean="0"/>
-              <a:t>22/05/2025</a:t>
+              <a:t>23/05/2025</a:t>
             </a:fld>
             <a:endParaRPr lang="pt-BR"/>
           </a:p>
@@ -2668,7 +2669,7 @@
           <a:p>
             <a:fld id="{6B41E399-D0A3-4498-B3E0-9E6446FE780E}" type="datetimeFigureOut">
               <a:rPr lang="pt-BR" smtClean="0"/>
-              <a:t>22/05/2025</a:t>
+              <a:t>23/05/2025</a:t>
             </a:fld>
             <a:endParaRPr lang="pt-BR"/>
           </a:p>
@@ -2909,7 +2910,7 @@
           <a:p>
             <a:fld id="{6B41E399-D0A3-4498-B3E0-9E6446FE780E}" type="datetimeFigureOut">
               <a:rPr lang="pt-BR" smtClean="0"/>
-              <a:t>22/05/2025</a:t>
+              <a:t>23/05/2025</a:t>
             </a:fld>
             <a:endParaRPr lang="pt-BR"/>
           </a:p>
@@ -3314,7 +3315,13 @@
   <p:cSld>
     <p:spTree>
       <p:nvGrpSpPr>
-        <p:cNvPr id="1" name=""/>
+        <p:cNvPr id="1" name="">
+          <a:extLst>
+            <a:ext uri="{FF2B5EF4-FFF2-40B4-BE49-F238E27FC236}">
+              <a16:creationId xmlns:a16="http://schemas.microsoft.com/office/drawing/2014/main" id="{12312766-EF16-35A5-FACA-07603B6DB79F}"/>
+            </a:ext>
+          </a:extLst>
+        </p:cNvPr>
         <p:cNvGrpSpPr/>
         <p:nvPr/>
       </p:nvGrpSpPr>
@@ -3331,7 +3338,7 @@
           <p:cNvPr id="8" name="Retângulo 7">
             <a:extLst>
               <a:ext uri="{FF2B5EF4-FFF2-40B4-BE49-F238E27FC236}">
-                <a16:creationId xmlns:a16="http://schemas.microsoft.com/office/drawing/2014/main" id="{FEB689ED-4D3A-0434-5957-45766B48FBE1}"/>
+                <a16:creationId xmlns:a16="http://schemas.microsoft.com/office/drawing/2014/main" id="{A2D86C5F-48D5-7C2A-CC08-5073ABA110FB}"/>
               </a:ext>
             </a:extLst>
           </p:cNvPr>
@@ -3385,7 +3392,7 @@
           <p:cNvPr id="9" name="Conector reto 8">
             <a:extLst>
               <a:ext uri="{FF2B5EF4-FFF2-40B4-BE49-F238E27FC236}">
-                <a16:creationId xmlns:a16="http://schemas.microsoft.com/office/drawing/2014/main" id="{C62BAC27-C429-EB53-EDA7-C9916ACC2BE4}"/>
+                <a16:creationId xmlns:a16="http://schemas.microsoft.com/office/drawing/2014/main" id="{A354E247-B359-4364-98F7-F10D2612F402}"/>
               </a:ext>
             </a:extLst>
           </p:cNvPr>
@@ -3434,6 +3441,352 @@
       </p:cxnSp>
       <p:sp>
         <p:nvSpPr>
+          <p:cNvPr id="2" name="CaixaDeTexto 1">
+            <a:extLst>
+              <a:ext uri="{FF2B5EF4-FFF2-40B4-BE49-F238E27FC236}">
+                <a16:creationId xmlns:a16="http://schemas.microsoft.com/office/drawing/2014/main" id="{BD6992D3-53AF-9A95-EF14-9A92E326B494}"/>
+              </a:ext>
+            </a:extLst>
+          </p:cNvPr>
+          <p:cNvSpPr txBox="1"/>
+          <p:nvPr/>
+        </p:nvSpPr>
+        <p:spPr>
+          <a:xfrm>
+            <a:off x="277729" y="1045119"/>
+            <a:ext cx="3406877" cy="369332"/>
+          </a:xfrm>
+          <a:prstGeom prst="rect">
+            <a:avLst/>
+          </a:prstGeom>
+          <a:noFill/>
+        </p:spPr>
+        <p:txBody>
+          <a:bodyPr wrap="square" rtlCol="0">
+            <a:spAutoFit/>
+          </a:bodyPr>
+          <a:lstStyle/>
+          <a:p>
+            <a:r>
+              <a:rPr lang="pt-BR" dirty="0"/>
+              <a:t>{{titulo}}{{resumo}}{{data}}{{link}}</a:t>
+            </a:r>
+          </a:p>
+        </p:txBody>
+      </p:sp>
+      <p:sp>
+        <p:nvSpPr>
+          <p:cNvPr id="3" name="CaixaDeTexto 2">
+            <a:extLst>
+              <a:ext uri="{FF2B5EF4-FFF2-40B4-BE49-F238E27FC236}">
+                <a16:creationId xmlns:a16="http://schemas.microsoft.com/office/drawing/2014/main" id="{C30D7C42-040C-9E66-953E-E8370B16231A}"/>
+              </a:ext>
+            </a:extLst>
+          </p:cNvPr>
+          <p:cNvSpPr txBox="1"/>
+          <p:nvPr/>
+        </p:nvSpPr>
+        <p:spPr>
+          <a:xfrm>
+            <a:off x="4392560" y="1045119"/>
+            <a:ext cx="3406877" cy="369332"/>
+          </a:xfrm>
+          <a:prstGeom prst="rect">
+            <a:avLst/>
+          </a:prstGeom>
+          <a:noFill/>
+        </p:spPr>
+        <p:txBody>
+          <a:bodyPr wrap="square" rtlCol="0">
+            <a:spAutoFit/>
+          </a:bodyPr>
+          <a:lstStyle/>
+          <a:p>
+            <a:r>
+              <a:rPr lang="pt-BR" dirty="0"/>
+              <a:t>{{titulo}}{{resumo}}{{data}}{{link}}</a:t>
+            </a:r>
+          </a:p>
+        </p:txBody>
+      </p:sp>
+      <p:sp>
+        <p:nvSpPr>
+          <p:cNvPr id="7" name="CaixaDeTexto 6">
+            <a:extLst>
+              <a:ext uri="{FF2B5EF4-FFF2-40B4-BE49-F238E27FC236}">
+                <a16:creationId xmlns:a16="http://schemas.microsoft.com/office/drawing/2014/main" id="{B1082F57-B5D6-D82B-BAF3-F367E26EF34A}"/>
+              </a:ext>
+            </a:extLst>
+          </p:cNvPr>
+          <p:cNvSpPr txBox="1"/>
+          <p:nvPr/>
+        </p:nvSpPr>
+        <p:spPr>
+          <a:xfrm>
+            <a:off x="8519683" y="1045119"/>
+            <a:ext cx="3406877" cy="369332"/>
+          </a:xfrm>
+          <a:prstGeom prst="rect">
+            <a:avLst/>
+          </a:prstGeom>
+          <a:noFill/>
+        </p:spPr>
+        <p:txBody>
+          <a:bodyPr wrap="square" rtlCol="0">
+            <a:spAutoFit/>
+          </a:bodyPr>
+          <a:lstStyle/>
+          <a:p>
+            <a:r>
+              <a:rPr lang="pt-BR" dirty="0"/>
+              <a:t>{{titulo}}{{resumo}}{{data}}{{link}}</a:t>
+            </a:r>
+          </a:p>
+        </p:txBody>
+      </p:sp>
+      <p:sp>
+        <p:nvSpPr>
+          <p:cNvPr id="10" name="CaixaDeTexto 9">
+            <a:extLst>
+              <a:ext uri="{FF2B5EF4-FFF2-40B4-BE49-F238E27FC236}">
+                <a16:creationId xmlns:a16="http://schemas.microsoft.com/office/drawing/2014/main" id="{4129EAF8-F4FB-021A-58B8-D451E5092F3D}"/>
+              </a:ext>
+            </a:extLst>
+          </p:cNvPr>
+          <p:cNvSpPr txBox="1"/>
+          <p:nvPr/>
+        </p:nvSpPr>
+        <p:spPr>
+          <a:xfrm>
+            <a:off x="277729" y="4214071"/>
+            <a:ext cx="3406877" cy="369332"/>
+          </a:xfrm>
+          <a:prstGeom prst="rect">
+            <a:avLst/>
+          </a:prstGeom>
+          <a:noFill/>
+        </p:spPr>
+        <p:txBody>
+          <a:bodyPr wrap="square" rtlCol="0">
+            <a:spAutoFit/>
+          </a:bodyPr>
+          <a:lstStyle/>
+          <a:p>
+            <a:r>
+              <a:rPr lang="pt-BR" dirty="0"/>
+              <a:t>{{titulo}}{{resumo}}{{data}}{{link}}</a:t>
+            </a:r>
+          </a:p>
+        </p:txBody>
+      </p:sp>
+      <p:sp>
+        <p:nvSpPr>
+          <p:cNvPr id="11" name="CaixaDeTexto 10">
+            <a:extLst>
+              <a:ext uri="{FF2B5EF4-FFF2-40B4-BE49-F238E27FC236}">
+                <a16:creationId xmlns:a16="http://schemas.microsoft.com/office/drawing/2014/main" id="{6501B847-8044-3726-21C5-B27DD55B4C1F}"/>
+              </a:ext>
+            </a:extLst>
+          </p:cNvPr>
+          <p:cNvSpPr txBox="1"/>
+          <p:nvPr/>
+        </p:nvSpPr>
+        <p:spPr>
+          <a:xfrm>
+            <a:off x="4404849" y="4214071"/>
+            <a:ext cx="3406877" cy="369332"/>
+          </a:xfrm>
+          <a:prstGeom prst="rect">
+            <a:avLst/>
+          </a:prstGeom>
+          <a:noFill/>
+        </p:spPr>
+        <p:txBody>
+          <a:bodyPr wrap="square" rtlCol="0">
+            <a:spAutoFit/>
+          </a:bodyPr>
+          <a:lstStyle/>
+          <a:p>
+            <a:r>
+              <a:rPr lang="pt-BR" dirty="0"/>
+              <a:t>{{titulo}}{{resumo}}{{data}}{{link}}</a:t>
+            </a:r>
+          </a:p>
+        </p:txBody>
+      </p:sp>
+      <p:sp>
+        <p:nvSpPr>
+          <p:cNvPr id="15" name="CaixaDeTexto 14">
+            <a:extLst>
+              <a:ext uri="{FF2B5EF4-FFF2-40B4-BE49-F238E27FC236}">
+                <a16:creationId xmlns:a16="http://schemas.microsoft.com/office/drawing/2014/main" id="{9F51519D-48B2-D7FB-3991-82D29BE41F79}"/>
+              </a:ext>
+            </a:extLst>
+          </p:cNvPr>
+          <p:cNvSpPr txBox="1"/>
+          <p:nvPr/>
+        </p:nvSpPr>
+        <p:spPr>
+          <a:xfrm>
+            <a:off x="8519683" y="4214071"/>
+            <a:ext cx="3406877" cy="369332"/>
+          </a:xfrm>
+          <a:prstGeom prst="rect">
+            <a:avLst/>
+          </a:prstGeom>
+          <a:noFill/>
+        </p:spPr>
+        <p:txBody>
+          <a:bodyPr wrap="square" rtlCol="0">
+            <a:spAutoFit/>
+          </a:bodyPr>
+          <a:lstStyle/>
+          <a:p>
+            <a:r>
+              <a:rPr lang="pt-BR" dirty="0"/>
+              <a:t>{{titulo}}{{resumo}}{{data}}{{link}}</a:t>
+            </a:r>
+          </a:p>
+        </p:txBody>
+      </p:sp>
+    </p:spTree>
+    <p:extLst>
+      <p:ext uri="{BB962C8B-B14F-4D97-AF65-F5344CB8AC3E}">
+        <p14:creationId xmlns:p14="http://schemas.microsoft.com/office/powerpoint/2010/main" val="1750676262"/>
+      </p:ext>
+    </p:extLst>
+  </p:cSld>
+  <p:clrMapOvr>
+    <a:masterClrMapping/>
+  </p:clrMapOvr>
+</p:sld>
+</file>
+
+<file path=ppt/slides/slide2.xml><?xml version="1.0" encoding="utf-8"?>
+<p:sld xmlns:a="http://schemas.openxmlformats.org/drawingml/2006/main" xmlns:r="http://schemas.openxmlformats.org/officeDocument/2006/relationships" xmlns:p="http://schemas.openxmlformats.org/presentationml/2006/main">
+  <p:cSld>
+    <p:spTree>
+      <p:nvGrpSpPr>
+        <p:cNvPr id="1" name=""/>
+        <p:cNvGrpSpPr/>
+        <p:nvPr/>
+      </p:nvGrpSpPr>
+      <p:grpSpPr>
+        <a:xfrm>
+          <a:off x="0" y="0"/>
+          <a:ext cx="0" cy="0"/>
+          <a:chOff x="0" y="0"/>
+          <a:chExt cx="0" cy="0"/>
+        </a:xfrm>
+      </p:grpSpPr>
+      <p:sp>
+        <p:nvSpPr>
+          <p:cNvPr id="8" name="Retângulo 7">
+            <a:extLst>
+              <a:ext uri="{FF2B5EF4-FFF2-40B4-BE49-F238E27FC236}">
+                <a16:creationId xmlns:a16="http://schemas.microsoft.com/office/drawing/2014/main" id="{FEB689ED-4D3A-0434-5957-45766B48FBE1}"/>
+              </a:ext>
+            </a:extLst>
+          </p:cNvPr>
+          <p:cNvSpPr/>
+          <p:nvPr/>
+        </p:nvSpPr>
+        <p:spPr>
+          <a:xfrm>
+            <a:off x="4041423" y="0"/>
+            <a:ext cx="4109152" cy="8797474"/>
+          </a:xfrm>
+          <a:prstGeom prst="rect">
+            <a:avLst/>
+          </a:prstGeom>
+          <a:solidFill>
+            <a:schemeClr val="bg1">
+              <a:lumMod val="95000"/>
+            </a:schemeClr>
+          </a:solidFill>
+          <a:ln>
+            <a:noFill/>
+          </a:ln>
+        </p:spPr>
+        <p:style>
+          <a:lnRef idx="2">
+            <a:schemeClr val="accent1">
+              <a:shade val="15000"/>
+            </a:schemeClr>
+          </a:lnRef>
+          <a:fillRef idx="1">
+            <a:schemeClr val="accent1"/>
+          </a:fillRef>
+          <a:effectRef idx="0">
+            <a:schemeClr val="accent1"/>
+          </a:effectRef>
+          <a:fontRef idx="minor">
+            <a:schemeClr val="lt1"/>
+          </a:fontRef>
+        </p:style>
+        <p:txBody>
+          <a:bodyPr rtlCol="0" anchor="ctr"/>
+          <a:lstStyle/>
+          <a:p>
+            <a:pPr algn="ctr"/>
+            <a:endParaRPr lang="pt-BR" dirty="0"/>
+          </a:p>
+        </p:txBody>
+      </p:sp>
+      <p:cxnSp>
+        <p:nvCxnSpPr>
+          <p:cNvPr id="9" name="Conector reto 8">
+            <a:extLst>
+              <a:ext uri="{FF2B5EF4-FFF2-40B4-BE49-F238E27FC236}">
+                <a16:creationId xmlns:a16="http://schemas.microsoft.com/office/drawing/2014/main" id="{C62BAC27-C429-EB53-EDA7-C9916ACC2BE4}"/>
+              </a:ext>
+            </a:extLst>
+          </p:cNvPr>
+          <p:cNvCxnSpPr>
+            <a:cxnSpLocks/>
+          </p:cNvCxnSpPr>
+          <p:nvPr/>
+        </p:nvCxnSpPr>
+        <p:spPr>
+          <a:xfrm>
+            <a:off x="0" y="3429000"/>
+            <a:ext cx="12192000" cy="0"/>
+          </a:xfrm>
+          <a:prstGeom prst="line">
+            <a:avLst/>
+          </a:prstGeom>
+          <a:ln>
+            <a:solidFill>
+              <a:schemeClr val="bg1">
+                <a:lumMod val="85000"/>
+              </a:schemeClr>
+            </a:solidFill>
+          </a:ln>
+          <a:effectLst>
+            <a:outerShdw blurRad="50800" dist="38100" dir="2700000" algn="tl" rotWithShape="0">
+              <a:prstClr val="black">
+                <a:alpha val="40000"/>
+              </a:prstClr>
+            </a:outerShdw>
+          </a:effectLst>
+        </p:spPr>
+        <p:style>
+          <a:lnRef idx="1">
+            <a:schemeClr val="accent1"/>
+          </a:lnRef>
+          <a:fillRef idx="0">
+            <a:schemeClr val="accent1"/>
+          </a:fillRef>
+          <a:effectRef idx="0">
+            <a:schemeClr val="accent1"/>
+          </a:effectRef>
+          <a:fontRef idx="minor">
+            <a:schemeClr val="tx1"/>
+          </a:fontRef>
+        </p:style>
+      </p:cxnSp>
+      <p:sp>
+        <p:nvSpPr>
           <p:cNvPr id="4" name="Rectangle 1">
             <a:extLst>
               <a:ext uri="{FF2B5EF4-FFF2-40B4-BE49-F238E27FC236}">
@@ -4446,6 +4799,41 @@
               </a:solidFill>
               <a:latin typeface="Arial" panose="020B0604020202020204" pitchFamily="34" charset="0"/>
             </a:endParaRPr>
+          </a:p>
+        </p:txBody>
+      </p:sp>
+      <p:sp>
+        <p:nvSpPr>
+          <p:cNvPr id="2" name="CaixaDeTexto 1">
+            <a:extLst>
+              <a:ext uri="{FF2B5EF4-FFF2-40B4-BE49-F238E27FC236}">
+                <a16:creationId xmlns:a16="http://schemas.microsoft.com/office/drawing/2014/main" id="{82113B29-6AF9-5CDD-CAA0-353CE24C4197}"/>
+              </a:ext>
+            </a:extLst>
+          </p:cNvPr>
+          <p:cNvSpPr txBox="1"/>
+          <p:nvPr/>
+        </p:nvSpPr>
+        <p:spPr>
+          <a:xfrm>
+            <a:off x="412954" y="1710813"/>
+            <a:ext cx="3406877" cy="369332"/>
+          </a:xfrm>
+          <a:prstGeom prst="rect">
+            <a:avLst/>
+          </a:prstGeom>
+          <a:noFill/>
+        </p:spPr>
+        <p:txBody>
+          <a:bodyPr wrap="square" rtlCol="0">
+            <a:spAutoFit/>
+          </a:bodyPr>
+          <a:lstStyle/>
+          <a:p>
+            <a:r>
+              <a:rPr lang="pt-BR" dirty="0"/>
+              <a:t>{{titulo}}{{resumo}}{{data}}{{link}}</a:t>
+            </a:r>
           </a:p>
         </p:txBody>
       </p:sp>

--- a/template.pptx
+++ b/template.pptx
@@ -3454,7 +3454,7 @@
         <p:spPr>
           <a:xfrm>
             <a:off x="277729" y="1045119"/>
-            <a:ext cx="3406877" cy="369332"/>
+            <a:ext cx="4127120" cy="369332"/>
           </a:xfrm>
           <a:prstGeom prst="rect">
             <a:avLst/>
@@ -3489,7 +3489,7 @@
         <p:spPr>
           <a:xfrm>
             <a:off x="4392560" y="1045119"/>
-            <a:ext cx="3406877" cy="369332"/>
+            <a:ext cx="3984524" cy="369332"/>
           </a:xfrm>
           <a:prstGeom prst="rect">
             <a:avLst/>
@@ -3524,7 +3524,7 @@
         <p:spPr>
           <a:xfrm>
             <a:off x="8519683" y="1045119"/>
-            <a:ext cx="3406877" cy="369332"/>
+            <a:ext cx="4458898" cy="369332"/>
           </a:xfrm>
           <a:prstGeom prst="rect">
             <a:avLst/>
@@ -3559,7 +3559,7 @@
         <p:spPr>
           <a:xfrm>
             <a:off x="277729" y="4214071"/>
-            <a:ext cx="3406877" cy="369332"/>
+            <a:ext cx="4127120" cy="369332"/>
           </a:xfrm>
           <a:prstGeom prst="rect">
             <a:avLst/>
@@ -3594,7 +3594,7 @@
         <p:spPr>
           <a:xfrm>
             <a:off x="4404849" y="4214071"/>
-            <a:ext cx="3406877" cy="369332"/>
+            <a:ext cx="4109152" cy="369332"/>
           </a:xfrm>
           <a:prstGeom prst="rect">
             <a:avLst/>
@@ -3629,7 +3629,7 @@
         <p:spPr>
           <a:xfrm>
             <a:off x="8519683" y="4214071"/>
-            <a:ext cx="3406877" cy="369332"/>
+            <a:ext cx="4458898" cy="369332"/>
           </a:xfrm>
           <a:prstGeom prst="rect">
             <a:avLst/>

--- a/template.pptx
+++ b/template.pptx
@@ -3469,7 +3469,7 @@
           <a:p>
             <a:r>
               <a:rPr lang="pt-BR" dirty="0"/>
-              <a:t>{{titulo}}{{resumo}}{{data}}{{link}}</a:t>
+              <a:t>{{titulo}}, {{resumo}}, {{data}}, {{link}}</a:t>
             </a:r>
           </a:p>
         </p:txBody>
@@ -3646,6 +3646,234 @@
               <a:rPr lang="pt-BR" dirty="0"/>
               <a:t>{{titulo}}{{resumo}}{{data}}{{link}}</a:t>
             </a:r>
+          </a:p>
+        </p:txBody>
+      </p:sp>
+      <p:sp>
+        <p:nvSpPr>
+          <p:cNvPr id="16" name="CaixaDeTexto 15">
+            <a:extLst>
+              <a:ext uri="{FF2B5EF4-FFF2-40B4-BE49-F238E27FC236}">
+                <a16:creationId xmlns:a16="http://schemas.microsoft.com/office/drawing/2014/main" id="{8B55672E-D09D-ED02-0984-86446A6D1730}"/>
+              </a:ext>
+            </a:extLst>
+          </p:cNvPr>
+          <p:cNvSpPr txBox="1"/>
+          <p:nvPr/>
+        </p:nvSpPr>
+        <p:spPr>
+          <a:xfrm>
+            <a:off x="4205168" y="644896"/>
+            <a:ext cx="4127120" cy="369332"/>
+          </a:xfrm>
+          <a:prstGeom prst="rect">
+            <a:avLst/>
+          </a:prstGeom>
+          <a:noFill/>
+        </p:spPr>
+        <p:txBody>
+          <a:bodyPr wrap="square" rtlCol="0">
+            <a:spAutoFit/>
+          </a:bodyPr>
+          <a:lstStyle/>
+          <a:p>
+            <a:r>
+              <a:rPr lang="pt-BR" dirty="0"/>
+              <a:t>{{titulo}}, {{resumo}}, {{data}}, {{link}}</a:t>
+            </a:r>
+          </a:p>
+        </p:txBody>
+      </p:sp>
+      <p:sp>
+        <p:nvSpPr>
+          <p:cNvPr id="17" name="CaixaDeTexto 16">
+            <a:extLst>
+              <a:ext uri="{FF2B5EF4-FFF2-40B4-BE49-F238E27FC236}">
+                <a16:creationId xmlns:a16="http://schemas.microsoft.com/office/drawing/2014/main" id="{1E85EB1F-A0D4-0F4A-0E14-580F7E1B4F78}"/>
+              </a:ext>
+            </a:extLst>
+          </p:cNvPr>
+          <p:cNvSpPr txBox="1"/>
+          <p:nvPr/>
+        </p:nvSpPr>
+        <p:spPr>
+          <a:xfrm>
+            <a:off x="8314320" y="644896"/>
+            <a:ext cx="4127120" cy="369332"/>
+          </a:xfrm>
+          <a:prstGeom prst="rect">
+            <a:avLst/>
+          </a:prstGeom>
+          <a:noFill/>
+        </p:spPr>
+        <p:txBody>
+          <a:bodyPr wrap="square" rtlCol="0">
+            <a:spAutoFit/>
+          </a:bodyPr>
+          <a:lstStyle/>
+          <a:p>
+            <a:r>
+              <a:rPr lang="pt-BR" dirty="0"/>
+              <a:t>{{titulo}}, {{resumo}}, {{data}}, {{link}}</a:t>
+            </a:r>
+          </a:p>
+        </p:txBody>
+      </p:sp>
+      <p:sp>
+        <p:nvSpPr>
+          <p:cNvPr id="18" name="CaixaDeTexto 17">
+            <a:extLst>
+              <a:ext uri="{FF2B5EF4-FFF2-40B4-BE49-F238E27FC236}">
+                <a16:creationId xmlns:a16="http://schemas.microsoft.com/office/drawing/2014/main" id="{92F9ECF9-5C2A-D83C-3015-12935AA3A798}"/>
+              </a:ext>
+            </a:extLst>
+          </p:cNvPr>
+          <p:cNvSpPr txBox="1"/>
+          <p:nvPr/>
+        </p:nvSpPr>
+        <p:spPr>
+          <a:xfrm>
+            <a:off x="96016" y="3813848"/>
+            <a:ext cx="4127120" cy="369332"/>
+          </a:xfrm>
+          <a:prstGeom prst="rect">
+            <a:avLst/>
+          </a:prstGeom>
+          <a:noFill/>
+        </p:spPr>
+        <p:txBody>
+          <a:bodyPr wrap="square" rtlCol="0">
+            <a:spAutoFit/>
+          </a:bodyPr>
+          <a:lstStyle/>
+          <a:p>
+            <a:r>
+              <a:rPr lang="pt-BR" dirty="0"/>
+              <a:t>{{titulo}}, {{resumo}}, {{data}}, {{link}}</a:t>
+            </a:r>
+          </a:p>
+        </p:txBody>
+      </p:sp>
+      <p:sp>
+        <p:nvSpPr>
+          <p:cNvPr id="19" name="CaixaDeTexto 18">
+            <a:extLst>
+              <a:ext uri="{FF2B5EF4-FFF2-40B4-BE49-F238E27FC236}">
+                <a16:creationId xmlns:a16="http://schemas.microsoft.com/office/drawing/2014/main" id="{DF06D094-AED0-BF3F-E230-6CF66CF7FF72}"/>
+              </a:ext>
+            </a:extLst>
+          </p:cNvPr>
+          <p:cNvSpPr txBox="1"/>
+          <p:nvPr/>
+        </p:nvSpPr>
+        <p:spPr>
+          <a:xfrm>
+            <a:off x="4164507" y="3827202"/>
+            <a:ext cx="4127120" cy="369332"/>
+          </a:xfrm>
+          <a:prstGeom prst="rect">
+            <a:avLst/>
+          </a:prstGeom>
+          <a:noFill/>
+        </p:spPr>
+        <p:txBody>
+          <a:bodyPr wrap="square" rtlCol="0">
+            <a:spAutoFit/>
+          </a:bodyPr>
+          <a:lstStyle/>
+          <a:p>
+            <a:r>
+              <a:rPr lang="pt-BR" dirty="0"/>
+              <a:t>{{titulo}}, {{resumo}}, {{data}}, {{link}}</a:t>
+            </a:r>
+          </a:p>
+        </p:txBody>
+      </p:sp>
+      <p:sp>
+        <p:nvSpPr>
+          <p:cNvPr id="20" name="CaixaDeTexto 19">
+            <a:extLst>
+              <a:ext uri="{FF2B5EF4-FFF2-40B4-BE49-F238E27FC236}">
+                <a16:creationId xmlns:a16="http://schemas.microsoft.com/office/drawing/2014/main" id="{E46A58CA-22DC-C1CE-966A-E66B550275FE}"/>
+              </a:ext>
+            </a:extLst>
+          </p:cNvPr>
+          <p:cNvSpPr txBox="1"/>
+          <p:nvPr/>
+        </p:nvSpPr>
+        <p:spPr>
+          <a:xfrm>
+            <a:off x="8332288" y="3809665"/>
+            <a:ext cx="4127120" cy="369332"/>
+          </a:xfrm>
+          <a:prstGeom prst="rect">
+            <a:avLst/>
+          </a:prstGeom>
+          <a:noFill/>
+        </p:spPr>
+        <p:txBody>
+          <a:bodyPr wrap="square" rtlCol="0">
+            <a:spAutoFit/>
+          </a:bodyPr>
+          <a:lstStyle/>
+          <a:p>
+            <a:r>
+              <a:rPr lang="pt-BR" dirty="0"/>
+              <a:t>{{titulo}}, {{resumo}}, {{data}}, {{link}}</a:t>
+            </a:r>
+          </a:p>
+        </p:txBody>
+      </p:sp>
+      <p:sp>
+        <p:nvSpPr>
+          <p:cNvPr id="21" name="CaixaDeTexto 20">
+            <a:extLst>
+              <a:ext uri="{FF2B5EF4-FFF2-40B4-BE49-F238E27FC236}">
+                <a16:creationId xmlns:a16="http://schemas.microsoft.com/office/drawing/2014/main" id="{E278FB6B-836C-99E3-9FBA-81AB621C31E1}"/>
+              </a:ext>
+            </a:extLst>
+          </p:cNvPr>
+          <p:cNvSpPr txBox="1"/>
+          <p:nvPr/>
+        </p:nvSpPr>
+        <p:spPr>
+          <a:xfrm>
+            <a:off x="0" y="2043764"/>
+            <a:ext cx="12192000" cy="1477328"/>
+          </a:xfrm>
+          <a:prstGeom prst="rect">
+            <a:avLst/>
+          </a:prstGeom>
+          <a:noFill/>
+        </p:spPr>
+        <p:txBody>
+          <a:bodyPr wrap="square" rtlCol="0">
+            <a:spAutoFit/>
+          </a:bodyPr>
+          <a:lstStyle/>
+          <a:p>
+            <a:r>
+              <a:rPr lang="pt-BR" dirty="0"/>
+              <a:t>{{titulo}} {{resumo}}{{data}}{{link}} {{titulo}} {{resumo}}{{data}}{{link}}</a:t>
+            </a:r>
+          </a:p>
+          <a:p>
+            <a:r>
+              <a:rPr lang="pt-BR" dirty="0"/>
+              <a:t>{{titulo}} {{resumo}}{{data}}{{link}} {{titulo}} {{resumo}}{{data}}{{link}}</a:t>
+            </a:r>
+          </a:p>
+          <a:p>
+            <a:r>
+              <a:rPr lang="pt-BR" dirty="0"/>
+              <a:t>{{titulo}} {{resumo}}{{data}}{{link}} {{titulo}} {{resumo}}{{data}}{{link}}</a:t>
+            </a:r>
+          </a:p>
+          <a:p>
+            <a:endParaRPr lang="pt-BR" dirty="0"/>
+          </a:p>
+          <a:p>
+            <a:endParaRPr lang="pt-BR" dirty="0"/>
           </a:p>
         </p:txBody>
       </p:sp>

--- a/template.pptx
+++ b/template.pptx
@@ -3476,181 +3476,6 @@
       </p:sp>
       <p:sp>
         <p:nvSpPr>
-          <p:cNvPr id="3" name="CaixaDeTexto 2">
-            <a:extLst>
-              <a:ext uri="{FF2B5EF4-FFF2-40B4-BE49-F238E27FC236}">
-                <a16:creationId xmlns:a16="http://schemas.microsoft.com/office/drawing/2014/main" id="{C30D7C42-040C-9E66-953E-E8370B16231A}"/>
-              </a:ext>
-            </a:extLst>
-          </p:cNvPr>
-          <p:cNvSpPr txBox="1"/>
-          <p:nvPr/>
-        </p:nvSpPr>
-        <p:spPr>
-          <a:xfrm>
-            <a:off x="4392560" y="1045119"/>
-            <a:ext cx="3984524" cy="369332"/>
-          </a:xfrm>
-          <a:prstGeom prst="rect">
-            <a:avLst/>
-          </a:prstGeom>
-          <a:noFill/>
-        </p:spPr>
-        <p:txBody>
-          <a:bodyPr wrap="square" rtlCol="0">
-            <a:spAutoFit/>
-          </a:bodyPr>
-          <a:lstStyle/>
-          <a:p>
-            <a:r>
-              <a:rPr lang="pt-BR" dirty="0"/>
-              <a:t>{{titulo}}{{resumo}}{{data}}{{link}}</a:t>
-            </a:r>
-          </a:p>
-        </p:txBody>
-      </p:sp>
-      <p:sp>
-        <p:nvSpPr>
-          <p:cNvPr id="7" name="CaixaDeTexto 6">
-            <a:extLst>
-              <a:ext uri="{FF2B5EF4-FFF2-40B4-BE49-F238E27FC236}">
-                <a16:creationId xmlns:a16="http://schemas.microsoft.com/office/drawing/2014/main" id="{B1082F57-B5D6-D82B-BAF3-F367E26EF34A}"/>
-              </a:ext>
-            </a:extLst>
-          </p:cNvPr>
-          <p:cNvSpPr txBox="1"/>
-          <p:nvPr/>
-        </p:nvSpPr>
-        <p:spPr>
-          <a:xfrm>
-            <a:off x="8519683" y="1045119"/>
-            <a:ext cx="4458898" cy="369332"/>
-          </a:xfrm>
-          <a:prstGeom prst="rect">
-            <a:avLst/>
-          </a:prstGeom>
-          <a:noFill/>
-        </p:spPr>
-        <p:txBody>
-          <a:bodyPr wrap="square" rtlCol="0">
-            <a:spAutoFit/>
-          </a:bodyPr>
-          <a:lstStyle/>
-          <a:p>
-            <a:r>
-              <a:rPr lang="pt-BR" dirty="0"/>
-              <a:t>{{titulo}}{{resumo}}{{data}}{{link}}</a:t>
-            </a:r>
-          </a:p>
-        </p:txBody>
-      </p:sp>
-      <p:sp>
-        <p:nvSpPr>
-          <p:cNvPr id="10" name="CaixaDeTexto 9">
-            <a:extLst>
-              <a:ext uri="{FF2B5EF4-FFF2-40B4-BE49-F238E27FC236}">
-                <a16:creationId xmlns:a16="http://schemas.microsoft.com/office/drawing/2014/main" id="{4129EAF8-F4FB-021A-58B8-D451E5092F3D}"/>
-              </a:ext>
-            </a:extLst>
-          </p:cNvPr>
-          <p:cNvSpPr txBox="1"/>
-          <p:nvPr/>
-        </p:nvSpPr>
-        <p:spPr>
-          <a:xfrm>
-            <a:off x="277729" y="4214071"/>
-            <a:ext cx="4127120" cy="369332"/>
-          </a:xfrm>
-          <a:prstGeom prst="rect">
-            <a:avLst/>
-          </a:prstGeom>
-          <a:noFill/>
-        </p:spPr>
-        <p:txBody>
-          <a:bodyPr wrap="square" rtlCol="0">
-            <a:spAutoFit/>
-          </a:bodyPr>
-          <a:lstStyle/>
-          <a:p>
-            <a:r>
-              <a:rPr lang="pt-BR" dirty="0"/>
-              <a:t>{{titulo}}{{resumo}}{{data}}{{link}}</a:t>
-            </a:r>
-          </a:p>
-        </p:txBody>
-      </p:sp>
-      <p:sp>
-        <p:nvSpPr>
-          <p:cNvPr id="11" name="CaixaDeTexto 10">
-            <a:extLst>
-              <a:ext uri="{FF2B5EF4-FFF2-40B4-BE49-F238E27FC236}">
-                <a16:creationId xmlns:a16="http://schemas.microsoft.com/office/drawing/2014/main" id="{6501B847-8044-3726-21C5-B27DD55B4C1F}"/>
-              </a:ext>
-            </a:extLst>
-          </p:cNvPr>
-          <p:cNvSpPr txBox="1"/>
-          <p:nvPr/>
-        </p:nvSpPr>
-        <p:spPr>
-          <a:xfrm>
-            <a:off x="4404849" y="4214071"/>
-            <a:ext cx="4109152" cy="369332"/>
-          </a:xfrm>
-          <a:prstGeom prst="rect">
-            <a:avLst/>
-          </a:prstGeom>
-          <a:noFill/>
-        </p:spPr>
-        <p:txBody>
-          <a:bodyPr wrap="square" rtlCol="0">
-            <a:spAutoFit/>
-          </a:bodyPr>
-          <a:lstStyle/>
-          <a:p>
-            <a:r>
-              <a:rPr lang="pt-BR" dirty="0"/>
-              <a:t>{{titulo}}{{resumo}}{{data}}{{link}}</a:t>
-            </a:r>
-          </a:p>
-        </p:txBody>
-      </p:sp>
-      <p:sp>
-        <p:nvSpPr>
-          <p:cNvPr id="15" name="CaixaDeTexto 14">
-            <a:extLst>
-              <a:ext uri="{FF2B5EF4-FFF2-40B4-BE49-F238E27FC236}">
-                <a16:creationId xmlns:a16="http://schemas.microsoft.com/office/drawing/2014/main" id="{9F51519D-48B2-D7FB-3991-82D29BE41F79}"/>
-              </a:ext>
-            </a:extLst>
-          </p:cNvPr>
-          <p:cNvSpPr txBox="1"/>
-          <p:nvPr/>
-        </p:nvSpPr>
-        <p:spPr>
-          <a:xfrm>
-            <a:off x="8519683" y="4214071"/>
-            <a:ext cx="4458898" cy="369332"/>
-          </a:xfrm>
-          <a:prstGeom prst="rect">
-            <a:avLst/>
-          </a:prstGeom>
-          <a:noFill/>
-        </p:spPr>
-        <p:txBody>
-          <a:bodyPr wrap="square" rtlCol="0">
-            <a:spAutoFit/>
-          </a:bodyPr>
-          <a:lstStyle/>
-          <a:p>
-            <a:r>
-              <a:rPr lang="pt-BR" dirty="0"/>
-              <a:t>{{titulo}}{{resumo}}{{data}}{{link}}</a:t>
-            </a:r>
-          </a:p>
-        </p:txBody>
-      </p:sp>
-      <p:sp>
-        <p:nvSpPr>
           <p:cNvPr id="16" name="CaixaDeTexto 15">
             <a:extLst>
               <a:ext uri="{FF2B5EF4-FFF2-40B4-BE49-F238E27FC236}">
@@ -3821,59 +3646,6 @@
               <a:rPr lang="pt-BR" dirty="0"/>
               <a:t>{{titulo}}, {{resumo}}, {{data}}, {{link}}</a:t>
             </a:r>
-          </a:p>
-        </p:txBody>
-      </p:sp>
-      <p:sp>
-        <p:nvSpPr>
-          <p:cNvPr id="21" name="CaixaDeTexto 20">
-            <a:extLst>
-              <a:ext uri="{FF2B5EF4-FFF2-40B4-BE49-F238E27FC236}">
-                <a16:creationId xmlns:a16="http://schemas.microsoft.com/office/drawing/2014/main" id="{E278FB6B-836C-99E3-9FBA-81AB621C31E1}"/>
-              </a:ext>
-            </a:extLst>
-          </p:cNvPr>
-          <p:cNvSpPr txBox="1"/>
-          <p:nvPr/>
-        </p:nvSpPr>
-        <p:spPr>
-          <a:xfrm>
-            <a:off x="0" y="2043764"/>
-            <a:ext cx="12192000" cy="1477328"/>
-          </a:xfrm>
-          <a:prstGeom prst="rect">
-            <a:avLst/>
-          </a:prstGeom>
-          <a:noFill/>
-        </p:spPr>
-        <p:txBody>
-          <a:bodyPr wrap="square" rtlCol="0">
-            <a:spAutoFit/>
-          </a:bodyPr>
-          <a:lstStyle/>
-          <a:p>
-            <a:r>
-              <a:rPr lang="pt-BR" dirty="0"/>
-              <a:t>{{titulo}} {{resumo}}{{data}}{{link}} {{titulo}} {{resumo}}{{data}}{{link}}</a:t>
-            </a:r>
-          </a:p>
-          <a:p>
-            <a:r>
-              <a:rPr lang="pt-BR" dirty="0"/>
-              <a:t>{{titulo}} {{resumo}}{{data}}{{link}} {{titulo}} {{resumo}}{{data}}{{link}}</a:t>
-            </a:r>
-          </a:p>
-          <a:p>
-            <a:r>
-              <a:rPr lang="pt-BR" dirty="0"/>
-              <a:t>{{titulo}} {{resumo}}{{data}}{{link}} {{titulo}} {{resumo}}{{data}}{{link}}</a:t>
-            </a:r>
-          </a:p>
-          <a:p>
-            <a:endParaRPr lang="pt-BR" dirty="0"/>
-          </a:p>
-          <a:p>
-            <a:endParaRPr lang="pt-BR" dirty="0"/>
           </a:p>
         </p:txBody>
       </p:sp>

--- a/template.pptx
+++ b/template.pptx
@@ -302,7 +302,7 @@
           <a:p>
             <a:fld id="{5BCAD085-E8A6-8845-BD4E-CB4CCA059FC4}" type="datetimeFigureOut">
               <a:rPr lang="en-US" smtClean="0"/>
-              <a:t>5/23/2025</a:t>
+              <a:t>5/26/2025</a:t>
             </a:fld>
             <a:endParaRPr lang="en-US"/>
           </a:p>
@@ -470,7 +470,7 @@
           <a:p>
             <a:fld id="{5BCAD085-E8A6-8845-BD4E-CB4CCA059FC4}" type="datetimeFigureOut">
               <a:rPr lang="en-US" smtClean="0"/>
-              <a:t>5/23/2025</a:t>
+              <a:t>5/26/2025</a:t>
             </a:fld>
             <a:endParaRPr lang="en-US"/>
           </a:p>
@@ -648,7 +648,7 @@
           <a:p>
             <a:fld id="{5BCAD085-E8A6-8845-BD4E-CB4CCA059FC4}" type="datetimeFigureOut">
               <a:rPr lang="en-US" smtClean="0"/>
-              <a:t>5/23/2025</a:t>
+              <a:t>5/26/2025</a:t>
             </a:fld>
             <a:endParaRPr lang="en-US"/>
           </a:p>
@@ -816,7 +816,7 @@
           <a:p>
             <a:fld id="{5BCAD085-E8A6-8845-BD4E-CB4CCA059FC4}" type="datetimeFigureOut">
               <a:rPr lang="en-US" smtClean="0"/>
-              <a:t>5/23/2025</a:t>
+              <a:t>5/26/2025</a:t>
             </a:fld>
             <a:endParaRPr lang="en-US"/>
           </a:p>
@@ -1061,7 +1061,7 @@
           <a:p>
             <a:fld id="{5BCAD085-E8A6-8845-BD4E-CB4CCA059FC4}" type="datetimeFigureOut">
               <a:rPr lang="en-US" smtClean="0"/>
-              <a:t>5/23/2025</a:t>
+              <a:t>5/26/2025</a:t>
             </a:fld>
             <a:endParaRPr lang="en-US"/>
           </a:p>
@@ -1346,7 +1346,7 @@
           <a:p>
             <a:fld id="{5BCAD085-E8A6-8845-BD4E-CB4CCA059FC4}" type="datetimeFigureOut">
               <a:rPr lang="en-US" smtClean="0"/>
-              <a:t>5/23/2025</a:t>
+              <a:t>5/26/2025</a:t>
             </a:fld>
             <a:endParaRPr lang="en-US"/>
           </a:p>
@@ -1765,7 +1765,7 @@
           <a:p>
             <a:fld id="{5BCAD085-E8A6-8845-BD4E-CB4CCA059FC4}" type="datetimeFigureOut">
               <a:rPr lang="en-US" smtClean="0"/>
-              <a:t>5/23/2025</a:t>
+              <a:t>5/26/2025</a:t>
             </a:fld>
             <a:endParaRPr lang="en-US"/>
           </a:p>
@@ -1882,7 +1882,7 @@
           <a:p>
             <a:fld id="{5BCAD085-E8A6-8845-BD4E-CB4CCA059FC4}" type="datetimeFigureOut">
               <a:rPr lang="en-US" smtClean="0"/>
-              <a:t>5/23/2025</a:t>
+              <a:t>5/26/2025</a:t>
             </a:fld>
             <a:endParaRPr lang="en-US"/>
           </a:p>
@@ -1977,7 +1977,7 @@
           <a:p>
             <a:fld id="{5BCAD085-E8A6-8845-BD4E-CB4CCA059FC4}" type="datetimeFigureOut">
               <a:rPr lang="en-US" smtClean="0"/>
-              <a:t>5/23/2025</a:t>
+              <a:t>5/26/2025</a:t>
             </a:fld>
             <a:endParaRPr lang="en-US"/>
           </a:p>
@@ -2252,7 +2252,7 @@
           <a:p>
             <a:fld id="{5BCAD085-E8A6-8845-BD4E-CB4CCA059FC4}" type="datetimeFigureOut">
               <a:rPr lang="en-US" smtClean="0"/>
-              <a:t>5/23/2025</a:t>
+              <a:t>5/26/2025</a:t>
             </a:fld>
             <a:endParaRPr lang="en-US"/>
           </a:p>
@@ -2504,7 +2504,7 @@
           <a:p>
             <a:fld id="{5BCAD085-E8A6-8845-BD4E-CB4CCA059FC4}" type="datetimeFigureOut">
               <a:rPr lang="en-US" smtClean="0"/>
-              <a:t>5/23/2025</a:t>
+              <a:t>5/26/2025</a:t>
             </a:fld>
             <a:endParaRPr lang="en-US"/>
           </a:p>
@@ -2715,7 +2715,7 @@
           <a:p>
             <a:fld id="{5BCAD085-E8A6-8845-BD4E-CB4CCA059FC4}" type="datetimeFigureOut">
               <a:rPr lang="en-US" smtClean="0"/>
-              <a:t>5/23/2025</a:t>
+              <a:t>5/26/2025</a:t>
             </a:fld>
             <a:endParaRPr lang="en-US"/>
           </a:p>
@@ -3099,7 +3099,7 @@
         <p:spPr>
           <a:xfrm>
             <a:off x="274320" y="274320"/>
-            <a:ext cx="3931920" cy="2743200"/>
+            <a:ext cx="3931920" cy="830997"/>
           </a:xfrm>
           <a:prstGeom prst="rect">
             <a:avLst/>
@@ -3113,16 +3113,106 @@
           <a:lstStyle/>
           <a:p>
             <a:r>
-              <a:rPr sz="1200">
-                <a:solidFill>
-                  <a:srgbClr val="000000"/>
-                </a:solidFill>
-                <a:latin typeface="Calibri"/>
-              </a:rPr>
-              <a:t>{{titulo}}
-{{resumo}}
-Data: {{data}}
-{{link}}</a:t>
+              <a:rPr sz="1200" dirty="0">
+                <a:solidFill>
+                  <a:srgbClr val="000000"/>
+                </a:solidFill>
+                <a:latin typeface="Calibri"/>
+              </a:rPr>
+              <a:t>{{</a:t>
+            </a:r>
+            <a:r>
+              <a:rPr sz="1200" dirty="0" err="1">
+                <a:solidFill>
+                  <a:srgbClr val="000000"/>
+                </a:solidFill>
+                <a:latin typeface="Calibri"/>
+              </a:rPr>
+              <a:t>titulo</a:t>
+            </a:r>
+            <a:r>
+              <a:rPr lang="pt-BR" sz="1200" dirty="0">
+                <a:solidFill>
+                  <a:srgbClr val="000000"/>
+                </a:solidFill>
+                <a:latin typeface="Calibri"/>
+              </a:rPr>
+              <a:t>0</a:t>
+            </a:r>
+            <a:r>
+              <a:rPr sz="1200" dirty="0">
+                <a:solidFill>
+                  <a:srgbClr val="000000"/>
+                </a:solidFill>
+                <a:latin typeface="Calibri"/>
+              </a:rPr>
+              <a:t>}}
+{{</a:t>
+            </a:r>
+            <a:r>
+              <a:rPr sz="1200" dirty="0" err="1">
+                <a:solidFill>
+                  <a:srgbClr val="000000"/>
+                </a:solidFill>
+                <a:latin typeface="Calibri"/>
+              </a:rPr>
+              <a:t>resumo</a:t>
+            </a:r>
+            <a:r>
+              <a:rPr lang="pt-BR" sz="1200" dirty="0">
+                <a:solidFill>
+                  <a:srgbClr val="000000"/>
+                </a:solidFill>
+                <a:latin typeface="Calibri"/>
+              </a:rPr>
+              <a:t>0</a:t>
+            </a:r>
+            <a:r>
+              <a:rPr sz="1200" dirty="0">
+                <a:solidFill>
+                  <a:srgbClr val="000000"/>
+                </a:solidFill>
+                <a:latin typeface="Calibri"/>
+              </a:rPr>
+              <a:t>}}
+Data: {{data</a:t>
+            </a:r>
+            <a:r>
+              <a:rPr lang="pt-BR" sz="1200" dirty="0">
+                <a:solidFill>
+                  <a:srgbClr val="000000"/>
+                </a:solidFill>
+                <a:latin typeface="Calibri"/>
+              </a:rPr>
+              <a:t>0</a:t>
+            </a:r>
+            <a:r>
+              <a:rPr sz="1200" dirty="0">
+                <a:solidFill>
+                  <a:srgbClr val="000000"/>
+                </a:solidFill>
+                <a:latin typeface="Calibri"/>
+              </a:rPr>
+              <a:t>}}
+{{link</a:t>
+            </a:r>
+            <a:r>
+              <a:rPr lang="pt-BR" sz="1200" dirty="0">
+                <a:solidFill>
+                  <a:srgbClr val="000000"/>
+                </a:solidFill>
+                <a:latin typeface="Calibri"/>
+              </a:rPr>
+              <a:t>0</a:t>
+            </a:r>
+            <a:r>
+              <a:rPr sz="1200" dirty="0">
+                <a:solidFill>
+                  <a:srgbClr val="000000"/>
+                </a:solidFill>
+                <a:latin typeface="Calibri"/>
+              </a:rPr>
+              <a:t>}}</a:t>
             </a:r>
           </a:p>
         </p:txBody>
@@ -3136,7 +3226,7 @@
         <p:spPr>
           <a:xfrm>
             <a:off x="4297680" y="274320"/>
-            <a:ext cx="3931920" cy="2743200"/>
+            <a:ext cx="3931920" cy="830997"/>
           </a:xfrm>
           <a:prstGeom prst="rect">
             <a:avLst/>
@@ -3150,16 +3240,106 @@
           <a:lstStyle/>
           <a:p>
             <a:r>
-              <a:rPr sz="1200">
-                <a:solidFill>
-                  <a:srgbClr val="000000"/>
-                </a:solidFill>
-                <a:latin typeface="Calibri"/>
-              </a:rPr>
-              <a:t>{{titulo}}
-{{resumo}}
-Data: {{data}}
-{{link}}</a:t>
+              <a:rPr sz="1200" dirty="0">
+                <a:solidFill>
+                  <a:srgbClr val="000000"/>
+                </a:solidFill>
+                <a:latin typeface="Calibri"/>
+              </a:rPr>
+              <a:t>{{</a:t>
+            </a:r>
+            <a:r>
+              <a:rPr sz="1200" dirty="0" err="1">
+                <a:solidFill>
+                  <a:srgbClr val="000000"/>
+                </a:solidFill>
+                <a:latin typeface="Calibri"/>
+              </a:rPr>
+              <a:t>titulo</a:t>
+            </a:r>
+            <a:r>
+              <a:rPr lang="pt-BR" sz="1200" dirty="0">
+                <a:solidFill>
+                  <a:srgbClr val="000000"/>
+                </a:solidFill>
+                <a:latin typeface="Calibri"/>
+              </a:rPr>
+              <a:t>1</a:t>
+            </a:r>
+            <a:r>
+              <a:rPr sz="1200" dirty="0">
+                <a:solidFill>
+                  <a:srgbClr val="000000"/>
+                </a:solidFill>
+                <a:latin typeface="Calibri"/>
+              </a:rPr>
+              <a:t>}}
+{{</a:t>
+            </a:r>
+            <a:r>
+              <a:rPr sz="1200" dirty="0" err="1">
+                <a:solidFill>
+                  <a:srgbClr val="000000"/>
+                </a:solidFill>
+                <a:latin typeface="Calibri"/>
+              </a:rPr>
+              <a:t>resumo</a:t>
+            </a:r>
+            <a:r>
+              <a:rPr lang="pt-BR" sz="1200" dirty="0">
+                <a:solidFill>
+                  <a:srgbClr val="000000"/>
+                </a:solidFill>
+                <a:latin typeface="Calibri"/>
+              </a:rPr>
+              <a:t>1</a:t>
+            </a:r>
+            <a:r>
+              <a:rPr sz="1200" dirty="0">
+                <a:solidFill>
+                  <a:srgbClr val="000000"/>
+                </a:solidFill>
+                <a:latin typeface="Calibri"/>
+              </a:rPr>
+              <a:t>}}
+Data: {{data</a:t>
+            </a:r>
+            <a:r>
+              <a:rPr lang="pt-BR" sz="1200" dirty="0">
+                <a:solidFill>
+                  <a:srgbClr val="000000"/>
+                </a:solidFill>
+                <a:latin typeface="Calibri"/>
+              </a:rPr>
+              <a:t>1</a:t>
+            </a:r>
+            <a:r>
+              <a:rPr sz="1200" dirty="0">
+                <a:solidFill>
+                  <a:srgbClr val="000000"/>
+                </a:solidFill>
+                <a:latin typeface="Calibri"/>
+              </a:rPr>
+              <a:t>}}
+{{link</a:t>
+            </a:r>
+            <a:r>
+              <a:rPr lang="pt-BR" sz="1200" dirty="0">
+                <a:solidFill>
+                  <a:srgbClr val="000000"/>
+                </a:solidFill>
+                <a:latin typeface="Calibri"/>
+              </a:rPr>
+              <a:t>1</a:t>
+            </a:r>
+            <a:r>
+              <a:rPr sz="1200" dirty="0">
+                <a:solidFill>
+                  <a:srgbClr val="000000"/>
+                </a:solidFill>
+                <a:latin typeface="Calibri"/>
+              </a:rPr>
+              <a:t>}}</a:t>
             </a:r>
           </a:p>
         </p:txBody>
@@ -3173,7 +3353,7 @@
         <p:spPr>
           <a:xfrm>
             <a:off x="8321040" y="274320"/>
-            <a:ext cx="3931920" cy="2743200"/>
+            <a:ext cx="3931920" cy="830997"/>
           </a:xfrm>
           <a:prstGeom prst="rect">
             <a:avLst/>
@@ -3187,16 +3367,106 @@
           <a:lstStyle/>
           <a:p>
             <a:r>
-              <a:rPr sz="1200">
-                <a:solidFill>
-                  <a:srgbClr val="000000"/>
-                </a:solidFill>
-                <a:latin typeface="Calibri"/>
-              </a:rPr>
-              <a:t>{{titulo}}
-{{resumo}}
-Data: {{data}}
-{{link}}</a:t>
+              <a:rPr sz="1200" dirty="0">
+                <a:solidFill>
+                  <a:srgbClr val="000000"/>
+                </a:solidFill>
+                <a:latin typeface="Calibri"/>
+              </a:rPr>
+              <a:t>{{</a:t>
+            </a:r>
+            <a:r>
+              <a:rPr sz="1200" dirty="0" err="1">
+                <a:solidFill>
+                  <a:srgbClr val="000000"/>
+                </a:solidFill>
+                <a:latin typeface="Calibri"/>
+              </a:rPr>
+              <a:t>titulo</a:t>
+            </a:r>
+            <a:r>
+              <a:rPr lang="pt-BR" sz="1200" dirty="0">
+                <a:solidFill>
+                  <a:srgbClr val="000000"/>
+                </a:solidFill>
+                <a:latin typeface="Calibri"/>
+              </a:rPr>
+              <a:t>2</a:t>
+            </a:r>
+            <a:r>
+              <a:rPr sz="1200" dirty="0">
+                <a:solidFill>
+                  <a:srgbClr val="000000"/>
+                </a:solidFill>
+                <a:latin typeface="Calibri"/>
+              </a:rPr>
+              <a:t>}}
+{{</a:t>
+            </a:r>
+            <a:r>
+              <a:rPr sz="1200" dirty="0" err="1">
+                <a:solidFill>
+                  <a:srgbClr val="000000"/>
+                </a:solidFill>
+                <a:latin typeface="Calibri"/>
+              </a:rPr>
+              <a:t>resumo</a:t>
+            </a:r>
+            <a:r>
+              <a:rPr lang="pt-BR" sz="1200" dirty="0">
+                <a:solidFill>
+                  <a:srgbClr val="000000"/>
+                </a:solidFill>
+                <a:latin typeface="Calibri"/>
+              </a:rPr>
+              <a:t>2</a:t>
+            </a:r>
+            <a:r>
+              <a:rPr sz="1200" dirty="0">
+                <a:solidFill>
+                  <a:srgbClr val="000000"/>
+                </a:solidFill>
+                <a:latin typeface="Calibri"/>
+              </a:rPr>
+              <a:t>}}
+Data: {{data</a:t>
+            </a:r>
+            <a:r>
+              <a:rPr lang="pt-BR" sz="1200" dirty="0">
+                <a:solidFill>
+                  <a:srgbClr val="000000"/>
+                </a:solidFill>
+                <a:latin typeface="Calibri"/>
+              </a:rPr>
+              <a:t>2</a:t>
+            </a:r>
+            <a:r>
+              <a:rPr sz="1200" dirty="0">
+                <a:solidFill>
+                  <a:srgbClr val="000000"/>
+                </a:solidFill>
+                <a:latin typeface="Calibri"/>
+              </a:rPr>
+              <a:t>}}
+{{link</a:t>
+            </a:r>
+            <a:r>
+              <a:rPr lang="pt-BR" sz="1200" dirty="0">
+                <a:solidFill>
+                  <a:srgbClr val="000000"/>
+                </a:solidFill>
+                <a:latin typeface="Calibri"/>
+              </a:rPr>
+              <a:t>2</a:t>
+            </a:r>
+            <a:r>
+              <a:rPr sz="1200" dirty="0">
+                <a:solidFill>
+                  <a:srgbClr val="000000"/>
+                </a:solidFill>
+                <a:latin typeface="Calibri"/>
+              </a:rPr>
+              <a:t>}}</a:t>
             </a:r>
           </a:p>
         </p:txBody>
@@ -3210,7 +3480,7 @@
         <p:spPr>
           <a:xfrm>
             <a:off x="274320" y="3200400"/>
-            <a:ext cx="3931920" cy="2743200"/>
+            <a:ext cx="3931920" cy="830997"/>
           </a:xfrm>
           <a:prstGeom prst="rect">
             <a:avLst/>
@@ -3224,16 +3494,106 @@
           <a:lstStyle/>
           <a:p>
             <a:r>
-              <a:rPr sz="1200">
-                <a:solidFill>
-                  <a:srgbClr val="000000"/>
-                </a:solidFill>
-                <a:latin typeface="Calibri"/>
-              </a:rPr>
-              <a:t>{{titulo}}
-{{resumo}}
-Data: {{data}}
-{{link}}</a:t>
+              <a:rPr sz="1200" dirty="0">
+                <a:solidFill>
+                  <a:srgbClr val="000000"/>
+                </a:solidFill>
+                <a:latin typeface="Calibri"/>
+              </a:rPr>
+              <a:t>{{</a:t>
+            </a:r>
+            <a:r>
+              <a:rPr sz="1200" dirty="0" err="1">
+                <a:solidFill>
+                  <a:srgbClr val="000000"/>
+                </a:solidFill>
+                <a:latin typeface="Calibri"/>
+              </a:rPr>
+              <a:t>titulo</a:t>
+            </a:r>
+            <a:r>
+              <a:rPr lang="pt-BR" sz="1200" dirty="0">
+                <a:solidFill>
+                  <a:srgbClr val="000000"/>
+                </a:solidFill>
+                <a:latin typeface="Calibri"/>
+              </a:rPr>
+              <a:t>3</a:t>
+            </a:r>
+            <a:r>
+              <a:rPr sz="1200" dirty="0">
+                <a:solidFill>
+                  <a:srgbClr val="000000"/>
+                </a:solidFill>
+                <a:latin typeface="Calibri"/>
+              </a:rPr>
+              <a:t>}}
+{{</a:t>
+            </a:r>
+            <a:r>
+              <a:rPr sz="1200" dirty="0" err="1">
+                <a:solidFill>
+                  <a:srgbClr val="000000"/>
+                </a:solidFill>
+                <a:latin typeface="Calibri"/>
+              </a:rPr>
+              <a:t>resumo</a:t>
+            </a:r>
+            <a:r>
+              <a:rPr lang="pt-BR" sz="1200" dirty="0">
+                <a:solidFill>
+                  <a:srgbClr val="000000"/>
+                </a:solidFill>
+                <a:latin typeface="Calibri"/>
+              </a:rPr>
+              <a:t>3</a:t>
+            </a:r>
+            <a:r>
+              <a:rPr sz="1200" dirty="0">
+                <a:solidFill>
+                  <a:srgbClr val="000000"/>
+                </a:solidFill>
+                <a:latin typeface="Calibri"/>
+              </a:rPr>
+              <a:t>}}
+Data: {{data</a:t>
+            </a:r>
+            <a:r>
+              <a:rPr lang="pt-BR" sz="1200" dirty="0">
+                <a:solidFill>
+                  <a:srgbClr val="000000"/>
+                </a:solidFill>
+                <a:latin typeface="Calibri"/>
+              </a:rPr>
+              <a:t>3</a:t>
+            </a:r>
+            <a:r>
+              <a:rPr sz="1200" dirty="0">
+                <a:solidFill>
+                  <a:srgbClr val="000000"/>
+                </a:solidFill>
+                <a:latin typeface="Calibri"/>
+              </a:rPr>
+              <a:t>}}
+{{link</a:t>
+            </a:r>
+            <a:r>
+              <a:rPr lang="pt-BR" sz="1200" dirty="0">
+                <a:solidFill>
+                  <a:srgbClr val="000000"/>
+                </a:solidFill>
+                <a:latin typeface="Calibri"/>
+              </a:rPr>
+              <a:t>3</a:t>
+            </a:r>
+            <a:r>
+              <a:rPr sz="1200" dirty="0">
+                <a:solidFill>
+                  <a:srgbClr val="000000"/>
+                </a:solidFill>
+                <a:latin typeface="Calibri"/>
+              </a:rPr>
+              <a:t>}}</a:t>
             </a:r>
           </a:p>
         </p:txBody>
@@ -3247,7 +3607,7 @@
         <p:spPr>
           <a:xfrm>
             <a:off x="4297680" y="3200400"/>
-            <a:ext cx="3931920" cy="2743200"/>
+            <a:ext cx="3931920" cy="830997"/>
           </a:xfrm>
           <a:prstGeom prst="rect">
             <a:avLst/>
@@ -3261,16 +3621,106 @@
           <a:lstStyle/>
           <a:p>
             <a:r>
-              <a:rPr sz="1200">
-                <a:solidFill>
-                  <a:srgbClr val="000000"/>
-                </a:solidFill>
-                <a:latin typeface="Calibri"/>
-              </a:rPr>
-              <a:t>{{titulo}}
-{{resumo}}
-Data: {{data}}
-{{link}}</a:t>
+              <a:rPr sz="1200" dirty="0">
+                <a:solidFill>
+                  <a:srgbClr val="000000"/>
+                </a:solidFill>
+                <a:latin typeface="Calibri"/>
+              </a:rPr>
+              <a:t>{{</a:t>
+            </a:r>
+            <a:r>
+              <a:rPr sz="1200" dirty="0" err="1">
+                <a:solidFill>
+                  <a:srgbClr val="000000"/>
+                </a:solidFill>
+                <a:latin typeface="Calibri"/>
+              </a:rPr>
+              <a:t>titulo</a:t>
+            </a:r>
+            <a:r>
+              <a:rPr lang="pt-BR" sz="1200" dirty="0">
+                <a:solidFill>
+                  <a:srgbClr val="000000"/>
+                </a:solidFill>
+                <a:latin typeface="Calibri"/>
+              </a:rPr>
+              <a:t>4</a:t>
+            </a:r>
+            <a:r>
+              <a:rPr sz="1200" dirty="0">
+                <a:solidFill>
+                  <a:srgbClr val="000000"/>
+                </a:solidFill>
+                <a:latin typeface="Calibri"/>
+              </a:rPr>
+              <a:t>}}
+{{</a:t>
+            </a:r>
+            <a:r>
+              <a:rPr sz="1200" dirty="0" err="1">
+                <a:solidFill>
+                  <a:srgbClr val="000000"/>
+                </a:solidFill>
+                <a:latin typeface="Calibri"/>
+              </a:rPr>
+              <a:t>resumo</a:t>
+            </a:r>
+            <a:r>
+              <a:rPr lang="pt-BR" sz="1200" dirty="0">
+                <a:solidFill>
+                  <a:srgbClr val="000000"/>
+                </a:solidFill>
+                <a:latin typeface="Calibri"/>
+              </a:rPr>
+              <a:t>4</a:t>
+            </a:r>
+            <a:r>
+              <a:rPr sz="1200" dirty="0">
+                <a:solidFill>
+                  <a:srgbClr val="000000"/>
+                </a:solidFill>
+                <a:latin typeface="Calibri"/>
+              </a:rPr>
+              <a:t>}}
+Data: {{data</a:t>
+            </a:r>
+            <a:r>
+              <a:rPr lang="pt-BR" sz="1200" dirty="0">
+                <a:solidFill>
+                  <a:srgbClr val="000000"/>
+                </a:solidFill>
+                <a:latin typeface="Calibri"/>
+              </a:rPr>
+              <a:t>4</a:t>
+            </a:r>
+            <a:r>
+              <a:rPr sz="1200" dirty="0">
+                <a:solidFill>
+                  <a:srgbClr val="000000"/>
+                </a:solidFill>
+                <a:latin typeface="Calibri"/>
+              </a:rPr>
+              <a:t>}}
+{{link</a:t>
+            </a:r>
+            <a:r>
+              <a:rPr lang="pt-BR" sz="1200" dirty="0">
+                <a:solidFill>
+                  <a:srgbClr val="000000"/>
+                </a:solidFill>
+                <a:latin typeface="Calibri"/>
+              </a:rPr>
+              <a:t>4</a:t>
+            </a:r>
+            <a:r>
+              <a:rPr sz="1200" dirty="0">
+                <a:solidFill>
+                  <a:srgbClr val="000000"/>
+                </a:solidFill>
+                <a:latin typeface="Calibri"/>
+              </a:rPr>
+              <a:t>}}</a:t>
             </a:r>
           </a:p>
         </p:txBody>
@@ -3284,7 +3734,7 @@
         <p:spPr>
           <a:xfrm>
             <a:off x="8321040" y="3200400"/>
-            <a:ext cx="3931920" cy="2743200"/>
+            <a:ext cx="3931920" cy="830997"/>
           </a:xfrm>
           <a:prstGeom prst="rect">
             <a:avLst/>
@@ -3298,16 +3748,106 @@
           <a:lstStyle/>
           <a:p>
             <a:r>
-              <a:rPr sz="1200">
-                <a:solidFill>
-                  <a:srgbClr val="000000"/>
-                </a:solidFill>
-                <a:latin typeface="Calibri"/>
-              </a:rPr>
-              <a:t>{{titulo}}
-{{resumo}}
-Data: {{data}}
-{{link}}</a:t>
+              <a:rPr sz="1200" dirty="0">
+                <a:solidFill>
+                  <a:srgbClr val="000000"/>
+                </a:solidFill>
+                <a:latin typeface="Calibri"/>
+              </a:rPr>
+              <a:t>{{</a:t>
+            </a:r>
+            <a:r>
+              <a:rPr sz="1200" dirty="0" err="1">
+                <a:solidFill>
+                  <a:srgbClr val="000000"/>
+                </a:solidFill>
+                <a:latin typeface="Calibri"/>
+              </a:rPr>
+              <a:t>titulo</a:t>
+            </a:r>
+            <a:r>
+              <a:rPr lang="pt-BR" sz="1200" dirty="0">
+                <a:solidFill>
+                  <a:srgbClr val="000000"/>
+                </a:solidFill>
+                <a:latin typeface="Calibri"/>
+              </a:rPr>
+              <a:t>5</a:t>
+            </a:r>
+            <a:r>
+              <a:rPr sz="1200" dirty="0">
+                <a:solidFill>
+                  <a:srgbClr val="000000"/>
+                </a:solidFill>
+                <a:latin typeface="Calibri"/>
+              </a:rPr>
+              <a:t>}}
+{{</a:t>
+            </a:r>
+            <a:r>
+              <a:rPr sz="1200" dirty="0" err="1">
+                <a:solidFill>
+                  <a:srgbClr val="000000"/>
+                </a:solidFill>
+                <a:latin typeface="Calibri"/>
+              </a:rPr>
+              <a:t>resumo</a:t>
+            </a:r>
+            <a:r>
+              <a:rPr lang="pt-BR" sz="1200" dirty="0">
+                <a:solidFill>
+                  <a:srgbClr val="000000"/>
+                </a:solidFill>
+                <a:latin typeface="Calibri"/>
+              </a:rPr>
+              <a:t>5</a:t>
+            </a:r>
+            <a:r>
+              <a:rPr sz="1200" dirty="0">
+                <a:solidFill>
+                  <a:srgbClr val="000000"/>
+                </a:solidFill>
+                <a:latin typeface="Calibri"/>
+              </a:rPr>
+              <a:t>}}
+Data: {{data</a:t>
+            </a:r>
+            <a:r>
+              <a:rPr lang="pt-BR" sz="1200" dirty="0">
+                <a:solidFill>
+                  <a:srgbClr val="000000"/>
+                </a:solidFill>
+                <a:latin typeface="Calibri"/>
+              </a:rPr>
+              <a:t>5</a:t>
+            </a:r>
+            <a:r>
+              <a:rPr sz="1200" dirty="0">
+                <a:solidFill>
+                  <a:srgbClr val="000000"/>
+                </a:solidFill>
+                <a:latin typeface="Calibri"/>
+              </a:rPr>
+              <a:t>}}
+{{link</a:t>
+            </a:r>
+            <a:r>
+              <a:rPr lang="pt-BR" sz="1200" dirty="0">
+                <a:solidFill>
+                  <a:srgbClr val="000000"/>
+                </a:solidFill>
+                <a:latin typeface="Calibri"/>
+              </a:rPr>
+              <a:t>5</a:t>
+            </a:r>
+            <a:r>
+              <a:rPr sz="1200" dirty="0">
+                <a:solidFill>
+                  <a:srgbClr val="000000"/>
+                </a:solidFill>
+                <a:latin typeface="Calibri"/>
+              </a:rPr>
+              <a:t>}}</a:t>
             </a:r>
           </a:p>
         </p:txBody>

--- a/template.pptx
+++ b/template.pptx
@@ -1,19 +1,19 @@
 
 <file path=ppt/presentation.xml><?xml version="1.0" encoding="utf-8"?>
-<p:presentation xmlns:a="http://schemas.openxmlformats.org/drawingml/2006/main" xmlns:r="http://schemas.openxmlformats.org/officeDocument/2006/relationships" xmlns:p="http://schemas.openxmlformats.org/presentationml/2006/main" saveSubsetFonts="1" autoCompressPictures="0">
+<p:presentation xmlns:a="http://schemas.openxmlformats.org/drawingml/2006/main" xmlns:r="http://schemas.openxmlformats.org/officeDocument/2006/relationships" xmlns:p="http://schemas.openxmlformats.org/presentationml/2006/main" saveSubsetFonts="1">
   <p:sldMasterIdLst>
     <p:sldMasterId id="2147483648" r:id="rId1"/>
   </p:sldMasterIdLst>
   <p:sldIdLst>
     <p:sldId id="256" r:id="rId2"/>
   </p:sldIdLst>
-  <p:sldSz cx="12188825" cy="6858000"/>
+  <p:sldSz cx="12192000" cy="6858000"/>
   <p:notesSz cx="6858000" cy="9144000"/>
   <p:defaultTextStyle>
     <a:defPPr>
-      <a:defRPr lang="en-US"/>
+      <a:defRPr lang="pt-BR"/>
     </a:defPPr>
-    <a:lvl1pPr marL="0" algn="l" defTabSz="457200" rtl="0" eaLnBrk="1" latinLnBrk="0" hangingPunct="1">
+    <a:lvl1pPr marL="0" algn="l" defTabSz="914400" rtl="0" eaLnBrk="1" latinLnBrk="0" hangingPunct="1">
       <a:defRPr sz="1800" kern="1200">
         <a:solidFill>
           <a:schemeClr val="tx1"/>
@@ -23,7 +23,7 @@
         <a:cs typeface="+mn-cs"/>
       </a:defRPr>
     </a:lvl1pPr>
-    <a:lvl2pPr marL="457200" algn="l" defTabSz="457200" rtl="0" eaLnBrk="1" latinLnBrk="0" hangingPunct="1">
+    <a:lvl2pPr marL="457200" algn="l" defTabSz="914400" rtl="0" eaLnBrk="1" latinLnBrk="0" hangingPunct="1">
       <a:defRPr sz="1800" kern="1200">
         <a:solidFill>
           <a:schemeClr val="tx1"/>
@@ -33,7 +33,7 @@
         <a:cs typeface="+mn-cs"/>
       </a:defRPr>
     </a:lvl2pPr>
-    <a:lvl3pPr marL="914400" algn="l" defTabSz="457200" rtl="0" eaLnBrk="1" latinLnBrk="0" hangingPunct="1">
+    <a:lvl3pPr marL="914400" algn="l" defTabSz="914400" rtl="0" eaLnBrk="1" latinLnBrk="0" hangingPunct="1">
       <a:defRPr sz="1800" kern="1200">
         <a:solidFill>
           <a:schemeClr val="tx1"/>
@@ -43,7 +43,7 @@
         <a:cs typeface="+mn-cs"/>
       </a:defRPr>
     </a:lvl3pPr>
-    <a:lvl4pPr marL="1371600" algn="l" defTabSz="457200" rtl="0" eaLnBrk="1" latinLnBrk="0" hangingPunct="1">
+    <a:lvl4pPr marL="1371600" algn="l" defTabSz="914400" rtl="0" eaLnBrk="1" latinLnBrk="0" hangingPunct="1">
       <a:defRPr sz="1800" kern="1200">
         <a:solidFill>
           <a:schemeClr val="tx1"/>
@@ -53,7 +53,7 @@
         <a:cs typeface="+mn-cs"/>
       </a:defRPr>
     </a:lvl4pPr>
-    <a:lvl5pPr marL="1828800" algn="l" defTabSz="457200" rtl="0" eaLnBrk="1" latinLnBrk="0" hangingPunct="1">
+    <a:lvl5pPr marL="1828800" algn="l" defTabSz="914400" rtl="0" eaLnBrk="1" latinLnBrk="0" hangingPunct="1">
       <a:defRPr sz="1800" kern="1200">
         <a:solidFill>
           <a:schemeClr val="tx1"/>
@@ -63,7 +63,7 @@
         <a:cs typeface="+mn-cs"/>
       </a:defRPr>
     </a:lvl5pPr>
-    <a:lvl6pPr marL="2286000" algn="l" defTabSz="457200" rtl="0" eaLnBrk="1" latinLnBrk="0" hangingPunct="1">
+    <a:lvl6pPr marL="2286000" algn="l" defTabSz="914400" rtl="0" eaLnBrk="1" latinLnBrk="0" hangingPunct="1">
       <a:defRPr sz="1800" kern="1200">
         <a:solidFill>
           <a:schemeClr val="tx1"/>
@@ -73,7 +73,7 @@
         <a:cs typeface="+mn-cs"/>
       </a:defRPr>
     </a:lvl6pPr>
-    <a:lvl7pPr marL="2743200" algn="l" defTabSz="457200" rtl="0" eaLnBrk="1" latinLnBrk="0" hangingPunct="1">
+    <a:lvl7pPr marL="2743200" algn="l" defTabSz="914400" rtl="0" eaLnBrk="1" latinLnBrk="0" hangingPunct="1">
       <a:defRPr sz="1800" kern="1200">
         <a:solidFill>
           <a:schemeClr val="tx1"/>
@@ -83,7 +83,7 @@
         <a:cs typeface="+mn-cs"/>
       </a:defRPr>
     </a:lvl7pPr>
-    <a:lvl8pPr marL="3200400" algn="l" defTabSz="457200" rtl="0" eaLnBrk="1" latinLnBrk="0" hangingPunct="1">
+    <a:lvl8pPr marL="3200400" algn="l" defTabSz="914400" rtl="0" eaLnBrk="1" latinLnBrk="0" hangingPunct="1">
       <a:defRPr sz="1800" kern="1200">
         <a:solidFill>
           <a:schemeClr val="tx1"/>
@@ -93,7 +93,7 @@
         <a:cs typeface="+mn-cs"/>
       </a:defRPr>
     </a:lvl8pPr>
-    <a:lvl9pPr marL="3657600" algn="l" defTabSz="457200" rtl="0" eaLnBrk="1" latinLnBrk="0" hangingPunct="1">
+    <a:lvl9pPr marL="3657600" algn="l" defTabSz="914400" rtl="0" eaLnBrk="1" latinLnBrk="0" hangingPunct="1">
       <a:defRPr sz="1800" kern="1200">
         <a:solidFill>
           <a:schemeClr val="tx1"/>
@@ -106,18 +106,7 @@
   </p:defaultTextStyle>
   <p:extLst>
     <p:ext uri="{EFAFB233-063F-42B5-8137-9DF3F51BA10A}">
-      <p15:sldGuideLst xmlns:p15="http://schemas.microsoft.com/office/powerpoint/2012/main">
-        <p15:guide id="1" orient="horz" pos="2160">
-          <p15:clr>
-            <a:srgbClr val="A4A3A4"/>
-          </p15:clr>
-        </p15:guide>
-        <p15:guide id="2" pos="2880">
-          <p15:clr>
-            <a:srgbClr val="A4A3A4"/>
-          </p15:clr>
-        </p15:guide>
-      </p15:sldGuideLst>
+      <p15:sldGuideLst xmlns:p15="http://schemas.microsoft.com/office/powerpoint/2012/main"/>
     </p:ext>
   </p:extLst>
 </p:presentation>
@@ -125,7 +114,7 @@
 
 <file path=ppt/slideLayouts/slideLayout1.xml><?xml version="1.0" encoding="utf-8"?>
 <p:sldLayout xmlns:a="http://schemas.openxmlformats.org/drawingml/2006/main" xmlns:r="http://schemas.openxmlformats.org/officeDocument/2006/relationships" xmlns:p="http://schemas.openxmlformats.org/presentationml/2006/main" type="title" preserve="1">
-  <p:cSld name="Title Slide">
+  <p:cSld name="Slide de Título">
     <p:spTree>
       <p:nvGrpSpPr>
         <p:cNvPr id="1" name=""/>
@@ -142,7 +131,13 @@
       </p:grpSpPr>
       <p:sp>
         <p:nvSpPr>
-          <p:cNvPr id="2" name="Title 1"/>
+          <p:cNvPr id="2" name="Título 1">
+            <a:extLst>
+              <a:ext uri="{FF2B5EF4-FFF2-40B4-BE49-F238E27FC236}">
+                <a16:creationId xmlns:a16="http://schemas.microsoft.com/office/drawing/2014/main" id="{B663D9F5-F95F-B67D-B348-B469C4D757E7}"/>
+              </a:ext>
+            </a:extLst>
+          </p:cNvPr>
           <p:cNvSpPr>
             <a:spLocks noGrp="1"/>
           </p:cNvSpPr>
@@ -152,24 +147,34 @@
         </p:nvSpPr>
         <p:spPr>
           <a:xfrm>
-            <a:off x="685800" y="2130425"/>
-            <a:ext cx="7772400" cy="1470025"/>
+            <a:off x="1524000" y="1122363"/>
+            <a:ext cx="9144000" cy="2387600"/>
           </a:xfrm>
         </p:spPr>
         <p:txBody>
-          <a:bodyPr/>
-          <a:lstStyle/>
-          <a:p>
-            <a:r>
-              <a:rPr lang="en-US"/>
-              <a:t>Click to edit Master title style</a:t>
-            </a:r>
-          </a:p>
-        </p:txBody>
-      </p:sp>
-      <p:sp>
-        <p:nvSpPr>
-          <p:cNvPr id="3" name="Subtitle 2"/>
+          <a:bodyPr anchor="b"/>
+          <a:lstStyle>
+            <a:lvl1pPr algn="ctr">
+              <a:defRPr sz="6000"/>
+            </a:lvl1pPr>
+          </a:lstStyle>
+          <a:p>
+            <a:r>
+              <a:rPr lang="pt-BR"/>
+              <a:t>Clique para editar o título Mestre</a:t>
+            </a:r>
+          </a:p>
+        </p:txBody>
+      </p:sp>
+      <p:sp>
+        <p:nvSpPr>
+          <p:cNvPr id="3" name="Subtítulo 2">
+            <a:extLst>
+              <a:ext uri="{FF2B5EF4-FFF2-40B4-BE49-F238E27FC236}">
+                <a16:creationId xmlns:a16="http://schemas.microsoft.com/office/drawing/2014/main" id="{E48E4E82-637B-3999-A3C6-6F93ED9AF0E4}"/>
+              </a:ext>
+            </a:extLst>
+          </p:cNvPr>
           <p:cNvSpPr>
             <a:spLocks noGrp="1"/>
           </p:cNvSpPr>
@@ -179,8 +184,8 @@
         </p:nvSpPr>
         <p:spPr>
           <a:xfrm>
-            <a:off x="1371600" y="3886200"/>
-            <a:ext cx="6400800" cy="1752600"/>
+            <a:off x="1524000" y="3602038"/>
+            <a:ext cx="9144000" cy="1655762"/>
           </a:xfrm>
         </p:spPr>
         <p:txBody>
@@ -188,106 +193,58 @@
           <a:lstStyle>
             <a:lvl1pPr marL="0" indent="0" algn="ctr">
               <a:buNone/>
-              <a:defRPr>
-                <a:solidFill>
-                  <a:schemeClr val="tx1">
-                    <a:tint val="75000"/>
-                  </a:schemeClr>
-                </a:solidFill>
-              </a:defRPr>
+              <a:defRPr sz="2400"/>
             </a:lvl1pPr>
             <a:lvl2pPr marL="457200" indent="0" algn="ctr">
               <a:buNone/>
-              <a:defRPr>
-                <a:solidFill>
-                  <a:schemeClr val="tx1">
-                    <a:tint val="75000"/>
-                  </a:schemeClr>
-                </a:solidFill>
-              </a:defRPr>
+              <a:defRPr sz="2000"/>
             </a:lvl2pPr>
             <a:lvl3pPr marL="914400" indent="0" algn="ctr">
               <a:buNone/>
-              <a:defRPr>
-                <a:solidFill>
-                  <a:schemeClr val="tx1">
-                    <a:tint val="75000"/>
-                  </a:schemeClr>
-                </a:solidFill>
-              </a:defRPr>
+              <a:defRPr sz="1800"/>
             </a:lvl3pPr>
             <a:lvl4pPr marL="1371600" indent="0" algn="ctr">
               <a:buNone/>
-              <a:defRPr>
-                <a:solidFill>
-                  <a:schemeClr val="tx1">
-                    <a:tint val="75000"/>
-                  </a:schemeClr>
-                </a:solidFill>
-              </a:defRPr>
+              <a:defRPr sz="1600"/>
             </a:lvl4pPr>
             <a:lvl5pPr marL="1828800" indent="0" algn="ctr">
               <a:buNone/>
-              <a:defRPr>
-                <a:solidFill>
-                  <a:schemeClr val="tx1">
-                    <a:tint val="75000"/>
-                  </a:schemeClr>
-                </a:solidFill>
-              </a:defRPr>
+              <a:defRPr sz="1600"/>
             </a:lvl5pPr>
             <a:lvl6pPr marL="2286000" indent="0" algn="ctr">
               <a:buNone/>
-              <a:defRPr>
-                <a:solidFill>
-                  <a:schemeClr val="tx1">
-                    <a:tint val="75000"/>
-                  </a:schemeClr>
-                </a:solidFill>
-              </a:defRPr>
+              <a:defRPr sz="1600"/>
             </a:lvl6pPr>
             <a:lvl7pPr marL="2743200" indent="0" algn="ctr">
               <a:buNone/>
-              <a:defRPr>
-                <a:solidFill>
-                  <a:schemeClr val="tx1">
-                    <a:tint val="75000"/>
-                  </a:schemeClr>
-                </a:solidFill>
-              </a:defRPr>
+              <a:defRPr sz="1600"/>
             </a:lvl7pPr>
             <a:lvl8pPr marL="3200400" indent="0" algn="ctr">
               <a:buNone/>
-              <a:defRPr>
-                <a:solidFill>
-                  <a:schemeClr val="tx1">
-                    <a:tint val="75000"/>
-                  </a:schemeClr>
-                </a:solidFill>
-              </a:defRPr>
+              <a:defRPr sz="1600"/>
             </a:lvl8pPr>
             <a:lvl9pPr marL="3657600" indent="0" algn="ctr">
               <a:buNone/>
-              <a:defRPr>
-                <a:solidFill>
-                  <a:schemeClr val="tx1">
-                    <a:tint val="75000"/>
-                  </a:schemeClr>
-                </a:solidFill>
-              </a:defRPr>
+              <a:defRPr sz="1600"/>
             </a:lvl9pPr>
           </a:lstStyle>
           <a:p>
             <a:r>
-              <a:rPr lang="en-US"/>
-              <a:t>Click to edit Master subtitle style</a:t>
-            </a:r>
-          </a:p>
-        </p:txBody>
-      </p:sp>
-      <p:sp>
-        <p:nvSpPr>
-          <p:cNvPr id="4" name="Date Placeholder 3"/>
+              <a:rPr lang="pt-BR"/>
+              <a:t>Clique para editar o estilo do subtítulo Mestre</a:t>
+            </a:r>
+          </a:p>
+        </p:txBody>
+      </p:sp>
+      <p:sp>
+        <p:nvSpPr>
+          <p:cNvPr id="4" name="Espaço Reservado para Data 3">
+            <a:extLst>
+              <a:ext uri="{FF2B5EF4-FFF2-40B4-BE49-F238E27FC236}">
+                <a16:creationId xmlns:a16="http://schemas.microsoft.com/office/drawing/2014/main" id="{CDE20CAD-D2CA-F6A3-0BBF-69D7B5780D4B}"/>
+              </a:ext>
+            </a:extLst>
+          </p:cNvPr>
           <p:cNvSpPr>
             <a:spLocks noGrp="1"/>
           </p:cNvSpPr>
@@ -300,17 +257,23 @@
           <a:bodyPr/>
           <a:lstStyle/>
           <a:p>
-            <a:fld id="{5BCAD085-E8A6-8845-BD4E-CB4CCA059FC4}" type="datetimeFigureOut">
-              <a:rPr lang="en-US" smtClean="0"/>
-              <a:t>5/26/2025</a:t>
+            <a:fld id="{6B41E399-D0A3-4498-B3E0-9E6446FE780E}" type="datetimeFigureOut">
+              <a:rPr lang="pt-BR" smtClean="0"/>
+              <a:t>27/05/2025</a:t>
             </a:fld>
-            <a:endParaRPr lang="en-US"/>
-          </a:p>
-        </p:txBody>
-      </p:sp>
-      <p:sp>
-        <p:nvSpPr>
-          <p:cNvPr id="5" name="Footer Placeholder 4"/>
+            <a:endParaRPr lang="pt-BR"/>
+          </a:p>
+        </p:txBody>
+      </p:sp>
+      <p:sp>
+        <p:nvSpPr>
+          <p:cNvPr id="5" name="Espaço Reservado para Rodapé 4">
+            <a:extLst>
+              <a:ext uri="{FF2B5EF4-FFF2-40B4-BE49-F238E27FC236}">
+                <a16:creationId xmlns:a16="http://schemas.microsoft.com/office/drawing/2014/main" id="{89A92D96-E0F2-D96C-4C4B-5D17873969B5}"/>
+              </a:ext>
+            </a:extLst>
+          </p:cNvPr>
           <p:cNvSpPr>
             <a:spLocks noGrp="1"/>
           </p:cNvSpPr>
@@ -323,13 +286,19 @@
           <a:bodyPr/>
           <a:lstStyle/>
           <a:p>
-            <a:endParaRPr lang="en-US"/>
-          </a:p>
-        </p:txBody>
-      </p:sp>
-      <p:sp>
-        <p:nvSpPr>
-          <p:cNvPr id="6" name="Slide Number Placeholder 5"/>
+            <a:endParaRPr lang="pt-BR"/>
+          </a:p>
+        </p:txBody>
+      </p:sp>
+      <p:sp>
+        <p:nvSpPr>
+          <p:cNvPr id="6" name="Espaço Reservado para Número de Slide 5">
+            <a:extLst>
+              <a:ext uri="{FF2B5EF4-FFF2-40B4-BE49-F238E27FC236}">
+                <a16:creationId xmlns:a16="http://schemas.microsoft.com/office/drawing/2014/main" id="{42869A8B-C2BE-9F9E-A36A-B48653544E27}"/>
+              </a:ext>
+            </a:extLst>
+          </p:cNvPr>
           <p:cNvSpPr>
             <a:spLocks noGrp="1"/>
           </p:cNvSpPr>
@@ -342,18 +311,18 @@
           <a:bodyPr/>
           <a:lstStyle/>
           <a:p>
-            <a:fld id="{C1FF6DA9-008F-8B48-92A6-B652298478BF}" type="slidenum">
-              <a:rPr lang="en-US" smtClean="0"/>
+            <a:fld id="{70EFE1CA-2B32-4008-9B20-345CAE736A93}" type="slidenum">
+              <a:rPr lang="pt-BR" smtClean="0"/>
               <a:t>‹nº›</a:t>
             </a:fld>
-            <a:endParaRPr lang="en-US"/>
+            <a:endParaRPr lang="pt-BR"/>
           </a:p>
         </p:txBody>
       </p:sp>
     </p:spTree>
     <p:extLst>
       <p:ext uri="{BB962C8B-B14F-4D97-AF65-F5344CB8AC3E}">
-        <p14:creationId xmlns:p14="http://schemas.microsoft.com/office/powerpoint/2010/main" val="3168075583"/>
+        <p14:creationId xmlns:p14="http://schemas.microsoft.com/office/powerpoint/2010/main" val="3949342394"/>
       </p:ext>
     </p:extLst>
   </p:cSld>
@@ -365,7 +334,7 @@
 
 <file path=ppt/slideLayouts/slideLayout10.xml><?xml version="1.0" encoding="utf-8"?>
 <p:sldLayout xmlns:a="http://schemas.openxmlformats.org/drawingml/2006/main" xmlns:r="http://schemas.openxmlformats.org/officeDocument/2006/relationships" xmlns:p="http://schemas.openxmlformats.org/presentationml/2006/main" type="vertTx" preserve="1">
-  <p:cSld name="Title and Vertical Text">
+  <p:cSld name="Título e Texto Vertical">
     <p:spTree>
       <p:nvGrpSpPr>
         <p:cNvPr id="1" name=""/>
@@ -382,7 +351,13 @@
       </p:grpSpPr>
       <p:sp>
         <p:nvSpPr>
-          <p:cNvPr id="2" name="Title 1"/>
+          <p:cNvPr id="2" name="Título 1">
+            <a:extLst>
+              <a:ext uri="{FF2B5EF4-FFF2-40B4-BE49-F238E27FC236}">
+                <a16:creationId xmlns:a16="http://schemas.microsoft.com/office/drawing/2014/main" id="{67EA135E-4214-90A0-132A-F860898A2537}"/>
+              </a:ext>
+            </a:extLst>
+          </p:cNvPr>
           <p:cNvSpPr>
             <a:spLocks noGrp="1"/>
           </p:cNvSpPr>
@@ -396,15 +371,21 @@
           <a:lstStyle/>
           <a:p>
             <a:r>
-              <a:rPr lang="en-US"/>
-              <a:t>Click to edit Master title style</a:t>
-            </a:r>
-          </a:p>
-        </p:txBody>
-      </p:sp>
-      <p:sp>
-        <p:nvSpPr>
-          <p:cNvPr id="3" name="Vertical Text Placeholder 2"/>
+              <a:rPr lang="pt-BR"/>
+              <a:t>Clique para editar o título Mestre</a:t>
+            </a:r>
+          </a:p>
+        </p:txBody>
+      </p:sp>
+      <p:sp>
+        <p:nvSpPr>
+          <p:cNvPr id="3" name="Espaço Reservado para Texto Vertical 2">
+            <a:extLst>
+              <a:ext uri="{FF2B5EF4-FFF2-40B4-BE49-F238E27FC236}">
+                <a16:creationId xmlns:a16="http://schemas.microsoft.com/office/drawing/2014/main" id="{7A6F73DD-98AA-2F09-C8C6-F2C30EE571DE}"/>
+              </a:ext>
+            </a:extLst>
+          </p:cNvPr>
           <p:cNvSpPr>
             <a:spLocks noGrp="1"/>
           </p:cNvSpPr>
@@ -419,43 +400,49 @@
           <a:p>
             <a:pPr lvl="0"/>
             <a:r>
-              <a:rPr lang="en-US"/>
-              <a:t>Click to edit Master text styles</a:t>
+              <a:rPr lang="pt-BR"/>
+              <a:t>Clique para editar os estilos de texto Mestres</a:t>
             </a:r>
           </a:p>
           <a:p>
             <a:pPr lvl="1"/>
             <a:r>
-              <a:rPr lang="en-US"/>
-              <a:t>Second level</a:t>
+              <a:rPr lang="pt-BR"/>
+              <a:t>Segundo nível</a:t>
             </a:r>
           </a:p>
           <a:p>
             <a:pPr lvl="2"/>
             <a:r>
-              <a:rPr lang="en-US"/>
-              <a:t>Third level</a:t>
+              <a:rPr lang="pt-BR"/>
+              <a:t>Terceiro nível</a:t>
             </a:r>
           </a:p>
           <a:p>
             <a:pPr lvl="3"/>
             <a:r>
-              <a:rPr lang="en-US"/>
-              <a:t>Fourth level</a:t>
+              <a:rPr lang="pt-BR"/>
+              <a:t>Quarto nível</a:t>
             </a:r>
           </a:p>
           <a:p>
             <a:pPr lvl="4"/>
             <a:r>
-              <a:rPr lang="en-US"/>
-              <a:t>Fifth level</a:t>
-            </a:r>
-          </a:p>
-        </p:txBody>
-      </p:sp>
-      <p:sp>
-        <p:nvSpPr>
-          <p:cNvPr id="4" name="Date Placeholder 3"/>
+              <a:rPr lang="pt-BR"/>
+              <a:t>Quinto nível</a:t>
+            </a:r>
+          </a:p>
+        </p:txBody>
+      </p:sp>
+      <p:sp>
+        <p:nvSpPr>
+          <p:cNvPr id="4" name="Espaço Reservado para Data 3">
+            <a:extLst>
+              <a:ext uri="{FF2B5EF4-FFF2-40B4-BE49-F238E27FC236}">
+                <a16:creationId xmlns:a16="http://schemas.microsoft.com/office/drawing/2014/main" id="{B6A266AA-504D-8F72-7665-4C27CB539960}"/>
+              </a:ext>
+            </a:extLst>
+          </p:cNvPr>
           <p:cNvSpPr>
             <a:spLocks noGrp="1"/>
           </p:cNvSpPr>
@@ -468,17 +455,23 @@
           <a:bodyPr/>
           <a:lstStyle/>
           <a:p>
-            <a:fld id="{5BCAD085-E8A6-8845-BD4E-CB4CCA059FC4}" type="datetimeFigureOut">
-              <a:rPr lang="en-US" smtClean="0"/>
-              <a:t>5/26/2025</a:t>
+            <a:fld id="{6B41E399-D0A3-4498-B3E0-9E6446FE780E}" type="datetimeFigureOut">
+              <a:rPr lang="pt-BR" smtClean="0"/>
+              <a:t>27/05/2025</a:t>
             </a:fld>
-            <a:endParaRPr lang="en-US"/>
-          </a:p>
-        </p:txBody>
-      </p:sp>
-      <p:sp>
-        <p:nvSpPr>
-          <p:cNvPr id="5" name="Footer Placeholder 4"/>
+            <a:endParaRPr lang="pt-BR"/>
+          </a:p>
+        </p:txBody>
+      </p:sp>
+      <p:sp>
+        <p:nvSpPr>
+          <p:cNvPr id="5" name="Espaço Reservado para Rodapé 4">
+            <a:extLst>
+              <a:ext uri="{FF2B5EF4-FFF2-40B4-BE49-F238E27FC236}">
+                <a16:creationId xmlns:a16="http://schemas.microsoft.com/office/drawing/2014/main" id="{BD7BC784-79B9-84ED-BDB9-67A513FC7EBA}"/>
+              </a:ext>
+            </a:extLst>
+          </p:cNvPr>
           <p:cNvSpPr>
             <a:spLocks noGrp="1"/>
           </p:cNvSpPr>
@@ -491,13 +484,19 @@
           <a:bodyPr/>
           <a:lstStyle/>
           <a:p>
-            <a:endParaRPr lang="en-US"/>
-          </a:p>
-        </p:txBody>
-      </p:sp>
-      <p:sp>
-        <p:nvSpPr>
-          <p:cNvPr id="6" name="Slide Number Placeholder 5"/>
+            <a:endParaRPr lang="pt-BR"/>
+          </a:p>
+        </p:txBody>
+      </p:sp>
+      <p:sp>
+        <p:nvSpPr>
+          <p:cNvPr id="6" name="Espaço Reservado para Número de Slide 5">
+            <a:extLst>
+              <a:ext uri="{FF2B5EF4-FFF2-40B4-BE49-F238E27FC236}">
+                <a16:creationId xmlns:a16="http://schemas.microsoft.com/office/drawing/2014/main" id="{2AE58BA7-FE27-8AA4-EFD3-9525F292A4E6}"/>
+              </a:ext>
+            </a:extLst>
+          </p:cNvPr>
           <p:cNvSpPr>
             <a:spLocks noGrp="1"/>
           </p:cNvSpPr>
@@ -510,18 +509,18 @@
           <a:bodyPr/>
           <a:lstStyle/>
           <a:p>
-            <a:fld id="{C1FF6DA9-008F-8B48-92A6-B652298478BF}" type="slidenum">
-              <a:rPr lang="en-US" smtClean="0"/>
+            <a:fld id="{70EFE1CA-2B32-4008-9B20-345CAE736A93}" type="slidenum">
+              <a:rPr lang="pt-BR" smtClean="0"/>
               <a:t>‹nº›</a:t>
             </a:fld>
-            <a:endParaRPr lang="en-US"/>
+            <a:endParaRPr lang="pt-BR"/>
           </a:p>
         </p:txBody>
       </p:sp>
     </p:spTree>
     <p:extLst>
       <p:ext uri="{BB962C8B-B14F-4D97-AF65-F5344CB8AC3E}">
-        <p14:creationId xmlns:p14="http://schemas.microsoft.com/office/powerpoint/2010/main" val="2910927964"/>
+        <p14:creationId xmlns:p14="http://schemas.microsoft.com/office/powerpoint/2010/main" val="529375771"/>
       </p:ext>
     </p:extLst>
   </p:cSld>
@@ -533,7 +532,7 @@
 
 <file path=ppt/slideLayouts/slideLayout11.xml><?xml version="1.0" encoding="utf-8"?>
 <p:sldLayout xmlns:a="http://schemas.openxmlformats.org/drawingml/2006/main" xmlns:r="http://schemas.openxmlformats.org/officeDocument/2006/relationships" xmlns:p="http://schemas.openxmlformats.org/presentationml/2006/main" type="vertTitleAndTx" preserve="1">
-  <p:cSld name="Vertical Title and Text">
+  <p:cSld name="Texto e Título Vertical">
     <p:spTree>
       <p:nvGrpSpPr>
         <p:cNvPr id="1" name=""/>
@@ -550,7 +549,13 @@
       </p:grpSpPr>
       <p:sp>
         <p:nvSpPr>
-          <p:cNvPr id="2" name="Vertical Title 1"/>
+          <p:cNvPr id="2" name="Título Vertical 1">
+            <a:extLst>
+              <a:ext uri="{FF2B5EF4-FFF2-40B4-BE49-F238E27FC236}">
+                <a16:creationId xmlns:a16="http://schemas.microsoft.com/office/drawing/2014/main" id="{DA33CEDA-2793-4D5E-FF05-B8DB97EAA86A}"/>
+              </a:ext>
+            </a:extLst>
+          </p:cNvPr>
           <p:cNvSpPr>
             <a:spLocks noGrp="1"/>
           </p:cNvSpPr>
@@ -560,8 +565,8 @@
         </p:nvSpPr>
         <p:spPr>
           <a:xfrm>
-            <a:off x="6629400" y="274638"/>
-            <a:ext cx="2057400" cy="5851525"/>
+            <a:off x="8724900" y="365125"/>
+            <a:ext cx="2628900" cy="5811838"/>
           </a:xfrm>
         </p:spPr>
         <p:txBody>
@@ -569,15 +574,21 @@
           <a:lstStyle/>
           <a:p>
             <a:r>
-              <a:rPr lang="en-US"/>
-              <a:t>Click to edit Master title style</a:t>
-            </a:r>
-          </a:p>
-        </p:txBody>
-      </p:sp>
-      <p:sp>
-        <p:nvSpPr>
-          <p:cNvPr id="3" name="Vertical Text Placeholder 2"/>
+              <a:rPr lang="pt-BR"/>
+              <a:t>Clique para editar o título Mestre</a:t>
+            </a:r>
+          </a:p>
+        </p:txBody>
+      </p:sp>
+      <p:sp>
+        <p:nvSpPr>
+          <p:cNvPr id="3" name="Espaço Reservado para Texto Vertical 2">
+            <a:extLst>
+              <a:ext uri="{FF2B5EF4-FFF2-40B4-BE49-F238E27FC236}">
+                <a16:creationId xmlns:a16="http://schemas.microsoft.com/office/drawing/2014/main" id="{9C38D357-14A9-8C21-E194-8ECF27B7E0D6}"/>
+              </a:ext>
+            </a:extLst>
+          </p:cNvPr>
           <p:cNvSpPr>
             <a:spLocks noGrp="1"/>
           </p:cNvSpPr>
@@ -587,8 +598,8 @@
         </p:nvSpPr>
         <p:spPr>
           <a:xfrm>
-            <a:off x="457200" y="274638"/>
-            <a:ext cx="6019800" cy="5851525"/>
+            <a:off x="838200" y="365125"/>
+            <a:ext cx="7734300" cy="5811838"/>
           </a:xfrm>
         </p:spPr>
         <p:txBody>
@@ -597,43 +608,49 @@
           <a:p>
             <a:pPr lvl="0"/>
             <a:r>
-              <a:rPr lang="en-US"/>
-              <a:t>Click to edit Master text styles</a:t>
+              <a:rPr lang="pt-BR"/>
+              <a:t>Clique para editar os estilos de texto Mestres</a:t>
             </a:r>
           </a:p>
           <a:p>
             <a:pPr lvl="1"/>
             <a:r>
-              <a:rPr lang="en-US"/>
-              <a:t>Second level</a:t>
+              <a:rPr lang="pt-BR"/>
+              <a:t>Segundo nível</a:t>
             </a:r>
           </a:p>
           <a:p>
             <a:pPr lvl="2"/>
             <a:r>
-              <a:rPr lang="en-US"/>
-              <a:t>Third level</a:t>
+              <a:rPr lang="pt-BR"/>
+              <a:t>Terceiro nível</a:t>
             </a:r>
           </a:p>
           <a:p>
             <a:pPr lvl="3"/>
             <a:r>
-              <a:rPr lang="en-US"/>
-              <a:t>Fourth level</a:t>
+              <a:rPr lang="pt-BR"/>
+              <a:t>Quarto nível</a:t>
             </a:r>
           </a:p>
           <a:p>
             <a:pPr lvl="4"/>
             <a:r>
-              <a:rPr lang="en-US"/>
-              <a:t>Fifth level</a:t>
-            </a:r>
-          </a:p>
-        </p:txBody>
-      </p:sp>
-      <p:sp>
-        <p:nvSpPr>
-          <p:cNvPr id="4" name="Date Placeholder 3"/>
+              <a:rPr lang="pt-BR"/>
+              <a:t>Quinto nível</a:t>
+            </a:r>
+          </a:p>
+        </p:txBody>
+      </p:sp>
+      <p:sp>
+        <p:nvSpPr>
+          <p:cNvPr id="4" name="Espaço Reservado para Data 3">
+            <a:extLst>
+              <a:ext uri="{FF2B5EF4-FFF2-40B4-BE49-F238E27FC236}">
+                <a16:creationId xmlns:a16="http://schemas.microsoft.com/office/drawing/2014/main" id="{8BF6C41D-A8B8-06D5-E999-0196A74B43B5}"/>
+              </a:ext>
+            </a:extLst>
+          </p:cNvPr>
           <p:cNvSpPr>
             <a:spLocks noGrp="1"/>
           </p:cNvSpPr>
@@ -646,17 +663,23 @@
           <a:bodyPr/>
           <a:lstStyle/>
           <a:p>
-            <a:fld id="{5BCAD085-E8A6-8845-BD4E-CB4CCA059FC4}" type="datetimeFigureOut">
-              <a:rPr lang="en-US" smtClean="0"/>
-              <a:t>5/26/2025</a:t>
+            <a:fld id="{6B41E399-D0A3-4498-B3E0-9E6446FE780E}" type="datetimeFigureOut">
+              <a:rPr lang="pt-BR" smtClean="0"/>
+              <a:t>27/05/2025</a:t>
             </a:fld>
-            <a:endParaRPr lang="en-US"/>
-          </a:p>
-        </p:txBody>
-      </p:sp>
-      <p:sp>
-        <p:nvSpPr>
-          <p:cNvPr id="5" name="Footer Placeholder 4"/>
+            <a:endParaRPr lang="pt-BR"/>
+          </a:p>
+        </p:txBody>
+      </p:sp>
+      <p:sp>
+        <p:nvSpPr>
+          <p:cNvPr id="5" name="Espaço Reservado para Rodapé 4">
+            <a:extLst>
+              <a:ext uri="{FF2B5EF4-FFF2-40B4-BE49-F238E27FC236}">
+                <a16:creationId xmlns:a16="http://schemas.microsoft.com/office/drawing/2014/main" id="{D90A4132-3492-FF81-0D23-6497AA808FAD}"/>
+              </a:ext>
+            </a:extLst>
+          </p:cNvPr>
           <p:cNvSpPr>
             <a:spLocks noGrp="1"/>
           </p:cNvSpPr>
@@ -669,13 +692,19 @@
           <a:bodyPr/>
           <a:lstStyle/>
           <a:p>
-            <a:endParaRPr lang="en-US"/>
-          </a:p>
-        </p:txBody>
-      </p:sp>
-      <p:sp>
-        <p:nvSpPr>
-          <p:cNvPr id="6" name="Slide Number Placeholder 5"/>
+            <a:endParaRPr lang="pt-BR"/>
+          </a:p>
+        </p:txBody>
+      </p:sp>
+      <p:sp>
+        <p:nvSpPr>
+          <p:cNvPr id="6" name="Espaço Reservado para Número de Slide 5">
+            <a:extLst>
+              <a:ext uri="{FF2B5EF4-FFF2-40B4-BE49-F238E27FC236}">
+                <a16:creationId xmlns:a16="http://schemas.microsoft.com/office/drawing/2014/main" id="{4157C0B7-6878-4608-ABB4-7BFC589A9ACB}"/>
+              </a:ext>
+            </a:extLst>
+          </p:cNvPr>
           <p:cNvSpPr>
             <a:spLocks noGrp="1"/>
           </p:cNvSpPr>
@@ -688,18 +717,18 @@
           <a:bodyPr/>
           <a:lstStyle/>
           <a:p>
-            <a:fld id="{C1FF6DA9-008F-8B48-92A6-B652298478BF}" type="slidenum">
-              <a:rPr lang="en-US" smtClean="0"/>
+            <a:fld id="{70EFE1CA-2B32-4008-9B20-345CAE736A93}" type="slidenum">
+              <a:rPr lang="pt-BR" smtClean="0"/>
               <a:t>‹nº›</a:t>
             </a:fld>
-            <a:endParaRPr lang="en-US"/>
+            <a:endParaRPr lang="pt-BR"/>
           </a:p>
         </p:txBody>
       </p:sp>
     </p:spTree>
     <p:extLst>
       <p:ext uri="{BB962C8B-B14F-4D97-AF65-F5344CB8AC3E}">
-        <p14:creationId xmlns:p14="http://schemas.microsoft.com/office/powerpoint/2010/main" val="3612223792"/>
+        <p14:creationId xmlns:p14="http://schemas.microsoft.com/office/powerpoint/2010/main" val="3407799217"/>
       </p:ext>
     </p:extLst>
   </p:cSld>
@@ -711,7 +740,7 @@
 
 <file path=ppt/slideLayouts/slideLayout2.xml><?xml version="1.0" encoding="utf-8"?>
 <p:sldLayout xmlns:a="http://schemas.openxmlformats.org/drawingml/2006/main" xmlns:r="http://schemas.openxmlformats.org/officeDocument/2006/relationships" xmlns:p="http://schemas.openxmlformats.org/presentationml/2006/main" type="obj" preserve="1">
-  <p:cSld name="Title and Content">
+  <p:cSld name="Título e Conteúdo">
     <p:spTree>
       <p:nvGrpSpPr>
         <p:cNvPr id="1" name=""/>
@@ -728,7 +757,13 @@
       </p:grpSpPr>
       <p:sp>
         <p:nvSpPr>
-          <p:cNvPr id="2" name="Title 1"/>
+          <p:cNvPr id="2" name="Título 1">
+            <a:extLst>
+              <a:ext uri="{FF2B5EF4-FFF2-40B4-BE49-F238E27FC236}">
+                <a16:creationId xmlns:a16="http://schemas.microsoft.com/office/drawing/2014/main" id="{7E4E09C8-4B5A-B162-933C-C6526D61750C}"/>
+              </a:ext>
+            </a:extLst>
+          </p:cNvPr>
           <p:cNvSpPr>
             <a:spLocks noGrp="1"/>
           </p:cNvSpPr>
@@ -742,15 +777,21 @@
           <a:lstStyle/>
           <a:p>
             <a:r>
-              <a:rPr lang="en-US"/>
-              <a:t>Click to edit Master title style</a:t>
-            </a:r>
-          </a:p>
-        </p:txBody>
-      </p:sp>
-      <p:sp>
-        <p:nvSpPr>
-          <p:cNvPr id="3" name="Content Placeholder 2"/>
+              <a:rPr lang="pt-BR"/>
+              <a:t>Clique para editar o título Mestre</a:t>
+            </a:r>
+          </a:p>
+        </p:txBody>
+      </p:sp>
+      <p:sp>
+        <p:nvSpPr>
+          <p:cNvPr id="3" name="Espaço Reservado para Conteúdo 2">
+            <a:extLst>
+              <a:ext uri="{FF2B5EF4-FFF2-40B4-BE49-F238E27FC236}">
+                <a16:creationId xmlns:a16="http://schemas.microsoft.com/office/drawing/2014/main" id="{C3C05D27-A1D8-976E-2DD9-C7762F3A5C86}"/>
+              </a:ext>
+            </a:extLst>
+          </p:cNvPr>
           <p:cNvSpPr>
             <a:spLocks noGrp="1"/>
           </p:cNvSpPr>
@@ -765,43 +806,49 @@
           <a:p>
             <a:pPr lvl="0"/>
             <a:r>
-              <a:rPr lang="en-US"/>
-              <a:t>Click to edit Master text styles</a:t>
+              <a:rPr lang="pt-BR"/>
+              <a:t>Clique para editar os estilos de texto Mestres</a:t>
             </a:r>
           </a:p>
           <a:p>
             <a:pPr lvl="1"/>
             <a:r>
-              <a:rPr lang="en-US"/>
-              <a:t>Second level</a:t>
+              <a:rPr lang="pt-BR"/>
+              <a:t>Segundo nível</a:t>
             </a:r>
           </a:p>
           <a:p>
             <a:pPr lvl="2"/>
             <a:r>
-              <a:rPr lang="en-US"/>
-              <a:t>Third level</a:t>
+              <a:rPr lang="pt-BR"/>
+              <a:t>Terceiro nível</a:t>
             </a:r>
           </a:p>
           <a:p>
             <a:pPr lvl="3"/>
             <a:r>
-              <a:rPr lang="en-US"/>
-              <a:t>Fourth level</a:t>
+              <a:rPr lang="pt-BR"/>
+              <a:t>Quarto nível</a:t>
             </a:r>
           </a:p>
           <a:p>
             <a:pPr lvl="4"/>
             <a:r>
-              <a:rPr lang="en-US"/>
-              <a:t>Fifth level</a:t>
-            </a:r>
-          </a:p>
-        </p:txBody>
-      </p:sp>
-      <p:sp>
-        <p:nvSpPr>
-          <p:cNvPr id="4" name="Date Placeholder 3"/>
+              <a:rPr lang="pt-BR"/>
+              <a:t>Quinto nível</a:t>
+            </a:r>
+          </a:p>
+        </p:txBody>
+      </p:sp>
+      <p:sp>
+        <p:nvSpPr>
+          <p:cNvPr id="4" name="Espaço Reservado para Data 3">
+            <a:extLst>
+              <a:ext uri="{FF2B5EF4-FFF2-40B4-BE49-F238E27FC236}">
+                <a16:creationId xmlns:a16="http://schemas.microsoft.com/office/drawing/2014/main" id="{13C34815-B6D7-8AE6-25B0-4055E475BC69}"/>
+              </a:ext>
+            </a:extLst>
+          </p:cNvPr>
           <p:cNvSpPr>
             <a:spLocks noGrp="1"/>
           </p:cNvSpPr>
@@ -814,17 +861,23 @@
           <a:bodyPr/>
           <a:lstStyle/>
           <a:p>
-            <a:fld id="{5BCAD085-E8A6-8845-BD4E-CB4CCA059FC4}" type="datetimeFigureOut">
-              <a:rPr lang="en-US" smtClean="0"/>
-              <a:t>5/26/2025</a:t>
+            <a:fld id="{6B41E399-D0A3-4498-B3E0-9E6446FE780E}" type="datetimeFigureOut">
+              <a:rPr lang="pt-BR" smtClean="0"/>
+              <a:t>27/05/2025</a:t>
             </a:fld>
-            <a:endParaRPr lang="en-US"/>
-          </a:p>
-        </p:txBody>
-      </p:sp>
-      <p:sp>
-        <p:nvSpPr>
-          <p:cNvPr id="5" name="Footer Placeholder 4"/>
+            <a:endParaRPr lang="pt-BR"/>
+          </a:p>
+        </p:txBody>
+      </p:sp>
+      <p:sp>
+        <p:nvSpPr>
+          <p:cNvPr id="5" name="Espaço Reservado para Rodapé 4">
+            <a:extLst>
+              <a:ext uri="{FF2B5EF4-FFF2-40B4-BE49-F238E27FC236}">
+                <a16:creationId xmlns:a16="http://schemas.microsoft.com/office/drawing/2014/main" id="{A665D473-C89E-DD84-BFCF-85750EB9B26E}"/>
+              </a:ext>
+            </a:extLst>
+          </p:cNvPr>
           <p:cNvSpPr>
             <a:spLocks noGrp="1"/>
           </p:cNvSpPr>
@@ -837,13 +890,19 @@
           <a:bodyPr/>
           <a:lstStyle/>
           <a:p>
-            <a:endParaRPr lang="en-US"/>
-          </a:p>
-        </p:txBody>
-      </p:sp>
-      <p:sp>
-        <p:nvSpPr>
-          <p:cNvPr id="6" name="Slide Number Placeholder 5"/>
+            <a:endParaRPr lang="pt-BR"/>
+          </a:p>
+        </p:txBody>
+      </p:sp>
+      <p:sp>
+        <p:nvSpPr>
+          <p:cNvPr id="6" name="Espaço Reservado para Número de Slide 5">
+            <a:extLst>
+              <a:ext uri="{FF2B5EF4-FFF2-40B4-BE49-F238E27FC236}">
+                <a16:creationId xmlns:a16="http://schemas.microsoft.com/office/drawing/2014/main" id="{65E35024-A765-531B-A758-5876405972A7}"/>
+              </a:ext>
+            </a:extLst>
+          </p:cNvPr>
           <p:cNvSpPr>
             <a:spLocks noGrp="1"/>
           </p:cNvSpPr>
@@ -856,18 +915,18 @@
           <a:bodyPr/>
           <a:lstStyle/>
           <a:p>
-            <a:fld id="{C1FF6DA9-008F-8B48-92A6-B652298478BF}" type="slidenum">
-              <a:rPr lang="en-US" smtClean="0"/>
+            <a:fld id="{70EFE1CA-2B32-4008-9B20-345CAE736A93}" type="slidenum">
+              <a:rPr lang="pt-BR" smtClean="0"/>
               <a:t>‹nº›</a:t>
             </a:fld>
-            <a:endParaRPr lang="en-US"/>
+            <a:endParaRPr lang="pt-BR"/>
           </a:p>
         </p:txBody>
       </p:sp>
     </p:spTree>
     <p:extLst>
       <p:ext uri="{BB962C8B-B14F-4D97-AF65-F5344CB8AC3E}">
-        <p14:creationId xmlns:p14="http://schemas.microsoft.com/office/powerpoint/2010/main" val="2614314258"/>
+        <p14:creationId xmlns:p14="http://schemas.microsoft.com/office/powerpoint/2010/main" val="1649796389"/>
       </p:ext>
     </p:extLst>
   </p:cSld>
@@ -879,7 +938,7 @@
 
 <file path=ppt/slideLayouts/slideLayout3.xml><?xml version="1.0" encoding="utf-8"?>
 <p:sldLayout xmlns:a="http://schemas.openxmlformats.org/drawingml/2006/main" xmlns:r="http://schemas.openxmlformats.org/officeDocument/2006/relationships" xmlns:p="http://schemas.openxmlformats.org/presentationml/2006/main" type="secHead" preserve="1">
-  <p:cSld name="Section Header">
+  <p:cSld name="Cabeçalho da Seção">
     <p:spTree>
       <p:nvGrpSpPr>
         <p:cNvPr id="1" name=""/>
@@ -896,7 +955,13 @@
       </p:grpSpPr>
       <p:sp>
         <p:nvSpPr>
-          <p:cNvPr id="2" name="Title 1"/>
+          <p:cNvPr id="2" name="Título 1">
+            <a:extLst>
+              <a:ext uri="{FF2B5EF4-FFF2-40B4-BE49-F238E27FC236}">
+                <a16:creationId xmlns:a16="http://schemas.microsoft.com/office/drawing/2014/main" id="{A6C86F17-25A0-2838-7184-EB41FCFDF91D}"/>
+              </a:ext>
+            </a:extLst>
+          </p:cNvPr>
           <p:cNvSpPr>
             <a:spLocks noGrp="1"/>
           </p:cNvSpPr>
@@ -906,28 +971,34 @@
         </p:nvSpPr>
         <p:spPr>
           <a:xfrm>
-            <a:off x="722313" y="4406900"/>
-            <a:ext cx="7772400" cy="1362075"/>
+            <a:off x="831850" y="1709738"/>
+            <a:ext cx="10515600" cy="2852737"/>
           </a:xfrm>
         </p:spPr>
         <p:txBody>
-          <a:bodyPr anchor="t"/>
+          <a:bodyPr anchor="b"/>
           <a:lstStyle>
-            <a:lvl1pPr algn="l">
-              <a:defRPr sz="4000" b="1" cap="all"/>
+            <a:lvl1pPr>
+              <a:defRPr sz="6000"/>
             </a:lvl1pPr>
           </a:lstStyle>
           <a:p>
             <a:r>
-              <a:rPr lang="en-US"/>
-              <a:t>Click to edit Master title style</a:t>
-            </a:r>
-          </a:p>
-        </p:txBody>
-      </p:sp>
-      <p:sp>
-        <p:nvSpPr>
-          <p:cNvPr id="3" name="Text Placeholder 2"/>
+              <a:rPr lang="pt-BR"/>
+              <a:t>Clique para editar o título Mestre</a:t>
+            </a:r>
+          </a:p>
+        </p:txBody>
+      </p:sp>
+      <p:sp>
+        <p:nvSpPr>
+          <p:cNvPr id="3" name="Espaço Reservado para Texto 2">
+            <a:extLst>
+              <a:ext uri="{FF2B5EF4-FFF2-40B4-BE49-F238E27FC236}">
+                <a16:creationId xmlns:a16="http://schemas.microsoft.com/office/drawing/2014/main" id="{0F447342-13CA-03A5-40ED-A613DC20B1F3}"/>
+              </a:ext>
+            </a:extLst>
+          </p:cNvPr>
           <p:cNvSpPr>
             <a:spLocks noGrp="1"/>
           </p:cNvSpPr>
@@ -937,99 +1008,99 @@
         </p:nvSpPr>
         <p:spPr>
           <a:xfrm>
-            <a:off x="722313" y="2906713"/>
-            <a:ext cx="7772400" cy="1500187"/>
+            <a:off x="831850" y="4589463"/>
+            <a:ext cx="10515600" cy="1500187"/>
           </a:xfrm>
         </p:spPr>
         <p:txBody>
-          <a:bodyPr anchor="b"/>
+          <a:bodyPr/>
           <a:lstStyle>
             <a:lvl1pPr marL="0" indent="0">
               <a:buNone/>
-              <a:defRPr sz="2000">
-                <a:solidFill>
-                  <a:schemeClr val="tx1">
-                    <a:tint val="75000"/>
+              <a:defRPr sz="2400">
+                <a:solidFill>
+                  <a:schemeClr val="tx1">
+                    <a:tint val="82000"/>
                   </a:schemeClr>
                 </a:solidFill>
               </a:defRPr>
             </a:lvl1pPr>
             <a:lvl2pPr marL="457200" indent="0">
               <a:buNone/>
-              <a:defRPr sz="1800">
-                <a:solidFill>
-                  <a:schemeClr val="tx1">
-                    <a:tint val="75000"/>
+              <a:defRPr sz="2000">
+                <a:solidFill>
+                  <a:schemeClr val="tx1">
+                    <a:tint val="82000"/>
                   </a:schemeClr>
                 </a:solidFill>
               </a:defRPr>
             </a:lvl2pPr>
             <a:lvl3pPr marL="914400" indent="0">
               <a:buNone/>
-              <a:defRPr sz="1600">
-                <a:solidFill>
-                  <a:schemeClr val="tx1">
-                    <a:tint val="75000"/>
+              <a:defRPr sz="1800">
+                <a:solidFill>
+                  <a:schemeClr val="tx1">
+                    <a:tint val="82000"/>
                   </a:schemeClr>
                 </a:solidFill>
               </a:defRPr>
             </a:lvl3pPr>
             <a:lvl4pPr marL="1371600" indent="0">
               <a:buNone/>
-              <a:defRPr sz="1400">
-                <a:solidFill>
-                  <a:schemeClr val="tx1">
-                    <a:tint val="75000"/>
+              <a:defRPr sz="1600">
+                <a:solidFill>
+                  <a:schemeClr val="tx1">
+                    <a:tint val="82000"/>
                   </a:schemeClr>
                 </a:solidFill>
               </a:defRPr>
             </a:lvl4pPr>
             <a:lvl5pPr marL="1828800" indent="0">
               <a:buNone/>
-              <a:defRPr sz="1400">
-                <a:solidFill>
-                  <a:schemeClr val="tx1">
-                    <a:tint val="75000"/>
+              <a:defRPr sz="1600">
+                <a:solidFill>
+                  <a:schemeClr val="tx1">
+                    <a:tint val="82000"/>
                   </a:schemeClr>
                 </a:solidFill>
               </a:defRPr>
             </a:lvl5pPr>
             <a:lvl6pPr marL="2286000" indent="0">
               <a:buNone/>
-              <a:defRPr sz="1400">
-                <a:solidFill>
-                  <a:schemeClr val="tx1">
-                    <a:tint val="75000"/>
+              <a:defRPr sz="1600">
+                <a:solidFill>
+                  <a:schemeClr val="tx1">
+                    <a:tint val="82000"/>
                   </a:schemeClr>
                 </a:solidFill>
               </a:defRPr>
             </a:lvl6pPr>
             <a:lvl7pPr marL="2743200" indent="0">
               <a:buNone/>
-              <a:defRPr sz="1400">
-                <a:solidFill>
-                  <a:schemeClr val="tx1">
-                    <a:tint val="75000"/>
+              <a:defRPr sz="1600">
+                <a:solidFill>
+                  <a:schemeClr val="tx1">
+                    <a:tint val="82000"/>
                   </a:schemeClr>
                 </a:solidFill>
               </a:defRPr>
             </a:lvl7pPr>
             <a:lvl8pPr marL="3200400" indent="0">
               <a:buNone/>
-              <a:defRPr sz="1400">
-                <a:solidFill>
-                  <a:schemeClr val="tx1">
-                    <a:tint val="75000"/>
+              <a:defRPr sz="1600">
+                <a:solidFill>
+                  <a:schemeClr val="tx1">
+                    <a:tint val="82000"/>
                   </a:schemeClr>
                 </a:solidFill>
               </a:defRPr>
             </a:lvl8pPr>
             <a:lvl9pPr marL="3657600" indent="0">
               <a:buNone/>
-              <a:defRPr sz="1400">
-                <a:solidFill>
-                  <a:schemeClr val="tx1">
-                    <a:tint val="75000"/>
+              <a:defRPr sz="1600">
+                <a:solidFill>
+                  <a:schemeClr val="tx1">
+                    <a:tint val="82000"/>
                   </a:schemeClr>
                 </a:solidFill>
               </a:defRPr>
@@ -1038,15 +1109,21 @@
           <a:p>
             <a:pPr lvl="0"/>
             <a:r>
-              <a:rPr lang="en-US"/>
-              <a:t>Click to edit Master text styles</a:t>
-            </a:r>
-          </a:p>
-        </p:txBody>
-      </p:sp>
-      <p:sp>
-        <p:nvSpPr>
-          <p:cNvPr id="4" name="Date Placeholder 3"/>
+              <a:rPr lang="pt-BR"/>
+              <a:t>Clique para editar os estilos de texto Mestres</a:t>
+            </a:r>
+          </a:p>
+        </p:txBody>
+      </p:sp>
+      <p:sp>
+        <p:nvSpPr>
+          <p:cNvPr id="4" name="Espaço Reservado para Data 3">
+            <a:extLst>
+              <a:ext uri="{FF2B5EF4-FFF2-40B4-BE49-F238E27FC236}">
+                <a16:creationId xmlns:a16="http://schemas.microsoft.com/office/drawing/2014/main" id="{B0DC48C3-3785-E1AD-CB03-2CA2389E86B5}"/>
+              </a:ext>
+            </a:extLst>
+          </p:cNvPr>
           <p:cNvSpPr>
             <a:spLocks noGrp="1"/>
           </p:cNvSpPr>
@@ -1059,17 +1136,23 @@
           <a:bodyPr/>
           <a:lstStyle/>
           <a:p>
-            <a:fld id="{5BCAD085-E8A6-8845-BD4E-CB4CCA059FC4}" type="datetimeFigureOut">
-              <a:rPr lang="en-US" smtClean="0"/>
-              <a:t>5/26/2025</a:t>
+            <a:fld id="{6B41E399-D0A3-4498-B3E0-9E6446FE780E}" type="datetimeFigureOut">
+              <a:rPr lang="pt-BR" smtClean="0"/>
+              <a:t>27/05/2025</a:t>
             </a:fld>
-            <a:endParaRPr lang="en-US"/>
-          </a:p>
-        </p:txBody>
-      </p:sp>
-      <p:sp>
-        <p:nvSpPr>
-          <p:cNvPr id="5" name="Footer Placeholder 4"/>
+            <a:endParaRPr lang="pt-BR"/>
+          </a:p>
+        </p:txBody>
+      </p:sp>
+      <p:sp>
+        <p:nvSpPr>
+          <p:cNvPr id="5" name="Espaço Reservado para Rodapé 4">
+            <a:extLst>
+              <a:ext uri="{FF2B5EF4-FFF2-40B4-BE49-F238E27FC236}">
+                <a16:creationId xmlns:a16="http://schemas.microsoft.com/office/drawing/2014/main" id="{C40DA63B-488D-7173-EC16-83A0A0FE8D4B}"/>
+              </a:ext>
+            </a:extLst>
+          </p:cNvPr>
           <p:cNvSpPr>
             <a:spLocks noGrp="1"/>
           </p:cNvSpPr>
@@ -1082,13 +1165,19 @@
           <a:bodyPr/>
           <a:lstStyle/>
           <a:p>
-            <a:endParaRPr lang="en-US"/>
-          </a:p>
-        </p:txBody>
-      </p:sp>
-      <p:sp>
-        <p:nvSpPr>
-          <p:cNvPr id="6" name="Slide Number Placeholder 5"/>
+            <a:endParaRPr lang="pt-BR"/>
+          </a:p>
+        </p:txBody>
+      </p:sp>
+      <p:sp>
+        <p:nvSpPr>
+          <p:cNvPr id="6" name="Espaço Reservado para Número de Slide 5">
+            <a:extLst>
+              <a:ext uri="{FF2B5EF4-FFF2-40B4-BE49-F238E27FC236}">
+                <a16:creationId xmlns:a16="http://schemas.microsoft.com/office/drawing/2014/main" id="{163FDD74-1409-948D-6BA5-C458694C7573}"/>
+              </a:ext>
+            </a:extLst>
+          </p:cNvPr>
           <p:cNvSpPr>
             <a:spLocks noGrp="1"/>
           </p:cNvSpPr>
@@ -1101,18 +1190,18 @@
           <a:bodyPr/>
           <a:lstStyle/>
           <a:p>
-            <a:fld id="{C1FF6DA9-008F-8B48-92A6-B652298478BF}" type="slidenum">
-              <a:rPr lang="en-US" smtClean="0"/>
+            <a:fld id="{70EFE1CA-2B32-4008-9B20-345CAE736A93}" type="slidenum">
+              <a:rPr lang="pt-BR" smtClean="0"/>
               <a:t>‹nº›</a:t>
             </a:fld>
-            <a:endParaRPr lang="en-US"/>
+            <a:endParaRPr lang="pt-BR"/>
           </a:p>
         </p:txBody>
       </p:sp>
     </p:spTree>
     <p:extLst>
       <p:ext uri="{BB962C8B-B14F-4D97-AF65-F5344CB8AC3E}">
-        <p14:creationId xmlns:p14="http://schemas.microsoft.com/office/powerpoint/2010/main" val="960648375"/>
+        <p14:creationId xmlns:p14="http://schemas.microsoft.com/office/powerpoint/2010/main" val="1010436009"/>
       </p:ext>
     </p:extLst>
   </p:cSld>
@@ -1124,7 +1213,7 @@
 
 <file path=ppt/slideLayouts/slideLayout4.xml><?xml version="1.0" encoding="utf-8"?>
 <p:sldLayout xmlns:a="http://schemas.openxmlformats.org/drawingml/2006/main" xmlns:r="http://schemas.openxmlformats.org/officeDocument/2006/relationships" xmlns:p="http://schemas.openxmlformats.org/presentationml/2006/main" type="twoObj" preserve="1">
-  <p:cSld name="Two Content">
+  <p:cSld name="Duas Partes de Conteúdo">
     <p:spTree>
       <p:nvGrpSpPr>
         <p:cNvPr id="1" name=""/>
@@ -1141,7 +1230,13 @@
       </p:grpSpPr>
       <p:sp>
         <p:nvSpPr>
-          <p:cNvPr id="2" name="Title 1"/>
+          <p:cNvPr id="2" name="Título 1">
+            <a:extLst>
+              <a:ext uri="{FF2B5EF4-FFF2-40B4-BE49-F238E27FC236}">
+                <a16:creationId xmlns:a16="http://schemas.microsoft.com/office/drawing/2014/main" id="{EEC9A030-FCFF-F272-0770-24CE6776CE6E}"/>
+              </a:ext>
+            </a:extLst>
+          </p:cNvPr>
           <p:cNvSpPr>
             <a:spLocks noGrp="1"/>
           </p:cNvSpPr>
@@ -1155,15 +1250,21 @@
           <a:lstStyle/>
           <a:p>
             <a:r>
-              <a:rPr lang="en-US"/>
-              <a:t>Click to edit Master title style</a:t>
-            </a:r>
-          </a:p>
-        </p:txBody>
-      </p:sp>
-      <p:sp>
-        <p:nvSpPr>
-          <p:cNvPr id="3" name="Content Placeholder 2"/>
+              <a:rPr lang="pt-BR"/>
+              <a:t>Clique para editar o título Mestre</a:t>
+            </a:r>
+          </a:p>
+        </p:txBody>
+      </p:sp>
+      <p:sp>
+        <p:nvSpPr>
+          <p:cNvPr id="3" name="Espaço Reservado para Conteúdo 2">
+            <a:extLst>
+              <a:ext uri="{FF2B5EF4-FFF2-40B4-BE49-F238E27FC236}">
+                <a16:creationId xmlns:a16="http://schemas.microsoft.com/office/drawing/2014/main" id="{3493447C-DDD5-34F2-76DC-3A37CAB848B1}"/>
+              </a:ext>
+            </a:extLst>
+          </p:cNvPr>
           <p:cNvSpPr>
             <a:spLocks noGrp="1"/>
           </p:cNvSpPr>
@@ -1173,81 +1274,59 @@
         </p:nvSpPr>
         <p:spPr>
           <a:xfrm>
-            <a:off x="457200" y="1600200"/>
-            <a:ext cx="4038600" cy="4525963"/>
+            <a:off x="838200" y="1825625"/>
+            <a:ext cx="5181600" cy="4351338"/>
           </a:xfrm>
         </p:spPr>
         <p:txBody>
           <a:bodyPr/>
-          <a:lstStyle>
-            <a:lvl1pPr>
-              <a:defRPr sz="2800"/>
-            </a:lvl1pPr>
-            <a:lvl2pPr>
-              <a:defRPr sz="2400"/>
-            </a:lvl2pPr>
-            <a:lvl3pPr>
-              <a:defRPr sz="2000"/>
-            </a:lvl3pPr>
-            <a:lvl4pPr>
-              <a:defRPr sz="1800"/>
-            </a:lvl4pPr>
-            <a:lvl5pPr>
-              <a:defRPr sz="1800"/>
-            </a:lvl5pPr>
-            <a:lvl6pPr>
-              <a:defRPr sz="1800"/>
-            </a:lvl6pPr>
-            <a:lvl7pPr>
-              <a:defRPr sz="1800"/>
-            </a:lvl7pPr>
-            <a:lvl8pPr>
-              <a:defRPr sz="1800"/>
-            </a:lvl8pPr>
-            <a:lvl9pPr>
-              <a:defRPr sz="1800"/>
-            </a:lvl9pPr>
-          </a:lstStyle>
+          <a:lstStyle/>
           <a:p>
             <a:pPr lvl="0"/>
             <a:r>
-              <a:rPr lang="en-US"/>
-              <a:t>Click to edit Master text styles</a:t>
+              <a:rPr lang="pt-BR"/>
+              <a:t>Clique para editar os estilos de texto Mestres</a:t>
             </a:r>
           </a:p>
           <a:p>
             <a:pPr lvl="1"/>
             <a:r>
-              <a:rPr lang="en-US"/>
-              <a:t>Second level</a:t>
+              <a:rPr lang="pt-BR"/>
+              <a:t>Segundo nível</a:t>
             </a:r>
           </a:p>
           <a:p>
             <a:pPr lvl="2"/>
             <a:r>
-              <a:rPr lang="en-US"/>
-              <a:t>Third level</a:t>
+              <a:rPr lang="pt-BR"/>
+              <a:t>Terceiro nível</a:t>
             </a:r>
           </a:p>
           <a:p>
             <a:pPr lvl="3"/>
             <a:r>
-              <a:rPr lang="en-US"/>
-              <a:t>Fourth level</a:t>
+              <a:rPr lang="pt-BR"/>
+              <a:t>Quarto nível</a:t>
             </a:r>
           </a:p>
           <a:p>
             <a:pPr lvl="4"/>
             <a:r>
-              <a:rPr lang="en-US"/>
-              <a:t>Fifth level</a:t>
-            </a:r>
-          </a:p>
-        </p:txBody>
-      </p:sp>
-      <p:sp>
-        <p:nvSpPr>
-          <p:cNvPr id="4" name="Content Placeholder 3"/>
+              <a:rPr lang="pt-BR"/>
+              <a:t>Quinto nível</a:t>
+            </a:r>
+          </a:p>
+        </p:txBody>
+      </p:sp>
+      <p:sp>
+        <p:nvSpPr>
+          <p:cNvPr id="4" name="Espaço Reservado para Conteúdo 3">
+            <a:extLst>
+              <a:ext uri="{FF2B5EF4-FFF2-40B4-BE49-F238E27FC236}">
+                <a16:creationId xmlns:a16="http://schemas.microsoft.com/office/drawing/2014/main" id="{AF82E02E-BB9A-E692-A067-DB575FFC891A}"/>
+              </a:ext>
+            </a:extLst>
+          </p:cNvPr>
           <p:cNvSpPr>
             <a:spLocks noGrp="1"/>
           </p:cNvSpPr>
@@ -1257,81 +1336,59 @@
         </p:nvSpPr>
         <p:spPr>
           <a:xfrm>
-            <a:off x="4648200" y="1600200"/>
-            <a:ext cx="4038600" cy="4525963"/>
+            <a:off x="6172200" y="1825625"/>
+            <a:ext cx="5181600" cy="4351338"/>
           </a:xfrm>
         </p:spPr>
         <p:txBody>
           <a:bodyPr/>
-          <a:lstStyle>
-            <a:lvl1pPr>
-              <a:defRPr sz="2800"/>
-            </a:lvl1pPr>
-            <a:lvl2pPr>
-              <a:defRPr sz="2400"/>
-            </a:lvl2pPr>
-            <a:lvl3pPr>
-              <a:defRPr sz="2000"/>
-            </a:lvl3pPr>
-            <a:lvl4pPr>
-              <a:defRPr sz="1800"/>
-            </a:lvl4pPr>
-            <a:lvl5pPr>
-              <a:defRPr sz="1800"/>
-            </a:lvl5pPr>
-            <a:lvl6pPr>
-              <a:defRPr sz="1800"/>
-            </a:lvl6pPr>
-            <a:lvl7pPr>
-              <a:defRPr sz="1800"/>
-            </a:lvl7pPr>
-            <a:lvl8pPr>
-              <a:defRPr sz="1800"/>
-            </a:lvl8pPr>
-            <a:lvl9pPr>
-              <a:defRPr sz="1800"/>
-            </a:lvl9pPr>
-          </a:lstStyle>
+          <a:lstStyle/>
           <a:p>
             <a:pPr lvl="0"/>
             <a:r>
-              <a:rPr lang="en-US"/>
-              <a:t>Click to edit Master text styles</a:t>
+              <a:rPr lang="pt-BR"/>
+              <a:t>Clique para editar os estilos de texto Mestres</a:t>
             </a:r>
           </a:p>
           <a:p>
             <a:pPr lvl="1"/>
             <a:r>
-              <a:rPr lang="en-US"/>
-              <a:t>Second level</a:t>
+              <a:rPr lang="pt-BR"/>
+              <a:t>Segundo nível</a:t>
             </a:r>
           </a:p>
           <a:p>
             <a:pPr lvl="2"/>
             <a:r>
-              <a:rPr lang="en-US"/>
-              <a:t>Third level</a:t>
+              <a:rPr lang="pt-BR"/>
+              <a:t>Terceiro nível</a:t>
             </a:r>
           </a:p>
           <a:p>
             <a:pPr lvl="3"/>
             <a:r>
-              <a:rPr lang="en-US"/>
-              <a:t>Fourth level</a:t>
+              <a:rPr lang="pt-BR"/>
+              <a:t>Quarto nível</a:t>
             </a:r>
           </a:p>
           <a:p>
             <a:pPr lvl="4"/>
             <a:r>
-              <a:rPr lang="en-US"/>
-              <a:t>Fifth level</a:t>
-            </a:r>
-          </a:p>
-        </p:txBody>
-      </p:sp>
-      <p:sp>
-        <p:nvSpPr>
-          <p:cNvPr id="5" name="Date Placeholder 4"/>
+              <a:rPr lang="pt-BR"/>
+              <a:t>Quinto nível</a:t>
+            </a:r>
+          </a:p>
+        </p:txBody>
+      </p:sp>
+      <p:sp>
+        <p:nvSpPr>
+          <p:cNvPr id="5" name="Espaço Reservado para Data 4">
+            <a:extLst>
+              <a:ext uri="{FF2B5EF4-FFF2-40B4-BE49-F238E27FC236}">
+                <a16:creationId xmlns:a16="http://schemas.microsoft.com/office/drawing/2014/main" id="{5ECB65F3-CADE-B066-3B43-4CF5D5E2BE0F}"/>
+              </a:ext>
+            </a:extLst>
+          </p:cNvPr>
           <p:cNvSpPr>
             <a:spLocks noGrp="1"/>
           </p:cNvSpPr>
@@ -1344,17 +1401,23 @@
           <a:bodyPr/>
           <a:lstStyle/>
           <a:p>
-            <a:fld id="{5BCAD085-E8A6-8845-BD4E-CB4CCA059FC4}" type="datetimeFigureOut">
-              <a:rPr lang="en-US" smtClean="0"/>
-              <a:t>5/26/2025</a:t>
+            <a:fld id="{6B41E399-D0A3-4498-B3E0-9E6446FE780E}" type="datetimeFigureOut">
+              <a:rPr lang="pt-BR" smtClean="0"/>
+              <a:t>27/05/2025</a:t>
             </a:fld>
-            <a:endParaRPr lang="en-US"/>
-          </a:p>
-        </p:txBody>
-      </p:sp>
-      <p:sp>
-        <p:nvSpPr>
-          <p:cNvPr id="6" name="Footer Placeholder 5"/>
+            <a:endParaRPr lang="pt-BR"/>
+          </a:p>
+        </p:txBody>
+      </p:sp>
+      <p:sp>
+        <p:nvSpPr>
+          <p:cNvPr id="6" name="Espaço Reservado para Rodapé 5">
+            <a:extLst>
+              <a:ext uri="{FF2B5EF4-FFF2-40B4-BE49-F238E27FC236}">
+                <a16:creationId xmlns:a16="http://schemas.microsoft.com/office/drawing/2014/main" id="{E518174D-A9D3-F0E2-BEBD-60E6AD858E6C}"/>
+              </a:ext>
+            </a:extLst>
+          </p:cNvPr>
           <p:cNvSpPr>
             <a:spLocks noGrp="1"/>
           </p:cNvSpPr>
@@ -1367,13 +1430,19 @@
           <a:bodyPr/>
           <a:lstStyle/>
           <a:p>
-            <a:endParaRPr lang="en-US"/>
-          </a:p>
-        </p:txBody>
-      </p:sp>
-      <p:sp>
-        <p:nvSpPr>
-          <p:cNvPr id="7" name="Slide Number Placeholder 6"/>
+            <a:endParaRPr lang="pt-BR"/>
+          </a:p>
+        </p:txBody>
+      </p:sp>
+      <p:sp>
+        <p:nvSpPr>
+          <p:cNvPr id="7" name="Espaço Reservado para Número de Slide 6">
+            <a:extLst>
+              <a:ext uri="{FF2B5EF4-FFF2-40B4-BE49-F238E27FC236}">
+                <a16:creationId xmlns:a16="http://schemas.microsoft.com/office/drawing/2014/main" id="{289A5139-9BA2-97DB-E474-D6B707D467F9}"/>
+              </a:ext>
+            </a:extLst>
+          </p:cNvPr>
           <p:cNvSpPr>
             <a:spLocks noGrp="1"/>
           </p:cNvSpPr>
@@ -1386,18 +1455,18 @@
           <a:bodyPr/>
           <a:lstStyle/>
           <a:p>
-            <a:fld id="{C1FF6DA9-008F-8B48-92A6-B652298478BF}" type="slidenum">
-              <a:rPr lang="en-US" smtClean="0"/>
+            <a:fld id="{70EFE1CA-2B32-4008-9B20-345CAE736A93}" type="slidenum">
+              <a:rPr lang="pt-BR" smtClean="0"/>
               <a:t>‹nº›</a:t>
             </a:fld>
-            <a:endParaRPr lang="en-US"/>
+            <a:endParaRPr lang="pt-BR"/>
           </a:p>
         </p:txBody>
       </p:sp>
     </p:spTree>
     <p:extLst>
       <p:ext uri="{BB962C8B-B14F-4D97-AF65-F5344CB8AC3E}">
-        <p14:creationId xmlns:p14="http://schemas.microsoft.com/office/powerpoint/2010/main" val="2782244947"/>
+        <p14:creationId xmlns:p14="http://schemas.microsoft.com/office/powerpoint/2010/main" val="1907649601"/>
       </p:ext>
     </p:extLst>
   </p:cSld>
@@ -1409,7 +1478,7 @@
 
 <file path=ppt/slideLayouts/slideLayout5.xml><?xml version="1.0" encoding="utf-8"?>
 <p:sldLayout xmlns:a="http://schemas.openxmlformats.org/drawingml/2006/main" xmlns:r="http://schemas.openxmlformats.org/officeDocument/2006/relationships" xmlns:p="http://schemas.openxmlformats.org/presentationml/2006/main" type="twoTxTwoObj" preserve="1">
-  <p:cSld name="Comparison">
+  <p:cSld name="Comparação">
     <p:spTree>
       <p:nvGrpSpPr>
         <p:cNvPr id="1" name=""/>
@@ -1426,44 +1495,57 @@
       </p:grpSpPr>
       <p:sp>
         <p:nvSpPr>
-          <p:cNvPr id="2" name="Title 1"/>
+          <p:cNvPr id="2" name="Título 1">
+            <a:extLst>
+              <a:ext uri="{FF2B5EF4-FFF2-40B4-BE49-F238E27FC236}">
+                <a16:creationId xmlns:a16="http://schemas.microsoft.com/office/drawing/2014/main" id="{2D6DFAE1-6674-293E-A017-FC20806DDACD}"/>
+              </a:ext>
+            </a:extLst>
+          </p:cNvPr>
           <p:cNvSpPr>
             <a:spLocks noGrp="1"/>
           </p:cNvSpPr>
           <p:nvPr>
             <p:ph type="title"/>
-          </p:nvPr>
-        </p:nvSpPr>
-        <p:spPr/>
-        <p:txBody>
-          <a:bodyPr/>
-          <a:lstStyle>
-            <a:lvl1pPr>
-              <a:defRPr/>
-            </a:lvl1pPr>
-          </a:lstStyle>
-          <a:p>
-            <a:r>
-              <a:rPr lang="en-US"/>
-              <a:t>Click to edit Master title style</a:t>
-            </a:r>
-          </a:p>
-        </p:txBody>
-      </p:sp>
-      <p:sp>
-        <p:nvSpPr>
-          <p:cNvPr id="3" name="Text Placeholder 2"/>
-          <p:cNvSpPr>
-            <a:spLocks noGrp="1"/>
-          </p:cNvSpPr>
-          <p:nvPr>
-            <p:ph type="body" idx="1"/>
           </p:nvPr>
         </p:nvSpPr>
         <p:spPr>
           <a:xfrm>
-            <a:off x="457200" y="1535113"/>
-            <a:ext cx="4040188" cy="639762"/>
+            <a:off x="839788" y="365125"/>
+            <a:ext cx="10515600" cy="1325563"/>
+          </a:xfrm>
+        </p:spPr>
+        <p:txBody>
+          <a:bodyPr/>
+          <a:lstStyle/>
+          <a:p>
+            <a:r>
+              <a:rPr lang="pt-BR"/>
+              <a:t>Clique para editar o título Mestre</a:t>
+            </a:r>
+          </a:p>
+        </p:txBody>
+      </p:sp>
+      <p:sp>
+        <p:nvSpPr>
+          <p:cNvPr id="3" name="Espaço Reservado para Texto 2">
+            <a:extLst>
+              <a:ext uri="{FF2B5EF4-FFF2-40B4-BE49-F238E27FC236}">
+                <a16:creationId xmlns:a16="http://schemas.microsoft.com/office/drawing/2014/main" id="{FB4A92C5-FFE4-F414-0A44-A0B0B6247537}"/>
+              </a:ext>
+            </a:extLst>
+          </p:cNvPr>
+          <p:cNvSpPr>
+            <a:spLocks noGrp="1"/>
+          </p:cNvSpPr>
+          <p:nvPr>
+            <p:ph type="body" idx="1"/>
+          </p:nvPr>
+        </p:nvSpPr>
+        <p:spPr>
+          <a:xfrm>
+            <a:off x="839788" y="1681163"/>
+            <a:ext cx="5157787" cy="823912"/>
           </a:xfrm>
         </p:spPr>
         <p:txBody>
@@ -1509,15 +1591,21 @@
           <a:p>
             <a:pPr lvl="0"/>
             <a:r>
-              <a:rPr lang="en-US"/>
-              <a:t>Click to edit Master text styles</a:t>
-            </a:r>
-          </a:p>
-        </p:txBody>
-      </p:sp>
-      <p:sp>
-        <p:nvSpPr>
-          <p:cNvPr id="4" name="Content Placeholder 3"/>
+              <a:rPr lang="pt-BR"/>
+              <a:t>Clique para editar os estilos de texto Mestres</a:t>
+            </a:r>
+          </a:p>
+        </p:txBody>
+      </p:sp>
+      <p:sp>
+        <p:nvSpPr>
+          <p:cNvPr id="4" name="Espaço Reservado para Conteúdo 3">
+            <a:extLst>
+              <a:ext uri="{FF2B5EF4-FFF2-40B4-BE49-F238E27FC236}">
+                <a16:creationId xmlns:a16="http://schemas.microsoft.com/office/drawing/2014/main" id="{C9FBC94E-03AB-F767-66E8-3A5A705BF40E}"/>
+              </a:ext>
+            </a:extLst>
+          </p:cNvPr>
           <p:cNvSpPr>
             <a:spLocks noGrp="1"/>
           </p:cNvSpPr>
@@ -1527,81 +1615,59 @@
         </p:nvSpPr>
         <p:spPr>
           <a:xfrm>
-            <a:off x="457200" y="2174875"/>
-            <a:ext cx="4040188" cy="3951288"/>
+            <a:off x="839788" y="2505075"/>
+            <a:ext cx="5157787" cy="3684588"/>
           </a:xfrm>
         </p:spPr>
         <p:txBody>
           <a:bodyPr/>
-          <a:lstStyle>
-            <a:lvl1pPr>
-              <a:defRPr sz="2400"/>
-            </a:lvl1pPr>
-            <a:lvl2pPr>
-              <a:defRPr sz="2000"/>
-            </a:lvl2pPr>
-            <a:lvl3pPr>
-              <a:defRPr sz="1800"/>
-            </a:lvl3pPr>
-            <a:lvl4pPr>
-              <a:defRPr sz="1600"/>
-            </a:lvl4pPr>
-            <a:lvl5pPr>
-              <a:defRPr sz="1600"/>
-            </a:lvl5pPr>
-            <a:lvl6pPr>
-              <a:defRPr sz="1600"/>
-            </a:lvl6pPr>
-            <a:lvl7pPr>
-              <a:defRPr sz="1600"/>
-            </a:lvl7pPr>
-            <a:lvl8pPr>
-              <a:defRPr sz="1600"/>
-            </a:lvl8pPr>
-            <a:lvl9pPr>
-              <a:defRPr sz="1600"/>
-            </a:lvl9pPr>
-          </a:lstStyle>
+          <a:lstStyle/>
           <a:p>
             <a:pPr lvl="0"/>
             <a:r>
-              <a:rPr lang="en-US"/>
-              <a:t>Click to edit Master text styles</a:t>
+              <a:rPr lang="pt-BR"/>
+              <a:t>Clique para editar os estilos de texto Mestres</a:t>
             </a:r>
           </a:p>
           <a:p>
             <a:pPr lvl="1"/>
             <a:r>
-              <a:rPr lang="en-US"/>
-              <a:t>Second level</a:t>
+              <a:rPr lang="pt-BR"/>
+              <a:t>Segundo nível</a:t>
             </a:r>
           </a:p>
           <a:p>
             <a:pPr lvl="2"/>
             <a:r>
-              <a:rPr lang="en-US"/>
-              <a:t>Third level</a:t>
+              <a:rPr lang="pt-BR"/>
+              <a:t>Terceiro nível</a:t>
             </a:r>
           </a:p>
           <a:p>
             <a:pPr lvl="3"/>
             <a:r>
-              <a:rPr lang="en-US"/>
-              <a:t>Fourth level</a:t>
+              <a:rPr lang="pt-BR"/>
+              <a:t>Quarto nível</a:t>
             </a:r>
           </a:p>
           <a:p>
             <a:pPr lvl="4"/>
             <a:r>
-              <a:rPr lang="en-US"/>
-              <a:t>Fifth level</a:t>
-            </a:r>
-          </a:p>
-        </p:txBody>
-      </p:sp>
-      <p:sp>
-        <p:nvSpPr>
-          <p:cNvPr id="5" name="Text Placeholder 4"/>
+              <a:rPr lang="pt-BR"/>
+              <a:t>Quinto nível</a:t>
+            </a:r>
+          </a:p>
+        </p:txBody>
+      </p:sp>
+      <p:sp>
+        <p:nvSpPr>
+          <p:cNvPr id="5" name="Espaço Reservado para Texto 4">
+            <a:extLst>
+              <a:ext uri="{FF2B5EF4-FFF2-40B4-BE49-F238E27FC236}">
+                <a16:creationId xmlns:a16="http://schemas.microsoft.com/office/drawing/2014/main" id="{FF807DAE-C0E4-5884-AA55-B5B4265AC6D7}"/>
+              </a:ext>
+            </a:extLst>
+          </p:cNvPr>
           <p:cNvSpPr>
             <a:spLocks noGrp="1"/>
           </p:cNvSpPr>
@@ -1611,8 +1677,8 @@
         </p:nvSpPr>
         <p:spPr>
           <a:xfrm>
-            <a:off x="4645025" y="1535113"/>
-            <a:ext cx="4041775" cy="639762"/>
+            <a:off x="6172200" y="1681163"/>
+            <a:ext cx="5183188" cy="823912"/>
           </a:xfrm>
         </p:spPr>
         <p:txBody>
@@ -1658,15 +1724,21 @@
           <a:p>
             <a:pPr lvl="0"/>
             <a:r>
-              <a:rPr lang="en-US"/>
-              <a:t>Click to edit Master text styles</a:t>
-            </a:r>
-          </a:p>
-        </p:txBody>
-      </p:sp>
-      <p:sp>
-        <p:nvSpPr>
-          <p:cNvPr id="6" name="Content Placeholder 5"/>
+              <a:rPr lang="pt-BR"/>
+              <a:t>Clique para editar os estilos de texto Mestres</a:t>
+            </a:r>
+          </a:p>
+        </p:txBody>
+      </p:sp>
+      <p:sp>
+        <p:nvSpPr>
+          <p:cNvPr id="6" name="Espaço Reservado para Conteúdo 5">
+            <a:extLst>
+              <a:ext uri="{FF2B5EF4-FFF2-40B4-BE49-F238E27FC236}">
+                <a16:creationId xmlns:a16="http://schemas.microsoft.com/office/drawing/2014/main" id="{7C053C25-BEED-7AFF-6BAB-1BBCF4E200D7}"/>
+              </a:ext>
+            </a:extLst>
+          </p:cNvPr>
           <p:cNvSpPr>
             <a:spLocks noGrp="1"/>
           </p:cNvSpPr>
@@ -1676,81 +1748,59 @@
         </p:nvSpPr>
         <p:spPr>
           <a:xfrm>
-            <a:off x="4645025" y="2174875"/>
-            <a:ext cx="4041775" cy="3951288"/>
+            <a:off x="6172200" y="2505075"/>
+            <a:ext cx="5183188" cy="3684588"/>
           </a:xfrm>
         </p:spPr>
         <p:txBody>
           <a:bodyPr/>
-          <a:lstStyle>
-            <a:lvl1pPr>
-              <a:defRPr sz="2400"/>
-            </a:lvl1pPr>
-            <a:lvl2pPr>
-              <a:defRPr sz="2000"/>
-            </a:lvl2pPr>
-            <a:lvl3pPr>
-              <a:defRPr sz="1800"/>
-            </a:lvl3pPr>
-            <a:lvl4pPr>
-              <a:defRPr sz="1600"/>
-            </a:lvl4pPr>
-            <a:lvl5pPr>
-              <a:defRPr sz="1600"/>
-            </a:lvl5pPr>
-            <a:lvl6pPr>
-              <a:defRPr sz="1600"/>
-            </a:lvl6pPr>
-            <a:lvl7pPr>
-              <a:defRPr sz="1600"/>
-            </a:lvl7pPr>
-            <a:lvl8pPr>
-              <a:defRPr sz="1600"/>
-            </a:lvl8pPr>
-            <a:lvl9pPr>
-              <a:defRPr sz="1600"/>
-            </a:lvl9pPr>
-          </a:lstStyle>
+          <a:lstStyle/>
           <a:p>
             <a:pPr lvl="0"/>
             <a:r>
-              <a:rPr lang="en-US"/>
-              <a:t>Click to edit Master text styles</a:t>
+              <a:rPr lang="pt-BR"/>
+              <a:t>Clique para editar os estilos de texto Mestres</a:t>
             </a:r>
           </a:p>
           <a:p>
             <a:pPr lvl="1"/>
             <a:r>
-              <a:rPr lang="en-US"/>
-              <a:t>Second level</a:t>
+              <a:rPr lang="pt-BR"/>
+              <a:t>Segundo nível</a:t>
             </a:r>
           </a:p>
           <a:p>
             <a:pPr lvl="2"/>
             <a:r>
-              <a:rPr lang="en-US"/>
-              <a:t>Third level</a:t>
+              <a:rPr lang="pt-BR"/>
+              <a:t>Terceiro nível</a:t>
             </a:r>
           </a:p>
           <a:p>
             <a:pPr lvl="3"/>
             <a:r>
-              <a:rPr lang="en-US"/>
-              <a:t>Fourth level</a:t>
+              <a:rPr lang="pt-BR"/>
+              <a:t>Quarto nível</a:t>
             </a:r>
           </a:p>
           <a:p>
             <a:pPr lvl="4"/>
             <a:r>
-              <a:rPr lang="en-US"/>
-              <a:t>Fifth level</a:t>
-            </a:r>
-          </a:p>
-        </p:txBody>
-      </p:sp>
-      <p:sp>
-        <p:nvSpPr>
-          <p:cNvPr id="7" name="Date Placeholder 6"/>
+              <a:rPr lang="pt-BR"/>
+              <a:t>Quinto nível</a:t>
+            </a:r>
+          </a:p>
+        </p:txBody>
+      </p:sp>
+      <p:sp>
+        <p:nvSpPr>
+          <p:cNvPr id="7" name="Espaço Reservado para Data 6">
+            <a:extLst>
+              <a:ext uri="{FF2B5EF4-FFF2-40B4-BE49-F238E27FC236}">
+                <a16:creationId xmlns:a16="http://schemas.microsoft.com/office/drawing/2014/main" id="{D13DC2C2-1AFD-CA55-6FEA-F6053B6EB288}"/>
+              </a:ext>
+            </a:extLst>
+          </p:cNvPr>
           <p:cNvSpPr>
             <a:spLocks noGrp="1"/>
           </p:cNvSpPr>
@@ -1763,17 +1813,23 @@
           <a:bodyPr/>
           <a:lstStyle/>
           <a:p>
-            <a:fld id="{5BCAD085-E8A6-8845-BD4E-CB4CCA059FC4}" type="datetimeFigureOut">
-              <a:rPr lang="en-US" smtClean="0"/>
-              <a:t>5/26/2025</a:t>
+            <a:fld id="{6B41E399-D0A3-4498-B3E0-9E6446FE780E}" type="datetimeFigureOut">
+              <a:rPr lang="pt-BR" smtClean="0"/>
+              <a:t>27/05/2025</a:t>
             </a:fld>
-            <a:endParaRPr lang="en-US"/>
-          </a:p>
-        </p:txBody>
-      </p:sp>
-      <p:sp>
-        <p:nvSpPr>
-          <p:cNvPr id="8" name="Footer Placeholder 7"/>
+            <a:endParaRPr lang="pt-BR"/>
+          </a:p>
+        </p:txBody>
+      </p:sp>
+      <p:sp>
+        <p:nvSpPr>
+          <p:cNvPr id="8" name="Espaço Reservado para Rodapé 7">
+            <a:extLst>
+              <a:ext uri="{FF2B5EF4-FFF2-40B4-BE49-F238E27FC236}">
+                <a16:creationId xmlns:a16="http://schemas.microsoft.com/office/drawing/2014/main" id="{34FBDF8D-3901-419F-588E-05FAE102B173}"/>
+              </a:ext>
+            </a:extLst>
+          </p:cNvPr>
           <p:cNvSpPr>
             <a:spLocks noGrp="1"/>
           </p:cNvSpPr>
@@ -1786,13 +1842,19 @@
           <a:bodyPr/>
           <a:lstStyle/>
           <a:p>
-            <a:endParaRPr lang="en-US"/>
-          </a:p>
-        </p:txBody>
-      </p:sp>
-      <p:sp>
-        <p:nvSpPr>
-          <p:cNvPr id="9" name="Slide Number Placeholder 8"/>
+            <a:endParaRPr lang="pt-BR"/>
+          </a:p>
+        </p:txBody>
+      </p:sp>
+      <p:sp>
+        <p:nvSpPr>
+          <p:cNvPr id="9" name="Espaço Reservado para Número de Slide 8">
+            <a:extLst>
+              <a:ext uri="{FF2B5EF4-FFF2-40B4-BE49-F238E27FC236}">
+                <a16:creationId xmlns:a16="http://schemas.microsoft.com/office/drawing/2014/main" id="{6768D23D-C3F4-9BD5-CB57-B511EB99A403}"/>
+              </a:ext>
+            </a:extLst>
+          </p:cNvPr>
           <p:cNvSpPr>
             <a:spLocks noGrp="1"/>
           </p:cNvSpPr>
@@ -1805,18 +1867,18 @@
           <a:bodyPr/>
           <a:lstStyle/>
           <a:p>
-            <a:fld id="{C1FF6DA9-008F-8B48-92A6-B652298478BF}" type="slidenum">
-              <a:rPr lang="en-US" smtClean="0"/>
+            <a:fld id="{70EFE1CA-2B32-4008-9B20-345CAE736A93}" type="slidenum">
+              <a:rPr lang="pt-BR" smtClean="0"/>
               <a:t>‹nº›</a:t>
             </a:fld>
-            <a:endParaRPr lang="en-US"/>
+            <a:endParaRPr lang="pt-BR"/>
           </a:p>
         </p:txBody>
       </p:sp>
     </p:spTree>
     <p:extLst>
       <p:ext uri="{BB962C8B-B14F-4D97-AF65-F5344CB8AC3E}">
-        <p14:creationId xmlns:p14="http://schemas.microsoft.com/office/powerpoint/2010/main" val="990158736"/>
+        <p14:creationId xmlns:p14="http://schemas.microsoft.com/office/powerpoint/2010/main" val="3799939829"/>
       </p:ext>
     </p:extLst>
   </p:cSld>
@@ -1828,7 +1890,7 @@
 
 <file path=ppt/slideLayouts/slideLayout6.xml><?xml version="1.0" encoding="utf-8"?>
 <p:sldLayout xmlns:a="http://schemas.openxmlformats.org/drawingml/2006/main" xmlns:r="http://schemas.openxmlformats.org/officeDocument/2006/relationships" xmlns:p="http://schemas.openxmlformats.org/presentationml/2006/main" type="titleOnly" preserve="1">
-  <p:cSld name="Title Only">
+  <p:cSld name="Somente Título">
     <p:spTree>
       <p:nvGrpSpPr>
         <p:cNvPr id="1" name=""/>
@@ -1845,7 +1907,13 @@
       </p:grpSpPr>
       <p:sp>
         <p:nvSpPr>
-          <p:cNvPr id="2" name="Title 1"/>
+          <p:cNvPr id="2" name="Título 1">
+            <a:extLst>
+              <a:ext uri="{FF2B5EF4-FFF2-40B4-BE49-F238E27FC236}">
+                <a16:creationId xmlns:a16="http://schemas.microsoft.com/office/drawing/2014/main" id="{FF3D31EB-F5B0-19DD-7572-044646F86295}"/>
+              </a:ext>
+            </a:extLst>
+          </p:cNvPr>
           <p:cNvSpPr>
             <a:spLocks noGrp="1"/>
           </p:cNvSpPr>
@@ -1859,15 +1927,21 @@
           <a:lstStyle/>
           <a:p>
             <a:r>
-              <a:rPr lang="en-US"/>
-              <a:t>Click to edit Master title style</a:t>
-            </a:r>
-          </a:p>
-        </p:txBody>
-      </p:sp>
-      <p:sp>
-        <p:nvSpPr>
-          <p:cNvPr id="3" name="Date Placeholder 2"/>
+              <a:rPr lang="pt-BR"/>
+              <a:t>Clique para editar o título Mestre</a:t>
+            </a:r>
+          </a:p>
+        </p:txBody>
+      </p:sp>
+      <p:sp>
+        <p:nvSpPr>
+          <p:cNvPr id="3" name="Espaço Reservado para Data 2">
+            <a:extLst>
+              <a:ext uri="{FF2B5EF4-FFF2-40B4-BE49-F238E27FC236}">
+                <a16:creationId xmlns:a16="http://schemas.microsoft.com/office/drawing/2014/main" id="{DE6A9D6D-16F7-4554-F722-9CABF4431950}"/>
+              </a:ext>
+            </a:extLst>
+          </p:cNvPr>
           <p:cNvSpPr>
             <a:spLocks noGrp="1"/>
           </p:cNvSpPr>
@@ -1880,17 +1954,23 @@
           <a:bodyPr/>
           <a:lstStyle/>
           <a:p>
-            <a:fld id="{5BCAD085-E8A6-8845-BD4E-CB4CCA059FC4}" type="datetimeFigureOut">
-              <a:rPr lang="en-US" smtClean="0"/>
-              <a:t>5/26/2025</a:t>
+            <a:fld id="{6B41E399-D0A3-4498-B3E0-9E6446FE780E}" type="datetimeFigureOut">
+              <a:rPr lang="pt-BR" smtClean="0"/>
+              <a:t>27/05/2025</a:t>
             </a:fld>
-            <a:endParaRPr lang="en-US"/>
-          </a:p>
-        </p:txBody>
-      </p:sp>
-      <p:sp>
-        <p:nvSpPr>
-          <p:cNvPr id="4" name="Footer Placeholder 3"/>
+            <a:endParaRPr lang="pt-BR"/>
+          </a:p>
+        </p:txBody>
+      </p:sp>
+      <p:sp>
+        <p:nvSpPr>
+          <p:cNvPr id="4" name="Espaço Reservado para Rodapé 3">
+            <a:extLst>
+              <a:ext uri="{FF2B5EF4-FFF2-40B4-BE49-F238E27FC236}">
+                <a16:creationId xmlns:a16="http://schemas.microsoft.com/office/drawing/2014/main" id="{2BACBE81-8AD2-A5CE-5BE3-C7DFF6EBD5A1}"/>
+              </a:ext>
+            </a:extLst>
+          </p:cNvPr>
           <p:cNvSpPr>
             <a:spLocks noGrp="1"/>
           </p:cNvSpPr>
@@ -1903,13 +1983,19 @@
           <a:bodyPr/>
           <a:lstStyle/>
           <a:p>
-            <a:endParaRPr lang="en-US"/>
-          </a:p>
-        </p:txBody>
-      </p:sp>
-      <p:sp>
-        <p:nvSpPr>
-          <p:cNvPr id="5" name="Slide Number Placeholder 4"/>
+            <a:endParaRPr lang="pt-BR"/>
+          </a:p>
+        </p:txBody>
+      </p:sp>
+      <p:sp>
+        <p:nvSpPr>
+          <p:cNvPr id="5" name="Espaço Reservado para Número de Slide 4">
+            <a:extLst>
+              <a:ext uri="{FF2B5EF4-FFF2-40B4-BE49-F238E27FC236}">
+                <a16:creationId xmlns:a16="http://schemas.microsoft.com/office/drawing/2014/main" id="{7C5D89D4-3D99-8EDA-1B98-AD6FF6BE9DCA}"/>
+              </a:ext>
+            </a:extLst>
+          </p:cNvPr>
           <p:cNvSpPr>
             <a:spLocks noGrp="1"/>
           </p:cNvSpPr>
@@ -1922,18 +2008,18 @@
           <a:bodyPr/>
           <a:lstStyle/>
           <a:p>
-            <a:fld id="{C1FF6DA9-008F-8B48-92A6-B652298478BF}" type="slidenum">
-              <a:rPr lang="en-US" smtClean="0"/>
+            <a:fld id="{70EFE1CA-2B32-4008-9B20-345CAE736A93}" type="slidenum">
+              <a:rPr lang="pt-BR" smtClean="0"/>
               <a:t>‹nº›</a:t>
             </a:fld>
-            <a:endParaRPr lang="en-US"/>
+            <a:endParaRPr lang="pt-BR"/>
           </a:p>
         </p:txBody>
       </p:sp>
     </p:spTree>
     <p:extLst>
       <p:ext uri="{BB962C8B-B14F-4D97-AF65-F5344CB8AC3E}">
-        <p14:creationId xmlns:p14="http://schemas.microsoft.com/office/powerpoint/2010/main" val="727027711"/>
+        <p14:creationId xmlns:p14="http://schemas.microsoft.com/office/powerpoint/2010/main" val="648962079"/>
       </p:ext>
     </p:extLst>
   </p:cSld>
@@ -1945,7 +2031,7 @@
 
 <file path=ppt/slideLayouts/slideLayout7.xml><?xml version="1.0" encoding="utf-8"?>
 <p:sldLayout xmlns:a="http://schemas.openxmlformats.org/drawingml/2006/main" xmlns:r="http://schemas.openxmlformats.org/officeDocument/2006/relationships" xmlns:p="http://schemas.openxmlformats.org/presentationml/2006/main" type="blank" preserve="1">
-  <p:cSld name="Blank">
+  <p:cSld name="Em Branco">
     <p:spTree>
       <p:nvGrpSpPr>
         <p:cNvPr id="1" name=""/>
@@ -1962,7 +2048,13 @@
       </p:grpSpPr>
       <p:sp>
         <p:nvSpPr>
-          <p:cNvPr id="2" name="Date Placeholder 1"/>
+          <p:cNvPr id="2" name="Espaço Reservado para Data 1">
+            <a:extLst>
+              <a:ext uri="{FF2B5EF4-FFF2-40B4-BE49-F238E27FC236}">
+                <a16:creationId xmlns:a16="http://schemas.microsoft.com/office/drawing/2014/main" id="{E82E25BF-AD93-F157-B52D-F949730F8344}"/>
+              </a:ext>
+            </a:extLst>
+          </p:cNvPr>
           <p:cNvSpPr>
             <a:spLocks noGrp="1"/>
           </p:cNvSpPr>
@@ -1975,17 +2067,23 @@
           <a:bodyPr/>
           <a:lstStyle/>
           <a:p>
-            <a:fld id="{5BCAD085-E8A6-8845-BD4E-CB4CCA059FC4}" type="datetimeFigureOut">
-              <a:rPr lang="en-US" smtClean="0"/>
-              <a:t>5/26/2025</a:t>
+            <a:fld id="{6B41E399-D0A3-4498-B3E0-9E6446FE780E}" type="datetimeFigureOut">
+              <a:rPr lang="pt-BR" smtClean="0"/>
+              <a:t>27/05/2025</a:t>
             </a:fld>
-            <a:endParaRPr lang="en-US"/>
-          </a:p>
-        </p:txBody>
-      </p:sp>
-      <p:sp>
-        <p:nvSpPr>
-          <p:cNvPr id="3" name="Footer Placeholder 2"/>
+            <a:endParaRPr lang="pt-BR"/>
+          </a:p>
+        </p:txBody>
+      </p:sp>
+      <p:sp>
+        <p:nvSpPr>
+          <p:cNvPr id="3" name="Espaço Reservado para Rodapé 2">
+            <a:extLst>
+              <a:ext uri="{FF2B5EF4-FFF2-40B4-BE49-F238E27FC236}">
+                <a16:creationId xmlns:a16="http://schemas.microsoft.com/office/drawing/2014/main" id="{4EB5FCB3-47AD-83F8-A3BD-0F78BF5054F3}"/>
+              </a:ext>
+            </a:extLst>
+          </p:cNvPr>
           <p:cNvSpPr>
             <a:spLocks noGrp="1"/>
           </p:cNvSpPr>
@@ -1998,13 +2096,19 @@
           <a:bodyPr/>
           <a:lstStyle/>
           <a:p>
-            <a:endParaRPr lang="en-US"/>
-          </a:p>
-        </p:txBody>
-      </p:sp>
-      <p:sp>
-        <p:nvSpPr>
-          <p:cNvPr id="4" name="Slide Number Placeholder 3"/>
+            <a:endParaRPr lang="pt-BR"/>
+          </a:p>
+        </p:txBody>
+      </p:sp>
+      <p:sp>
+        <p:nvSpPr>
+          <p:cNvPr id="4" name="Espaço Reservado para Número de Slide 3">
+            <a:extLst>
+              <a:ext uri="{FF2B5EF4-FFF2-40B4-BE49-F238E27FC236}">
+                <a16:creationId xmlns:a16="http://schemas.microsoft.com/office/drawing/2014/main" id="{7BD17662-B79D-57C9-1703-20EAF2821C8D}"/>
+              </a:ext>
+            </a:extLst>
+          </p:cNvPr>
           <p:cNvSpPr>
             <a:spLocks noGrp="1"/>
           </p:cNvSpPr>
@@ -2017,18 +2121,18 @@
           <a:bodyPr/>
           <a:lstStyle/>
           <a:p>
-            <a:fld id="{C1FF6DA9-008F-8B48-92A6-B652298478BF}" type="slidenum">
-              <a:rPr lang="en-US" smtClean="0"/>
+            <a:fld id="{70EFE1CA-2B32-4008-9B20-345CAE736A93}" type="slidenum">
+              <a:rPr lang="pt-BR" smtClean="0"/>
               <a:t>‹nº›</a:t>
             </a:fld>
-            <a:endParaRPr lang="en-US"/>
+            <a:endParaRPr lang="pt-BR"/>
           </a:p>
         </p:txBody>
       </p:sp>
     </p:spTree>
     <p:extLst>
       <p:ext uri="{BB962C8B-B14F-4D97-AF65-F5344CB8AC3E}">
-        <p14:creationId xmlns:p14="http://schemas.microsoft.com/office/powerpoint/2010/main" val="1212999818"/>
+        <p14:creationId xmlns:p14="http://schemas.microsoft.com/office/powerpoint/2010/main" val="4253140821"/>
       </p:ext>
     </p:extLst>
   </p:cSld>
@@ -2040,7 +2144,7 @@
 
 <file path=ppt/slideLayouts/slideLayout8.xml><?xml version="1.0" encoding="utf-8"?>
 <p:sldLayout xmlns:a="http://schemas.openxmlformats.org/drawingml/2006/main" xmlns:r="http://schemas.openxmlformats.org/officeDocument/2006/relationships" xmlns:p="http://schemas.openxmlformats.org/presentationml/2006/main" type="objTx" preserve="1">
-  <p:cSld name="Content with Caption">
+  <p:cSld name="Conteúdo com Legenda">
     <p:spTree>
       <p:nvGrpSpPr>
         <p:cNvPr id="1" name=""/>
@@ -2057,7 +2161,13 @@
       </p:grpSpPr>
       <p:sp>
         <p:nvSpPr>
-          <p:cNvPr id="2" name="Title 1"/>
+          <p:cNvPr id="2" name="Título 1">
+            <a:extLst>
+              <a:ext uri="{FF2B5EF4-FFF2-40B4-BE49-F238E27FC236}">
+                <a16:creationId xmlns:a16="http://schemas.microsoft.com/office/drawing/2014/main" id="{CBE08FD9-A117-FCCD-EE20-131943D893FC}"/>
+              </a:ext>
+            </a:extLst>
+          </p:cNvPr>
           <p:cNvSpPr>
             <a:spLocks noGrp="1"/>
           </p:cNvSpPr>
@@ -2067,28 +2177,34 @@
         </p:nvSpPr>
         <p:spPr>
           <a:xfrm>
-            <a:off x="457200" y="273050"/>
-            <a:ext cx="3008313" cy="1162050"/>
+            <a:off x="839788" y="457200"/>
+            <a:ext cx="3932237" cy="1600200"/>
           </a:xfrm>
         </p:spPr>
         <p:txBody>
           <a:bodyPr anchor="b"/>
           <a:lstStyle>
-            <a:lvl1pPr algn="l">
-              <a:defRPr sz="2000" b="1"/>
+            <a:lvl1pPr>
+              <a:defRPr sz="3200"/>
             </a:lvl1pPr>
           </a:lstStyle>
           <a:p>
             <a:r>
-              <a:rPr lang="en-US"/>
-              <a:t>Click to edit Master title style</a:t>
-            </a:r>
-          </a:p>
-        </p:txBody>
-      </p:sp>
-      <p:sp>
-        <p:nvSpPr>
-          <p:cNvPr id="3" name="Content Placeholder 2"/>
+              <a:rPr lang="pt-BR"/>
+              <a:t>Clique para editar o título Mestre</a:t>
+            </a:r>
+          </a:p>
+        </p:txBody>
+      </p:sp>
+      <p:sp>
+        <p:nvSpPr>
+          <p:cNvPr id="3" name="Espaço Reservado para Conteúdo 2">
+            <a:extLst>
+              <a:ext uri="{FF2B5EF4-FFF2-40B4-BE49-F238E27FC236}">
+                <a16:creationId xmlns:a16="http://schemas.microsoft.com/office/drawing/2014/main" id="{622AC95A-E448-BFAF-F9CF-9D9F27D30527}"/>
+              </a:ext>
+            </a:extLst>
+          </p:cNvPr>
           <p:cNvSpPr>
             <a:spLocks noGrp="1"/>
           </p:cNvSpPr>
@@ -2098,8 +2214,8 @@
         </p:nvSpPr>
         <p:spPr>
           <a:xfrm>
-            <a:off x="3575050" y="273050"/>
-            <a:ext cx="5111750" cy="5853113"/>
+            <a:off x="5183188" y="987425"/>
+            <a:ext cx="6172200" cy="4873625"/>
           </a:xfrm>
         </p:spPr>
         <p:txBody>
@@ -2136,43 +2252,49 @@
           <a:p>
             <a:pPr lvl="0"/>
             <a:r>
-              <a:rPr lang="en-US"/>
-              <a:t>Click to edit Master text styles</a:t>
+              <a:rPr lang="pt-BR"/>
+              <a:t>Clique para editar os estilos de texto Mestres</a:t>
             </a:r>
           </a:p>
           <a:p>
             <a:pPr lvl="1"/>
             <a:r>
-              <a:rPr lang="en-US"/>
-              <a:t>Second level</a:t>
+              <a:rPr lang="pt-BR"/>
+              <a:t>Segundo nível</a:t>
             </a:r>
           </a:p>
           <a:p>
             <a:pPr lvl="2"/>
             <a:r>
-              <a:rPr lang="en-US"/>
-              <a:t>Third level</a:t>
+              <a:rPr lang="pt-BR"/>
+              <a:t>Terceiro nível</a:t>
             </a:r>
           </a:p>
           <a:p>
             <a:pPr lvl="3"/>
             <a:r>
-              <a:rPr lang="en-US"/>
-              <a:t>Fourth level</a:t>
+              <a:rPr lang="pt-BR"/>
+              <a:t>Quarto nível</a:t>
             </a:r>
           </a:p>
           <a:p>
             <a:pPr lvl="4"/>
             <a:r>
-              <a:rPr lang="en-US"/>
-              <a:t>Fifth level</a:t>
-            </a:r>
-          </a:p>
-        </p:txBody>
-      </p:sp>
-      <p:sp>
-        <p:nvSpPr>
-          <p:cNvPr id="4" name="Text Placeholder 3"/>
+              <a:rPr lang="pt-BR"/>
+              <a:t>Quinto nível</a:t>
+            </a:r>
+          </a:p>
+        </p:txBody>
+      </p:sp>
+      <p:sp>
+        <p:nvSpPr>
+          <p:cNvPr id="4" name="Espaço Reservado para Texto 3">
+            <a:extLst>
+              <a:ext uri="{FF2B5EF4-FFF2-40B4-BE49-F238E27FC236}">
+                <a16:creationId xmlns:a16="http://schemas.microsoft.com/office/drawing/2014/main" id="{6BA53718-53EA-9AF1-4753-AF8856E574BB}"/>
+              </a:ext>
+            </a:extLst>
+          </p:cNvPr>
           <p:cNvSpPr>
             <a:spLocks noGrp="1"/>
           </p:cNvSpPr>
@@ -2182,8 +2304,8 @@
         </p:nvSpPr>
         <p:spPr>
           <a:xfrm>
-            <a:off x="457200" y="1435100"/>
-            <a:ext cx="3008313" cy="4691063"/>
+            <a:off x="839788" y="2057400"/>
+            <a:ext cx="3932237" cy="3811588"/>
           </a:xfrm>
         </p:spPr>
         <p:txBody>
@@ -2191,53 +2313,59 @@
           <a:lstStyle>
             <a:lvl1pPr marL="0" indent="0">
               <a:buNone/>
-              <a:defRPr sz="1400"/>
+              <a:defRPr sz="1600"/>
             </a:lvl1pPr>
             <a:lvl2pPr marL="457200" indent="0">
               <a:buNone/>
-              <a:defRPr sz="1200"/>
+              <a:defRPr sz="1400"/>
             </a:lvl2pPr>
             <a:lvl3pPr marL="914400" indent="0">
               <a:buNone/>
-              <a:defRPr sz="1000"/>
+              <a:defRPr sz="1200"/>
             </a:lvl3pPr>
             <a:lvl4pPr marL="1371600" indent="0">
               <a:buNone/>
-              <a:defRPr sz="900"/>
+              <a:defRPr sz="1000"/>
             </a:lvl4pPr>
             <a:lvl5pPr marL="1828800" indent="0">
               <a:buNone/>
-              <a:defRPr sz="900"/>
+              <a:defRPr sz="1000"/>
             </a:lvl5pPr>
             <a:lvl6pPr marL="2286000" indent="0">
               <a:buNone/>
-              <a:defRPr sz="900"/>
+              <a:defRPr sz="1000"/>
             </a:lvl6pPr>
             <a:lvl7pPr marL="2743200" indent="0">
               <a:buNone/>
-              <a:defRPr sz="900"/>
+              <a:defRPr sz="1000"/>
             </a:lvl7pPr>
             <a:lvl8pPr marL="3200400" indent="0">
               <a:buNone/>
-              <a:defRPr sz="900"/>
+              <a:defRPr sz="1000"/>
             </a:lvl8pPr>
             <a:lvl9pPr marL="3657600" indent="0">
               <a:buNone/>
-              <a:defRPr sz="900"/>
+              <a:defRPr sz="1000"/>
             </a:lvl9pPr>
           </a:lstStyle>
           <a:p>
             <a:pPr lvl="0"/>
             <a:r>
-              <a:rPr lang="en-US"/>
-              <a:t>Click to edit Master text styles</a:t>
-            </a:r>
-          </a:p>
-        </p:txBody>
-      </p:sp>
-      <p:sp>
-        <p:nvSpPr>
-          <p:cNvPr id="5" name="Date Placeholder 4"/>
+              <a:rPr lang="pt-BR"/>
+              <a:t>Clique para editar os estilos de texto Mestres</a:t>
+            </a:r>
+          </a:p>
+        </p:txBody>
+      </p:sp>
+      <p:sp>
+        <p:nvSpPr>
+          <p:cNvPr id="5" name="Espaço Reservado para Data 4">
+            <a:extLst>
+              <a:ext uri="{FF2B5EF4-FFF2-40B4-BE49-F238E27FC236}">
+                <a16:creationId xmlns:a16="http://schemas.microsoft.com/office/drawing/2014/main" id="{634DCF15-0C3D-15E0-CA52-B725D2BBDA6E}"/>
+              </a:ext>
+            </a:extLst>
+          </p:cNvPr>
           <p:cNvSpPr>
             <a:spLocks noGrp="1"/>
           </p:cNvSpPr>
@@ -2250,17 +2378,23 @@
           <a:bodyPr/>
           <a:lstStyle/>
           <a:p>
-            <a:fld id="{5BCAD085-E8A6-8845-BD4E-CB4CCA059FC4}" type="datetimeFigureOut">
-              <a:rPr lang="en-US" smtClean="0"/>
-              <a:t>5/26/2025</a:t>
+            <a:fld id="{6B41E399-D0A3-4498-B3E0-9E6446FE780E}" type="datetimeFigureOut">
+              <a:rPr lang="pt-BR" smtClean="0"/>
+              <a:t>27/05/2025</a:t>
             </a:fld>
-            <a:endParaRPr lang="en-US"/>
-          </a:p>
-        </p:txBody>
-      </p:sp>
-      <p:sp>
-        <p:nvSpPr>
-          <p:cNvPr id="6" name="Footer Placeholder 5"/>
+            <a:endParaRPr lang="pt-BR"/>
+          </a:p>
+        </p:txBody>
+      </p:sp>
+      <p:sp>
+        <p:nvSpPr>
+          <p:cNvPr id="6" name="Espaço Reservado para Rodapé 5">
+            <a:extLst>
+              <a:ext uri="{FF2B5EF4-FFF2-40B4-BE49-F238E27FC236}">
+                <a16:creationId xmlns:a16="http://schemas.microsoft.com/office/drawing/2014/main" id="{6C355FAD-8A19-A81F-DBC4-95169A4A1BE7}"/>
+              </a:ext>
+            </a:extLst>
+          </p:cNvPr>
           <p:cNvSpPr>
             <a:spLocks noGrp="1"/>
           </p:cNvSpPr>
@@ -2273,13 +2407,19 @@
           <a:bodyPr/>
           <a:lstStyle/>
           <a:p>
-            <a:endParaRPr lang="en-US"/>
-          </a:p>
-        </p:txBody>
-      </p:sp>
-      <p:sp>
-        <p:nvSpPr>
-          <p:cNvPr id="7" name="Slide Number Placeholder 6"/>
+            <a:endParaRPr lang="pt-BR"/>
+          </a:p>
+        </p:txBody>
+      </p:sp>
+      <p:sp>
+        <p:nvSpPr>
+          <p:cNvPr id="7" name="Espaço Reservado para Número de Slide 6">
+            <a:extLst>
+              <a:ext uri="{FF2B5EF4-FFF2-40B4-BE49-F238E27FC236}">
+                <a16:creationId xmlns:a16="http://schemas.microsoft.com/office/drawing/2014/main" id="{36E2072F-C99A-B939-C04F-D10CA5BC97EA}"/>
+              </a:ext>
+            </a:extLst>
+          </p:cNvPr>
           <p:cNvSpPr>
             <a:spLocks noGrp="1"/>
           </p:cNvSpPr>
@@ -2292,18 +2432,18 @@
           <a:bodyPr/>
           <a:lstStyle/>
           <a:p>
-            <a:fld id="{C1FF6DA9-008F-8B48-92A6-B652298478BF}" type="slidenum">
-              <a:rPr lang="en-US" smtClean="0"/>
+            <a:fld id="{70EFE1CA-2B32-4008-9B20-345CAE736A93}" type="slidenum">
+              <a:rPr lang="pt-BR" smtClean="0"/>
               <a:t>‹nº›</a:t>
             </a:fld>
-            <a:endParaRPr lang="en-US"/>
+            <a:endParaRPr lang="pt-BR"/>
           </a:p>
         </p:txBody>
       </p:sp>
     </p:spTree>
     <p:extLst>
       <p:ext uri="{BB962C8B-B14F-4D97-AF65-F5344CB8AC3E}">
-        <p14:creationId xmlns:p14="http://schemas.microsoft.com/office/powerpoint/2010/main" val="1840726560"/>
+        <p14:creationId xmlns:p14="http://schemas.microsoft.com/office/powerpoint/2010/main" val="6751387"/>
       </p:ext>
     </p:extLst>
   </p:cSld>
@@ -2315,7 +2455,7 @@
 
 <file path=ppt/slideLayouts/slideLayout9.xml><?xml version="1.0" encoding="utf-8"?>
 <p:sldLayout xmlns:a="http://schemas.openxmlformats.org/drawingml/2006/main" xmlns:r="http://schemas.openxmlformats.org/officeDocument/2006/relationships" xmlns:p="http://schemas.openxmlformats.org/presentationml/2006/main" type="picTx" preserve="1">
-  <p:cSld name="Picture with Caption">
+  <p:cSld name="Imagem com Legenda">
     <p:spTree>
       <p:nvGrpSpPr>
         <p:cNvPr id="1" name=""/>
@@ -2332,7 +2472,13 @@
       </p:grpSpPr>
       <p:sp>
         <p:nvSpPr>
-          <p:cNvPr id="2" name="Title 1"/>
+          <p:cNvPr id="2" name="Título 1">
+            <a:extLst>
+              <a:ext uri="{FF2B5EF4-FFF2-40B4-BE49-F238E27FC236}">
+                <a16:creationId xmlns:a16="http://schemas.microsoft.com/office/drawing/2014/main" id="{1792A4CB-C47F-63DA-505B-D575F64A51D3}"/>
+              </a:ext>
+            </a:extLst>
+          </p:cNvPr>
           <p:cNvSpPr>
             <a:spLocks noGrp="1"/>
           </p:cNvSpPr>
@@ -2342,28 +2488,34 @@
         </p:nvSpPr>
         <p:spPr>
           <a:xfrm>
-            <a:off x="1792288" y="4800600"/>
-            <a:ext cx="5486400" cy="566738"/>
+            <a:off x="839788" y="457200"/>
+            <a:ext cx="3932237" cy="1600200"/>
           </a:xfrm>
         </p:spPr>
         <p:txBody>
           <a:bodyPr anchor="b"/>
           <a:lstStyle>
-            <a:lvl1pPr algn="l">
-              <a:defRPr sz="2000" b="1"/>
+            <a:lvl1pPr>
+              <a:defRPr sz="3200"/>
             </a:lvl1pPr>
           </a:lstStyle>
           <a:p>
             <a:r>
-              <a:rPr lang="en-US"/>
-              <a:t>Click to edit Master title style</a:t>
-            </a:r>
-          </a:p>
-        </p:txBody>
-      </p:sp>
-      <p:sp>
-        <p:nvSpPr>
-          <p:cNvPr id="3" name="Picture Placeholder 2"/>
+              <a:rPr lang="pt-BR"/>
+              <a:t>Clique para editar o título Mestre</a:t>
+            </a:r>
+          </a:p>
+        </p:txBody>
+      </p:sp>
+      <p:sp>
+        <p:nvSpPr>
+          <p:cNvPr id="3" name="Espaço Reservado para Imagem 2">
+            <a:extLst>
+              <a:ext uri="{FF2B5EF4-FFF2-40B4-BE49-F238E27FC236}">
+                <a16:creationId xmlns:a16="http://schemas.microsoft.com/office/drawing/2014/main" id="{9F8BFC32-784B-DD08-4804-B85547A31722}"/>
+              </a:ext>
+            </a:extLst>
+          </p:cNvPr>
           <p:cNvSpPr>
             <a:spLocks noGrp="1"/>
           </p:cNvSpPr>
@@ -2373,8 +2525,8 @@
         </p:nvSpPr>
         <p:spPr>
           <a:xfrm>
-            <a:off x="1792288" y="612775"/>
-            <a:ext cx="5486400" cy="4114800"/>
+            <a:off x="5183188" y="987425"/>
+            <a:ext cx="6172200" cy="4873625"/>
           </a:xfrm>
         </p:spPr>
         <p:txBody>
@@ -2418,13 +2570,19 @@
             </a:lvl9pPr>
           </a:lstStyle>
           <a:p>
-            <a:endParaRPr lang="en-US"/>
-          </a:p>
-        </p:txBody>
-      </p:sp>
-      <p:sp>
-        <p:nvSpPr>
-          <p:cNvPr id="4" name="Text Placeholder 3"/>
+            <a:endParaRPr lang="pt-BR"/>
+          </a:p>
+        </p:txBody>
+      </p:sp>
+      <p:sp>
+        <p:nvSpPr>
+          <p:cNvPr id="4" name="Espaço Reservado para Texto 3">
+            <a:extLst>
+              <a:ext uri="{FF2B5EF4-FFF2-40B4-BE49-F238E27FC236}">
+                <a16:creationId xmlns:a16="http://schemas.microsoft.com/office/drawing/2014/main" id="{F8C0855C-96CA-D881-5691-738096D47504}"/>
+              </a:ext>
+            </a:extLst>
+          </p:cNvPr>
           <p:cNvSpPr>
             <a:spLocks noGrp="1"/>
           </p:cNvSpPr>
@@ -2434,8 +2592,8 @@
         </p:nvSpPr>
         <p:spPr>
           <a:xfrm>
-            <a:off x="1792288" y="5367338"/>
-            <a:ext cx="5486400" cy="804862"/>
+            <a:off x="839788" y="2057400"/>
+            <a:ext cx="3932237" cy="3811588"/>
           </a:xfrm>
         </p:spPr>
         <p:txBody>
@@ -2443,53 +2601,59 @@
           <a:lstStyle>
             <a:lvl1pPr marL="0" indent="0">
               <a:buNone/>
-              <a:defRPr sz="1400"/>
+              <a:defRPr sz="1600"/>
             </a:lvl1pPr>
             <a:lvl2pPr marL="457200" indent="0">
               <a:buNone/>
-              <a:defRPr sz="1200"/>
+              <a:defRPr sz="1400"/>
             </a:lvl2pPr>
             <a:lvl3pPr marL="914400" indent="0">
               <a:buNone/>
-              <a:defRPr sz="1000"/>
+              <a:defRPr sz="1200"/>
             </a:lvl3pPr>
             <a:lvl4pPr marL="1371600" indent="0">
               <a:buNone/>
-              <a:defRPr sz="900"/>
+              <a:defRPr sz="1000"/>
             </a:lvl4pPr>
             <a:lvl5pPr marL="1828800" indent="0">
               <a:buNone/>
-              <a:defRPr sz="900"/>
+              <a:defRPr sz="1000"/>
             </a:lvl5pPr>
             <a:lvl6pPr marL="2286000" indent="0">
               <a:buNone/>
-              <a:defRPr sz="900"/>
+              <a:defRPr sz="1000"/>
             </a:lvl6pPr>
             <a:lvl7pPr marL="2743200" indent="0">
               <a:buNone/>
-              <a:defRPr sz="900"/>
+              <a:defRPr sz="1000"/>
             </a:lvl7pPr>
             <a:lvl8pPr marL="3200400" indent="0">
               <a:buNone/>
-              <a:defRPr sz="900"/>
+              <a:defRPr sz="1000"/>
             </a:lvl8pPr>
             <a:lvl9pPr marL="3657600" indent="0">
               <a:buNone/>
-              <a:defRPr sz="900"/>
+              <a:defRPr sz="1000"/>
             </a:lvl9pPr>
           </a:lstStyle>
           <a:p>
             <a:pPr lvl="0"/>
             <a:r>
-              <a:rPr lang="en-US"/>
-              <a:t>Click to edit Master text styles</a:t>
-            </a:r>
-          </a:p>
-        </p:txBody>
-      </p:sp>
-      <p:sp>
-        <p:nvSpPr>
-          <p:cNvPr id="5" name="Date Placeholder 4"/>
+              <a:rPr lang="pt-BR"/>
+              <a:t>Clique para editar os estilos de texto Mestres</a:t>
+            </a:r>
+          </a:p>
+        </p:txBody>
+      </p:sp>
+      <p:sp>
+        <p:nvSpPr>
+          <p:cNvPr id="5" name="Espaço Reservado para Data 4">
+            <a:extLst>
+              <a:ext uri="{FF2B5EF4-FFF2-40B4-BE49-F238E27FC236}">
+                <a16:creationId xmlns:a16="http://schemas.microsoft.com/office/drawing/2014/main" id="{9861F1DD-9766-3A53-0C53-E3F192B1054C}"/>
+              </a:ext>
+            </a:extLst>
+          </p:cNvPr>
           <p:cNvSpPr>
             <a:spLocks noGrp="1"/>
           </p:cNvSpPr>
@@ -2502,17 +2666,23 @@
           <a:bodyPr/>
           <a:lstStyle/>
           <a:p>
-            <a:fld id="{5BCAD085-E8A6-8845-BD4E-CB4CCA059FC4}" type="datetimeFigureOut">
-              <a:rPr lang="en-US" smtClean="0"/>
-              <a:t>5/26/2025</a:t>
+            <a:fld id="{6B41E399-D0A3-4498-B3E0-9E6446FE780E}" type="datetimeFigureOut">
+              <a:rPr lang="pt-BR" smtClean="0"/>
+              <a:t>27/05/2025</a:t>
             </a:fld>
-            <a:endParaRPr lang="en-US"/>
-          </a:p>
-        </p:txBody>
-      </p:sp>
-      <p:sp>
-        <p:nvSpPr>
-          <p:cNvPr id="6" name="Footer Placeholder 5"/>
+            <a:endParaRPr lang="pt-BR"/>
+          </a:p>
+        </p:txBody>
+      </p:sp>
+      <p:sp>
+        <p:nvSpPr>
+          <p:cNvPr id="6" name="Espaço Reservado para Rodapé 5">
+            <a:extLst>
+              <a:ext uri="{FF2B5EF4-FFF2-40B4-BE49-F238E27FC236}">
+                <a16:creationId xmlns:a16="http://schemas.microsoft.com/office/drawing/2014/main" id="{82AF800F-1183-9018-16DC-376D0EF8845B}"/>
+              </a:ext>
+            </a:extLst>
+          </p:cNvPr>
           <p:cNvSpPr>
             <a:spLocks noGrp="1"/>
           </p:cNvSpPr>
@@ -2525,13 +2695,19 @@
           <a:bodyPr/>
           <a:lstStyle/>
           <a:p>
-            <a:endParaRPr lang="en-US"/>
-          </a:p>
-        </p:txBody>
-      </p:sp>
-      <p:sp>
-        <p:nvSpPr>
-          <p:cNvPr id="7" name="Slide Number Placeholder 6"/>
+            <a:endParaRPr lang="pt-BR"/>
+          </a:p>
+        </p:txBody>
+      </p:sp>
+      <p:sp>
+        <p:nvSpPr>
+          <p:cNvPr id="7" name="Espaço Reservado para Número de Slide 6">
+            <a:extLst>
+              <a:ext uri="{FF2B5EF4-FFF2-40B4-BE49-F238E27FC236}">
+                <a16:creationId xmlns:a16="http://schemas.microsoft.com/office/drawing/2014/main" id="{80AB84C8-F3E3-BC05-7327-799001B033E5}"/>
+              </a:ext>
+            </a:extLst>
+          </p:cNvPr>
           <p:cNvSpPr>
             <a:spLocks noGrp="1"/>
           </p:cNvSpPr>
@@ -2544,18 +2720,18 @@
           <a:bodyPr/>
           <a:lstStyle/>
           <a:p>
-            <a:fld id="{C1FF6DA9-008F-8B48-92A6-B652298478BF}" type="slidenum">
-              <a:rPr lang="en-US" smtClean="0"/>
+            <a:fld id="{70EFE1CA-2B32-4008-9B20-345CAE736A93}" type="slidenum">
+              <a:rPr lang="pt-BR" smtClean="0"/>
               <a:t>‹nº›</a:t>
             </a:fld>
-            <a:endParaRPr lang="en-US"/>
+            <a:endParaRPr lang="pt-BR"/>
           </a:p>
         </p:txBody>
       </p:sp>
     </p:spTree>
     <p:extLst>
       <p:ext uri="{BB962C8B-B14F-4D97-AF65-F5344CB8AC3E}">
-        <p14:creationId xmlns:p14="http://schemas.microsoft.com/office/powerpoint/2010/main" val="3889236939"/>
+        <p14:creationId xmlns:p14="http://schemas.microsoft.com/office/powerpoint/2010/main" val="624252090"/>
       </p:ext>
     </p:extLst>
   </p:cSld>
@@ -2589,7 +2765,13 @@
       </p:grpSpPr>
       <p:sp>
         <p:nvSpPr>
-          <p:cNvPr id="2" name="Title Placeholder 1"/>
+          <p:cNvPr id="2" name="Espaço Reservado para Título 1">
+            <a:extLst>
+              <a:ext uri="{FF2B5EF4-FFF2-40B4-BE49-F238E27FC236}">
+                <a16:creationId xmlns:a16="http://schemas.microsoft.com/office/drawing/2014/main" id="{CC3A97BD-C6CF-D6B5-6A25-2EFEDDF4B529}"/>
+              </a:ext>
+            </a:extLst>
+          </p:cNvPr>
           <p:cNvSpPr>
             <a:spLocks noGrp="1"/>
           </p:cNvSpPr>
@@ -2599,8 +2781,8 @@
         </p:nvSpPr>
         <p:spPr>
           <a:xfrm>
-            <a:off x="457200" y="274638"/>
-            <a:ext cx="8229600" cy="1143000"/>
+            <a:off x="838200" y="365125"/>
+            <a:ext cx="10515600" cy="1325563"/>
           </a:xfrm>
           <a:prstGeom prst="rect">
             <a:avLst/>
@@ -2613,15 +2795,21 @@
           <a:lstStyle/>
           <a:p>
             <a:r>
-              <a:rPr lang="en-US"/>
-              <a:t>Click to edit Master title style</a:t>
-            </a:r>
-          </a:p>
-        </p:txBody>
-      </p:sp>
-      <p:sp>
-        <p:nvSpPr>
-          <p:cNvPr id="3" name="Text Placeholder 2"/>
+              <a:rPr lang="pt-BR"/>
+              <a:t>Clique para editar o título Mestre</a:t>
+            </a:r>
+          </a:p>
+        </p:txBody>
+      </p:sp>
+      <p:sp>
+        <p:nvSpPr>
+          <p:cNvPr id="3" name="Espaço Reservado para Texto 2">
+            <a:extLst>
+              <a:ext uri="{FF2B5EF4-FFF2-40B4-BE49-F238E27FC236}">
+                <a16:creationId xmlns:a16="http://schemas.microsoft.com/office/drawing/2014/main" id="{7EF5F032-59DF-A1CA-8CF4-37B47ABD0125}"/>
+              </a:ext>
+            </a:extLst>
+          </p:cNvPr>
           <p:cNvSpPr>
             <a:spLocks noGrp="1"/>
           </p:cNvSpPr>
@@ -2631,8 +2819,8 @@
         </p:nvSpPr>
         <p:spPr>
           <a:xfrm>
-            <a:off x="457200" y="1600200"/>
-            <a:ext cx="8229600" cy="4525963"/>
+            <a:off x="838200" y="1825625"/>
+            <a:ext cx="10515600" cy="4351338"/>
           </a:xfrm>
           <a:prstGeom prst="rect">
             <a:avLst/>
@@ -2646,43 +2834,49 @@
           <a:p>
             <a:pPr lvl="0"/>
             <a:r>
-              <a:rPr lang="en-US"/>
-              <a:t>Click to edit Master text styles</a:t>
+              <a:rPr lang="pt-BR"/>
+              <a:t>Clique para editar os estilos de texto Mestres</a:t>
             </a:r>
           </a:p>
           <a:p>
             <a:pPr lvl="1"/>
             <a:r>
-              <a:rPr lang="en-US"/>
-              <a:t>Second level</a:t>
+              <a:rPr lang="pt-BR"/>
+              <a:t>Segundo nível</a:t>
             </a:r>
           </a:p>
           <a:p>
             <a:pPr lvl="2"/>
             <a:r>
-              <a:rPr lang="en-US"/>
-              <a:t>Third level</a:t>
+              <a:rPr lang="pt-BR"/>
+              <a:t>Terceiro nível</a:t>
             </a:r>
           </a:p>
           <a:p>
             <a:pPr lvl="3"/>
             <a:r>
-              <a:rPr lang="en-US"/>
-              <a:t>Fourth level</a:t>
+              <a:rPr lang="pt-BR"/>
+              <a:t>Quarto nível</a:t>
             </a:r>
           </a:p>
           <a:p>
             <a:pPr lvl="4"/>
             <a:r>
-              <a:rPr lang="en-US"/>
-              <a:t>Fifth level</a:t>
-            </a:r>
-          </a:p>
-        </p:txBody>
-      </p:sp>
-      <p:sp>
-        <p:nvSpPr>
-          <p:cNvPr id="4" name="Date Placeholder 3"/>
+              <a:rPr lang="pt-BR"/>
+              <a:t>Quinto nível</a:t>
+            </a:r>
+          </a:p>
+        </p:txBody>
+      </p:sp>
+      <p:sp>
+        <p:nvSpPr>
+          <p:cNvPr id="4" name="Espaço Reservado para Data 3">
+            <a:extLst>
+              <a:ext uri="{FF2B5EF4-FFF2-40B4-BE49-F238E27FC236}">
+                <a16:creationId xmlns:a16="http://schemas.microsoft.com/office/drawing/2014/main" id="{A6A4F7D2-92D9-4E12-FA48-5BCB7747A2CF}"/>
+              </a:ext>
+            </a:extLst>
+          </p:cNvPr>
           <p:cNvSpPr>
             <a:spLocks noGrp="1"/>
           </p:cNvSpPr>
@@ -2692,8 +2886,8 @@
         </p:nvSpPr>
         <p:spPr>
           <a:xfrm>
-            <a:off x="457200" y="6356350"/>
-            <a:ext cx="2133600" cy="365125"/>
+            <a:off x="838200" y="6356350"/>
+            <a:ext cx="2743200" cy="365125"/>
           </a:xfrm>
           <a:prstGeom prst="rect">
             <a:avLst/>
@@ -2706,24 +2900,30 @@
               <a:defRPr sz="1200">
                 <a:solidFill>
                   <a:schemeClr val="tx1">
-                    <a:tint val="75000"/>
+                    <a:tint val="82000"/>
                   </a:schemeClr>
                 </a:solidFill>
               </a:defRPr>
             </a:lvl1pPr>
           </a:lstStyle>
           <a:p>
-            <a:fld id="{5BCAD085-E8A6-8845-BD4E-CB4CCA059FC4}" type="datetimeFigureOut">
-              <a:rPr lang="en-US" smtClean="0"/>
-              <a:t>5/26/2025</a:t>
+            <a:fld id="{6B41E399-D0A3-4498-B3E0-9E6446FE780E}" type="datetimeFigureOut">
+              <a:rPr lang="pt-BR" smtClean="0"/>
+              <a:t>27/05/2025</a:t>
             </a:fld>
-            <a:endParaRPr lang="en-US"/>
-          </a:p>
-        </p:txBody>
-      </p:sp>
-      <p:sp>
-        <p:nvSpPr>
-          <p:cNvPr id="5" name="Footer Placeholder 4"/>
+            <a:endParaRPr lang="pt-BR"/>
+          </a:p>
+        </p:txBody>
+      </p:sp>
+      <p:sp>
+        <p:nvSpPr>
+          <p:cNvPr id="5" name="Espaço Reservado para Rodapé 4">
+            <a:extLst>
+              <a:ext uri="{FF2B5EF4-FFF2-40B4-BE49-F238E27FC236}">
+                <a16:creationId xmlns:a16="http://schemas.microsoft.com/office/drawing/2014/main" id="{D75BCC86-B19A-7D36-82F7-7857AD5F805F}"/>
+              </a:ext>
+            </a:extLst>
+          </p:cNvPr>
           <p:cNvSpPr>
             <a:spLocks noGrp="1"/>
           </p:cNvSpPr>
@@ -2733,8 +2933,8 @@
         </p:nvSpPr>
         <p:spPr>
           <a:xfrm>
-            <a:off x="3124200" y="6356350"/>
-            <a:ext cx="2895600" cy="365125"/>
+            <a:off x="4038600" y="6356350"/>
+            <a:ext cx="4114800" cy="365125"/>
           </a:xfrm>
           <a:prstGeom prst="rect">
             <a:avLst/>
@@ -2747,20 +2947,26 @@
               <a:defRPr sz="1200">
                 <a:solidFill>
                   <a:schemeClr val="tx1">
-                    <a:tint val="75000"/>
+                    <a:tint val="82000"/>
                   </a:schemeClr>
                 </a:solidFill>
               </a:defRPr>
             </a:lvl1pPr>
           </a:lstStyle>
           <a:p>
-            <a:endParaRPr lang="en-US"/>
-          </a:p>
-        </p:txBody>
-      </p:sp>
-      <p:sp>
-        <p:nvSpPr>
-          <p:cNvPr id="6" name="Slide Number Placeholder 5"/>
+            <a:endParaRPr lang="pt-BR"/>
+          </a:p>
+        </p:txBody>
+      </p:sp>
+      <p:sp>
+        <p:nvSpPr>
+          <p:cNvPr id="6" name="Espaço Reservado para Número de Slide 5">
+            <a:extLst>
+              <a:ext uri="{FF2B5EF4-FFF2-40B4-BE49-F238E27FC236}">
+                <a16:creationId xmlns:a16="http://schemas.microsoft.com/office/drawing/2014/main" id="{ED3C81CC-9CC1-2197-A96F-88575234AC1B}"/>
+              </a:ext>
+            </a:extLst>
+          </p:cNvPr>
           <p:cNvSpPr>
             <a:spLocks noGrp="1"/>
           </p:cNvSpPr>
@@ -2770,8 +2976,8 @@
         </p:nvSpPr>
         <p:spPr>
           <a:xfrm>
-            <a:off x="6553200" y="6356350"/>
-            <a:ext cx="2133600" cy="365125"/>
+            <a:off x="8610600" y="6356350"/>
+            <a:ext cx="2743200" cy="365125"/>
           </a:xfrm>
           <a:prstGeom prst="rect">
             <a:avLst/>
@@ -2784,25 +2990,25 @@
               <a:defRPr sz="1200">
                 <a:solidFill>
                   <a:schemeClr val="tx1">
-                    <a:tint val="75000"/>
+                    <a:tint val="82000"/>
                   </a:schemeClr>
                 </a:solidFill>
               </a:defRPr>
             </a:lvl1pPr>
           </a:lstStyle>
           <a:p>
-            <a:fld id="{C1FF6DA9-008F-8B48-92A6-B652298478BF}" type="slidenum">
-              <a:rPr lang="en-US" smtClean="0"/>
+            <a:fld id="{70EFE1CA-2B32-4008-9B20-345CAE736A93}" type="slidenum">
+              <a:rPr lang="pt-BR" smtClean="0"/>
               <a:t>‹nº›</a:t>
             </a:fld>
-            <a:endParaRPr lang="en-US"/>
+            <a:endParaRPr lang="pt-BR"/>
           </a:p>
         </p:txBody>
       </p:sp>
     </p:spTree>
     <p:extLst>
       <p:ext uri="{BB962C8B-B14F-4D97-AF65-F5344CB8AC3E}">
-        <p14:creationId xmlns:p14="http://schemas.microsoft.com/office/powerpoint/2010/main" val="2209977519"/>
+        <p14:creationId xmlns:p14="http://schemas.microsoft.com/office/powerpoint/2010/main" val="3437616670"/>
       </p:ext>
     </p:extLst>
   </p:cSld>
@@ -2822,7 +3028,10 @@
   </p:sldLayoutIdLst>
   <p:txStyles>
     <p:titleStyle>
-      <a:lvl1pPr algn="ctr" defTabSz="457200" rtl="0" eaLnBrk="1" latinLnBrk="0" hangingPunct="1">
+      <a:lvl1pPr algn="l" defTabSz="914400" rtl="0" eaLnBrk="1" latinLnBrk="0" hangingPunct="1">
+        <a:lnSpc>
+          <a:spcPct val="90000"/>
+        </a:lnSpc>
         <a:spcBef>
           <a:spcPct val="0"/>
         </a:spcBef>
@@ -2838,13 +3047,16 @@
       </a:lvl1pPr>
     </p:titleStyle>
     <p:bodyStyle>
-      <a:lvl1pPr marL="342900" indent="-342900" algn="l" defTabSz="457200" rtl="0" eaLnBrk="1" latinLnBrk="0" hangingPunct="1">
+      <a:lvl1pPr marL="228600" indent="-228600" algn="l" defTabSz="914400" rtl="0" eaLnBrk="1" latinLnBrk="0" hangingPunct="1">
+        <a:lnSpc>
+          <a:spcPct val="90000"/>
+        </a:lnSpc>
         <a:spcBef>
-          <a:spcPct val="20000"/>
+          <a:spcPts val="1000"/>
         </a:spcBef>
-        <a:buFont typeface="Arial"/>
+        <a:buFont typeface="Arial" panose="020B0604020202020204" pitchFamily="34" charset="0"/>
         <a:buChar char="•"/>
-        <a:defRPr sz="3200" kern="1200">
+        <a:defRPr sz="2800" kern="1200">
           <a:solidFill>
             <a:schemeClr val="tx1"/>
           </a:solidFill>
@@ -2853,26 +3065,14 @@
           <a:cs typeface="+mn-cs"/>
         </a:defRPr>
       </a:lvl1pPr>
-      <a:lvl2pPr marL="742950" indent="-285750" algn="l" defTabSz="457200" rtl="0" eaLnBrk="1" latinLnBrk="0" hangingPunct="1">
+      <a:lvl2pPr marL="685800" indent="-228600" algn="l" defTabSz="914400" rtl="0" eaLnBrk="1" latinLnBrk="0" hangingPunct="1">
+        <a:lnSpc>
+          <a:spcPct val="90000"/>
+        </a:lnSpc>
         <a:spcBef>
-          <a:spcPct val="20000"/>
+          <a:spcPts val="500"/>
         </a:spcBef>
-        <a:buFont typeface="Arial"/>
-        <a:buChar char="–"/>
-        <a:defRPr sz="2800" kern="1200">
-          <a:solidFill>
-            <a:schemeClr val="tx1"/>
-          </a:solidFill>
-          <a:latin typeface="+mn-lt"/>
-          <a:ea typeface="+mn-ea"/>
-          <a:cs typeface="+mn-cs"/>
-        </a:defRPr>
-      </a:lvl2pPr>
-      <a:lvl3pPr marL="1143000" indent="-228600" algn="l" defTabSz="457200" rtl="0" eaLnBrk="1" latinLnBrk="0" hangingPunct="1">
-        <a:spcBef>
-          <a:spcPct val="20000"/>
-        </a:spcBef>
-        <a:buFont typeface="Arial"/>
+        <a:buFont typeface="Arial" panose="020B0604020202020204" pitchFamily="34" charset="0"/>
         <a:buChar char="•"/>
         <a:defRPr sz="2400" kern="1200">
           <a:solidFill>
@@ -2882,42 +3082,15 @@
           <a:ea typeface="+mn-ea"/>
           <a:cs typeface="+mn-cs"/>
         </a:defRPr>
-      </a:lvl3pPr>
-      <a:lvl4pPr marL="1600200" indent="-228600" algn="l" defTabSz="457200" rtl="0" eaLnBrk="1" latinLnBrk="0" hangingPunct="1">
+      </a:lvl2pPr>
+      <a:lvl3pPr marL="1143000" indent="-228600" algn="l" defTabSz="914400" rtl="0" eaLnBrk="1" latinLnBrk="0" hangingPunct="1">
+        <a:lnSpc>
+          <a:spcPct val="90000"/>
+        </a:lnSpc>
         <a:spcBef>
-          <a:spcPct val="20000"/>
+          <a:spcPts val="500"/>
         </a:spcBef>
-        <a:buFont typeface="Arial"/>
-        <a:buChar char="–"/>
-        <a:defRPr sz="2000" kern="1200">
-          <a:solidFill>
-            <a:schemeClr val="tx1"/>
-          </a:solidFill>
-          <a:latin typeface="+mn-lt"/>
-          <a:ea typeface="+mn-ea"/>
-          <a:cs typeface="+mn-cs"/>
-        </a:defRPr>
-      </a:lvl4pPr>
-      <a:lvl5pPr marL="2057400" indent="-228600" algn="l" defTabSz="457200" rtl="0" eaLnBrk="1" latinLnBrk="0" hangingPunct="1">
-        <a:spcBef>
-          <a:spcPct val="20000"/>
-        </a:spcBef>
-        <a:buFont typeface="Arial"/>
-        <a:buChar char="»"/>
-        <a:defRPr sz="2000" kern="1200">
-          <a:solidFill>
-            <a:schemeClr val="tx1"/>
-          </a:solidFill>
-          <a:latin typeface="+mn-lt"/>
-          <a:ea typeface="+mn-ea"/>
-          <a:cs typeface="+mn-cs"/>
-        </a:defRPr>
-      </a:lvl5pPr>
-      <a:lvl6pPr marL="2514600" indent="-228600" algn="l" defTabSz="457200" rtl="0" eaLnBrk="1" latinLnBrk="0" hangingPunct="1">
-        <a:spcBef>
-          <a:spcPct val="20000"/>
-        </a:spcBef>
-        <a:buFont typeface="Arial"/>
+        <a:buFont typeface="Arial" panose="020B0604020202020204" pitchFamily="34" charset="0"/>
         <a:buChar char="•"/>
         <a:defRPr sz="2000" kern="1200">
           <a:solidFill>
@@ -2927,14 +3100,71 @@
           <a:ea typeface="+mn-ea"/>
           <a:cs typeface="+mn-cs"/>
         </a:defRPr>
+      </a:lvl3pPr>
+      <a:lvl4pPr marL="1600200" indent="-228600" algn="l" defTabSz="914400" rtl="0" eaLnBrk="1" latinLnBrk="0" hangingPunct="1">
+        <a:lnSpc>
+          <a:spcPct val="90000"/>
+        </a:lnSpc>
+        <a:spcBef>
+          <a:spcPts val="500"/>
+        </a:spcBef>
+        <a:buFont typeface="Arial" panose="020B0604020202020204" pitchFamily="34" charset="0"/>
+        <a:buChar char="•"/>
+        <a:defRPr sz="1800" kern="1200">
+          <a:solidFill>
+            <a:schemeClr val="tx1"/>
+          </a:solidFill>
+          <a:latin typeface="+mn-lt"/>
+          <a:ea typeface="+mn-ea"/>
+          <a:cs typeface="+mn-cs"/>
+        </a:defRPr>
+      </a:lvl4pPr>
+      <a:lvl5pPr marL="2057400" indent="-228600" algn="l" defTabSz="914400" rtl="0" eaLnBrk="1" latinLnBrk="0" hangingPunct="1">
+        <a:lnSpc>
+          <a:spcPct val="90000"/>
+        </a:lnSpc>
+        <a:spcBef>
+          <a:spcPts val="500"/>
+        </a:spcBef>
+        <a:buFont typeface="Arial" panose="020B0604020202020204" pitchFamily="34" charset="0"/>
+        <a:buChar char="•"/>
+        <a:defRPr sz="1800" kern="1200">
+          <a:solidFill>
+            <a:schemeClr val="tx1"/>
+          </a:solidFill>
+          <a:latin typeface="+mn-lt"/>
+          <a:ea typeface="+mn-ea"/>
+          <a:cs typeface="+mn-cs"/>
+        </a:defRPr>
+      </a:lvl5pPr>
+      <a:lvl6pPr marL="2514600" indent="-228600" algn="l" defTabSz="914400" rtl="0" eaLnBrk="1" latinLnBrk="0" hangingPunct="1">
+        <a:lnSpc>
+          <a:spcPct val="90000"/>
+        </a:lnSpc>
+        <a:spcBef>
+          <a:spcPts val="500"/>
+        </a:spcBef>
+        <a:buFont typeface="Arial" panose="020B0604020202020204" pitchFamily="34" charset="0"/>
+        <a:buChar char="•"/>
+        <a:defRPr sz="1800" kern="1200">
+          <a:solidFill>
+            <a:schemeClr val="tx1"/>
+          </a:solidFill>
+          <a:latin typeface="+mn-lt"/>
+          <a:ea typeface="+mn-ea"/>
+          <a:cs typeface="+mn-cs"/>
+        </a:defRPr>
       </a:lvl6pPr>
-      <a:lvl7pPr marL="2971800" indent="-228600" algn="l" defTabSz="457200" rtl="0" eaLnBrk="1" latinLnBrk="0" hangingPunct="1">
+      <a:lvl7pPr marL="2971800" indent="-228600" algn="l" defTabSz="914400" rtl="0" eaLnBrk="1" latinLnBrk="0" hangingPunct="1">
+        <a:lnSpc>
+          <a:spcPct val="90000"/>
+        </a:lnSpc>
         <a:spcBef>
-          <a:spcPct val="20000"/>
+          <a:spcPts val="500"/>
         </a:spcBef>
-        <a:buFont typeface="Arial"/>
+        <a:buFont typeface="Arial" panose="020B0604020202020204" pitchFamily="34" charset="0"/>
         <a:buChar char="•"/>
-        <a:defRPr sz="2000" kern="1200">
+        <a:defRPr sz="1800" kern="1200">
           <a:solidFill>
             <a:schemeClr val="tx1"/>
           </a:solidFill>
@@ -2943,13 +3173,16 @@
           <a:cs typeface="+mn-cs"/>
         </a:defRPr>
       </a:lvl7pPr>
-      <a:lvl8pPr marL="3429000" indent="-228600" algn="l" defTabSz="457200" rtl="0" eaLnBrk="1" latinLnBrk="0" hangingPunct="1">
+      <a:lvl8pPr marL="3429000" indent="-228600" algn="l" defTabSz="914400" rtl="0" eaLnBrk="1" latinLnBrk="0" hangingPunct="1">
+        <a:lnSpc>
+          <a:spcPct val="90000"/>
+        </a:lnSpc>
         <a:spcBef>
-          <a:spcPct val="20000"/>
+          <a:spcPts val="500"/>
         </a:spcBef>
-        <a:buFont typeface="Arial"/>
+        <a:buFont typeface="Arial" panose="020B0604020202020204" pitchFamily="34" charset="0"/>
         <a:buChar char="•"/>
-        <a:defRPr sz="2000" kern="1200">
+        <a:defRPr sz="1800" kern="1200">
           <a:solidFill>
             <a:schemeClr val="tx1"/>
           </a:solidFill>
@@ -2958,13 +3191,16 @@
           <a:cs typeface="+mn-cs"/>
         </a:defRPr>
       </a:lvl8pPr>
-      <a:lvl9pPr marL="3886200" indent="-228600" algn="l" defTabSz="457200" rtl="0" eaLnBrk="1" latinLnBrk="0" hangingPunct="1">
+      <a:lvl9pPr marL="3886200" indent="-228600" algn="l" defTabSz="914400" rtl="0" eaLnBrk="1" latinLnBrk="0" hangingPunct="1">
+        <a:lnSpc>
+          <a:spcPct val="90000"/>
+        </a:lnSpc>
         <a:spcBef>
-          <a:spcPct val="20000"/>
+          <a:spcPts val="500"/>
         </a:spcBef>
-        <a:buFont typeface="Arial"/>
+        <a:buFont typeface="Arial" panose="020B0604020202020204" pitchFamily="34" charset="0"/>
         <a:buChar char="•"/>
-        <a:defRPr sz="2000" kern="1200">
+        <a:defRPr sz="1800" kern="1200">
           <a:solidFill>
             <a:schemeClr val="tx1"/>
           </a:solidFill>
@@ -2976,9 +3212,9 @@
     </p:bodyStyle>
     <p:otherStyle>
       <a:defPPr>
-        <a:defRPr lang="en-US"/>
+        <a:defRPr lang="pt-BR"/>
       </a:defPPr>
-      <a:lvl1pPr marL="0" algn="l" defTabSz="457200" rtl="0" eaLnBrk="1" latinLnBrk="0" hangingPunct="1">
+      <a:lvl1pPr marL="0" algn="l" defTabSz="914400" rtl="0" eaLnBrk="1" latinLnBrk="0" hangingPunct="1">
         <a:defRPr sz="1800" kern="1200">
           <a:solidFill>
             <a:schemeClr val="tx1"/>
@@ -2988,7 +3224,7 @@
           <a:cs typeface="+mn-cs"/>
         </a:defRPr>
       </a:lvl1pPr>
-      <a:lvl2pPr marL="457200" algn="l" defTabSz="457200" rtl="0" eaLnBrk="1" latinLnBrk="0" hangingPunct="1">
+      <a:lvl2pPr marL="457200" algn="l" defTabSz="914400" rtl="0" eaLnBrk="1" latinLnBrk="0" hangingPunct="1">
         <a:defRPr sz="1800" kern="1200">
           <a:solidFill>
             <a:schemeClr val="tx1"/>
@@ -2998,7 +3234,7 @@
           <a:cs typeface="+mn-cs"/>
         </a:defRPr>
       </a:lvl2pPr>
-      <a:lvl3pPr marL="914400" algn="l" defTabSz="457200" rtl="0" eaLnBrk="1" latinLnBrk="0" hangingPunct="1">
+      <a:lvl3pPr marL="914400" algn="l" defTabSz="914400" rtl="0" eaLnBrk="1" latinLnBrk="0" hangingPunct="1">
         <a:defRPr sz="1800" kern="1200">
           <a:solidFill>
             <a:schemeClr val="tx1"/>
@@ -3008,7 +3244,7 @@
           <a:cs typeface="+mn-cs"/>
         </a:defRPr>
       </a:lvl3pPr>
-      <a:lvl4pPr marL="1371600" algn="l" defTabSz="457200" rtl="0" eaLnBrk="1" latinLnBrk="0" hangingPunct="1">
+      <a:lvl4pPr marL="1371600" algn="l" defTabSz="914400" rtl="0" eaLnBrk="1" latinLnBrk="0" hangingPunct="1">
         <a:defRPr sz="1800" kern="1200">
           <a:solidFill>
             <a:schemeClr val="tx1"/>
@@ -3018,7 +3254,7 @@
           <a:cs typeface="+mn-cs"/>
         </a:defRPr>
       </a:lvl4pPr>
-      <a:lvl5pPr marL="1828800" algn="l" defTabSz="457200" rtl="0" eaLnBrk="1" latinLnBrk="0" hangingPunct="1">
+      <a:lvl5pPr marL="1828800" algn="l" defTabSz="914400" rtl="0" eaLnBrk="1" latinLnBrk="0" hangingPunct="1">
         <a:defRPr sz="1800" kern="1200">
           <a:solidFill>
             <a:schemeClr val="tx1"/>
@@ -3028,7 +3264,7 @@
           <a:cs typeface="+mn-cs"/>
         </a:defRPr>
       </a:lvl5pPr>
-      <a:lvl6pPr marL="2286000" algn="l" defTabSz="457200" rtl="0" eaLnBrk="1" latinLnBrk="0" hangingPunct="1">
+      <a:lvl6pPr marL="2286000" algn="l" defTabSz="914400" rtl="0" eaLnBrk="1" latinLnBrk="0" hangingPunct="1">
         <a:defRPr sz="1800" kern="1200">
           <a:solidFill>
             <a:schemeClr val="tx1"/>
@@ -3038,7 +3274,7 @@
           <a:cs typeface="+mn-cs"/>
         </a:defRPr>
       </a:lvl6pPr>
-      <a:lvl7pPr marL="2743200" algn="l" defTabSz="457200" rtl="0" eaLnBrk="1" latinLnBrk="0" hangingPunct="1">
+      <a:lvl7pPr marL="2743200" algn="l" defTabSz="914400" rtl="0" eaLnBrk="1" latinLnBrk="0" hangingPunct="1">
         <a:defRPr sz="1800" kern="1200">
           <a:solidFill>
             <a:schemeClr val="tx1"/>
@@ -3048,7 +3284,7 @@
           <a:cs typeface="+mn-cs"/>
         </a:defRPr>
       </a:lvl7pPr>
-      <a:lvl8pPr marL="3200400" algn="l" defTabSz="457200" rtl="0" eaLnBrk="1" latinLnBrk="0" hangingPunct="1">
+      <a:lvl8pPr marL="3200400" algn="l" defTabSz="914400" rtl="0" eaLnBrk="1" latinLnBrk="0" hangingPunct="1">
         <a:defRPr sz="1800" kern="1200">
           <a:solidFill>
             <a:schemeClr val="tx1"/>
@@ -3058,7 +3294,7 @@
           <a:cs typeface="+mn-cs"/>
         </a:defRPr>
       </a:lvl8pPr>
-      <a:lvl9pPr marL="3657600" algn="l" defTabSz="457200" rtl="0" eaLnBrk="1" latinLnBrk="0" hangingPunct="1">
+      <a:lvl9pPr marL="3657600" algn="l" defTabSz="914400" rtl="0" eaLnBrk="1" latinLnBrk="0" hangingPunct="1">
         <a:defRPr sz="1800" kern="1200">
           <a:solidFill>
             <a:schemeClr val="tx1"/>
@@ -3092,14 +3328,126 @@
       </p:grpSpPr>
       <p:sp>
         <p:nvSpPr>
-          <p:cNvPr id="2" name="TextBox 1"/>
+          <p:cNvPr id="8" name="Retângulo 7">
+            <a:extLst>
+              <a:ext uri="{FF2B5EF4-FFF2-40B4-BE49-F238E27FC236}">
+                <a16:creationId xmlns:a16="http://schemas.microsoft.com/office/drawing/2014/main" id="{FEB689ED-4D3A-0434-5957-45766B48FBE1}"/>
+              </a:ext>
+            </a:extLst>
+          </p:cNvPr>
+          <p:cNvSpPr/>
+          <p:nvPr/>
+        </p:nvSpPr>
+        <p:spPr>
+          <a:xfrm>
+            <a:off x="4041423" y="0"/>
+            <a:ext cx="4109152" cy="8797474"/>
+          </a:xfrm>
+          <a:prstGeom prst="rect">
+            <a:avLst/>
+          </a:prstGeom>
+          <a:solidFill>
+            <a:schemeClr val="bg1">
+              <a:lumMod val="95000"/>
+            </a:schemeClr>
+          </a:solidFill>
+          <a:ln>
+            <a:noFill/>
+          </a:ln>
+        </p:spPr>
+        <p:style>
+          <a:lnRef idx="2">
+            <a:schemeClr val="accent1">
+              <a:shade val="15000"/>
+            </a:schemeClr>
+          </a:lnRef>
+          <a:fillRef idx="1">
+            <a:schemeClr val="accent1"/>
+          </a:fillRef>
+          <a:effectRef idx="0">
+            <a:schemeClr val="accent1"/>
+          </a:effectRef>
+          <a:fontRef idx="minor">
+            <a:schemeClr val="lt1"/>
+          </a:fontRef>
+        </p:style>
+        <p:txBody>
+          <a:bodyPr rtlCol="0" anchor="ctr"/>
+          <a:lstStyle/>
+          <a:p>
+            <a:pPr algn="ctr"/>
+            <a:endParaRPr lang="pt-BR" dirty="0"/>
+          </a:p>
+        </p:txBody>
+      </p:sp>
+      <p:cxnSp>
+        <p:nvCxnSpPr>
+          <p:cNvPr id="9" name="Conector reto 8">
+            <a:extLst>
+              <a:ext uri="{FF2B5EF4-FFF2-40B4-BE49-F238E27FC236}">
+                <a16:creationId xmlns:a16="http://schemas.microsoft.com/office/drawing/2014/main" id="{C62BAC27-C429-EB53-EDA7-C9916ACC2BE4}"/>
+              </a:ext>
+            </a:extLst>
+          </p:cNvPr>
+          <p:cNvCxnSpPr>
+            <a:cxnSpLocks/>
+          </p:cNvCxnSpPr>
+          <p:nvPr/>
+        </p:nvCxnSpPr>
+        <p:spPr>
+          <a:xfrm>
+            <a:off x="0" y="3429000"/>
+            <a:ext cx="12192000" cy="0"/>
+          </a:xfrm>
+          <a:prstGeom prst="line">
+            <a:avLst/>
+          </a:prstGeom>
+          <a:ln>
+            <a:solidFill>
+              <a:schemeClr val="bg1">
+                <a:lumMod val="85000"/>
+              </a:schemeClr>
+            </a:solidFill>
+          </a:ln>
+          <a:effectLst>
+            <a:outerShdw blurRad="50800" dist="38100" dir="2700000" algn="tl" rotWithShape="0">
+              <a:prstClr val="black">
+                <a:alpha val="40000"/>
+              </a:prstClr>
+            </a:outerShdw>
+          </a:effectLst>
+        </p:spPr>
+        <p:style>
+          <a:lnRef idx="1">
+            <a:schemeClr val="accent1"/>
+          </a:lnRef>
+          <a:fillRef idx="0">
+            <a:schemeClr val="accent1"/>
+          </a:fillRef>
+          <a:effectRef idx="0">
+            <a:schemeClr val="accent1"/>
+          </a:effectRef>
+          <a:fontRef idx="minor">
+            <a:schemeClr val="tx1"/>
+          </a:fontRef>
+        </p:style>
+      </p:cxnSp>
+      <p:sp>
+        <p:nvSpPr>
+          <p:cNvPr id="7" name="TextBox 1">
+            <a:extLst>
+              <a:ext uri="{FF2B5EF4-FFF2-40B4-BE49-F238E27FC236}">
+                <a16:creationId xmlns:a16="http://schemas.microsoft.com/office/drawing/2014/main" id="{EACAF8D2-0B77-548E-765A-56116104547A}"/>
+              </a:ext>
+            </a:extLst>
+          </p:cNvPr>
           <p:cNvSpPr txBox="1"/>
           <p:nvPr/>
         </p:nvSpPr>
         <p:spPr>
           <a:xfrm>
-            <a:off x="274320" y="274320"/>
-            <a:ext cx="3931920" cy="830997"/>
+            <a:off x="109503" y="214122"/>
+            <a:ext cx="3931920" cy="1138773"/>
           </a:xfrm>
           <a:prstGeom prst="rect">
             <a:avLst/>
@@ -3113,104 +3461,195 @@
           <a:lstStyle/>
           <a:p>
             <a:r>
+              <a:rPr lang="pt-BR" sz="2000" dirty="0">
+                <a:solidFill>
+                  <a:schemeClr val="tx1">
+                    <a:lumMod val="65000"/>
+                    <a:lumOff val="35000"/>
+                  </a:schemeClr>
+                </a:solidFill>
+                <a:latin typeface="Arial Unicode MS"/>
+              </a:rPr>
+              <a:t>{{</a:t>
+            </a:r>
+            <a:r>
+              <a:rPr sz="2000" dirty="0" err="1">
+                <a:solidFill>
+                  <a:schemeClr val="tx1">
+                    <a:lumMod val="65000"/>
+                    <a:lumOff val="35000"/>
+                  </a:schemeClr>
+                </a:solidFill>
+                <a:latin typeface="Arial Unicode MS"/>
+              </a:rPr>
+              <a:t>titulo</a:t>
+            </a:r>
+            <a:r>
+              <a:rPr lang="pt-BR" sz="2000" dirty="0">
+                <a:solidFill>
+                  <a:schemeClr val="tx1">
+                    <a:lumMod val="65000"/>
+                    <a:lumOff val="35000"/>
+                  </a:schemeClr>
+                </a:solidFill>
+                <a:latin typeface="Arial Unicode MS"/>
+              </a:rPr>
+              <a:t>0</a:t>
+            </a:r>
+            <a:r>
+              <a:rPr sz="2000" dirty="0">
+                <a:solidFill>
+                  <a:schemeClr val="tx1">
+                    <a:lumMod val="65000"/>
+                    <a:lumOff val="35000"/>
+                  </a:schemeClr>
+                </a:solidFill>
+                <a:latin typeface="Arial Unicode MS"/>
+              </a:rPr>
+              <a:t>}}</a:t>
+            </a:r>
+            <a:endParaRPr lang="pt-BR" sz="2000" dirty="0">
+              <a:solidFill>
+                <a:schemeClr val="tx1">
+                  <a:lumMod val="65000"/>
+                  <a:lumOff val="35000"/>
+                </a:schemeClr>
+              </a:solidFill>
+              <a:latin typeface="Arial Unicode MS"/>
+            </a:endParaRPr>
+          </a:p>
+          <a:p>
+            <a:r>
+              <a:rPr lang="pt-BR" sz="1200" dirty="0">
+                <a:solidFill>
+                  <a:schemeClr val="tx1">
+                    <a:lumMod val="65000"/>
+                    <a:lumOff val="35000"/>
+                  </a:schemeClr>
+                </a:solidFill>
+                <a:latin typeface="Arial Unicode MS"/>
+              </a:rPr>
+              <a:t>{{data0}}</a:t>
+            </a:r>
+            <a:r>
+              <a:rPr lang="pt-BR" dirty="0">
+                <a:solidFill>
+                  <a:schemeClr val="tx1">
+                    <a:lumMod val="65000"/>
+                    <a:lumOff val="35000"/>
+                  </a:schemeClr>
+                </a:solidFill>
+                <a:latin typeface="Arial Unicode MS"/>
+              </a:rPr>
+              <a:t> </a:t>
+            </a:r>
+            <a:r>
+              <a:rPr dirty="0">
+                <a:solidFill>
+                  <a:schemeClr val="tx1">
+                    <a:lumMod val="65000"/>
+                    <a:lumOff val="35000"/>
+                  </a:schemeClr>
+                </a:solidFill>
+                <a:latin typeface="Arial Unicode MS"/>
+              </a:rPr>
+              <a:t>
+</a:t>
+            </a:r>
+            <a:r>
+              <a:rPr sz="1600" dirty="0">
+                <a:solidFill>
+                  <a:schemeClr val="tx1">
+                    <a:lumMod val="65000"/>
+                    <a:lumOff val="35000"/>
+                  </a:schemeClr>
+                </a:solidFill>
+                <a:latin typeface="Arial Unicode MS"/>
+              </a:rPr>
+              <a:t>{{</a:t>
+            </a:r>
+            <a:r>
+              <a:rPr sz="1600" dirty="0" err="1">
+                <a:solidFill>
+                  <a:schemeClr val="tx1">
+                    <a:lumMod val="65000"/>
+                    <a:lumOff val="35000"/>
+                  </a:schemeClr>
+                </a:solidFill>
+                <a:latin typeface="Arial Unicode MS"/>
+              </a:rPr>
+              <a:t>resumo</a:t>
+            </a:r>
+            <a:r>
+              <a:rPr lang="pt-BR" sz="1600" dirty="0">
+                <a:solidFill>
+                  <a:schemeClr val="tx1">
+                    <a:lumMod val="65000"/>
+                    <a:lumOff val="35000"/>
+                  </a:schemeClr>
+                </a:solidFill>
+                <a:latin typeface="Arial Unicode MS"/>
+              </a:rPr>
+              <a:t>0</a:t>
+            </a:r>
+            <a:r>
+              <a:rPr sz="1600" dirty="0">
+                <a:solidFill>
+                  <a:schemeClr val="tx1">
+                    <a:lumMod val="65000"/>
+                    <a:lumOff val="35000"/>
+                  </a:schemeClr>
+                </a:solidFill>
+                <a:latin typeface="Arial Unicode MS"/>
+              </a:rPr>
+              <a:t>}}</a:t>
+            </a:r>
+            <a:r>
+              <a:rPr dirty="0">
+                <a:solidFill>
+                  <a:schemeClr val="tx1">
+                    <a:lumMod val="65000"/>
+                    <a:lumOff val="35000"/>
+                  </a:schemeClr>
+                </a:solidFill>
+                <a:latin typeface="Arial Unicode MS"/>
+              </a:rPr>
+              <a:t>
+</a:t>
+            </a:r>
+            <a:r>
               <a:rPr sz="1200" dirty="0">
                 <a:solidFill>
-                  <a:srgbClr val="000000"/>
-                </a:solidFill>
-                <a:latin typeface="Calibri"/>
-              </a:rPr>
-              <a:t>{{</a:t>
-            </a:r>
-            <a:r>
-              <a:rPr sz="1200" dirty="0" err="1">
-                <a:solidFill>
-                  <a:srgbClr val="000000"/>
-                </a:solidFill>
-                <a:latin typeface="Calibri"/>
-              </a:rPr>
-              <a:t>titulo</a:t>
+                  <a:schemeClr val="tx1">
+                    <a:lumMod val="65000"/>
+                    <a:lumOff val="35000"/>
+                  </a:schemeClr>
+                </a:solidFill>
+                <a:latin typeface="Arial Unicode MS"/>
+              </a:rPr>
+              <a:t>{{link</a:t>
             </a:r>
             <a:r>
               <a:rPr lang="pt-BR" sz="1200" dirty="0">
                 <a:solidFill>
-                  <a:srgbClr val="000000"/>
-                </a:solidFill>
-                <a:latin typeface="Calibri"/>
+                  <a:schemeClr val="tx1">
+                    <a:lumMod val="65000"/>
+                    <a:lumOff val="35000"/>
+                  </a:schemeClr>
+                </a:solidFill>
+                <a:latin typeface="Arial Unicode MS"/>
               </a:rPr>
               <a:t>0</a:t>
             </a:r>
             <a:r>
               <a:rPr sz="1200" dirty="0">
                 <a:solidFill>
-                  <a:srgbClr val="000000"/>
-                </a:solidFill>
-                <a:latin typeface="Calibri"/>
-              </a:rPr>
-              <a:t>}}
-{{</a:t>
-            </a:r>
-            <a:r>
-              <a:rPr sz="1200" dirty="0" err="1">
-                <a:solidFill>
-                  <a:srgbClr val="000000"/>
-                </a:solidFill>
-                <a:latin typeface="Calibri"/>
-              </a:rPr>
-              <a:t>resumo</a:t>
-            </a:r>
-            <a:r>
-              <a:rPr lang="pt-BR" sz="1200" dirty="0">
-                <a:solidFill>
-                  <a:srgbClr val="000000"/>
-                </a:solidFill>
-                <a:latin typeface="Calibri"/>
-              </a:rPr>
-              <a:t>0</a:t>
-            </a:r>
-            <a:r>
-              <a:rPr sz="1200" dirty="0">
-                <a:solidFill>
-                  <a:srgbClr val="000000"/>
-                </a:solidFill>
-                <a:latin typeface="Calibri"/>
-              </a:rPr>
-              <a:t>}}
-Data: {{data</a:t>
-            </a:r>
-            <a:r>
-              <a:rPr lang="pt-BR" sz="1200" dirty="0">
-                <a:solidFill>
-                  <a:srgbClr val="000000"/>
-                </a:solidFill>
-                <a:latin typeface="Calibri"/>
-              </a:rPr>
-              <a:t>0</a:t>
-            </a:r>
-            <a:r>
-              <a:rPr sz="1200" dirty="0">
-                <a:solidFill>
-                  <a:srgbClr val="000000"/>
-                </a:solidFill>
-                <a:latin typeface="Calibri"/>
-              </a:rPr>
-              <a:t>}}
-{{link</a:t>
-            </a:r>
-            <a:r>
-              <a:rPr lang="pt-BR" sz="1200" dirty="0">
-                <a:solidFill>
-                  <a:srgbClr val="000000"/>
-                </a:solidFill>
-                <a:latin typeface="Calibri"/>
-              </a:rPr>
-              <a:t>0</a:t>
-            </a:r>
-            <a:r>
-              <a:rPr sz="1200" dirty="0">
-                <a:solidFill>
-                  <a:srgbClr val="000000"/>
-                </a:solidFill>
-                <a:latin typeface="Calibri"/>
+                  <a:schemeClr val="tx1">
+                    <a:lumMod val="65000"/>
+                    <a:lumOff val="35000"/>
+                  </a:schemeClr>
+                </a:solidFill>
+                <a:latin typeface="Arial Unicode MS"/>
               </a:rPr>
               <a:t>}}</a:t>
             </a:r>
@@ -3219,14 +3658,20 @@
       </p:sp>
       <p:sp>
         <p:nvSpPr>
-          <p:cNvPr id="3" name="TextBox 2"/>
+          <p:cNvPr id="10" name="TextBox 1">
+            <a:extLst>
+              <a:ext uri="{FF2B5EF4-FFF2-40B4-BE49-F238E27FC236}">
+                <a16:creationId xmlns:a16="http://schemas.microsoft.com/office/drawing/2014/main" id="{10DD7FDE-EB3C-DD78-285C-12D806F41DB5}"/>
+              </a:ext>
+            </a:extLst>
+          </p:cNvPr>
           <p:cNvSpPr txBox="1"/>
           <p:nvPr/>
         </p:nvSpPr>
         <p:spPr>
           <a:xfrm>
-            <a:off x="4297680" y="274320"/>
-            <a:ext cx="3931920" cy="830997"/>
+            <a:off x="4130039" y="224354"/>
+            <a:ext cx="3931920" cy="1138773"/>
           </a:xfrm>
           <a:prstGeom prst="rect">
             <a:avLst/>
@@ -3240,104 +3685,195 @@
           <a:lstStyle/>
           <a:p>
             <a:r>
+              <a:rPr lang="pt-BR" sz="2000" dirty="0">
+                <a:solidFill>
+                  <a:schemeClr val="tx1">
+                    <a:lumMod val="65000"/>
+                    <a:lumOff val="35000"/>
+                  </a:schemeClr>
+                </a:solidFill>
+                <a:latin typeface="Arial Unicode MS"/>
+              </a:rPr>
+              <a:t>{{</a:t>
+            </a:r>
+            <a:r>
+              <a:rPr sz="2000" dirty="0" err="1">
+                <a:solidFill>
+                  <a:schemeClr val="tx1">
+                    <a:lumMod val="65000"/>
+                    <a:lumOff val="35000"/>
+                  </a:schemeClr>
+                </a:solidFill>
+                <a:latin typeface="Arial Unicode MS"/>
+              </a:rPr>
+              <a:t>titulo</a:t>
+            </a:r>
+            <a:r>
+              <a:rPr lang="pt-BR" sz="2000" dirty="0">
+                <a:solidFill>
+                  <a:schemeClr val="tx1">
+                    <a:lumMod val="65000"/>
+                    <a:lumOff val="35000"/>
+                  </a:schemeClr>
+                </a:solidFill>
+                <a:latin typeface="Arial Unicode MS"/>
+              </a:rPr>
+              <a:t>1</a:t>
+            </a:r>
+            <a:r>
+              <a:rPr sz="2000" dirty="0">
+                <a:solidFill>
+                  <a:schemeClr val="tx1">
+                    <a:lumMod val="65000"/>
+                    <a:lumOff val="35000"/>
+                  </a:schemeClr>
+                </a:solidFill>
+                <a:latin typeface="Arial Unicode MS"/>
+              </a:rPr>
+              <a:t>}}</a:t>
+            </a:r>
+            <a:endParaRPr lang="pt-BR" sz="2000" dirty="0">
+              <a:solidFill>
+                <a:schemeClr val="tx1">
+                  <a:lumMod val="65000"/>
+                  <a:lumOff val="35000"/>
+                </a:schemeClr>
+              </a:solidFill>
+              <a:latin typeface="Arial Unicode MS"/>
+            </a:endParaRPr>
+          </a:p>
+          <a:p>
+            <a:r>
+              <a:rPr lang="pt-BR" sz="1200" dirty="0">
+                <a:solidFill>
+                  <a:schemeClr val="tx1">
+                    <a:lumMod val="65000"/>
+                    <a:lumOff val="35000"/>
+                  </a:schemeClr>
+                </a:solidFill>
+                <a:latin typeface="Arial Unicode MS"/>
+              </a:rPr>
+              <a:t>{{data1}}</a:t>
+            </a:r>
+            <a:r>
+              <a:rPr lang="pt-BR" dirty="0">
+                <a:solidFill>
+                  <a:schemeClr val="tx1">
+                    <a:lumMod val="65000"/>
+                    <a:lumOff val="35000"/>
+                  </a:schemeClr>
+                </a:solidFill>
+                <a:latin typeface="Arial Unicode MS"/>
+              </a:rPr>
+              <a:t> </a:t>
+            </a:r>
+            <a:r>
+              <a:rPr dirty="0">
+                <a:solidFill>
+                  <a:schemeClr val="tx1">
+                    <a:lumMod val="65000"/>
+                    <a:lumOff val="35000"/>
+                  </a:schemeClr>
+                </a:solidFill>
+                <a:latin typeface="Arial Unicode MS"/>
+              </a:rPr>
+              <a:t>
+</a:t>
+            </a:r>
+            <a:r>
+              <a:rPr sz="1600" dirty="0">
+                <a:solidFill>
+                  <a:schemeClr val="tx1">
+                    <a:lumMod val="65000"/>
+                    <a:lumOff val="35000"/>
+                  </a:schemeClr>
+                </a:solidFill>
+                <a:latin typeface="Arial Unicode MS"/>
+              </a:rPr>
+              <a:t>{{</a:t>
+            </a:r>
+            <a:r>
+              <a:rPr sz="1600" dirty="0" err="1">
+                <a:solidFill>
+                  <a:schemeClr val="tx1">
+                    <a:lumMod val="65000"/>
+                    <a:lumOff val="35000"/>
+                  </a:schemeClr>
+                </a:solidFill>
+                <a:latin typeface="Arial Unicode MS"/>
+              </a:rPr>
+              <a:t>resumo</a:t>
+            </a:r>
+            <a:r>
+              <a:rPr lang="pt-BR" sz="1600" dirty="0">
+                <a:solidFill>
+                  <a:schemeClr val="tx1">
+                    <a:lumMod val="65000"/>
+                    <a:lumOff val="35000"/>
+                  </a:schemeClr>
+                </a:solidFill>
+                <a:latin typeface="Arial Unicode MS"/>
+              </a:rPr>
+              <a:t>1</a:t>
+            </a:r>
+            <a:r>
+              <a:rPr sz="1600" dirty="0">
+                <a:solidFill>
+                  <a:schemeClr val="tx1">
+                    <a:lumMod val="65000"/>
+                    <a:lumOff val="35000"/>
+                  </a:schemeClr>
+                </a:solidFill>
+                <a:latin typeface="Arial Unicode MS"/>
+              </a:rPr>
+              <a:t>}}</a:t>
+            </a:r>
+            <a:r>
+              <a:rPr dirty="0">
+                <a:solidFill>
+                  <a:schemeClr val="tx1">
+                    <a:lumMod val="65000"/>
+                    <a:lumOff val="35000"/>
+                  </a:schemeClr>
+                </a:solidFill>
+                <a:latin typeface="Arial Unicode MS"/>
+              </a:rPr>
+              <a:t>
+</a:t>
+            </a:r>
+            <a:r>
               <a:rPr sz="1200" dirty="0">
                 <a:solidFill>
-                  <a:srgbClr val="000000"/>
-                </a:solidFill>
-                <a:latin typeface="Calibri"/>
-              </a:rPr>
-              <a:t>{{</a:t>
-            </a:r>
-            <a:r>
-              <a:rPr sz="1200" dirty="0" err="1">
-                <a:solidFill>
-                  <a:srgbClr val="000000"/>
-                </a:solidFill>
-                <a:latin typeface="Calibri"/>
-              </a:rPr>
-              <a:t>titulo</a:t>
+                  <a:schemeClr val="tx1">
+                    <a:lumMod val="65000"/>
+                    <a:lumOff val="35000"/>
+                  </a:schemeClr>
+                </a:solidFill>
+                <a:latin typeface="Arial Unicode MS"/>
+              </a:rPr>
+              <a:t>{{link</a:t>
             </a:r>
             <a:r>
               <a:rPr lang="pt-BR" sz="1200" dirty="0">
                 <a:solidFill>
-                  <a:srgbClr val="000000"/>
-                </a:solidFill>
-                <a:latin typeface="Calibri"/>
+                  <a:schemeClr val="tx1">
+                    <a:lumMod val="65000"/>
+                    <a:lumOff val="35000"/>
+                  </a:schemeClr>
+                </a:solidFill>
+                <a:latin typeface="Arial Unicode MS"/>
               </a:rPr>
               <a:t>1</a:t>
             </a:r>
             <a:r>
               <a:rPr sz="1200" dirty="0">
                 <a:solidFill>
-                  <a:srgbClr val="000000"/>
-                </a:solidFill>
-                <a:latin typeface="Calibri"/>
-              </a:rPr>
-              <a:t>}}
-{{</a:t>
-            </a:r>
-            <a:r>
-              <a:rPr sz="1200" dirty="0" err="1">
-                <a:solidFill>
-                  <a:srgbClr val="000000"/>
-                </a:solidFill>
-                <a:latin typeface="Calibri"/>
-              </a:rPr>
-              <a:t>resumo</a:t>
-            </a:r>
-            <a:r>
-              <a:rPr lang="pt-BR" sz="1200" dirty="0">
-                <a:solidFill>
-                  <a:srgbClr val="000000"/>
-                </a:solidFill>
-                <a:latin typeface="Calibri"/>
-              </a:rPr>
-              <a:t>1</a:t>
-            </a:r>
-            <a:r>
-              <a:rPr sz="1200" dirty="0">
-                <a:solidFill>
-                  <a:srgbClr val="000000"/>
-                </a:solidFill>
-                <a:latin typeface="Calibri"/>
-              </a:rPr>
-              <a:t>}}
-Data: {{data</a:t>
-            </a:r>
-            <a:r>
-              <a:rPr lang="pt-BR" sz="1200" dirty="0">
-                <a:solidFill>
-                  <a:srgbClr val="000000"/>
-                </a:solidFill>
-                <a:latin typeface="Calibri"/>
-              </a:rPr>
-              <a:t>1</a:t>
-            </a:r>
-            <a:r>
-              <a:rPr sz="1200" dirty="0">
-                <a:solidFill>
-                  <a:srgbClr val="000000"/>
-                </a:solidFill>
-                <a:latin typeface="Calibri"/>
-              </a:rPr>
-              <a:t>}}
-{{link</a:t>
-            </a:r>
-            <a:r>
-              <a:rPr lang="pt-BR" sz="1200" dirty="0">
-                <a:solidFill>
-                  <a:srgbClr val="000000"/>
-                </a:solidFill>
-                <a:latin typeface="Calibri"/>
-              </a:rPr>
-              <a:t>1</a:t>
-            </a:r>
-            <a:r>
-              <a:rPr sz="1200" dirty="0">
-                <a:solidFill>
-                  <a:srgbClr val="000000"/>
-                </a:solidFill>
-                <a:latin typeface="Calibri"/>
+                  <a:schemeClr val="tx1">
+                    <a:lumMod val="65000"/>
+                    <a:lumOff val="35000"/>
+                  </a:schemeClr>
+                </a:solidFill>
+                <a:latin typeface="Arial Unicode MS"/>
               </a:rPr>
               <a:t>}}</a:t>
             </a:r>
@@ -3346,14 +3882,20 @@
       </p:sp>
       <p:sp>
         <p:nvSpPr>
-          <p:cNvPr id="4" name="TextBox 3"/>
+          <p:cNvPr id="11" name="TextBox 1">
+            <a:extLst>
+              <a:ext uri="{FF2B5EF4-FFF2-40B4-BE49-F238E27FC236}">
+                <a16:creationId xmlns:a16="http://schemas.microsoft.com/office/drawing/2014/main" id="{FA0D79E1-337F-1D2D-5D3B-DB7F13A97152}"/>
+              </a:ext>
+            </a:extLst>
+          </p:cNvPr>
           <p:cNvSpPr txBox="1"/>
           <p:nvPr/>
         </p:nvSpPr>
         <p:spPr>
           <a:xfrm>
-            <a:off x="8321040" y="274320"/>
-            <a:ext cx="3931920" cy="830997"/>
+            <a:off x="8501708" y="224354"/>
+            <a:ext cx="3931920" cy="1138773"/>
           </a:xfrm>
           <a:prstGeom prst="rect">
             <a:avLst/>
@@ -3367,104 +3909,195 @@
           <a:lstStyle/>
           <a:p>
             <a:r>
+              <a:rPr lang="pt-BR" sz="2000" dirty="0">
+                <a:solidFill>
+                  <a:schemeClr val="tx1">
+                    <a:lumMod val="65000"/>
+                    <a:lumOff val="35000"/>
+                  </a:schemeClr>
+                </a:solidFill>
+                <a:latin typeface="Arial Unicode MS"/>
+              </a:rPr>
+              <a:t>{{</a:t>
+            </a:r>
+            <a:r>
+              <a:rPr sz="2000" dirty="0" err="1">
+                <a:solidFill>
+                  <a:schemeClr val="tx1">
+                    <a:lumMod val="65000"/>
+                    <a:lumOff val="35000"/>
+                  </a:schemeClr>
+                </a:solidFill>
+                <a:latin typeface="Arial Unicode MS"/>
+              </a:rPr>
+              <a:t>titulo</a:t>
+            </a:r>
+            <a:r>
+              <a:rPr lang="pt-BR" sz="2000" dirty="0">
+                <a:solidFill>
+                  <a:schemeClr val="tx1">
+                    <a:lumMod val="65000"/>
+                    <a:lumOff val="35000"/>
+                  </a:schemeClr>
+                </a:solidFill>
+                <a:latin typeface="Arial Unicode MS"/>
+              </a:rPr>
+              <a:t>2</a:t>
+            </a:r>
+            <a:r>
+              <a:rPr sz="2000" dirty="0">
+                <a:solidFill>
+                  <a:schemeClr val="tx1">
+                    <a:lumMod val="65000"/>
+                    <a:lumOff val="35000"/>
+                  </a:schemeClr>
+                </a:solidFill>
+                <a:latin typeface="Arial Unicode MS"/>
+              </a:rPr>
+              <a:t>}}</a:t>
+            </a:r>
+            <a:endParaRPr lang="pt-BR" sz="2000" dirty="0">
+              <a:solidFill>
+                <a:schemeClr val="tx1">
+                  <a:lumMod val="65000"/>
+                  <a:lumOff val="35000"/>
+                </a:schemeClr>
+              </a:solidFill>
+              <a:latin typeface="Arial Unicode MS"/>
+            </a:endParaRPr>
+          </a:p>
+          <a:p>
+            <a:r>
+              <a:rPr lang="pt-BR" sz="1200" dirty="0">
+                <a:solidFill>
+                  <a:schemeClr val="tx1">
+                    <a:lumMod val="65000"/>
+                    <a:lumOff val="35000"/>
+                  </a:schemeClr>
+                </a:solidFill>
+                <a:latin typeface="Arial Unicode MS"/>
+              </a:rPr>
+              <a:t>{{data2}}</a:t>
+            </a:r>
+            <a:r>
+              <a:rPr lang="pt-BR" dirty="0">
+                <a:solidFill>
+                  <a:schemeClr val="tx1">
+                    <a:lumMod val="65000"/>
+                    <a:lumOff val="35000"/>
+                  </a:schemeClr>
+                </a:solidFill>
+                <a:latin typeface="Arial Unicode MS"/>
+              </a:rPr>
+              <a:t> </a:t>
+            </a:r>
+            <a:r>
+              <a:rPr dirty="0">
+                <a:solidFill>
+                  <a:schemeClr val="tx1">
+                    <a:lumMod val="65000"/>
+                    <a:lumOff val="35000"/>
+                  </a:schemeClr>
+                </a:solidFill>
+                <a:latin typeface="Arial Unicode MS"/>
+              </a:rPr>
+              <a:t>
+</a:t>
+            </a:r>
+            <a:r>
+              <a:rPr sz="1600" dirty="0">
+                <a:solidFill>
+                  <a:schemeClr val="tx1">
+                    <a:lumMod val="65000"/>
+                    <a:lumOff val="35000"/>
+                  </a:schemeClr>
+                </a:solidFill>
+                <a:latin typeface="Arial Unicode MS"/>
+              </a:rPr>
+              <a:t>{{</a:t>
+            </a:r>
+            <a:r>
+              <a:rPr sz="1600" dirty="0" err="1">
+                <a:solidFill>
+                  <a:schemeClr val="tx1">
+                    <a:lumMod val="65000"/>
+                    <a:lumOff val="35000"/>
+                  </a:schemeClr>
+                </a:solidFill>
+                <a:latin typeface="Arial Unicode MS"/>
+              </a:rPr>
+              <a:t>resumo</a:t>
+            </a:r>
+            <a:r>
+              <a:rPr lang="pt-BR" sz="1600" dirty="0">
+                <a:solidFill>
+                  <a:schemeClr val="tx1">
+                    <a:lumMod val="65000"/>
+                    <a:lumOff val="35000"/>
+                  </a:schemeClr>
+                </a:solidFill>
+                <a:latin typeface="Arial Unicode MS"/>
+              </a:rPr>
+              <a:t>2</a:t>
+            </a:r>
+            <a:r>
+              <a:rPr sz="1600" dirty="0">
+                <a:solidFill>
+                  <a:schemeClr val="tx1">
+                    <a:lumMod val="65000"/>
+                    <a:lumOff val="35000"/>
+                  </a:schemeClr>
+                </a:solidFill>
+                <a:latin typeface="Arial Unicode MS"/>
+              </a:rPr>
+              <a:t>}}</a:t>
+            </a:r>
+            <a:r>
+              <a:rPr dirty="0">
+                <a:solidFill>
+                  <a:schemeClr val="tx1">
+                    <a:lumMod val="65000"/>
+                    <a:lumOff val="35000"/>
+                  </a:schemeClr>
+                </a:solidFill>
+                <a:latin typeface="Arial Unicode MS"/>
+              </a:rPr>
+              <a:t>
+</a:t>
+            </a:r>
+            <a:r>
               <a:rPr sz="1200" dirty="0">
                 <a:solidFill>
-                  <a:srgbClr val="000000"/>
-                </a:solidFill>
-                <a:latin typeface="Calibri"/>
-              </a:rPr>
-              <a:t>{{</a:t>
-            </a:r>
-            <a:r>
-              <a:rPr sz="1200" dirty="0" err="1">
-                <a:solidFill>
-                  <a:srgbClr val="000000"/>
-                </a:solidFill>
-                <a:latin typeface="Calibri"/>
-              </a:rPr>
-              <a:t>titulo</a:t>
+                  <a:schemeClr val="tx1">
+                    <a:lumMod val="65000"/>
+                    <a:lumOff val="35000"/>
+                  </a:schemeClr>
+                </a:solidFill>
+                <a:latin typeface="Arial Unicode MS"/>
+              </a:rPr>
+              <a:t>{{link</a:t>
             </a:r>
             <a:r>
               <a:rPr lang="pt-BR" sz="1200" dirty="0">
                 <a:solidFill>
-                  <a:srgbClr val="000000"/>
-                </a:solidFill>
-                <a:latin typeface="Calibri"/>
+                  <a:schemeClr val="tx1">
+                    <a:lumMod val="65000"/>
+                    <a:lumOff val="35000"/>
+                  </a:schemeClr>
+                </a:solidFill>
+                <a:latin typeface="Arial Unicode MS"/>
               </a:rPr>
               <a:t>2</a:t>
             </a:r>
             <a:r>
               <a:rPr sz="1200" dirty="0">
                 <a:solidFill>
-                  <a:srgbClr val="000000"/>
-                </a:solidFill>
-                <a:latin typeface="Calibri"/>
-              </a:rPr>
-              <a:t>}}
-{{</a:t>
-            </a:r>
-            <a:r>
-              <a:rPr sz="1200" dirty="0" err="1">
-                <a:solidFill>
-                  <a:srgbClr val="000000"/>
-                </a:solidFill>
-                <a:latin typeface="Calibri"/>
-              </a:rPr>
-              <a:t>resumo</a:t>
-            </a:r>
-            <a:r>
-              <a:rPr lang="pt-BR" sz="1200" dirty="0">
-                <a:solidFill>
-                  <a:srgbClr val="000000"/>
-                </a:solidFill>
-                <a:latin typeface="Calibri"/>
-              </a:rPr>
-              <a:t>2</a:t>
-            </a:r>
-            <a:r>
-              <a:rPr sz="1200" dirty="0">
-                <a:solidFill>
-                  <a:srgbClr val="000000"/>
-                </a:solidFill>
-                <a:latin typeface="Calibri"/>
-              </a:rPr>
-              <a:t>}}
-Data: {{data</a:t>
-            </a:r>
-            <a:r>
-              <a:rPr lang="pt-BR" sz="1200" dirty="0">
-                <a:solidFill>
-                  <a:srgbClr val="000000"/>
-                </a:solidFill>
-                <a:latin typeface="Calibri"/>
-              </a:rPr>
-              <a:t>2</a:t>
-            </a:r>
-            <a:r>
-              <a:rPr sz="1200" dirty="0">
-                <a:solidFill>
-                  <a:srgbClr val="000000"/>
-                </a:solidFill>
-                <a:latin typeface="Calibri"/>
-              </a:rPr>
-              <a:t>}}
-{{link</a:t>
-            </a:r>
-            <a:r>
-              <a:rPr lang="pt-BR" sz="1200" dirty="0">
-                <a:solidFill>
-                  <a:srgbClr val="000000"/>
-                </a:solidFill>
-                <a:latin typeface="Calibri"/>
-              </a:rPr>
-              <a:t>2</a:t>
-            </a:r>
-            <a:r>
-              <a:rPr sz="1200" dirty="0">
-                <a:solidFill>
-                  <a:srgbClr val="000000"/>
-                </a:solidFill>
-                <a:latin typeface="Calibri"/>
+                  <a:schemeClr val="tx1">
+                    <a:lumMod val="65000"/>
+                    <a:lumOff val="35000"/>
+                  </a:schemeClr>
+                </a:solidFill>
+                <a:latin typeface="Arial Unicode MS"/>
               </a:rPr>
               <a:t>}}</a:t>
             </a:r>
@@ -3473,14 +4106,20 @@
       </p:sp>
       <p:sp>
         <p:nvSpPr>
-          <p:cNvPr id="5" name="TextBox 4"/>
+          <p:cNvPr id="15" name="TextBox 1">
+            <a:extLst>
+              <a:ext uri="{FF2B5EF4-FFF2-40B4-BE49-F238E27FC236}">
+                <a16:creationId xmlns:a16="http://schemas.microsoft.com/office/drawing/2014/main" id="{A28DF642-F3B1-A84E-15E0-29FE762FD5CD}"/>
+              </a:ext>
+            </a:extLst>
+          </p:cNvPr>
           <p:cNvSpPr txBox="1"/>
           <p:nvPr/>
         </p:nvSpPr>
         <p:spPr>
           <a:xfrm>
-            <a:off x="274320" y="3200400"/>
-            <a:ext cx="3931920" cy="830997"/>
+            <a:off x="198119" y="3941527"/>
+            <a:ext cx="3931920" cy="1138773"/>
           </a:xfrm>
           <a:prstGeom prst="rect">
             <a:avLst/>
@@ -3494,104 +4133,195 @@
           <a:lstStyle/>
           <a:p>
             <a:r>
+              <a:rPr lang="pt-BR" sz="2000" dirty="0">
+                <a:solidFill>
+                  <a:schemeClr val="tx1">
+                    <a:lumMod val="65000"/>
+                    <a:lumOff val="35000"/>
+                  </a:schemeClr>
+                </a:solidFill>
+                <a:latin typeface="Arial Unicode MS"/>
+              </a:rPr>
+              <a:t>{{</a:t>
+            </a:r>
+            <a:r>
+              <a:rPr sz="2000" dirty="0" err="1">
+                <a:solidFill>
+                  <a:schemeClr val="tx1">
+                    <a:lumMod val="65000"/>
+                    <a:lumOff val="35000"/>
+                  </a:schemeClr>
+                </a:solidFill>
+                <a:latin typeface="Arial Unicode MS"/>
+              </a:rPr>
+              <a:t>titulo</a:t>
+            </a:r>
+            <a:r>
+              <a:rPr lang="pt-BR" sz="2000" dirty="0">
+                <a:solidFill>
+                  <a:schemeClr val="tx1">
+                    <a:lumMod val="65000"/>
+                    <a:lumOff val="35000"/>
+                  </a:schemeClr>
+                </a:solidFill>
+                <a:latin typeface="Arial Unicode MS"/>
+              </a:rPr>
+              <a:t>3</a:t>
+            </a:r>
+            <a:r>
+              <a:rPr sz="2000" dirty="0">
+                <a:solidFill>
+                  <a:schemeClr val="tx1">
+                    <a:lumMod val="65000"/>
+                    <a:lumOff val="35000"/>
+                  </a:schemeClr>
+                </a:solidFill>
+                <a:latin typeface="Arial Unicode MS"/>
+              </a:rPr>
+              <a:t>}}</a:t>
+            </a:r>
+            <a:endParaRPr lang="pt-BR" sz="2000" dirty="0">
+              <a:solidFill>
+                <a:schemeClr val="tx1">
+                  <a:lumMod val="65000"/>
+                  <a:lumOff val="35000"/>
+                </a:schemeClr>
+              </a:solidFill>
+              <a:latin typeface="Arial Unicode MS"/>
+            </a:endParaRPr>
+          </a:p>
+          <a:p>
+            <a:r>
+              <a:rPr lang="pt-BR" sz="1200" dirty="0">
+                <a:solidFill>
+                  <a:schemeClr val="tx1">
+                    <a:lumMod val="65000"/>
+                    <a:lumOff val="35000"/>
+                  </a:schemeClr>
+                </a:solidFill>
+                <a:latin typeface="Arial Unicode MS"/>
+              </a:rPr>
+              <a:t>{{data3}}</a:t>
+            </a:r>
+            <a:r>
+              <a:rPr lang="pt-BR" dirty="0">
+                <a:solidFill>
+                  <a:schemeClr val="tx1">
+                    <a:lumMod val="65000"/>
+                    <a:lumOff val="35000"/>
+                  </a:schemeClr>
+                </a:solidFill>
+                <a:latin typeface="Arial Unicode MS"/>
+              </a:rPr>
+              <a:t> </a:t>
+            </a:r>
+            <a:r>
+              <a:rPr dirty="0">
+                <a:solidFill>
+                  <a:schemeClr val="tx1">
+                    <a:lumMod val="65000"/>
+                    <a:lumOff val="35000"/>
+                  </a:schemeClr>
+                </a:solidFill>
+                <a:latin typeface="Arial Unicode MS"/>
+              </a:rPr>
+              <a:t>
+</a:t>
+            </a:r>
+            <a:r>
+              <a:rPr sz="1600" dirty="0">
+                <a:solidFill>
+                  <a:schemeClr val="tx1">
+                    <a:lumMod val="65000"/>
+                    <a:lumOff val="35000"/>
+                  </a:schemeClr>
+                </a:solidFill>
+                <a:latin typeface="Arial Unicode MS"/>
+              </a:rPr>
+              <a:t>{{</a:t>
+            </a:r>
+            <a:r>
+              <a:rPr sz="1600" dirty="0" err="1">
+                <a:solidFill>
+                  <a:schemeClr val="tx1">
+                    <a:lumMod val="65000"/>
+                    <a:lumOff val="35000"/>
+                  </a:schemeClr>
+                </a:solidFill>
+                <a:latin typeface="Arial Unicode MS"/>
+              </a:rPr>
+              <a:t>resumo</a:t>
+            </a:r>
+            <a:r>
+              <a:rPr lang="pt-BR" sz="1600" dirty="0">
+                <a:solidFill>
+                  <a:schemeClr val="tx1">
+                    <a:lumMod val="65000"/>
+                    <a:lumOff val="35000"/>
+                  </a:schemeClr>
+                </a:solidFill>
+                <a:latin typeface="Arial Unicode MS"/>
+              </a:rPr>
+              <a:t>3</a:t>
+            </a:r>
+            <a:r>
+              <a:rPr sz="1600" dirty="0">
+                <a:solidFill>
+                  <a:schemeClr val="tx1">
+                    <a:lumMod val="65000"/>
+                    <a:lumOff val="35000"/>
+                  </a:schemeClr>
+                </a:solidFill>
+                <a:latin typeface="Arial Unicode MS"/>
+              </a:rPr>
+              <a:t>}}</a:t>
+            </a:r>
+            <a:r>
+              <a:rPr dirty="0">
+                <a:solidFill>
+                  <a:schemeClr val="tx1">
+                    <a:lumMod val="65000"/>
+                    <a:lumOff val="35000"/>
+                  </a:schemeClr>
+                </a:solidFill>
+                <a:latin typeface="Arial Unicode MS"/>
+              </a:rPr>
+              <a:t>
+</a:t>
+            </a:r>
+            <a:r>
               <a:rPr sz="1200" dirty="0">
                 <a:solidFill>
-                  <a:srgbClr val="000000"/>
-                </a:solidFill>
-                <a:latin typeface="Calibri"/>
-              </a:rPr>
-              <a:t>{{</a:t>
-            </a:r>
-            <a:r>
-              <a:rPr sz="1200" dirty="0" err="1">
-                <a:solidFill>
-                  <a:srgbClr val="000000"/>
-                </a:solidFill>
-                <a:latin typeface="Calibri"/>
-              </a:rPr>
-              <a:t>titulo</a:t>
+                  <a:schemeClr val="tx1">
+                    <a:lumMod val="65000"/>
+                    <a:lumOff val="35000"/>
+                  </a:schemeClr>
+                </a:solidFill>
+                <a:latin typeface="Arial Unicode MS"/>
+              </a:rPr>
+              <a:t>{{link</a:t>
             </a:r>
             <a:r>
               <a:rPr lang="pt-BR" sz="1200" dirty="0">
                 <a:solidFill>
-                  <a:srgbClr val="000000"/>
-                </a:solidFill>
-                <a:latin typeface="Calibri"/>
+                  <a:schemeClr val="tx1">
+                    <a:lumMod val="65000"/>
+                    <a:lumOff val="35000"/>
+                  </a:schemeClr>
+                </a:solidFill>
+                <a:latin typeface="Arial Unicode MS"/>
               </a:rPr>
               <a:t>3</a:t>
             </a:r>
             <a:r>
               <a:rPr sz="1200" dirty="0">
                 <a:solidFill>
-                  <a:srgbClr val="000000"/>
-                </a:solidFill>
-                <a:latin typeface="Calibri"/>
-              </a:rPr>
-              <a:t>}}
-{{</a:t>
-            </a:r>
-            <a:r>
-              <a:rPr sz="1200" dirty="0" err="1">
-                <a:solidFill>
-                  <a:srgbClr val="000000"/>
-                </a:solidFill>
-                <a:latin typeface="Calibri"/>
-              </a:rPr>
-              <a:t>resumo</a:t>
-            </a:r>
-            <a:r>
-              <a:rPr lang="pt-BR" sz="1200" dirty="0">
-                <a:solidFill>
-                  <a:srgbClr val="000000"/>
-                </a:solidFill>
-                <a:latin typeface="Calibri"/>
-              </a:rPr>
-              <a:t>3</a:t>
-            </a:r>
-            <a:r>
-              <a:rPr sz="1200" dirty="0">
-                <a:solidFill>
-                  <a:srgbClr val="000000"/>
-                </a:solidFill>
-                <a:latin typeface="Calibri"/>
-              </a:rPr>
-              <a:t>}}
-Data: {{data</a:t>
-            </a:r>
-            <a:r>
-              <a:rPr lang="pt-BR" sz="1200" dirty="0">
-                <a:solidFill>
-                  <a:srgbClr val="000000"/>
-                </a:solidFill>
-                <a:latin typeface="Calibri"/>
-              </a:rPr>
-              <a:t>3</a:t>
-            </a:r>
-            <a:r>
-              <a:rPr sz="1200" dirty="0">
-                <a:solidFill>
-                  <a:srgbClr val="000000"/>
-                </a:solidFill>
-                <a:latin typeface="Calibri"/>
-              </a:rPr>
-              <a:t>}}
-{{link</a:t>
-            </a:r>
-            <a:r>
-              <a:rPr lang="pt-BR" sz="1200" dirty="0">
-                <a:solidFill>
-                  <a:srgbClr val="000000"/>
-                </a:solidFill>
-                <a:latin typeface="Calibri"/>
-              </a:rPr>
-              <a:t>3</a:t>
-            </a:r>
-            <a:r>
-              <a:rPr sz="1200" dirty="0">
-                <a:solidFill>
-                  <a:srgbClr val="000000"/>
-                </a:solidFill>
-                <a:latin typeface="Calibri"/>
+                  <a:schemeClr val="tx1">
+                    <a:lumMod val="65000"/>
+                    <a:lumOff val="35000"/>
+                  </a:schemeClr>
+                </a:solidFill>
+                <a:latin typeface="Arial Unicode MS"/>
               </a:rPr>
               <a:t>}}</a:t>
             </a:r>
@@ -3600,14 +4330,20 @@
       </p:sp>
       <p:sp>
         <p:nvSpPr>
-          <p:cNvPr id="6" name="TextBox 5"/>
+          <p:cNvPr id="16" name="TextBox 1">
+            <a:extLst>
+              <a:ext uri="{FF2B5EF4-FFF2-40B4-BE49-F238E27FC236}">
+                <a16:creationId xmlns:a16="http://schemas.microsoft.com/office/drawing/2014/main" id="{1DB60E64-72D9-9275-54CE-B0D1210241F5}"/>
+              </a:ext>
+            </a:extLst>
+          </p:cNvPr>
           <p:cNvSpPr txBox="1"/>
           <p:nvPr/>
         </p:nvSpPr>
         <p:spPr>
           <a:xfrm>
-            <a:off x="4297680" y="3200400"/>
-            <a:ext cx="3931920" cy="830997"/>
+            <a:off x="4218655" y="4112612"/>
+            <a:ext cx="3931920" cy="1138773"/>
           </a:xfrm>
           <a:prstGeom prst="rect">
             <a:avLst/>
@@ -3621,104 +4357,195 @@
           <a:lstStyle/>
           <a:p>
             <a:r>
+              <a:rPr lang="pt-BR" sz="2000" dirty="0">
+                <a:solidFill>
+                  <a:schemeClr val="tx1">
+                    <a:lumMod val="65000"/>
+                    <a:lumOff val="35000"/>
+                  </a:schemeClr>
+                </a:solidFill>
+                <a:latin typeface="Arial Unicode MS"/>
+              </a:rPr>
+              <a:t>{{</a:t>
+            </a:r>
+            <a:r>
+              <a:rPr sz="2000" dirty="0" err="1">
+                <a:solidFill>
+                  <a:schemeClr val="tx1">
+                    <a:lumMod val="65000"/>
+                    <a:lumOff val="35000"/>
+                  </a:schemeClr>
+                </a:solidFill>
+                <a:latin typeface="Arial Unicode MS"/>
+              </a:rPr>
+              <a:t>titulo</a:t>
+            </a:r>
+            <a:r>
+              <a:rPr lang="pt-BR" sz="2000" dirty="0">
+                <a:solidFill>
+                  <a:schemeClr val="tx1">
+                    <a:lumMod val="65000"/>
+                    <a:lumOff val="35000"/>
+                  </a:schemeClr>
+                </a:solidFill>
+                <a:latin typeface="Arial Unicode MS"/>
+              </a:rPr>
+              <a:t>4</a:t>
+            </a:r>
+            <a:r>
+              <a:rPr sz="2000" dirty="0">
+                <a:solidFill>
+                  <a:schemeClr val="tx1">
+                    <a:lumMod val="65000"/>
+                    <a:lumOff val="35000"/>
+                  </a:schemeClr>
+                </a:solidFill>
+                <a:latin typeface="Arial Unicode MS"/>
+              </a:rPr>
+              <a:t>}}</a:t>
+            </a:r>
+            <a:endParaRPr lang="pt-BR" sz="2000" dirty="0">
+              <a:solidFill>
+                <a:schemeClr val="tx1">
+                  <a:lumMod val="65000"/>
+                  <a:lumOff val="35000"/>
+                </a:schemeClr>
+              </a:solidFill>
+              <a:latin typeface="Arial Unicode MS"/>
+            </a:endParaRPr>
+          </a:p>
+          <a:p>
+            <a:r>
+              <a:rPr lang="pt-BR" sz="1200" dirty="0">
+                <a:solidFill>
+                  <a:schemeClr val="tx1">
+                    <a:lumMod val="65000"/>
+                    <a:lumOff val="35000"/>
+                  </a:schemeClr>
+                </a:solidFill>
+                <a:latin typeface="Arial Unicode MS"/>
+              </a:rPr>
+              <a:t>{{data4}}</a:t>
+            </a:r>
+            <a:r>
+              <a:rPr lang="pt-BR" dirty="0">
+                <a:solidFill>
+                  <a:schemeClr val="tx1">
+                    <a:lumMod val="65000"/>
+                    <a:lumOff val="35000"/>
+                  </a:schemeClr>
+                </a:solidFill>
+                <a:latin typeface="Arial Unicode MS"/>
+              </a:rPr>
+              <a:t> </a:t>
+            </a:r>
+            <a:r>
+              <a:rPr dirty="0">
+                <a:solidFill>
+                  <a:schemeClr val="tx1">
+                    <a:lumMod val="65000"/>
+                    <a:lumOff val="35000"/>
+                  </a:schemeClr>
+                </a:solidFill>
+                <a:latin typeface="Arial Unicode MS"/>
+              </a:rPr>
+              <a:t>
+</a:t>
+            </a:r>
+            <a:r>
+              <a:rPr sz="1600" dirty="0">
+                <a:solidFill>
+                  <a:schemeClr val="tx1">
+                    <a:lumMod val="65000"/>
+                    <a:lumOff val="35000"/>
+                  </a:schemeClr>
+                </a:solidFill>
+                <a:latin typeface="Arial Unicode MS"/>
+              </a:rPr>
+              <a:t>{{</a:t>
+            </a:r>
+            <a:r>
+              <a:rPr sz="1600" dirty="0" err="1">
+                <a:solidFill>
+                  <a:schemeClr val="tx1">
+                    <a:lumMod val="65000"/>
+                    <a:lumOff val="35000"/>
+                  </a:schemeClr>
+                </a:solidFill>
+                <a:latin typeface="Arial Unicode MS"/>
+              </a:rPr>
+              <a:t>resumo</a:t>
+            </a:r>
+            <a:r>
+              <a:rPr lang="pt-BR" sz="1600" dirty="0">
+                <a:solidFill>
+                  <a:schemeClr val="tx1">
+                    <a:lumMod val="65000"/>
+                    <a:lumOff val="35000"/>
+                  </a:schemeClr>
+                </a:solidFill>
+                <a:latin typeface="Arial Unicode MS"/>
+              </a:rPr>
+              <a:t>4</a:t>
+            </a:r>
+            <a:r>
+              <a:rPr sz="1600" dirty="0">
+                <a:solidFill>
+                  <a:schemeClr val="tx1">
+                    <a:lumMod val="65000"/>
+                    <a:lumOff val="35000"/>
+                  </a:schemeClr>
+                </a:solidFill>
+                <a:latin typeface="Arial Unicode MS"/>
+              </a:rPr>
+              <a:t>}}</a:t>
+            </a:r>
+            <a:r>
+              <a:rPr dirty="0">
+                <a:solidFill>
+                  <a:schemeClr val="tx1">
+                    <a:lumMod val="65000"/>
+                    <a:lumOff val="35000"/>
+                  </a:schemeClr>
+                </a:solidFill>
+                <a:latin typeface="Arial Unicode MS"/>
+              </a:rPr>
+              <a:t>
+</a:t>
+            </a:r>
+            <a:r>
               <a:rPr sz="1200" dirty="0">
                 <a:solidFill>
-                  <a:srgbClr val="000000"/>
-                </a:solidFill>
-                <a:latin typeface="Calibri"/>
-              </a:rPr>
-              <a:t>{{</a:t>
-            </a:r>
-            <a:r>
-              <a:rPr sz="1200" dirty="0" err="1">
-                <a:solidFill>
-                  <a:srgbClr val="000000"/>
-                </a:solidFill>
-                <a:latin typeface="Calibri"/>
-              </a:rPr>
-              <a:t>titulo</a:t>
+                  <a:schemeClr val="tx1">
+                    <a:lumMod val="65000"/>
+                    <a:lumOff val="35000"/>
+                  </a:schemeClr>
+                </a:solidFill>
+                <a:latin typeface="Arial Unicode MS"/>
+              </a:rPr>
+              <a:t>{{link</a:t>
             </a:r>
             <a:r>
               <a:rPr lang="pt-BR" sz="1200" dirty="0">
                 <a:solidFill>
-                  <a:srgbClr val="000000"/>
-                </a:solidFill>
-                <a:latin typeface="Calibri"/>
+                  <a:schemeClr val="tx1">
+                    <a:lumMod val="65000"/>
+                    <a:lumOff val="35000"/>
+                  </a:schemeClr>
+                </a:solidFill>
+                <a:latin typeface="Arial Unicode MS"/>
               </a:rPr>
               <a:t>4</a:t>
             </a:r>
             <a:r>
               <a:rPr sz="1200" dirty="0">
                 <a:solidFill>
-                  <a:srgbClr val="000000"/>
-                </a:solidFill>
-                <a:latin typeface="Calibri"/>
-              </a:rPr>
-              <a:t>}}
-{{</a:t>
-            </a:r>
-            <a:r>
-              <a:rPr sz="1200" dirty="0" err="1">
-                <a:solidFill>
-                  <a:srgbClr val="000000"/>
-                </a:solidFill>
-                <a:latin typeface="Calibri"/>
-              </a:rPr>
-              <a:t>resumo</a:t>
-            </a:r>
-            <a:r>
-              <a:rPr lang="pt-BR" sz="1200" dirty="0">
-                <a:solidFill>
-                  <a:srgbClr val="000000"/>
-                </a:solidFill>
-                <a:latin typeface="Calibri"/>
-              </a:rPr>
-              <a:t>4</a:t>
-            </a:r>
-            <a:r>
-              <a:rPr sz="1200" dirty="0">
-                <a:solidFill>
-                  <a:srgbClr val="000000"/>
-                </a:solidFill>
-                <a:latin typeface="Calibri"/>
-              </a:rPr>
-              <a:t>}}
-Data: {{data</a:t>
-            </a:r>
-            <a:r>
-              <a:rPr lang="pt-BR" sz="1200" dirty="0">
-                <a:solidFill>
-                  <a:srgbClr val="000000"/>
-                </a:solidFill>
-                <a:latin typeface="Calibri"/>
-              </a:rPr>
-              <a:t>4</a:t>
-            </a:r>
-            <a:r>
-              <a:rPr sz="1200" dirty="0">
-                <a:solidFill>
-                  <a:srgbClr val="000000"/>
-                </a:solidFill>
-                <a:latin typeface="Calibri"/>
-              </a:rPr>
-              <a:t>}}
-{{link</a:t>
-            </a:r>
-            <a:r>
-              <a:rPr lang="pt-BR" sz="1200" dirty="0">
-                <a:solidFill>
-                  <a:srgbClr val="000000"/>
-                </a:solidFill>
-                <a:latin typeface="Calibri"/>
-              </a:rPr>
-              <a:t>4</a:t>
-            </a:r>
-            <a:r>
-              <a:rPr sz="1200" dirty="0">
-                <a:solidFill>
-                  <a:srgbClr val="000000"/>
-                </a:solidFill>
-                <a:latin typeface="Calibri"/>
+                  <a:schemeClr val="tx1">
+                    <a:lumMod val="65000"/>
+                    <a:lumOff val="35000"/>
+                  </a:schemeClr>
+                </a:solidFill>
+                <a:latin typeface="Arial Unicode MS"/>
               </a:rPr>
               <a:t>}}</a:t>
             </a:r>
@@ -3727,14 +4554,20 @@
       </p:sp>
       <p:sp>
         <p:nvSpPr>
-          <p:cNvPr id="7" name="TextBox 6"/>
+          <p:cNvPr id="17" name="TextBox 1">
+            <a:extLst>
+              <a:ext uri="{FF2B5EF4-FFF2-40B4-BE49-F238E27FC236}">
+                <a16:creationId xmlns:a16="http://schemas.microsoft.com/office/drawing/2014/main" id="{564E6FE0-8F6A-D0D8-262A-95F947C9EAA4}"/>
+              </a:ext>
+            </a:extLst>
+          </p:cNvPr>
           <p:cNvSpPr txBox="1"/>
           <p:nvPr/>
         </p:nvSpPr>
         <p:spPr>
           <a:xfrm>
-            <a:off x="8321040" y="3200400"/>
-            <a:ext cx="3931920" cy="830997"/>
+            <a:off x="8327807" y="3941526"/>
+            <a:ext cx="3931920" cy="1138773"/>
           </a:xfrm>
           <a:prstGeom prst="rect">
             <a:avLst/>
@@ -3748,104 +4581,195 @@
           <a:lstStyle/>
           <a:p>
             <a:r>
+              <a:rPr lang="pt-BR" sz="2000" dirty="0">
+                <a:solidFill>
+                  <a:schemeClr val="tx1">
+                    <a:lumMod val="65000"/>
+                    <a:lumOff val="35000"/>
+                  </a:schemeClr>
+                </a:solidFill>
+                <a:latin typeface="Arial Unicode MS"/>
+              </a:rPr>
+              <a:t>{{</a:t>
+            </a:r>
+            <a:r>
+              <a:rPr sz="2000" dirty="0" err="1">
+                <a:solidFill>
+                  <a:schemeClr val="tx1">
+                    <a:lumMod val="65000"/>
+                    <a:lumOff val="35000"/>
+                  </a:schemeClr>
+                </a:solidFill>
+                <a:latin typeface="Arial Unicode MS"/>
+              </a:rPr>
+              <a:t>titulo</a:t>
+            </a:r>
+            <a:r>
+              <a:rPr lang="pt-BR" sz="2000" dirty="0">
+                <a:solidFill>
+                  <a:schemeClr val="tx1">
+                    <a:lumMod val="65000"/>
+                    <a:lumOff val="35000"/>
+                  </a:schemeClr>
+                </a:solidFill>
+                <a:latin typeface="Arial Unicode MS"/>
+              </a:rPr>
+              <a:t>5</a:t>
+            </a:r>
+            <a:r>
+              <a:rPr sz="2000" dirty="0">
+                <a:solidFill>
+                  <a:schemeClr val="tx1">
+                    <a:lumMod val="65000"/>
+                    <a:lumOff val="35000"/>
+                  </a:schemeClr>
+                </a:solidFill>
+                <a:latin typeface="Arial Unicode MS"/>
+              </a:rPr>
+              <a:t>}}</a:t>
+            </a:r>
+            <a:endParaRPr lang="pt-BR" sz="2000" dirty="0">
+              <a:solidFill>
+                <a:schemeClr val="tx1">
+                  <a:lumMod val="65000"/>
+                  <a:lumOff val="35000"/>
+                </a:schemeClr>
+              </a:solidFill>
+              <a:latin typeface="Arial Unicode MS"/>
+            </a:endParaRPr>
+          </a:p>
+          <a:p>
+            <a:r>
+              <a:rPr lang="pt-BR" sz="1200" dirty="0">
+                <a:solidFill>
+                  <a:schemeClr val="tx1">
+                    <a:lumMod val="65000"/>
+                    <a:lumOff val="35000"/>
+                  </a:schemeClr>
+                </a:solidFill>
+                <a:latin typeface="Arial Unicode MS"/>
+              </a:rPr>
+              <a:t>{{data5}}</a:t>
+            </a:r>
+            <a:r>
+              <a:rPr lang="pt-BR" dirty="0">
+                <a:solidFill>
+                  <a:schemeClr val="tx1">
+                    <a:lumMod val="65000"/>
+                    <a:lumOff val="35000"/>
+                  </a:schemeClr>
+                </a:solidFill>
+                <a:latin typeface="Arial Unicode MS"/>
+              </a:rPr>
+              <a:t> </a:t>
+            </a:r>
+            <a:r>
+              <a:rPr dirty="0">
+                <a:solidFill>
+                  <a:schemeClr val="tx1">
+                    <a:lumMod val="65000"/>
+                    <a:lumOff val="35000"/>
+                  </a:schemeClr>
+                </a:solidFill>
+                <a:latin typeface="Arial Unicode MS"/>
+              </a:rPr>
+              <a:t>
+</a:t>
+            </a:r>
+            <a:r>
+              <a:rPr sz="1600" dirty="0">
+                <a:solidFill>
+                  <a:schemeClr val="tx1">
+                    <a:lumMod val="65000"/>
+                    <a:lumOff val="35000"/>
+                  </a:schemeClr>
+                </a:solidFill>
+                <a:latin typeface="Arial Unicode MS"/>
+              </a:rPr>
+              <a:t>{{</a:t>
+            </a:r>
+            <a:r>
+              <a:rPr sz="1600" dirty="0" err="1">
+                <a:solidFill>
+                  <a:schemeClr val="tx1">
+                    <a:lumMod val="65000"/>
+                    <a:lumOff val="35000"/>
+                  </a:schemeClr>
+                </a:solidFill>
+                <a:latin typeface="Arial Unicode MS"/>
+              </a:rPr>
+              <a:t>resumo</a:t>
+            </a:r>
+            <a:r>
+              <a:rPr lang="pt-BR" sz="1600" dirty="0">
+                <a:solidFill>
+                  <a:schemeClr val="tx1">
+                    <a:lumMod val="65000"/>
+                    <a:lumOff val="35000"/>
+                  </a:schemeClr>
+                </a:solidFill>
+                <a:latin typeface="Arial Unicode MS"/>
+              </a:rPr>
+              <a:t>5</a:t>
+            </a:r>
+            <a:r>
+              <a:rPr sz="1600" dirty="0">
+                <a:solidFill>
+                  <a:schemeClr val="tx1">
+                    <a:lumMod val="65000"/>
+                    <a:lumOff val="35000"/>
+                  </a:schemeClr>
+                </a:solidFill>
+                <a:latin typeface="Arial Unicode MS"/>
+              </a:rPr>
+              <a:t>}}</a:t>
+            </a:r>
+            <a:r>
+              <a:rPr dirty="0">
+                <a:solidFill>
+                  <a:schemeClr val="tx1">
+                    <a:lumMod val="65000"/>
+                    <a:lumOff val="35000"/>
+                  </a:schemeClr>
+                </a:solidFill>
+                <a:latin typeface="Arial Unicode MS"/>
+              </a:rPr>
+              <a:t>
+</a:t>
+            </a:r>
+            <a:r>
               <a:rPr sz="1200" dirty="0">
                 <a:solidFill>
-                  <a:srgbClr val="000000"/>
-                </a:solidFill>
-                <a:latin typeface="Calibri"/>
-              </a:rPr>
-              <a:t>{{</a:t>
-            </a:r>
-            <a:r>
-              <a:rPr sz="1200" dirty="0" err="1">
-                <a:solidFill>
-                  <a:srgbClr val="000000"/>
-                </a:solidFill>
-                <a:latin typeface="Calibri"/>
-              </a:rPr>
-              <a:t>titulo</a:t>
+                  <a:schemeClr val="tx1">
+                    <a:lumMod val="65000"/>
+                    <a:lumOff val="35000"/>
+                  </a:schemeClr>
+                </a:solidFill>
+                <a:latin typeface="Arial Unicode MS"/>
+              </a:rPr>
+              <a:t>{{link</a:t>
             </a:r>
             <a:r>
               <a:rPr lang="pt-BR" sz="1200" dirty="0">
                 <a:solidFill>
-                  <a:srgbClr val="000000"/>
-                </a:solidFill>
-                <a:latin typeface="Calibri"/>
+                  <a:schemeClr val="tx1">
+                    <a:lumMod val="65000"/>
+                    <a:lumOff val="35000"/>
+                  </a:schemeClr>
+                </a:solidFill>
+                <a:latin typeface="Arial Unicode MS"/>
               </a:rPr>
               <a:t>5</a:t>
             </a:r>
             <a:r>
               <a:rPr sz="1200" dirty="0">
                 <a:solidFill>
-                  <a:srgbClr val="000000"/>
-                </a:solidFill>
-                <a:latin typeface="Calibri"/>
-              </a:rPr>
-              <a:t>}}
-{{</a:t>
-            </a:r>
-            <a:r>
-              <a:rPr sz="1200" dirty="0" err="1">
-                <a:solidFill>
-                  <a:srgbClr val="000000"/>
-                </a:solidFill>
-                <a:latin typeface="Calibri"/>
-              </a:rPr>
-              <a:t>resumo</a:t>
-            </a:r>
-            <a:r>
-              <a:rPr lang="pt-BR" sz="1200" dirty="0">
-                <a:solidFill>
-                  <a:srgbClr val="000000"/>
-                </a:solidFill>
-                <a:latin typeface="Calibri"/>
-              </a:rPr>
-              <a:t>5</a:t>
-            </a:r>
-            <a:r>
-              <a:rPr sz="1200" dirty="0">
-                <a:solidFill>
-                  <a:srgbClr val="000000"/>
-                </a:solidFill>
-                <a:latin typeface="Calibri"/>
-              </a:rPr>
-              <a:t>}}
-Data: {{data</a:t>
-            </a:r>
-            <a:r>
-              <a:rPr lang="pt-BR" sz="1200" dirty="0">
-                <a:solidFill>
-                  <a:srgbClr val="000000"/>
-                </a:solidFill>
-                <a:latin typeface="Calibri"/>
-              </a:rPr>
-              <a:t>5</a:t>
-            </a:r>
-            <a:r>
-              <a:rPr sz="1200" dirty="0">
-                <a:solidFill>
-                  <a:srgbClr val="000000"/>
-                </a:solidFill>
-                <a:latin typeface="Calibri"/>
-              </a:rPr>
-              <a:t>}}
-{{link</a:t>
-            </a:r>
-            <a:r>
-              <a:rPr lang="pt-BR" sz="1200" dirty="0">
-                <a:solidFill>
-                  <a:srgbClr val="000000"/>
-                </a:solidFill>
-                <a:latin typeface="Calibri"/>
-              </a:rPr>
-              <a:t>5</a:t>
-            </a:r>
-            <a:r>
-              <a:rPr sz="1200" dirty="0">
-                <a:solidFill>
-                  <a:srgbClr val="000000"/>
-                </a:solidFill>
-                <a:latin typeface="Calibri"/>
+                  <a:schemeClr val="tx1">
+                    <a:lumMod val="65000"/>
+                    <a:lumOff val="35000"/>
+                  </a:schemeClr>
+                </a:solidFill>
+                <a:latin typeface="Arial Unicode MS"/>
               </a:rPr>
               <a:t>}}</a:t>
             </a:r>
@@ -3853,6 +4777,11 @@
         </p:txBody>
       </p:sp>
     </p:spTree>
+    <p:extLst>
+      <p:ext uri="{BB962C8B-B14F-4D97-AF65-F5344CB8AC3E}">
+        <p14:creationId xmlns:p14="http://schemas.microsoft.com/office/powerpoint/2010/main" val="1194705359"/>
+      </p:ext>
+    </p:extLst>
   </p:cSld>
   <p:clrMapOvr>
     <a:masterClrMapping/>
@@ -3861,7 +4790,7 @@
 </file>
 
 <file path=ppt/theme/theme1.xml><?xml version="1.0" encoding="utf-8"?>
-<a:theme xmlns:a="http://schemas.openxmlformats.org/drawingml/2006/main" name="Office Theme">
+<a:theme xmlns:a="http://schemas.openxmlformats.org/drawingml/2006/main" name="Tema do Office">
   <a:themeElements>
     <a:clrScheme name="Office">
       <a:dk1>
@@ -3871,44 +4800,44 @@
         <a:sysClr val="window" lastClr="FFFFFF"/>
       </a:lt1>
       <a:dk2>
-        <a:srgbClr val="1F497D"/>
+        <a:srgbClr val="0E2841"/>
       </a:dk2>
       <a:lt2>
-        <a:srgbClr val="EEECE1"/>
+        <a:srgbClr val="E8E8E8"/>
       </a:lt2>
       <a:accent1>
-        <a:srgbClr val="4F81BD"/>
+        <a:srgbClr val="156082"/>
       </a:accent1>
       <a:accent2>
-        <a:srgbClr val="C0504D"/>
+        <a:srgbClr val="E97132"/>
       </a:accent2>
       <a:accent3>
-        <a:srgbClr val="9BBB59"/>
+        <a:srgbClr val="196B24"/>
       </a:accent3>
       <a:accent4>
-        <a:srgbClr val="8064A2"/>
+        <a:srgbClr val="0F9ED5"/>
       </a:accent4>
       <a:accent5>
-        <a:srgbClr val="4BACC6"/>
+        <a:srgbClr val="A02B93"/>
       </a:accent5>
       <a:accent6>
-        <a:srgbClr val="F79646"/>
+        <a:srgbClr val="4EA72E"/>
       </a:accent6>
       <a:hlink>
-        <a:srgbClr val="0000FF"/>
+        <a:srgbClr val="467886"/>
       </a:hlink>
       <a:folHlink>
-        <a:srgbClr val="800080"/>
+        <a:srgbClr val="96607D"/>
       </a:folHlink>
     </a:clrScheme>
     <a:fontScheme name="Office">
       <a:majorFont>
-        <a:latin typeface="Calibri"/>
+        <a:latin typeface="Aptos Display" panose="02110004020202020204"/>
         <a:ea typeface=""/>
         <a:cs typeface=""/>
-        <a:font script="Jpan" typeface="ＭＳ Ｐゴシック"/>
+        <a:font script="Jpan" typeface="游ゴシック Light"/>
         <a:font script="Hang" typeface="맑은 고딕"/>
-        <a:font script="Hans" typeface="宋体"/>
+        <a:font script="Hans" typeface="等线 Light"/>
         <a:font script="Hant" typeface="新細明體"/>
         <a:font script="Arab" typeface="Times New Roman"/>
         <a:font script="Hebr" typeface="Times New Roman"/>
@@ -3936,14 +4865,31 @@
         <a:font script="Viet" typeface="Times New Roman"/>
         <a:font script="Uigh" typeface="Microsoft Uighur"/>
         <a:font script="Geor" typeface="Sylfaen"/>
+        <a:font script="Armn" typeface="Arial"/>
+        <a:font script="Bugi" typeface="Leelawadee UI"/>
+        <a:font script="Bopo" typeface="Microsoft JhengHei"/>
+        <a:font script="Java" typeface="Javanese Text"/>
+        <a:font script="Lisu" typeface="Segoe UI"/>
+        <a:font script="Mymr" typeface="Myanmar Text"/>
+        <a:font script="Nkoo" typeface="Ebrima"/>
+        <a:font script="Olck" typeface="Nirmala UI"/>
+        <a:font script="Osma" typeface="Ebrima"/>
+        <a:font script="Phag" typeface="Phagspa"/>
+        <a:font script="Syrn" typeface="Estrangelo Edessa"/>
+        <a:font script="Syrj" typeface="Estrangelo Edessa"/>
+        <a:font script="Syre" typeface="Estrangelo Edessa"/>
+        <a:font script="Sora" typeface="Nirmala UI"/>
+        <a:font script="Tale" typeface="Microsoft Tai Le"/>
+        <a:font script="Talu" typeface="Microsoft New Tai Lue"/>
+        <a:font script="Tfng" typeface="Ebrima"/>
       </a:majorFont>
       <a:minorFont>
-        <a:latin typeface="Calibri"/>
+        <a:latin typeface="Aptos" panose="02110004020202020204"/>
         <a:ea typeface=""/>
         <a:cs typeface=""/>
-        <a:font script="Jpan" typeface="ＭＳ Ｐゴシック"/>
+        <a:font script="Jpan" typeface="游ゴシック"/>
         <a:font script="Hang" typeface="맑은 고딕"/>
-        <a:font script="Hans" typeface="宋体"/>
+        <a:font script="Hans" typeface="等线"/>
         <a:font script="Hant" typeface="新細明體"/>
         <a:font script="Arab" typeface="Arial"/>
         <a:font script="Hebr" typeface="Arial"/>
@@ -3971,6 +4917,23 @@
         <a:font script="Viet" typeface="Arial"/>
         <a:font script="Uigh" typeface="Microsoft Uighur"/>
         <a:font script="Geor" typeface="Sylfaen"/>
+        <a:font script="Armn" typeface="Arial"/>
+        <a:font script="Bugi" typeface="Leelawadee UI"/>
+        <a:font script="Bopo" typeface="Microsoft JhengHei"/>
+        <a:font script="Java" typeface="Javanese Text"/>
+        <a:font script="Lisu" typeface="Segoe UI"/>
+        <a:font script="Mymr" typeface="Myanmar Text"/>
+        <a:font script="Nkoo" typeface="Ebrima"/>
+        <a:font script="Olck" typeface="Nirmala UI"/>
+        <a:font script="Osma" typeface="Ebrima"/>
+        <a:font script="Phag" typeface="Phagspa"/>
+        <a:font script="Syrn" typeface="Estrangelo Edessa"/>
+        <a:font script="Syrj" typeface="Estrangelo Edessa"/>
+        <a:font script="Syre" typeface="Estrangelo Edessa"/>
+        <a:font script="Sora" typeface="Nirmala UI"/>
+        <a:font script="Tale" typeface="Microsoft Tai Le"/>
+        <a:font script="Talu" typeface="Microsoft New Tai Lue"/>
+        <a:font script="Tfng" typeface="Ebrima"/>
       </a:minorFont>
     </a:fontScheme>
     <a:fmtScheme name="Office">
@@ -3982,180 +4945,136 @@
           <a:gsLst>
             <a:gs pos="0">
               <a:schemeClr val="phClr">
-                <a:tint val="50000"/>
-                <a:satMod val="300000"/>
+                <a:lumMod val="110000"/>
+                <a:satMod val="105000"/>
+                <a:tint val="67000"/>
               </a:schemeClr>
             </a:gs>
-            <a:gs pos="35000">
+            <a:gs pos="50000">
               <a:schemeClr val="phClr">
-                <a:tint val="37000"/>
-                <a:satMod val="300000"/>
+                <a:lumMod val="105000"/>
+                <a:satMod val="103000"/>
+                <a:tint val="73000"/>
               </a:schemeClr>
             </a:gs>
             <a:gs pos="100000">
               <a:schemeClr val="phClr">
-                <a:tint val="15000"/>
-                <a:satMod val="350000"/>
+                <a:lumMod val="105000"/>
+                <a:satMod val="109000"/>
+                <a:tint val="81000"/>
               </a:schemeClr>
             </a:gs>
           </a:gsLst>
-          <a:lin ang="16200000" scaled="1"/>
+          <a:lin ang="5400000" scaled="0"/>
         </a:gradFill>
         <a:gradFill rotWithShape="1">
           <a:gsLst>
             <a:gs pos="0">
               <a:schemeClr val="phClr">
-                <a:tint val="100000"/>
+                <a:satMod val="103000"/>
+                <a:lumMod val="102000"/>
+                <a:tint val="94000"/>
+              </a:schemeClr>
+            </a:gs>
+            <a:gs pos="50000">
+              <a:schemeClr val="phClr">
+                <a:satMod val="110000"/>
+                <a:lumMod val="100000"/>
                 <a:shade val="100000"/>
-                <a:satMod val="130000"/>
               </a:schemeClr>
             </a:gs>
             <a:gs pos="100000">
               <a:schemeClr val="phClr">
-                <a:tint val="50000"/>
-                <a:shade val="100000"/>
-                <a:satMod val="350000"/>
+                <a:lumMod val="99000"/>
+                <a:satMod val="120000"/>
+                <a:shade val="78000"/>
               </a:schemeClr>
             </a:gs>
           </a:gsLst>
-          <a:lin ang="16200000" scaled="0"/>
+          <a:lin ang="5400000" scaled="0"/>
         </a:gradFill>
       </a:fillStyleLst>
       <a:lnStyleLst>
-        <a:ln w="9525" cap="flat" cmpd="sng" algn="ctr">
+        <a:ln w="12700" cap="flat" cmpd="sng" algn="ctr">
           <a:solidFill>
-            <a:schemeClr val="phClr">
-              <a:shade val="95000"/>
-              <a:satMod val="105000"/>
-            </a:schemeClr>
+            <a:schemeClr val="phClr"/>
           </a:solidFill>
           <a:prstDash val="solid"/>
+          <a:miter lim="800000"/>
+        </a:ln>
+        <a:ln w="19050" cap="flat" cmpd="sng" algn="ctr">
+          <a:solidFill>
+            <a:schemeClr val="phClr"/>
+          </a:solidFill>
+          <a:prstDash val="solid"/>
+          <a:miter lim="800000"/>
         </a:ln>
         <a:ln w="25400" cap="flat" cmpd="sng" algn="ctr">
           <a:solidFill>
             <a:schemeClr val="phClr"/>
           </a:solidFill>
           <a:prstDash val="solid"/>
-        </a:ln>
-        <a:ln w="38100" cap="flat" cmpd="sng" algn="ctr">
-          <a:solidFill>
-            <a:schemeClr val="phClr"/>
-          </a:solidFill>
-          <a:prstDash val="solid"/>
+          <a:miter lim="800000"/>
         </a:ln>
       </a:lnStyleLst>
       <a:effectStyleLst>
         <a:effectStyle>
+          <a:effectLst/>
+        </a:effectStyle>
+        <a:effectStyle>
+          <a:effectLst/>
+        </a:effectStyle>
+        <a:effectStyle>
           <a:effectLst>
-            <a:outerShdw blurRad="40000" dist="20000" dir="5400000" rotWithShape="0">
+            <a:outerShdw blurRad="57150" dist="19050" dir="5400000" algn="ctr" rotWithShape="0">
               <a:srgbClr val="000000">
-                <a:alpha val="38000"/>
+                <a:alpha val="63000"/>
               </a:srgbClr>
             </a:outerShdw>
           </a:effectLst>
-        </a:effectStyle>
-        <a:effectStyle>
-          <a:effectLst>
-            <a:outerShdw blurRad="40000" dist="23000" dir="5400000" rotWithShape="0">
-              <a:srgbClr val="000000">
-                <a:alpha val="35000"/>
-              </a:srgbClr>
-            </a:outerShdw>
-          </a:effectLst>
-        </a:effectStyle>
-        <a:effectStyle>
-          <a:effectLst>
-            <a:outerShdw blurRad="40000" dist="23000" dir="5400000" rotWithShape="0">
-              <a:srgbClr val="000000">
-                <a:alpha val="35000"/>
-              </a:srgbClr>
-            </a:outerShdw>
-          </a:effectLst>
-          <a:scene3d>
-            <a:camera prst="orthographicFront">
-              <a:rot lat="0" lon="0" rev="0"/>
-            </a:camera>
-            <a:lightRig rig="threePt" dir="t">
-              <a:rot lat="0" lon="0" rev="1200000"/>
-            </a:lightRig>
-          </a:scene3d>
-          <a:sp3d>
-            <a:bevelT w="63500" h="25400"/>
-          </a:sp3d>
         </a:effectStyle>
       </a:effectStyleLst>
       <a:bgFillStyleLst>
         <a:solidFill>
           <a:schemeClr val="phClr"/>
         </a:solidFill>
+        <a:solidFill>
+          <a:schemeClr val="phClr">
+            <a:tint val="95000"/>
+            <a:satMod val="170000"/>
+          </a:schemeClr>
+        </a:solidFill>
         <a:gradFill rotWithShape="1">
           <a:gsLst>
             <a:gs pos="0">
               <a:schemeClr val="phClr">
-                <a:tint val="40000"/>
-                <a:satMod val="350000"/>
+                <a:tint val="93000"/>
+                <a:satMod val="150000"/>
+                <a:shade val="98000"/>
+                <a:lumMod val="102000"/>
               </a:schemeClr>
             </a:gs>
-            <a:gs pos="40000">
+            <a:gs pos="50000">
               <a:schemeClr val="phClr">
-                <a:tint val="45000"/>
-                <a:shade val="99000"/>
-                <a:satMod val="350000"/>
+                <a:tint val="98000"/>
+                <a:satMod val="130000"/>
+                <a:shade val="90000"/>
+                <a:lumMod val="103000"/>
               </a:schemeClr>
             </a:gs>
             <a:gs pos="100000">
               <a:schemeClr val="phClr">
-                <a:shade val="20000"/>
-                <a:satMod val="255000"/>
+                <a:shade val="63000"/>
+                <a:satMod val="120000"/>
               </a:schemeClr>
             </a:gs>
           </a:gsLst>
-          <a:path path="circle">
-            <a:fillToRect l="50000" t="-80000" r="50000" b="180000"/>
-          </a:path>
-        </a:gradFill>
-        <a:gradFill rotWithShape="1">
-          <a:gsLst>
-            <a:gs pos="0">
-              <a:schemeClr val="phClr">
-                <a:tint val="80000"/>
-                <a:satMod val="300000"/>
-              </a:schemeClr>
-            </a:gs>
-            <a:gs pos="100000">
-              <a:schemeClr val="phClr">
-                <a:shade val="30000"/>
-                <a:satMod val="200000"/>
-              </a:schemeClr>
-            </a:gs>
-          </a:gsLst>
-          <a:path path="circle">
-            <a:fillToRect l="50000" t="50000" r="50000" b="50000"/>
-          </a:path>
+          <a:lin ang="5400000" scaled="0"/>
         </a:gradFill>
       </a:bgFillStyleLst>
     </a:fmtScheme>
   </a:themeElements>
   <a:objectDefaults>
-    <a:spDef>
-      <a:spPr/>
-      <a:bodyPr/>
-      <a:lstStyle/>
-      <a:style>
-        <a:lnRef idx="1">
-          <a:schemeClr val="accent1"/>
-        </a:lnRef>
-        <a:fillRef idx="3">
-          <a:schemeClr val="accent1"/>
-        </a:fillRef>
-        <a:effectRef idx="2">
-          <a:schemeClr val="accent1"/>
-        </a:effectRef>
-        <a:fontRef idx="minor">
-          <a:schemeClr val="lt1"/>
-        </a:fontRef>
-      </a:style>
-    </a:spDef>
     <a:lnDef>
       <a:spPr/>
       <a:bodyPr/>
@@ -4177,5 +5096,10 @@
     </a:lnDef>
   </a:objectDefaults>
   <a:extraClrSchemeLst/>
+  <a:extLst>
+    <a:ext uri="{05A4C25C-085E-4340-85A3-A5531E510DB2}">
+      <thm15:themeFamily xmlns:thm15="http://schemas.microsoft.com/office/thememl/2012/main" name="Office Theme" id="{2E142A2C-CD16-42D6-873A-C26D2A0506FA}" vid="{1BDDFF52-6CD6-40A5-AB3C-68EB2F1E4D0A}"/>
+    </a:ext>
+  </a:extLst>
 </a:theme>
 </file>
--- a/template.pptx
+++ b/template.pptx
@@ -1,19 +1,19 @@
 
 <file path=ppt/presentation.xml><?xml version="1.0" encoding="utf-8"?>
-<p:presentation xmlns:a="http://schemas.openxmlformats.org/drawingml/2006/main" xmlns:r="http://schemas.openxmlformats.org/officeDocument/2006/relationships" xmlns:p="http://schemas.openxmlformats.org/presentationml/2006/main" saveSubsetFonts="1" autoCompressPictures="0">
+<p:presentation xmlns:a="http://schemas.openxmlformats.org/drawingml/2006/main" xmlns:r="http://schemas.openxmlformats.org/officeDocument/2006/relationships" xmlns:p="http://schemas.openxmlformats.org/presentationml/2006/main" saveSubsetFonts="1">
   <p:sldMasterIdLst>
     <p:sldMasterId id="2147483648" r:id="rId1"/>
   </p:sldMasterIdLst>
   <p:sldIdLst>
     <p:sldId id="256" r:id="rId2"/>
   </p:sldIdLst>
-  <p:sldSz cx="12188825" cy="6858000"/>
+  <p:sldSz cx="12192000" cy="6858000"/>
   <p:notesSz cx="6858000" cy="9144000"/>
   <p:defaultTextStyle>
     <a:defPPr>
-      <a:defRPr lang="en-US"/>
+      <a:defRPr lang="pt-BR"/>
     </a:defPPr>
-    <a:lvl1pPr marL="0" algn="l" defTabSz="457200" rtl="0" eaLnBrk="1" latinLnBrk="0" hangingPunct="1">
+    <a:lvl1pPr marL="0" algn="l" defTabSz="914400" rtl="0" eaLnBrk="1" latinLnBrk="0" hangingPunct="1">
       <a:defRPr sz="1800" kern="1200">
         <a:solidFill>
           <a:schemeClr val="tx1"/>
@@ -23,7 +23,7 @@
         <a:cs typeface="+mn-cs"/>
       </a:defRPr>
     </a:lvl1pPr>
-    <a:lvl2pPr marL="457200" algn="l" defTabSz="457200" rtl="0" eaLnBrk="1" latinLnBrk="0" hangingPunct="1">
+    <a:lvl2pPr marL="457200" algn="l" defTabSz="914400" rtl="0" eaLnBrk="1" latinLnBrk="0" hangingPunct="1">
       <a:defRPr sz="1800" kern="1200">
         <a:solidFill>
           <a:schemeClr val="tx1"/>
@@ -33,7 +33,7 @@
         <a:cs typeface="+mn-cs"/>
       </a:defRPr>
     </a:lvl2pPr>
-    <a:lvl3pPr marL="914400" algn="l" defTabSz="457200" rtl="0" eaLnBrk="1" latinLnBrk="0" hangingPunct="1">
+    <a:lvl3pPr marL="914400" algn="l" defTabSz="914400" rtl="0" eaLnBrk="1" latinLnBrk="0" hangingPunct="1">
       <a:defRPr sz="1800" kern="1200">
         <a:solidFill>
           <a:schemeClr val="tx1"/>
@@ -43,7 +43,7 @@
         <a:cs typeface="+mn-cs"/>
       </a:defRPr>
     </a:lvl3pPr>
-    <a:lvl4pPr marL="1371600" algn="l" defTabSz="457200" rtl="0" eaLnBrk="1" latinLnBrk="0" hangingPunct="1">
+    <a:lvl4pPr marL="1371600" algn="l" defTabSz="914400" rtl="0" eaLnBrk="1" latinLnBrk="0" hangingPunct="1">
       <a:defRPr sz="1800" kern="1200">
         <a:solidFill>
           <a:schemeClr val="tx1"/>
@@ -53,7 +53,7 @@
         <a:cs typeface="+mn-cs"/>
       </a:defRPr>
     </a:lvl4pPr>
-    <a:lvl5pPr marL="1828800" algn="l" defTabSz="457200" rtl="0" eaLnBrk="1" latinLnBrk="0" hangingPunct="1">
+    <a:lvl5pPr marL="1828800" algn="l" defTabSz="914400" rtl="0" eaLnBrk="1" latinLnBrk="0" hangingPunct="1">
       <a:defRPr sz="1800" kern="1200">
         <a:solidFill>
           <a:schemeClr val="tx1"/>
@@ -63,7 +63,7 @@
         <a:cs typeface="+mn-cs"/>
       </a:defRPr>
     </a:lvl5pPr>
-    <a:lvl6pPr marL="2286000" algn="l" defTabSz="457200" rtl="0" eaLnBrk="1" latinLnBrk="0" hangingPunct="1">
+    <a:lvl6pPr marL="2286000" algn="l" defTabSz="914400" rtl="0" eaLnBrk="1" latinLnBrk="0" hangingPunct="1">
       <a:defRPr sz="1800" kern="1200">
         <a:solidFill>
           <a:schemeClr val="tx1"/>
@@ -73,7 +73,7 @@
         <a:cs typeface="+mn-cs"/>
       </a:defRPr>
     </a:lvl6pPr>
-    <a:lvl7pPr marL="2743200" algn="l" defTabSz="457200" rtl="0" eaLnBrk="1" latinLnBrk="0" hangingPunct="1">
+    <a:lvl7pPr marL="2743200" algn="l" defTabSz="914400" rtl="0" eaLnBrk="1" latinLnBrk="0" hangingPunct="1">
       <a:defRPr sz="1800" kern="1200">
         <a:solidFill>
           <a:schemeClr val="tx1"/>
@@ -83,7 +83,7 @@
         <a:cs typeface="+mn-cs"/>
       </a:defRPr>
     </a:lvl7pPr>
-    <a:lvl8pPr marL="3200400" algn="l" defTabSz="457200" rtl="0" eaLnBrk="1" latinLnBrk="0" hangingPunct="1">
+    <a:lvl8pPr marL="3200400" algn="l" defTabSz="914400" rtl="0" eaLnBrk="1" latinLnBrk="0" hangingPunct="1">
       <a:defRPr sz="1800" kern="1200">
         <a:solidFill>
           <a:schemeClr val="tx1"/>
@@ -93,7 +93,7 @@
         <a:cs typeface="+mn-cs"/>
       </a:defRPr>
     </a:lvl8pPr>
-    <a:lvl9pPr marL="3657600" algn="l" defTabSz="457200" rtl="0" eaLnBrk="1" latinLnBrk="0" hangingPunct="1">
+    <a:lvl9pPr marL="3657600" algn="l" defTabSz="914400" rtl="0" eaLnBrk="1" latinLnBrk="0" hangingPunct="1">
       <a:defRPr sz="1800" kern="1200">
         <a:solidFill>
           <a:schemeClr val="tx1"/>
@@ -106,18 +106,7 @@
   </p:defaultTextStyle>
   <p:extLst>
     <p:ext uri="{EFAFB233-063F-42B5-8137-9DF3F51BA10A}">
-      <p15:sldGuideLst xmlns:p15="http://schemas.microsoft.com/office/powerpoint/2012/main">
-        <p15:guide id="1" orient="horz" pos="2160">
-          <p15:clr>
-            <a:srgbClr val="A4A3A4"/>
-          </p15:clr>
-        </p15:guide>
-        <p15:guide id="2" pos="2880">
-          <p15:clr>
-            <a:srgbClr val="A4A3A4"/>
-          </p15:clr>
-        </p15:guide>
-      </p15:sldGuideLst>
+      <p15:sldGuideLst xmlns:p15="http://schemas.microsoft.com/office/powerpoint/2012/main"/>
     </p:ext>
   </p:extLst>
 </p:presentation>
@@ -125,7 +114,7 @@
 
 <file path=ppt/slideLayouts/slideLayout1.xml><?xml version="1.0" encoding="utf-8"?>
 <p:sldLayout xmlns:a="http://schemas.openxmlformats.org/drawingml/2006/main" xmlns:r="http://schemas.openxmlformats.org/officeDocument/2006/relationships" xmlns:p="http://schemas.openxmlformats.org/presentationml/2006/main" type="title" preserve="1">
-  <p:cSld name="Title Slide">
+  <p:cSld name="Slide de Título">
     <p:spTree>
       <p:nvGrpSpPr>
         <p:cNvPr id="1" name=""/>
@@ -142,7 +131,13 @@
       </p:grpSpPr>
       <p:sp>
         <p:nvSpPr>
-          <p:cNvPr id="2" name="Title 1"/>
+          <p:cNvPr id="2" name="Título 1">
+            <a:extLst>
+              <a:ext uri="{FF2B5EF4-FFF2-40B4-BE49-F238E27FC236}">
+                <a16:creationId xmlns:a16="http://schemas.microsoft.com/office/drawing/2014/main" id="{B663D9F5-F95F-B67D-B348-B469C4D757E7}"/>
+              </a:ext>
+            </a:extLst>
+          </p:cNvPr>
           <p:cNvSpPr>
             <a:spLocks noGrp="1"/>
           </p:cNvSpPr>
@@ -152,24 +147,34 @@
         </p:nvSpPr>
         <p:spPr>
           <a:xfrm>
-            <a:off x="685800" y="2130425"/>
-            <a:ext cx="7772400" cy="1470025"/>
+            <a:off x="1524000" y="1122363"/>
+            <a:ext cx="9144000" cy="2387600"/>
           </a:xfrm>
         </p:spPr>
         <p:txBody>
-          <a:bodyPr/>
-          <a:lstStyle/>
-          <a:p>
-            <a:r>
-              <a:rPr lang="en-US"/>
-              <a:t>Click to edit Master title style</a:t>
-            </a:r>
-          </a:p>
-        </p:txBody>
-      </p:sp>
-      <p:sp>
-        <p:nvSpPr>
-          <p:cNvPr id="3" name="Subtitle 2"/>
+          <a:bodyPr anchor="b"/>
+          <a:lstStyle>
+            <a:lvl1pPr algn="ctr">
+              <a:defRPr sz="6000"/>
+            </a:lvl1pPr>
+          </a:lstStyle>
+          <a:p>
+            <a:r>
+              <a:rPr lang="pt-BR"/>
+              <a:t>Clique para editar o título Mestre</a:t>
+            </a:r>
+          </a:p>
+        </p:txBody>
+      </p:sp>
+      <p:sp>
+        <p:nvSpPr>
+          <p:cNvPr id="3" name="Subtítulo 2">
+            <a:extLst>
+              <a:ext uri="{FF2B5EF4-FFF2-40B4-BE49-F238E27FC236}">
+                <a16:creationId xmlns:a16="http://schemas.microsoft.com/office/drawing/2014/main" id="{E48E4E82-637B-3999-A3C6-6F93ED9AF0E4}"/>
+              </a:ext>
+            </a:extLst>
+          </p:cNvPr>
           <p:cNvSpPr>
             <a:spLocks noGrp="1"/>
           </p:cNvSpPr>
@@ -179,8 +184,8 @@
         </p:nvSpPr>
         <p:spPr>
           <a:xfrm>
-            <a:off x="1371600" y="3886200"/>
-            <a:ext cx="6400800" cy="1752600"/>
+            <a:off x="1524000" y="3602038"/>
+            <a:ext cx="9144000" cy="1655762"/>
           </a:xfrm>
         </p:spPr>
         <p:txBody>
@@ -188,106 +193,58 @@
           <a:lstStyle>
             <a:lvl1pPr marL="0" indent="0" algn="ctr">
               <a:buNone/>
-              <a:defRPr>
-                <a:solidFill>
-                  <a:schemeClr val="tx1">
-                    <a:tint val="75000"/>
-                  </a:schemeClr>
-                </a:solidFill>
-              </a:defRPr>
+              <a:defRPr sz="2400"/>
             </a:lvl1pPr>
             <a:lvl2pPr marL="457200" indent="0" algn="ctr">
               <a:buNone/>
-              <a:defRPr>
-                <a:solidFill>
-                  <a:schemeClr val="tx1">
-                    <a:tint val="75000"/>
-                  </a:schemeClr>
-                </a:solidFill>
-              </a:defRPr>
+              <a:defRPr sz="2000"/>
             </a:lvl2pPr>
             <a:lvl3pPr marL="914400" indent="0" algn="ctr">
               <a:buNone/>
-              <a:defRPr>
-                <a:solidFill>
-                  <a:schemeClr val="tx1">
-                    <a:tint val="75000"/>
-                  </a:schemeClr>
-                </a:solidFill>
-              </a:defRPr>
+              <a:defRPr sz="1800"/>
             </a:lvl3pPr>
             <a:lvl4pPr marL="1371600" indent="0" algn="ctr">
               <a:buNone/>
-              <a:defRPr>
-                <a:solidFill>
-                  <a:schemeClr val="tx1">
-                    <a:tint val="75000"/>
-                  </a:schemeClr>
-                </a:solidFill>
-              </a:defRPr>
+              <a:defRPr sz="1600"/>
             </a:lvl4pPr>
             <a:lvl5pPr marL="1828800" indent="0" algn="ctr">
               <a:buNone/>
-              <a:defRPr>
-                <a:solidFill>
-                  <a:schemeClr val="tx1">
-                    <a:tint val="75000"/>
-                  </a:schemeClr>
-                </a:solidFill>
-              </a:defRPr>
+              <a:defRPr sz="1600"/>
             </a:lvl5pPr>
             <a:lvl6pPr marL="2286000" indent="0" algn="ctr">
               <a:buNone/>
-              <a:defRPr>
-                <a:solidFill>
-                  <a:schemeClr val="tx1">
-                    <a:tint val="75000"/>
-                  </a:schemeClr>
-                </a:solidFill>
-              </a:defRPr>
+              <a:defRPr sz="1600"/>
             </a:lvl6pPr>
             <a:lvl7pPr marL="2743200" indent="0" algn="ctr">
               <a:buNone/>
-              <a:defRPr>
-                <a:solidFill>
-                  <a:schemeClr val="tx1">
-                    <a:tint val="75000"/>
-                  </a:schemeClr>
-                </a:solidFill>
-              </a:defRPr>
+              <a:defRPr sz="1600"/>
             </a:lvl7pPr>
             <a:lvl8pPr marL="3200400" indent="0" algn="ctr">
               <a:buNone/>
-              <a:defRPr>
-                <a:solidFill>
-                  <a:schemeClr val="tx1">
-                    <a:tint val="75000"/>
-                  </a:schemeClr>
-                </a:solidFill>
-              </a:defRPr>
+              <a:defRPr sz="1600"/>
             </a:lvl8pPr>
             <a:lvl9pPr marL="3657600" indent="0" algn="ctr">
               <a:buNone/>
-              <a:defRPr>
-                <a:solidFill>
-                  <a:schemeClr val="tx1">
-                    <a:tint val="75000"/>
-                  </a:schemeClr>
-                </a:solidFill>
-              </a:defRPr>
+              <a:defRPr sz="1600"/>
             </a:lvl9pPr>
           </a:lstStyle>
           <a:p>
             <a:r>
-              <a:rPr lang="en-US"/>
-              <a:t>Click to edit Master subtitle style</a:t>
-            </a:r>
-          </a:p>
-        </p:txBody>
-      </p:sp>
-      <p:sp>
-        <p:nvSpPr>
-          <p:cNvPr id="4" name="Date Placeholder 3"/>
+              <a:rPr lang="pt-BR"/>
+              <a:t>Clique para editar o estilo do subtítulo Mestre</a:t>
+            </a:r>
+          </a:p>
+        </p:txBody>
+      </p:sp>
+      <p:sp>
+        <p:nvSpPr>
+          <p:cNvPr id="4" name="Espaço Reservado para Data 3">
+            <a:extLst>
+              <a:ext uri="{FF2B5EF4-FFF2-40B4-BE49-F238E27FC236}">
+                <a16:creationId xmlns:a16="http://schemas.microsoft.com/office/drawing/2014/main" id="{CDE20CAD-D2CA-F6A3-0BBF-69D7B5780D4B}"/>
+              </a:ext>
+            </a:extLst>
+          </p:cNvPr>
           <p:cNvSpPr>
             <a:spLocks noGrp="1"/>
           </p:cNvSpPr>
@@ -300,17 +257,23 @@
           <a:bodyPr/>
           <a:lstStyle/>
           <a:p>
-            <a:fld id="{5BCAD085-E8A6-8845-BD4E-CB4CCA059FC4}" type="datetimeFigureOut">
-              <a:rPr lang="en-US" smtClean="0"/>
-              <a:t>5/27/2025</a:t>
+            <a:fld id="{6B41E399-D0A3-4498-B3E0-9E6446FE780E}" type="datetimeFigureOut">
+              <a:rPr lang="pt-BR" smtClean="0"/>
+              <a:t>27/05/2025</a:t>
             </a:fld>
-            <a:endParaRPr lang="en-US"/>
-          </a:p>
-        </p:txBody>
-      </p:sp>
-      <p:sp>
-        <p:nvSpPr>
-          <p:cNvPr id="5" name="Footer Placeholder 4"/>
+            <a:endParaRPr lang="pt-BR"/>
+          </a:p>
+        </p:txBody>
+      </p:sp>
+      <p:sp>
+        <p:nvSpPr>
+          <p:cNvPr id="5" name="Espaço Reservado para Rodapé 4">
+            <a:extLst>
+              <a:ext uri="{FF2B5EF4-FFF2-40B4-BE49-F238E27FC236}">
+                <a16:creationId xmlns:a16="http://schemas.microsoft.com/office/drawing/2014/main" id="{89A92D96-E0F2-D96C-4C4B-5D17873969B5}"/>
+              </a:ext>
+            </a:extLst>
+          </p:cNvPr>
           <p:cNvSpPr>
             <a:spLocks noGrp="1"/>
           </p:cNvSpPr>
@@ -323,13 +286,19 @@
           <a:bodyPr/>
           <a:lstStyle/>
           <a:p>
-            <a:endParaRPr lang="en-US"/>
-          </a:p>
-        </p:txBody>
-      </p:sp>
-      <p:sp>
-        <p:nvSpPr>
-          <p:cNvPr id="6" name="Slide Number Placeholder 5"/>
+            <a:endParaRPr lang="pt-BR"/>
+          </a:p>
+        </p:txBody>
+      </p:sp>
+      <p:sp>
+        <p:nvSpPr>
+          <p:cNvPr id="6" name="Espaço Reservado para Número de Slide 5">
+            <a:extLst>
+              <a:ext uri="{FF2B5EF4-FFF2-40B4-BE49-F238E27FC236}">
+                <a16:creationId xmlns:a16="http://schemas.microsoft.com/office/drawing/2014/main" id="{42869A8B-C2BE-9F9E-A36A-B48653544E27}"/>
+              </a:ext>
+            </a:extLst>
+          </p:cNvPr>
           <p:cNvSpPr>
             <a:spLocks noGrp="1"/>
           </p:cNvSpPr>
@@ -342,18 +311,18 @@
           <a:bodyPr/>
           <a:lstStyle/>
           <a:p>
-            <a:fld id="{C1FF6DA9-008F-8B48-92A6-B652298478BF}" type="slidenum">
-              <a:rPr lang="en-US" smtClean="0"/>
+            <a:fld id="{70EFE1CA-2B32-4008-9B20-345CAE736A93}" type="slidenum">
+              <a:rPr lang="pt-BR" smtClean="0"/>
               <a:t>‹nº›</a:t>
             </a:fld>
-            <a:endParaRPr lang="en-US"/>
+            <a:endParaRPr lang="pt-BR"/>
           </a:p>
         </p:txBody>
       </p:sp>
     </p:spTree>
     <p:extLst>
       <p:ext uri="{BB962C8B-B14F-4D97-AF65-F5344CB8AC3E}">
-        <p14:creationId xmlns:p14="http://schemas.microsoft.com/office/powerpoint/2010/main" val="3168075583"/>
+        <p14:creationId xmlns:p14="http://schemas.microsoft.com/office/powerpoint/2010/main" val="3949342394"/>
       </p:ext>
     </p:extLst>
   </p:cSld>
@@ -365,7 +334,7 @@
 
 <file path=ppt/slideLayouts/slideLayout10.xml><?xml version="1.0" encoding="utf-8"?>
 <p:sldLayout xmlns:a="http://schemas.openxmlformats.org/drawingml/2006/main" xmlns:r="http://schemas.openxmlformats.org/officeDocument/2006/relationships" xmlns:p="http://schemas.openxmlformats.org/presentationml/2006/main" type="vertTx" preserve="1">
-  <p:cSld name="Title and Vertical Text">
+  <p:cSld name="Título e Texto Vertical">
     <p:spTree>
       <p:nvGrpSpPr>
         <p:cNvPr id="1" name=""/>
@@ -382,7 +351,13 @@
       </p:grpSpPr>
       <p:sp>
         <p:nvSpPr>
-          <p:cNvPr id="2" name="Title 1"/>
+          <p:cNvPr id="2" name="Título 1">
+            <a:extLst>
+              <a:ext uri="{FF2B5EF4-FFF2-40B4-BE49-F238E27FC236}">
+                <a16:creationId xmlns:a16="http://schemas.microsoft.com/office/drawing/2014/main" id="{67EA135E-4214-90A0-132A-F860898A2537}"/>
+              </a:ext>
+            </a:extLst>
+          </p:cNvPr>
           <p:cNvSpPr>
             <a:spLocks noGrp="1"/>
           </p:cNvSpPr>
@@ -396,15 +371,21 @@
           <a:lstStyle/>
           <a:p>
             <a:r>
-              <a:rPr lang="en-US"/>
-              <a:t>Click to edit Master title style</a:t>
-            </a:r>
-          </a:p>
-        </p:txBody>
-      </p:sp>
-      <p:sp>
-        <p:nvSpPr>
-          <p:cNvPr id="3" name="Vertical Text Placeholder 2"/>
+              <a:rPr lang="pt-BR"/>
+              <a:t>Clique para editar o título Mestre</a:t>
+            </a:r>
+          </a:p>
+        </p:txBody>
+      </p:sp>
+      <p:sp>
+        <p:nvSpPr>
+          <p:cNvPr id="3" name="Espaço Reservado para Texto Vertical 2">
+            <a:extLst>
+              <a:ext uri="{FF2B5EF4-FFF2-40B4-BE49-F238E27FC236}">
+                <a16:creationId xmlns:a16="http://schemas.microsoft.com/office/drawing/2014/main" id="{7A6F73DD-98AA-2F09-C8C6-F2C30EE571DE}"/>
+              </a:ext>
+            </a:extLst>
+          </p:cNvPr>
           <p:cNvSpPr>
             <a:spLocks noGrp="1"/>
           </p:cNvSpPr>
@@ -419,43 +400,49 @@
           <a:p>
             <a:pPr lvl="0"/>
             <a:r>
-              <a:rPr lang="en-US"/>
-              <a:t>Click to edit Master text styles</a:t>
+              <a:rPr lang="pt-BR"/>
+              <a:t>Clique para editar os estilos de texto Mestres</a:t>
             </a:r>
           </a:p>
           <a:p>
             <a:pPr lvl="1"/>
             <a:r>
-              <a:rPr lang="en-US"/>
-              <a:t>Second level</a:t>
+              <a:rPr lang="pt-BR"/>
+              <a:t>Segundo nível</a:t>
             </a:r>
           </a:p>
           <a:p>
             <a:pPr lvl="2"/>
             <a:r>
-              <a:rPr lang="en-US"/>
-              <a:t>Third level</a:t>
+              <a:rPr lang="pt-BR"/>
+              <a:t>Terceiro nível</a:t>
             </a:r>
           </a:p>
           <a:p>
             <a:pPr lvl="3"/>
             <a:r>
-              <a:rPr lang="en-US"/>
-              <a:t>Fourth level</a:t>
+              <a:rPr lang="pt-BR"/>
+              <a:t>Quarto nível</a:t>
             </a:r>
           </a:p>
           <a:p>
             <a:pPr lvl="4"/>
             <a:r>
-              <a:rPr lang="en-US"/>
-              <a:t>Fifth level</a:t>
-            </a:r>
-          </a:p>
-        </p:txBody>
-      </p:sp>
-      <p:sp>
-        <p:nvSpPr>
-          <p:cNvPr id="4" name="Date Placeholder 3"/>
+              <a:rPr lang="pt-BR"/>
+              <a:t>Quinto nível</a:t>
+            </a:r>
+          </a:p>
+        </p:txBody>
+      </p:sp>
+      <p:sp>
+        <p:nvSpPr>
+          <p:cNvPr id="4" name="Espaço Reservado para Data 3">
+            <a:extLst>
+              <a:ext uri="{FF2B5EF4-FFF2-40B4-BE49-F238E27FC236}">
+                <a16:creationId xmlns:a16="http://schemas.microsoft.com/office/drawing/2014/main" id="{B6A266AA-504D-8F72-7665-4C27CB539960}"/>
+              </a:ext>
+            </a:extLst>
+          </p:cNvPr>
           <p:cNvSpPr>
             <a:spLocks noGrp="1"/>
           </p:cNvSpPr>
@@ -468,17 +455,23 @@
           <a:bodyPr/>
           <a:lstStyle/>
           <a:p>
-            <a:fld id="{5BCAD085-E8A6-8845-BD4E-CB4CCA059FC4}" type="datetimeFigureOut">
-              <a:rPr lang="en-US" smtClean="0"/>
-              <a:t>5/27/2025</a:t>
+            <a:fld id="{6B41E399-D0A3-4498-B3E0-9E6446FE780E}" type="datetimeFigureOut">
+              <a:rPr lang="pt-BR" smtClean="0"/>
+              <a:t>27/05/2025</a:t>
             </a:fld>
-            <a:endParaRPr lang="en-US"/>
-          </a:p>
-        </p:txBody>
-      </p:sp>
-      <p:sp>
-        <p:nvSpPr>
-          <p:cNvPr id="5" name="Footer Placeholder 4"/>
+            <a:endParaRPr lang="pt-BR"/>
+          </a:p>
+        </p:txBody>
+      </p:sp>
+      <p:sp>
+        <p:nvSpPr>
+          <p:cNvPr id="5" name="Espaço Reservado para Rodapé 4">
+            <a:extLst>
+              <a:ext uri="{FF2B5EF4-FFF2-40B4-BE49-F238E27FC236}">
+                <a16:creationId xmlns:a16="http://schemas.microsoft.com/office/drawing/2014/main" id="{BD7BC784-79B9-84ED-BDB9-67A513FC7EBA}"/>
+              </a:ext>
+            </a:extLst>
+          </p:cNvPr>
           <p:cNvSpPr>
             <a:spLocks noGrp="1"/>
           </p:cNvSpPr>
@@ -491,13 +484,19 @@
           <a:bodyPr/>
           <a:lstStyle/>
           <a:p>
-            <a:endParaRPr lang="en-US"/>
-          </a:p>
-        </p:txBody>
-      </p:sp>
-      <p:sp>
-        <p:nvSpPr>
-          <p:cNvPr id="6" name="Slide Number Placeholder 5"/>
+            <a:endParaRPr lang="pt-BR"/>
+          </a:p>
+        </p:txBody>
+      </p:sp>
+      <p:sp>
+        <p:nvSpPr>
+          <p:cNvPr id="6" name="Espaço Reservado para Número de Slide 5">
+            <a:extLst>
+              <a:ext uri="{FF2B5EF4-FFF2-40B4-BE49-F238E27FC236}">
+                <a16:creationId xmlns:a16="http://schemas.microsoft.com/office/drawing/2014/main" id="{2AE58BA7-FE27-8AA4-EFD3-9525F292A4E6}"/>
+              </a:ext>
+            </a:extLst>
+          </p:cNvPr>
           <p:cNvSpPr>
             <a:spLocks noGrp="1"/>
           </p:cNvSpPr>
@@ -510,18 +509,18 @@
           <a:bodyPr/>
           <a:lstStyle/>
           <a:p>
-            <a:fld id="{C1FF6DA9-008F-8B48-92A6-B652298478BF}" type="slidenum">
-              <a:rPr lang="en-US" smtClean="0"/>
+            <a:fld id="{70EFE1CA-2B32-4008-9B20-345CAE736A93}" type="slidenum">
+              <a:rPr lang="pt-BR" smtClean="0"/>
               <a:t>‹nº›</a:t>
             </a:fld>
-            <a:endParaRPr lang="en-US"/>
+            <a:endParaRPr lang="pt-BR"/>
           </a:p>
         </p:txBody>
       </p:sp>
     </p:spTree>
     <p:extLst>
       <p:ext uri="{BB962C8B-B14F-4D97-AF65-F5344CB8AC3E}">
-        <p14:creationId xmlns:p14="http://schemas.microsoft.com/office/powerpoint/2010/main" val="2910927964"/>
+        <p14:creationId xmlns:p14="http://schemas.microsoft.com/office/powerpoint/2010/main" val="529375771"/>
       </p:ext>
     </p:extLst>
   </p:cSld>
@@ -533,7 +532,7 @@
 
 <file path=ppt/slideLayouts/slideLayout11.xml><?xml version="1.0" encoding="utf-8"?>
 <p:sldLayout xmlns:a="http://schemas.openxmlformats.org/drawingml/2006/main" xmlns:r="http://schemas.openxmlformats.org/officeDocument/2006/relationships" xmlns:p="http://schemas.openxmlformats.org/presentationml/2006/main" type="vertTitleAndTx" preserve="1">
-  <p:cSld name="Vertical Title and Text">
+  <p:cSld name="Texto e Título Vertical">
     <p:spTree>
       <p:nvGrpSpPr>
         <p:cNvPr id="1" name=""/>
@@ -550,7 +549,13 @@
       </p:grpSpPr>
       <p:sp>
         <p:nvSpPr>
-          <p:cNvPr id="2" name="Vertical Title 1"/>
+          <p:cNvPr id="2" name="Título Vertical 1">
+            <a:extLst>
+              <a:ext uri="{FF2B5EF4-FFF2-40B4-BE49-F238E27FC236}">
+                <a16:creationId xmlns:a16="http://schemas.microsoft.com/office/drawing/2014/main" id="{DA33CEDA-2793-4D5E-FF05-B8DB97EAA86A}"/>
+              </a:ext>
+            </a:extLst>
+          </p:cNvPr>
           <p:cNvSpPr>
             <a:spLocks noGrp="1"/>
           </p:cNvSpPr>
@@ -560,8 +565,8 @@
         </p:nvSpPr>
         <p:spPr>
           <a:xfrm>
-            <a:off x="6629400" y="274638"/>
-            <a:ext cx="2057400" cy="5851525"/>
+            <a:off x="8724900" y="365125"/>
+            <a:ext cx="2628900" cy="5811838"/>
           </a:xfrm>
         </p:spPr>
         <p:txBody>
@@ -569,15 +574,21 @@
           <a:lstStyle/>
           <a:p>
             <a:r>
-              <a:rPr lang="en-US"/>
-              <a:t>Click to edit Master title style</a:t>
-            </a:r>
-          </a:p>
-        </p:txBody>
-      </p:sp>
-      <p:sp>
-        <p:nvSpPr>
-          <p:cNvPr id="3" name="Vertical Text Placeholder 2"/>
+              <a:rPr lang="pt-BR"/>
+              <a:t>Clique para editar o título Mestre</a:t>
+            </a:r>
+          </a:p>
+        </p:txBody>
+      </p:sp>
+      <p:sp>
+        <p:nvSpPr>
+          <p:cNvPr id="3" name="Espaço Reservado para Texto Vertical 2">
+            <a:extLst>
+              <a:ext uri="{FF2B5EF4-FFF2-40B4-BE49-F238E27FC236}">
+                <a16:creationId xmlns:a16="http://schemas.microsoft.com/office/drawing/2014/main" id="{9C38D357-14A9-8C21-E194-8ECF27B7E0D6}"/>
+              </a:ext>
+            </a:extLst>
+          </p:cNvPr>
           <p:cNvSpPr>
             <a:spLocks noGrp="1"/>
           </p:cNvSpPr>
@@ -587,8 +598,8 @@
         </p:nvSpPr>
         <p:spPr>
           <a:xfrm>
-            <a:off x="457200" y="274638"/>
-            <a:ext cx="6019800" cy="5851525"/>
+            <a:off x="838200" y="365125"/>
+            <a:ext cx="7734300" cy="5811838"/>
           </a:xfrm>
         </p:spPr>
         <p:txBody>
@@ -597,43 +608,49 @@
           <a:p>
             <a:pPr lvl="0"/>
             <a:r>
-              <a:rPr lang="en-US"/>
-              <a:t>Click to edit Master text styles</a:t>
+              <a:rPr lang="pt-BR"/>
+              <a:t>Clique para editar os estilos de texto Mestres</a:t>
             </a:r>
           </a:p>
           <a:p>
             <a:pPr lvl="1"/>
             <a:r>
-              <a:rPr lang="en-US"/>
-              <a:t>Second level</a:t>
+              <a:rPr lang="pt-BR"/>
+              <a:t>Segundo nível</a:t>
             </a:r>
           </a:p>
           <a:p>
             <a:pPr lvl="2"/>
             <a:r>
-              <a:rPr lang="en-US"/>
-              <a:t>Third level</a:t>
+              <a:rPr lang="pt-BR"/>
+              <a:t>Terceiro nível</a:t>
             </a:r>
           </a:p>
           <a:p>
             <a:pPr lvl="3"/>
             <a:r>
-              <a:rPr lang="en-US"/>
-              <a:t>Fourth level</a:t>
+              <a:rPr lang="pt-BR"/>
+              <a:t>Quarto nível</a:t>
             </a:r>
           </a:p>
           <a:p>
             <a:pPr lvl="4"/>
             <a:r>
-              <a:rPr lang="en-US"/>
-              <a:t>Fifth level</a:t>
-            </a:r>
-          </a:p>
-        </p:txBody>
-      </p:sp>
-      <p:sp>
-        <p:nvSpPr>
-          <p:cNvPr id="4" name="Date Placeholder 3"/>
+              <a:rPr lang="pt-BR"/>
+              <a:t>Quinto nível</a:t>
+            </a:r>
+          </a:p>
+        </p:txBody>
+      </p:sp>
+      <p:sp>
+        <p:nvSpPr>
+          <p:cNvPr id="4" name="Espaço Reservado para Data 3">
+            <a:extLst>
+              <a:ext uri="{FF2B5EF4-FFF2-40B4-BE49-F238E27FC236}">
+                <a16:creationId xmlns:a16="http://schemas.microsoft.com/office/drawing/2014/main" id="{8BF6C41D-A8B8-06D5-E999-0196A74B43B5}"/>
+              </a:ext>
+            </a:extLst>
+          </p:cNvPr>
           <p:cNvSpPr>
             <a:spLocks noGrp="1"/>
           </p:cNvSpPr>
@@ -646,17 +663,23 @@
           <a:bodyPr/>
           <a:lstStyle/>
           <a:p>
-            <a:fld id="{5BCAD085-E8A6-8845-BD4E-CB4CCA059FC4}" type="datetimeFigureOut">
-              <a:rPr lang="en-US" smtClean="0"/>
-              <a:t>5/27/2025</a:t>
+            <a:fld id="{6B41E399-D0A3-4498-B3E0-9E6446FE780E}" type="datetimeFigureOut">
+              <a:rPr lang="pt-BR" smtClean="0"/>
+              <a:t>27/05/2025</a:t>
             </a:fld>
-            <a:endParaRPr lang="en-US"/>
-          </a:p>
-        </p:txBody>
-      </p:sp>
-      <p:sp>
-        <p:nvSpPr>
-          <p:cNvPr id="5" name="Footer Placeholder 4"/>
+            <a:endParaRPr lang="pt-BR"/>
+          </a:p>
+        </p:txBody>
+      </p:sp>
+      <p:sp>
+        <p:nvSpPr>
+          <p:cNvPr id="5" name="Espaço Reservado para Rodapé 4">
+            <a:extLst>
+              <a:ext uri="{FF2B5EF4-FFF2-40B4-BE49-F238E27FC236}">
+                <a16:creationId xmlns:a16="http://schemas.microsoft.com/office/drawing/2014/main" id="{D90A4132-3492-FF81-0D23-6497AA808FAD}"/>
+              </a:ext>
+            </a:extLst>
+          </p:cNvPr>
           <p:cNvSpPr>
             <a:spLocks noGrp="1"/>
           </p:cNvSpPr>
@@ -669,13 +692,19 @@
           <a:bodyPr/>
           <a:lstStyle/>
           <a:p>
-            <a:endParaRPr lang="en-US"/>
-          </a:p>
-        </p:txBody>
-      </p:sp>
-      <p:sp>
-        <p:nvSpPr>
-          <p:cNvPr id="6" name="Slide Number Placeholder 5"/>
+            <a:endParaRPr lang="pt-BR"/>
+          </a:p>
+        </p:txBody>
+      </p:sp>
+      <p:sp>
+        <p:nvSpPr>
+          <p:cNvPr id="6" name="Espaço Reservado para Número de Slide 5">
+            <a:extLst>
+              <a:ext uri="{FF2B5EF4-FFF2-40B4-BE49-F238E27FC236}">
+                <a16:creationId xmlns:a16="http://schemas.microsoft.com/office/drawing/2014/main" id="{4157C0B7-6878-4608-ABB4-7BFC589A9ACB}"/>
+              </a:ext>
+            </a:extLst>
+          </p:cNvPr>
           <p:cNvSpPr>
             <a:spLocks noGrp="1"/>
           </p:cNvSpPr>
@@ -688,18 +717,18 @@
           <a:bodyPr/>
           <a:lstStyle/>
           <a:p>
-            <a:fld id="{C1FF6DA9-008F-8B48-92A6-B652298478BF}" type="slidenum">
-              <a:rPr lang="en-US" smtClean="0"/>
+            <a:fld id="{70EFE1CA-2B32-4008-9B20-345CAE736A93}" type="slidenum">
+              <a:rPr lang="pt-BR" smtClean="0"/>
               <a:t>‹nº›</a:t>
             </a:fld>
-            <a:endParaRPr lang="en-US"/>
+            <a:endParaRPr lang="pt-BR"/>
           </a:p>
         </p:txBody>
       </p:sp>
     </p:spTree>
     <p:extLst>
       <p:ext uri="{BB962C8B-B14F-4D97-AF65-F5344CB8AC3E}">
-        <p14:creationId xmlns:p14="http://schemas.microsoft.com/office/powerpoint/2010/main" val="3612223792"/>
+        <p14:creationId xmlns:p14="http://schemas.microsoft.com/office/powerpoint/2010/main" val="3407799217"/>
       </p:ext>
     </p:extLst>
   </p:cSld>
@@ -711,7 +740,7 @@
 
 <file path=ppt/slideLayouts/slideLayout2.xml><?xml version="1.0" encoding="utf-8"?>
 <p:sldLayout xmlns:a="http://schemas.openxmlformats.org/drawingml/2006/main" xmlns:r="http://schemas.openxmlformats.org/officeDocument/2006/relationships" xmlns:p="http://schemas.openxmlformats.org/presentationml/2006/main" type="obj" preserve="1">
-  <p:cSld name="Title and Content">
+  <p:cSld name="Título e Conteúdo">
     <p:spTree>
       <p:nvGrpSpPr>
         <p:cNvPr id="1" name=""/>
@@ -728,7 +757,13 @@
       </p:grpSpPr>
       <p:sp>
         <p:nvSpPr>
-          <p:cNvPr id="2" name="Title 1"/>
+          <p:cNvPr id="2" name="Título 1">
+            <a:extLst>
+              <a:ext uri="{FF2B5EF4-FFF2-40B4-BE49-F238E27FC236}">
+                <a16:creationId xmlns:a16="http://schemas.microsoft.com/office/drawing/2014/main" id="{7E4E09C8-4B5A-B162-933C-C6526D61750C}"/>
+              </a:ext>
+            </a:extLst>
+          </p:cNvPr>
           <p:cNvSpPr>
             <a:spLocks noGrp="1"/>
           </p:cNvSpPr>
@@ -742,15 +777,21 @@
           <a:lstStyle/>
           <a:p>
             <a:r>
-              <a:rPr lang="en-US"/>
-              <a:t>Click to edit Master title style</a:t>
-            </a:r>
-          </a:p>
-        </p:txBody>
-      </p:sp>
-      <p:sp>
-        <p:nvSpPr>
-          <p:cNvPr id="3" name="Content Placeholder 2"/>
+              <a:rPr lang="pt-BR"/>
+              <a:t>Clique para editar o título Mestre</a:t>
+            </a:r>
+          </a:p>
+        </p:txBody>
+      </p:sp>
+      <p:sp>
+        <p:nvSpPr>
+          <p:cNvPr id="3" name="Espaço Reservado para Conteúdo 2">
+            <a:extLst>
+              <a:ext uri="{FF2B5EF4-FFF2-40B4-BE49-F238E27FC236}">
+                <a16:creationId xmlns:a16="http://schemas.microsoft.com/office/drawing/2014/main" id="{C3C05D27-A1D8-976E-2DD9-C7762F3A5C86}"/>
+              </a:ext>
+            </a:extLst>
+          </p:cNvPr>
           <p:cNvSpPr>
             <a:spLocks noGrp="1"/>
           </p:cNvSpPr>
@@ -765,43 +806,49 @@
           <a:p>
             <a:pPr lvl="0"/>
             <a:r>
-              <a:rPr lang="en-US"/>
-              <a:t>Click to edit Master text styles</a:t>
+              <a:rPr lang="pt-BR"/>
+              <a:t>Clique para editar os estilos de texto Mestres</a:t>
             </a:r>
           </a:p>
           <a:p>
             <a:pPr lvl="1"/>
             <a:r>
-              <a:rPr lang="en-US"/>
-              <a:t>Second level</a:t>
+              <a:rPr lang="pt-BR"/>
+              <a:t>Segundo nível</a:t>
             </a:r>
           </a:p>
           <a:p>
             <a:pPr lvl="2"/>
             <a:r>
-              <a:rPr lang="en-US"/>
-              <a:t>Third level</a:t>
+              <a:rPr lang="pt-BR"/>
+              <a:t>Terceiro nível</a:t>
             </a:r>
           </a:p>
           <a:p>
             <a:pPr lvl="3"/>
             <a:r>
-              <a:rPr lang="en-US"/>
-              <a:t>Fourth level</a:t>
+              <a:rPr lang="pt-BR"/>
+              <a:t>Quarto nível</a:t>
             </a:r>
           </a:p>
           <a:p>
             <a:pPr lvl="4"/>
             <a:r>
-              <a:rPr lang="en-US"/>
-              <a:t>Fifth level</a:t>
-            </a:r>
-          </a:p>
-        </p:txBody>
-      </p:sp>
-      <p:sp>
-        <p:nvSpPr>
-          <p:cNvPr id="4" name="Date Placeholder 3"/>
+              <a:rPr lang="pt-BR"/>
+              <a:t>Quinto nível</a:t>
+            </a:r>
+          </a:p>
+        </p:txBody>
+      </p:sp>
+      <p:sp>
+        <p:nvSpPr>
+          <p:cNvPr id="4" name="Espaço Reservado para Data 3">
+            <a:extLst>
+              <a:ext uri="{FF2B5EF4-FFF2-40B4-BE49-F238E27FC236}">
+                <a16:creationId xmlns:a16="http://schemas.microsoft.com/office/drawing/2014/main" id="{13C34815-B6D7-8AE6-25B0-4055E475BC69}"/>
+              </a:ext>
+            </a:extLst>
+          </p:cNvPr>
           <p:cNvSpPr>
             <a:spLocks noGrp="1"/>
           </p:cNvSpPr>
@@ -814,17 +861,23 @@
           <a:bodyPr/>
           <a:lstStyle/>
           <a:p>
-            <a:fld id="{5BCAD085-E8A6-8845-BD4E-CB4CCA059FC4}" type="datetimeFigureOut">
-              <a:rPr lang="en-US" smtClean="0"/>
-              <a:t>5/27/2025</a:t>
+            <a:fld id="{6B41E399-D0A3-4498-B3E0-9E6446FE780E}" type="datetimeFigureOut">
+              <a:rPr lang="pt-BR" smtClean="0"/>
+              <a:t>27/05/2025</a:t>
             </a:fld>
-            <a:endParaRPr lang="en-US"/>
-          </a:p>
-        </p:txBody>
-      </p:sp>
-      <p:sp>
-        <p:nvSpPr>
-          <p:cNvPr id="5" name="Footer Placeholder 4"/>
+            <a:endParaRPr lang="pt-BR"/>
+          </a:p>
+        </p:txBody>
+      </p:sp>
+      <p:sp>
+        <p:nvSpPr>
+          <p:cNvPr id="5" name="Espaço Reservado para Rodapé 4">
+            <a:extLst>
+              <a:ext uri="{FF2B5EF4-FFF2-40B4-BE49-F238E27FC236}">
+                <a16:creationId xmlns:a16="http://schemas.microsoft.com/office/drawing/2014/main" id="{A665D473-C89E-DD84-BFCF-85750EB9B26E}"/>
+              </a:ext>
+            </a:extLst>
+          </p:cNvPr>
           <p:cNvSpPr>
             <a:spLocks noGrp="1"/>
           </p:cNvSpPr>
@@ -837,13 +890,19 @@
           <a:bodyPr/>
           <a:lstStyle/>
           <a:p>
-            <a:endParaRPr lang="en-US"/>
-          </a:p>
-        </p:txBody>
-      </p:sp>
-      <p:sp>
-        <p:nvSpPr>
-          <p:cNvPr id="6" name="Slide Number Placeholder 5"/>
+            <a:endParaRPr lang="pt-BR"/>
+          </a:p>
+        </p:txBody>
+      </p:sp>
+      <p:sp>
+        <p:nvSpPr>
+          <p:cNvPr id="6" name="Espaço Reservado para Número de Slide 5">
+            <a:extLst>
+              <a:ext uri="{FF2B5EF4-FFF2-40B4-BE49-F238E27FC236}">
+                <a16:creationId xmlns:a16="http://schemas.microsoft.com/office/drawing/2014/main" id="{65E35024-A765-531B-A758-5876405972A7}"/>
+              </a:ext>
+            </a:extLst>
+          </p:cNvPr>
           <p:cNvSpPr>
             <a:spLocks noGrp="1"/>
           </p:cNvSpPr>
@@ -856,18 +915,18 @@
           <a:bodyPr/>
           <a:lstStyle/>
           <a:p>
-            <a:fld id="{C1FF6DA9-008F-8B48-92A6-B652298478BF}" type="slidenum">
-              <a:rPr lang="en-US" smtClean="0"/>
+            <a:fld id="{70EFE1CA-2B32-4008-9B20-345CAE736A93}" type="slidenum">
+              <a:rPr lang="pt-BR" smtClean="0"/>
               <a:t>‹nº›</a:t>
             </a:fld>
-            <a:endParaRPr lang="en-US"/>
+            <a:endParaRPr lang="pt-BR"/>
           </a:p>
         </p:txBody>
       </p:sp>
     </p:spTree>
     <p:extLst>
       <p:ext uri="{BB962C8B-B14F-4D97-AF65-F5344CB8AC3E}">
-        <p14:creationId xmlns:p14="http://schemas.microsoft.com/office/powerpoint/2010/main" val="2614314258"/>
+        <p14:creationId xmlns:p14="http://schemas.microsoft.com/office/powerpoint/2010/main" val="1649796389"/>
       </p:ext>
     </p:extLst>
   </p:cSld>
@@ -879,7 +938,7 @@
 
 <file path=ppt/slideLayouts/slideLayout3.xml><?xml version="1.0" encoding="utf-8"?>
 <p:sldLayout xmlns:a="http://schemas.openxmlformats.org/drawingml/2006/main" xmlns:r="http://schemas.openxmlformats.org/officeDocument/2006/relationships" xmlns:p="http://schemas.openxmlformats.org/presentationml/2006/main" type="secHead" preserve="1">
-  <p:cSld name="Section Header">
+  <p:cSld name="Cabeçalho da Seção">
     <p:spTree>
       <p:nvGrpSpPr>
         <p:cNvPr id="1" name=""/>
@@ -896,7 +955,13 @@
       </p:grpSpPr>
       <p:sp>
         <p:nvSpPr>
-          <p:cNvPr id="2" name="Title 1"/>
+          <p:cNvPr id="2" name="Título 1">
+            <a:extLst>
+              <a:ext uri="{FF2B5EF4-FFF2-40B4-BE49-F238E27FC236}">
+                <a16:creationId xmlns:a16="http://schemas.microsoft.com/office/drawing/2014/main" id="{A6C86F17-25A0-2838-7184-EB41FCFDF91D}"/>
+              </a:ext>
+            </a:extLst>
+          </p:cNvPr>
           <p:cNvSpPr>
             <a:spLocks noGrp="1"/>
           </p:cNvSpPr>
@@ -906,28 +971,34 @@
         </p:nvSpPr>
         <p:spPr>
           <a:xfrm>
-            <a:off x="722313" y="4406900"/>
-            <a:ext cx="7772400" cy="1362075"/>
+            <a:off x="831850" y="1709738"/>
+            <a:ext cx="10515600" cy="2852737"/>
           </a:xfrm>
         </p:spPr>
         <p:txBody>
-          <a:bodyPr anchor="t"/>
+          <a:bodyPr anchor="b"/>
           <a:lstStyle>
-            <a:lvl1pPr algn="l">
-              <a:defRPr sz="4000" b="1" cap="all"/>
+            <a:lvl1pPr>
+              <a:defRPr sz="6000"/>
             </a:lvl1pPr>
           </a:lstStyle>
           <a:p>
             <a:r>
-              <a:rPr lang="en-US"/>
-              <a:t>Click to edit Master title style</a:t>
-            </a:r>
-          </a:p>
-        </p:txBody>
-      </p:sp>
-      <p:sp>
-        <p:nvSpPr>
-          <p:cNvPr id="3" name="Text Placeholder 2"/>
+              <a:rPr lang="pt-BR"/>
+              <a:t>Clique para editar o título Mestre</a:t>
+            </a:r>
+          </a:p>
+        </p:txBody>
+      </p:sp>
+      <p:sp>
+        <p:nvSpPr>
+          <p:cNvPr id="3" name="Espaço Reservado para Texto 2">
+            <a:extLst>
+              <a:ext uri="{FF2B5EF4-FFF2-40B4-BE49-F238E27FC236}">
+                <a16:creationId xmlns:a16="http://schemas.microsoft.com/office/drawing/2014/main" id="{0F447342-13CA-03A5-40ED-A613DC20B1F3}"/>
+              </a:ext>
+            </a:extLst>
+          </p:cNvPr>
           <p:cNvSpPr>
             <a:spLocks noGrp="1"/>
           </p:cNvSpPr>
@@ -937,99 +1008,99 @@
         </p:nvSpPr>
         <p:spPr>
           <a:xfrm>
-            <a:off x="722313" y="2906713"/>
-            <a:ext cx="7772400" cy="1500187"/>
+            <a:off x="831850" y="4589463"/>
+            <a:ext cx="10515600" cy="1500187"/>
           </a:xfrm>
         </p:spPr>
         <p:txBody>
-          <a:bodyPr anchor="b"/>
+          <a:bodyPr/>
           <a:lstStyle>
             <a:lvl1pPr marL="0" indent="0">
               <a:buNone/>
-              <a:defRPr sz="2000">
-                <a:solidFill>
-                  <a:schemeClr val="tx1">
-                    <a:tint val="75000"/>
+              <a:defRPr sz="2400">
+                <a:solidFill>
+                  <a:schemeClr val="tx1">
+                    <a:tint val="82000"/>
                   </a:schemeClr>
                 </a:solidFill>
               </a:defRPr>
             </a:lvl1pPr>
             <a:lvl2pPr marL="457200" indent="0">
               <a:buNone/>
-              <a:defRPr sz="1800">
-                <a:solidFill>
-                  <a:schemeClr val="tx1">
-                    <a:tint val="75000"/>
+              <a:defRPr sz="2000">
+                <a:solidFill>
+                  <a:schemeClr val="tx1">
+                    <a:tint val="82000"/>
                   </a:schemeClr>
                 </a:solidFill>
               </a:defRPr>
             </a:lvl2pPr>
             <a:lvl3pPr marL="914400" indent="0">
               <a:buNone/>
-              <a:defRPr sz="1600">
-                <a:solidFill>
-                  <a:schemeClr val="tx1">
-                    <a:tint val="75000"/>
+              <a:defRPr sz="1800">
+                <a:solidFill>
+                  <a:schemeClr val="tx1">
+                    <a:tint val="82000"/>
                   </a:schemeClr>
                 </a:solidFill>
               </a:defRPr>
             </a:lvl3pPr>
             <a:lvl4pPr marL="1371600" indent="0">
               <a:buNone/>
-              <a:defRPr sz="1400">
-                <a:solidFill>
-                  <a:schemeClr val="tx1">
-                    <a:tint val="75000"/>
+              <a:defRPr sz="1600">
+                <a:solidFill>
+                  <a:schemeClr val="tx1">
+                    <a:tint val="82000"/>
                   </a:schemeClr>
                 </a:solidFill>
               </a:defRPr>
             </a:lvl4pPr>
             <a:lvl5pPr marL="1828800" indent="0">
               <a:buNone/>
-              <a:defRPr sz="1400">
-                <a:solidFill>
-                  <a:schemeClr val="tx1">
-                    <a:tint val="75000"/>
+              <a:defRPr sz="1600">
+                <a:solidFill>
+                  <a:schemeClr val="tx1">
+                    <a:tint val="82000"/>
                   </a:schemeClr>
                 </a:solidFill>
               </a:defRPr>
             </a:lvl5pPr>
             <a:lvl6pPr marL="2286000" indent="0">
               <a:buNone/>
-              <a:defRPr sz="1400">
-                <a:solidFill>
-                  <a:schemeClr val="tx1">
-                    <a:tint val="75000"/>
+              <a:defRPr sz="1600">
+                <a:solidFill>
+                  <a:schemeClr val="tx1">
+                    <a:tint val="82000"/>
                   </a:schemeClr>
                 </a:solidFill>
               </a:defRPr>
             </a:lvl6pPr>
             <a:lvl7pPr marL="2743200" indent="0">
               <a:buNone/>
-              <a:defRPr sz="1400">
-                <a:solidFill>
-                  <a:schemeClr val="tx1">
-                    <a:tint val="75000"/>
+              <a:defRPr sz="1600">
+                <a:solidFill>
+                  <a:schemeClr val="tx1">
+                    <a:tint val="82000"/>
                   </a:schemeClr>
                 </a:solidFill>
               </a:defRPr>
             </a:lvl7pPr>
             <a:lvl8pPr marL="3200400" indent="0">
               <a:buNone/>
-              <a:defRPr sz="1400">
-                <a:solidFill>
-                  <a:schemeClr val="tx1">
-                    <a:tint val="75000"/>
+              <a:defRPr sz="1600">
+                <a:solidFill>
+                  <a:schemeClr val="tx1">
+                    <a:tint val="82000"/>
                   </a:schemeClr>
                 </a:solidFill>
               </a:defRPr>
             </a:lvl8pPr>
             <a:lvl9pPr marL="3657600" indent="0">
               <a:buNone/>
-              <a:defRPr sz="1400">
-                <a:solidFill>
-                  <a:schemeClr val="tx1">
-                    <a:tint val="75000"/>
+              <a:defRPr sz="1600">
+                <a:solidFill>
+                  <a:schemeClr val="tx1">
+                    <a:tint val="82000"/>
                   </a:schemeClr>
                 </a:solidFill>
               </a:defRPr>
@@ -1038,15 +1109,21 @@
           <a:p>
             <a:pPr lvl="0"/>
             <a:r>
-              <a:rPr lang="en-US"/>
-              <a:t>Click to edit Master text styles</a:t>
-            </a:r>
-          </a:p>
-        </p:txBody>
-      </p:sp>
-      <p:sp>
-        <p:nvSpPr>
-          <p:cNvPr id="4" name="Date Placeholder 3"/>
+              <a:rPr lang="pt-BR"/>
+              <a:t>Clique para editar os estilos de texto Mestres</a:t>
+            </a:r>
+          </a:p>
+        </p:txBody>
+      </p:sp>
+      <p:sp>
+        <p:nvSpPr>
+          <p:cNvPr id="4" name="Espaço Reservado para Data 3">
+            <a:extLst>
+              <a:ext uri="{FF2B5EF4-FFF2-40B4-BE49-F238E27FC236}">
+                <a16:creationId xmlns:a16="http://schemas.microsoft.com/office/drawing/2014/main" id="{B0DC48C3-3785-E1AD-CB03-2CA2389E86B5}"/>
+              </a:ext>
+            </a:extLst>
+          </p:cNvPr>
           <p:cNvSpPr>
             <a:spLocks noGrp="1"/>
           </p:cNvSpPr>
@@ -1059,17 +1136,23 @@
           <a:bodyPr/>
           <a:lstStyle/>
           <a:p>
-            <a:fld id="{5BCAD085-E8A6-8845-BD4E-CB4CCA059FC4}" type="datetimeFigureOut">
-              <a:rPr lang="en-US" smtClean="0"/>
-              <a:t>5/27/2025</a:t>
+            <a:fld id="{6B41E399-D0A3-4498-B3E0-9E6446FE780E}" type="datetimeFigureOut">
+              <a:rPr lang="pt-BR" smtClean="0"/>
+              <a:t>27/05/2025</a:t>
             </a:fld>
-            <a:endParaRPr lang="en-US"/>
-          </a:p>
-        </p:txBody>
-      </p:sp>
-      <p:sp>
-        <p:nvSpPr>
-          <p:cNvPr id="5" name="Footer Placeholder 4"/>
+            <a:endParaRPr lang="pt-BR"/>
+          </a:p>
+        </p:txBody>
+      </p:sp>
+      <p:sp>
+        <p:nvSpPr>
+          <p:cNvPr id="5" name="Espaço Reservado para Rodapé 4">
+            <a:extLst>
+              <a:ext uri="{FF2B5EF4-FFF2-40B4-BE49-F238E27FC236}">
+                <a16:creationId xmlns:a16="http://schemas.microsoft.com/office/drawing/2014/main" id="{C40DA63B-488D-7173-EC16-83A0A0FE8D4B}"/>
+              </a:ext>
+            </a:extLst>
+          </p:cNvPr>
           <p:cNvSpPr>
             <a:spLocks noGrp="1"/>
           </p:cNvSpPr>
@@ -1082,13 +1165,19 @@
           <a:bodyPr/>
           <a:lstStyle/>
           <a:p>
-            <a:endParaRPr lang="en-US"/>
-          </a:p>
-        </p:txBody>
-      </p:sp>
-      <p:sp>
-        <p:nvSpPr>
-          <p:cNvPr id="6" name="Slide Number Placeholder 5"/>
+            <a:endParaRPr lang="pt-BR"/>
+          </a:p>
+        </p:txBody>
+      </p:sp>
+      <p:sp>
+        <p:nvSpPr>
+          <p:cNvPr id="6" name="Espaço Reservado para Número de Slide 5">
+            <a:extLst>
+              <a:ext uri="{FF2B5EF4-FFF2-40B4-BE49-F238E27FC236}">
+                <a16:creationId xmlns:a16="http://schemas.microsoft.com/office/drawing/2014/main" id="{163FDD74-1409-948D-6BA5-C458694C7573}"/>
+              </a:ext>
+            </a:extLst>
+          </p:cNvPr>
           <p:cNvSpPr>
             <a:spLocks noGrp="1"/>
           </p:cNvSpPr>
@@ -1101,18 +1190,18 @@
           <a:bodyPr/>
           <a:lstStyle/>
           <a:p>
-            <a:fld id="{C1FF6DA9-008F-8B48-92A6-B652298478BF}" type="slidenum">
-              <a:rPr lang="en-US" smtClean="0"/>
+            <a:fld id="{70EFE1CA-2B32-4008-9B20-345CAE736A93}" type="slidenum">
+              <a:rPr lang="pt-BR" smtClean="0"/>
               <a:t>‹nº›</a:t>
             </a:fld>
-            <a:endParaRPr lang="en-US"/>
+            <a:endParaRPr lang="pt-BR"/>
           </a:p>
         </p:txBody>
       </p:sp>
     </p:spTree>
     <p:extLst>
       <p:ext uri="{BB962C8B-B14F-4D97-AF65-F5344CB8AC3E}">
-        <p14:creationId xmlns:p14="http://schemas.microsoft.com/office/powerpoint/2010/main" val="960648375"/>
+        <p14:creationId xmlns:p14="http://schemas.microsoft.com/office/powerpoint/2010/main" val="1010436009"/>
       </p:ext>
     </p:extLst>
   </p:cSld>
@@ -1124,7 +1213,7 @@
 
 <file path=ppt/slideLayouts/slideLayout4.xml><?xml version="1.0" encoding="utf-8"?>
 <p:sldLayout xmlns:a="http://schemas.openxmlformats.org/drawingml/2006/main" xmlns:r="http://schemas.openxmlformats.org/officeDocument/2006/relationships" xmlns:p="http://schemas.openxmlformats.org/presentationml/2006/main" type="twoObj" preserve="1">
-  <p:cSld name="Two Content">
+  <p:cSld name="Duas Partes de Conteúdo">
     <p:spTree>
       <p:nvGrpSpPr>
         <p:cNvPr id="1" name=""/>
@@ -1141,7 +1230,13 @@
       </p:grpSpPr>
       <p:sp>
         <p:nvSpPr>
-          <p:cNvPr id="2" name="Title 1"/>
+          <p:cNvPr id="2" name="Título 1">
+            <a:extLst>
+              <a:ext uri="{FF2B5EF4-FFF2-40B4-BE49-F238E27FC236}">
+                <a16:creationId xmlns:a16="http://schemas.microsoft.com/office/drawing/2014/main" id="{EEC9A030-FCFF-F272-0770-24CE6776CE6E}"/>
+              </a:ext>
+            </a:extLst>
+          </p:cNvPr>
           <p:cNvSpPr>
             <a:spLocks noGrp="1"/>
           </p:cNvSpPr>
@@ -1155,15 +1250,21 @@
           <a:lstStyle/>
           <a:p>
             <a:r>
-              <a:rPr lang="en-US"/>
-              <a:t>Click to edit Master title style</a:t>
-            </a:r>
-          </a:p>
-        </p:txBody>
-      </p:sp>
-      <p:sp>
-        <p:nvSpPr>
-          <p:cNvPr id="3" name="Content Placeholder 2"/>
+              <a:rPr lang="pt-BR"/>
+              <a:t>Clique para editar o título Mestre</a:t>
+            </a:r>
+          </a:p>
+        </p:txBody>
+      </p:sp>
+      <p:sp>
+        <p:nvSpPr>
+          <p:cNvPr id="3" name="Espaço Reservado para Conteúdo 2">
+            <a:extLst>
+              <a:ext uri="{FF2B5EF4-FFF2-40B4-BE49-F238E27FC236}">
+                <a16:creationId xmlns:a16="http://schemas.microsoft.com/office/drawing/2014/main" id="{3493447C-DDD5-34F2-76DC-3A37CAB848B1}"/>
+              </a:ext>
+            </a:extLst>
+          </p:cNvPr>
           <p:cNvSpPr>
             <a:spLocks noGrp="1"/>
           </p:cNvSpPr>
@@ -1173,81 +1274,59 @@
         </p:nvSpPr>
         <p:spPr>
           <a:xfrm>
-            <a:off x="457200" y="1600200"/>
-            <a:ext cx="4038600" cy="4525963"/>
+            <a:off x="838200" y="1825625"/>
+            <a:ext cx="5181600" cy="4351338"/>
           </a:xfrm>
         </p:spPr>
         <p:txBody>
           <a:bodyPr/>
-          <a:lstStyle>
-            <a:lvl1pPr>
-              <a:defRPr sz="2800"/>
-            </a:lvl1pPr>
-            <a:lvl2pPr>
-              <a:defRPr sz="2400"/>
-            </a:lvl2pPr>
-            <a:lvl3pPr>
-              <a:defRPr sz="2000"/>
-            </a:lvl3pPr>
-            <a:lvl4pPr>
-              <a:defRPr sz="1800"/>
-            </a:lvl4pPr>
-            <a:lvl5pPr>
-              <a:defRPr sz="1800"/>
-            </a:lvl5pPr>
-            <a:lvl6pPr>
-              <a:defRPr sz="1800"/>
-            </a:lvl6pPr>
-            <a:lvl7pPr>
-              <a:defRPr sz="1800"/>
-            </a:lvl7pPr>
-            <a:lvl8pPr>
-              <a:defRPr sz="1800"/>
-            </a:lvl8pPr>
-            <a:lvl9pPr>
-              <a:defRPr sz="1800"/>
-            </a:lvl9pPr>
-          </a:lstStyle>
+          <a:lstStyle/>
           <a:p>
             <a:pPr lvl="0"/>
             <a:r>
-              <a:rPr lang="en-US"/>
-              <a:t>Click to edit Master text styles</a:t>
+              <a:rPr lang="pt-BR"/>
+              <a:t>Clique para editar os estilos de texto Mestres</a:t>
             </a:r>
           </a:p>
           <a:p>
             <a:pPr lvl="1"/>
             <a:r>
-              <a:rPr lang="en-US"/>
-              <a:t>Second level</a:t>
+              <a:rPr lang="pt-BR"/>
+              <a:t>Segundo nível</a:t>
             </a:r>
           </a:p>
           <a:p>
             <a:pPr lvl="2"/>
             <a:r>
-              <a:rPr lang="en-US"/>
-              <a:t>Third level</a:t>
+              <a:rPr lang="pt-BR"/>
+              <a:t>Terceiro nível</a:t>
             </a:r>
           </a:p>
           <a:p>
             <a:pPr lvl="3"/>
             <a:r>
-              <a:rPr lang="en-US"/>
-              <a:t>Fourth level</a:t>
+              <a:rPr lang="pt-BR"/>
+              <a:t>Quarto nível</a:t>
             </a:r>
           </a:p>
           <a:p>
             <a:pPr lvl="4"/>
             <a:r>
-              <a:rPr lang="en-US"/>
-              <a:t>Fifth level</a:t>
-            </a:r>
-          </a:p>
-        </p:txBody>
-      </p:sp>
-      <p:sp>
-        <p:nvSpPr>
-          <p:cNvPr id="4" name="Content Placeholder 3"/>
+              <a:rPr lang="pt-BR"/>
+              <a:t>Quinto nível</a:t>
+            </a:r>
+          </a:p>
+        </p:txBody>
+      </p:sp>
+      <p:sp>
+        <p:nvSpPr>
+          <p:cNvPr id="4" name="Espaço Reservado para Conteúdo 3">
+            <a:extLst>
+              <a:ext uri="{FF2B5EF4-FFF2-40B4-BE49-F238E27FC236}">
+                <a16:creationId xmlns:a16="http://schemas.microsoft.com/office/drawing/2014/main" id="{AF82E02E-BB9A-E692-A067-DB575FFC891A}"/>
+              </a:ext>
+            </a:extLst>
+          </p:cNvPr>
           <p:cNvSpPr>
             <a:spLocks noGrp="1"/>
           </p:cNvSpPr>
@@ -1257,81 +1336,59 @@
         </p:nvSpPr>
         <p:spPr>
           <a:xfrm>
-            <a:off x="4648200" y="1600200"/>
-            <a:ext cx="4038600" cy="4525963"/>
+            <a:off x="6172200" y="1825625"/>
+            <a:ext cx="5181600" cy="4351338"/>
           </a:xfrm>
         </p:spPr>
         <p:txBody>
           <a:bodyPr/>
-          <a:lstStyle>
-            <a:lvl1pPr>
-              <a:defRPr sz="2800"/>
-            </a:lvl1pPr>
-            <a:lvl2pPr>
-              <a:defRPr sz="2400"/>
-            </a:lvl2pPr>
-            <a:lvl3pPr>
-              <a:defRPr sz="2000"/>
-            </a:lvl3pPr>
-            <a:lvl4pPr>
-              <a:defRPr sz="1800"/>
-            </a:lvl4pPr>
-            <a:lvl5pPr>
-              <a:defRPr sz="1800"/>
-            </a:lvl5pPr>
-            <a:lvl6pPr>
-              <a:defRPr sz="1800"/>
-            </a:lvl6pPr>
-            <a:lvl7pPr>
-              <a:defRPr sz="1800"/>
-            </a:lvl7pPr>
-            <a:lvl8pPr>
-              <a:defRPr sz="1800"/>
-            </a:lvl8pPr>
-            <a:lvl9pPr>
-              <a:defRPr sz="1800"/>
-            </a:lvl9pPr>
-          </a:lstStyle>
+          <a:lstStyle/>
           <a:p>
             <a:pPr lvl="0"/>
             <a:r>
-              <a:rPr lang="en-US"/>
-              <a:t>Click to edit Master text styles</a:t>
+              <a:rPr lang="pt-BR"/>
+              <a:t>Clique para editar os estilos de texto Mestres</a:t>
             </a:r>
           </a:p>
           <a:p>
             <a:pPr lvl="1"/>
             <a:r>
-              <a:rPr lang="en-US"/>
-              <a:t>Second level</a:t>
+              <a:rPr lang="pt-BR"/>
+              <a:t>Segundo nível</a:t>
             </a:r>
           </a:p>
           <a:p>
             <a:pPr lvl="2"/>
             <a:r>
-              <a:rPr lang="en-US"/>
-              <a:t>Third level</a:t>
+              <a:rPr lang="pt-BR"/>
+              <a:t>Terceiro nível</a:t>
             </a:r>
           </a:p>
           <a:p>
             <a:pPr lvl="3"/>
             <a:r>
-              <a:rPr lang="en-US"/>
-              <a:t>Fourth level</a:t>
+              <a:rPr lang="pt-BR"/>
+              <a:t>Quarto nível</a:t>
             </a:r>
           </a:p>
           <a:p>
             <a:pPr lvl="4"/>
             <a:r>
-              <a:rPr lang="en-US"/>
-              <a:t>Fifth level</a:t>
-            </a:r>
-          </a:p>
-        </p:txBody>
-      </p:sp>
-      <p:sp>
-        <p:nvSpPr>
-          <p:cNvPr id="5" name="Date Placeholder 4"/>
+              <a:rPr lang="pt-BR"/>
+              <a:t>Quinto nível</a:t>
+            </a:r>
+          </a:p>
+        </p:txBody>
+      </p:sp>
+      <p:sp>
+        <p:nvSpPr>
+          <p:cNvPr id="5" name="Espaço Reservado para Data 4">
+            <a:extLst>
+              <a:ext uri="{FF2B5EF4-FFF2-40B4-BE49-F238E27FC236}">
+                <a16:creationId xmlns:a16="http://schemas.microsoft.com/office/drawing/2014/main" id="{5ECB65F3-CADE-B066-3B43-4CF5D5E2BE0F}"/>
+              </a:ext>
+            </a:extLst>
+          </p:cNvPr>
           <p:cNvSpPr>
             <a:spLocks noGrp="1"/>
           </p:cNvSpPr>
@@ -1344,17 +1401,23 @@
           <a:bodyPr/>
           <a:lstStyle/>
           <a:p>
-            <a:fld id="{5BCAD085-E8A6-8845-BD4E-CB4CCA059FC4}" type="datetimeFigureOut">
-              <a:rPr lang="en-US" smtClean="0"/>
-              <a:t>5/27/2025</a:t>
+            <a:fld id="{6B41E399-D0A3-4498-B3E0-9E6446FE780E}" type="datetimeFigureOut">
+              <a:rPr lang="pt-BR" smtClean="0"/>
+              <a:t>27/05/2025</a:t>
             </a:fld>
-            <a:endParaRPr lang="en-US"/>
-          </a:p>
-        </p:txBody>
-      </p:sp>
-      <p:sp>
-        <p:nvSpPr>
-          <p:cNvPr id="6" name="Footer Placeholder 5"/>
+            <a:endParaRPr lang="pt-BR"/>
+          </a:p>
+        </p:txBody>
+      </p:sp>
+      <p:sp>
+        <p:nvSpPr>
+          <p:cNvPr id="6" name="Espaço Reservado para Rodapé 5">
+            <a:extLst>
+              <a:ext uri="{FF2B5EF4-FFF2-40B4-BE49-F238E27FC236}">
+                <a16:creationId xmlns:a16="http://schemas.microsoft.com/office/drawing/2014/main" id="{E518174D-A9D3-F0E2-BEBD-60E6AD858E6C}"/>
+              </a:ext>
+            </a:extLst>
+          </p:cNvPr>
           <p:cNvSpPr>
             <a:spLocks noGrp="1"/>
           </p:cNvSpPr>
@@ -1367,13 +1430,19 @@
           <a:bodyPr/>
           <a:lstStyle/>
           <a:p>
-            <a:endParaRPr lang="en-US"/>
-          </a:p>
-        </p:txBody>
-      </p:sp>
-      <p:sp>
-        <p:nvSpPr>
-          <p:cNvPr id="7" name="Slide Number Placeholder 6"/>
+            <a:endParaRPr lang="pt-BR"/>
+          </a:p>
+        </p:txBody>
+      </p:sp>
+      <p:sp>
+        <p:nvSpPr>
+          <p:cNvPr id="7" name="Espaço Reservado para Número de Slide 6">
+            <a:extLst>
+              <a:ext uri="{FF2B5EF4-FFF2-40B4-BE49-F238E27FC236}">
+                <a16:creationId xmlns:a16="http://schemas.microsoft.com/office/drawing/2014/main" id="{289A5139-9BA2-97DB-E474-D6B707D467F9}"/>
+              </a:ext>
+            </a:extLst>
+          </p:cNvPr>
           <p:cNvSpPr>
             <a:spLocks noGrp="1"/>
           </p:cNvSpPr>
@@ -1386,18 +1455,18 @@
           <a:bodyPr/>
           <a:lstStyle/>
           <a:p>
-            <a:fld id="{C1FF6DA9-008F-8B48-92A6-B652298478BF}" type="slidenum">
-              <a:rPr lang="en-US" smtClean="0"/>
+            <a:fld id="{70EFE1CA-2B32-4008-9B20-345CAE736A93}" type="slidenum">
+              <a:rPr lang="pt-BR" smtClean="0"/>
               <a:t>‹nº›</a:t>
             </a:fld>
-            <a:endParaRPr lang="en-US"/>
+            <a:endParaRPr lang="pt-BR"/>
           </a:p>
         </p:txBody>
       </p:sp>
     </p:spTree>
     <p:extLst>
       <p:ext uri="{BB962C8B-B14F-4D97-AF65-F5344CB8AC3E}">
-        <p14:creationId xmlns:p14="http://schemas.microsoft.com/office/powerpoint/2010/main" val="2782244947"/>
+        <p14:creationId xmlns:p14="http://schemas.microsoft.com/office/powerpoint/2010/main" val="1907649601"/>
       </p:ext>
     </p:extLst>
   </p:cSld>
@@ -1409,7 +1478,7 @@
 
 <file path=ppt/slideLayouts/slideLayout5.xml><?xml version="1.0" encoding="utf-8"?>
 <p:sldLayout xmlns:a="http://schemas.openxmlformats.org/drawingml/2006/main" xmlns:r="http://schemas.openxmlformats.org/officeDocument/2006/relationships" xmlns:p="http://schemas.openxmlformats.org/presentationml/2006/main" type="twoTxTwoObj" preserve="1">
-  <p:cSld name="Comparison">
+  <p:cSld name="Comparação">
     <p:spTree>
       <p:nvGrpSpPr>
         <p:cNvPr id="1" name=""/>
@@ -1426,44 +1495,57 @@
       </p:grpSpPr>
       <p:sp>
         <p:nvSpPr>
-          <p:cNvPr id="2" name="Title 1"/>
+          <p:cNvPr id="2" name="Título 1">
+            <a:extLst>
+              <a:ext uri="{FF2B5EF4-FFF2-40B4-BE49-F238E27FC236}">
+                <a16:creationId xmlns:a16="http://schemas.microsoft.com/office/drawing/2014/main" id="{2D6DFAE1-6674-293E-A017-FC20806DDACD}"/>
+              </a:ext>
+            </a:extLst>
+          </p:cNvPr>
           <p:cNvSpPr>
             <a:spLocks noGrp="1"/>
           </p:cNvSpPr>
           <p:nvPr>
             <p:ph type="title"/>
-          </p:nvPr>
-        </p:nvSpPr>
-        <p:spPr/>
-        <p:txBody>
-          <a:bodyPr/>
-          <a:lstStyle>
-            <a:lvl1pPr>
-              <a:defRPr/>
-            </a:lvl1pPr>
-          </a:lstStyle>
-          <a:p>
-            <a:r>
-              <a:rPr lang="en-US"/>
-              <a:t>Click to edit Master title style</a:t>
-            </a:r>
-          </a:p>
-        </p:txBody>
-      </p:sp>
-      <p:sp>
-        <p:nvSpPr>
-          <p:cNvPr id="3" name="Text Placeholder 2"/>
-          <p:cNvSpPr>
-            <a:spLocks noGrp="1"/>
-          </p:cNvSpPr>
-          <p:nvPr>
-            <p:ph type="body" idx="1"/>
           </p:nvPr>
         </p:nvSpPr>
         <p:spPr>
           <a:xfrm>
-            <a:off x="457200" y="1535113"/>
-            <a:ext cx="4040188" cy="639762"/>
+            <a:off x="839788" y="365125"/>
+            <a:ext cx="10515600" cy="1325563"/>
+          </a:xfrm>
+        </p:spPr>
+        <p:txBody>
+          <a:bodyPr/>
+          <a:lstStyle/>
+          <a:p>
+            <a:r>
+              <a:rPr lang="pt-BR"/>
+              <a:t>Clique para editar o título Mestre</a:t>
+            </a:r>
+          </a:p>
+        </p:txBody>
+      </p:sp>
+      <p:sp>
+        <p:nvSpPr>
+          <p:cNvPr id="3" name="Espaço Reservado para Texto 2">
+            <a:extLst>
+              <a:ext uri="{FF2B5EF4-FFF2-40B4-BE49-F238E27FC236}">
+                <a16:creationId xmlns:a16="http://schemas.microsoft.com/office/drawing/2014/main" id="{FB4A92C5-FFE4-F414-0A44-A0B0B6247537}"/>
+              </a:ext>
+            </a:extLst>
+          </p:cNvPr>
+          <p:cNvSpPr>
+            <a:spLocks noGrp="1"/>
+          </p:cNvSpPr>
+          <p:nvPr>
+            <p:ph type="body" idx="1"/>
+          </p:nvPr>
+        </p:nvSpPr>
+        <p:spPr>
+          <a:xfrm>
+            <a:off x="839788" y="1681163"/>
+            <a:ext cx="5157787" cy="823912"/>
           </a:xfrm>
         </p:spPr>
         <p:txBody>
@@ -1509,15 +1591,21 @@
           <a:p>
             <a:pPr lvl="0"/>
             <a:r>
-              <a:rPr lang="en-US"/>
-              <a:t>Click to edit Master text styles</a:t>
-            </a:r>
-          </a:p>
-        </p:txBody>
-      </p:sp>
-      <p:sp>
-        <p:nvSpPr>
-          <p:cNvPr id="4" name="Content Placeholder 3"/>
+              <a:rPr lang="pt-BR"/>
+              <a:t>Clique para editar os estilos de texto Mestres</a:t>
+            </a:r>
+          </a:p>
+        </p:txBody>
+      </p:sp>
+      <p:sp>
+        <p:nvSpPr>
+          <p:cNvPr id="4" name="Espaço Reservado para Conteúdo 3">
+            <a:extLst>
+              <a:ext uri="{FF2B5EF4-FFF2-40B4-BE49-F238E27FC236}">
+                <a16:creationId xmlns:a16="http://schemas.microsoft.com/office/drawing/2014/main" id="{C9FBC94E-03AB-F767-66E8-3A5A705BF40E}"/>
+              </a:ext>
+            </a:extLst>
+          </p:cNvPr>
           <p:cNvSpPr>
             <a:spLocks noGrp="1"/>
           </p:cNvSpPr>
@@ -1527,81 +1615,59 @@
         </p:nvSpPr>
         <p:spPr>
           <a:xfrm>
-            <a:off x="457200" y="2174875"/>
-            <a:ext cx="4040188" cy="3951288"/>
+            <a:off x="839788" y="2505075"/>
+            <a:ext cx="5157787" cy="3684588"/>
           </a:xfrm>
         </p:spPr>
         <p:txBody>
           <a:bodyPr/>
-          <a:lstStyle>
-            <a:lvl1pPr>
-              <a:defRPr sz="2400"/>
-            </a:lvl1pPr>
-            <a:lvl2pPr>
-              <a:defRPr sz="2000"/>
-            </a:lvl2pPr>
-            <a:lvl3pPr>
-              <a:defRPr sz="1800"/>
-            </a:lvl3pPr>
-            <a:lvl4pPr>
-              <a:defRPr sz="1600"/>
-            </a:lvl4pPr>
-            <a:lvl5pPr>
-              <a:defRPr sz="1600"/>
-            </a:lvl5pPr>
-            <a:lvl6pPr>
-              <a:defRPr sz="1600"/>
-            </a:lvl6pPr>
-            <a:lvl7pPr>
-              <a:defRPr sz="1600"/>
-            </a:lvl7pPr>
-            <a:lvl8pPr>
-              <a:defRPr sz="1600"/>
-            </a:lvl8pPr>
-            <a:lvl9pPr>
-              <a:defRPr sz="1600"/>
-            </a:lvl9pPr>
-          </a:lstStyle>
+          <a:lstStyle/>
           <a:p>
             <a:pPr lvl="0"/>
             <a:r>
-              <a:rPr lang="en-US"/>
-              <a:t>Click to edit Master text styles</a:t>
+              <a:rPr lang="pt-BR"/>
+              <a:t>Clique para editar os estilos de texto Mestres</a:t>
             </a:r>
           </a:p>
           <a:p>
             <a:pPr lvl="1"/>
             <a:r>
-              <a:rPr lang="en-US"/>
-              <a:t>Second level</a:t>
+              <a:rPr lang="pt-BR"/>
+              <a:t>Segundo nível</a:t>
             </a:r>
           </a:p>
           <a:p>
             <a:pPr lvl="2"/>
             <a:r>
-              <a:rPr lang="en-US"/>
-              <a:t>Third level</a:t>
+              <a:rPr lang="pt-BR"/>
+              <a:t>Terceiro nível</a:t>
             </a:r>
           </a:p>
           <a:p>
             <a:pPr lvl="3"/>
             <a:r>
-              <a:rPr lang="en-US"/>
-              <a:t>Fourth level</a:t>
+              <a:rPr lang="pt-BR"/>
+              <a:t>Quarto nível</a:t>
             </a:r>
           </a:p>
           <a:p>
             <a:pPr lvl="4"/>
             <a:r>
-              <a:rPr lang="en-US"/>
-              <a:t>Fifth level</a:t>
-            </a:r>
-          </a:p>
-        </p:txBody>
-      </p:sp>
-      <p:sp>
-        <p:nvSpPr>
-          <p:cNvPr id="5" name="Text Placeholder 4"/>
+              <a:rPr lang="pt-BR"/>
+              <a:t>Quinto nível</a:t>
+            </a:r>
+          </a:p>
+        </p:txBody>
+      </p:sp>
+      <p:sp>
+        <p:nvSpPr>
+          <p:cNvPr id="5" name="Espaço Reservado para Texto 4">
+            <a:extLst>
+              <a:ext uri="{FF2B5EF4-FFF2-40B4-BE49-F238E27FC236}">
+                <a16:creationId xmlns:a16="http://schemas.microsoft.com/office/drawing/2014/main" id="{FF807DAE-C0E4-5884-AA55-B5B4265AC6D7}"/>
+              </a:ext>
+            </a:extLst>
+          </p:cNvPr>
           <p:cNvSpPr>
             <a:spLocks noGrp="1"/>
           </p:cNvSpPr>
@@ -1611,8 +1677,8 @@
         </p:nvSpPr>
         <p:spPr>
           <a:xfrm>
-            <a:off x="4645025" y="1535113"/>
-            <a:ext cx="4041775" cy="639762"/>
+            <a:off x="6172200" y="1681163"/>
+            <a:ext cx="5183188" cy="823912"/>
           </a:xfrm>
         </p:spPr>
         <p:txBody>
@@ -1658,15 +1724,21 @@
           <a:p>
             <a:pPr lvl="0"/>
             <a:r>
-              <a:rPr lang="en-US"/>
-              <a:t>Click to edit Master text styles</a:t>
-            </a:r>
-          </a:p>
-        </p:txBody>
-      </p:sp>
-      <p:sp>
-        <p:nvSpPr>
-          <p:cNvPr id="6" name="Content Placeholder 5"/>
+              <a:rPr lang="pt-BR"/>
+              <a:t>Clique para editar os estilos de texto Mestres</a:t>
+            </a:r>
+          </a:p>
+        </p:txBody>
+      </p:sp>
+      <p:sp>
+        <p:nvSpPr>
+          <p:cNvPr id="6" name="Espaço Reservado para Conteúdo 5">
+            <a:extLst>
+              <a:ext uri="{FF2B5EF4-FFF2-40B4-BE49-F238E27FC236}">
+                <a16:creationId xmlns:a16="http://schemas.microsoft.com/office/drawing/2014/main" id="{7C053C25-BEED-7AFF-6BAB-1BBCF4E200D7}"/>
+              </a:ext>
+            </a:extLst>
+          </p:cNvPr>
           <p:cNvSpPr>
             <a:spLocks noGrp="1"/>
           </p:cNvSpPr>
@@ -1676,81 +1748,59 @@
         </p:nvSpPr>
         <p:spPr>
           <a:xfrm>
-            <a:off x="4645025" y="2174875"/>
-            <a:ext cx="4041775" cy="3951288"/>
+            <a:off x="6172200" y="2505075"/>
+            <a:ext cx="5183188" cy="3684588"/>
           </a:xfrm>
         </p:spPr>
         <p:txBody>
           <a:bodyPr/>
-          <a:lstStyle>
-            <a:lvl1pPr>
-              <a:defRPr sz="2400"/>
-            </a:lvl1pPr>
-            <a:lvl2pPr>
-              <a:defRPr sz="2000"/>
-            </a:lvl2pPr>
-            <a:lvl3pPr>
-              <a:defRPr sz="1800"/>
-            </a:lvl3pPr>
-            <a:lvl4pPr>
-              <a:defRPr sz="1600"/>
-            </a:lvl4pPr>
-            <a:lvl5pPr>
-              <a:defRPr sz="1600"/>
-            </a:lvl5pPr>
-            <a:lvl6pPr>
-              <a:defRPr sz="1600"/>
-            </a:lvl6pPr>
-            <a:lvl7pPr>
-              <a:defRPr sz="1600"/>
-            </a:lvl7pPr>
-            <a:lvl8pPr>
-              <a:defRPr sz="1600"/>
-            </a:lvl8pPr>
-            <a:lvl9pPr>
-              <a:defRPr sz="1600"/>
-            </a:lvl9pPr>
-          </a:lstStyle>
+          <a:lstStyle/>
           <a:p>
             <a:pPr lvl="0"/>
             <a:r>
-              <a:rPr lang="en-US"/>
-              <a:t>Click to edit Master text styles</a:t>
+              <a:rPr lang="pt-BR"/>
+              <a:t>Clique para editar os estilos de texto Mestres</a:t>
             </a:r>
           </a:p>
           <a:p>
             <a:pPr lvl="1"/>
             <a:r>
-              <a:rPr lang="en-US"/>
-              <a:t>Second level</a:t>
+              <a:rPr lang="pt-BR"/>
+              <a:t>Segundo nível</a:t>
             </a:r>
           </a:p>
           <a:p>
             <a:pPr lvl="2"/>
             <a:r>
-              <a:rPr lang="en-US"/>
-              <a:t>Third level</a:t>
+              <a:rPr lang="pt-BR"/>
+              <a:t>Terceiro nível</a:t>
             </a:r>
           </a:p>
           <a:p>
             <a:pPr lvl="3"/>
             <a:r>
-              <a:rPr lang="en-US"/>
-              <a:t>Fourth level</a:t>
+              <a:rPr lang="pt-BR"/>
+              <a:t>Quarto nível</a:t>
             </a:r>
           </a:p>
           <a:p>
             <a:pPr lvl="4"/>
             <a:r>
-              <a:rPr lang="en-US"/>
-              <a:t>Fifth level</a:t>
-            </a:r>
-          </a:p>
-        </p:txBody>
-      </p:sp>
-      <p:sp>
-        <p:nvSpPr>
-          <p:cNvPr id="7" name="Date Placeholder 6"/>
+              <a:rPr lang="pt-BR"/>
+              <a:t>Quinto nível</a:t>
+            </a:r>
+          </a:p>
+        </p:txBody>
+      </p:sp>
+      <p:sp>
+        <p:nvSpPr>
+          <p:cNvPr id="7" name="Espaço Reservado para Data 6">
+            <a:extLst>
+              <a:ext uri="{FF2B5EF4-FFF2-40B4-BE49-F238E27FC236}">
+                <a16:creationId xmlns:a16="http://schemas.microsoft.com/office/drawing/2014/main" id="{D13DC2C2-1AFD-CA55-6FEA-F6053B6EB288}"/>
+              </a:ext>
+            </a:extLst>
+          </p:cNvPr>
           <p:cNvSpPr>
             <a:spLocks noGrp="1"/>
           </p:cNvSpPr>
@@ -1763,17 +1813,23 @@
           <a:bodyPr/>
           <a:lstStyle/>
           <a:p>
-            <a:fld id="{5BCAD085-E8A6-8845-BD4E-CB4CCA059FC4}" type="datetimeFigureOut">
-              <a:rPr lang="en-US" smtClean="0"/>
-              <a:t>5/27/2025</a:t>
+            <a:fld id="{6B41E399-D0A3-4498-B3E0-9E6446FE780E}" type="datetimeFigureOut">
+              <a:rPr lang="pt-BR" smtClean="0"/>
+              <a:t>27/05/2025</a:t>
             </a:fld>
-            <a:endParaRPr lang="en-US"/>
-          </a:p>
-        </p:txBody>
-      </p:sp>
-      <p:sp>
-        <p:nvSpPr>
-          <p:cNvPr id="8" name="Footer Placeholder 7"/>
+            <a:endParaRPr lang="pt-BR"/>
+          </a:p>
+        </p:txBody>
+      </p:sp>
+      <p:sp>
+        <p:nvSpPr>
+          <p:cNvPr id="8" name="Espaço Reservado para Rodapé 7">
+            <a:extLst>
+              <a:ext uri="{FF2B5EF4-FFF2-40B4-BE49-F238E27FC236}">
+                <a16:creationId xmlns:a16="http://schemas.microsoft.com/office/drawing/2014/main" id="{34FBDF8D-3901-419F-588E-05FAE102B173}"/>
+              </a:ext>
+            </a:extLst>
+          </p:cNvPr>
           <p:cNvSpPr>
             <a:spLocks noGrp="1"/>
           </p:cNvSpPr>
@@ -1786,13 +1842,19 @@
           <a:bodyPr/>
           <a:lstStyle/>
           <a:p>
-            <a:endParaRPr lang="en-US"/>
-          </a:p>
-        </p:txBody>
-      </p:sp>
-      <p:sp>
-        <p:nvSpPr>
-          <p:cNvPr id="9" name="Slide Number Placeholder 8"/>
+            <a:endParaRPr lang="pt-BR"/>
+          </a:p>
+        </p:txBody>
+      </p:sp>
+      <p:sp>
+        <p:nvSpPr>
+          <p:cNvPr id="9" name="Espaço Reservado para Número de Slide 8">
+            <a:extLst>
+              <a:ext uri="{FF2B5EF4-FFF2-40B4-BE49-F238E27FC236}">
+                <a16:creationId xmlns:a16="http://schemas.microsoft.com/office/drawing/2014/main" id="{6768D23D-C3F4-9BD5-CB57-B511EB99A403}"/>
+              </a:ext>
+            </a:extLst>
+          </p:cNvPr>
           <p:cNvSpPr>
             <a:spLocks noGrp="1"/>
           </p:cNvSpPr>
@@ -1805,18 +1867,18 @@
           <a:bodyPr/>
           <a:lstStyle/>
           <a:p>
-            <a:fld id="{C1FF6DA9-008F-8B48-92A6-B652298478BF}" type="slidenum">
-              <a:rPr lang="en-US" smtClean="0"/>
+            <a:fld id="{70EFE1CA-2B32-4008-9B20-345CAE736A93}" type="slidenum">
+              <a:rPr lang="pt-BR" smtClean="0"/>
               <a:t>‹nº›</a:t>
             </a:fld>
-            <a:endParaRPr lang="en-US"/>
+            <a:endParaRPr lang="pt-BR"/>
           </a:p>
         </p:txBody>
       </p:sp>
     </p:spTree>
     <p:extLst>
       <p:ext uri="{BB962C8B-B14F-4D97-AF65-F5344CB8AC3E}">
-        <p14:creationId xmlns:p14="http://schemas.microsoft.com/office/powerpoint/2010/main" val="990158736"/>
+        <p14:creationId xmlns:p14="http://schemas.microsoft.com/office/powerpoint/2010/main" val="3799939829"/>
       </p:ext>
     </p:extLst>
   </p:cSld>
@@ -1828,7 +1890,7 @@
 
 <file path=ppt/slideLayouts/slideLayout6.xml><?xml version="1.0" encoding="utf-8"?>
 <p:sldLayout xmlns:a="http://schemas.openxmlformats.org/drawingml/2006/main" xmlns:r="http://schemas.openxmlformats.org/officeDocument/2006/relationships" xmlns:p="http://schemas.openxmlformats.org/presentationml/2006/main" type="titleOnly" preserve="1">
-  <p:cSld name="Title Only">
+  <p:cSld name="Somente Título">
     <p:spTree>
       <p:nvGrpSpPr>
         <p:cNvPr id="1" name=""/>
@@ -1845,7 +1907,13 @@
       </p:grpSpPr>
       <p:sp>
         <p:nvSpPr>
-          <p:cNvPr id="2" name="Title 1"/>
+          <p:cNvPr id="2" name="Título 1">
+            <a:extLst>
+              <a:ext uri="{FF2B5EF4-FFF2-40B4-BE49-F238E27FC236}">
+                <a16:creationId xmlns:a16="http://schemas.microsoft.com/office/drawing/2014/main" id="{FF3D31EB-F5B0-19DD-7572-044646F86295}"/>
+              </a:ext>
+            </a:extLst>
+          </p:cNvPr>
           <p:cNvSpPr>
             <a:spLocks noGrp="1"/>
           </p:cNvSpPr>
@@ -1859,15 +1927,21 @@
           <a:lstStyle/>
           <a:p>
             <a:r>
-              <a:rPr lang="en-US"/>
-              <a:t>Click to edit Master title style</a:t>
-            </a:r>
-          </a:p>
-        </p:txBody>
-      </p:sp>
-      <p:sp>
-        <p:nvSpPr>
-          <p:cNvPr id="3" name="Date Placeholder 2"/>
+              <a:rPr lang="pt-BR"/>
+              <a:t>Clique para editar o título Mestre</a:t>
+            </a:r>
+          </a:p>
+        </p:txBody>
+      </p:sp>
+      <p:sp>
+        <p:nvSpPr>
+          <p:cNvPr id="3" name="Espaço Reservado para Data 2">
+            <a:extLst>
+              <a:ext uri="{FF2B5EF4-FFF2-40B4-BE49-F238E27FC236}">
+                <a16:creationId xmlns:a16="http://schemas.microsoft.com/office/drawing/2014/main" id="{DE6A9D6D-16F7-4554-F722-9CABF4431950}"/>
+              </a:ext>
+            </a:extLst>
+          </p:cNvPr>
           <p:cNvSpPr>
             <a:spLocks noGrp="1"/>
           </p:cNvSpPr>
@@ -1880,17 +1954,23 @@
           <a:bodyPr/>
           <a:lstStyle/>
           <a:p>
-            <a:fld id="{5BCAD085-E8A6-8845-BD4E-CB4CCA059FC4}" type="datetimeFigureOut">
-              <a:rPr lang="en-US" smtClean="0"/>
-              <a:t>5/27/2025</a:t>
+            <a:fld id="{6B41E399-D0A3-4498-B3E0-9E6446FE780E}" type="datetimeFigureOut">
+              <a:rPr lang="pt-BR" smtClean="0"/>
+              <a:t>27/05/2025</a:t>
             </a:fld>
-            <a:endParaRPr lang="en-US"/>
-          </a:p>
-        </p:txBody>
-      </p:sp>
-      <p:sp>
-        <p:nvSpPr>
-          <p:cNvPr id="4" name="Footer Placeholder 3"/>
+            <a:endParaRPr lang="pt-BR"/>
+          </a:p>
+        </p:txBody>
+      </p:sp>
+      <p:sp>
+        <p:nvSpPr>
+          <p:cNvPr id="4" name="Espaço Reservado para Rodapé 3">
+            <a:extLst>
+              <a:ext uri="{FF2B5EF4-FFF2-40B4-BE49-F238E27FC236}">
+                <a16:creationId xmlns:a16="http://schemas.microsoft.com/office/drawing/2014/main" id="{2BACBE81-8AD2-A5CE-5BE3-C7DFF6EBD5A1}"/>
+              </a:ext>
+            </a:extLst>
+          </p:cNvPr>
           <p:cNvSpPr>
             <a:spLocks noGrp="1"/>
           </p:cNvSpPr>
@@ -1903,13 +1983,19 @@
           <a:bodyPr/>
           <a:lstStyle/>
           <a:p>
-            <a:endParaRPr lang="en-US"/>
-          </a:p>
-        </p:txBody>
-      </p:sp>
-      <p:sp>
-        <p:nvSpPr>
-          <p:cNvPr id="5" name="Slide Number Placeholder 4"/>
+            <a:endParaRPr lang="pt-BR"/>
+          </a:p>
+        </p:txBody>
+      </p:sp>
+      <p:sp>
+        <p:nvSpPr>
+          <p:cNvPr id="5" name="Espaço Reservado para Número de Slide 4">
+            <a:extLst>
+              <a:ext uri="{FF2B5EF4-FFF2-40B4-BE49-F238E27FC236}">
+                <a16:creationId xmlns:a16="http://schemas.microsoft.com/office/drawing/2014/main" id="{7C5D89D4-3D99-8EDA-1B98-AD6FF6BE9DCA}"/>
+              </a:ext>
+            </a:extLst>
+          </p:cNvPr>
           <p:cNvSpPr>
             <a:spLocks noGrp="1"/>
           </p:cNvSpPr>
@@ -1922,18 +2008,18 @@
           <a:bodyPr/>
           <a:lstStyle/>
           <a:p>
-            <a:fld id="{C1FF6DA9-008F-8B48-92A6-B652298478BF}" type="slidenum">
-              <a:rPr lang="en-US" smtClean="0"/>
+            <a:fld id="{70EFE1CA-2B32-4008-9B20-345CAE736A93}" type="slidenum">
+              <a:rPr lang="pt-BR" smtClean="0"/>
               <a:t>‹nº›</a:t>
             </a:fld>
-            <a:endParaRPr lang="en-US"/>
+            <a:endParaRPr lang="pt-BR"/>
           </a:p>
         </p:txBody>
       </p:sp>
     </p:spTree>
     <p:extLst>
       <p:ext uri="{BB962C8B-B14F-4D97-AF65-F5344CB8AC3E}">
-        <p14:creationId xmlns:p14="http://schemas.microsoft.com/office/powerpoint/2010/main" val="727027711"/>
+        <p14:creationId xmlns:p14="http://schemas.microsoft.com/office/powerpoint/2010/main" val="648962079"/>
       </p:ext>
     </p:extLst>
   </p:cSld>
@@ -1945,7 +2031,7 @@
 
 <file path=ppt/slideLayouts/slideLayout7.xml><?xml version="1.0" encoding="utf-8"?>
 <p:sldLayout xmlns:a="http://schemas.openxmlformats.org/drawingml/2006/main" xmlns:r="http://schemas.openxmlformats.org/officeDocument/2006/relationships" xmlns:p="http://schemas.openxmlformats.org/presentationml/2006/main" type="blank" preserve="1">
-  <p:cSld name="Blank">
+  <p:cSld name="Em Branco">
     <p:spTree>
       <p:nvGrpSpPr>
         <p:cNvPr id="1" name=""/>
@@ -1962,7 +2048,13 @@
       </p:grpSpPr>
       <p:sp>
         <p:nvSpPr>
-          <p:cNvPr id="2" name="Date Placeholder 1"/>
+          <p:cNvPr id="2" name="Espaço Reservado para Data 1">
+            <a:extLst>
+              <a:ext uri="{FF2B5EF4-FFF2-40B4-BE49-F238E27FC236}">
+                <a16:creationId xmlns:a16="http://schemas.microsoft.com/office/drawing/2014/main" id="{E82E25BF-AD93-F157-B52D-F949730F8344}"/>
+              </a:ext>
+            </a:extLst>
+          </p:cNvPr>
           <p:cNvSpPr>
             <a:spLocks noGrp="1"/>
           </p:cNvSpPr>
@@ -1975,17 +2067,23 @@
           <a:bodyPr/>
           <a:lstStyle/>
           <a:p>
-            <a:fld id="{5BCAD085-E8A6-8845-BD4E-CB4CCA059FC4}" type="datetimeFigureOut">
-              <a:rPr lang="en-US" smtClean="0"/>
-              <a:t>5/27/2025</a:t>
+            <a:fld id="{6B41E399-D0A3-4498-B3E0-9E6446FE780E}" type="datetimeFigureOut">
+              <a:rPr lang="pt-BR" smtClean="0"/>
+              <a:t>27/05/2025</a:t>
             </a:fld>
-            <a:endParaRPr lang="en-US"/>
-          </a:p>
-        </p:txBody>
-      </p:sp>
-      <p:sp>
-        <p:nvSpPr>
-          <p:cNvPr id="3" name="Footer Placeholder 2"/>
+            <a:endParaRPr lang="pt-BR"/>
+          </a:p>
+        </p:txBody>
+      </p:sp>
+      <p:sp>
+        <p:nvSpPr>
+          <p:cNvPr id="3" name="Espaço Reservado para Rodapé 2">
+            <a:extLst>
+              <a:ext uri="{FF2B5EF4-FFF2-40B4-BE49-F238E27FC236}">
+                <a16:creationId xmlns:a16="http://schemas.microsoft.com/office/drawing/2014/main" id="{4EB5FCB3-47AD-83F8-A3BD-0F78BF5054F3}"/>
+              </a:ext>
+            </a:extLst>
+          </p:cNvPr>
           <p:cNvSpPr>
             <a:spLocks noGrp="1"/>
           </p:cNvSpPr>
@@ -1998,13 +2096,19 @@
           <a:bodyPr/>
           <a:lstStyle/>
           <a:p>
-            <a:endParaRPr lang="en-US"/>
-          </a:p>
-        </p:txBody>
-      </p:sp>
-      <p:sp>
-        <p:nvSpPr>
-          <p:cNvPr id="4" name="Slide Number Placeholder 3"/>
+            <a:endParaRPr lang="pt-BR"/>
+          </a:p>
+        </p:txBody>
+      </p:sp>
+      <p:sp>
+        <p:nvSpPr>
+          <p:cNvPr id="4" name="Espaço Reservado para Número de Slide 3">
+            <a:extLst>
+              <a:ext uri="{FF2B5EF4-FFF2-40B4-BE49-F238E27FC236}">
+                <a16:creationId xmlns:a16="http://schemas.microsoft.com/office/drawing/2014/main" id="{7BD17662-B79D-57C9-1703-20EAF2821C8D}"/>
+              </a:ext>
+            </a:extLst>
+          </p:cNvPr>
           <p:cNvSpPr>
             <a:spLocks noGrp="1"/>
           </p:cNvSpPr>
@@ -2017,18 +2121,18 @@
           <a:bodyPr/>
           <a:lstStyle/>
           <a:p>
-            <a:fld id="{C1FF6DA9-008F-8B48-92A6-B652298478BF}" type="slidenum">
-              <a:rPr lang="en-US" smtClean="0"/>
+            <a:fld id="{70EFE1CA-2B32-4008-9B20-345CAE736A93}" type="slidenum">
+              <a:rPr lang="pt-BR" smtClean="0"/>
               <a:t>‹nº›</a:t>
             </a:fld>
-            <a:endParaRPr lang="en-US"/>
+            <a:endParaRPr lang="pt-BR"/>
           </a:p>
         </p:txBody>
       </p:sp>
     </p:spTree>
     <p:extLst>
       <p:ext uri="{BB962C8B-B14F-4D97-AF65-F5344CB8AC3E}">
-        <p14:creationId xmlns:p14="http://schemas.microsoft.com/office/powerpoint/2010/main" val="1212999818"/>
+        <p14:creationId xmlns:p14="http://schemas.microsoft.com/office/powerpoint/2010/main" val="4253140821"/>
       </p:ext>
     </p:extLst>
   </p:cSld>
@@ -2040,7 +2144,7 @@
 
 <file path=ppt/slideLayouts/slideLayout8.xml><?xml version="1.0" encoding="utf-8"?>
 <p:sldLayout xmlns:a="http://schemas.openxmlformats.org/drawingml/2006/main" xmlns:r="http://schemas.openxmlformats.org/officeDocument/2006/relationships" xmlns:p="http://schemas.openxmlformats.org/presentationml/2006/main" type="objTx" preserve="1">
-  <p:cSld name="Content with Caption">
+  <p:cSld name="Conteúdo com Legenda">
     <p:spTree>
       <p:nvGrpSpPr>
         <p:cNvPr id="1" name=""/>
@@ -2057,7 +2161,13 @@
       </p:grpSpPr>
       <p:sp>
         <p:nvSpPr>
-          <p:cNvPr id="2" name="Title 1"/>
+          <p:cNvPr id="2" name="Título 1">
+            <a:extLst>
+              <a:ext uri="{FF2B5EF4-FFF2-40B4-BE49-F238E27FC236}">
+                <a16:creationId xmlns:a16="http://schemas.microsoft.com/office/drawing/2014/main" id="{CBE08FD9-A117-FCCD-EE20-131943D893FC}"/>
+              </a:ext>
+            </a:extLst>
+          </p:cNvPr>
           <p:cNvSpPr>
             <a:spLocks noGrp="1"/>
           </p:cNvSpPr>
@@ -2067,28 +2177,34 @@
         </p:nvSpPr>
         <p:spPr>
           <a:xfrm>
-            <a:off x="457200" y="273050"/>
-            <a:ext cx="3008313" cy="1162050"/>
+            <a:off x="839788" y="457200"/>
+            <a:ext cx="3932237" cy="1600200"/>
           </a:xfrm>
         </p:spPr>
         <p:txBody>
           <a:bodyPr anchor="b"/>
           <a:lstStyle>
-            <a:lvl1pPr algn="l">
-              <a:defRPr sz="2000" b="1"/>
+            <a:lvl1pPr>
+              <a:defRPr sz="3200"/>
             </a:lvl1pPr>
           </a:lstStyle>
           <a:p>
             <a:r>
-              <a:rPr lang="en-US"/>
-              <a:t>Click to edit Master title style</a:t>
-            </a:r>
-          </a:p>
-        </p:txBody>
-      </p:sp>
-      <p:sp>
-        <p:nvSpPr>
-          <p:cNvPr id="3" name="Content Placeholder 2"/>
+              <a:rPr lang="pt-BR"/>
+              <a:t>Clique para editar o título Mestre</a:t>
+            </a:r>
+          </a:p>
+        </p:txBody>
+      </p:sp>
+      <p:sp>
+        <p:nvSpPr>
+          <p:cNvPr id="3" name="Espaço Reservado para Conteúdo 2">
+            <a:extLst>
+              <a:ext uri="{FF2B5EF4-FFF2-40B4-BE49-F238E27FC236}">
+                <a16:creationId xmlns:a16="http://schemas.microsoft.com/office/drawing/2014/main" id="{622AC95A-E448-BFAF-F9CF-9D9F27D30527}"/>
+              </a:ext>
+            </a:extLst>
+          </p:cNvPr>
           <p:cNvSpPr>
             <a:spLocks noGrp="1"/>
           </p:cNvSpPr>
@@ -2098,8 +2214,8 @@
         </p:nvSpPr>
         <p:spPr>
           <a:xfrm>
-            <a:off x="3575050" y="273050"/>
-            <a:ext cx="5111750" cy="5853113"/>
+            <a:off x="5183188" y="987425"/>
+            <a:ext cx="6172200" cy="4873625"/>
           </a:xfrm>
         </p:spPr>
         <p:txBody>
@@ -2136,43 +2252,49 @@
           <a:p>
             <a:pPr lvl="0"/>
             <a:r>
-              <a:rPr lang="en-US"/>
-              <a:t>Click to edit Master text styles</a:t>
+              <a:rPr lang="pt-BR"/>
+              <a:t>Clique para editar os estilos de texto Mestres</a:t>
             </a:r>
           </a:p>
           <a:p>
             <a:pPr lvl="1"/>
             <a:r>
-              <a:rPr lang="en-US"/>
-              <a:t>Second level</a:t>
+              <a:rPr lang="pt-BR"/>
+              <a:t>Segundo nível</a:t>
             </a:r>
           </a:p>
           <a:p>
             <a:pPr lvl="2"/>
             <a:r>
-              <a:rPr lang="en-US"/>
-              <a:t>Third level</a:t>
+              <a:rPr lang="pt-BR"/>
+              <a:t>Terceiro nível</a:t>
             </a:r>
           </a:p>
           <a:p>
             <a:pPr lvl="3"/>
             <a:r>
-              <a:rPr lang="en-US"/>
-              <a:t>Fourth level</a:t>
+              <a:rPr lang="pt-BR"/>
+              <a:t>Quarto nível</a:t>
             </a:r>
           </a:p>
           <a:p>
             <a:pPr lvl="4"/>
             <a:r>
-              <a:rPr lang="en-US"/>
-              <a:t>Fifth level</a:t>
-            </a:r>
-          </a:p>
-        </p:txBody>
-      </p:sp>
-      <p:sp>
-        <p:nvSpPr>
-          <p:cNvPr id="4" name="Text Placeholder 3"/>
+              <a:rPr lang="pt-BR"/>
+              <a:t>Quinto nível</a:t>
+            </a:r>
+          </a:p>
+        </p:txBody>
+      </p:sp>
+      <p:sp>
+        <p:nvSpPr>
+          <p:cNvPr id="4" name="Espaço Reservado para Texto 3">
+            <a:extLst>
+              <a:ext uri="{FF2B5EF4-FFF2-40B4-BE49-F238E27FC236}">
+                <a16:creationId xmlns:a16="http://schemas.microsoft.com/office/drawing/2014/main" id="{6BA53718-53EA-9AF1-4753-AF8856E574BB}"/>
+              </a:ext>
+            </a:extLst>
+          </p:cNvPr>
           <p:cNvSpPr>
             <a:spLocks noGrp="1"/>
           </p:cNvSpPr>
@@ -2182,8 +2304,8 @@
         </p:nvSpPr>
         <p:spPr>
           <a:xfrm>
-            <a:off x="457200" y="1435100"/>
-            <a:ext cx="3008313" cy="4691063"/>
+            <a:off x="839788" y="2057400"/>
+            <a:ext cx="3932237" cy="3811588"/>
           </a:xfrm>
         </p:spPr>
         <p:txBody>
@@ -2191,53 +2313,59 @@
           <a:lstStyle>
             <a:lvl1pPr marL="0" indent="0">
               <a:buNone/>
-              <a:defRPr sz="1400"/>
+              <a:defRPr sz="1600"/>
             </a:lvl1pPr>
             <a:lvl2pPr marL="457200" indent="0">
               <a:buNone/>
-              <a:defRPr sz="1200"/>
+              <a:defRPr sz="1400"/>
             </a:lvl2pPr>
             <a:lvl3pPr marL="914400" indent="0">
               <a:buNone/>
-              <a:defRPr sz="1000"/>
+              <a:defRPr sz="1200"/>
             </a:lvl3pPr>
             <a:lvl4pPr marL="1371600" indent="0">
               <a:buNone/>
-              <a:defRPr sz="900"/>
+              <a:defRPr sz="1000"/>
             </a:lvl4pPr>
             <a:lvl5pPr marL="1828800" indent="0">
               <a:buNone/>
-              <a:defRPr sz="900"/>
+              <a:defRPr sz="1000"/>
             </a:lvl5pPr>
             <a:lvl6pPr marL="2286000" indent="0">
               <a:buNone/>
-              <a:defRPr sz="900"/>
+              <a:defRPr sz="1000"/>
             </a:lvl6pPr>
             <a:lvl7pPr marL="2743200" indent="0">
               <a:buNone/>
-              <a:defRPr sz="900"/>
+              <a:defRPr sz="1000"/>
             </a:lvl7pPr>
             <a:lvl8pPr marL="3200400" indent="0">
               <a:buNone/>
-              <a:defRPr sz="900"/>
+              <a:defRPr sz="1000"/>
             </a:lvl8pPr>
             <a:lvl9pPr marL="3657600" indent="0">
               <a:buNone/>
-              <a:defRPr sz="900"/>
+              <a:defRPr sz="1000"/>
             </a:lvl9pPr>
           </a:lstStyle>
           <a:p>
             <a:pPr lvl="0"/>
             <a:r>
-              <a:rPr lang="en-US"/>
-              <a:t>Click to edit Master text styles</a:t>
-            </a:r>
-          </a:p>
-        </p:txBody>
-      </p:sp>
-      <p:sp>
-        <p:nvSpPr>
-          <p:cNvPr id="5" name="Date Placeholder 4"/>
+              <a:rPr lang="pt-BR"/>
+              <a:t>Clique para editar os estilos de texto Mestres</a:t>
+            </a:r>
+          </a:p>
+        </p:txBody>
+      </p:sp>
+      <p:sp>
+        <p:nvSpPr>
+          <p:cNvPr id="5" name="Espaço Reservado para Data 4">
+            <a:extLst>
+              <a:ext uri="{FF2B5EF4-FFF2-40B4-BE49-F238E27FC236}">
+                <a16:creationId xmlns:a16="http://schemas.microsoft.com/office/drawing/2014/main" id="{634DCF15-0C3D-15E0-CA52-B725D2BBDA6E}"/>
+              </a:ext>
+            </a:extLst>
+          </p:cNvPr>
           <p:cNvSpPr>
             <a:spLocks noGrp="1"/>
           </p:cNvSpPr>
@@ -2250,17 +2378,23 @@
           <a:bodyPr/>
           <a:lstStyle/>
           <a:p>
-            <a:fld id="{5BCAD085-E8A6-8845-BD4E-CB4CCA059FC4}" type="datetimeFigureOut">
-              <a:rPr lang="en-US" smtClean="0"/>
-              <a:t>5/27/2025</a:t>
+            <a:fld id="{6B41E399-D0A3-4498-B3E0-9E6446FE780E}" type="datetimeFigureOut">
+              <a:rPr lang="pt-BR" smtClean="0"/>
+              <a:t>27/05/2025</a:t>
             </a:fld>
-            <a:endParaRPr lang="en-US"/>
-          </a:p>
-        </p:txBody>
-      </p:sp>
-      <p:sp>
-        <p:nvSpPr>
-          <p:cNvPr id="6" name="Footer Placeholder 5"/>
+            <a:endParaRPr lang="pt-BR"/>
+          </a:p>
+        </p:txBody>
+      </p:sp>
+      <p:sp>
+        <p:nvSpPr>
+          <p:cNvPr id="6" name="Espaço Reservado para Rodapé 5">
+            <a:extLst>
+              <a:ext uri="{FF2B5EF4-FFF2-40B4-BE49-F238E27FC236}">
+                <a16:creationId xmlns:a16="http://schemas.microsoft.com/office/drawing/2014/main" id="{6C355FAD-8A19-A81F-DBC4-95169A4A1BE7}"/>
+              </a:ext>
+            </a:extLst>
+          </p:cNvPr>
           <p:cNvSpPr>
             <a:spLocks noGrp="1"/>
           </p:cNvSpPr>
@@ -2273,13 +2407,19 @@
           <a:bodyPr/>
           <a:lstStyle/>
           <a:p>
-            <a:endParaRPr lang="en-US"/>
-          </a:p>
-        </p:txBody>
-      </p:sp>
-      <p:sp>
-        <p:nvSpPr>
-          <p:cNvPr id="7" name="Slide Number Placeholder 6"/>
+            <a:endParaRPr lang="pt-BR"/>
+          </a:p>
+        </p:txBody>
+      </p:sp>
+      <p:sp>
+        <p:nvSpPr>
+          <p:cNvPr id="7" name="Espaço Reservado para Número de Slide 6">
+            <a:extLst>
+              <a:ext uri="{FF2B5EF4-FFF2-40B4-BE49-F238E27FC236}">
+                <a16:creationId xmlns:a16="http://schemas.microsoft.com/office/drawing/2014/main" id="{36E2072F-C99A-B939-C04F-D10CA5BC97EA}"/>
+              </a:ext>
+            </a:extLst>
+          </p:cNvPr>
           <p:cNvSpPr>
             <a:spLocks noGrp="1"/>
           </p:cNvSpPr>
@@ -2292,18 +2432,18 @@
           <a:bodyPr/>
           <a:lstStyle/>
           <a:p>
-            <a:fld id="{C1FF6DA9-008F-8B48-92A6-B652298478BF}" type="slidenum">
-              <a:rPr lang="en-US" smtClean="0"/>
+            <a:fld id="{70EFE1CA-2B32-4008-9B20-345CAE736A93}" type="slidenum">
+              <a:rPr lang="pt-BR" smtClean="0"/>
               <a:t>‹nº›</a:t>
             </a:fld>
-            <a:endParaRPr lang="en-US"/>
+            <a:endParaRPr lang="pt-BR"/>
           </a:p>
         </p:txBody>
       </p:sp>
     </p:spTree>
     <p:extLst>
       <p:ext uri="{BB962C8B-B14F-4D97-AF65-F5344CB8AC3E}">
-        <p14:creationId xmlns:p14="http://schemas.microsoft.com/office/powerpoint/2010/main" val="1840726560"/>
+        <p14:creationId xmlns:p14="http://schemas.microsoft.com/office/powerpoint/2010/main" val="6751387"/>
       </p:ext>
     </p:extLst>
   </p:cSld>
@@ -2315,7 +2455,7 @@
 
 <file path=ppt/slideLayouts/slideLayout9.xml><?xml version="1.0" encoding="utf-8"?>
 <p:sldLayout xmlns:a="http://schemas.openxmlformats.org/drawingml/2006/main" xmlns:r="http://schemas.openxmlformats.org/officeDocument/2006/relationships" xmlns:p="http://schemas.openxmlformats.org/presentationml/2006/main" type="picTx" preserve="1">
-  <p:cSld name="Picture with Caption">
+  <p:cSld name="Imagem com Legenda">
     <p:spTree>
       <p:nvGrpSpPr>
         <p:cNvPr id="1" name=""/>
@@ -2332,7 +2472,13 @@
       </p:grpSpPr>
       <p:sp>
         <p:nvSpPr>
-          <p:cNvPr id="2" name="Title 1"/>
+          <p:cNvPr id="2" name="Título 1">
+            <a:extLst>
+              <a:ext uri="{FF2B5EF4-FFF2-40B4-BE49-F238E27FC236}">
+                <a16:creationId xmlns:a16="http://schemas.microsoft.com/office/drawing/2014/main" id="{1792A4CB-C47F-63DA-505B-D575F64A51D3}"/>
+              </a:ext>
+            </a:extLst>
+          </p:cNvPr>
           <p:cNvSpPr>
             <a:spLocks noGrp="1"/>
           </p:cNvSpPr>
@@ -2342,28 +2488,34 @@
         </p:nvSpPr>
         <p:spPr>
           <a:xfrm>
-            <a:off x="1792288" y="4800600"/>
-            <a:ext cx="5486400" cy="566738"/>
+            <a:off x="839788" y="457200"/>
+            <a:ext cx="3932237" cy="1600200"/>
           </a:xfrm>
         </p:spPr>
         <p:txBody>
           <a:bodyPr anchor="b"/>
           <a:lstStyle>
-            <a:lvl1pPr algn="l">
-              <a:defRPr sz="2000" b="1"/>
+            <a:lvl1pPr>
+              <a:defRPr sz="3200"/>
             </a:lvl1pPr>
           </a:lstStyle>
           <a:p>
             <a:r>
-              <a:rPr lang="en-US"/>
-              <a:t>Click to edit Master title style</a:t>
-            </a:r>
-          </a:p>
-        </p:txBody>
-      </p:sp>
-      <p:sp>
-        <p:nvSpPr>
-          <p:cNvPr id="3" name="Picture Placeholder 2"/>
+              <a:rPr lang="pt-BR"/>
+              <a:t>Clique para editar o título Mestre</a:t>
+            </a:r>
+          </a:p>
+        </p:txBody>
+      </p:sp>
+      <p:sp>
+        <p:nvSpPr>
+          <p:cNvPr id="3" name="Espaço Reservado para Imagem 2">
+            <a:extLst>
+              <a:ext uri="{FF2B5EF4-FFF2-40B4-BE49-F238E27FC236}">
+                <a16:creationId xmlns:a16="http://schemas.microsoft.com/office/drawing/2014/main" id="{9F8BFC32-784B-DD08-4804-B85547A31722}"/>
+              </a:ext>
+            </a:extLst>
+          </p:cNvPr>
           <p:cNvSpPr>
             <a:spLocks noGrp="1"/>
           </p:cNvSpPr>
@@ -2373,8 +2525,8 @@
         </p:nvSpPr>
         <p:spPr>
           <a:xfrm>
-            <a:off x="1792288" y="612775"/>
-            <a:ext cx="5486400" cy="4114800"/>
+            <a:off x="5183188" y="987425"/>
+            <a:ext cx="6172200" cy="4873625"/>
           </a:xfrm>
         </p:spPr>
         <p:txBody>
@@ -2418,13 +2570,19 @@
             </a:lvl9pPr>
           </a:lstStyle>
           <a:p>
-            <a:endParaRPr lang="en-US"/>
-          </a:p>
-        </p:txBody>
-      </p:sp>
-      <p:sp>
-        <p:nvSpPr>
-          <p:cNvPr id="4" name="Text Placeholder 3"/>
+            <a:endParaRPr lang="pt-BR"/>
+          </a:p>
+        </p:txBody>
+      </p:sp>
+      <p:sp>
+        <p:nvSpPr>
+          <p:cNvPr id="4" name="Espaço Reservado para Texto 3">
+            <a:extLst>
+              <a:ext uri="{FF2B5EF4-FFF2-40B4-BE49-F238E27FC236}">
+                <a16:creationId xmlns:a16="http://schemas.microsoft.com/office/drawing/2014/main" id="{F8C0855C-96CA-D881-5691-738096D47504}"/>
+              </a:ext>
+            </a:extLst>
+          </p:cNvPr>
           <p:cNvSpPr>
             <a:spLocks noGrp="1"/>
           </p:cNvSpPr>
@@ -2434,8 +2592,8 @@
         </p:nvSpPr>
         <p:spPr>
           <a:xfrm>
-            <a:off x="1792288" y="5367338"/>
-            <a:ext cx="5486400" cy="804862"/>
+            <a:off x="839788" y="2057400"/>
+            <a:ext cx="3932237" cy="3811588"/>
           </a:xfrm>
         </p:spPr>
         <p:txBody>
@@ -2443,53 +2601,59 @@
           <a:lstStyle>
             <a:lvl1pPr marL="0" indent="0">
               <a:buNone/>
-              <a:defRPr sz="1400"/>
+              <a:defRPr sz="1600"/>
             </a:lvl1pPr>
             <a:lvl2pPr marL="457200" indent="0">
               <a:buNone/>
-              <a:defRPr sz="1200"/>
+              <a:defRPr sz="1400"/>
             </a:lvl2pPr>
             <a:lvl3pPr marL="914400" indent="0">
               <a:buNone/>
-              <a:defRPr sz="1000"/>
+              <a:defRPr sz="1200"/>
             </a:lvl3pPr>
             <a:lvl4pPr marL="1371600" indent="0">
               <a:buNone/>
-              <a:defRPr sz="900"/>
+              <a:defRPr sz="1000"/>
             </a:lvl4pPr>
             <a:lvl5pPr marL="1828800" indent="0">
               <a:buNone/>
-              <a:defRPr sz="900"/>
+              <a:defRPr sz="1000"/>
             </a:lvl5pPr>
             <a:lvl6pPr marL="2286000" indent="0">
               <a:buNone/>
-              <a:defRPr sz="900"/>
+              <a:defRPr sz="1000"/>
             </a:lvl6pPr>
             <a:lvl7pPr marL="2743200" indent="0">
               <a:buNone/>
-              <a:defRPr sz="900"/>
+              <a:defRPr sz="1000"/>
             </a:lvl7pPr>
             <a:lvl8pPr marL="3200400" indent="0">
               <a:buNone/>
-              <a:defRPr sz="900"/>
+              <a:defRPr sz="1000"/>
             </a:lvl8pPr>
             <a:lvl9pPr marL="3657600" indent="0">
               <a:buNone/>
-              <a:defRPr sz="900"/>
+              <a:defRPr sz="1000"/>
             </a:lvl9pPr>
           </a:lstStyle>
           <a:p>
             <a:pPr lvl="0"/>
             <a:r>
-              <a:rPr lang="en-US"/>
-              <a:t>Click to edit Master text styles</a:t>
-            </a:r>
-          </a:p>
-        </p:txBody>
-      </p:sp>
-      <p:sp>
-        <p:nvSpPr>
-          <p:cNvPr id="5" name="Date Placeholder 4"/>
+              <a:rPr lang="pt-BR"/>
+              <a:t>Clique para editar os estilos de texto Mestres</a:t>
+            </a:r>
+          </a:p>
+        </p:txBody>
+      </p:sp>
+      <p:sp>
+        <p:nvSpPr>
+          <p:cNvPr id="5" name="Espaço Reservado para Data 4">
+            <a:extLst>
+              <a:ext uri="{FF2B5EF4-FFF2-40B4-BE49-F238E27FC236}">
+                <a16:creationId xmlns:a16="http://schemas.microsoft.com/office/drawing/2014/main" id="{9861F1DD-9766-3A53-0C53-E3F192B1054C}"/>
+              </a:ext>
+            </a:extLst>
+          </p:cNvPr>
           <p:cNvSpPr>
             <a:spLocks noGrp="1"/>
           </p:cNvSpPr>
@@ -2502,17 +2666,23 @@
           <a:bodyPr/>
           <a:lstStyle/>
           <a:p>
-            <a:fld id="{5BCAD085-E8A6-8845-BD4E-CB4CCA059FC4}" type="datetimeFigureOut">
-              <a:rPr lang="en-US" smtClean="0"/>
-              <a:t>5/27/2025</a:t>
+            <a:fld id="{6B41E399-D0A3-4498-B3E0-9E6446FE780E}" type="datetimeFigureOut">
+              <a:rPr lang="pt-BR" smtClean="0"/>
+              <a:t>27/05/2025</a:t>
             </a:fld>
-            <a:endParaRPr lang="en-US"/>
-          </a:p>
-        </p:txBody>
-      </p:sp>
-      <p:sp>
-        <p:nvSpPr>
-          <p:cNvPr id="6" name="Footer Placeholder 5"/>
+            <a:endParaRPr lang="pt-BR"/>
+          </a:p>
+        </p:txBody>
+      </p:sp>
+      <p:sp>
+        <p:nvSpPr>
+          <p:cNvPr id="6" name="Espaço Reservado para Rodapé 5">
+            <a:extLst>
+              <a:ext uri="{FF2B5EF4-FFF2-40B4-BE49-F238E27FC236}">
+                <a16:creationId xmlns:a16="http://schemas.microsoft.com/office/drawing/2014/main" id="{82AF800F-1183-9018-16DC-376D0EF8845B}"/>
+              </a:ext>
+            </a:extLst>
+          </p:cNvPr>
           <p:cNvSpPr>
             <a:spLocks noGrp="1"/>
           </p:cNvSpPr>
@@ -2525,13 +2695,19 @@
           <a:bodyPr/>
           <a:lstStyle/>
           <a:p>
-            <a:endParaRPr lang="en-US"/>
-          </a:p>
-        </p:txBody>
-      </p:sp>
-      <p:sp>
-        <p:nvSpPr>
-          <p:cNvPr id="7" name="Slide Number Placeholder 6"/>
+            <a:endParaRPr lang="pt-BR"/>
+          </a:p>
+        </p:txBody>
+      </p:sp>
+      <p:sp>
+        <p:nvSpPr>
+          <p:cNvPr id="7" name="Espaço Reservado para Número de Slide 6">
+            <a:extLst>
+              <a:ext uri="{FF2B5EF4-FFF2-40B4-BE49-F238E27FC236}">
+                <a16:creationId xmlns:a16="http://schemas.microsoft.com/office/drawing/2014/main" id="{80AB84C8-F3E3-BC05-7327-799001B033E5}"/>
+              </a:ext>
+            </a:extLst>
+          </p:cNvPr>
           <p:cNvSpPr>
             <a:spLocks noGrp="1"/>
           </p:cNvSpPr>
@@ -2544,18 +2720,18 @@
           <a:bodyPr/>
           <a:lstStyle/>
           <a:p>
-            <a:fld id="{C1FF6DA9-008F-8B48-92A6-B652298478BF}" type="slidenum">
-              <a:rPr lang="en-US" smtClean="0"/>
+            <a:fld id="{70EFE1CA-2B32-4008-9B20-345CAE736A93}" type="slidenum">
+              <a:rPr lang="pt-BR" smtClean="0"/>
               <a:t>‹nº›</a:t>
             </a:fld>
-            <a:endParaRPr lang="en-US"/>
+            <a:endParaRPr lang="pt-BR"/>
           </a:p>
         </p:txBody>
       </p:sp>
     </p:spTree>
     <p:extLst>
       <p:ext uri="{BB962C8B-B14F-4D97-AF65-F5344CB8AC3E}">
-        <p14:creationId xmlns:p14="http://schemas.microsoft.com/office/powerpoint/2010/main" val="3889236939"/>
+        <p14:creationId xmlns:p14="http://schemas.microsoft.com/office/powerpoint/2010/main" val="624252090"/>
       </p:ext>
     </p:extLst>
   </p:cSld>
@@ -2589,7 +2765,13 @@
       </p:grpSpPr>
       <p:sp>
         <p:nvSpPr>
-          <p:cNvPr id="2" name="Title Placeholder 1"/>
+          <p:cNvPr id="2" name="Espaço Reservado para Título 1">
+            <a:extLst>
+              <a:ext uri="{FF2B5EF4-FFF2-40B4-BE49-F238E27FC236}">
+                <a16:creationId xmlns:a16="http://schemas.microsoft.com/office/drawing/2014/main" id="{CC3A97BD-C6CF-D6B5-6A25-2EFEDDF4B529}"/>
+              </a:ext>
+            </a:extLst>
+          </p:cNvPr>
           <p:cNvSpPr>
             <a:spLocks noGrp="1"/>
           </p:cNvSpPr>
@@ -2599,8 +2781,8 @@
         </p:nvSpPr>
         <p:spPr>
           <a:xfrm>
-            <a:off x="457200" y="274638"/>
-            <a:ext cx="8229600" cy="1143000"/>
+            <a:off x="838200" y="365125"/>
+            <a:ext cx="10515600" cy="1325563"/>
           </a:xfrm>
           <a:prstGeom prst="rect">
             <a:avLst/>
@@ -2613,15 +2795,21 @@
           <a:lstStyle/>
           <a:p>
             <a:r>
-              <a:rPr lang="en-US"/>
-              <a:t>Click to edit Master title style</a:t>
-            </a:r>
-          </a:p>
-        </p:txBody>
-      </p:sp>
-      <p:sp>
-        <p:nvSpPr>
-          <p:cNvPr id="3" name="Text Placeholder 2"/>
+              <a:rPr lang="pt-BR"/>
+              <a:t>Clique para editar o título Mestre</a:t>
+            </a:r>
+          </a:p>
+        </p:txBody>
+      </p:sp>
+      <p:sp>
+        <p:nvSpPr>
+          <p:cNvPr id="3" name="Espaço Reservado para Texto 2">
+            <a:extLst>
+              <a:ext uri="{FF2B5EF4-FFF2-40B4-BE49-F238E27FC236}">
+                <a16:creationId xmlns:a16="http://schemas.microsoft.com/office/drawing/2014/main" id="{7EF5F032-59DF-A1CA-8CF4-37B47ABD0125}"/>
+              </a:ext>
+            </a:extLst>
+          </p:cNvPr>
           <p:cNvSpPr>
             <a:spLocks noGrp="1"/>
           </p:cNvSpPr>
@@ -2631,8 +2819,8 @@
         </p:nvSpPr>
         <p:spPr>
           <a:xfrm>
-            <a:off x="457200" y="1600200"/>
-            <a:ext cx="8229600" cy="4525963"/>
+            <a:off x="838200" y="1825625"/>
+            <a:ext cx="10515600" cy="4351338"/>
           </a:xfrm>
           <a:prstGeom prst="rect">
             <a:avLst/>
@@ -2646,43 +2834,49 @@
           <a:p>
             <a:pPr lvl="0"/>
             <a:r>
-              <a:rPr lang="en-US"/>
-              <a:t>Click to edit Master text styles</a:t>
+              <a:rPr lang="pt-BR"/>
+              <a:t>Clique para editar os estilos de texto Mestres</a:t>
             </a:r>
           </a:p>
           <a:p>
             <a:pPr lvl="1"/>
             <a:r>
-              <a:rPr lang="en-US"/>
-              <a:t>Second level</a:t>
+              <a:rPr lang="pt-BR"/>
+              <a:t>Segundo nível</a:t>
             </a:r>
           </a:p>
           <a:p>
             <a:pPr lvl="2"/>
             <a:r>
-              <a:rPr lang="en-US"/>
-              <a:t>Third level</a:t>
+              <a:rPr lang="pt-BR"/>
+              <a:t>Terceiro nível</a:t>
             </a:r>
           </a:p>
           <a:p>
             <a:pPr lvl="3"/>
             <a:r>
-              <a:rPr lang="en-US"/>
-              <a:t>Fourth level</a:t>
+              <a:rPr lang="pt-BR"/>
+              <a:t>Quarto nível</a:t>
             </a:r>
           </a:p>
           <a:p>
             <a:pPr lvl="4"/>
             <a:r>
-              <a:rPr lang="en-US"/>
-              <a:t>Fifth level</a:t>
-            </a:r>
-          </a:p>
-        </p:txBody>
-      </p:sp>
-      <p:sp>
-        <p:nvSpPr>
-          <p:cNvPr id="4" name="Date Placeholder 3"/>
+              <a:rPr lang="pt-BR"/>
+              <a:t>Quinto nível</a:t>
+            </a:r>
+          </a:p>
+        </p:txBody>
+      </p:sp>
+      <p:sp>
+        <p:nvSpPr>
+          <p:cNvPr id="4" name="Espaço Reservado para Data 3">
+            <a:extLst>
+              <a:ext uri="{FF2B5EF4-FFF2-40B4-BE49-F238E27FC236}">
+                <a16:creationId xmlns:a16="http://schemas.microsoft.com/office/drawing/2014/main" id="{A6A4F7D2-92D9-4E12-FA48-5BCB7747A2CF}"/>
+              </a:ext>
+            </a:extLst>
+          </p:cNvPr>
           <p:cNvSpPr>
             <a:spLocks noGrp="1"/>
           </p:cNvSpPr>
@@ -2692,8 +2886,8 @@
         </p:nvSpPr>
         <p:spPr>
           <a:xfrm>
-            <a:off x="457200" y="6356350"/>
-            <a:ext cx="2133600" cy="365125"/>
+            <a:off x="838200" y="6356350"/>
+            <a:ext cx="2743200" cy="365125"/>
           </a:xfrm>
           <a:prstGeom prst="rect">
             <a:avLst/>
@@ -2706,24 +2900,30 @@
               <a:defRPr sz="1200">
                 <a:solidFill>
                   <a:schemeClr val="tx1">
-                    <a:tint val="75000"/>
+                    <a:tint val="82000"/>
                   </a:schemeClr>
                 </a:solidFill>
               </a:defRPr>
             </a:lvl1pPr>
           </a:lstStyle>
           <a:p>
-            <a:fld id="{5BCAD085-E8A6-8845-BD4E-CB4CCA059FC4}" type="datetimeFigureOut">
-              <a:rPr lang="en-US" smtClean="0"/>
-              <a:t>5/27/2025</a:t>
+            <a:fld id="{6B41E399-D0A3-4498-B3E0-9E6446FE780E}" type="datetimeFigureOut">
+              <a:rPr lang="pt-BR" smtClean="0"/>
+              <a:t>27/05/2025</a:t>
             </a:fld>
-            <a:endParaRPr lang="en-US"/>
-          </a:p>
-        </p:txBody>
-      </p:sp>
-      <p:sp>
-        <p:nvSpPr>
-          <p:cNvPr id="5" name="Footer Placeholder 4"/>
+            <a:endParaRPr lang="pt-BR"/>
+          </a:p>
+        </p:txBody>
+      </p:sp>
+      <p:sp>
+        <p:nvSpPr>
+          <p:cNvPr id="5" name="Espaço Reservado para Rodapé 4">
+            <a:extLst>
+              <a:ext uri="{FF2B5EF4-FFF2-40B4-BE49-F238E27FC236}">
+                <a16:creationId xmlns:a16="http://schemas.microsoft.com/office/drawing/2014/main" id="{D75BCC86-B19A-7D36-82F7-7857AD5F805F}"/>
+              </a:ext>
+            </a:extLst>
+          </p:cNvPr>
           <p:cNvSpPr>
             <a:spLocks noGrp="1"/>
           </p:cNvSpPr>
@@ -2733,8 +2933,8 @@
         </p:nvSpPr>
         <p:spPr>
           <a:xfrm>
-            <a:off x="3124200" y="6356350"/>
-            <a:ext cx="2895600" cy="365125"/>
+            <a:off x="4038600" y="6356350"/>
+            <a:ext cx="4114800" cy="365125"/>
           </a:xfrm>
           <a:prstGeom prst="rect">
             <a:avLst/>
@@ -2747,20 +2947,26 @@
               <a:defRPr sz="1200">
                 <a:solidFill>
                   <a:schemeClr val="tx1">
-                    <a:tint val="75000"/>
+                    <a:tint val="82000"/>
                   </a:schemeClr>
                 </a:solidFill>
               </a:defRPr>
             </a:lvl1pPr>
           </a:lstStyle>
           <a:p>
-            <a:endParaRPr lang="en-US"/>
-          </a:p>
-        </p:txBody>
-      </p:sp>
-      <p:sp>
-        <p:nvSpPr>
-          <p:cNvPr id="6" name="Slide Number Placeholder 5"/>
+            <a:endParaRPr lang="pt-BR"/>
+          </a:p>
+        </p:txBody>
+      </p:sp>
+      <p:sp>
+        <p:nvSpPr>
+          <p:cNvPr id="6" name="Espaço Reservado para Número de Slide 5">
+            <a:extLst>
+              <a:ext uri="{FF2B5EF4-FFF2-40B4-BE49-F238E27FC236}">
+                <a16:creationId xmlns:a16="http://schemas.microsoft.com/office/drawing/2014/main" id="{ED3C81CC-9CC1-2197-A96F-88575234AC1B}"/>
+              </a:ext>
+            </a:extLst>
+          </p:cNvPr>
           <p:cNvSpPr>
             <a:spLocks noGrp="1"/>
           </p:cNvSpPr>
@@ -2770,8 +2976,8 @@
         </p:nvSpPr>
         <p:spPr>
           <a:xfrm>
-            <a:off x="6553200" y="6356350"/>
-            <a:ext cx="2133600" cy="365125"/>
+            <a:off x="8610600" y="6356350"/>
+            <a:ext cx="2743200" cy="365125"/>
           </a:xfrm>
           <a:prstGeom prst="rect">
             <a:avLst/>
@@ -2784,25 +2990,25 @@
               <a:defRPr sz="1200">
                 <a:solidFill>
                   <a:schemeClr val="tx1">
-                    <a:tint val="75000"/>
+                    <a:tint val="82000"/>
                   </a:schemeClr>
                 </a:solidFill>
               </a:defRPr>
             </a:lvl1pPr>
           </a:lstStyle>
           <a:p>
-            <a:fld id="{C1FF6DA9-008F-8B48-92A6-B652298478BF}" type="slidenum">
-              <a:rPr lang="en-US" smtClean="0"/>
+            <a:fld id="{70EFE1CA-2B32-4008-9B20-345CAE736A93}" type="slidenum">
+              <a:rPr lang="pt-BR" smtClean="0"/>
               <a:t>‹nº›</a:t>
             </a:fld>
-            <a:endParaRPr lang="en-US"/>
+            <a:endParaRPr lang="pt-BR"/>
           </a:p>
         </p:txBody>
       </p:sp>
     </p:spTree>
     <p:extLst>
       <p:ext uri="{BB962C8B-B14F-4D97-AF65-F5344CB8AC3E}">
-        <p14:creationId xmlns:p14="http://schemas.microsoft.com/office/powerpoint/2010/main" val="2209977519"/>
+        <p14:creationId xmlns:p14="http://schemas.microsoft.com/office/powerpoint/2010/main" val="3437616670"/>
       </p:ext>
     </p:extLst>
   </p:cSld>
@@ -2822,7 +3028,10 @@
   </p:sldLayoutIdLst>
   <p:txStyles>
     <p:titleStyle>
-      <a:lvl1pPr algn="ctr" defTabSz="457200" rtl="0" eaLnBrk="1" latinLnBrk="0" hangingPunct="1">
+      <a:lvl1pPr algn="l" defTabSz="914400" rtl="0" eaLnBrk="1" latinLnBrk="0" hangingPunct="1">
+        <a:lnSpc>
+          <a:spcPct val="90000"/>
+        </a:lnSpc>
         <a:spcBef>
           <a:spcPct val="0"/>
         </a:spcBef>
@@ -2838,13 +3047,16 @@
       </a:lvl1pPr>
     </p:titleStyle>
     <p:bodyStyle>
-      <a:lvl1pPr marL="342900" indent="-342900" algn="l" defTabSz="457200" rtl="0" eaLnBrk="1" latinLnBrk="0" hangingPunct="1">
+      <a:lvl1pPr marL="228600" indent="-228600" algn="l" defTabSz="914400" rtl="0" eaLnBrk="1" latinLnBrk="0" hangingPunct="1">
+        <a:lnSpc>
+          <a:spcPct val="90000"/>
+        </a:lnSpc>
         <a:spcBef>
-          <a:spcPct val="20000"/>
+          <a:spcPts val="1000"/>
         </a:spcBef>
-        <a:buFont typeface="Arial"/>
+        <a:buFont typeface="Arial" panose="020B0604020202020204" pitchFamily="34" charset="0"/>
         <a:buChar char="•"/>
-        <a:defRPr sz="3200" kern="1200">
+        <a:defRPr sz="2800" kern="1200">
           <a:solidFill>
             <a:schemeClr val="tx1"/>
           </a:solidFill>
@@ -2853,26 +3065,14 @@
           <a:cs typeface="+mn-cs"/>
         </a:defRPr>
       </a:lvl1pPr>
-      <a:lvl2pPr marL="742950" indent="-285750" algn="l" defTabSz="457200" rtl="0" eaLnBrk="1" latinLnBrk="0" hangingPunct="1">
+      <a:lvl2pPr marL="685800" indent="-228600" algn="l" defTabSz="914400" rtl="0" eaLnBrk="1" latinLnBrk="0" hangingPunct="1">
+        <a:lnSpc>
+          <a:spcPct val="90000"/>
+        </a:lnSpc>
         <a:spcBef>
-          <a:spcPct val="20000"/>
+          <a:spcPts val="500"/>
         </a:spcBef>
-        <a:buFont typeface="Arial"/>
-        <a:buChar char="–"/>
-        <a:defRPr sz="2800" kern="1200">
-          <a:solidFill>
-            <a:schemeClr val="tx1"/>
-          </a:solidFill>
-          <a:latin typeface="+mn-lt"/>
-          <a:ea typeface="+mn-ea"/>
-          <a:cs typeface="+mn-cs"/>
-        </a:defRPr>
-      </a:lvl2pPr>
-      <a:lvl3pPr marL="1143000" indent="-228600" algn="l" defTabSz="457200" rtl="0" eaLnBrk="1" latinLnBrk="0" hangingPunct="1">
-        <a:spcBef>
-          <a:spcPct val="20000"/>
-        </a:spcBef>
-        <a:buFont typeface="Arial"/>
+        <a:buFont typeface="Arial" panose="020B0604020202020204" pitchFamily="34" charset="0"/>
         <a:buChar char="•"/>
         <a:defRPr sz="2400" kern="1200">
           <a:solidFill>
@@ -2882,42 +3082,15 @@
           <a:ea typeface="+mn-ea"/>
           <a:cs typeface="+mn-cs"/>
         </a:defRPr>
-      </a:lvl3pPr>
-      <a:lvl4pPr marL="1600200" indent="-228600" algn="l" defTabSz="457200" rtl="0" eaLnBrk="1" latinLnBrk="0" hangingPunct="1">
+      </a:lvl2pPr>
+      <a:lvl3pPr marL="1143000" indent="-228600" algn="l" defTabSz="914400" rtl="0" eaLnBrk="1" latinLnBrk="0" hangingPunct="1">
+        <a:lnSpc>
+          <a:spcPct val="90000"/>
+        </a:lnSpc>
         <a:spcBef>
-          <a:spcPct val="20000"/>
+          <a:spcPts val="500"/>
         </a:spcBef>
-        <a:buFont typeface="Arial"/>
-        <a:buChar char="–"/>
-        <a:defRPr sz="2000" kern="1200">
-          <a:solidFill>
-            <a:schemeClr val="tx1"/>
-          </a:solidFill>
-          <a:latin typeface="+mn-lt"/>
-          <a:ea typeface="+mn-ea"/>
-          <a:cs typeface="+mn-cs"/>
-        </a:defRPr>
-      </a:lvl4pPr>
-      <a:lvl5pPr marL="2057400" indent="-228600" algn="l" defTabSz="457200" rtl="0" eaLnBrk="1" latinLnBrk="0" hangingPunct="1">
-        <a:spcBef>
-          <a:spcPct val="20000"/>
-        </a:spcBef>
-        <a:buFont typeface="Arial"/>
-        <a:buChar char="»"/>
-        <a:defRPr sz="2000" kern="1200">
-          <a:solidFill>
-            <a:schemeClr val="tx1"/>
-          </a:solidFill>
-          <a:latin typeface="+mn-lt"/>
-          <a:ea typeface="+mn-ea"/>
-          <a:cs typeface="+mn-cs"/>
-        </a:defRPr>
-      </a:lvl5pPr>
-      <a:lvl6pPr marL="2514600" indent="-228600" algn="l" defTabSz="457200" rtl="0" eaLnBrk="1" latinLnBrk="0" hangingPunct="1">
-        <a:spcBef>
-          <a:spcPct val="20000"/>
-        </a:spcBef>
-        <a:buFont typeface="Arial"/>
+        <a:buFont typeface="Arial" panose="020B0604020202020204" pitchFamily="34" charset="0"/>
         <a:buChar char="•"/>
         <a:defRPr sz="2000" kern="1200">
           <a:solidFill>
@@ -2927,14 +3100,71 @@
           <a:ea typeface="+mn-ea"/>
           <a:cs typeface="+mn-cs"/>
         </a:defRPr>
+      </a:lvl3pPr>
+      <a:lvl4pPr marL="1600200" indent="-228600" algn="l" defTabSz="914400" rtl="0" eaLnBrk="1" latinLnBrk="0" hangingPunct="1">
+        <a:lnSpc>
+          <a:spcPct val="90000"/>
+        </a:lnSpc>
+        <a:spcBef>
+          <a:spcPts val="500"/>
+        </a:spcBef>
+        <a:buFont typeface="Arial" panose="020B0604020202020204" pitchFamily="34" charset="0"/>
+        <a:buChar char="•"/>
+        <a:defRPr sz="1800" kern="1200">
+          <a:solidFill>
+            <a:schemeClr val="tx1"/>
+          </a:solidFill>
+          <a:latin typeface="+mn-lt"/>
+          <a:ea typeface="+mn-ea"/>
+          <a:cs typeface="+mn-cs"/>
+        </a:defRPr>
+      </a:lvl4pPr>
+      <a:lvl5pPr marL="2057400" indent="-228600" algn="l" defTabSz="914400" rtl="0" eaLnBrk="1" latinLnBrk="0" hangingPunct="1">
+        <a:lnSpc>
+          <a:spcPct val="90000"/>
+        </a:lnSpc>
+        <a:spcBef>
+          <a:spcPts val="500"/>
+        </a:spcBef>
+        <a:buFont typeface="Arial" panose="020B0604020202020204" pitchFamily="34" charset="0"/>
+        <a:buChar char="•"/>
+        <a:defRPr sz="1800" kern="1200">
+          <a:solidFill>
+            <a:schemeClr val="tx1"/>
+          </a:solidFill>
+          <a:latin typeface="+mn-lt"/>
+          <a:ea typeface="+mn-ea"/>
+          <a:cs typeface="+mn-cs"/>
+        </a:defRPr>
+      </a:lvl5pPr>
+      <a:lvl6pPr marL="2514600" indent="-228600" algn="l" defTabSz="914400" rtl="0" eaLnBrk="1" latinLnBrk="0" hangingPunct="1">
+        <a:lnSpc>
+          <a:spcPct val="90000"/>
+        </a:lnSpc>
+        <a:spcBef>
+          <a:spcPts val="500"/>
+        </a:spcBef>
+        <a:buFont typeface="Arial" panose="020B0604020202020204" pitchFamily="34" charset="0"/>
+        <a:buChar char="•"/>
+        <a:defRPr sz="1800" kern="1200">
+          <a:solidFill>
+            <a:schemeClr val="tx1"/>
+          </a:solidFill>
+          <a:latin typeface="+mn-lt"/>
+          <a:ea typeface="+mn-ea"/>
+          <a:cs typeface="+mn-cs"/>
+        </a:defRPr>
       </a:lvl6pPr>
-      <a:lvl7pPr marL="2971800" indent="-228600" algn="l" defTabSz="457200" rtl="0" eaLnBrk="1" latinLnBrk="0" hangingPunct="1">
+      <a:lvl7pPr marL="2971800" indent="-228600" algn="l" defTabSz="914400" rtl="0" eaLnBrk="1" latinLnBrk="0" hangingPunct="1">
+        <a:lnSpc>
+          <a:spcPct val="90000"/>
+        </a:lnSpc>
         <a:spcBef>
-          <a:spcPct val="20000"/>
+          <a:spcPts val="500"/>
         </a:spcBef>
-        <a:buFont typeface="Arial"/>
+        <a:buFont typeface="Arial" panose="020B0604020202020204" pitchFamily="34" charset="0"/>
         <a:buChar char="•"/>
-        <a:defRPr sz="2000" kern="1200">
+        <a:defRPr sz="1800" kern="1200">
           <a:solidFill>
             <a:schemeClr val="tx1"/>
           </a:solidFill>
@@ -2943,13 +3173,16 @@
           <a:cs typeface="+mn-cs"/>
         </a:defRPr>
       </a:lvl7pPr>
-      <a:lvl8pPr marL="3429000" indent="-228600" algn="l" defTabSz="457200" rtl="0" eaLnBrk="1" latinLnBrk="0" hangingPunct="1">
+      <a:lvl8pPr marL="3429000" indent="-228600" algn="l" defTabSz="914400" rtl="0" eaLnBrk="1" latinLnBrk="0" hangingPunct="1">
+        <a:lnSpc>
+          <a:spcPct val="90000"/>
+        </a:lnSpc>
         <a:spcBef>
-          <a:spcPct val="20000"/>
+          <a:spcPts val="500"/>
         </a:spcBef>
-        <a:buFont typeface="Arial"/>
+        <a:buFont typeface="Arial" panose="020B0604020202020204" pitchFamily="34" charset="0"/>
         <a:buChar char="•"/>
-        <a:defRPr sz="2000" kern="1200">
+        <a:defRPr sz="1800" kern="1200">
           <a:solidFill>
             <a:schemeClr val="tx1"/>
           </a:solidFill>
@@ -2958,13 +3191,16 @@
           <a:cs typeface="+mn-cs"/>
         </a:defRPr>
       </a:lvl8pPr>
-      <a:lvl9pPr marL="3886200" indent="-228600" algn="l" defTabSz="457200" rtl="0" eaLnBrk="1" latinLnBrk="0" hangingPunct="1">
+      <a:lvl9pPr marL="3886200" indent="-228600" algn="l" defTabSz="914400" rtl="0" eaLnBrk="1" latinLnBrk="0" hangingPunct="1">
+        <a:lnSpc>
+          <a:spcPct val="90000"/>
+        </a:lnSpc>
         <a:spcBef>
-          <a:spcPct val="20000"/>
+          <a:spcPts val="500"/>
         </a:spcBef>
-        <a:buFont typeface="Arial"/>
+        <a:buFont typeface="Arial" panose="020B0604020202020204" pitchFamily="34" charset="0"/>
         <a:buChar char="•"/>
-        <a:defRPr sz="2000" kern="1200">
+        <a:defRPr sz="1800" kern="1200">
           <a:solidFill>
             <a:schemeClr val="tx1"/>
           </a:solidFill>
@@ -2976,9 +3212,9 @@
     </p:bodyStyle>
     <p:otherStyle>
       <a:defPPr>
-        <a:defRPr lang="en-US"/>
+        <a:defRPr lang="pt-BR"/>
       </a:defPPr>
-      <a:lvl1pPr marL="0" algn="l" defTabSz="457200" rtl="0" eaLnBrk="1" latinLnBrk="0" hangingPunct="1">
+      <a:lvl1pPr marL="0" algn="l" defTabSz="914400" rtl="0" eaLnBrk="1" latinLnBrk="0" hangingPunct="1">
         <a:defRPr sz="1800" kern="1200">
           <a:solidFill>
             <a:schemeClr val="tx1"/>
@@ -2988,7 +3224,7 @@
           <a:cs typeface="+mn-cs"/>
         </a:defRPr>
       </a:lvl1pPr>
-      <a:lvl2pPr marL="457200" algn="l" defTabSz="457200" rtl="0" eaLnBrk="1" latinLnBrk="0" hangingPunct="1">
+      <a:lvl2pPr marL="457200" algn="l" defTabSz="914400" rtl="0" eaLnBrk="1" latinLnBrk="0" hangingPunct="1">
         <a:defRPr sz="1800" kern="1200">
           <a:solidFill>
             <a:schemeClr val="tx1"/>
@@ -2998,7 +3234,7 @@
           <a:cs typeface="+mn-cs"/>
         </a:defRPr>
       </a:lvl2pPr>
-      <a:lvl3pPr marL="914400" algn="l" defTabSz="457200" rtl="0" eaLnBrk="1" latinLnBrk="0" hangingPunct="1">
+      <a:lvl3pPr marL="914400" algn="l" defTabSz="914400" rtl="0" eaLnBrk="1" latinLnBrk="0" hangingPunct="1">
         <a:defRPr sz="1800" kern="1200">
           <a:solidFill>
             <a:schemeClr val="tx1"/>
@@ -3008,7 +3244,7 @@
           <a:cs typeface="+mn-cs"/>
         </a:defRPr>
       </a:lvl3pPr>
-      <a:lvl4pPr marL="1371600" algn="l" defTabSz="457200" rtl="0" eaLnBrk="1" latinLnBrk="0" hangingPunct="1">
+      <a:lvl4pPr marL="1371600" algn="l" defTabSz="914400" rtl="0" eaLnBrk="1" latinLnBrk="0" hangingPunct="1">
         <a:defRPr sz="1800" kern="1200">
           <a:solidFill>
             <a:schemeClr val="tx1"/>
@@ -3018,7 +3254,7 @@
           <a:cs typeface="+mn-cs"/>
         </a:defRPr>
       </a:lvl4pPr>
-      <a:lvl5pPr marL="1828800" algn="l" defTabSz="457200" rtl="0" eaLnBrk="1" latinLnBrk="0" hangingPunct="1">
+      <a:lvl5pPr marL="1828800" algn="l" defTabSz="914400" rtl="0" eaLnBrk="1" latinLnBrk="0" hangingPunct="1">
         <a:defRPr sz="1800" kern="1200">
           <a:solidFill>
             <a:schemeClr val="tx1"/>
@@ -3028,7 +3264,7 @@
           <a:cs typeface="+mn-cs"/>
         </a:defRPr>
       </a:lvl5pPr>
-      <a:lvl6pPr marL="2286000" algn="l" defTabSz="457200" rtl="0" eaLnBrk="1" latinLnBrk="0" hangingPunct="1">
+      <a:lvl6pPr marL="2286000" algn="l" defTabSz="914400" rtl="0" eaLnBrk="1" latinLnBrk="0" hangingPunct="1">
         <a:defRPr sz="1800" kern="1200">
           <a:solidFill>
             <a:schemeClr val="tx1"/>
@@ -3038,7 +3274,7 @@
           <a:cs typeface="+mn-cs"/>
         </a:defRPr>
       </a:lvl6pPr>
-      <a:lvl7pPr marL="2743200" algn="l" defTabSz="457200" rtl="0" eaLnBrk="1" latinLnBrk="0" hangingPunct="1">
+      <a:lvl7pPr marL="2743200" algn="l" defTabSz="914400" rtl="0" eaLnBrk="1" latinLnBrk="0" hangingPunct="1">
         <a:defRPr sz="1800" kern="1200">
           <a:solidFill>
             <a:schemeClr val="tx1"/>
@@ -3048,7 +3284,7 @@
           <a:cs typeface="+mn-cs"/>
         </a:defRPr>
       </a:lvl7pPr>
-      <a:lvl8pPr marL="3200400" algn="l" defTabSz="457200" rtl="0" eaLnBrk="1" latinLnBrk="0" hangingPunct="1">
+      <a:lvl8pPr marL="3200400" algn="l" defTabSz="914400" rtl="0" eaLnBrk="1" latinLnBrk="0" hangingPunct="1">
         <a:defRPr sz="1800" kern="1200">
           <a:solidFill>
             <a:schemeClr val="tx1"/>
@@ -3058,7 +3294,7 @@
           <a:cs typeface="+mn-cs"/>
         </a:defRPr>
       </a:lvl8pPr>
-      <a:lvl9pPr marL="3657600" algn="l" defTabSz="457200" rtl="0" eaLnBrk="1" latinLnBrk="0" hangingPunct="1">
+      <a:lvl9pPr marL="3657600" algn="l" defTabSz="914400" rtl="0" eaLnBrk="1" latinLnBrk="0" hangingPunct="1">
         <a:defRPr sz="1800" kern="1200">
           <a:solidFill>
             <a:schemeClr val="tx1"/>
@@ -3092,14 +3328,126 @@
       </p:grpSpPr>
       <p:sp>
         <p:nvSpPr>
-          <p:cNvPr id="2" name="TextBox 1"/>
+          <p:cNvPr id="8" name="Retângulo 7">
+            <a:extLst>
+              <a:ext uri="{FF2B5EF4-FFF2-40B4-BE49-F238E27FC236}">
+                <a16:creationId xmlns:a16="http://schemas.microsoft.com/office/drawing/2014/main" id="{FEB689ED-4D3A-0434-5957-45766B48FBE1}"/>
+              </a:ext>
+            </a:extLst>
+          </p:cNvPr>
+          <p:cNvSpPr/>
+          <p:nvPr/>
+        </p:nvSpPr>
+        <p:spPr>
+          <a:xfrm>
+            <a:off x="4041423" y="0"/>
+            <a:ext cx="4109152" cy="8797474"/>
+          </a:xfrm>
+          <a:prstGeom prst="rect">
+            <a:avLst/>
+          </a:prstGeom>
+          <a:solidFill>
+            <a:schemeClr val="bg1">
+              <a:lumMod val="95000"/>
+            </a:schemeClr>
+          </a:solidFill>
+          <a:ln>
+            <a:noFill/>
+          </a:ln>
+        </p:spPr>
+        <p:style>
+          <a:lnRef idx="2">
+            <a:schemeClr val="accent1">
+              <a:shade val="15000"/>
+            </a:schemeClr>
+          </a:lnRef>
+          <a:fillRef idx="1">
+            <a:schemeClr val="accent1"/>
+          </a:fillRef>
+          <a:effectRef idx="0">
+            <a:schemeClr val="accent1"/>
+          </a:effectRef>
+          <a:fontRef idx="minor">
+            <a:schemeClr val="lt1"/>
+          </a:fontRef>
+        </p:style>
+        <p:txBody>
+          <a:bodyPr rtlCol="0" anchor="ctr"/>
+          <a:lstStyle/>
+          <a:p>
+            <a:pPr algn="ctr"/>
+            <a:endParaRPr lang="pt-BR" dirty="0"/>
+          </a:p>
+        </p:txBody>
+      </p:sp>
+      <p:cxnSp>
+        <p:nvCxnSpPr>
+          <p:cNvPr id="9" name="Conector reto 8">
+            <a:extLst>
+              <a:ext uri="{FF2B5EF4-FFF2-40B4-BE49-F238E27FC236}">
+                <a16:creationId xmlns:a16="http://schemas.microsoft.com/office/drawing/2014/main" id="{C62BAC27-C429-EB53-EDA7-C9916ACC2BE4}"/>
+              </a:ext>
+            </a:extLst>
+          </p:cNvPr>
+          <p:cNvCxnSpPr>
+            <a:cxnSpLocks/>
+          </p:cNvCxnSpPr>
+          <p:nvPr/>
+        </p:nvCxnSpPr>
+        <p:spPr>
+          <a:xfrm>
+            <a:off x="0" y="3429000"/>
+            <a:ext cx="12192000" cy="0"/>
+          </a:xfrm>
+          <a:prstGeom prst="line">
+            <a:avLst/>
+          </a:prstGeom>
+          <a:ln>
+            <a:solidFill>
+              <a:schemeClr val="bg1">
+                <a:lumMod val="85000"/>
+              </a:schemeClr>
+            </a:solidFill>
+          </a:ln>
+          <a:effectLst>
+            <a:outerShdw blurRad="50800" dist="38100" dir="2700000" algn="tl" rotWithShape="0">
+              <a:prstClr val="black">
+                <a:alpha val="40000"/>
+              </a:prstClr>
+            </a:outerShdw>
+          </a:effectLst>
+        </p:spPr>
+        <p:style>
+          <a:lnRef idx="1">
+            <a:schemeClr val="accent1"/>
+          </a:lnRef>
+          <a:fillRef idx="0">
+            <a:schemeClr val="accent1"/>
+          </a:fillRef>
+          <a:effectRef idx="0">
+            <a:schemeClr val="accent1"/>
+          </a:effectRef>
+          <a:fontRef idx="minor">
+            <a:schemeClr val="tx1"/>
+          </a:fontRef>
+        </p:style>
+      </p:cxnSp>
+      <p:sp>
+        <p:nvSpPr>
+          <p:cNvPr id="7" name="TextBox 1">
+            <a:extLst>
+              <a:ext uri="{FF2B5EF4-FFF2-40B4-BE49-F238E27FC236}">
+                <a16:creationId xmlns:a16="http://schemas.microsoft.com/office/drawing/2014/main" id="{EACAF8D2-0B77-548E-765A-56116104547A}"/>
+              </a:ext>
+            </a:extLst>
+          </p:cNvPr>
           <p:cNvSpPr txBox="1"/>
           <p:nvPr/>
         </p:nvSpPr>
         <p:spPr>
           <a:xfrm>
-            <a:off x="3799184" y="582601"/>
-            <a:ext cx="3931920" cy="646331"/>
+            <a:off x="109503" y="214122"/>
+            <a:ext cx="3931920" cy="1138773"/>
           </a:xfrm>
           <a:prstGeom prst="rect">
             <a:avLst/>
@@ -3113,67 +3461,195 @@
           <a:lstStyle/>
           <a:p>
             <a:r>
+              <a:rPr lang="pt-BR" sz="2000" dirty="0">
+                <a:solidFill>
+                  <a:schemeClr val="tx1">
+                    <a:lumMod val="65000"/>
+                    <a:lumOff val="35000"/>
+                  </a:schemeClr>
+                </a:solidFill>
+                <a:latin typeface="Arial Unicode MS"/>
+              </a:rPr>
+              <a:t>{{</a:t>
+            </a:r>
+            <a:r>
+              <a:rPr sz="2000" dirty="0" err="1">
+                <a:solidFill>
+                  <a:schemeClr val="tx1">
+                    <a:lumMod val="65000"/>
+                    <a:lumOff val="35000"/>
+                  </a:schemeClr>
+                </a:solidFill>
+                <a:latin typeface="Arial Unicode MS"/>
+              </a:rPr>
+              <a:t>titulo</a:t>
+            </a:r>
+            <a:r>
+              <a:rPr lang="pt-BR" sz="2000" dirty="0">
+                <a:solidFill>
+                  <a:schemeClr val="tx1">
+                    <a:lumMod val="65000"/>
+                    <a:lumOff val="35000"/>
+                  </a:schemeClr>
+                </a:solidFill>
+                <a:latin typeface="Arial Unicode MS"/>
+              </a:rPr>
+              <a:t>0</a:t>
+            </a:r>
+            <a:r>
+              <a:rPr sz="2000" dirty="0">
+                <a:solidFill>
+                  <a:schemeClr val="tx1">
+                    <a:lumMod val="65000"/>
+                    <a:lumOff val="35000"/>
+                  </a:schemeClr>
+                </a:solidFill>
+                <a:latin typeface="Arial Unicode MS"/>
+              </a:rPr>
+              <a:t>}}</a:t>
+            </a:r>
+            <a:endParaRPr lang="pt-BR" sz="2000" dirty="0">
+              <a:solidFill>
+                <a:schemeClr val="tx1">
+                  <a:lumMod val="65000"/>
+                  <a:lumOff val="35000"/>
+                </a:schemeClr>
+              </a:solidFill>
+              <a:latin typeface="Arial Unicode MS"/>
+            </a:endParaRPr>
+          </a:p>
+          <a:p>
+            <a:r>
+              <a:rPr lang="pt-BR" sz="1200" dirty="0">
+                <a:solidFill>
+                  <a:schemeClr val="tx1">
+                    <a:lumMod val="65000"/>
+                    <a:lumOff val="35000"/>
+                  </a:schemeClr>
+                </a:solidFill>
+                <a:latin typeface="Arial Unicode MS"/>
+              </a:rPr>
+              <a:t>{{data0}}</a:t>
+            </a:r>
+            <a:r>
+              <a:rPr lang="pt-BR" dirty="0">
+                <a:solidFill>
+                  <a:schemeClr val="tx1">
+                    <a:lumMod val="65000"/>
+                    <a:lumOff val="35000"/>
+                  </a:schemeClr>
+                </a:solidFill>
+                <a:latin typeface="Arial Unicode MS"/>
+              </a:rPr>
+              <a:t> </a:t>
+            </a:r>
+            <a:r>
+              <a:rPr dirty="0">
+                <a:solidFill>
+                  <a:schemeClr val="tx1">
+                    <a:lumMod val="65000"/>
+                    <a:lumOff val="35000"/>
+                  </a:schemeClr>
+                </a:solidFill>
+                <a:latin typeface="Arial Unicode MS"/>
+              </a:rPr>
+              <a:t>
+</a:t>
+            </a:r>
+            <a:r>
+              <a:rPr sz="1600" dirty="0">
+                <a:solidFill>
+                  <a:schemeClr val="tx1">
+                    <a:lumMod val="65000"/>
+                    <a:lumOff val="35000"/>
+                  </a:schemeClr>
+                </a:solidFill>
+                <a:latin typeface="Arial Unicode MS"/>
+              </a:rPr>
+              <a:t>{{</a:t>
+            </a:r>
+            <a:r>
+              <a:rPr sz="1600" dirty="0" err="1">
+                <a:solidFill>
+                  <a:schemeClr val="tx1">
+                    <a:lumMod val="65000"/>
+                    <a:lumOff val="35000"/>
+                  </a:schemeClr>
+                </a:solidFill>
+                <a:latin typeface="Arial Unicode MS"/>
+              </a:rPr>
+              <a:t>resumo</a:t>
+            </a:r>
+            <a:r>
+              <a:rPr lang="pt-BR" sz="1600" dirty="0">
+                <a:solidFill>
+                  <a:schemeClr val="tx1">
+                    <a:lumMod val="65000"/>
+                    <a:lumOff val="35000"/>
+                  </a:schemeClr>
+                </a:solidFill>
+                <a:latin typeface="Arial Unicode MS"/>
+              </a:rPr>
+              <a:t>0</a:t>
+            </a:r>
+            <a:r>
+              <a:rPr sz="1600" dirty="0">
+                <a:solidFill>
+                  <a:schemeClr val="tx1">
+                    <a:lumMod val="65000"/>
+                    <a:lumOff val="35000"/>
+                  </a:schemeClr>
+                </a:solidFill>
+                <a:latin typeface="Arial Unicode MS"/>
+              </a:rPr>
+              <a:t>}}</a:t>
+            </a:r>
+            <a:r>
+              <a:rPr dirty="0">
+                <a:solidFill>
+                  <a:schemeClr val="tx1">
+                    <a:lumMod val="65000"/>
+                    <a:lumOff val="35000"/>
+                  </a:schemeClr>
+                </a:solidFill>
+                <a:latin typeface="Arial Unicode MS"/>
+              </a:rPr>
+              <a:t>
+</a:t>
+            </a:r>
+            <a:r>
               <a:rPr sz="1200" dirty="0">
                 <a:solidFill>
-                  <a:srgbClr val="000000"/>
-                </a:solidFill>
-                <a:latin typeface="Calibri"/>
-              </a:rPr>
-              <a:t>{{</a:t>
+                  <a:schemeClr val="tx1">
+                    <a:lumMod val="65000"/>
+                    <a:lumOff val="35000"/>
+                  </a:schemeClr>
+                </a:solidFill>
+                <a:latin typeface="Arial Unicode MS"/>
+              </a:rPr>
+              <a:t>{{link</a:t>
             </a:r>
             <a:r>
               <a:rPr lang="pt-BR" sz="1200" dirty="0">
                 <a:solidFill>
-                  <a:srgbClr val="000000"/>
-                </a:solidFill>
-                <a:latin typeface="Calibri"/>
-              </a:rPr>
-              <a:t>cliente0</a:t>
+                  <a:schemeClr val="tx1">
+                    <a:lumMod val="65000"/>
+                    <a:lumOff val="35000"/>
+                  </a:schemeClr>
+                </a:solidFill>
+                <a:latin typeface="Arial Unicode MS"/>
+              </a:rPr>
+              <a:t>0</a:t>
             </a:r>
             <a:r>
               <a:rPr sz="1200" dirty="0">
                 <a:solidFill>
-                  <a:srgbClr val="000000"/>
-                </a:solidFill>
-                <a:latin typeface="Calibri"/>
-              </a:rPr>
-              <a:t>}}
-{{</a:t>
-            </a:r>
-            <a:r>
-              <a:rPr lang="pt-BR" sz="1200" dirty="0">
-                <a:solidFill>
-                  <a:srgbClr val="000000"/>
-                </a:solidFill>
-                <a:latin typeface="Calibri"/>
-              </a:rPr>
-              <a:t>valor0</a:t>
-            </a:r>
-            <a:r>
-              <a:rPr sz="1200" dirty="0">
-                <a:solidFill>
-                  <a:srgbClr val="000000"/>
-                </a:solidFill>
-                <a:latin typeface="Calibri"/>
-              </a:rPr>
-              <a:t>}}
-{{</a:t>
-            </a:r>
-            <a:r>
-              <a:rPr lang="pt-BR" sz="1200" dirty="0">
-                <a:solidFill>
-                  <a:srgbClr val="000000"/>
-                </a:solidFill>
-                <a:latin typeface="Calibri"/>
-              </a:rPr>
-              <a:t>status0</a:t>
-            </a:r>
-            <a:r>
-              <a:rPr sz="1200" dirty="0">
-                <a:solidFill>
-                  <a:srgbClr val="000000"/>
-                </a:solidFill>
-                <a:latin typeface="Calibri"/>
+                  <a:schemeClr val="tx1">
+                    <a:lumMod val="65000"/>
+                    <a:lumOff val="35000"/>
+                  </a:schemeClr>
+                </a:solidFill>
+                <a:latin typeface="Arial Unicode MS"/>
               </a:rPr>
               <a:t>}}</a:t>
             </a:r>
@@ -3182,10 +3658,10 @@
       </p:sp>
       <p:sp>
         <p:nvSpPr>
-          <p:cNvPr id="8" name="TextBox 1">
-            <a:extLst>
-              <a:ext uri="{FF2B5EF4-FFF2-40B4-BE49-F238E27FC236}">
-                <a16:creationId xmlns:a16="http://schemas.microsoft.com/office/drawing/2014/main" id="{304A0505-60F2-87A3-90EA-59873EC861A4}"/>
+          <p:cNvPr id="10" name="TextBox 1">
+            <a:extLst>
+              <a:ext uri="{FF2B5EF4-FFF2-40B4-BE49-F238E27FC236}">
+                <a16:creationId xmlns:a16="http://schemas.microsoft.com/office/drawing/2014/main" id="{10DD7FDE-EB3C-DD78-285C-12D806F41DB5}"/>
               </a:ext>
             </a:extLst>
           </p:cNvPr>
@@ -3194,8 +3670,8 @@
         </p:nvSpPr>
         <p:spPr>
           <a:xfrm>
-            <a:off x="6866849" y="575267"/>
-            <a:ext cx="3931920" cy="646331"/>
+            <a:off x="4130039" y="224354"/>
+            <a:ext cx="3931920" cy="1138773"/>
           </a:xfrm>
           <a:prstGeom prst="rect">
             <a:avLst/>
@@ -3209,67 +3685,195 @@
           <a:lstStyle/>
           <a:p>
             <a:r>
+              <a:rPr lang="pt-BR" sz="2000" dirty="0">
+                <a:solidFill>
+                  <a:schemeClr val="tx1">
+                    <a:lumMod val="65000"/>
+                    <a:lumOff val="35000"/>
+                  </a:schemeClr>
+                </a:solidFill>
+                <a:latin typeface="Arial Unicode MS"/>
+              </a:rPr>
+              <a:t>{{</a:t>
+            </a:r>
+            <a:r>
+              <a:rPr sz="2000" dirty="0" err="1">
+                <a:solidFill>
+                  <a:schemeClr val="tx1">
+                    <a:lumMod val="65000"/>
+                    <a:lumOff val="35000"/>
+                  </a:schemeClr>
+                </a:solidFill>
+                <a:latin typeface="Arial Unicode MS"/>
+              </a:rPr>
+              <a:t>titulo</a:t>
+            </a:r>
+            <a:r>
+              <a:rPr lang="pt-BR" sz="2000" dirty="0">
+                <a:solidFill>
+                  <a:schemeClr val="tx1">
+                    <a:lumMod val="65000"/>
+                    <a:lumOff val="35000"/>
+                  </a:schemeClr>
+                </a:solidFill>
+                <a:latin typeface="Arial Unicode MS"/>
+              </a:rPr>
+              <a:t>1</a:t>
+            </a:r>
+            <a:r>
+              <a:rPr sz="2000" dirty="0">
+                <a:solidFill>
+                  <a:schemeClr val="tx1">
+                    <a:lumMod val="65000"/>
+                    <a:lumOff val="35000"/>
+                  </a:schemeClr>
+                </a:solidFill>
+                <a:latin typeface="Arial Unicode MS"/>
+              </a:rPr>
+              <a:t>}}</a:t>
+            </a:r>
+            <a:endParaRPr lang="pt-BR" sz="2000" dirty="0">
+              <a:solidFill>
+                <a:schemeClr val="tx1">
+                  <a:lumMod val="65000"/>
+                  <a:lumOff val="35000"/>
+                </a:schemeClr>
+              </a:solidFill>
+              <a:latin typeface="Arial Unicode MS"/>
+            </a:endParaRPr>
+          </a:p>
+          <a:p>
+            <a:r>
+              <a:rPr lang="pt-BR" sz="1200" dirty="0">
+                <a:solidFill>
+                  <a:schemeClr val="tx1">
+                    <a:lumMod val="65000"/>
+                    <a:lumOff val="35000"/>
+                  </a:schemeClr>
+                </a:solidFill>
+                <a:latin typeface="Arial Unicode MS"/>
+              </a:rPr>
+              <a:t>{{data1}}</a:t>
+            </a:r>
+            <a:r>
+              <a:rPr lang="pt-BR" dirty="0">
+                <a:solidFill>
+                  <a:schemeClr val="tx1">
+                    <a:lumMod val="65000"/>
+                    <a:lumOff val="35000"/>
+                  </a:schemeClr>
+                </a:solidFill>
+                <a:latin typeface="Arial Unicode MS"/>
+              </a:rPr>
+              <a:t> </a:t>
+            </a:r>
+            <a:r>
+              <a:rPr dirty="0">
+                <a:solidFill>
+                  <a:schemeClr val="tx1">
+                    <a:lumMod val="65000"/>
+                    <a:lumOff val="35000"/>
+                  </a:schemeClr>
+                </a:solidFill>
+                <a:latin typeface="Arial Unicode MS"/>
+              </a:rPr>
+              <a:t>
+</a:t>
+            </a:r>
+            <a:r>
+              <a:rPr sz="1600" dirty="0">
+                <a:solidFill>
+                  <a:schemeClr val="tx1">
+                    <a:lumMod val="65000"/>
+                    <a:lumOff val="35000"/>
+                  </a:schemeClr>
+                </a:solidFill>
+                <a:latin typeface="Arial Unicode MS"/>
+              </a:rPr>
+              <a:t>{{</a:t>
+            </a:r>
+            <a:r>
+              <a:rPr sz="1600" dirty="0" err="1">
+                <a:solidFill>
+                  <a:schemeClr val="tx1">
+                    <a:lumMod val="65000"/>
+                    <a:lumOff val="35000"/>
+                  </a:schemeClr>
+                </a:solidFill>
+                <a:latin typeface="Arial Unicode MS"/>
+              </a:rPr>
+              <a:t>resumo</a:t>
+            </a:r>
+            <a:r>
+              <a:rPr lang="pt-BR" sz="1600" dirty="0">
+                <a:solidFill>
+                  <a:schemeClr val="tx1">
+                    <a:lumMod val="65000"/>
+                    <a:lumOff val="35000"/>
+                  </a:schemeClr>
+                </a:solidFill>
+                <a:latin typeface="Arial Unicode MS"/>
+              </a:rPr>
+              <a:t>1</a:t>
+            </a:r>
+            <a:r>
+              <a:rPr sz="1600" dirty="0">
+                <a:solidFill>
+                  <a:schemeClr val="tx1">
+                    <a:lumMod val="65000"/>
+                    <a:lumOff val="35000"/>
+                  </a:schemeClr>
+                </a:solidFill>
+                <a:latin typeface="Arial Unicode MS"/>
+              </a:rPr>
+              <a:t>}}</a:t>
+            </a:r>
+            <a:r>
+              <a:rPr dirty="0">
+                <a:solidFill>
+                  <a:schemeClr val="tx1">
+                    <a:lumMod val="65000"/>
+                    <a:lumOff val="35000"/>
+                  </a:schemeClr>
+                </a:solidFill>
+                <a:latin typeface="Arial Unicode MS"/>
+              </a:rPr>
+              <a:t>
+</a:t>
+            </a:r>
+            <a:r>
               <a:rPr sz="1200" dirty="0">
                 <a:solidFill>
-                  <a:srgbClr val="000000"/>
-                </a:solidFill>
-                <a:latin typeface="Calibri"/>
-              </a:rPr>
-              <a:t>{{</a:t>
+                  <a:schemeClr val="tx1">
+                    <a:lumMod val="65000"/>
+                    <a:lumOff val="35000"/>
+                  </a:schemeClr>
+                </a:solidFill>
+                <a:latin typeface="Arial Unicode MS"/>
+              </a:rPr>
+              <a:t>{{link</a:t>
             </a:r>
             <a:r>
               <a:rPr lang="pt-BR" sz="1200" dirty="0">
                 <a:solidFill>
-                  <a:srgbClr val="000000"/>
-                </a:solidFill>
-                <a:latin typeface="Calibri"/>
-              </a:rPr>
-              <a:t>cliente1</a:t>
+                  <a:schemeClr val="tx1">
+                    <a:lumMod val="65000"/>
+                    <a:lumOff val="35000"/>
+                  </a:schemeClr>
+                </a:solidFill>
+                <a:latin typeface="Arial Unicode MS"/>
+              </a:rPr>
+              <a:t>1</a:t>
             </a:r>
             <a:r>
               <a:rPr sz="1200" dirty="0">
                 <a:solidFill>
-                  <a:srgbClr val="000000"/>
-                </a:solidFill>
-                <a:latin typeface="Calibri"/>
-              </a:rPr>
-              <a:t>}}
-{{</a:t>
-            </a:r>
-            <a:r>
-              <a:rPr lang="pt-BR" sz="1200" dirty="0">
-                <a:solidFill>
-                  <a:srgbClr val="000000"/>
-                </a:solidFill>
-                <a:latin typeface="Calibri"/>
-              </a:rPr>
-              <a:t>valor1</a:t>
-            </a:r>
-            <a:r>
-              <a:rPr sz="1200" dirty="0">
-                <a:solidFill>
-                  <a:srgbClr val="000000"/>
-                </a:solidFill>
-                <a:latin typeface="Calibri"/>
-              </a:rPr>
-              <a:t>}}
-{{</a:t>
-            </a:r>
-            <a:r>
-              <a:rPr lang="pt-BR" sz="1200" dirty="0">
-                <a:solidFill>
-                  <a:srgbClr val="000000"/>
-                </a:solidFill>
-                <a:latin typeface="Calibri"/>
-              </a:rPr>
-              <a:t>status1</a:t>
-            </a:r>
-            <a:r>
-              <a:rPr sz="1200" dirty="0">
-                <a:solidFill>
-                  <a:srgbClr val="000000"/>
-                </a:solidFill>
-                <a:latin typeface="Calibri"/>
+                  <a:schemeClr val="tx1">
+                    <a:lumMod val="65000"/>
+                    <a:lumOff val="35000"/>
+                  </a:schemeClr>
+                </a:solidFill>
+                <a:latin typeface="Arial Unicode MS"/>
               </a:rPr>
               <a:t>}}</a:t>
             </a:r>
@@ -3278,10 +3882,10 @@
       </p:sp>
       <p:sp>
         <p:nvSpPr>
-          <p:cNvPr id="9" name="TextBox 1">
-            <a:extLst>
-              <a:ext uri="{FF2B5EF4-FFF2-40B4-BE49-F238E27FC236}">
-                <a16:creationId xmlns:a16="http://schemas.microsoft.com/office/drawing/2014/main" id="{A7999938-5909-7F8E-2B3F-864D7F3A0014}"/>
+          <p:cNvPr id="11" name="TextBox 1">
+            <a:extLst>
+              <a:ext uri="{FF2B5EF4-FFF2-40B4-BE49-F238E27FC236}">
+                <a16:creationId xmlns:a16="http://schemas.microsoft.com/office/drawing/2014/main" id="{FA0D79E1-337F-1D2D-5D3B-DB7F13A97152}"/>
               </a:ext>
             </a:extLst>
           </p:cNvPr>
@@ -3290,8 +3894,8 @@
         </p:nvSpPr>
         <p:spPr>
           <a:xfrm>
-            <a:off x="5244526" y="3105834"/>
-            <a:ext cx="3931920" cy="646331"/>
+            <a:off x="8501708" y="224354"/>
+            <a:ext cx="3931920" cy="1138773"/>
           </a:xfrm>
           <a:prstGeom prst="rect">
             <a:avLst/>
@@ -3305,74 +3909,879 @@
           <a:lstStyle/>
           <a:p>
             <a:r>
+              <a:rPr lang="pt-BR" sz="2000" dirty="0">
+                <a:solidFill>
+                  <a:schemeClr val="tx1">
+                    <a:lumMod val="65000"/>
+                    <a:lumOff val="35000"/>
+                  </a:schemeClr>
+                </a:solidFill>
+                <a:latin typeface="Arial Unicode MS"/>
+              </a:rPr>
+              <a:t>{{</a:t>
+            </a:r>
+            <a:r>
+              <a:rPr sz="2000" dirty="0" err="1">
+                <a:solidFill>
+                  <a:schemeClr val="tx1">
+                    <a:lumMod val="65000"/>
+                    <a:lumOff val="35000"/>
+                  </a:schemeClr>
+                </a:solidFill>
+                <a:latin typeface="Arial Unicode MS"/>
+              </a:rPr>
+              <a:t>titulo</a:t>
+            </a:r>
+            <a:r>
+              <a:rPr lang="pt-BR" sz="2000" dirty="0">
+                <a:solidFill>
+                  <a:schemeClr val="tx1">
+                    <a:lumMod val="65000"/>
+                    <a:lumOff val="35000"/>
+                  </a:schemeClr>
+                </a:solidFill>
+                <a:latin typeface="Arial Unicode MS"/>
+              </a:rPr>
+              <a:t>2</a:t>
+            </a:r>
+            <a:r>
+              <a:rPr sz="2000" dirty="0">
+                <a:solidFill>
+                  <a:schemeClr val="tx1">
+                    <a:lumMod val="65000"/>
+                    <a:lumOff val="35000"/>
+                  </a:schemeClr>
+                </a:solidFill>
+                <a:latin typeface="Arial Unicode MS"/>
+              </a:rPr>
+              <a:t>}}</a:t>
+            </a:r>
+            <a:endParaRPr lang="pt-BR" sz="2000" dirty="0">
+              <a:solidFill>
+                <a:schemeClr val="tx1">
+                  <a:lumMod val="65000"/>
+                  <a:lumOff val="35000"/>
+                </a:schemeClr>
+              </a:solidFill>
+              <a:latin typeface="Arial Unicode MS"/>
+            </a:endParaRPr>
+          </a:p>
+          <a:p>
+            <a:r>
+              <a:rPr lang="pt-BR" sz="1200" dirty="0">
+                <a:solidFill>
+                  <a:schemeClr val="tx1">
+                    <a:lumMod val="65000"/>
+                    <a:lumOff val="35000"/>
+                  </a:schemeClr>
+                </a:solidFill>
+                <a:latin typeface="Arial Unicode MS"/>
+              </a:rPr>
+              <a:t>{{data2}}</a:t>
+            </a:r>
+            <a:r>
+              <a:rPr lang="pt-BR" dirty="0">
+                <a:solidFill>
+                  <a:schemeClr val="tx1">
+                    <a:lumMod val="65000"/>
+                    <a:lumOff val="35000"/>
+                  </a:schemeClr>
+                </a:solidFill>
+                <a:latin typeface="Arial Unicode MS"/>
+              </a:rPr>
+              <a:t> </a:t>
+            </a:r>
+            <a:r>
+              <a:rPr dirty="0">
+                <a:solidFill>
+                  <a:schemeClr val="tx1">
+                    <a:lumMod val="65000"/>
+                    <a:lumOff val="35000"/>
+                  </a:schemeClr>
+                </a:solidFill>
+                <a:latin typeface="Arial Unicode MS"/>
+              </a:rPr>
+              <a:t>
+</a:t>
+            </a:r>
+            <a:r>
+              <a:rPr sz="1600" dirty="0">
+                <a:solidFill>
+                  <a:schemeClr val="tx1">
+                    <a:lumMod val="65000"/>
+                    <a:lumOff val="35000"/>
+                  </a:schemeClr>
+                </a:solidFill>
+                <a:latin typeface="Arial Unicode MS"/>
+              </a:rPr>
+              <a:t>{{</a:t>
+            </a:r>
+            <a:r>
+              <a:rPr sz="1600" dirty="0" err="1">
+                <a:solidFill>
+                  <a:schemeClr val="tx1">
+                    <a:lumMod val="65000"/>
+                    <a:lumOff val="35000"/>
+                  </a:schemeClr>
+                </a:solidFill>
+                <a:latin typeface="Arial Unicode MS"/>
+              </a:rPr>
+              <a:t>resumo</a:t>
+            </a:r>
+            <a:r>
+              <a:rPr lang="pt-BR" sz="1600" dirty="0">
+                <a:solidFill>
+                  <a:schemeClr val="tx1">
+                    <a:lumMod val="65000"/>
+                    <a:lumOff val="35000"/>
+                  </a:schemeClr>
+                </a:solidFill>
+                <a:latin typeface="Arial Unicode MS"/>
+              </a:rPr>
+              <a:t>2</a:t>
+            </a:r>
+            <a:r>
+              <a:rPr sz="1600" dirty="0">
+                <a:solidFill>
+                  <a:schemeClr val="tx1">
+                    <a:lumMod val="65000"/>
+                    <a:lumOff val="35000"/>
+                  </a:schemeClr>
+                </a:solidFill>
+                <a:latin typeface="Arial Unicode MS"/>
+              </a:rPr>
+              <a:t>}}</a:t>
+            </a:r>
+            <a:r>
+              <a:rPr dirty="0">
+                <a:solidFill>
+                  <a:schemeClr val="tx1">
+                    <a:lumMod val="65000"/>
+                    <a:lumOff val="35000"/>
+                  </a:schemeClr>
+                </a:solidFill>
+                <a:latin typeface="Arial Unicode MS"/>
+              </a:rPr>
+              <a:t>
+</a:t>
+            </a:r>
+            <a:r>
               <a:rPr sz="1200" dirty="0">
                 <a:solidFill>
-                  <a:srgbClr val="000000"/>
-                </a:solidFill>
-                <a:latin typeface="Calibri"/>
+                  <a:schemeClr val="tx1">
+                    <a:lumMod val="65000"/>
+                    <a:lumOff val="35000"/>
+                  </a:schemeClr>
+                </a:solidFill>
+                <a:latin typeface="Arial Unicode MS"/>
+              </a:rPr>
+              <a:t>{{link</a:t>
+            </a:r>
+            <a:r>
+              <a:rPr lang="pt-BR" sz="1200" dirty="0">
+                <a:solidFill>
+                  <a:schemeClr val="tx1">
+                    <a:lumMod val="65000"/>
+                    <a:lumOff val="35000"/>
+                  </a:schemeClr>
+                </a:solidFill>
+                <a:latin typeface="Arial Unicode MS"/>
+              </a:rPr>
+              <a:t>2</a:t>
+            </a:r>
+            <a:r>
+              <a:rPr sz="1200" dirty="0">
+                <a:solidFill>
+                  <a:schemeClr val="tx1">
+                    <a:lumMod val="65000"/>
+                    <a:lumOff val="35000"/>
+                  </a:schemeClr>
+                </a:solidFill>
+                <a:latin typeface="Arial Unicode MS"/>
+              </a:rPr>
+              <a:t>}}</a:t>
+            </a:r>
+          </a:p>
+        </p:txBody>
+      </p:sp>
+      <p:sp>
+        <p:nvSpPr>
+          <p:cNvPr id="15" name="TextBox 1">
+            <a:extLst>
+              <a:ext uri="{FF2B5EF4-FFF2-40B4-BE49-F238E27FC236}">
+                <a16:creationId xmlns:a16="http://schemas.microsoft.com/office/drawing/2014/main" id="{A28DF642-F3B1-A84E-15E0-29FE762FD5CD}"/>
+              </a:ext>
+            </a:extLst>
+          </p:cNvPr>
+          <p:cNvSpPr txBox="1"/>
+          <p:nvPr/>
+        </p:nvSpPr>
+        <p:spPr>
+          <a:xfrm>
+            <a:off x="198119" y="3941527"/>
+            <a:ext cx="3931920" cy="1138773"/>
+          </a:xfrm>
+          <a:prstGeom prst="rect">
+            <a:avLst/>
+          </a:prstGeom>
+          <a:noFill/>
+        </p:spPr>
+        <p:txBody>
+          <a:bodyPr wrap="square">
+            <a:spAutoFit/>
+          </a:bodyPr>
+          <a:lstStyle/>
+          <a:p>
+            <a:r>
+              <a:rPr lang="pt-BR" sz="2000" dirty="0">
+                <a:solidFill>
+                  <a:schemeClr val="tx1">
+                    <a:lumMod val="65000"/>
+                    <a:lumOff val="35000"/>
+                  </a:schemeClr>
+                </a:solidFill>
+                <a:latin typeface="Arial Unicode MS"/>
               </a:rPr>
               <a:t>{{</a:t>
             </a:r>
             <a:r>
+              <a:rPr sz="2000" dirty="0" err="1">
+                <a:solidFill>
+                  <a:schemeClr val="tx1">
+                    <a:lumMod val="65000"/>
+                    <a:lumOff val="35000"/>
+                  </a:schemeClr>
+                </a:solidFill>
+                <a:latin typeface="Arial Unicode MS"/>
+              </a:rPr>
+              <a:t>titulo</a:t>
+            </a:r>
+            <a:r>
+              <a:rPr lang="pt-BR" sz="2000" dirty="0">
+                <a:solidFill>
+                  <a:schemeClr val="tx1">
+                    <a:lumMod val="65000"/>
+                    <a:lumOff val="35000"/>
+                  </a:schemeClr>
+                </a:solidFill>
+                <a:latin typeface="Arial Unicode MS"/>
+              </a:rPr>
+              <a:t>3</a:t>
+            </a:r>
+            <a:r>
+              <a:rPr sz="2000" dirty="0">
+                <a:solidFill>
+                  <a:schemeClr val="tx1">
+                    <a:lumMod val="65000"/>
+                    <a:lumOff val="35000"/>
+                  </a:schemeClr>
+                </a:solidFill>
+                <a:latin typeface="Arial Unicode MS"/>
+              </a:rPr>
+              <a:t>}}</a:t>
+            </a:r>
+            <a:endParaRPr lang="pt-BR" sz="2000" dirty="0">
+              <a:solidFill>
+                <a:schemeClr val="tx1">
+                  <a:lumMod val="65000"/>
+                  <a:lumOff val="35000"/>
+                </a:schemeClr>
+              </a:solidFill>
+              <a:latin typeface="Arial Unicode MS"/>
+            </a:endParaRPr>
+          </a:p>
+          <a:p>
+            <a:r>
               <a:rPr lang="pt-BR" sz="1200" dirty="0">
                 <a:solidFill>
-                  <a:srgbClr val="000000"/>
-                </a:solidFill>
-                <a:latin typeface="Calibri"/>
-              </a:rPr>
-              <a:t>cliente2</a:t>
+                  <a:schemeClr val="tx1">
+                    <a:lumMod val="65000"/>
+                    <a:lumOff val="35000"/>
+                  </a:schemeClr>
+                </a:solidFill>
+                <a:latin typeface="Arial Unicode MS"/>
+              </a:rPr>
+              <a:t>{{data3}}</a:t>
+            </a:r>
+            <a:r>
+              <a:rPr lang="pt-BR" dirty="0">
+                <a:solidFill>
+                  <a:schemeClr val="tx1">
+                    <a:lumMod val="65000"/>
+                    <a:lumOff val="35000"/>
+                  </a:schemeClr>
+                </a:solidFill>
+                <a:latin typeface="Arial Unicode MS"/>
+              </a:rPr>
+              <a:t> </a:t>
+            </a:r>
+            <a:r>
+              <a:rPr dirty="0">
+                <a:solidFill>
+                  <a:schemeClr val="tx1">
+                    <a:lumMod val="65000"/>
+                    <a:lumOff val="35000"/>
+                  </a:schemeClr>
+                </a:solidFill>
+                <a:latin typeface="Arial Unicode MS"/>
+              </a:rPr>
+              <a:t>
+</a:t>
+            </a:r>
+            <a:r>
+              <a:rPr sz="1600" dirty="0">
+                <a:solidFill>
+                  <a:schemeClr val="tx1">
+                    <a:lumMod val="65000"/>
+                    <a:lumOff val="35000"/>
+                  </a:schemeClr>
+                </a:solidFill>
+                <a:latin typeface="Arial Unicode MS"/>
+              </a:rPr>
+              <a:t>{{</a:t>
+            </a:r>
+            <a:r>
+              <a:rPr sz="1600" dirty="0" err="1">
+                <a:solidFill>
+                  <a:schemeClr val="tx1">
+                    <a:lumMod val="65000"/>
+                    <a:lumOff val="35000"/>
+                  </a:schemeClr>
+                </a:solidFill>
+                <a:latin typeface="Arial Unicode MS"/>
+              </a:rPr>
+              <a:t>resumo</a:t>
+            </a:r>
+            <a:r>
+              <a:rPr lang="pt-BR" sz="1600" dirty="0">
+                <a:solidFill>
+                  <a:schemeClr val="tx1">
+                    <a:lumMod val="65000"/>
+                    <a:lumOff val="35000"/>
+                  </a:schemeClr>
+                </a:solidFill>
+                <a:latin typeface="Arial Unicode MS"/>
+              </a:rPr>
+              <a:t>3</a:t>
+            </a:r>
+            <a:r>
+              <a:rPr sz="1600" dirty="0">
+                <a:solidFill>
+                  <a:schemeClr val="tx1">
+                    <a:lumMod val="65000"/>
+                    <a:lumOff val="35000"/>
+                  </a:schemeClr>
+                </a:solidFill>
+                <a:latin typeface="Arial Unicode MS"/>
+              </a:rPr>
+              <a:t>}}</a:t>
+            </a:r>
+            <a:r>
+              <a:rPr dirty="0">
+                <a:solidFill>
+                  <a:schemeClr val="tx1">
+                    <a:lumMod val="65000"/>
+                    <a:lumOff val="35000"/>
+                  </a:schemeClr>
+                </a:solidFill>
+                <a:latin typeface="Arial Unicode MS"/>
+              </a:rPr>
+              <a:t>
+</a:t>
             </a:r>
             <a:r>
               <a:rPr sz="1200" dirty="0">
                 <a:solidFill>
-                  <a:srgbClr val="000000"/>
-                </a:solidFill>
-                <a:latin typeface="Calibri"/>
-              </a:rPr>
-              <a:t>}}
-{{</a:t>
+                  <a:schemeClr val="tx1">
+                    <a:lumMod val="65000"/>
+                    <a:lumOff val="35000"/>
+                  </a:schemeClr>
+                </a:solidFill>
+                <a:latin typeface="Arial Unicode MS"/>
+              </a:rPr>
+              <a:t>{{link</a:t>
             </a:r>
             <a:r>
               <a:rPr lang="pt-BR" sz="1200" dirty="0">
                 <a:solidFill>
-                  <a:srgbClr val="000000"/>
-                </a:solidFill>
-                <a:latin typeface="Calibri"/>
-              </a:rPr>
-              <a:t>valor2</a:t>
+                  <a:schemeClr val="tx1">
+                    <a:lumMod val="65000"/>
+                    <a:lumOff val="35000"/>
+                  </a:schemeClr>
+                </a:solidFill>
+                <a:latin typeface="Arial Unicode MS"/>
+              </a:rPr>
+              <a:t>3</a:t>
             </a:r>
             <a:r>
               <a:rPr sz="1200" dirty="0">
                 <a:solidFill>
-                  <a:srgbClr val="000000"/>
-                </a:solidFill>
-                <a:latin typeface="Calibri"/>
-              </a:rPr>
-              <a:t>}}
-{{</a:t>
-            </a:r>
+                  <a:schemeClr val="tx1">
+                    <a:lumMod val="65000"/>
+                    <a:lumOff val="35000"/>
+                  </a:schemeClr>
+                </a:solidFill>
+                <a:latin typeface="Arial Unicode MS"/>
+              </a:rPr>
+              <a:t>}}</a:t>
+            </a:r>
+          </a:p>
+        </p:txBody>
+      </p:sp>
+      <p:sp>
+        <p:nvSpPr>
+          <p:cNvPr id="16" name="TextBox 1">
+            <a:extLst>
+              <a:ext uri="{FF2B5EF4-FFF2-40B4-BE49-F238E27FC236}">
+                <a16:creationId xmlns:a16="http://schemas.microsoft.com/office/drawing/2014/main" id="{1DB60E64-72D9-9275-54CE-B0D1210241F5}"/>
+              </a:ext>
+            </a:extLst>
+          </p:cNvPr>
+          <p:cNvSpPr txBox="1"/>
+          <p:nvPr/>
+        </p:nvSpPr>
+        <p:spPr>
+          <a:xfrm>
+            <a:off x="4218655" y="4112612"/>
+            <a:ext cx="3931920" cy="1138773"/>
+          </a:xfrm>
+          <a:prstGeom prst="rect">
+            <a:avLst/>
+          </a:prstGeom>
+          <a:noFill/>
+        </p:spPr>
+        <p:txBody>
+          <a:bodyPr wrap="square">
+            <a:spAutoFit/>
+          </a:bodyPr>
+          <a:lstStyle/>
+          <a:p>
+            <a:r>
+              <a:rPr lang="pt-BR" sz="2000" dirty="0">
+                <a:solidFill>
+                  <a:schemeClr val="tx1">
+                    <a:lumMod val="65000"/>
+                    <a:lumOff val="35000"/>
+                  </a:schemeClr>
+                </a:solidFill>
+                <a:latin typeface="Arial Unicode MS"/>
+              </a:rPr>
+              <a:t>{{</a:t>
+            </a:r>
+            <a:r>
+              <a:rPr sz="2000" dirty="0" err="1">
+                <a:solidFill>
+                  <a:schemeClr val="tx1">
+                    <a:lumMod val="65000"/>
+                    <a:lumOff val="35000"/>
+                  </a:schemeClr>
+                </a:solidFill>
+                <a:latin typeface="Arial Unicode MS"/>
+              </a:rPr>
+              <a:t>titulo</a:t>
+            </a:r>
+            <a:r>
+              <a:rPr lang="pt-BR" sz="2000" dirty="0">
+                <a:solidFill>
+                  <a:schemeClr val="tx1">
+                    <a:lumMod val="65000"/>
+                    <a:lumOff val="35000"/>
+                  </a:schemeClr>
+                </a:solidFill>
+                <a:latin typeface="Arial Unicode MS"/>
+              </a:rPr>
+              <a:t>4</a:t>
+            </a:r>
+            <a:r>
+              <a:rPr sz="2000" dirty="0">
+                <a:solidFill>
+                  <a:schemeClr val="tx1">
+                    <a:lumMod val="65000"/>
+                    <a:lumOff val="35000"/>
+                  </a:schemeClr>
+                </a:solidFill>
+                <a:latin typeface="Arial Unicode MS"/>
+              </a:rPr>
+              <a:t>}}</a:t>
+            </a:r>
+            <a:endParaRPr lang="pt-BR" sz="2000" dirty="0">
+              <a:solidFill>
+                <a:schemeClr val="tx1">
+                  <a:lumMod val="65000"/>
+                  <a:lumOff val="35000"/>
+                </a:schemeClr>
+              </a:solidFill>
+              <a:latin typeface="Arial Unicode MS"/>
+            </a:endParaRPr>
+          </a:p>
+          <a:p>
             <a:r>
               <a:rPr lang="pt-BR" sz="1200" dirty="0">
                 <a:solidFill>
-                  <a:srgbClr val="000000"/>
-                </a:solidFill>
-                <a:latin typeface="Calibri"/>
-              </a:rPr>
-              <a:t>status2</a:t>
+                  <a:schemeClr val="tx1">
+                    <a:lumMod val="65000"/>
+                    <a:lumOff val="35000"/>
+                  </a:schemeClr>
+                </a:solidFill>
+                <a:latin typeface="Arial Unicode MS"/>
+              </a:rPr>
+              <a:t>{{data4}}</a:t>
+            </a:r>
+            <a:r>
+              <a:rPr lang="pt-BR" dirty="0">
+                <a:solidFill>
+                  <a:schemeClr val="tx1">
+                    <a:lumMod val="65000"/>
+                    <a:lumOff val="35000"/>
+                  </a:schemeClr>
+                </a:solidFill>
+                <a:latin typeface="Arial Unicode MS"/>
+              </a:rPr>
+              <a:t> </a:t>
+            </a:r>
+            <a:r>
+              <a:rPr dirty="0">
+                <a:solidFill>
+                  <a:schemeClr val="tx1">
+                    <a:lumMod val="65000"/>
+                    <a:lumOff val="35000"/>
+                  </a:schemeClr>
+                </a:solidFill>
+                <a:latin typeface="Arial Unicode MS"/>
+              </a:rPr>
+              <a:t>
+</a:t>
+            </a:r>
+            <a:r>
+              <a:rPr sz="1600" dirty="0">
+                <a:solidFill>
+                  <a:schemeClr val="tx1">
+                    <a:lumMod val="65000"/>
+                    <a:lumOff val="35000"/>
+                  </a:schemeClr>
+                </a:solidFill>
+                <a:latin typeface="Arial Unicode MS"/>
+              </a:rPr>
+              <a:t>{{</a:t>
+            </a:r>
+            <a:r>
+              <a:rPr sz="1600" dirty="0" err="1">
+                <a:solidFill>
+                  <a:schemeClr val="tx1">
+                    <a:lumMod val="65000"/>
+                    <a:lumOff val="35000"/>
+                  </a:schemeClr>
+                </a:solidFill>
+                <a:latin typeface="Arial Unicode MS"/>
+              </a:rPr>
+              <a:t>resumo</a:t>
+            </a:r>
+            <a:r>
+              <a:rPr lang="pt-BR" sz="1600" dirty="0">
+                <a:solidFill>
+                  <a:schemeClr val="tx1">
+                    <a:lumMod val="65000"/>
+                    <a:lumOff val="35000"/>
+                  </a:schemeClr>
+                </a:solidFill>
+                <a:latin typeface="Arial Unicode MS"/>
+              </a:rPr>
+              <a:t>4</a:t>
+            </a:r>
+            <a:r>
+              <a:rPr sz="1600" dirty="0">
+                <a:solidFill>
+                  <a:schemeClr val="tx1">
+                    <a:lumMod val="65000"/>
+                    <a:lumOff val="35000"/>
+                  </a:schemeClr>
+                </a:solidFill>
+                <a:latin typeface="Arial Unicode MS"/>
+              </a:rPr>
+              <a:t>}}</a:t>
+            </a:r>
+            <a:r>
+              <a:rPr dirty="0">
+                <a:solidFill>
+                  <a:schemeClr val="tx1">
+                    <a:lumMod val="65000"/>
+                    <a:lumOff val="35000"/>
+                  </a:schemeClr>
+                </a:solidFill>
+                <a:latin typeface="Arial Unicode MS"/>
+              </a:rPr>
+              <a:t>
+</a:t>
             </a:r>
             <a:r>
               <a:rPr sz="1200" dirty="0">
                 <a:solidFill>
-                  <a:srgbClr val="000000"/>
-                </a:solidFill>
-                <a:latin typeface="Calibri"/>
+                  <a:schemeClr val="tx1">
+                    <a:lumMod val="65000"/>
+                    <a:lumOff val="35000"/>
+                  </a:schemeClr>
+                </a:solidFill>
+                <a:latin typeface="Arial Unicode MS"/>
+              </a:rPr>
+              <a:t>{{link</a:t>
+            </a:r>
+            <a:r>
+              <a:rPr lang="pt-BR" sz="1200" dirty="0">
+                <a:solidFill>
+                  <a:schemeClr val="tx1">
+                    <a:lumMod val="65000"/>
+                    <a:lumOff val="35000"/>
+                  </a:schemeClr>
+                </a:solidFill>
+                <a:latin typeface="Arial Unicode MS"/>
+              </a:rPr>
+              <a:t>4</a:t>
+            </a:r>
+            <a:r>
+              <a:rPr sz="1200" dirty="0">
+                <a:solidFill>
+                  <a:schemeClr val="tx1">
+                    <a:lumMod val="65000"/>
+                    <a:lumOff val="35000"/>
+                  </a:schemeClr>
+                </a:solidFill>
+                <a:latin typeface="Arial Unicode MS"/>
               </a:rPr>
               <a:t>}}</a:t>
             </a:r>
           </a:p>
         </p:txBody>
       </p:sp>
+      <p:sp>
+        <p:nvSpPr>
+          <p:cNvPr id="17" name="TextBox 1">
+            <a:extLst>
+              <a:ext uri="{FF2B5EF4-FFF2-40B4-BE49-F238E27FC236}">
+                <a16:creationId xmlns:a16="http://schemas.microsoft.com/office/drawing/2014/main" id="{564E6FE0-8F6A-D0D8-262A-95F947C9EAA4}"/>
+              </a:ext>
+            </a:extLst>
+          </p:cNvPr>
+          <p:cNvSpPr txBox="1"/>
+          <p:nvPr/>
+        </p:nvSpPr>
+        <p:spPr>
+          <a:xfrm>
+            <a:off x="8327807" y="3941526"/>
+            <a:ext cx="3931920" cy="1138773"/>
+          </a:xfrm>
+          <a:prstGeom prst="rect">
+            <a:avLst/>
+          </a:prstGeom>
+          <a:noFill/>
+        </p:spPr>
+        <p:txBody>
+          <a:bodyPr wrap="square">
+            <a:spAutoFit/>
+          </a:bodyPr>
+          <a:lstStyle/>
+          <a:p>
+            <a:r>
+              <a:rPr lang="pt-BR" sz="2000" dirty="0">
+                <a:solidFill>
+                  <a:schemeClr val="tx1">
+                    <a:lumMod val="65000"/>
+                    <a:lumOff val="35000"/>
+                  </a:schemeClr>
+                </a:solidFill>
+                <a:latin typeface="Arial Unicode MS"/>
+              </a:rPr>
+              <a:t>{{</a:t>
+            </a:r>
+            <a:r>
+              <a:rPr sz="2000" dirty="0" err="1">
+                <a:solidFill>
+                  <a:schemeClr val="tx1">
+                    <a:lumMod val="65000"/>
+                    <a:lumOff val="35000"/>
+                  </a:schemeClr>
+                </a:solidFill>
+                <a:latin typeface="Arial Unicode MS"/>
+              </a:rPr>
+              <a:t>titulo</a:t>
+            </a:r>
+            <a:r>
+              <a:rPr lang="pt-BR" sz="2000" dirty="0">
+                <a:solidFill>
+                  <a:schemeClr val="tx1">
+                    <a:lumMod val="65000"/>
+                    <a:lumOff val="35000"/>
+                  </a:schemeClr>
+                </a:solidFill>
+                <a:latin typeface="Arial Unicode MS"/>
+              </a:rPr>
+              <a:t>5</a:t>
+            </a:r>
+            <a:r>
+              <a:rPr sz="2000" dirty="0">
+                <a:solidFill>
+                  <a:schemeClr val="tx1">
+                    <a:lumMod val="65000"/>
+                    <a:lumOff val="35000"/>
+                  </a:schemeClr>
+                </a:solidFill>
+                <a:latin typeface="Arial Unicode MS"/>
+              </a:rPr>
+              <a:t>}}</a:t>
+            </a:r>
+            <a:endParaRPr lang="pt-BR" sz="2000" dirty="0">
+              <a:solidFill>
+                <a:schemeClr val="tx1">
+                  <a:lumMod val="65000"/>
+                  <a:lumOff val="35000"/>
+                </a:schemeClr>
+              </a:solidFill>
+              <a:latin typeface="Arial Unicode MS"/>
+            </a:endParaRPr>
+          </a:p>
+          <a:p>
+            <a:r>
+              <a:rPr lang="pt-BR" sz="1200" dirty="0">
+                <a:solidFill>
+                  <a:schemeClr val="tx1">
+                    <a:lumMod val="65000"/>
+                    <a:lumOff val="35000"/>
+                  </a:schemeClr>
+                </a:solidFill>
+                <a:latin typeface="Arial Unicode MS"/>
+              </a:rPr>
+              <a:t>{{data5}}</a:t>
+            </a:r>
+            <a:r>
+              <a:rPr lang="pt-BR" dirty="0">
+                <a:solidFill>
+                  <a:schemeClr val="tx1">
+                    <a:lumMod val="65000"/>
+                    <a:lumOff val="35000"/>
+                  </a:schemeClr>
+                </a:solidFill>
+                <a:latin typeface="Arial Unicode MS"/>
+              </a:rPr>
+              <a:t> </a:t>
+            </a:r>
+            <a:r>
+              <a:rPr dirty="0">
+                <a:solidFill>
+                  <a:schemeClr val="tx1">
+                    <a:lumMod val="65000"/>
+                    <a:lumOff val="35000"/>
+                  </a:schemeClr>
+                </a:solidFill>
+                <a:latin typeface="Arial Unicode MS"/>
+              </a:rPr>
+              <a:t>
+</a:t>
+            </a:r>
+            <a:r>
+              <a:rPr sz="1600" dirty="0">
+                <a:solidFill>
+                  <a:schemeClr val="tx1">
+                    <a:lumMod val="65000"/>
+                    <a:lumOff val="35000"/>
+                  </a:schemeClr>
+                </a:solidFill>
+                <a:latin typeface="Arial Unicode MS"/>
+              </a:rPr>
+              <a:t>{{</a:t>
+            </a:r>
+            <a:r>
+              <a:rPr sz="1600" dirty="0" err="1">
+                <a:solidFill>
+                  <a:schemeClr val="tx1">
+                    <a:lumMod val="65000"/>
+                    <a:lumOff val="35000"/>
+                  </a:schemeClr>
+                </a:solidFill>
+                <a:latin typeface="Arial Unicode MS"/>
+              </a:rPr>
+              <a:t>resumo</a:t>
+            </a:r>
+            <a:r>
+              <a:rPr lang="pt-BR" sz="1600" dirty="0">
+                <a:solidFill>
+                  <a:schemeClr val="tx1">
+                    <a:lumMod val="65000"/>
+                    <a:lumOff val="35000"/>
+                  </a:schemeClr>
+                </a:solidFill>
+                <a:latin typeface="Arial Unicode MS"/>
+              </a:rPr>
+              <a:t>5</a:t>
+            </a:r>
+            <a:r>
+              <a:rPr sz="1600" dirty="0">
+                <a:solidFill>
+                  <a:schemeClr val="tx1">
+                    <a:lumMod val="65000"/>
+                    <a:lumOff val="35000"/>
+                  </a:schemeClr>
+                </a:solidFill>
+                <a:latin typeface="Arial Unicode MS"/>
+              </a:rPr>
+              <a:t>}}</a:t>
+            </a:r>
+            <a:r>
+              <a:rPr dirty="0">
+                <a:solidFill>
+                  <a:schemeClr val="tx1">
+                    <a:lumMod val="65000"/>
+                    <a:lumOff val="35000"/>
+                  </a:schemeClr>
+                </a:solidFill>
+                <a:latin typeface="Arial Unicode MS"/>
+              </a:rPr>
+              <a:t>
+</a:t>
+            </a:r>
+            <a:r>
+              <a:rPr sz="1200" dirty="0">
+                <a:solidFill>
+                  <a:schemeClr val="tx1">
+                    <a:lumMod val="65000"/>
+                    <a:lumOff val="35000"/>
+                  </a:schemeClr>
+                </a:solidFill>
+                <a:latin typeface="Arial Unicode MS"/>
+              </a:rPr>
+              <a:t>{{link</a:t>
+            </a:r>
+            <a:r>
+              <a:rPr lang="pt-BR" sz="1200" dirty="0">
+                <a:solidFill>
+                  <a:schemeClr val="tx1">
+                    <a:lumMod val="65000"/>
+                    <a:lumOff val="35000"/>
+                  </a:schemeClr>
+                </a:solidFill>
+                <a:latin typeface="Arial Unicode MS"/>
+              </a:rPr>
+              <a:t>5</a:t>
+            </a:r>
+            <a:r>
+              <a:rPr sz="1200" dirty="0">
+                <a:solidFill>
+                  <a:schemeClr val="tx1">
+                    <a:lumMod val="65000"/>
+                    <a:lumOff val="35000"/>
+                  </a:schemeClr>
+                </a:solidFill>
+                <a:latin typeface="Arial Unicode MS"/>
+              </a:rPr>
+              <a:t>}}</a:t>
+            </a:r>
+          </a:p>
+        </p:txBody>
+      </p:sp>
     </p:spTree>
+    <p:extLst>
+      <p:ext uri="{BB962C8B-B14F-4D97-AF65-F5344CB8AC3E}">
+        <p14:creationId xmlns:p14="http://schemas.microsoft.com/office/powerpoint/2010/main" val="1194705359"/>
+      </p:ext>
+    </p:extLst>
   </p:cSld>
   <p:clrMapOvr>
     <a:masterClrMapping/>
@@ -3381,7 +4790,7 @@
 </file>
 
 <file path=ppt/theme/theme1.xml><?xml version="1.0" encoding="utf-8"?>
-<a:theme xmlns:a="http://schemas.openxmlformats.org/drawingml/2006/main" name="Office Theme">
+<a:theme xmlns:a="http://schemas.openxmlformats.org/drawingml/2006/main" name="Tema do Office">
   <a:themeElements>
     <a:clrScheme name="Office">
       <a:dk1>
@@ -3391,44 +4800,44 @@
         <a:sysClr val="window" lastClr="FFFFFF"/>
       </a:lt1>
       <a:dk2>
-        <a:srgbClr val="1F497D"/>
+        <a:srgbClr val="0E2841"/>
       </a:dk2>
       <a:lt2>
-        <a:srgbClr val="EEECE1"/>
+        <a:srgbClr val="E8E8E8"/>
       </a:lt2>
       <a:accent1>
-        <a:srgbClr val="4F81BD"/>
+        <a:srgbClr val="156082"/>
       </a:accent1>
       <a:accent2>
-        <a:srgbClr val="C0504D"/>
+        <a:srgbClr val="E97132"/>
       </a:accent2>
       <a:accent3>
-        <a:srgbClr val="9BBB59"/>
+        <a:srgbClr val="196B24"/>
       </a:accent3>
       <a:accent4>
-        <a:srgbClr val="8064A2"/>
+        <a:srgbClr val="0F9ED5"/>
       </a:accent4>
       <a:accent5>
-        <a:srgbClr val="4BACC6"/>
+        <a:srgbClr val="A02B93"/>
       </a:accent5>
       <a:accent6>
-        <a:srgbClr val="F79646"/>
+        <a:srgbClr val="4EA72E"/>
       </a:accent6>
       <a:hlink>
-        <a:srgbClr val="0000FF"/>
+        <a:srgbClr val="467886"/>
       </a:hlink>
       <a:folHlink>
-        <a:srgbClr val="800080"/>
+        <a:srgbClr val="96607D"/>
       </a:folHlink>
     </a:clrScheme>
     <a:fontScheme name="Office">
       <a:majorFont>
-        <a:latin typeface="Calibri"/>
+        <a:latin typeface="Aptos Display" panose="02110004020202020204"/>
         <a:ea typeface=""/>
         <a:cs typeface=""/>
-        <a:font script="Jpan" typeface="ＭＳ Ｐゴシック"/>
+        <a:font script="Jpan" typeface="游ゴシック Light"/>
         <a:font script="Hang" typeface="맑은 고딕"/>
-        <a:font script="Hans" typeface="宋体"/>
+        <a:font script="Hans" typeface="等线 Light"/>
         <a:font script="Hant" typeface="新細明體"/>
         <a:font script="Arab" typeface="Times New Roman"/>
         <a:font script="Hebr" typeface="Times New Roman"/>
@@ -3456,14 +4865,31 @@
         <a:font script="Viet" typeface="Times New Roman"/>
         <a:font script="Uigh" typeface="Microsoft Uighur"/>
         <a:font script="Geor" typeface="Sylfaen"/>
+        <a:font script="Armn" typeface="Arial"/>
+        <a:font script="Bugi" typeface="Leelawadee UI"/>
+        <a:font script="Bopo" typeface="Microsoft JhengHei"/>
+        <a:font script="Java" typeface="Javanese Text"/>
+        <a:font script="Lisu" typeface="Segoe UI"/>
+        <a:font script="Mymr" typeface="Myanmar Text"/>
+        <a:font script="Nkoo" typeface="Ebrima"/>
+        <a:font script="Olck" typeface="Nirmala UI"/>
+        <a:font script="Osma" typeface="Ebrima"/>
+        <a:font script="Phag" typeface="Phagspa"/>
+        <a:font script="Syrn" typeface="Estrangelo Edessa"/>
+        <a:font script="Syrj" typeface="Estrangelo Edessa"/>
+        <a:font script="Syre" typeface="Estrangelo Edessa"/>
+        <a:font script="Sora" typeface="Nirmala UI"/>
+        <a:font script="Tale" typeface="Microsoft Tai Le"/>
+        <a:font script="Talu" typeface="Microsoft New Tai Lue"/>
+        <a:font script="Tfng" typeface="Ebrima"/>
       </a:majorFont>
       <a:minorFont>
-        <a:latin typeface="Calibri"/>
+        <a:latin typeface="Aptos" panose="02110004020202020204"/>
         <a:ea typeface=""/>
         <a:cs typeface=""/>
-        <a:font script="Jpan" typeface="ＭＳ Ｐゴシック"/>
+        <a:font script="Jpan" typeface="游ゴシック"/>
         <a:font script="Hang" typeface="맑은 고딕"/>
-        <a:font script="Hans" typeface="宋体"/>
+        <a:font script="Hans" typeface="等线"/>
         <a:font script="Hant" typeface="新細明體"/>
         <a:font script="Arab" typeface="Arial"/>
         <a:font script="Hebr" typeface="Arial"/>
@@ -3491,6 +4917,23 @@
         <a:font script="Viet" typeface="Arial"/>
         <a:font script="Uigh" typeface="Microsoft Uighur"/>
         <a:font script="Geor" typeface="Sylfaen"/>
+        <a:font script="Armn" typeface="Arial"/>
+        <a:font script="Bugi" typeface="Leelawadee UI"/>
+        <a:font script="Bopo" typeface="Microsoft JhengHei"/>
+        <a:font script="Java" typeface="Javanese Text"/>
+        <a:font script="Lisu" typeface="Segoe UI"/>
+        <a:font script="Mymr" typeface="Myanmar Text"/>
+        <a:font script="Nkoo" typeface="Ebrima"/>
+        <a:font script="Olck" typeface="Nirmala UI"/>
+        <a:font script="Osma" typeface="Ebrima"/>
+        <a:font script="Phag" typeface="Phagspa"/>
+        <a:font script="Syrn" typeface="Estrangelo Edessa"/>
+        <a:font script="Syrj" typeface="Estrangelo Edessa"/>
+        <a:font script="Syre" typeface="Estrangelo Edessa"/>
+        <a:font script="Sora" typeface="Nirmala UI"/>
+        <a:font script="Tale" typeface="Microsoft Tai Le"/>
+        <a:font script="Talu" typeface="Microsoft New Tai Lue"/>
+        <a:font script="Tfng" typeface="Ebrima"/>
       </a:minorFont>
     </a:fontScheme>
     <a:fmtScheme name="Office">
@@ -3502,180 +4945,136 @@
           <a:gsLst>
             <a:gs pos="0">
               <a:schemeClr val="phClr">
-                <a:tint val="50000"/>
-                <a:satMod val="300000"/>
+                <a:lumMod val="110000"/>
+                <a:satMod val="105000"/>
+                <a:tint val="67000"/>
               </a:schemeClr>
             </a:gs>
-            <a:gs pos="35000">
+            <a:gs pos="50000">
               <a:schemeClr val="phClr">
-                <a:tint val="37000"/>
-                <a:satMod val="300000"/>
+                <a:lumMod val="105000"/>
+                <a:satMod val="103000"/>
+                <a:tint val="73000"/>
               </a:schemeClr>
             </a:gs>
             <a:gs pos="100000">
               <a:schemeClr val="phClr">
-                <a:tint val="15000"/>
-                <a:satMod val="350000"/>
+                <a:lumMod val="105000"/>
+                <a:satMod val="109000"/>
+                <a:tint val="81000"/>
               </a:schemeClr>
             </a:gs>
           </a:gsLst>
-          <a:lin ang="16200000" scaled="1"/>
+          <a:lin ang="5400000" scaled="0"/>
         </a:gradFill>
         <a:gradFill rotWithShape="1">
           <a:gsLst>
             <a:gs pos="0">
               <a:schemeClr val="phClr">
-                <a:tint val="100000"/>
+                <a:satMod val="103000"/>
+                <a:lumMod val="102000"/>
+                <a:tint val="94000"/>
+              </a:schemeClr>
+            </a:gs>
+            <a:gs pos="50000">
+              <a:schemeClr val="phClr">
+                <a:satMod val="110000"/>
+                <a:lumMod val="100000"/>
                 <a:shade val="100000"/>
-                <a:satMod val="130000"/>
               </a:schemeClr>
             </a:gs>
             <a:gs pos="100000">
               <a:schemeClr val="phClr">
-                <a:tint val="50000"/>
-                <a:shade val="100000"/>
-                <a:satMod val="350000"/>
+                <a:lumMod val="99000"/>
+                <a:satMod val="120000"/>
+                <a:shade val="78000"/>
               </a:schemeClr>
             </a:gs>
           </a:gsLst>
-          <a:lin ang="16200000" scaled="0"/>
+          <a:lin ang="5400000" scaled="0"/>
         </a:gradFill>
       </a:fillStyleLst>
       <a:lnStyleLst>
-        <a:ln w="9525" cap="flat" cmpd="sng" algn="ctr">
+        <a:ln w="12700" cap="flat" cmpd="sng" algn="ctr">
           <a:solidFill>
-            <a:schemeClr val="phClr">
-              <a:shade val="95000"/>
-              <a:satMod val="105000"/>
-            </a:schemeClr>
+            <a:schemeClr val="phClr"/>
           </a:solidFill>
           <a:prstDash val="solid"/>
+          <a:miter lim="800000"/>
+        </a:ln>
+        <a:ln w="19050" cap="flat" cmpd="sng" algn="ctr">
+          <a:solidFill>
+            <a:schemeClr val="phClr"/>
+          </a:solidFill>
+          <a:prstDash val="solid"/>
+          <a:miter lim="800000"/>
         </a:ln>
         <a:ln w="25400" cap="flat" cmpd="sng" algn="ctr">
           <a:solidFill>
             <a:schemeClr val="phClr"/>
           </a:solidFill>
           <a:prstDash val="solid"/>
-        </a:ln>
-        <a:ln w="38100" cap="flat" cmpd="sng" algn="ctr">
-          <a:solidFill>
-            <a:schemeClr val="phClr"/>
-          </a:solidFill>
-          <a:prstDash val="solid"/>
+          <a:miter lim="800000"/>
         </a:ln>
       </a:lnStyleLst>
       <a:effectStyleLst>
         <a:effectStyle>
+          <a:effectLst/>
+        </a:effectStyle>
+        <a:effectStyle>
+          <a:effectLst/>
+        </a:effectStyle>
+        <a:effectStyle>
           <a:effectLst>
-            <a:outerShdw blurRad="40000" dist="20000" dir="5400000" rotWithShape="0">
+            <a:outerShdw blurRad="57150" dist="19050" dir="5400000" algn="ctr" rotWithShape="0">
               <a:srgbClr val="000000">
-                <a:alpha val="38000"/>
+                <a:alpha val="63000"/>
               </a:srgbClr>
             </a:outerShdw>
           </a:effectLst>
-        </a:effectStyle>
-        <a:effectStyle>
-          <a:effectLst>
-            <a:outerShdw blurRad="40000" dist="23000" dir="5400000" rotWithShape="0">
-              <a:srgbClr val="000000">
-                <a:alpha val="35000"/>
-              </a:srgbClr>
-            </a:outerShdw>
-          </a:effectLst>
-        </a:effectStyle>
-        <a:effectStyle>
-          <a:effectLst>
-            <a:outerShdw blurRad="40000" dist="23000" dir="5400000" rotWithShape="0">
-              <a:srgbClr val="000000">
-                <a:alpha val="35000"/>
-              </a:srgbClr>
-            </a:outerShdw>
-          </a:effectLst>
-          <a:scene3d>
-            <a:camera prst="orthographicFront">
-              <a:rot lat="0" lon="0" rev="0"/>
-            </a:camera>
-            <a:lightRig rig="threePt" dir="t">
-              <a:rot lat="0" lon="0" rev="1200000"/>
-            </a:lightRig>
-          </a:scene3d>
-          <a:sp3d>
-            <a:bevelT w="63500" h="25400"/>
-          </a:sp3d>
         </a:effectStyle>
       </a:effectStyleLst>
       <a:bgFillStyleLst>
         <a:solidFill>
           <a:schemeClr val="phClr"/>
         </a:solidFill>
+        <a:solidFill>
+          <a:schemeClr val="phClr">
+            <a:tint val="95000"/>
+            <a:satMod val="170000"/>
+          </a:schemeClr>
+        </a:solidFill>
         <a:gradFill rotWithShape="1">
           <a:gsLst>
             <a:gs pos="0">
               <a:schemeClr val="phClr">
-                <a:tint val="40000"/>
-                <a:satMod val="350000"/>
+                <a:tint val="93000"/>
+                <a:satMod val="150000"/>
+                <a:shade val="98000"/>
+                <a:lumMod val="102000"/>
               </a:schemeClr>
             </a:gs>
-            <a:gs pos="40000">
+            <a:gs pos="50000">
               <a:schemeClr val="phClr">
-                <a:tint val="45000"/>
-                <a:shade val="99000"/>
-                <a:satMod val="350000"/>
+                <a:tint val="98000"/>
+                <a:satMod val="130000"/>
+                <a:shade val="90000"/>
+                <a:lumMod val="103000"/>
               </a:schemeClr>
             </a:gs>
             <a:gs pos="100000">
               <a:schemeClr val="phClr">
-                <a:shade val="20000"/>
-                <a:satMod val="255000"/>
+                <a:shade val="63000"/>
+                <a:satMod val="120000"/>
               </a:schemeClr>
             </a:gs>
           </a:gsLst>
-          <a:path path="circle">
-            <a:fillToRect l="50000" t="-80000" r="50000" b="180000"/>
-          </a:path>
-        </a:gradFill>
-        <a:gradFill rotWithShape="1">
-          <a:gsLst>
-            <a:gs pos="0">
-              <a:schemeClr val="phClr">
-                <a:tint val="80000"/>
-                <a:satMod val="300000"/>
-              </a:schemeClr>
-            </a:gs>
-            <a:gs pos="100000">
-              <a:schemeClr val="phClr">
-                <a:shade val="30000"/>
-                <a:satMod val="200000"/>
-              </a:schemeClr>
-            </a:gs>
-          </a:gsLst>
-          <a:path path="circle">
-            <a:fillToRect l="50000" t="50000" r="50000" b="50000"/>
-          </a:path>
+          <a:lin ang="5400000" scaled="0"/>
         </a:gradFill>
       </a:bgFillStyleLst>
     </a:fmtScheme>
   </a:themeElements>
   <a:objectDefaults>
-    <a:spDef>
-      <a:spPr/>
-      <a:bodyPr/>
-      <a:lstStyle/>
-      <a:style>
-        <a:lnRef idx="1">
-          <a:schemeClr val="accent1"/>
-        </a:lnRef>
-        <a:fillRef idx="3">
-          <a:schemeClr val="accent1"/>
-        </a:fillRef>
-        <a:effectRef idx="2">
-          <a:schemeClr val="accent1"/>
-        </a:effectRef>
-        <a:fontRef idx="minor">
-          <a:schemeClr val="lt1"/>
-        </a:fontRef>
-      </a:style>
-    </a:spDef>
     <a:lnDef>
       <a:spPr/>
       <a:bodyPr/>
@@ -3697,5 +5096,10 @@
     </a:lnDef>
   </a:objectDefaults>
   <a:extraClrSchemeLst/>
+  <a:extLst>
+    <a:ext uri="{05A4C25C-085E-4340-85A3-A5531E510DB2}">
+      <thm15:themeFamily xmlns:thm15="http://schemas.microsoft.com/office/thememl/2012/main" name="Office Theme" id="{2E142A2C-CD16-42D6-873A-C26D2A0506FA}" vid="{1BDDFF52-6CD6-40A5-AB3C-68EB2F1E4D0A}"/>
+    </a:ext>
+  </a:extLst>
 </a:theme>
 </file>
--- a/template.pptx
+++ b/template.pptx
@@ -259,7 +259,7 @@
           <a:p>
             <a:fld id="{6B41E399-D0A3-4498-B3E0-9E6446FE780E}" type="datetimeFigureOut">
               <a:rPr lang="pt-BR" smtClean="0"/>
-              <a:t>27/05/2025</a:t>
+              <a:t>28/05/2025</a:t>
             </a:fld>
             <a:endParaRPr lang="pt-BR"/>
           </a:p>
@@ -457,7 +457,7 @@
           <a:p>
             <a:fld id="{6B41E399-D0A3-4498-B3E0-9E6446FE780E}" type="datetimeFigureOut">
               <a:rPr lang="pt-BR" smtClean="0"/>
-              <a:t>27/05/2025</a:t>
+              <a:t>28/05/2025</a:t>
             </a:fld>
             <a:endParaRPr lang="pt-BR"/>
           </a:p>
@@ -665,7 +665,7 @@
           <a:p>
             <a:fld id="{6B41E399-D0A3-4498-B3E0-9E6446FE780E}" type="datetimeFigureOut">
               <a:rPr lang="pt-BR" smtClean="0"/>
-              <a:t>27/05/2025</a:t>
+              <a:t>28/05/2025</a:t>
             </a:fld>
             <a:endParaRPr lang="pt-BR"/>
           </a:p>
@@ -863,7 +863,7 @@
           <a:p>
             <a:fld id="{6B41E399-D0A3-4498-B3E0-9E6446FE780E}" type="datetimeFigureOut">
               <a:rPr lang="pt-BR" smtClean="0"/>
-              <a:t>27/05/2025</a:t>
+              <a:t>28/05/2025</a:t>
             </a:fld>
             <a:endParaRPr lang="pt-BR"/>
           </a:p>
@@ -1138,7 +1138,7 @@
           <a:p>
             <a:fld id="{6B41E399-D0A3-4498-B3E0-9E6446FE780E}" type="datetimeFigureOut">
               <a:rPr lang="pt-BR" smtClean="0"/>
-              <a:t>27/05/2025</a:t>
+              <a:t>28/05/2025</a:t>
             </a:fld>
             <a:endParaRPr lang="pt-BR"/>
           </a:p>
@@ -1403,7 +1403,7 @@
           <a:p>
             <a:fld id="{6B41E399-D0A3-4498-B3E0-9E6446FE780E}" type="datetimeFigureOut">
               <a:rPr lang="pt-BR" smtClean="0"/>
-              <a:t>27/05/2025</a:t>
+              <a:t>28/05/2025</a:t>
             </a:fld>
             <a:endParaRPr lang="pt-BR"/>
           </a:p>
@@ -1815,7 +1815,7 @@
           <a:p>
             <a:fld id="{6B41E399-D0A3-4498-B3E0-9E6446FE780E}" type="datetimeFigureOut">
               <a:rPr lang="pt-BR" smtClean="0"/>
-              <a:t>27/05/2025</a:t>
+              <a:t>28/05/2025</a:t>
             </a:fld>
             <a:endParaRPr lang="pt-BR"/>
           </a:p>
@@ -1956,7 +1956,7 @@
           <a:p>
             <a:fld id="{6B41E399-D0A3-4498-B3E0-9E6446FE780E}" type="datetimeFigureOut">
               <a:rPr lang="pt-BR" smtClean="0"/>
-              <a:t>27/05/2025</a:t>
+              <a:t>28/05/2025</a:t>
             </a:fld>
             <a:endParaRPr lang="pt-BR"/>
           </a:p>
@@ -2069,7 +2069,7 @@
           <a:p>
             <a:fld id="{6B41E399-D0A3-4498-B3E0-9E6446FE780E}" type="datetimeFigureOut">
               <a:rPr lang="pt-BR" smtClean="0"/>
-              <a:t>27/05/2025</a:t>
+              <a:t>28/05/2025</a:t>
             </a:fld>
             <a:endParaRPr lang="pt-BR"/>
           </a:p>
@@ -2380,7 +2380,7 @@
           <a:p>
             <a:fld id="{6B41E399-D0A3-4498-B3E0-9E6446FE780E}" type="datetimeFigureOut">
               <a:rPr lang="pt-BR" smtClean="0"/>
-              <a:t>27/05/2025</a:t>
+              <a:t>28/05/2025</a:t>
             </a:fld>
             <a:endParaRPr lang="pt-BR"/>
           </a:p>
@@ -2668,7 +2668,7 @@
           <a:p>
             <a:fld id="{6B41E399-D0A3-4498-B3E0-9E6446FE780E}" type="datetimeFigureOut">
               <a:rPr lang="pt-BR" smtClean="0"/>
-              <a:t>27/05/2025</a:t>
+              <a:t>28/05/2025</a:t>
             </a:fld>
             <a:endParaRPr lang="pt-BR"/>
           </a:p>
@@ -2909,7 +2909,7 @@
           <a:p>
             <a:fld id="{6B41E399-D0A3-4498-B3E0-9E6446FE780E}" type="datetimeFigureOut">
               <a:rPr lang="pt-BR" smtClean="0"/>
-              <a:t>27/05/2025</a:t>
+              <a:t>28/05/2025</a:t>
             </a:fld>
             <a:endParaRPr lang="pt-BR"/>
           </a:p>
@@ -3446,7 +3446,7 @@
         </p:nvSpPr>
         <p:spPr>
           <a:xfrm>
-            <a:off x="109503" y="214122"/>
+            <a:off x="0" y="461665"/>
             <a:ext cx="3931920" cy="1138773"/>
           </a:xfrm>
           <a:prstGeom prst="rect">
@@ -3463,10 +3463,7 @@
             <a:r>
               <a:rPr lang="pt-BR" sz="2000" dirty="0">
                 <a:solidFill>
-                  <a:schemeClr val="tx1">
-                    <a:lumMod val="65000"/>
-                    <a:lumOff val="35000"/>
-                  </a:schemeClr>
+                  <a:srgbClr val="7C7C7C"/>
                 </a:solidFill>
                 <a:latin typeface="Arial Unicode MS"/>
               </a:rPr>
@@ -3475,10 +3472,7 @@
             <a:r>
               <a:rPr sz="2000" dirty="0" err="1">
                 <a:solidFill>
-                  <a:schemeClr val="tx1">
-                    <a:lumMod val="65000"/>
-                    <a:lumOff val="35000"/>
-                  </a:schemeClr>
+                  <a:srgbClr val="7C7C7C"/>
                 </a:solidFill>
                 <a:latin typeface="Arial Unicode MS"/>
               </a:rPr>
@@ -3487,14 +3481,229 @@
             <a:r>
               <a:rPr lang="pt-BR" sz="2000" dirty="0">
                 <a:solidFill>
-                  <a:schemeClr val="tx1">
-                    <a:lumMod val="65000"/>
-                    <a:lumOff val="35000"/>
-                  </a:schemeClr>
+                  <a:srgbClr val="7C7C7C"/>
                 </a:solidFill>
                 <a:latin typeface="Arial Unicode MS"/>
               </a:rPr>
               <a:t>0</a:t>
+            </a:r>
+            <a:r>
+              <a:rPr sz="2000" dirty="0">
+                <a:solidFill>
+                  <a:srgbClr val="7C7C7C"/>
+                </a:solidFill>
+                <a:latin typeface="Arial Unicode MS"/>
+              </a:rPr>
+              <a:t>}}</a:t>
+            </a:r>
+            <a:endParaRPr lang="pt-BR" sz="2000" dirty="0">
+              <a:solidFill>
+                <a:srgbClr val="7C7C7C"/>
+              </a:solidFill>
+              <a:latin typeface="Arial Unicode MS"/>
+            </a:endParaRPr>
+          </a:p>
+          <a:p>
+            <a:r>
+              <a:rPr lang="pt-BR" sz="1200" dirty="0">
+                <a:solidFill>
+                  <a:schemeClr val="tx1">
+                    <a:lumMod val="65000"/>
+                    <a:lumOff val="35000"/>
+                  </a:schemeClr>
+                </a:solidFill>
+                <a:latin typeface="Arial Unicode MS"/>
+              </a:rPr>
+              <a:t>{{data0}}</a:t>
+            </a:r>
+            <a:r>
+              <a:rPr lang="pt-BR" dirty="0">
+                <a:solidFill>
+                  <a:schemeClr val="tx1">
+                    <a:lumMod val="65000"/>
+                    <a:lumOff val="35000"/>
+                  </a:schemeClr>
+                </a:solidFill>
+                <a:latin typeface="Arial Unicode MS"/>
+              </a:rPr>
+              <a:t> </a:t>
+            </a:r>
+            <a:r>
+              <a:rPr dirty="0">
+                <a:solidFill>
+                  <a:schemeClr val="tx1">
+                    <a:lumMod val="65000"/>
+                    <a:lumOff val="35000"/>
+                  </a:schemeClr>
+                </a:solidFill>
+                <a:latin typeface="Arial Unicode MS"/>
+              </a:rPr>
+              <a:t>
+</a:t>
+            </a:r>
+            <a:r>
+              <a:rPr sz="1600" dirty="0">
+                <a:solidFill>
+                  <a:schemeClr val="tx1">
+                    <a:lumMod val="65000"/>
+                    <a:lumOff val="35000"/>
+                  </a:schemeClr>
+                </a:solidFill>
+                <a:latin typeface="Arial Unicode MS"/>
+              </a:rPr>
+              <a:t>{{</a:t>
+            </a:r>
+            <a:r>
+              <a:rPr sz="1600" dirty="0" err="1">
+                <a:solidFill>
+                  <a:schemeClr val="tx1">
+                    <a:lumMod val="65000"/>
+                    <a:lumOff val="35000"/>
+                  </a:schemeClr>
+                </a:solidFill>
+                <a:latin typeface="Arial Unicode MS"/>
+              </a:rPr>
+              <a:t>resumo</a:t>
+            </a:r>
+            <a:r>
+              <a:rPr lang="pt-BR" sz="1600" dirty="0">
+                <a:solidFill>
+                  <a:schemeClr val="tx1">
+                    <a:lumMod val="65000"/>
+                    <a:lumOff val="35000"/>
+                  </a:schemeClr>
+                </a:solidFill>
+                <a:latin typeface="Arial Unicode MS"/>
+              </a:rPr>
+              <a:t>0</a:t>
+            </a:r>
+            <a:r>
+              <a:rPr sz="1600" dirty="0">
+                <a:solidFill>
+                  <a:schemeClr val="tx1">
+                    <a:lumMod val="65000"/>
+                    <a:lumOff val="35000"/>
+                  </a:schemeClr>
+                </a:solidFill>
+                <a:latin typeface="Arial Unicode MS"/>
+              </a:rPr>
+              <a:t>}}</a:t>
+            </a:r>
+            <a:r>
+              <a:rPr dirty="0">
+                <a:solidFill>
+                  <a:schemeClr val="tx1">
+                    <a:lumMod val="65000"/>
+                    <a:lumOff val="35000"/>
+                  </a:schemeClr>
+                </a:solidFill>
+                <a:latin typeface="Arial Unicode MS"/>
+              </a:rPr>
+              <a:t>
+</a:t>
+            </a:r>
+            <a:r>
+              <a:rPr sz="1200" dirty="0">
+                <a:solidFill>
+                  <a:schemeClr val="tx1">
+                    <a:lumMod val="65000"/>
+                    <a:lumOff val="35000"/>
+                  </a:schemeClr>
+                </a:solidFill>
+                <a:latin typeface="Arial Unicode MS"/>
+              </a:rPr>
+              <a:t>{{link</a:t>
+            </a:r>
+            <a:r>
+              <a:rPr lang="pt-BR" sz="1200" dirty="0">
+                <a:solidFill>
+                  <a:schemeClr val="tx1">
+                    <a:lumMod val="65000"/>
+                    <a:lumOff val="35000"/>
+                  </a:schemeClr>
+                </a:solidFill>
+                <a:latin typeface="Arial Unicode MS"/>
+              </a:rPr>
+              <a:t>0</a:t>
+            </a:r>
+            <a:r>
+              <a:rPr sz="1200" dirty="0">
+                <a:solidFill>
+                  <a:schemeClr val="tx1">
+                    <a:lumMod val="65000"/>
+                    <a:lumOff val="35000"/>
+                  </a:schemeClr>
+                </a:solidFill>
+                <a:latin typeface="Arial Unicode MS"/>
+              </a:rPr>
+              <a:t>}}</a:t>
+            </a:r>
+          </a:p>
+        </p:txBody>
+      </p:sp>
+      <p:sp>
+        <p:nvSpPr>
+          <p:cNvPr id="10" name="TextBox 1">
+            <a:extLst>
+              <a:ext uri="{FF2B5EF4-FFF2-40B4-BE49-F238E27FC236}">
+                <a16:creationId xmlns:a16="http://schemas.microsoft.com/office/drawing/2014/main" id="{10DD7FDE-EB3C-DD78-285C-12D806F41DB5}"/>
+              </a:ext>
+            </a:extLst>
+          </p:cNvPr>
+          <p:cNvSpPr txBox="1"/>
+          <p:nvPr/>
+        </p:nvSpPr>
+        <p:spPr>
+          <a:xfrm>
+            <a:off x="4130039" y="461665"/>
+            <a:ext cx="3931920" cy="1138773"/>
+          </a:xfrm>
+          <a:prstGeom prst="rect">
+            <a:avLst/>
+          </a:prstGeom>
+          <a:noFill/>
+        </p:spPr>
+        <p:txBody>
+          <a:bodyPr wrap="square">
+            <a:spAutoFit/>
+          </a:bodyPr>
+          <a:lstStyle/>
+          <a:p>
+            <a:r>
+              <a:rPr lang="pt-BR" sz="2000" dirty="0">
+                <a:solidFill>
+                  <a:schemeClr val="tx1">
+                    <a:lumMod val="65000"/>
+                    <a:lumOff val="35000"/>
+                  </a:schemeClr>
+                </a:solidFill>
+                <a:latin typeface="Arial Unicode MS"/>
+              </a:rPr>
+              <a:t>{{</a:t>
+            </a:r>
+            <a:r>
+              <a:rPr sz="2000" dirty="0" err="1">
+                <a:solidFill>
+                  <a:schemeClr val="tx1">
+                    <a:lumMod val="65000"/>
+                    <a:lumOff val="35000"/>
+                  </a:schemeClr>
+                </a:solidFill>
+                <a:latin typeface="Arial Unicode MS"/>
+              </a:rPr>
+              <a:t>titulo</a:t>
+            </a:r>
+            <a:r>
+              <a:rPr lang="pt-BR" sz="2000" dirty="0">
+                <a:solidFill>
+                  <a:schemeClr val="tx1">
+                    <a:lumMod val="65000"/>
+                    <a:lumOff val="35000"/>
+                  </a:schemeClr>
+                </a:solidFill>
+                <a:latin typeface="Arial Unicode MS"/>
+              </a:rPr>
+              <a:t>1</a:t>
             </a:r>
             <a:r>
               <a:rPr sz="2000" dirty="0">
@@ -3529,7 +3738,7 @@
                 </a:solidFill>
                 <a:latin typeface="Arial Unicode MS"/>
               </a:rPr>
-              <a:t>{{data0}}</a:t>
+              <a:t>{{data1}}</a:t>
             </a:r>
             <a:r>
               <a:rPr lang="pt-BR" dirty="0">
@@ -3590,7 +3799,7 @@
                 </a:solidFill>
                 <a:latin typeface="Arial Unicode MS"/>
               </a:rPr>
-              <a:t>0</a:t>
+              <a:t>1</a:t>
             </a:r>
             <a:r>
               <a:rPr sz="1600" dirty="0">
@@ -3639,7 +3848,7 @@
                 </a:solidFill>
                 <a:latin typeface="Arial Unicode MS"/>
               </a:rPr>
-              <a:t>0</a:t>
+              <a:t>1</a:t>
             </a:r>
             <a:r>
               <a:rPr sz="1200" dirty="0">
@@ -3658,10 +3867,10 @@
       </p:sp>
       <p:sp>
         <p:nvSpPr>
-          <p:cNvPr id="10" name="TextBox 1">
-            <a:extLst>
-              <a:ext uri="{FF2B5EF4-FFF2-40B4-BE49-F238E27FC236}">
-                <a16:creationId xmlns:a16="http://schemas.microsoft.com/office/drawing/2014/main" id="{10DD7FDE-EB3C-DD78-285C-12D806F41DB5}"/>
+          <p:cNvPr id="11" name="TextBox 1">
+            <a:extLst>
+              <a:ext uri="{FF2B5EF4-FFF2-40B4-BE49-F238E27FC236}">
+                <a16:creationId xmlns:a16="http://schemas.microsoft.com/office/drawing/2014/main" id="{FA0D79E1-337F-1D2D-5D3B-DB7F13A97152}"/>
               </a:ext>
             </a:extLst>
           </p:cNvPr>
@@ -3670,7 +3879,7 @@
         </p:nvSpPr>
         <p:spPr>
           <a:xfrm>
-            <a:off x="4130039" y="224354"/>
+            <a:off x="8260080" y="461665"/>
             <a:ext cx="3931920" cy="1138773"/>
           </a:xfrm>
           <a:prstGeom prst="rect">
@@ -3718,7 +3927,7 @@
                 </a:solidFill>
                 <a:latin typeface="Arial Unicode MS"/>
               </a:rPr>
-              <a:t>1</a:t>
+              <a:t>2</a:t>
             </a:r>
             <a:r>
               <a:rPr sz="2000" dirty="0">
@@ -3753,7 +3962,7 @@
                 </a:solidFill>
                 <a:latin typeface="Arial Unicode MS"/>
               </a:rPr>
-              <a:t>{{data1}}</a:t>
+              <a:t>{{data2}}</a:t>
             </a:r>
             <a:r>
               <a:rPr lang="pt-BR" dirty="0">
@@ -3814,7 +4023,7 @@
                 </a:solidFill>
                 <a:latin typeface="Arial Unicode MS"/>
               </a:rPr>
-              <a:t>1</a:t>
+              <a:t>2</a:t>
             </a:r>
             <a:r>
               <a:rPr sz="1600" dirty="0">
@@ -3863,7 +4072,7 @@
                 </a:solidFill>
                 <a:latin typeface="Arial Unicode MS"/>
               </a:rPr>
-              <a:t>1</a:t>
+              <a:t>2</a:t>
             </a:r>
             <a:r>
               <a:rPr sz="1200" dirty="0">
@@ -3882,10 +4091,10 @@
       </p:sp>
       <p:sp>
         <p:nvSpPr>
-          <p:cNvPr id="11" name="TextBox 1">
-            <a:extLst>
-              <a:ext uri="{FF2B5EF4-FFF2-40B4-BE49-F238E27FC236}">
-                <a16:creationId xmlns:a16="http://schemas.microsoft.com/office/drawing/2014/main" id="{FA0D79E1-337F-1D2D-5D3B-DB7F13A97152}"/>
+          <p:cNvPr id="15" name="TextBox 1">
+            <a:extLst>
+              <a:ext uri="{FF2B5EF4-FFF2-40B4-BE49-F238E27FC236}">
+                <a16:creationId xmlns:a16="http://schemas.microsoft.com/office/drawing/2014/main" id="{A28DF642-F3B1-A84E-15E0-29FE762FD5CD}"/>
               </a:ext>
             </a:extLst>
           </p:cNvPr>
@@ -3894,7 +4103,7 @@
         </p:nvSpPr>
         <p:spPr>
           <a:xfrm>
-            <a:off x="8501708" y="224354"/>
+            <a:off x="109503" y="3643588"/>
             <a:ext cx="3931920" cy="1138773"/>
           </a:xfrm>
           <a:prstGeom prst="rect">
@@ -3942,7 +4151,7 @@
                 </a:solidFill>
                 <a:latin typeface="Arial Unicode MS"/>
               </a:rPr>
-              <a:t>2</a:t>
+              <a:t>3</a:t>
             </a:r>
             <a:r>
               <a:rPr sz="2000" dirty="0">
@@ -3977,7 +4186,7 @@
                 </a:solidFill>
                 <a:latin typeface="Arial Unicode MS"/>
               </a:rPr>
-              <a:t>{{data2}}</a:t>
+              <a:t>{{data3}}</a:t>
             </a:r>
             <a:r>
               <a:rPr lang="pt-BR" dirty="0">
@@ -4038,7 +4247,7 @@
                 </a:solidFill>
                 <a:latin typeface="Arial Unicode MS"/>
               </a:rPr>
-              <a:t>2</a:t>
+              <a:t>3</a:t>
             </a:r>
             <a:r>
               <a:rPr sz="1600" dirty="0">
@@ -4087,7 +4296,7 @@
                 </a:solidFill>
                 <a:latin typeface="Arial Unicode MS"/>
               </a:rPr>
-              <a:t>2</a:t>
+              <a:t>3</a:t>
             </a:r>
             <a:r>
               <a:rPr sz="1200" dirty="0">
@@ -4106,10 +4315,10 @@
       </p:sp>
       <p:sp>
         <p:nvSpPr>
-          <p:cNvPr id="15" name="TextBox 1">
-            <a:extLst>
-              <a:ext uri="{FF2B5EF4-FFF2-40B4-BE49-F238E27FC236}">
-                <a16:creationId xmlns:a16="http://schemas.microsoft.com/office/drawing/2014/main" id="{A28DF642-F3B1-A84E-15E0-29FE762FD5CD}"/>
+          <p:cNvPr id="16" name="TextBox 1">
+            <a:extLst>
+              <a:ext uri="{FF2B5EF4-FFF2-40B4-BE49-F238E27FC236}">
+                <a16:creationId xmlns:a16="http://schemas.microsoft.com/office/drawing/2014/main" id="{1DB60E64-72D9-9275-54CE-B0D1210241F5}"/>
               </a:ext>
             </a:extLst>
           </p:cNvPr>
@@ -4118,7 +4327,7 @@
         </p:nvSpPr>
         <p:spPr>
           <a:xfrm>
-            <a:off x="198119" y="3941527"/>
+            <a:off x="4130039" y="3643587"/>
             <a:ext cx="3931920" cy="1138773"/>
           </a:xfrm>
           <a:prstGeom prst="rect">
@@ -4166,7 +4375,7 @@
                 </a:solidFill>
                 <a:latin typeface="Arial Unicode MS"/>
               </a:rPr>
-              <a:t>3</a:t>
+              <a:t>4</a:t>
             </a:r>
             <a:r>
               <a:rPr sz="2000" dirty="0">
@@ -4201,7 +4410,7 @@
                 </a:solidFill>
                 <a:latin typeface="Arial Unicode MS"/>
               </a:rPr>
-              <a:t>{{data3}}</a:t>
+              <a:t>{{data4}}</a:t>
             </a:r>
             <a:r>
               <a:rPr lang="pt-BR" dirty="0">
@@ -4262,7 +4471,7 @@
                 </a:solidFill>
                 <a:latin typeface="Arial Unicode MS"/>
               </a:rPr>
-              <a:t>3</a:t>
+              <a:t>4</a:t>
             </a:r>
             <a:r>
               <a:rPr sz="1600" dirty="0">
@@ -4311,7 +4520,7 @@
                 </a:solidFill>
                 <a:latin typeface="Arial Unicode MS"/>
               </a:rPr>
-              <a:t>3</a:t>
+              <a:t>4</a:t>
             </a:r>
             <a:r>
               <a:rPr sz="1200" dirty="0">
@@ -4330,10 +4539,10 @@
       </p:sp>
       <p:sp>
         <p:nvSpPr>
-          <p:cNvPr id="16" name="TextBox 1">
-            <a:extLst>
-              <a:ext uri="{FF2B5EF4-FFF2-40B4-BE49-F238E27FC236}">
-                <a16:creationId xmlns:a16="http://schemas.microsoft.com/office/drawing/2014/main" id="{1DB60E64-72D9-9275-54CE-B0D1210241F5}"/>
+          <p:cNvPr id="17" name="TextBox 1">
+            <a:extLst>
+              <a:ext uri="{FF2B5EF4-FFF2-40B4-BE49-F238E27FC236}">
+                <a16:creationId xmlns:a16="http://schemas.microsoft.com/office/drawing/2014/main" id="{564E6FE0-8F6A-D0D8-262A-95F947C9EAA4}"/>
               </a:ext>
             </a:extLst>
           </p:cNvPr>
@@ -4342,7 +4551,7 @@
         </p:nvSpPr>
         <p:spPr>
           <a:xfrm>
-            <a:off x="4218655" y="4112612"/>
+            <a:off x="8327807" y="3643586"/>
             <a:ext cx="3931920" cy="1138773"/>
           </a:xfrm>
           <a:prstGeom prst="rect">
@@ -4390,7 +4599,7 @@
                 </a:solidFill>
                 <a:latin typeface="Arial Unicode MS"/>
               </a:rPr>
-              <a:t>4</a:t>
+              <a:t>5</a:t>
             </a:r>
             <a:r>
               <a:rPr sz="2000" dirty="0">
@@ -4425,7 +4634,7 @@
                 </a:solidFill>
                 <a:latin typeface="Arial Unicode MS"/>
               </a:rPr>
-              <a:t>{{data4}}</a:t>
+              <a:t>{{data5}}</a:t>
             </a:r>
             <a:r>
               <a:rPr lang="pt-BR" dirty="0">
@@ -4486,7 +4695,7 @@
                 </a:solidFill>
                 <a:latin typeface="Arial Unicode MS"/>
               </a:rPr>
-              <a:t>4</a:t>
+              <a:t>5</a:t>
             </a:r>
             <a:r>
               <a:rPr sz="1600" dirty="0">
@@ -4535,7 +4744,7 @@
                 </a:solidFill>
                 <a:latin typeface="Arial Unicode MS"/>
               </a:rPr>
-              <a:t>4</a:t>
+              <a:t>5</a:t>
             </a:r>
             <a:r>
               <a:rPr sz="1200" dirty="0">
@@ -4554,10 +4763,10 @@
       </p:sp>
       <p:sp>
         <p:nvSpPr>
-          <p:cNvPr id="17" name="TextBox 1">
-            <a:extLst>
-              <a:ext uri="{FF2B5EF4-FFF2-40B4-BE49-F238E27FC236}">
-                <a16:creationId xmlns:a16="http://schemas.microsoft.com/office/drawing/2014/main" id="{564E6FE0-8F6A-D0D8-262A-95F947C9EAA4}"/>
+          <p:cNvPr id="2" name="TextBox 19">
+            <a:extLst>
+              <a:ext uri="{FF2B5EF4-FFF2-40B4-BE49-F238E27FC236}">
+                <a16:creationId xmlns:a16="http://schemas.microsoft.com/office/drawing/2014/main" id="{3994923B-4DAE-5D2C-BB5D-5B6E26D2A62F}"/>
               </a:ext>
             </a:extLst>
           </p:cNvPr>
@@ -4566,8 +4775,8 @@
         </p:nvSpPr>
         <p:spPr>
           <a:xfrm>
-            <a:off x="8327807" y="3941526"/>
-            <a:ext cx="3931920" cy="1138773"/>
+            <a:off x="0" y="0"/>
+            <a:ext cx="4531007" cy="461665"/>
           </a:xfrm>
           <a:prstGeom prst="rect">
             <a:avLst/>
@@ -4575,203 +4784,21 @@
           <a:noFill/>
         </p:spPr>
         <p:txBody>
-          <a:bodyPr wrap="square">
+          <a:bodyPr wrap="square" rtlCol="0">
             <a:spAutoFit/>
           </a:bodyPr>
           <a:lstStyle/>
           <a:p>
             <a:r>
-              <a:rPr lang="pt-BR" sz="2000" dirty="0">
-                <a:solidFill>
-                  <a:schemeClr val="tx1">
-                    <a:lumMod val="65000"/>
-                    <a:lumOff val="35000"/>
-                  </a:schemeClr>
-                </a:solidFill>
-                <a:latin typeface="Arial Unicode MS"/>
-              </a:rPr>
-              <a:t>{{</a:t>
-            </a:r>
-            <a:r>
-              <a:rPr sz="2000" dirty="0" err="1">
-                <a:solidFill>
-                  <a:schemeClr val="tx1">
-                    <a:lumMod val="65000"/>
-                    <a:lumOff val="35000"/>
-                  </a:schemeClr>
-                </a:solidFill>
-                <a:latin typeface="Arial Unicode MS"/>
-              </a:rPr>
-              <a:t>titulo</a:t>
-            </a:r>
-            <a:r>
-              <a:rPr lang="pt-BR" sz="2000" dirty="0">
-                <a:solidFill>
-                  <a:schemeClr val="tx1">
-                    <a:lumMod val="65000"/>
-                    <a:lumOff val="35000"/>
-                  </a:schemeClr>
-                </a:solidFill>
-                <a:latin typeface="Arial Unicode MS"/>
-              </a:rPr>
-              <a:t>5</a:t>
-            </a:r>
-            <a:r>
-              <a:rPr sz="2000" dirty="0">
-                <a:solidFill>
-                  <a:schemeClr val="tx1">
-                    <a:lumMod val="65000"/>
-                    <a:lumOff val="35000"/>
-                  </a:schemeClr>
-                </a:solidFill>
-                <a:latin typeface="Arial Unicode MS"/>
-              </a:rPr>
-              <a:t>}}</a:t>
-            </a:r>
-            <a:endParaRPr lang="pt-BR" sz="2000" dirty="0">
-              <a:solidFill>
-                <a:schemeClr val="tx1">
-                  <a:lumMod val="65000"/>
-                  <a:lumOff val="35000"/>
-                </a:schemeClr>
-              </a:solidFill>
-              <a:latin typeface="Arial Unicode MS"/>
-            </a:endParaRPr>
-          </a:p>
-          <a:p>
-            <a:r>
-              <a:rPr lang="pt-BR" sz="1200" dirty="0">
-                <a:solidFill>
-                  <a:schemeClr val="tx1">
-                    <a:lumMod val="65000"/>
-                    <a:lumOff val="35000"/>
-                  </a:schemeClr>
-                </a:solidFill>
-                <a:latin typeface="Arial Unicode MS"/>
-              </a:rPr>
-              <a:t>{{data5}}</a:t>
-            </a:r>
-            <a:r>
-              <a:rPr lang="pt-BR" dirty="0">
-                <a:solidFill>
-                  <a:schemeClr val="tx1">
-                    <a:lumMod val="65000"/>
-                    <a:lumOff val="35000"/>
-                  </a:schemeClr>
-                </a:solidFill>
-                <a:latin typeface="Arial Unicode MS"/>
-              </a:rPr>
-              <a:t> </a:t>
-            </a:r>
-            <a:r>
-              <a:rPr dirty="0">
-                <a:solidFill>
-                  <a:schemeClr val="tx1">
-                    <a:lumMod val="65000"/>
-                    <a:lumOff val="35000"/>
-                  </a:schemeClr>
-                </a:solidFill>
-                <a:latin typeface="Arial Unicode MS"/>
-              </a:rPr>
-              <a:t>
-</a:t>
-            </a:r>
-            <a:r>
-              <a:rPr sz="1600" dirty="0">
-                <a:solidFill>
-                  <a:schemeClr val="tx1">
-                    <a:lumMod val="65000"/>
-                    <a:lumOff val="35000"/>
-                  </a:schemeClr>
-                </a:solidFill>
-                <a:latin typeface="Arial Unicode MS"/>
-              </a:rPr>
-              <a:t>{{</a:t>
-            </a:r>
-            <a:r>
-              <a:rPr sz="1600" dirty="0" err="1">
-                <a:solidFill>
-                  <a:schemeClr val="tx1">
-                    <a:lumMod val="65000"/>
-                    <a:lumOff val="35000"/>
-                  </a:schemeClr>
-                </a:solidFill>
-                <a:latin typeface="Arial Unicode MS"/>
-              </a:rPr>
-              <a:t>resumo</a:t>
-            </a:r>
-            <a:r>
-              <a:rPr lang="pt-BR" sz="1600" dirty="0">
-                <a:solidFill>
-                  <a:schemeClr val="tx1">
-                    <a:lumMod val="65000"/>
-                    <a:lumOff val="35000"/>
-                  </a:schemeClr>
-                </a:solidFill>
-                <a:latin typeface="Arial Unicode MS"/>
-              </a:rPr>
-              <a:t>5</a:t>
-            </a:r>
-            <a:r>
-              <a:rPr sz="1600" dirty="0">
-                <a:solidFill>
-                  <a:schemeClr val="tx1">
-                    <a:lumMod val="65000"/>
-                    <a:lumOff val="35000"/>
-                  </a:schemeClr>
-                </a:solidFill>
-                <a:latin typeface="Arial Unicode MS"/>
-              </a:rPr>
-              <a:t>}}</a:t>
-            </a:r>
-            <a:r>
-              <a:rPr dirty="0">
-                <a:solidFill>
-                  <a:schemeClr val="tx1">
-                    <a:lumMod val="65000"/>
-                    <a:lumOff val="35000"/>
-                  </a:schemeClr>
-                </a:solidFill>
-                <a:latin typeface="Arial Unicode MS"/>
-              </a:rPr>
-              <a:t>
-</a:t>
-            </a:r>
-            <a:r>
-              <a:rPr sz="1200" dirty="0">
-                <a:solidFill>
-                  <a:schemeClr val="tx1">
-                    <a:lumMod val="65000"/>
-                    <a:lumOff val="35000"/>
-                  </a:schemeClr>
-                </a:solidFill>
-                <a:latin typeface="Arial Unicode MS"/>
-              </a:rPr>
-              <a:t>{{link</a:t>
-            </a:r>
-            <a:r>
-              <a:rPr lang="pt-BR" sz="1200" dirty="0">
-                <a:solidFill>
-                  <a:schemeClr val="tx1">
-                    <a:lumMod val="65000"/>
-                    <a:lumOff val="35000"/>
-                  </a:schemeClr>
-                </a:solidFill>
-                <a:latin typeface="Arial Unicode MS"/>
-              </a:rPr>
-              <a:t>5</a:t>
-            </a:r>
-            <a:r>
-              <a:rPr sz="1200" dirty="0">
-                <a:solidFill>
-                  <a:schemeClr val="tx1">
-                    <a:lumMod val="65000"/>
-                    <a:lumOff val="35000"/>
-                  </a:schemeClr>
-                </a:solidFill>
-                <a:latin typeface="Arial Unicode MS"/>
-              </a:rPr>
-              <a:t>}}</a:t>
+              <a:rPr lang="en-US" sz="2400" b="1" dirty="0">
+                <a:solidFill>
+                  <a:srgbClr val="13B0A5"/>
+                </a:solidFill>
+                <a:latin typeface="Poppins" panose="00000500000000000000" pitchFamily="2" charset="0"/>
+                <a:ea typeface="Roboto" panose="02000000000000000000" pitchFamily="2" charset="0"/>
+                <a:cs typeface="Poppins" panose="00000500000000000000" pitchFamily="2" charset="0"/>
+              </a:rPr>
+              <a:t>SPOILERS DE MERCADO</a:t>
             </a:r>
           </a:p>
         </p:txBody>

--- a/template.pptx
+++ b/template.pptx
@@ -3446,7 +3446,7 @@
         </p:nvSpPr>
         <p:spPr>
           <a:xfrm>
-            <a:off x="0" y="461665"/>
+            <a:off x="0" y="358429"/>
             <a:ext cx="3931920" cy="1138773"/>
           </a:xfrm>
           <a:prstGeom prst="rect">
@@ -3655,7 +3655,7 @@
         </p:nvSpPr>
         <p:spPr>
           <a:xfrm>
-            <a:off x="4130039" y="461665"/>
+            <a:off x="4041423" y="358428"/>
             <a:ext cx="3931920" cy="1138773"/>
           </a:xfrm>
           <a:prstGeom prst="rect">
@@ -3879,7 +3879,7 @@
         </p:nvSpPr>
         <p:spPr>
           <a:xfrm>
-            <a:off x="8260080" y="461665"/>
+            <a:off x="8260078" y="358428"/>
             <a:ext cx="3931920" cy="1138773"/>
           </a:xfrm>
           <a:prstGeom prst="rect">

--- a/template.pptx
+++ b/template.pptx
@@ -3446,7 +3446,7 @@
         </p:nvSpPr>
         <p:spPr>
           <a:xfrm>
-            <a:off x="0" y="358429"/>
+            <a:off x="0" y="298100"/>
             <a:ext cx="3931920" cy="1138773"/>
           </a:xfrm>
           <a:prstGeom prst="rect">
@@ -3655,7 +3655,7 @@
         </p:nvSpPr>
         <p:spPr>
           <a:xfrm>
-            <a:off x="4041423" y="358428"/>
+            <a:off x="4041423" y="298100"/>
             <a:ext cx="3931920" cy="1138773"/>
           </a:xfrm>
           <a:prstGeom prst="rect">
@@ -3879,7 +3879,7 @@
         </p:nvSpPr>
         <p:spPr>
           <a:xfrm>
-            <a:off x="8260078" y="358428"/>
+            <a:off x="8260078" y="298100"/>
             <a:ext cx="3931920" cy="1138773"/>
           </a:xfrm>
           <a:prstGeom prst="rect">
@@ -4103,7 +4103,7 @@
         </p:nvSpPr>
         <p:spPr>
           <a:xfrm>
-            <a:off x="109503" y="3643588"/>
+            <a:off x="109503" y="3259964"/>
             <a:ext cx="3931920" cy="1138773"/>
           </a:xfrm>
           <a:prstGeom prst="rect">
@@ -4327,7 +4327,7 @@
         </p:nvSpPr>
         <p:spPr>
           <a:xfrm>
-            <a:off x="4130039" y="3643587"/>
+            <a:off x="4130039" y="3259964"/>
             <a:ext cx="3931920" cy="1138773"/>
           </a:xfrm>
           <a:prstGeom prst="rect">
@@ -4551,7 +4551,7 @@
         </p:nvSpPr>
         <p:spPr>
           <a:xfrm>
-            <a:off x="8327807" y="3643586"/>
+            <a:off x="8239191" y="3259964"/>
             <a:ext cx="3931920" cy="1138773"/>
           </a:xfrm>
           <a:prstGeom prst="rect">

--- a/template.pptx
+++ b/template.pptx
@@ -3341,7 +3341,7 @@
         <p:spPr>
           <a:xfrm>
             <a:off x="4041423" y="0"/>
-            <a:ext cx="4109152" cy="8797474"/>
+            <a:ext cx="4109152" cy="6858000"/>
           </a:xfrm>
           <a:prstGeom prst="rect">
             <a:avLst/>
@@ -4799,6 +4799,51 @@
                 <a:cs typeface="Poppins" panose="00000500000000000000" pitchFamily="2" charset="0"/>
               </a:rPr>
               <a:t>SPOILERS DE MERCADO</a:t>
+            </a:r>
+          </a:p>
+        </p:txBody>
+      </p:sp>
+      <p:sp>
+        <p:nvSpPr>
+          <p:cNvPr id="4" name="TextBox 3">
+            <a:extLst>
+              <a:ext uri="{FF2B5EF4-FFF2-40B4-BE49-F238E27FC236}">
+                <a16:creationId xmlns:a16="http://schemas.microsoft.com/office/drawing/2014/main" id="{BB922AF5-F009-397E-E2C2-0BEC5BBB7CF6}"/>
+              </a:ext>
+            </a:extLst>
+          </p:cNvPr>
+          <p:cNvSpPr txBox="1"/>
+          <p:nvPr/>
+        </p:nvSpPr>
+        <p:spPr>
+          <a:xfrm>
+            <a:off x="8264323" y="6611779"/>
+            <a:ext cx="3927677" cy="246221"/>
+          </a:xfrm>
+          <a:prstGeom prst="rect">
+            <a:avLst/>
+          </a:prstGeom>
+          <a:noFill/>
+        </p:spPr>
+        <p:txBody>
+          <a:bodyPr wrap="none" rtlCol="0">
+            <a:spAutoFit/>
+          </a:bodyPr>
+          <a:lstStyle/>
+          <a:p>
+            <a:pPr algn="ctr"/>
+            <a:r>
+              <a:rPr lang="en-US" sz="1000" spc="300" dirty="0">
+                <a:solidFill>
+                  <a:schemeClr val="tx2">
+                    <a:lumMod val="65000"/>
+                    <a:lumOff val="35000"/>
+                  </a:schemeClr>
+                </a:solidFill>
+                <a:latin typeface="Poppins Light" pitchFamily="2" charset="77"/>
+                <a:cs typeface="Poppins Light" pitchFamily="2" charset="77"/>
+              </a:rPr>
+              <a:t>TUTIPLAST INDÚSTRIA E COMÉRCIO LTDA</a:t>
             </a:r>
           </a:p>
         </p:txBody>

--- a/template.pptx
+++ b/template.pptx
@@ -3446,7 +3446,7 @@
         </p:nvSpPr>
         <p:spPr>
           <a:xfrm>
-            <a:off x="0" y="298100"/>
+            <a:off x="-4245" y="0"/>
             <a:ext cx="3931920" cy="1138773"/>
           </a:xfrm>
           <a:prstGeom prst="rect">
@@ -3655,7 +3655,7 @@
         </p:nvSpPr>
         <p:spPr>
           <a:xfrm>
-            <a:off x="4041423" y="298100"/>
+            <a:off x="4037178" y="0"/>
             <a:ext cx="3931920" cy="1138773"/>
           </a:xfrm>
           <a:prstGeom prst="rect">
@@ -3879,7 +3879,7 @@
         </p:nvSpPr>
         <p:spPr>
           <a:xfrm>
-            <a:off x="8260078" y="298100"/>
+            <a:off x="8158104" y="-1"/>
             <a:ext cx="3931920" cy="1138773"/>
           </a:xfrm>
           <a:prstGeom prst="rect">

--- a/template.pptx
+++ b/template.pptx
@@ -4776,7 +4776,7 @@
         <p:spPr>
           <a:xfrm>
             <a:off x="0" y="0"/>
-            <a:ext cx="4531007" cy="461665"/>
+            <a:ext cx="4531007" cy="400110"/>
           </a:xfrm>
           <a:prstGeom prst="rect">
             <a:avLst/>
@@ -4790,7 +4790,7 @@
           <a:lstStyle/>
           <a:p>
             <a:r>
-              <a:rPr lang="en-US" sz="2400" b="1" dirty="0">
+              <a:rPr lang="en-US" sz="2000" b="1" dirty="0">
                 <a:solidFill>
                   <a:srgbClr val="13B0A5"/>
                 </a:solidFill>

--- a/template.pptx
+++ b/template.pptx
@@ -3447,7 +3447,7 @@
         <p:spPr>
           <a:xfrm>
             <a:off x="-4245" y="0"/>
-            <a:ext cx="3931920" cy="1138773"/>
+            <a:ext cx="3931920" cy="1231106"/>
           </a:xfrm>
           <a:prstGeom prst="rect">
             <a:avLst/>
@@ -3602,42 +3602,15 @@
               <a:t>
 </a:t>
             </a:r>
-            <a:r>
-              <a:rPr sz="1200" dirty="0">
-                <a:solidFill>
-                  <a:schemeClr val="tx1">
-                    <a:lumMod val="65000"/>
-                    <a:lumOff val="35000"/>
-                  </a:schemeClr>
-                </a:solidFill>
-                <a:latin typeface="Arial Unicode MS"/>
-              </a:rPr>
-              <a:t>{{link</a:t>
-            </a:r>
-            <a:r>
-              <a:rPr lang="pt-BR" sz="1200" dirty="0">
-                <a:solidFill>
-                  <a:schemeClr val="tx1">
-                    <a:lumMod val="65000"/>
-                    <a:lumOff val="35000"/>
-                  </a:schemeClr>
-                </a:solidFill>
-                <a:latin typeface="Arial Unicode MS"/>
-              </a:rPr>
-              <a:t>0</a:t>
-            </a:r>
-            <a:r>
-              <a:rPr sz="1200" dirty="0">
-                <a:solidFill>
-                  <a:schemeClr val="tx1">
-                    <a:lumMod val="65000"/>
-                    <a:lumOff val="35000"/>
-                  </a:schemeClr>
-                </a:solidFill>
-                <a:latin typeface="Arial Unicode MS"/>
-              </a:rPr>
-              <a:t>}}</a:t>
-            </a:r>
+            <a:endParaRPr sz="1200" dirty="0">
+              <a:solidFill>
+                <a:schemeClr val="tx1">
+                  <a:lumMod val="65000"/>
+                  <a:lumOff val="35000"/>
+                </a:schemeClr>
+              </a:solidFill>
+              <a:latin typeface="Arial Unicode MS"/>
+            </a:endParaRPr>
           </a:p>
         </p:txBody>
       </p:sp>
@@ -3656,7 +3629,7 @@
         <p:spPr>
           <a:xfrm>
             <a:off x="4037178" y="0"/>
-            <a:ext cx="3931920" cy="1138773"/>
+            <a:ext cx="3931920" cy="1231106"/>
           </a:xfrm>
           <a:prstGeom prst="rect">
             <a:avLst/>
@@ -3826,42 +3799,15 @@
               <a:t>
 </a:t>
             </a:r>
-            <a:r>
-              <a:rPr sz="1200" dirty="0">
-                <a:solidFill>
-                  <a:schemeClr val="tx1">
-                    <a:lumMod val="65000"/>
-                    <a:lumOff val="35000"/>
-                  </a:schemeClr>
-                </a:solidFill>
-                <a:latin typeface="Arial Unicode MS"/>
-              </a:rPr>
-              <a:t>{{link</a:t>
-            </a:r>
-            <a:r>
-              <a:rPr lang="pt-BR" sz="1200" dirty="0">
-                <a:solidFill>
-                  <a:schemeClr val="tx1">
-                    <a:lumMod val="65000"/>
-                    <a:lumOff val="35000"/>
-                  </a:schemeClr>
-                </a:solidFill>
-                <a:latin typeface="Arial Unicode MS"/>
-              </a:rPr>
-              <a:t>1</a:t>
-            </a:r>
-            <a:r>
-              <a:rPr sz="1200" dirty="0">
-                <a:solidFill>
-                  <a:schemeClr val="tx1">
-                    <a:lumMod val="65000"/>
-                    <a:lumOff val="35000"/>
-                  </a:schemeClr>
-                </a:solidFill>
-                <a:latin typeface="Arial Unicode MS"/>
-              </a:rPr>
-              <a:t>}}</a:t>
-            </a:r>
+            <a:endParaRPr sz="1200" dirty="0">
+              <a:solidFill>
+                <a:schemeClr val="tx1">
+                  <a:lumMod val="65000"/>
+                  <a:lumOff val="35000"/>
+                </a:schemeClr>
+              </a:solidFill>
+              <a:latin typeface="Arial Unicode MS"/>
+            </a:endParaRPr>
           </a:p>
         </p:txBody>
       </p:sp>
@@ -3880,7 +3826,7 @@
         <p:spPr>
           <a:xfrm>
             <a:off x="8158104" y="-1"/>
-            <a:ext cx="3931920" cy="1138773"/>
+            <a:ext cx="3931920" cy="1231106"/>
           </a:xfrm>
           <a:prstGeom prst="rect">
             <a:avLst/>
@@ -4050,42 +3996,15 @@
               <a:t>
 </a:t>
             </a:r>
-            <a:r>
-              <a:rPr sz="1200" dirty="0">
-                <a:solidFill>
-                  <a:schemeClr val="tx1">
-                    <a:lumMod val="65000"/>
-                    <a:lumOff val="35000"/>
-                  </a:schemeClr>
-                </a:solidFill>
-                <a:latin typeface="Arial Unicode MS"/>
-              </a:rPr>
-              <a:t>{{link</a:t>
-            </a:r>
-            <a:r>
-              <a:rPr lang="pt-BR" sz="1200" dirty="0">
-                <a:solidFill>
-                  <a:schemeClr val="tx1">
-                    <a:lumMod val="65000"/>
-                    <a:lumOff val="35000"/>
-                  </a:schemeClr>
-                </a:solidFill>
-                <a:latin typeface="Arial Unicode MS"/>
-              </a:rPr>
-              <a:t>2</a:t>
-            </a:r>
-            <a:r>
-              <a:rPr sz="1200" dirty="0">
-                <a:solidFill>
-                  <a:schemeClr val="tx1">
-                    <a:lumMod val="65000"/>
-                    <a:lumOff val="35000"/>
-                  </a:schemeClr>
-                </a:solidFill>
-                <a:latin typeface="Arial Unicode MS"/>
-              </a:rPr>
-              <a:t>}}</a:t>
-            </a:r>
+            <a:endParaRPr sz="1200" dirty="0">
+              <a:solidFill>
+                <a:schemeClr val="tx1">
+                  <a:lumMod val="65000"/>
+                  <a:lumOff val="35000"/>
+                </a:schemeClr>
+              </a:solidFill>
+              <a:latin typeface="Arial Unicode MS"/>
+            </a:endParaRPr>
           </a:p>
         </p:txBody>
       </p:sp>
@@ -4104,7 +4023,7 @@
         <p:spPr>
           <a:xfrm>
             <a:off x="109503" y="3259964"/>
-            <a:ext cx="3931920" cy="1138773"/>
+            <a:ext cx="3931920" cy="1231106"/>
           </a:xfrm>
           <a:prstGeom prst="rect">
             <a:avLst/>
@@ -4274,42 +4193,15 @@
               <a:t>
 </a:t>
             </a:r>
-            <a:r>
-              <a:rPr sz="1200" dirty="0">
-                <a:solidFill>
-                  <a:schemeClr val="tx1">
-                    <a:lumMod val="65000"/>
-                    <a:lumOff val="35000"/>
-                  </a:schemeClr>
-                </a:solidFill>
-                <a:latin typeface="Arial Unicode MS"/>
-              </a:rPr>
-              <a:t>{{link</a:t>
-            </a:r>
-            <a:r>
-              <a:rPr lang="pt-BR" sz="1200" dirty="0">
-                <a:solidFill>
-                  <a:schemeClr val="tx1">
-                    <a:lumMod val="65000"/>
-                    <a:lumOff val="35000"/>
-                  </a:schemeClr>
-                </a:solidFill>
-                <a:latin typeface="Arial Unicode MS"/>
-              </a:rPr>
-              <a:t>3</a:t>
-            </a:r>
-            <a:r>
-              <a:rPr sz="1200" dirty="0">
-                <a:solidFill>
-                  <a:schemeClr val="tx1">
-                    <a:lumMod val="65000"/>
-                    <a:lumOff val="35000"/>
-                  </a:schemeClr>
-                </a:solidFill>
-                <a:latin typeface="Arial Unicode MS"/>
-              </a:rPr>
-              <a:t>}}</a:t>
-            </a:r>
+            <a:endParaRPr sz="1200" dirty="0">
+              <a:solidFill>
+                <a:schemeClr val="tx1">
+                  <a:lumMod val="65000"/>
+                  <a:lumOff val="35000"/>
+                </a:schemeClr>
+              </a:solidFill>
+              <a:latin typeface="Arial Unicode MS"/>
+            </a:endParaRPr>
           </a:p>
         </p:txBody>
       </p:sp>
@@ -4328,7 +4220,7 @@
         <p:spPr>
           <a:xfrm>
             <a:off x="4130039" y="3259964"/>
-            <a:ext cx="3931920" cy="1138773"/>
+            <a:ext cx="3931920" cy="1231106"/>
           </a:xfrm>
           <a:prstGeom prst="rect">
             <a:avLst/>
@@ -4498,42 +4390,15 @@
               <a:t>
 </a:t>
             </a:r>
-            <a:r>
-              <a:rPr sz="1200" dirty="0">
-                <a:solidFill>
-                  <a:schemeClr val="tx1">
-                    <a:lumMod val="65000"/>
-                    <a:lumOff val="35000"/>
-                  </a:schemeClr>
-                </a:solidFill>
-                <a:latin typeface="Arial Unicode MS"/>
-              </a:rPr>
-              <a:t>{{link</a:t>
-            </a:r>
-            <a:r>
-              <a:rPr lang="pt-BR" sz="1200" dirty="0">
-                <a:solidFill>
-                  <a:schemeClr val="tx1">
-                    <a:lumMod val="65000"/>
-                    <a:lumOff val="35000"/>
-                  </a:schemeClr>
-                </a:solidFill>
-                <a:latin typeface="Arial Unicode MS"/>
-              </a:rPr>
-              <a:t>4</a:t>
-            </a:r>
-            <a:r>
-              <a:rPr sz="1200" dirty="0">
-                <a:solidFill>
-                  <a:schemeClr val="tx1">
-                    <a:lumMod val="65000"/>
-                    <a:lumOff val="35000"/>
-                  </a:schemeClr>
-                </a:solidFill>
-                <a:latin typeface="Arial Unicode MS"/>
-              </a:rPr>
-              <a:t>}}</a:t>
-            </a:r>
+            <a:endParaRPr sz="1200" dirty="0">
+              <a:solidFill>
+                <a:schemeClr val="tx1">
+                  <a:lumMod val="65000"/>
+                  <a:lumOff val="35000"/>
+                </a:schemeClr>
+              </a:solidFill>
+              <a:latin typeface="Arial Unicode MS"/>
+            </a:endParaRPr>
           </a:p>
         </p:txBody>
       </p:sp>
@@ -4552,7 +4417,7 @@
         <p:spPr>
           <a:xfrm>
             <a:off x="8239191" y="3259964"/>
-            <a:ext cx="3931920" cy="1138773"/>
+            <a:ext cx="3931920" cy="1231106"/>
           </a:xfrm>
           <a:prstGeom prst="rect">
             <a:avLst/>
@@ -4722,42 +4587,15 @@
               <a:t>
 </a:t>
             </a:r>
-            <a:r>
-              <a:rPr sz="1200" dirty="0">
-                <a:solidFill>
-                  <a:schemeClr val="tx1">
-                    <a:lumMod val="65000"/>
-                    <a:lumOff val="35000"/>
-                  </a:schemeClr>
-                </a:solidFill>
-                <a:latin typeface="Arial Unicode MS"/>
-              </a:rPr>
-              <a:t>{{link</a:t>
-            </a:r>
-            <a:r>
-              <a:rPr lang="pt-BR" sz="1200" dirty="0">
-                <a:solidFill>
-                  <a:schemeClr val="tx1">
-                    <a:lumMod val="65000"/>
-                    <a:lumOff val="35000"/>
-                  </a:schemeClr>
-                </a:solidFill>
-                <a:latin typeface="Arial Unicode MS"/>
-              </a:rPr>
-              <a:t>5</a:t>
-            </a:r>
-            <a:r>
-              <a:rPr sz="1200" dirty="0">
-                <a:solidFill>
-                  <a:schemeClr val="tx1">
-                    <a:lumMod val="65000"/>
-                    <a:lumOff val="35000"/>
-                  </a:schemeClr>
-                </a:solidFill>
-                <a:latin typeface="Arial Unicode MS"/>
-              </a:rPr>
-              <a:t>}}</a:t>
-            </a:r>
+            <a:endParaRPr sz="1200" dirty="0">
+              <a:solidFill>
+                <a:schemeClr val="tx1">
+                  <a:lumMod val="65000"/>
+                  <a:lumOff val="35000"/>
+                </a:schemeClr>
+              </a:solidFill>
+              <a:latin typeface="Arial Unicode MS"/>
+            </a:endParaRPr>
           </a:p>
         </p:txBody>
       </p:sp>
@@ -4845,6 +4683,270 @@
               </a:rPr>
               <a:t>TUTIPLAST INDÚSTRIA E COMÉRCIO LTDA</a:t>
             </a:r>
+          </a:p>
+        </p:txBody>
+      </p:sp>
+      <p:sp>
+        <p:nvSpPr>
+          <p:cNvPr id="6" name="CaixaDeTexto 5">
+            <a:extLst>
+              <a:ext uri="{FF2B5EF4-FFF2-40B4-BE49-F238E27FC236}">
+                <a16:creationId xmlns:a16="http://schemas.microsoft.com/office/drawing/2014/main" id="{FC578E1C-7F7C-2494-725E-1CC7DD01D3B4}"/>
+              </a:ext>
+            </a:extLst>
+          </p:cNvPr>
+          <p:cNvSpPr txBox="1"/>
+          <p:nvPr/>
+        </p:nvSpPr>
+        <p:spPr>
+          <a:xfrm>
+            <a:off x="109503" y="2798298"/>
+            <a:ext cx="6179574" cy="369332"/>
+          </a:xfrm>
+          <a:prstGeom prst="rect">
+            <a:avLst/>
+          </a:prstGeom>
+          <a:noFill/>
+        </p:spPr>
+        <p:txBody>
+          <a:bodyPr wrap="square">
+            <a:spAutoFit/>
+          </a:bodyPr>
+          <a:lstStyle/>
+          <a:p>
+            <a:r>
+              <a:rPr lang="pt-BR" sz="1800" dirty="0">
+                <a:solidFill>
+                  <a:schemeClr val="tx1">
+                    <a:lumMod val="65000"/>
+                    <a:lumOff val="35000"/>
+                  </a:schemeClr>
+                </a:solidFill>
+                <a:latin typeface="Arial Unicode MS"/>
+              </a:rPr>
+              <a:t>{{link0}}</a:t>
+            </a:r>
+            <a:endParaRPr lang="pt-BR" dirty="0"/>
+          </a:p>
+        </p:txBody>
+      </p:sp>
+      <p:sp>
+        <p:nvSpPr>
+          <p:cNvPr id="13" name="CaixaDeTexto 12">
+            <a:extLst>
+              <a:ext uri="{FF2B5EF4-FFF2-40B4-BE49-F238E27FC236}">
+                <a16:creationId xmlns:a16="http://schemas.microsoft.com/office/drawing/2014/main" id="{C466BD3A-379E-DC03-5AFB-DCECC9652FE9}"/>
+              </a:ext>
+            </a:extLst>
+          </p:cNvPr>
+          <p:cNvSpPr txBox="1"/>
+          <p:nvPr/>
+        </p:nvSpPr>
+        <p:spPr>
+          <a:xfrm>
+            <a:off x="4130039" y="2798298"/>
+            <a:ext cx="6179574" cy="369332"/>
+          </a:xfrm>
+          <a:prstGeom prst="rect">
+            <a:avLst/>
+          </a:prstGeom>
+          <a:noFill/>
+        </p:spPr>
+        <p:txBody>
+          <a:bodyPr wrap="square">
+            <a:spAutoFit/>
+          </a:bodyPr>
+          <a:lstStyle/>
+          <a:p>
+            <a:r>
+              <a:rPr lang="pt-BR" sz="1800" dirty="0">
+                <a:solidFill>
+                  <a:schemeClr val="tx1">
+                    <a:lumMod val="65000"/>
+                    <a:lumOff val="35000"/>
+                  </a:schemeClr>
+                </a:solidFill>
+                <a:latin typeface="Arial Unicode MS"/>
+              </a:rPr>
+              <a:t>{{link1}}</a:t>
+            </a:r>
+            <a:endParaRPr lang="pt-BR" dirty="0"/>
+          </a:p>
+        </p:txBody>
+      </p:sp>
+      <p:sp>
+        <p:nvSpPr>
+          <p:cNvPr id="18" name="CaixaDeTexto 17">
+            <a:extLst>
+              <a:ext uri="{FF2B5EF4-FFF2-40B4-BE49-F238E27FC236}">
+                <a16:creationId xmlns:a16="http://schemas.microsoft.com/office/drawing/2014/main" id="{377FD4AF-4DBD-05DD-FE4A-333CA98582B9}"/>
+              </a:ext>
+            </a:extLst>
+          </p:cNvPr>
+          <p:cNvSpPr txBox="1"/>
+          <p:nvPr/>
+        </p:nvSpPr>
+        <p:spPr>
+          <a:xfrm>
+            <a:off x="8158104" y="2844465"/>
+            <a:ext cx="6179574" cy="369332"/>
+          </a:xfrm>
+          <a:prstGeom prst="rect">
+            <a:avLst/>
+          </a:prstGeom>
+          <a:noFill/>
+        </p:spPr>
+        <p:txBody>
+          <a:bodyPr wrap="square">
+            <a:spAutoFit/>
+          </a:bodyPr>
+          <a:lstStyle/>
+          <a:p>
+            <a:r>
+              <a:rPr lang="pt-BR" sz="1800" dirty="0">
+                <a:solidFill>
+                  <a:schemeClr val="tx1">
+                    <a:lumMod val="65000"/>
+                    <a:lumOff val="35000"/>
+                  </a:schemeClr>
+                </a:solidFill>
+                <a:latin typeface="Arial Unicode MS"/>
+              </a:rPr>
+              <a:t>{{link2}}</a:t>
+            </a:r>
+            <a:endParaRPr lang="pt-BR" dirty="0"/>
+          </a:p>
+        </p:txBody>
+      </p:sp>
+      <p:sp>
+        <p:nvSpPr>
+          <p:cNvPr id="20" name="CaixaDeTexto 19">
+            <a:extLst>
+              <a:ext uri="{FF2B5EF4-FFF2-40B4-BE49-F238E27FC236}">
+                <a16:creationId xmlns:a16="http://schemas.microsoft.com/office/drawing/2014/main" id="{44257872-6CBE-2447-81CC-7BF1D09CCEC5}"/>
+              </a:ext>
+            </a:extLst>
+          </p:cNvPr>
+          <p:cNvSpPr txBox="1"/>
+          <p:nvPr/>
+        </p:nvSpPr>
+        <p:spPr>
+          <a:xfrm>
+            <a:off x="15240" y="6119335"/>
+            <a:ext cx="7204586" cy="369332"/>
+          </a:xfrm>
+          <a:prstGeom prst="rect">
+            <a:avLst/>
+          </a:prstGeom>
+          <a:noFill/>
+        </p:spPr>
+        <p:txBody>
+          <a:bodyPr wrap="square">
+            <a:spAutoFit/>
+          </a:bodyPr>
+          <a:lstStyle/>
+          <a:p>
+            <a:r>
+              <a:rPr lang="pt-BR" sz="1800" dirty="0">
+                <a:solidFill>
+                  <a:schemeClr val="tx1">
+                    <a:lumMod val="65000"/>
+                    <a:lumOff val="35000"/>
+                  </a:schemeClr>
+                </a:solidFill>
+                <a:latin typeface="Arial Unicode MS"/>
+              </a:rPr>
+              <a:t>{{link3}}</a:t>
+            </a:r>
+            <a:endParaRPr lang="pt-BR" dirty="0"/>
+          </a:p>
+        </p:txBody>
+      </p:sp>
+      <p:sp>
+        <p:nvSpPr>
+          <p:cNvPr id="22" name="CaixaDeTexto 21">
+            <a:extLst>
+              <a:ext uri="{FF2B5EF4-FFF2-40B4-BE49-F238E27FC236}">
+                <a16:creationId xmlns:a16="http://schemas.microsoft.com/office/drawing/2014/main" id="{75AE414B-7C70-D59F-71E6-B58C0A640EF5}"/>
+              </a:ext>
+            </a:extLst>
+          </p:cNvPr>
+          <p:cNvSpPr txBox="1"/>
+          <p:nvPr/>
+        </p:nvSpPr>
+        <p:spPr>
+          <a:xfrm>
+            <a:off x="4164451" y="6119335"/>
+            <a:ext cx="7234082" cy="369332"/>
+          </a:xfrm>
+          <a:prstGeom prst="rect">
+            <a:avLst/>
+          </a:prstGeom>
+          <a:noFill/>
+        </p:spPr>
+        <p:txBody>
+          <a:bodyPr wrap="square">
+            <a:spAutoFit/>
+          </a:bodyPr>
+          <a:lstStyle/>
+          <a:p>
+            <a:r>
+              <a:rPr lang="pt-BR" sz="1800" dirty="0">
+                <a:solidFill>
+                  <a:schemeClr val="tx1">
+                    <a:lumMod val="65000"/>
+                    <a:lumOff val="35000"/>
+                  </a:schemeClr>
+                </a:solidFill>
+                <a:latin typeface="Arial Unicode MS"/>
+              </a:rPr>
+              <a:t>{{link4}}</a:t>
+            </a:r>
+            <a:endParaRPr lang="pt-BR" dirty="0"/>
+          </a:p>
+        </p:txBody>
+      </p:sp>
+      <p:sp>
+        <p:nvSpPr>
+          <p:cNvPr id="24" name="CaixaDeTexto 23">
+            <a:extLst>
+              <a:ext uri="{FF2B5EF4-FFF2-40B4-BE49-F238E27FC236}">
+                <a16:creationId xmlns:a16="http://schemas.microsoft.com/office/drawing/2014/main" id="{EDB21E34-4DF5-56E4-0469-BB5E97DBAC4E}"/>
+              </a:ext>
+            </a:extLst>
+          </p:cNvPr>
+          <p:cNvSpPr txBox="1"/>
+          <p:nvPr/>
+        </p:nvSpPr>
+        <p:spPr>
+          <a:xfrm>
+            <a:off x="8239191" y="6119335"/>
+            <a:ext cx="3912266" cy="369332"/>
+          </a:xfrm>
+          <a:prstGeom prst="rect">
+            <a:avLst/>
+          </a:prstGeom>
+          <a:noFill/>
+        </p:spPr>
+        <p:txBody>
+          <a:bodyPr wrap="square">
+            <a:spAutoFit/>
+          </a:bodyPr>
+          <a:lstStyle/>
+          <a:p>
+            <a:r>
+              <a:rPr lang="pt-BR" sz="1800" dirty="0">
+                <a:solidFill>
+                  <a:schemeClr val="tx1">
+                    <a:lumMod val="65000"/>
+                    <a:lumOff val="35000"/>
+                  </a:schemeClr>
+                </a:solidFill>
+                <a:latin typeface="Arial Unicode MS"/>
+              </a:rPr>
+              <a:t>{{link5}}</a:t>
+            </a:r>
+            <a:endParaRPr lang="pt-BR" dirty="0"/>
           </a:p>
         </p:txBody>
       </p:sp>

--- a/template.pptx
+++ b/template.pptx
@@ -4700,8 +4700,8 @@
         </p:nvSpPr>
         <p:spPr>
           <a:xfrm>
-            <a:off x="109503" y="2798298"/>
-            <a:ext cx="6179574" cy="369332"/>
+            <a:off x="20886" y="2613632"/>
+            <a:ext cx="3931921" cy="369332"/>
           </a:xfrm>
           <a:prstGeom prst="rect">
             <a:avLst/>
@@ -4744,8 +4744,8 @@
         </p:nvSpPr>
         <p:spPr>
           <a:xfrm>
-            <a:off x="4130039" y="2798298"/>
-            <a:ext cx="6179574" cy="369332"/>
+            <a:off x="4130039" y="2613632"/>
+            <a:ext cx="3931920" cy="369332"/>
           </a:xfrm>
           <a:prstGeom prst="rect">
             <a:avLst/>
@@ -4788,8 +4788,8 @@
         </p:nvSpPr>
         <p:spPr>
           <a:xfrm>
-            <a:off x="8158104" y="2844465"/>
-            <a:ext cx="6179574" cy="369332"/>
+            <a:off x="8239190" y="2613632"/>
+            <a:ext cx="3850833" cy="369332"/>
           </a:xfrm>
           <a:prstGeom prst="rect">
             <a:avLst/>
@@ -4833,7 +4833,7 @@
         <p:spPr>
           <a:xfrm>
             <a:off x="15240" y="6119335"/>
-            <a:ext cx="7204586" cy="369332"/>
+            <a:ext cx="3931920" cy="369332"/>
           </a:xfrm>
           <a:prstGeom prst="rect">
             <a:avLst/>
@@ -4877,7 +4877,7 @@
         <p:spPr>
           <a:xfrm>
             <a:off x="4164451" y="6119335"/>
-            <a:ext cx="7234082" cy="369332"/>
+            <a:ext cx="3931920" cy="369332"/>
           </a:xfrm>
           <a:prstGeom prst="rect">
             <a:avLst/>

--- a/template.pptx
+++ b/template.pptx
@@ -259,7 +259,7 @@
           <a:p>
             <a:fld id="{6B41E399-D0A3-4498-B3E0-9E6446FE780E}" type="datetimeFigureOut">
               <a:rPr lang="pt-BR" smtClean="0"/>
-              <a:t>28/05/2025</a:t>
+              <a:t>29/05/2025</a:t>
             </a:fld>
             <a:endParaRPr lang="pt-BR"/>
           </a:p>
@@ -457,7 +457,7 @@
           <a:p>
             <a:fld id="{6B41E399-D0A3-4498-B3E0-9E6446FE780E}" type="datetimeFigureOut">
               <a:rPr lang="pt-BR" smtClean="0"/>
-              <a:t>28/05/2025</a:t>
+              <a:t>29/05/2025</a:t>
             </a:fld>
             <a:endParaRPr lang="pt-BR"/>
           </a:p>
@@ -665,7 +665,7 @@
           <a:p>
             <a:fld id="{6B41E399-D0A3-4498-B3E0-9E6446FE780E}" type="datetimeFigureOut">
               <a:rPr lang="pt-BR" smtClean="0"/>
-              <a:t>28/05/2025</a:t>
+              <a:t>29/05/2025</a:t>
             </a:fld>
             <a:endParaRPr lang="pt-BR"/>
           </a:p>
@@ -863,7 +863,7 @@
           <a:p>
             <a:fld id="{6B41E399-D0A3-4498-B3E0-9E6446FE780E}" type="datetimeFigureOut">
               <a:rPr lang="pt-BR" smtClean="0"/>
-              <a:t>28/05/2025</a:t>
+              <a:t>29/05/2025</a:t>
             </a:fld>
             <a:endParaRPr lang="pt-BR"/>
           </a:p>
@@ -1138,7 +1138,7 @@
           <a:p>
             <a:fld id="{6B41E399-D0A3-4498-B3E0-9E6446FE780E}" type="datetimeFigureOut">
               <a:rPr lang="pt-BR" smtClean="0"/>
-              <a:t>28/05/2025</a:t>
+              <a:t>29/05/2025</a:t>
             </a:fld>
             <a:endParaRPr lang="pt-BR"/>
           </a:p>
@@ -1403,7 +1403,7 @@
           <a:p>
             <a:fld id="{6B41E399-D0A3-4498-B3E0-9E6446FE780E}" type="datetimeFigureOut">
               <a:rPr lang="pt-BR" smtClean="0"/>
-              <a:t>28/05/2025</a:t>
+              <a:t>29/05/2025</a:t>
             </a:fld>
             <a:endParaRPr lang="pt-BR"/>
           </a:p>
@@ -1815,7 +1815,7 @@
           <a:p>
             <a:fld id="{6B41E399-D0A3-4498-B3E0-9E6446FE780E}" type="datetimeFigureOut">
               <a:rPr lang="pt-BR" smtClean="0"/>
-              <a:t>28/05/2025</a:t>
+              <a:t>29/05/2025</a:t>
             </a:fld>
             <a:endParaRPr lang="pt-BR"/>
           </a:p>
@@ -1956,7 +1956,7 @@
           <a:p>
             <a:fld id="{6B41E399-D0A3-4498-B3E0-9E6446FE780E}" type="datetimeFigureOut">
               <a:rPr lang="pt-BR" smtClean="0"/>
-              <a:t>28/05/2025</a:t>
+              <a:t>29/05/2025</a:t>
             </a:fld>
             <a:endParaRPr lang="pt-BR"/>
           </a:p>
@@ -2069,7 +2069,7 @@
           <a:p>
             <a:fld id="{6B41E399-D0A3-4498-B3E0-9E6446FE780E}" type="datetimeFigureOut">
               <a:rPr lang="pt-BR" smtClean="0"/>
-              <a:t>28/05/2025</a:t>
+              <a:t>29/05/2025</a:t>
             </a:fld>
             <a:endParaRPr lang="pt-BR"/>
           </a:p>
@@ -2380,7 +2380,7 @@
           <a:p>
             <a:fld id="{6B41E399-D0A3-4498-B3E0-9E6446FE780E}" type="datetimeFigureOut">
               <a:rPr lang="pt-BR" smtClean="0"/>
-              <a:t>28/05/2025</a:t>
+              <a:t>29/05/2025</a:t>
             </a:fld>
             <a:endParaRPr lang="pt-BR"/>
           </a:p>
@@ -2668,7 +2668,7 @@
           <a:p>
             <a:fld id="{6B41E399-D0A3-4498-B3E0-9E6446FE780E}" type="datetimeFigureOut">
               <a:rPr lang="pt-BR" smtClean="0"/>
-              <a:t>28/05/2025</a:t>
+              <a:t>29/05/2025</a:t>
             </a:fld>
             <a:endParaRPr lang="pt-BR"/>
           </a:p>
@@ -2909,7 +2909,7 @@
           <a:p>
             <a:fld id="{6B41E399-D0A3-4498-B3E0-9E6446FE780E}" type="datetimeFigureOut">
               <a:rPr lang="pt-BR" smtClean="0"/>
-              <a:t>28/05/2025</a:t>
+              <a:t>29/05/2025</a:t>
             </a:fld>
             <a:endParaRPr lang="pt-BR"/>
           </a:p>
@@ -4701,7 +4701,7 @@
         <p:spPr>
           <a:xfrm>
             <a:off x="20886" y="2613632"/>
-            <a:ext cx="3931921" cy="369332"/>
+            <a:ext cx="3931921" cy="261610"/>
           </a:xfrm>
           <a:prstGeom prst="rect">
             <a:avLst/>
@@ -4715,18 +4715,18 @@
           <a:lstStyle/>
           <a:p>
             <a:r>
-              <a:rPr lang="pt-BR" sz="1800" dirty="0">
-                <a:solidFill>
-                  <a:schemeClr val="tx1">
-                    <a:lumMod val="65000"/>
-                    <a:lumOff val="35000"/>
-                  </a:schemeClr>
-                </a:solidFill>
-                <a:latin typeface="Arial Unicode MS"/>
-              </a:rPr>
-              <a:t>{{link0}}</a:t>
-            </a:r>
-            <a:endParaRPr lang="pt-BR" dirty="0"/>
+              <a:rPr lang="pt-BR" sz="1100" dirty="0">
+                <a:solidFill>
+                  <a:schemeClr val="tx1">
+                    <a:lumMod val="65000"/>
+                    <a:lumOff val="35000"/>
+                  </a:schemeClr>
+                </a:solidFill>
+                <a:latin typeface="Arial Unicode MS"/>
+              </a:rPr>
+              <a:t>Fonte: {{link0}}</a:t>
+            </a:r>
+            <a:endParaRPr lang="pt-BR" sz="1100" dirty="0"/>
           </a:p>
         </p:txBody>
       </p:sp>
@@ -4745,7 +4745,7 @@
         <p:spPr>
           <a:xfrm>
             <a:off x="4130039" y="2613632"/>
-            <a:ext cx="3931920" cy="369332"/>
+            <a:ext cx="3931920" cy="261610"/>
           </a:xfrm>
           <a:prstGeom prst="rect">
             <a:avLst/>
@@ -4759,18 +4759,18 @@
           <a:lstStyle/>
           <a:p>
             <a:r>
-              <a:rPr lang="pt-BR" sz="1800" dirty="0">
-                <a:solidFill>
-                  <a:schemeClr val="tx1">
-                    <a:lumMod val="65000"/>
-                    <a:lumOff val="35000"/>
-                  </a:schemeClr>
-                </a:solidFill>
-                <a:latin typeface="Arial Unicode MS"/>
-              </a:rPr>
-              <a:t>{{link1}}</a:t>
-            </a:r>
-            <a:endParaRPr lang="pt-BR" dirty="0"/>
+              <a:rPr lang="pt-BR" sz="1100" dirty="0">
+                <a:solidFill>
+                  <a:schemeClr val="tx1">
+                    <a:lumMod val="65000"/>
+                    <a:lumOff val="35000"/>
+                  </a:schemeClr>
+                </a:solidFill>
+                <a:latin typeface="Arial Unicode MS"/>
+              </a:rPr>
+              <a:t>Fonte: {{link1}}</a:t>
+            </a:r>
+            <a:endParaRPr lang="pt-BR" sz="1100" dirty="0"/>
           </a:p>
         </p:txBody>
       </p:sp>
@@ -4789,7 +4789,7 @@
         <p:spPr>
           <a:xfrm>
             <a:off x="8239190" y="2613632"/>
-            <a:ext cx="3850833" cy="369332"/>
+            <a:ext cx="3850833" cy="261610"/>
           </a:xfrm>
           <a:prstGeom prst="rect">
             <a:avLst/>
@@ -4803,18 +4803,18 @@
           <a:lstStyle/>
           <a:p>
             <a:r>
-              <a:rPr lang="pt-BR" sz="1800" dirty="0">
-                <a:solidFill>
-                  <a:schemeClr val="tx1">
-                    <a:lumMod val="65000"/>
-                    <a:lumOff val="35000"/>
-                  </a:schemeClr>
-                </a:solidFill>
-                <a:latin typeface="Arial Unicode MS"/>
-              </a:rPr>
-              <a:t>{{link2}}</a:t>
-            </a:r>
-            <a:endParaRPr lang="pt-BR" dirty="0"/>
+              <a:rPr lang="pt-BR" sz="1100" dirty="0">
+                <a:solidFill>
+                  <a:schemeClr val="tx1">
+                    <a:lumMod val="65000"/>
+                    <a:lumOff val="35000"/>
+                  </a:schemeClr>
+                </a:solidFill>
+                <a:latin typeface="Arial Unicode MS"/>
+              </a:rPr>
+              <a:t>Fonte: {{link2}}</a:t>
+            </a:r>
+            <a:endParaRPr lang="pt-BR" sz="1100" dirty="0"/>
           </a:p>
         </p:txBody>
       </p:sp>
@@ -4833,7 +4833,7 @@
         <p:spPr>
           <a:xfrm>
             <a:off x="15240" y="6119335"/>
-            <a:ext cx="3931920" cy="369332"/>
+            <a:ext cx="3931920" cy="246221"/>
           </a:xfrm>
           <a:prstGeom prst="rect">
             <a:avLst/>
@@ -4847,18 +4847,18 @@
           <a:lstStyle/>
           <a:p>
             <a:r>
-              <a:rPr lang="pt-BR" sz="1800" dirty="0">
-                <a:solidFill>
-                  <a:schemeClr val="tx1">
-                    <a:lumMod val="65000"/>
-                    <a:lumOff val="35000"/>
-                  </a:schemeClr>
-                </a:solidFill>
-                <a:latin typeface="Arial Unicode MS"/>
-              </a:rPr>
-              <a:t>{{link3}}</a:t>
-            </a:r>
-            <a:endParaRPr lang="pt-BR" dirty="0"/>
+              <a:rPr lang="pt-BR" sz="1000" dirty="0">
+                <a:solidFill>
+                  <a:schemeClr val="tx1">
+                    <a:lumMod val="65000"/>
+                    <a:lumOff val="35000"/>
+                  </a:schemeClr>
+                </a:solidFill>
+                <a:latin typeface="Arial Unicode MS"/>
+              </a:rPr>
+              <a:t>Fonte: {{link3}}</a:t>
+            </a:r>
+            <a:endParaRPr lang="pt-BR" sz="1000" dirty="0"/>
           </a:p>
         </p:txBody>
       </p:sp>
@@ -4877,7 +4877,7 @@
         <p:spPr>
           <a:xfrm>
             <a:off x="4164451" y="6119335"/>
-            <a:ext cx="3931920" cy="369332"/>
+            <a:ext cx="3931920" cy="246221"/>
           </a:xfrm>
           <a:prstGeom prst="rect">
             <a:avLst/>
@@ -4891,18 +4891,18 @@
           <a:lstStyle/>
           <a:p>
             <a:r>
-              <a:rPr lang="pt-BR" sz="1800" dirty="0">
-                <a:solidFill>
-                  <a:schemeClr val="tx1">
-                    <a:lumMod val="65000"/>
-                    <a:lumOff val="35000"/>
-                  </a:schemeClr>
-                </a:solidFill>
-                <a:latin typeface="Arial Unicode MS"/>
-              </a:rPr>
-              <a:t>{{link4}}</a:t>
-            </a:r>
-            <a:endParaRPr lang="pt-BR" dirty="0"/>
+              <a:rPr lang="pt-BR" sz="1000" dirty="0">
+                <a:solidFill>
+                  <a:schemeClr val="tx1">
+                    <a:lumMod val="65000"/>
+                    <a:lumOff val="35000"/>
+                  </a:schemeClr>
+                </a:solidFill>
+                <a:latin typeface="Arial Unicode MS"/>
+              </a:rPr>
+              <a:t>Fonte: {{link4}}</a:t>
+            </a:r>
+            <a:endParaRPr lang="pt-BR" sz="1000" dirty="0"/>
           </a:p>
         </p:txBody>
       </p:sp>
@@ -4921,7 +4921,7 @@
         <p:spPr>
           <a:xfrm>
             <a:off x="8239191" y="6119335"/>
-            <a:ext cx="3912266" cy="369332"/>
+            <a:ext cx="3912266" cy="246221"/>
           </a:xfrm>
           <a:prstGeom prst="rect">
             <a:avLst/>
@@ -4935,18 +4935,18 @@
           <a:lstStyle/>
           <a:p>
             <a:r>
-              <a:rPr lang="pt-BR" sz="1800" dirty="0">
-                <a:solidFill>
-                  <a:schemeClr val="tx1">
-                    <a:lumMod val="65000"/>
-                    <a:lumOff val="35000"/>
-                  </a:schemeClr>
-                </a:solidFill>
-                <a:latin typeface="Arial Unicode MS"/>
-              </a:rPr>
-              <a:t>{{link5}}</a:t>
-            </a:r>
-            <a:endParaRPr lang="pt-BR" dirty="0"/>
+              <a:rPr lang="pt-BR" sz="1000" dirty="0">
+                <a:solidFill>
+                  <a:schemeClr val="tx1">
+                    <a:lumMod val="65000"/>
+                    <a:lumOff val="35000"/>
+                  </a:schemeClr>
+                </a:solidFill>
+                <a:latin typeface="Arial Unicode MS"/>
+              </a:rPr>
+              <a:t>Fonte: {{link5}}</a:t>
+            </a:r>
+            <a:endParaRPr lang="pt-BR" sz="1000" dirty="0"/>
           </a:p>
         </p:txBody>
       </p:sp>

--- a/template.pptx
+++ b/template.pptx
@@ -3447,7 +3447,7 @@
         <p:spPr>
           <a:xfrm>
             <a:off x="-4245" y="0"/>
-            <a:ext cx="3931920" cy="1231106"/>
+            <a:ext cx="3931920" cy="954107"/>
           </a:xfrm>
           <a:prstGeom prst="rect">
             <a:avLst/>
@@ -3527,67 +3527,6 @@
                 <a:latin typeface="Arial Unicode MS"/>
               </a:rPr>
               <a:t> </a:t>
-            </a:r>
-            <a:r>
-              <a:rPr dirty="0">
-                <a:solidFill>
-                  <a:schemeClr val="tx1">
-                    <a:lumMod val="65000"/>
-                    <a:lumOff val="35000"/>
-                  </a:schemeClr>
-                </a:solidFill>
-                <a:latin typeface="Arial Unicode MS"/>
-              </a:rPr>
-              <a:t>
-</a:t>
-            </a:r>
-            <a:r>
-              <a:rPr sz="1600" dirty="0">
-                <a:solidFill>
-                  <a:schemeClr val="tx1">
-                    <a:lumMod val="65000"/>
-                    <a:lumOff val="35000"/>
-                  </a:schemeClr>
-                </a:solidFill>
-                <a:latin typeface="Arial Unicode MS"/>
-              </a:rPr>
-              <a:t>{{</a:t>
-            </a:r>
-            <a:r>
-              <a:rPr sz="1600" dirty="0" err="1">
-                <a:solidFill>
-                  <a:schemeClr val="tx1">
-                    <a:lumMod val="65000"/>
-                    <a:lumOff val="35000"/>
-                  </a:schemeClr>
-                </a:solidFill>
-                <a:latin typeface="Arial Unicode MS"/>
-              </a:rPr>
-              <a:t>resumo</a:t>
-            </a:r>
-            <a:r>
-              <a:rPr lang="pt-BR" sz="1600" dirty="0">
-                <a:solidFill>
-                  <a:schemeClr val="tx1">
-                    <a:lumMod val="65000"/>
-                    <a:lumOff val="35000"/>
-                  </a:schemeClr>
-                </a:solidFill>
-                <a:latin typeface="Arial Unicode MS"/>
-              </a:rPr>
-              <a:t>0</a:t>
-            </a:r>
-            <a:r>
-              <a:rPr sz="1600" dirty="0">
-                <a:solidFill>
-                  <a:schemeClr val="tx1">
-                    <a:lumMod val="65000"/>
-                    <a:lumOff val="35000"/>
-                  </a:schemeClr>
-                </a:solidFill>
-                <a:latin typeface="Arial Unicode MS"/>
-              </a:rPr>
-              <a:t>}}</a:t>
             </a:r>
             <a:r>
               <a:rPr dirty="0">
@@ -3738,67 +3677,6 @@
               <a:t>
 </a:t>
             </a:r>
-            <a:r>
-              <a:rPr sz="1600" dirty="0">
-                <a:solidFill>
-                  <a:schemeClr val="tx1">
-                    <a:lumMod val="65000"/>
-                    <a:lumOff val="35000"/>
-                  </a:schemeClr>
-                </a:solidFill>
-                <a:latin typeface="Arial Unicode MS"/>
-              </a:rPr>
-              <a:t>{{</a:t>
-            </a:r>
-            <a:r>
-              <a:rPr sz="1600" dirty="0" err="1">
-                <a:solidFill>
-                  <a:schemeClr val="tx1">
-                    <a:lumMod val="65000"/>
-                    <a:lumOff val="35000"/>
-                  </a:schemeClr>
-                </a:solidFill>
-                <a:latin typeface="Arial Unicode MS"/>
-              </a:rPr>
-              <a:t>resumo</a:t>
-            </a:r>
-            <a:r>
-              <a:rPr lang="pt-BR" sz="1600" dirty="0">
-                <a:solidFill>
-                  <a:schemeClr val="tx1">
-                    <a:lumMod val="65000"/>
-                    <a:lumOff val="35000"/>
-                  </a:schemeClr>
-                </a:solidFill>
-                <a:latin typeface="Arial Unicode MS"/>
-              </a:rPr>
-              <a:t>1</a:t>
-            </a:r>
-            <a:r>
-              <a:rPr sz="1600" dirty="0">
-                <a:solidFill>
-                  <a:schemeClr val="tx1">
-                    <a:lumMod val="65000"/>
-                    <a:lumOff val="35000"/>
-                  </a:schemeClr>
-                </a:solidFill>
-                <a:latin typeface="Arial Unicode MS"/>
-              </a:rPr>
-              <a:t>}}</a:t>
-            </a:r>
-            <a:r>
-              <a:rPr dirty="0">
-                <a:solidFill>
-                  <a:schemeClr val="tx1">
-                    <a:lumMod val="65000"/>
-                    <a:lumOff val="35000"/>
-                  </a:schemeClr>
-                </a:solidFill>
-                <a:latin typeface="Arial Unicode MS"/>
-              </a:rPr>
-              <a:t>
-</a:t>
-            </a:r>
             <a:endParaRPr sz="1200" dirty="0">
               <a:solidFill>
                 <a:schemeClr val="tx1">
@@ -3826,7 +3704,7 @@
         <p:spPr>
           <a:xfrm>
             <a:off x="8158104" y="-1"/>
-            <a:ext cx="3931920" cy="1231106"/>
+            <a:ext cx="3931920" cy="954107"/>
           </a:xfrm>
           <a:prstGeom prst="rect">
             <a:avLst/>
@@ -3849,10 +3727,12 @@
                 </a:solidFill>
                 <a:latin typeface="Arial Unicode MS"/>
               </a:rPr>
-              <a:t>{{</a:t>
-            </a:r>
-            <a:r>
-              <a:rPr sz="2000" dirty="0" err="1">
+              <a:t>{{titulo2}}</a:t>
+            </a:r>
+          </a:p>
+          <a:p>
+            <a:r>
+              <a:rPr lang="pt-BR" sz="1200" dirty="0">
                 <a:solidFill>
                   <a:schemeClr val="tx1">
                     <a:lumMod val="65000"/>
@@ -3861,10 +3741,10 @@
                 </a:solidFill>
                 <a:latin typeface="Arial Unicode MS"/>
               </a:rPr>
-              <a:t>titulo</a:t>
-            </a:r>
-            <a:r>
-              <a:rPr lang="pt-BR" sz="2000" dirty="0">
+              <a:t>{{data2}}</a:t>
+            </a:r>
+            <a:r>
+              <a:rPr lang="pt-BR" dirty="0">
                 <a:solidFill>
                   <a:schemeClr val="tx1">
                     <a:lumMod val="65000"/>
@@ -3873,130 +3753,10 @@
                 </a:solidFill>
                 <a:latin typeface="Arial Unicode MS"/>
               </a:rPr>
-              <a:t>2</a:t>
-            </a:r>
-            <a:r>
-              <a:rPr sz="2000" dirty="0">
-                <a:solidFill>
-                  <a:schemeClr val="tx1">
-                    <a:lumMod val="65000"/>
-                    <a:lumOff val="35000"/>
-                  </a:schemeClr>
-                </a:solidFill>
-                <a:latin typeface="Arial Unicode MS"/>
-              </a:rPr>
-              <a:t>}}</a:t>
-            </a:r>
-            <a:endParaRPr lang="pt-BR" sz="2000" dirty="0">
-              <a:solidFill>
-                <a:schemeClr val="tx1">
-                  <a:lumMod val="65000"/>
-                  <a:lumOff val="35000"/>
-                </a:schemeClr>
-              </a:solidFill>
-              <a:latin typeface="Arial Unicode MS"/>
-            </a:endParaRPr>
-          </a:p>
-          <a:p>
-            <a:r>
-              <a:rPr lang="pt-BR" sz="1200" dirty="0">
-                <a:solidFill>
-                  <a:schemeClr val="tx1">
-                    <a:lumMod val="65000"/>
-                    <a:lumOff val="35000"/>
-                  </a:schemeClr>
-                </a:solidFill>
-                <a:latin typeface="Arial Unicode MS"/>
-              </a:rPr>
-              <a:t>{{data2}}</a:t>
-            </a:r>
-            <a:r>
-              <a:rPr lang="pt-BR" dirty="0">
-                <a:solidFill>
-                  <a:schemeClr val="tx1">
-                    <a:lumMod val="65000"/>
-                    <a:lumOff val="35000"/>
-                  </a:schemeClr>
-                </a:solidFill>
-                <a:latin typeface="Arial Unicode MS"/>
-              </a:rPr>
-              <a:t> </a:t>
-            </a:r>
-            <a:r>
-              <a:rPr dirty="0">
-                <a:solidFill>
-                  <a:schemeClr val="tx1">
-                    <a:lumMod val="65000"/>
-                    <a:lumOff val="35000"/>
-                  </a:schemeClr>
-                </a:solidFill>
-                <a:latin typeface="Arial Unicode MS"/>
-              </a:rPr>
-              <a:t>
+              <a:t> 
 </a:t>
             </a:r>
-            <a:r>
-              <a:rPr sz="1600" dirty="0">
-                <a:solidFill>
-                  <a:schemeClr val="tx1">
-                    <a:lumMod val="65000"/>
-                    <a:lumOff val="35000"/>
-                  </a:schemeClr>
-                </a:solidFill>
-                <a:latin typeface="Arial Unicode MS"/>
-              </a:rPr>
-              <a:t>{{</a:t>
-            </a:r>
-            <a:r>
-              <a:rPr sz="1600" dirty="0" err="1">
-                <a:solidFill>
-                  <a:schemeClr val="tx1">
-                    <a:lumMod val="65000"/>
-                    <a:lumOff val="35000"/>
-                  </a:schemeClr>
-                </a:solidFill>
-                <a:latin typeface="Arial Unicode MS"/>
-              </a:rPr>
-              <a:t>resumo</a:t>
-            </a:r>
-            <a:r>
-              <a:rPr lang="pt-BR" sz="1600" dirty="0">
-                <a:solidFill>
-                  <a:schemeClr val="tx1">
-                    <a:lumMod val="65000"/>
-                    <a:lumOff val="35000"/>
-                  </a:schemeClr>
-                </a:solidFill>
-                <a:latin typeface="Arial Unicode MS"/>
-              </a:rPr>
-              <a:t>2</a:t>
-            </a:r>
-            <a:r>
-              <a:rPr sz="1600" dirty="0">
-                <a:solidFill>
-                  <a:schemeClr val="tx1">
-                    <a:lumMod val="65000"/>
-                    <a:lumOff val="35000"/>
-                  </a:schemeClr>
-                </a:solidFill>
-                <a:latin typeface="Arial Unicode MS"/>
-              </a:rPr>
-              <a:t>}}</a:t>
-            </a:r>
-            <a:r>
-              <a:rPr dirty="0">
-                <a:solidFill>
-                  <a:schemeClr val="tx1">
-                    <a:lumMod val="65000"/>
-                    <a:lumOff val="35000"/>
-                  </a:schemeClr>
-                </a:solidFill>
-                <a:latin typeface="Arial Unicode MS"/>
-              </a:rPr>
-              <a:t>
-</a:t>
-            </a:r>
-            <a:endParaRPr sz="1200" dirty="0">
+            <a:endParaRPr lang="pt-BR" sz="1200" dirty="0">
               <a:solidFill>
                 <a:schemeClr val="tx1">
                   <a:lumMod val="65000"/>
@@ -4132,67 +3892,6 @@
               <a:t>
 </a:t>
             </a:r>
-            <a:r>
-              <a:rPr sz="1600" dirty="0">
-                <a:solidFill>
-                  <a:schemeClr val="tx1">
-                    <a:lumMod val="65000"/>
-                    <a:lumOff val="35000"/>
-                  </a:schemeClr>
-                </a:solidFill>
-                <a:latin typeface="Arial Unicode MS"/>
-              </a:rPr>
-              <a:t>{{</a:t>
-            </a:r>
-            <a:r>
-              <a:rPr sz="1600" dirty="0" err="1">
-                <a:solidFill>
-                  <a:schemeClr val="tx1">
-                    <a:lumMod val="65000"/>
-                    <a:lumOff val="35000"/>
-                  </a:schemeClr>
-                </a:solidFill>
-                <a:latin typeface="Arial Unicode MS"/>
-              </a:rPr>
-              <a:t>resumo</a:t>
-            </a:r>
-            <a:r>
-              <a:rPr lang="pt-BR" sz="1600" dirty="0">
-                <a:solidFill>
-                  <a:schemeClr val="tx1">
-                    <a:lumMod val="65000"/>
-                    <a:lumOff val="35000"/>
-                  </a:schemeClr>
-                </a:solidFill>
-                <a:latin typeface="Arial Unicode MS"/>
-              </a:rPr>
-              <a:t>3</a:t>
-            </a:r>
-            <a:r>
-              <a:rPr sz="1600" dirty="0">
-                <a:solidFill>
-                  <a:schemeClr val="tx1">
-                    <a:lumMod val="65000"/>
-                    <a:lumOff val="35000"/>
-                  </a:schemeClr>
-                </a:solidFill>
-                <a:latin typeface="Arial Unicode MS"/>
-              </a:rPr>
-              <a:t>}}</a:t>
-            </a:r>
-            <a:r>
-              <a:rPr dirty="0">
-                <a:solidFill>
-                  <a:schemeClr val="tx1">
-                    <a:lumMod val="65000"/>
-                    <a:lumOff val="35000"/>
-                  </a:schemeClr>
-                </a:solidFill>
-                <a:latin typeface="Arial Unicode MS"/>
-              </a:rPr>
-              <a:t>
-</a:t>
-            </a:r>
             <a:endParaRPr sz="1200" dirty="0">
               <a:solidFill>
                 <a:schemeClr val="tx1">
@@ -4329,67 +4028,6 @@
               <a:t>
 </a:t>
             </a:r>
-            <a:r>
-              <a:rPr sz="1600" dirty="0">
-                <a:solidFill>
-                  <a:schemeClr val="tx1">
-                    <a:lumMod val="65000"/>
-                    <a:lumOff val="35000"/>
-                  </a:schemeClr>
-                </a:solidFill>
-                <a:latin typeface="Arial Unicode MS"/>
-              </a:rPr>
-              <a:t>{{</a:t>
-            </a:r>
-            <a:r>
-              <a:rPr sz="1600" dirty="0" err="1">
-                <a:solidFill>
-                  <a:schemeClr val="tx1">
-                    <a:lumMod val="65000"/>
-                    <a:lumOff val="35000"/>
-                  </a:schemeClr>
-                </a:solidFill>
-                <a:latin typeface="Arial Unicode MS"/>
-              </a:rPr>
-              <a:t>resumo</a:t>
-            </a:r>
-            <a:r>
-              <a:rPr lang="pt-BR" sz="1600" dirty="0">
-                <a:solidFill>
-                  <a:schemeClr val="tx1">
-                    <a:lumMod val="65000"/>
-                    <a:lumOff val="35000"/>
-                  </a:schemeClr>
-                </a:solidFill>
-                <a:latin typeface="Arial Unicode MS"/>
-              </a:rPr>
-              <a:t>4</a:t>
-            </a:r>
-            <a:r>
-              <a:rPr sz="1600" dirty="0">
-                <a:solidFill>
-                  <a:schemeClr val="tx1">
-                    <a:lumMod val="65000"/>
-                    <a:lumOff val="35000"/>
-                  </a:schemeClr>
-                </a:solidFill>
-                <a:latin typeface="Arial Unicode MS"/>
-              </a:rPr>
-              <a:t>}}</a:t>
-            </a:r>
-            <a:r>
-              <a:rPr dirty="0">
-                <a:solidFill>
-                  <a:schemeClr val="tx1">
-                    <a:lumMod val="65000"/>
-                    <a:lumOff val="35000"/>
-                  </a:schemeClr>
-                </a:solidFill>
-                <a:latin typeface="Arial Unicode MS"/>
-              </a:rPr>
-              <a:t>
-</a:t>
-            </a:r>
             <a:endParaRPr sz="1200" dirty="0">
               <a:solidFill>
                 <a:schemeClr val="tx1">
@@ -4526,67 +4164,6 @@
               <a:t>
 </a:t>
             </a:r>
-            <a:r>
-              <a:rPr sz="1600" dirty="0">
-                <a:solidFill>
-                  <a:schemeClr val="tx1">
-                    <a:lumMod val="65000"/>
-                    <a:lumOff val="35000"/>
-                  </a:schemeClr>
-                </a:solidFill>
-                <a:latin typeface="Arial Unicode MS"/>
-              </a:rPr>
-              <a:t>{{</a:t>
-            </a:r>
-            <a:r>
-              <a:rPr sz="1600" dirty="0" err="1">
-                <a:solidFill>
-                  <a:schemeClr val="tx1">
-                    <a:lumMod val="65000"/>
-                    <a:lumOff val="35000"/>
-                  </a:schemeClr>
-                </a:solidFill>
-                <a:latin typeface="Arial Unicode MS"/>
-              </a:rPr>
-              <a:t>resumo</a:t>
-            </a:r>
-            <a:r>
-              <a:rPr lang="pt-BR" sz="1600" dirty="0">
-                <a:solidFill>
-                  <a:schemeClr val="tx1">
-                    <a:lumMod val="65000"/>
-                    <a:lumOff val="35000"/>
-                  </a:schemeClr>
-                </a:solidFill>
-                <a:latin typeface="Arial Unicode MS"/>
-              </a:rPr>
-              <a:t>5</a:t>
-            </a:r>
-            <a:r>
-              <a:rPr sz="1600" dirty="0">
-                <a:solidFill>
-                  <a:schemeClr val="tx1">
-                    <a:lumMod val="65000"/>
-                    <a:lumOff val="35000"/>
-                  </a:schemeClr>
-                </a:solidFill>
-                <a:latin typeface="Arial Unicode MS"/>
-              </a:rPr>
-              <a:t>}}</a:t>
-            </a:r>
-            <a:r>
-              <a:rPr dirty="0">
-                <a:solidFill>
-                  <a:schemeClr val="tx1">
-                    <a:lumMod val="65000"/>
-                    <a:lumOff val="35000"/>
-                  </a:schemeClr>
-                </a:solidFill>
-                <a:latin typeface="Arial Unicode MS"/>
-              </a:rPr>
-              <a:t>
-</a:t>
-            </a:r>
             <a:endParaRPr sz="1200" dirty="0">
               <a:solidFill>
                 <a:schemeClr val="tx1">
@@ -4947,6 +4524,296 @@
               <a:t>Fonte: {{link5}}</a:t>
             </a:r>
             <a:endParaRPr lang="pt-BR" sz="1000" dirty="0"/>
+          </a:p>
+        </p:txBody>
+      </p:sp>
+      <p:sp>
+        <p:nvSpPr>
+          <p:cNvPr id="5" name="CaixaDeTexto 4">
+            <a:extLst>
+              <a:ext uri="{FF2B5EF4-FFF2-40B4-BE49-F238E27FC236}">
+                <a16:creationId xmlns:a16="http://schemas.microsoft.com/office/drawing/2014/main" id="{A9DFC998-4BE6-62D5-5263-14A4F1427E74}"/>
+              </a:ext>
+            </a:extLst>
+          </p:cNvPr>
+          <p:cNvSpPr txBox="1"/>
+          <p:nvPr/>
+        </p:nvSpPr>
+        <p:spPr>
+          <a:xfrm>
+            <a:off x="15240" y="1338829"/>
+            <a:ext cx="3842036" cy="646331"/>
+          </a:xfrm>
+          <a:prstGeom prst="rect">
+            <a:avLst/>
+          </a:prstGeom>
+          <a:noFill/>
+        </p:spPr>
+        <p:txBody>
+          <a:bodyPr wrap="square">
+            <a:spAutoFit/>
+          </a:bodyPr>
+          <a:lstStyle/>
+          <a:p>
+            <a:r>
+              <a:rPr lang="pt-BR" sz="1800" dirty="0">
+                <a:solidFill>
+                  <a:schemeClr val="tx1">
+                    <a:lumMod val="65000"/>
+                    <a:lumOff val="35000"/>
+                  </a:schemeClr>
+                </a:solidFill>
+                <a:latin typeface="Arial Unicode MS"/>
+              </a:rPr>
+              <a:t>{{resumo0}}</a:t>
+            </a:r>
+            <a:r>
+              <a:rPr lang="pt-BR" dirty="0">
+                <a:solidFill>
+                  <a:schemeClr val="tx1">
+                    <a:lumMod val="65000"/>
+                    <a:lumOff val="35000"/>
+                  </a:schemeClr>
+                </a:solidFill>
+                <a:latin typeface="Arial Unicode MS"/>
+              </a:rPr>
+              <a:t>
+</a:t>
+            </a:r>
+            <a:endParaRPr lang="pt-BR" dirty="0"/>
+          </a:p>
+        </p:txBody>
+      </p:sp>
+      <p:sp>
+        <p:nvSpPr>
+          <p:cNvPr id="14" name="CaixaDeTexto 13">
+            <a:extLst>
+              <a:ext uri="{FF2B5EF4-FFF2-40B4-BE49-F238E27FC236}">
+                <a16:creationId xmlns:a16="http://schemas.microsoft.com/office/drawing/2014/main" id="{7CC47754-0589-049B-9710-CED68F7200F4}"/>
+              </a:ext>
+            </a:extLst>
+          </p:cNvPr>
+          <p:cNvSpPr txBox="1"/>
+          <p:nvPr/>
+        </p:nvSpPr>
+        <p:spPr>
+          <a:xfrm>
+            <a:off x="4107570" y="1360676"/>
+            <a:ext cx="3931920" cy="369332"/>
+          </a:xfrm>
+          <a:prstGeom prst="rect">
+            <a:avLst/>
+          </a:prstGeom>
+          <a:noFill/>
+        </p:spPr>
+        <p:txBody>
+          <a:bodyPr wrap="square">
+            <a:spAutoFit/>
+          </a:bodyPr>
+          <a:lstStyle/>
+          <a:p>
+            <a:r>
+              <a:rPr lang="pt-BR" sz="1800" dirty="0">
+                <a:solidFill>
+                  <a:schemeClr val="tx1">
+                    <a:lumMod val="65000"/>
+                    <a:lumOff val="35000"/>
+                  </a:schemeClr>
+                </a:solidFill>
+                <a:latin typeface="Arial Unicode MS"/>
+              </a:rPr>
+              <a:t>{{resumo1}}</a:t>
+            </a:r>
+            <a:endParaRPr lang="pt-BR" dirty="0"/>
+          </a:p>
+        </p:txBody>
+      </p:sp>
+      <p:sp>
+        <p:nvSpPr>
+          <p:cNvPr id="21" name="CaixaDeTexto 20">
+            <a:extLst>
+              <a:ext uri="{FF2B5EF4-FFF2-40B4-BE49-F238E27FC236}">
+                <a16:creationId xmlns:a16="http://schemas.microsoft.com/office/drawing/2014/main" id="{D79E61BA-65EE-DDB8-A52D-C68C03663DA3}"/>
+              </a:ext>
+            </a:extLst>
+          </p:cNvPr>
+          <p:cNvSpPr txBox="1"/>
+          <p:nvPr/>
+        </p:nvSpPr>
+        <p:spPr>
+          <a:xfrm>
+            <a:off x="8198647" y="1338828"/>
+            <a:ext cx="3850833" cy="646331"/>
+          </a:xfrm>
+          <a:prstGeom prst="rect">
+            <a:avLst/>
+          </a:prstGeom>
+          <a:noFill/>
+        </p:spPr>
+        <p:txBody>
+          <a:bodyPr wrap="square">
+            <a:spAutoFit/>
+          </a:bodyPr>
+          <a:lstStyle/>
+          <a:p>
+            <a:r>
+              <a:rPr lang="pt-BR" sz="1800" dirty="0">
+                <a:solidFill>
+                  <a:schemeClr val="tx1">
+                    <a:lumMod val="65000"/>
+                    <a:lumOff val="35000"/>
+                  </a:schemeClr>
+                </a:solidFill>
+                <a:latin typeface="Arial Unicode MS"/>
+              </a:rPr>
+              <a:t>{{resumo2}}</a:t>
+            </a:r>
+            <a:r>
+              <a:rPr lang="pt-BR" dirty="0">
+                <a:solidFill>
+                  <a:schemeClr val="tx1">
+                    <a:lumMod val="65000"/>
+                    <a:lumOff val="35000"/>
+                  </a:schemeClr>
+                </a:solidFill>
+                <a:latin typeface="Arial Unicode MS"/>
+              </a:rPr>
+              <a:t>
+</a:t>
+            </a:r>
+            <a:endParaRPr lang="pt-BR" dirty="0"/>
+          </a:p>
+        </p:txBody>
+      </p:sp>
+      <p:sp>
+        <p:nvSpPr>
+          <p:cNvPr id="25" name="CaixaDeTexto 24">
+            <a:extLst>
+              <a:ext uri="{FF2B5EF4-FFF2-40B4-BE49-F238E27FC236}">
+                <a16:creationId xmlns:a16="http://schemas.microsoft.com/office/drawing/2014/main" id="{AFE64C49-0116-E664-D36B-B4B02B7255C1}"/>
+              </a:ext>
+            </a:extLst>
+          </p:cNvPr>
+          <p:cNvSpPr txBox="1"/>
+          <p:nvPr/>
+        </p:nvSpPr>
+        <p:spPr>
+          <a:xfrm>
+            <a:off x="109503" y="4612143"/>
+            <a:ext cx="3837657" cy="369332"/>
+          </a:xfrm>
+          <a:prstGeom prst="rect">
+            <a:avLst/>
+          </a:prstGeom>
+          <a:noFill/>
+        </p:spPr>
+        <p:txBody>
+          <a:bodyPr wrap="square">
+            <a:spAutoFit/>
+          </a:bodyPr>
+          <a:lstStyle/>
+          <a:p>
+            <a:r>
+              <a:rPr lang="pt-BR" sz="1800" dirty="0">
+                <a:solidFill>
+                  <a:schemeClr val="tx1">
+                    <a:lumMod val="65000"/>
+                    <a:lumOff val="35000"/>
+                  </a:schemeClr>
+                </a:solidFill>
+                <a:latin typeface="Arial Unicode MS"/>
+              </a:rPr>
+              <a:t>{{resumo3}}</a:t>
+            </a:r>
+            <a:endParaRPr lang="pt-BR" dirty="0"/>
+          </a:p>
+        </p:txBody>
+      </p:sp>
+      <p:sp>
+        <p:nvSpPr>
+          <p:cNvPr id="27" name="CaixaDeTexto 26">
+            <a:extLst>
+              <a:ext uri="{FF2B5EF4-FFF2-40B4-BE49-F238E27FC236}">
+                <a16:creationId xmlns:a16="http://schemas.microsoft.com/office/drawing/2014/main" id="{F1F55672-B764-EE43-A50C-D5DCCAE6BC70}"/>
+              </a:ext>
+            </a:extLst>
+          </p:cNvPr>
+          <p:cNvSpPr txBox="1"/>
+          <p:nvPr/>
+        </p:nvSpPr>
+        <p:spPr>
+          <a:xfrm>
+            <a:off x="4233009" y="4611985"/>
+            <a:ext cx="3732741" cy="369332"/>
+          </a:xfrm>
+          <a:prstGeom prst="rect">
+            <a:avLst/>
+          </a:prstGeom>
+          <a:noFill/>
+        </p:spPr>
+        <p:txBody>
+          <a:bodyPr wrap="square">
+            <a:spAutoFit/>
+          </a:bodyPr>
+          <a:lstStyle/>
+          <a:p>
+            <a:r>
+              <a:rPr lang="pt-BR" sz="1800" dirty="0">
+                <a:solidFill>
+                  <a:schemeClr val="tx1">
+                    <a:lumMod val="65000"/>
+                    <a:lumOff val="35000"/>
+                  </a:schemeClr>
+                </a:solidFill>
+                <a:latin typeface="Arial Unicode MS"/>
+              </a:rPr>
+              <a:t>{{resumo4}}</a:t>
+            </a:r>
+            <a:endParaRPr lang="pt-BR" dirty="0"/>
+          </a:p>
+        </p:txBody>
+      </p:sp>
+      <p:sp>
+        <p:nvSpPr>
+          <p:cNvPr id="29" name="CaixaDeTexto 28">
+            <a:extLst>
+              <a:ext uri="{FF2B5EF4-FFF2-40B4-BE49-F238E27FC236}">
+                <a16:creationId xmlns:a16="http://schemas.microsoft.com/office/drawing/2014/main" id="{74E646E7-191A-D42F-683D-6B13EA3CD925}"/>
+              </a:ext>
+            </a:extLst>
+          </p:cNvPr>
+          <p:cNvSpPr txBox="1"/>
+          <p:nvPr/>
+        </p:nvSpPr>
+        <p:spPr>
+          <a:xfrm>
+            <a:off x="8198647" y="4611985"/>
+            <a:ext cx="3891376" cy="369332"/>
+          </a:xfrm>
+          <a:prstGeom prst="rect">
+            <a:avLst/>
+          </a:prstGeom>
+          <a:noFill/>
+        </p:spPr>
+        <p:txBody>
+          <a:bodyPr wrap="square">
+            <a:spAutoFit/>
+          </a:bodyPr>
+          <a:lstStyle/>
+          <a:p>
+            <a:r>
+              <a:rPr lang="pt-BR" sz="1800" dirty="0">
+                <a:solidFill>
+                  <a:schemeClr val="tx1">
+                    <a:lumMod val="65000"/>
+                    <a:lumOff val="35000"/>
+                  </a:schemeClr>
+                </a:solidFill>
+                <a:latin typeface="Arial Unicode MS"/>
+              </a:rPr>
+              <a:t>{{resumo5}}</a:t>
+            </a:r>
+            <a:endParaRPr lang="pt-BR" dirty="0"/>
           </a:p>
         </p:txBody>
       </p:sp>
@@ -4966,7 +4833,7 @@
 <file path=ppt/theme/theme1.xml><?xml version="1.0" encoding="utf-8"?>
 <a:theme xmlns:a="http://schemas.openxmlformats.org/drawingml/2006/main" name="Tema do Office">
   <a:themeElements>
-    <a:clrScheme name="Office">
+    <a:clrScheme name="Personalizada 1">
       <a:dk1>
         <a:sysClr val="windowText" lastClr="000000"/>
       </a:dk1>
@@ -4998,7 +4865,7 @@
         <a:srgbClr val="4EA72E"/>
       </a:accent6>
       <a:hlink>
-        <a:srgbClr val="467886"/>
+        <a:srgbClr val="FF0000"/>
       </a:hlink>
       <a:folHlink>
         <a:srgbClr val="96607D"/>

--- a/template.pptx
+++ b/template.pptx
@@ -4541,8 +4541,8 @@
         </p:nvSpPr>
         <p:spPr>
           <a:xfrm>
-            <a:off x="15240" y="1338829"/>
-            <a:ext cx="3842036" cy="646331"/>
+            <a:off x="0" y="961802"/>
+            <a:ext cx="3842036" cy="369332"/>
           </a:xfrm>
           <a:prstGeom prst="rect">
             <a:avLst/>
@@ -4567,19 +4567,6 @@
               </a:rPr>
               <a:t>{{resumo0}}</a:t>
             </a:r>
-            <a:r>
-              <a:rPr lang="pt-BR" dirty="0">
-                <a:solidFill>
-                  <a:schemeClr val="tx1">
-                    <a:lumMod val="65000"/>
-                    <a:lumOff val="35000"/>
-                  </a:schemeClr>
-                </a:solidFill>
-                <a:latin typeface="Arial Unicode MS"/>
-              </a:rPr>
-              <a:t>
-</a:t>
-            </a:r>
             <a:endParaRPr lang="pt-BR" dirty="0"/>
           </a:p>
         </p:txBody>
@@ -4598,7 +4585,7 @@
         </p:nvSpPr>
         <p:spPr>
           <a:xfrm>
-            <a:off x="4107570" y="1360676"/>
+            <a:off x="4041423" y="958805"/>
             <a:ext cx="3931920" cy="369332"/>
           </a:xfrm>
           <a:prstGeom prst="rect">
@@ -4642,8 +4629,8 @@
         </p:nvSpPr>
         <p:spPr>
           <a:xfrm>
-            <a:off x="8198647" y="1338828"/>
-            <a:ext cx="3850833" cy="646331"/>
+            <a:off x="8198647" y="954589"/>
+            <a:ext cx="3850833" cy="369332"/>
           </a:xfrm>
           <a:prstGeom prst="rect">
             <a:avLst/>
@@ -4668,19 +4655,6 @@
               </a:rPr>
               <a:t>{{resumo2}}</a:t>
             </a:r>
-            <a:r>
-              <a:rPr lang="pt-BR" dirty="0">
-                <a:solidFill>
-                  <a:schemeClr val="tx1">
-                    <a:lumMod val="65000"/>
-                    <a:lumOff val="35000"/>
-                  </a:schemeClr>
-                </a:solidFill>
-                <a:latin typeface="Arial Unicode MS"/>
-              </a:rPr>
-              <a:t>
-</a:t>
-            </a:r>
             <a:endParaRPr lang="pt-BR" dirty="0"/>
           </a:p>
         </p:txBody>
@@ -4699,7 +4673,7 @@
         </p:nvSpPr>
         <p:spPr>
           <a:xfrm>
-            <a:off x="109503" y="4612143"/>
+            <a:off x="42886" y="4242653"/>
             <a:ext cx="3837657" cy="369332"/>
           </a:xfrm>
           <a:prstGeom prst="rect">
@@ -4743,7 +4717,7 @@
         </p:nvSpPr>
         <p:spPr>
           <a:xfrm>
-            <a:off x="4233009" y="4611985"/>
+            <a:off x="4202303" y="4242653"/>
             <a:ext cx="3732741" cy="369332"/>
           </a:xfrm>
           <a:prstGeom prst="rect">
@@ -4787,7 +4761,7 @@
         </p:nvSpPr>
         <p:spPr>
           <a:xfrm>
-            <a:off x="8198647" y="4611985"/>
+            <a:off x="8178375" y="4242653"/>
             <a:ext cx="3891376" cy="369332"/>
           </a:xfrm>
           <a:prstGeom prst="rect">

--- a/template.pptx
+++ b/template.pptx
@@ -4055,7 +4055,7 @@
         <p:spPr>
           <a:xfrm>
             <a:off x="8239191" y="3259964"/>
-            <a:ext cx="3931920" cy="1231106"/>
+            <a:ext cx="3843304" cy="1231106"/>
           </a:xfrm>
           <a:prstGeom prst="rect">
             <a:avLst/>
@@ -4629,8 +4629,8 @@
         </p:nvSpPr>
         <p:spPr>
           <a:xfrm>
-            <a:off x="8198647" y="954589"/>
-            <a:ext cx="3850833" cy="369332"/>
+            <a:off x="8158103" y="954106"/>
+            <a:ext cx="3931919" cy="369332"/>
           </a:xfrm>
           <a:prstGeom prst="rect">
             <a:avLst/>
@@ -4718,7 +4718,7 @@
         <p:spPr>
           <a:xfrm>
             <a:off x="4202303" y="4242653"/>
-            <a:ext cx="3732741" cy="369332"/>
+            <a:ext cx="3859656" cy="369332"/>
           </a:xfrm>
           <a:prstGeom prst="rect">
             <a:avLst/>
@@ -4761,8 +4761,8 @@
         </p:nvSpPr>
         <p:spPr>
           <a:xfrm>
-            <a:off x="8178375" y="4242653"/>
-            <a:ext cx="3891376" cy="369332"/>
+            <a:off x="8178374" y="4242653"/>
+            <a:ext cx="3904121" cy="369332"/>
           </a:xfrm>
           <a:prstGeom prst="rect">
             <a:avLst/>

--- a/template.pptx
+++ b/template.pptx
@@ -3782,7 +3782,7 @@
         </p:nvSpPr>
         <p:spPr>
           <a:xfrm>
-            <a:off x="109503" y="3259964"/>
+            <a:off x="-4246" y="3259964"/>
             <a:ext cx="3931920" cy="1231106"/>
           </a:xfrm>
           <a:prstGeom prst="rect">
@@ -3918,7 +3918,7 @@
         </p:nvSpPr>
         <p:spPr>
           <a:xfrm>
-            <a:off x="4130039" y="3259964"/>
+            <a:off x="4041423" y="3259964"/>
             <a:ext cx="3931920" cy="1231106"/>
           </a:xfrm>
           <a:prstGeom prst="rect">
@@ -4717,7 +4717,7 @@
         </p:nvSpPr>
         <p:spPr>
           <a:xfrm>
-            <a:off x="4202303" y="4242653"/>
+            <a:off x="4073310" y="4242653"/>
             <a:ext cx="3859656" cy="369332"/>
           </a:xfrm>
           <a:prstGeom prst="rect">
